--- a/NFL_concussion_study.pptx
+++ b/NFL_concussion_study.pptx
@@ -6,13 +6,24 @@
   </p:sldMasterIdLst>
   <p:sldIdLst>
     <p:sldId id="256" r:id="rId2"/>
-    <p:sldId id="257" r:id="rId3"/>
-    <p:sldId id="258" r:id="rId4"/>
-    <p:sldId id="259" r:id="rId5"/>
-    <p:sldId id="260" r:id="rId6"/>
-    <p:sldId id="261" r:id="rId7"/>
-    <p:sldId id="262" r:id="rId8"/>
-    <p:sldId id="263" r:id="rId9"/>
+    <p:sldId id="264" r:id="rId3"/>
+    <p:sldId id="272" r:id="rId4"/>
+    <p:sldId id="278" r:id="rId5"/>
+    <p:sldId id="273" r:id="rId6"/>
+    <p:sldId id="268" r:id="rId7"/>
+    <p:sldId id="274" r:id="rId8"/>
+    <p:sldId id="275" r:id="rId9"/>
+    <p:sldId id="279" r:id="rId10"/>
+    <p:sldId id="258" r:id="rId11"/>
+    <p:sldId id="259" r:id="rId12"/>
+    <p:sldId id="265" r:id="rId13"/>
+    <p:sldId id="260" r:id="rId14"/>
+    <p:sldId id="276" r:id="rId15"/>
+    <p:sldId id="261" r:id="rId16"/>
+    <p:sldId id="277" r:id="rId17"/>
+    <p:sldId id="262" r:id="rId18"/>
+    <p:sldId id="263" r:id="rId19"/>
+    <p:sldId id="257" r:id="rId20"/>
   </p:sldIdLst>
   <p:sldSz cx="12192000" cy="6858000"/>
   <p:notesSz cx="6858000" cy="9144000"/>
@@ -111,6 +122,11 @@
       </a:defRPr>
     </a:lvl9pPr>
   </p:defaultTextStyle>
+  <p:extLst>
+    <p:ext uri="{EFAFB233-063F-42B5-8137-9DF3F51BA10A}">
+      <p15:sldGuideLst xmlns:p15="http://schemas.microsoft.com/office/powerpoint/2012/main"/>
+    </p:ext>
+  </p:extLst>
 </p:presentation>
 </file>
 
@@ -253,7 +269,7 @@
           <a:p>
             <a:fld id="{48A87A34-81AB-432B-8DAE-1953F412C126}" type="datetimeFigureOut">
               <a:rPr lang="en-US" dirty="0"/>
-              <a:t>1/29/2023</a:t>
+              <a:t>1/30/2023</a:t>
             </a:fld>
             <a:endParaRPr lang="en-US" dirty="0"/>
           </a:p>
@@ -459,7 +475,7 @@
           <a:p>
             <a:fld id="{48A87A34-81AB-432B-8DAE-1953F412C126}" type="datetimeFigureOut">
               <a:rPr lang="en-US" dirty="0"/>
-              <a:t>1/29/2023</a:t>
+              <a:t>1/30/2023</a:t>
             </a:fld>
             <a:endParaRPr lang="en-US" dirty="0"/>
           </a:p>
@@ -669,7 +685,7 @@
           <a:p>
             <a:fld id="{48A87A34-81AB-432B-8DAE-1953F412C126}" type="datetimeFigureOut">
               <a:rPr lang="en-US" dirty="0"/>
-              <a:t>1/29/2023</a:t>
+              <a:t>1/30/2023</a:t>
             </a:fld>
             <a:endParaRPr lang="en-US" dirty="0"/>
           </a:p>
@@ -756,6 +772,4469 @@
 </p:sldLayout>
 </file>
 
+<file path=ppt/slideLayouts/slideLayout12.xml><?xml version="1.0" encoding="utf-8"?>
+<p:sldLayout xmlns:a="http://schemas.openxmlformats.org/drawingml/2006/main" xmlns:r="http://schemas.openxmlformats.org/officeDocument/2006/relationships" xmlns:p="http://schemas.openxmlformats.org/presentationml/2006/main" userDrawn="1">
+  <p:cSld name="Chart">
+    <p:bg>
+      <p:bgPr>
+        <a:solidFill>
+          <a:schemeClr val="accent1"/>
+        </a:solidFill>
+        <a:effectLst/>
+      </p:bgPr>
+    </p:bg>
+    <p:spTree>
+      <p:nvGrpSpPr>
+        <p:cNvPr id="1" name=""/>
+        <p:cNvGrpSpPr/>
+        <p:nvPr/>
+      </p:nvGrpSpPr>
+      <p:grpSpPr>
+        <a:xfrm>
+          <a:off x="0" y="0"/>
+          <a:ext cx="0" cy="0"/>
+          <a:chOff x="0" y="0"/>
+          <a:chExt cx="0" cy="0"/>
+        </a:xfrm>
+      </p:grpSpPr>
+      <p:sp>
+        <p:nvSpPr>
+          <p:cNvPr id="2" name="Title 1">
+            <a:extLst>
+              <a:ext uri="{FF2B5EF4-FFF2-40B4-BE49-F238E27FC236}">
+                <a16:creationId xmlns:a16="http://schemas.microsoft.com/office/drawing/2014/main" id="{EE5C4E19-B78B-4E39-B661-7E6A2E6C5002}"/>
+              </a:ext>
+            </a:extLst>
+          </p:cNvPr>
+          <p:cNvSpPr>
+            <a:spLocks noGrp="1"/>
+          </p:cNvSpPr>
+          <p:nvPr>
+            <p:ph type="title" hasCustomPrompt="1"/>
+          </p:nvPr>
+        </p:nvSpPr>
+        <p:spPr/>
+        <p:txBody>
+          <a:bodyPr>
+            <a:normAutofit/>
+          </a:bodyPr>
+          <a:lstStyle>
+            <a:lvl1pPr algn="ctr">
+              <a:defRPr lang="en-US" sz="2800" kern="1200" spc="150" baseline="0" dirty="0">
+                <a:solidFill>
+                  <a:schemeClr val="tx1"/>
+                </a:solidFill>
+                <a:latin typeface="+mj-lt"/>
+                <a:ea typeface="+mj-ea"/>
+                <a:cs typeface="+mj-cs"/>
+              </a:defRPr>
+            </a:lvl1pPr>
+          </a:lstStyle>
+          <a:p>
+            <a:r>
+              <a:rPr lang="en-US"/>
+              <a:t>CLICK TO EDIT MASTER TITLE STYLE</a:t>
+            </a:r>
+          </a:p>
+        </p:txBody>
+      </p:sp>
+      <p:sp>
+        <p:nvSpPr>
+          <p:cNvPr id="3" name="Date Placeholder 2">
+            <a:extLst>
+              <a:ext uri="{FF2B5EF4-FFF2-40B4-BE49-F238E27FC236}">
+                <a16:creationId xmlns:a16="http://schemas.microsoft.com/office/drawing/2014/main" id="{7E085D26-FA83-4414-959E-98936A772670}"/>
+              </a:ext>
+            </a:extLst>
+          </p:cNvPr>
+          <p:cNvSpPr>
+            <a:spLocks noGrp="1"/>
+          </p:cNvSpPr>
+          <p:nvPr>
+            <p:ph type="dt" sz="half" idx="10"/>
+          </p:nvPr>
+        </p:nvSpPr>
+        <p:spPr/>
+        <p:txBody>
+          <a:bodyPr/>
+          <a:lstStyle>
+            <a:lvl1pPr>
+              <a:defRPr sz="900"/>
+            </a:lvl1pPr>
+          </a:lstStyle>
+          <a:p>
+            <a:r>
+              <a:rPr lang="en-US" dirty="0"/>
+              <a:t>20XX</a:t>
+            </a:r>
+          </a:p>
+        </p:txBody>
+      </p:sp>
+      <p:sp>
+        <p:nvSpPr>
+          <p:cNvPr id="4" name="Footer Placeholder 3">
+            <a:extLst>
+              <a:ext uri="{FF2B5EF4-FFF2-40B4-BE49-F238E27FC236}">
+                <a16:creationId xmlns:a16="http://schemas.microsoft.com/office/drawing/2014/main" id="{1FB52E93-DE4C-4341-8D83-F0230E38B1A1}"/>
+              </a:ext>
+            </a:extLst>
+          </p:cNvPr>
+          <p:cNvSpPr>
+            <a:spLocks noGrp="1"/>
+          </p:cNvSpPr>
+          <p:nvPr>
+            <p:ph type="ftr" sz="quarter" idx="11"/>
+          </p:nvPr>
+        </p:nvSpPr>
+        <p:spPr/>
+        <p:txBody>
+          <a:bodyPr/>
+          <a:lstStyle>
+            <a:lvl1pPr>
+              <a:defRPr sz="900"/>
+            </a:lvl1pPr>
+          </a:lstStyle>
+          <a:p>
+            <a:r>
+              <a:rPr lang="en-US" dirty="0"/>
+              <a:t>PRESENTATION TITLE</a:t>
+            </a:r>
+          </a:p>
+        </p:txBody>
+      </p:sp>
+      <p:sp>
+        <p:nvSpPr>
+          <p:cNvPr id="5" name="Slide Number Placeholder 4">
+            <a:extLst>
+              <a:ext uri="{FF2B5EF4-FFF2-40B4-BE49-F238E27FC236}">
+                <a16:creationId xmlns:a16="http://schemas.microsoft.com/office/drawing/2014/main" id="{AC467230-4A0F-4B18-8BA9-C3B2FDD59CB0}"/>
+              </a:ext>
+            </a:extLst>
+          </p:cNvPr>
+          <p:cNvSpPr>
+            <a:spLocks noGrp="1"/>
+          </p:cNvSpPr>
+          <p:nvPr>
+            <p:ph type="sldNum" sz="quarter" idx="12"/>
+          </p:nvPr>
+        </p:nvSpPr>
+        <p:spPr/>
+        <p:txBody>
+          <a:bodyPr/>
+          <a:lstStyle>
+            <a:lvl1pPr>
+              <a:defRPr sz="900"/>
+            </a:lvl1pPr>
+          </a:lstStyle>
+          <a:p>
+            <a:fld id="{A49DFD55-3C28-40EF-9E31-A92D2E4017FF}" type="slidenum">
+              <a:rPr lang="en-US" smtClean="0"/>
+              <a:pPr/>
+              <a:t>‹#›</a:t>
+            </a:fld>
+            <a:endParaRPr lang="en-US" dirty="0"/>
+          </a:p>
+        </p:txBody>
+      </p:sp>
+      <p:sp>
+        <p:nvSpPr>
+          <p:cNvPr id="7" name="Chart Placeholder 6">
+            <a:extLst>
+              <a:ext uri="{FF2B5EF4-FFF2-40B4-BE49-F238E27FC236}">
+                <a16:creationId xmlns:a16="http://schemas.microsoft.com/office/drawing/2014/main" id="{08AF2DB4-A973-4307-B59C-6058A138835C}"/>
+              </a:ext>
+            </a:extLst>
+          </p:cNvPr>
+          <p:cNvSpPr>
+            <a:spLocks noGrp="1"/>
+          </p:cNvSpPr>
+          <p:nvPr>
+            <p:ph type="chart" sz="quarter" idx="13"/>
+          </p:nvPr>
+        </p:nvSpPr>
+        <p:spPr>
+          <a:xfrm>
+            <a:off x="838200" y="2111608"/>
+            <a:ext cx="10515600" cy="3744912"/>
+          </a:xfrm>
+        </p:spPr>
+        <p:txBody>
+          <a:bodyPr/>
+          <a:lstStyle/>
+          <a:p>
+            <a:r>
+              <a:rPr lang="en-US"/>
+              <a:t>Click icon to add chart</a:t>
+            </a:r>
+            <a:endParaRPr lang="en-US" dirty="0"/>
+          </a:p>
+        </p:txBody>
+      </p:sp>
+    </p:spTree>
+    <p:extLst>
+      <p:ext uri="{BB962C8B-B14F-4D97-AF65-F5344CB8AC3E}">
+        <p14:creationId xmlns:p14="http://schemas.microsoft.com/office/powerpoint/2010/main" val="2463689142"/>
+      </p:ext>
+    </p:extLst>
+  </p:cSld>
+  <p:clrMapOvr>
+    <a:masterClrMapping/>
+  </p:clrMapOvr>
+</p:sldLayout>
+</file>
+
+<file path=ppt/slideLayouts/slideLayout13.xml><?xml version="1.0" encoding="utf-8"?>
+<p:sldLayout xmlns:a="http://schemas.openxmlformats.org/drawingml/2006/main" xmlns:r="http://schemas.openxmlformats.org/officeDocument/2006/relationships" xmlns:p="http://schemas.openxmlformats.org/presentationml/2006/main" userDrawn="1">
+  <p:cSld name="Team Slide 8 People">
+    <p:bg>
+      <p:bgPr>
+        <a:solidFill>
+          <a:schemeClr val="bg1"/>
+        </a:solidFill>
+        <a:effectLst/>
+      </p:bgPr>
+    </p:bg>
+    <p:spTree>
+      <p:nvGrpSpPr>
+        <p:cNvPr id="1" name=""/>
+        <p:cNvGrpSpPr/>
+        <p:nvPr/>
+      </p:nvGrpSpPr>
+      <p:grpSpPr>
+        <a:xfrm>
+          <a:off x="0" y="0"/>
+          <a:ext cx="0" cy="0"/>
+          <a:chOff x="0" y="0"/>
+          <a:chExt cx="0" cy="0"/>
+        </a:xfrm>
+      </p:grpSpPr>
+      <p:grpSp>
+        <p:nvGrpSpPr>
+          <p:cNvPr id="4" name="Group 3">
+            <a:extLst>
+              <a:ext uri="{FF2B5EF4-FFF2-40B4-BE49-F238E27FC236}">
+                <a16:creationId xmlns:a16="http://schemas.microsoft.com/office/drawing/2014/main" id="{187AAB93-862D-455E-9E73-3D0DAEFDEDB4}"/>
+              </a:ext>
+              <a:ext uri="{C183D7F6-B498-43B3-948B-1728B52AA6E4}">
+                <adec:decorative xmlns:adec="http://schemas.microsoft.com/office/drawing/2017/decorative" val="1"/>
+              </a:ext>
+            </a:extLst>
+          </p:cNvPr>
+          <p:cNvGrpSpPr/>
+          <p:nvPr userDrawn="1"/>
+        </p:nvGrpSpPr>
+        <p:grpSpPr>
+          <a:xfrm>
+            <a:off x="0" y="473953"/>
+            <a:ext cx="12192000" cy="5621336"/>
+            <a:chOff x="0" y="473953"/>
+            <a:chExt cx="12192000" cy="5621336"/>
+          </a:xfrm>
+        </p:grpSpPr>
+        <p:pic>
+          <p:nvPicPr>
+            <p:cNvPr id="13" name="Graphic 12">
+              <a:extLst>
+                <a:ext uri="{FF2B5EF4-FFF2-40B4-BE49-F238E27FC236}">
+                  <a16:creationId xmlns:a16="http://schemas.microsoft.com/office/drawing/2014/main" id="{B0DFD584-E5CF-41EF-B51E-679CE22DDF93}"/>
+                </a:ext>
+              </a:extLst>
+            </p:cNvPr>
+            <p:cNvPicPr>
+              <a:picLocks noChangeAspect="1"/>
+            </p:cNvPicPr>
+            <p:nvPr userDrawn="1"/>
+          </p:nvPicPr>
+          <p:blipFill>
+            <a:blip r:embed="rId2">
+              <a:extLst>
+                <a:ext uri="{96DAC541-7B7A-43D3-8B79-37D633B846F1}">
+                  <asvg:svgBlip xmlns:asvg="http://schemas.microsoft.com/office/drawing/2016/SVG/main" r:embed="rId3"/>
+                </a:ext>
+              </a:extLst>
+            </a:blip>
+            <a:stretch>
+              <a:fillRect/>
+            </a:stretch>
+          </p:blipFill>
+          <p:spPr>
+            <a:xfrm>
+              <a:off x="0" y="473953"/>
+              <a:ext cx="2057400" cy="1647825"/>
+            </a:xfrm>
+            <a:prstGeom prst="rect">
+              <a:avLst/>
+            </a:prstGeom>
+          </p:spPr>
+        </p:pic>
+        <p:pic>
+          <p:nvPicPr>
+            <p:cNvPr id="14" name="Graphic 13">
+              <a:extLst>
+                <a:ext uri="{FF2B5EF4-FFF2-40B4-BE49-F238E27FC236}">
+                  <a16:creationId xmlns:a16="http://schemas.microsoft.com/office/drawing/2014/main" id="{E5C02DDF-25A6-42C7-9525-F279CE2095C0}"/>
+                </a:ext>
+              </a:extLst>
+            </p:cNvPr>
+            <p:cNvPicPr>
+              <a:picLocks noChangeAspect="1"/>
+            </p:cNvPicPr>
+            <p:nvPr userDrawn="1"/>
+          </p:nvPicPr>
+          <p:blipFill>
+            <a:blip r:embed="rId4">
+              <a:extLst>
+                <a:ext uri="{96DAC541-7B7A-43D3-8B79-37D633B846F1}">
+                  <asvg:svgBlip xmlns:asvg="http://schemas.microsoft.com/office/drawing/2016/SVG/main" r:embed="rId5"/>
+                </a:ext>
+              </a:extLst>
+            </a:blip>
+            <a:stretch>
+              <a:fillRect/>
+            </a:stretch>
+          </p:blipFill>
+          <p:spPr>
+            <a:xfrm>
+              <a:off x="11049000" y="5180889"/>
+              <a:ext cx="1143000" cy="914400"/>
+            </a:xfrm>
+            <a:prstGeom prst="rect">
+              <a:avLst/>
+            </a:prstGeom>
+          </p:spPr>
+        </p:pic>
+      </p:grpSp>
+      <p:sp>
+        <p:nvSpPr>
+          <p:cNvPr id="2" name="Title 1">
+            <a:extLst>
+              <a:ext uri="{FF2B5EF4-FFF2-40B4-BE49-F238E27FC236}">
+                <a16:creationId xmlns:a16="http://schemas.microsoft.com/office/drawing/2014/main" id="{81CF3B5C-31C4-46BA-9FAD-72DF917A84DA}"/>
+              </a:ext>
+            </a:extLst>
+          </p:cNvPr>
+          <p:cNvSpPr>
+            <a:spLocks noGrp="1"/>
+          </p:cNvSpPr>
+          <p:nvPr>
+            <p:ph type="title" hasCustomPrompt="1"/>
+          </p:nvPr>
+        </p:nvSpPr>
+        <p:spPr>
+          <a:xfrm>
+            <a:off x="1885156" y="892177"/>
+            <a:ext cx="8421688" cy="1325563"/>
+          </a:xfrm>
+        </p:spPr>
+        <p:txBody>
+          <a:bodyPr>
+            <a:normAutofit/>
+          </a:bodyPr>
+          <a:lstStyle>
+            <a:lvl1pPr algn="ctr">
+              <a:defRPr lang="en-US" sz="2800" kern="1200" spc="150" baseline="0" dirty="0">
+                <a:solidFill>
+                  <a:schemeClr val="tx1"/>
+                </a:solidFill>
+                <a:latin typeface="+mj-lt"/>
+                <a:ea typeface="+mj-ea"/>
+                <a:cs typeface="+mj-cs"/>
+              </a:defRPr>
+            </a:lvl1pPr>
+          </a:lstStyle>
+          <a:p>
+            <a:r>
+              <a:rPr lang="en-US"/>
+              <a:t>CLICK TO EDIT MASTER TITLE STYLE</a:t>
+            </a:r>
+          </a:p>
+        </p:txBody>
+      </p:sp>
+      <p:sp>
+        <p:nvSpPr>
+          <p:cNvPr id="11" name="Picture Placeholder 10">
+            <a:extLst>
+              <a:ext uri="{FF2B5EF4-FFF2-40B4-BE49-F238E27FC236}">
+                <a16:creationId xmlns:a16="http://schemas.microsoft.com/office/drawing/2014/main" id="{B0BDE76A-30A6-4268-9656-28A484C3DCC9}"/>
+              </a:ext>
+            </a:extLst>
+          </p:cNvPr>
+          <p:cNvSpPr>
+            <a:spLocks noGrp="1"/>
+          </p:cNvSpPr>
+          <p:nvPr>
+            <p:ph type="pic" sz="quarter" idx="14"/>
+          </p:nvPr>
+        </p:nvSpPr>
+        <p:spPr>
+          <a:xfrm>
+            <a:off x="1877176" y="2428875"/>
+            <a:ext cx="1066800" cy="1066800"/>
+          </a:xfrm>
+          <a:solidFill>
+            <a:schemeClr val="tx1"/>
+          </a:solidFill>
+        </p:spPr>
+        <p:txBody>
+          <a:bodyPr>
+            <a:normAutofit/>
+          </a:bodyPr>
+          <a:lstStyle>
+            <a:lvl1pPr marL="0" indent="0" algn="l">
+              <a:lnSpc>
+                <a:spcPct val="100000"/>
+              </a:lnSpc>
+              <a:buFont typeface="Arial" panose="020B0604020202020204" pitchFamily="34" charset="0"/>
+              <a:buNone/>
+              <a:defRPr sz="900">
+                <a:solidFill>
+                  <a:sysClr val="windowText" lastClr="000000"/>
+                </a:solidFill>
+              </a:defRPr>
+            </a:lvl1pPr>
+          </a:lstStyle>
+          <a:p>
+            <a:r>
+              <a:rPr lang="en-US"/>
+              <a:t>Click icon to add picture</a:t>
+            </a:r>
+            <a:endParaRPr lang="en-US" dirty="0"/>
+          </a:p>
+        </p:txBody>
+      </p:sp>
+      <p:sp>
+        <p:nvSpPr>
+          <p:cNvPr id="3" name="Text Placeholder 2">
+            <a:extLst>
+              <a:ext uri="{FF2B5EF4-FFF2-40B4-BE49-F238E27FC236}">
+                <a16:creationId xmlns:a16="http://schemas.microsoft.com/office/drawing/2014/main" id="{B659CD1F-9DFB-4048-9B9B-2BD7D4EC6400}"/>
+              </a:ext>
+            </a:extLst>
+          </p:cNvPr>
+          <p:cNvSpPr>
+            <a:spLocks noGrp="1"/>
+          </p:cNvSpPr>
+          <p:nvPr>
+            <p:ph type="body" idx="1" hasCustomPrompt="1"/>
+          </p:nvPr>
+        </p:nvSpPr>
+        <p:spPr>
+          <a:xfrm>
+            <a:off x="1500168" y="3654378"/>
+            <a:ext cx="1828800" cy="343061"/>
+          </a:xfrm>
+        </p:spPr>
+        <p:txBody>
+          <a:bodyPr anchor="t">
+            <a:noAutofit/>
+          </a:bodyPr>
+          <a:lstStyle>
+            <a:lvl1pPr marL="0" indent="0" algn="ctr">
+              <a:buNone/>
+              <a:defRPr lang="en-US" sz="1050" kern="1200" spc="150" baseline="0" dirty="0" smtClean="0">
+                <a:solidFill>
+                  <a:schemeClr val="tx1"/>
+                </a:solidFill>
+                <a:latin typeface="+mj-lt"/>
+                <a:ea typeface="+mj-ea"/>
+                <a:cs typeface="+mj-cs"/>
+              </a:defRPr>
+            </a:lvl1pPr>
+            <a:lvl2pPr marL="457200" indent="0">
+              <a:buNone/>
+              <a:defRPr sz="2000" b="1"/>
+            </a:lvl2pPr>
+            <a:lvl3pPr marL="914400" indent="0">
+              <a:buNone/>
+              <a:defRPr sz="1800" b="1"/>
+            </a:lvl3pPr>
+            <a:lvl4pPr marL="1371600" indent="0">
+              <a:buNone/>
+              <a:defRPr sz="1600" b="1"/>
+            </a:lvl4pPr>
+            <a:lvl5pPr marL="1828800" indent="0">
+              <a:buNone/>
+              <a:defRPr sz="1600" b="1"/>
+            </a:lvl5pPr>
+            <a:lvl6pPr marL="2286000" indent="0">
+              <a:buNone/>
+              <a:defRPr sz="1600" b="1"/>
+            </a:lvl6pPr>
+            <a:lvl7pPr marL="2743200" indent="0">
+              <a:buNone/>
+              <a:defRPr sz="1600" b="1"/>
+            </a:lvl7pPr>
+            <a:lvl8pPr marL="3200400" indent="0">
+              <a:buNone/>
+              <a:defRPr sz="1600" b="1"/>
+            </a:lvl8pPr>
+            <a:lvl9pPr marL="3657600" indent="0">
+              <a:buNone/>
+              <a:defRPr sz="1600" b="1"/>
+            </a:lvl9pPr>
+          </a:lstStyle>
+          <a:p>
+            <a:pPr lvl="0"/>
+            <a:r>
+              <a:rPr lang="en-US"/>
+              <a:t>CLICK TO EDIT</a:t>
+            </a:r>
+          </a:p>
+        </p:txBody>
+      </p:sp>
+      <p:sp>
+        <p:nvSpPr>
+          <p:cNvPr id="26" name="Text Placeholder 2">
+            <a:extLst>
+              <a:ext uri="{FF2B5EF4-FFF2-40B4-BE49-F238E27FC236}">
+                <a16:creationId xmlns:a16="http://schemas.microsoft.com/office/drawing/2014/main" id="{A02C0876-23F7-41FA-9AC9-721097D1A3CD}"/>
+              </a:ext>
+            </a:extLst>
+          </p:cNvPr>
+          <p:cNvSpPr>
+            <a:spLocks noGrp="1"/>
+          </p:cNvSpPr>
+          <p:nvPr>
+            <p:ph type="body" idx="21" hasCustomPrompt="1"/>
+          </p:nvPr>
+        </p:nvSpPr>
+        <p:spPr>
+          <a:xfrm>
+            <a:off x="1500168" y="3809747"/>
+            <a:ext cx="1828800" cy="343061"/>
+          </a:xfrm>
+        </p:spPr>
+        <p:txBody>
+          <a:bodyPr anchor="ctr">
+            <a:noAutofit/>
+          </a:bodyPr>
+          <a:lstStyle>
+            <a:lvl1pPr marL="0" indent="0" algn="ctr">
+              <a:buNone/>
+              <a:defRPr lang="en-US" sz="900" kern="1200" spc="150" baseline="0" dirty="0" smtClean="0">
+                <a:solidFill>
+                  <a:schemeClr val="accent1"/>
+                </a:solidFill>
+                <a:latin typeface="+mj-lt"/>
+                <a:ea typeface="+mj-ea"/>
+                <a:cs typeface="+mj-cs"/>
+              </a:defRPr>
+            </a:lvl1pPr>
+            <a:lvl2pPr marL="457200" indent="0">
+              <a:buNone/>
+              <a:defRPr sz="2000" b="1"/>
+            </a:lvl2pPr>
+            <a:lvl3pPr marL="914400" indent="0">
+              <a:buNone/>
+              <a:defRPr sz="1800" b="1"/>
+            </a:lvl3pPr>
+            <a:lvl4pPr marL="1371600" indent="0">
+              <a:buNone/>
+              <a:defRPr sz="1600" b="1"/>
+            </a:lvl4pPr>
+            <a:lvl5pPr marL="1828800" indent="0">
+              <a:buNone/>
+              <a:defRPr sz="1600" b="1"/>
+            </a:lvl5pPr>
+            <a:lvl6pPr marL="2286000" indent="0">
+              <a:buNone/>
+              <a:defRPr sz="1600" b="1"/>
+            </a:lvl6pPr>
+            <a:lvl7pPr marL="2743200" indent="0">
+              <a:buNone/>
+              <a:defRPr sz="1600" b="1"/>
+            </a:lvl7pPr>
+            <a:lvl8pPr marL="3200400" indent="0">
+              <a:buNone/>
+              <a:defRPr sz="1600" b="1"/>
+            </a:lvl8pPr>
+            <a:lvl9pPr marL="3657600" indent="0">
+              <a:buNone/>
+              <a:defRPr sz="1600" b="1"/>
+            </a:lvl9pPr>
+          </a:lstStyle>
+          <a:p>
+            <a:pPr lvl="0"/>
+            <a:r>
+              <a:rPr lang="en-US"/>
+              <a:t>CLICK TO EDIT</a:t>
+            </a:r>
+          </a:p>
+        </p:txBody>
+      </p:sp>
+      <p:sp>
+        <p:nvSpPr>
+          <p:cNvPr id="17" name="Picture Placeholder 10">
+            <a:extLst>
+              <a:ext uri="{FF2B5EF4-FFF2-40B4-BE49-F238E27FC236}">
+                <a16:creationId xmlns:a16="http://schemas.microsoft.com/office/drawing/2014/main" id="{C4CA5C9C-91D5-44B1-A82A-A49732B4691A}"/>
+              </a:ext>
+            </a:extLst>
+          </p:cNvPr>
+          <p:cNvSpPr>
+            <a:spLocks noGrp="1"/>
+          </p:cNvSpPr>
+          <p:nvPr>
+            <p:ph type="pic" sz="quarter" idx="15"/>
+          </p:nvPr>
+        </p:nvSpPr>
+        <p:spPr>
+          <a:xfrm>
+            <a:off x="4226270" y="2428875"/>
+            <a:ext cx="1066800" cy="1066800"/>
+          </a:xfrm>
+          <a:solidFill>
+            <a:schemeClr val="tx1"/>
+          </a:solidFill>
+        </p:spPr>
+        <p:txBody>
+          <a:bodyPr>
+            <a:normAutofit/>
+          </a:bodyPr>
+          <a:lstStyle>
+            <a:lvl1pPr marL="0" indent="0" algn="l">
+              <a:lnSpc>
+                <a:spcPct val="100000"/>
+              </a:lnSpc>
+              <a:buNone/>
+              <a:defRPr sz="900">
+                <a:solidFill>
+                  <a:sysClr val="windowText" lastClr="000000"/>
+                </a:solidFill>
+              </a:defRPr>
+            </a:lvl1pPr>
+          </a:lstStyle>
+          <a:p>
+            <a:r>
+              <a:rPr lang="en-US"/>
+              <a:t>Click icon to add picture</a:t>
+            </a:r>
+            <a:endParaRPr lang="en-US" dirty="0"/>
+          </a:p>
+        </p:txBody>
+      </p:sp>
+      <p:sp>
+        <p:nvSpPr>
+          <p:cNvPr id="23" name="Text Placeholder 2">
+            <a:extLst>
+              <a:ext uri="{FF2B5EF4-FFF2-40B4-BE49-F238E27FC236}">
+                <a16:creationId xmlns:a16="http://schemas.microsoft.com/office/drawing/2014/main" id="{572D0301-10F1-41B4-BEF8-C53FA4D66214}"/>
+              </a:ext>
+            </a:extLst>
+          </p:cNvPr>
+          <p:cNvSpPr>
+            <a:spLocks noGrp="1"/>
+          </p:cNvSpPr>
+          <p:nvPr>
+            <p:ph type="body" idx="18" hasCustomPrompt="1"/>
+          </p:nvPr>
+        </p:nvSpPr>
+        <p:spPr>
+          <a:xfrm>
+            <a:off x="3849262" y="3654378"/>
+            <a:ext cx="1828800" cy="343061"/>
+          </a:xfrm>
+        </p:spPr>
+        <p:txBody>
+          <a:bodyPr anchor="t">
+            <a:noAutofit/>
+          </a:bodyPr>
+          <a:lstStyle>
+            <a:lvl1pPr marL="0" indent="0" algn="ctr">
+              <a:buNone/>
+              <a:defRPr lang="en-US" sz="1050" kern="1200" spc="150" baseline="0" dirty="0" smtClean="0">
+                <a:solidFill>
+                  <a:schemeClr val="tx1"/>
+                </a:solidFill>
+                <a:latin typeface="+mj-lt"/>
+                <a:ea typeface="+mj-ea"/>
+                <a:cs typeface="+mj-cs"/>
+              </a:defRPr>
+            </a:lvl1pPr>
+            <a:lvl2pPr marL="457200" indent="0">
+              <a:buNone/>
+              <a:defRPr sz="2000" b="1"/>
+            </a:lvl2pPr>
+            <a:lvl3pPr marL="914400" indent="0">
+              <a:buNone/>
+              <a:defRPr sz="1800" b="1"/>
+            </a:lvl3pPr>
+            <a:lvl4pPr marL="1371600" indent="0">
+              <a:buNone/>
+              <a:defRPr sz="1600" b="1"/>
+            </a:lvl4pPr>
+            <a:lvl5pPr marL="1828800" indent="0">
+              <a:buNone/>
+              <a:defRPr sz="1600" b="1"/>
+            </a:lvl5pPr>
+            <a:lvl6pPr marL="2286000" indent="0">
+              <a:buNone/>
+              <a:defRPr sz="1600" b="1"/>
+            </a:lvl6pPr>
+            <a:lvl7pPr marL="2743200" indent="0">
+              <a:buNone/>
+              <a:defRPr sz="1600" b="1"/>
+            </a:lvl7pPr>
+            <a:lvl8pPr marL="3200400" indent="0">
+              <a:buNone/>
+              <a:defRPr sz="1600" b="1"/>
+            </a:lvl8pPr>
+            <a:lvl9pPr marL="3657600" indent="0">
+              <a:buNone/>
+              <a:defRPr sz="1600" b="1"/>
+            </a:lvl9pPr>
+          </a:lstStyle>
+          <a:p>
+            <a:pPr lvl="0"/>
+            <a:r>
+              <a:rPr lang="en-US"/>
+              <a:t>CLICK TO EDIT</a:t>
+            </a:r>
+          </a:p>
+        </p:txBody>
+      </p:sp>
+      <p:sp>
+        <p:nvSpPr>
+          <p:cNvPr id="27" name="Text Placeholder 2">
+            <a:extLst>
+              <a:ext uri="{FF2B5EF4-FFF2-40B4-BE49-F238E27FC236}">
+                <a16:creationId xmlns:a16="http://schemas.microsoft.com/office/drawing/2014/main" id="{7ADEB263-F204-4A78-A5E0-7361EFE0B921}"/>
+              </a:ext>
+            </a:extLst>
+          </p:cNvPr>
+          <p:cNvSpPr>
+            <a:spLocks noGrp="1"/>
+          </p:cNvSpPr>
+          <p:nvPr>
+            <p:ph type="body" idx="22" hasCustomPrompt="1"/>
+          </p:nvPr>
+        </p:nvSpPr>
+        <p:spPr>
+          <a:xfrm>
+            <a:off x="3849262" y="3809747"/>
+            <a:ext cx="1828800" cy="343061"/>
+          </a:xfrm>
+        </p:spPr>
+        <p:txBody>
+          <a:bodyPr anchor="ctr">
+            <a:noAutofit/>
+          </a:bodyPr>
+          <a:lstStyle>
+            <a:lvl1pPr marL="0" indent="0" algn="ctr">
+              <a:buNone/>
+              <a:defRPr lang="en-US" sz="900" kern="1200" spc="150" baseline="0" dirty="0" smtClean="0">
+                <a:solidFill>
+                  <a:schemeClr val="accent1"/>
+                </a:solidFill>
+                <a:latin typeface="+mj-lt"/>
+                <a:ea typeface="+mj-ea"/>
+                <a:cs typeface="+mj-cs"/>
+              </a:defRPr>
+            </a:lvl1pPr>
+            <a:lvl2pPr marL="457200" indent="0">
+              <a:buNone/>
+              <a:defRPr sz="2000" b="1"/>
+            </a:lvl2pPr>
+            <a:lvl3pPr marL="914400" indent="0">
+              <a:buNone/>
+              <a:defRPr sz="1800" b="1"/>
+            </a:lvl3pPr>
+            <a:lvl4pPr marL="1371600" indent="0">
+              <a:buNone/>
+              <a:defRPr sz="1600" b="1"/>
+            </a:lvl4pPr>
+            <a:lvl5pPr marL="1828800" indent="0">
+              <a:buNone/>
+              <a:defRPr sz="1600" b="1"/>
+            </a:lvl5pPr>
+            <a:lvl6pPr marL="2286000" indent="0">
+              <a:buNone/>
+              <a:defRPr sz="1600" b="1"/>
+            </a:lvl6pPr>
+            <a:lvl7pPr marL="2743200" indent="0">
+              <a:buNone/>
+              <a:defRPr sz="1600" b="1"/>
+            </a:lvl7pPr>
+            <a:lvl8pPr marL="3200400" indent="0">
+              <a:buNone/>
+              <a:defRPr sz="1600" b="1"/>
+            </a:lvl8pPr>
+            <a:lvl9pPr marL="3657600" indent="0">
+              <a:buNone/>
+              <a:defRPr sz="1600" b="1"/>
+            </a:lvl9pPr>
+          </a:lstStyle>
+          <a:p>
+            <a:pPr lvl="0"/>
+            <a:r>
+              <a:rPr lang="en-US" dirty="0"/>
+              <a:t>CLICK TO EDIT</a:t>
+            </a:r>
+          </a:p>
+        </p:txBody>
+      </p:sp>
+      <p:sp>
+        <p:nvSpPr>
+          <p:cNvPr id="32" name="Picture Placeholder 10">
+            <a:extLst>
+              <a:ext uri="{FF2B5EF4-FFF2-40B4-BE49-F238E27FC236}">
+                <a16:creationId xmlns:a16="http://schemas.microsoft.com/office/drawing/2014/main" id="{1938DB4D-239F-4E8E-8802-0470B0131189}"/>
+              </a:ext>
+            </a:extLst>
+          </p:cNvPr>
+          <p:cNvSpPr>
+            <a:spLocks noGrp="1"/>
+          </p:cNvSpPr>
+          <p:nvPr>
+            <p:ph type="pic" sz="quarter" idx="37"/>
+          </p:nvPr>
+        </p:nvSpPr>
+        <p:spPr>
+          <a:xfrm>
+            <a:off x="6655584" y="2428875"/>
+            <a:ext cx="1066800" cy="1066800"/>
+          </a:xfrm>
+          <a:solidFill>
+            <a:schemeClr val="tx1"/>
+          </a:solidFill>
+        </p:spPr>
+        <p:txBody>
+          <a:bodyPr>
+            <a:normAutofit/>
+          </a:bodyPr>
+          <a:lstStyle>
+            <a:lvl1pPr marL="0" indent="0" algn="l">
+              <a:lnSpc>
+                <a:spcPct val="100000"/>
+              </a:lnSpc>
+              <a:buNone/>
+              <a:defRPr sz="900">
+                <a:solidFill>
+                  <a:sysClr val="windowText" lastClr="000000"/>
+                </a:solidFill>
+              </a:defRPr>
+            </a:lvl1pPr>
+          </a:lstStyle>
+          <a:p>
+            <a:r>
+              <a:rPr lang="en-US"/>
+              <a:t>Click icon to add picture</a:t>
+            </a:r>
+            <a:endParaRPr lang="en-US" dirty="0"/>
+          </a:p>
+        </p:txBody>
+      </p:sp>
+      <p:sp>
+        <p:nvSpPr>
+          <p:cNvPr id="24" name="Text Placeholder 2">
+            <a:extLst>
+              <a:ext uri="{FF2B5EF4-FFF2-40B4-BE49-F238E27FC236}">
+                <a16:creationId xmlns:a16="http://schemas.microsoft.com/office/drawing/2014/main" id="{E767B9DE-7410-43CC-90CF-52D67EF03D48}"/>
+              </a:ext>
+            </a:extLst>
+          </p:cNvPr>
+          <p:cNvSpPr>
+            <a:spLocks noGrp="1"/>
+          </p:cNvSpPr>
+          <p:nvPr>
+            <p:ph type="body" idx="19" hasCustomPrompt="1"/>
+          </p:nvPr>
+        </p:nvSpPr>
+        <p:spPr>
+          <a:xfrm>
+            <a:off x="6198355" y="3654378"/>
+            <a:ext cx="2105135" cy="343061"/>
+          </a:xfrm>
+        </p:spPr>
+        <p:txBody>
+          <a:bodyPr anchor="t">
+            <a:noAutofit/>
+          </a:bodyPr>
+          <a:lstStyle>
+            <a:lvl1pPr marL="0" indent="0" algn="ctr">
+              <a:buNone/>
+              <a:defRPr lang="en-US" sz="1050" kern="1200" spc="150" baseline="0" dirty="0" smtClean="0">
+                <a:solidFill>
+                  <a:schemeClr val="tx1"/>
+                </a:solidFill>
+                <a:latin typeface="+mj-lt"/>
+                <a:ea typeface="+mj-ea"/>
+                <a:cs typeface="+mj-cs"/>
+              </a:defRPr>
+            </a:lvl1pPr>
+            <a:lvl2pPr marL="457200" indent="0">
+              <a:buNone/>
+              <a:defRPr sz="2000" b="1"/>
+            </a:lvl2pPr>
+            <a:lvl3pPr marL="914400" indent="0">
+              <a:buNone/>
+              <a:defRPr sz="1800" b="1"/>
+            </a:lvl3pPr>
+            <a:lvl4pPr marL="1371600" indent="0">
+              <a:buNone/>
+              <a:defRPr sz="1600" b="1"/>
+            </a:lvl4pPr>
+            <a:lvl5pPr marL="1828800" indent="0">
+              <a:buNone/>
+              <a:defRPr sz="1600" b="1"/>
+            </a:lvl5pPr>
+            <a:lvl6pPr marL="2286000" indent="0">
+              <a:buNone/>
+              <a:defRPr sz="1600" b="1"/>
+            </a:lvl6pPr>
+            <a:lvl7pPr marL="2743200" indent="0">
+              <a:buNone/>
+              <a:defRPr sz="1600" b="1"/>
+            </a:lvl7pPr>
+            <a:lvl8pPr marL="3200400" indent="0">
+              <a:buNone/>
+              <a:defRPr sz="1600" b="1"/>
+            </a:lvl8pPr>
+            <a:lvl9pPr marL="3657600" indent="0">
+              <a:buNone/>
+              <a:defRPr sz="1600" b="1"/>
+            </a:lvl9pPr>
+          </a:lstStyle>
+          <a:p>
+            <a:pPr lvl="0"/>
+            <a:r>
+              <a:rPr lang="en-US" dirty="0"/>
+              <a:t>CLICK TO EDIT</a:t>
+            </a:r>
+          </a:p>
+        </p:txBody>
+      </p:sp>
+      <p:sp>
+        <p:nvSpPr>
+          <p:cNvPr id="28" name="Text Placeholder 2">
+            <a:extLst>
+              <a:ext uri="{FF2B5EF4-FFF2-40B4-BE49-F238E27FC236}">
+                <a16:creationId xmlns:a16="http://schemas.microsoft.com/office/drawing/2014/main" id="{103678F5-B025-46E2-BD45-E77861487165}"/>
+              </a:ext>
+            </a:extLst>
+          </p:cNvPr>
+          <p:cNvSpPr>
+            <a:spLocks noGrp="1"/>
+          </p:cNvSpPr>
+          <p:nvPr>
+            <p:ph type="body" idx="23" hasCustomPrompt="1"/>
+          </p:nvPr>
+        </p:nvSpPr>
+        <p:spPr>
+          <a:xfrm>
+            <a:off x="6095999" y="3809747"/>
+            <a:ext cx="2299855" cy="343061"/>
+          </a:xfrm>
+        </p:spPr>
+        <p:txBody>
+          <a:bodyPr anchor="ctr">
+            <a:noAutofit/>
+          </a:bodyPr>
+          <a:lstStyle>
+            <a:lvl1pPr marL="0" indent="0" algn="ctr">
+              <a:buNone/>
+              <a:defRPr lang="en-US" sz="900" kern="1200" spc="150" baseline="0" dirty="0" smtClean="0">
+                <a:solidFill>
+                  <a:schemeClr val="accent1"/>
+                </a:solidFill>
+                <a:latin typeface="+mj-lt"/>
+                <a:ea typeface="+mj-ea"/>
+                <a:cs typeface="+mj-cs"/>
+              </a:defRPr>
+            </a:lvl1pPr>
+            <a:lvl2pPr marL="457200" indent="0">
+              <a:buNone/>
+              <a:defRPr sz="2000" b="1"/>
+            </a:lvl2pPr>
+            <a:lvl3pPr marL="914400" indent="0">
+              <a:buNone/>
+              <a:defRPr sz="1800" b="1"/>
+            </a:lvl3pPr>
+            <a:lvl4pPr marL="1371600" indent="0">
+              <a:buNone/>
+              <a:defRPr sz="1600" b="1"/>
+            </a:lvl4pPr>
+            <a:lvl5pPr marL="1828800" indent="0">
+              <a:buNone/>
+              <a:defRPr sz="1600" b="1"/>
+            </a:lvl5pPr>
+            <a:lvl6pPr marL="2286000" indent="0">
+              <a:buNone/>
+              <a:defRPr sz="1600" b="1"/>
+            </a:lvl6pPr>
+            <a:lvl7pPr marL="2743200" indent="0">
+              <a:buNone/>
+              <a:defRPr sz="1600" b="1"/>
+            </a:lvl7pPr>
+            <a:lvl8pPr marL="3200400" indent="0">
+              <a:buNone/>
+              <a:defRPr sz="1600" b="1"/>
+            </a:lvl8pPr>
+            <a:lvl9pPr marL="3657600" indent="0">
+              <a:buNone/>
+              <a:defRPr sz="1600" b="1"/>
+            </a:lvl9pPr>
+          </a:lstStyle>
+          <a:p>
+            <a:pPr lvl="0"/>
+            <a:r>
+              <a:rPr lang="en-US"/>
+              <a:t>CLICK TO EDIT</a:t>
+            </a:r>
+          </a:p>
+        </p:txBody>
+      </p:sp>
+      <p:sp>
+        <p:nvSpPr>
+          <p:cNvPr id="19" name="Picture Placeholder 10">
+            <a:extLst>
+              <a:ext uri="{FF2B5EF4-FFF2-40B4-BE49-F238E27FC236}">
+                <a16:creationId xmlns:a16="http://schemas.microsoft.com/office/drawing/2014/main" id="{92E6B581-A522-4758-A9A4-8B9C7B860CF2}"/>
+              </a:ext>
+            </a:extLst>
+          </p:cNvPr>
+          <p:cNvSpPr>
+            <a:spLocks noGrp="1"/>
+          </p:cNvSpPr>
+          <p:nvPr>
+            <p:ph type="pic" sz="quarter" idx="17"/>
+          </p:nvPr>
+        </p:nvSpPr>
+        <p:spPr>
+          <a:xfrm>
+            <a:off x="9136814" y="2428875"/>
+            <a:ext cx="1066800" cy="1066800"/>
+          </a:xfrm>
+          <a:solidFill>
+            <a:schemeClr val="tx1"/>
+          </a:solidFill>
+        </p:spPr>
+        <p:txBody>
+          <a:bodyPr>
+            <a:normAutofit/>
+          </a:bodyPr>
+          <a:lstStyle>
+            <a:lvl1pPr marL="0" indent="0" algn="l">
+              <a:lnSpc>
+                <a:spcPct val="100000"/>
+              </a:lnSpc>
+              <a:buNone/>
+              <a:defRPr sz="900">
+                <a:solidFill>
+                  <a:sysClr val="windowText" lastClr="000000"/>
+                </a:solidFill>
+              </a:defRPr>
+            </a:lvl1pPr>
+          </a:lstStyle>
+          <a:p>
+            <a:r>
+              <a:rPr lang="en-US"/>
+              <a:t>Click icon to add picture</a:t>
+            </a:r>
+            <a:endParaRPr lang="en-US" dirty="0"/>
+          </a:p>
+        </p:txBody>
+      </p:sp>
+      <p:sp>
+        <p:nvSpPr>
+          <p:cNvPr id="25" name="Text Placeholder 2">
+            <a:extLst>
+              <a:ext uri="{FF2B5EF4-FFF2-40B4-BE49-F238E27FC236}">
+                <a16:creationId xmlns:a16="http://schemas.microsoft.com/office/drawing/2014/main" id="{E13DFE1F-4534-4828-990E-B052F51FC65C}"/>
+              </a:ext>
+            </a:extLst>
+          </p:cNvPr>
+          <p:cNvSpPr>
+            <a:spLocks noGrp="1"/>
+          </p:cNvSpPr>
+          <p:nvPr>
+            <p:ph type="body" idx="20" hasCustomPrompt="1"/>
+          </p:nvPr>
+        </p:nvSpPr>
+        <p:spPr>
+          <a:xfrm>
+            <a:off x="8759806" y="3654378"/>
+            <a:ext cx="1828800" cy="343061"/>
+          </a:xfrm>
+        </p:spPr>
+        <p:txBody>
+          <a:bodyPr anchor="t">
+            <a:noAutofit/>
+          </a:bodyPr>
+          <a:lstStyle>
+            <a:lvl1pPr marL="0" indent="0" algn="ctr">
+              <a:buNone/>
+              <a:defRPr lang="en-US" sz="1050" kern="1200" spc="150" baseline="0" dirty="0" smtClean="0">
+                <a:solidFill>
+                  <a:schemeClr val="tx1"/>
+                </a:solidFill>
+                <a:latin typeface="+mj-lt"/>
+                <a:ea typeface="+mj-ea"/>
+                <a:cs typeface="+mj-cs"/>
+              </a:defRPr>
+            </a:lvl1pPr>
+            <a:lvl2pPr marL="457200" indent="0">
+              <a:buNone/>
+              <a:defRPr sz="2000" b="1"/>
+            </a:lvl2pPr>
+            <a:lvl3pPr marL="914400" indent="0">
+              <a:buNone/>
+              <a:defRPr sz="1800" b="1"/>
+            </a:lvl3pPr>
+            <a:lvl4pPr marL="1371600" indent="0">
+              <a:buNone/>
+              <a:defRPr sz="1600" b="1"/>
+            </a:lvl4pPr>
+            <a:lvl5pPr marL="1828800" indent="0">
+              <a:buNone/>
+              <a:defRPr sz="1600" b="1"/>
+            </a:lvl5pPr>
+            <a:lvl6pPr marL="2286000" indent="0">
+              <a:buNone/>
+              <a:defRPr sz="1600" b="1"/>
+            </a:lvl6pPr>
+            <a:lvl7pPr marL="2743200" indent="0">
+              <a:buNone/>
+              <a:defRPr sz="1600" b="1"/>
+            </a:lvl7pPr>
+            <a:lvl8pPr marL="3200400" indent="0">
+              <a:buNone/>
+              <a:defRPr sz="1600" b="1"/>
+            </a:lvl8pPr>
+            <a:lvl9pPr marL="3657600" indent="0">
+              <a:buNone/>
+              <a:defRPr sz="1600" b="1"/>
+            </a:lvl9pPr>
+          </a:lstStyle>
+          <a:p>
+            <a:pPr lvl="0"/>
+            <a:r>
+              <a:rPr lang="en-US"/>
+              <a:t>CLICK TO EDIT</a:t>
+            </a:r>
+          </a:p>
+        </p:txBody>
+      </p:sp>
+      <p:sp>
+        <p:nvSpPr>
+          <p:cNvPr id="29" name="Text Placeholder 2">
+            <a:extLst>
+              <a:ext uri="{FF2B5EF4-FFF2-40B4-BE49-F238E27FC236}">
+                <a16:creationId xmlns:a16="http://schemas.microsoft.com/office/drawing/2014/main" id="{7E3F385B-4DD9-4F3C-A02B-179B9FA61292}"/>
+              </a:ext>
+            </a:extLst>
+          </p:cNvPr>
+          <p:cNvSpPr>
+            <a:spLocks noGrp="1"/>
+          </p:cNvSpPr>
+          <p:nvPr>
+            <p:ph type="body" idx="24" hasCustomPrompt="1"/>
+          </p:nvPr>
+        </p:nvSpPr>
+        <p:spPr>
+          <a:xfrm>
+            <a:off x="8744480" y="3809747"/>
+            <a:ext cx="1844126" cy="343061"/>
+          </a:xfrm>
+        </p:spPr>
+        <p:txBody>
+          <a:bodyPr anchor="ctr">
+            <a:noAutofit/>
+          </a:bodyPr>
+          <a:lstStyle>
+            <a:lvl1pPr marL="0" indent="0" algn="ctr">
+              <a:buNone/>
+              <a:defRPr lang="en-US" sz="900" kern="1200" spc="150" baseline="0" dirty="0" smtClean="0">
+                <a:solidFill>
+                  <a:schemeClr val="accent1"/>
+                </a:solidFill>
+                <a:latin typeface="+mj-lt"/>
+                <a:ea typeface="+mj-ea"/>
+                <a:cs typeface="+mj-cs"/>
+              </a:defRPr>
+            </a:lvl1pPr>
+            <a:lvl2pPr marL="457200" indent="0">
+              <a:buNone/>
+              <a:defRPr sz="2000" b="1"/>
+            </a:lvl2pPr>
+            <a:lvl3pPr marL="914400" indent="0">
+              <a:buNone/>
+              <a:defRPr sz="1800" b="1"/>
+            </a:lvl3pPr>
+            <a:lvl4pPr marL="1371600" indent="0">
+              <a:buNone/>
+              <a:defRPr sz="1600" b="1"/>
+            </a:lvl4pPr>
+            <a:lvl5pPr marL="1828800" indent="0">
+              <a:buNone/>
+              <a:defRPr sz="1600" b="1"/>
+            </a:lvl5pPr>
+            <a:lvl6pPr marL="2286000" indent="0">
+              <a:buNone/>
+              <a:defRPr sz="1600" b="1"/>
+            </a:lvl6pPr>
+            <a:lvl7pPr marL="2743200" indent="0">
+              <a:buNone/>
+              <a:defRPr sz="1600" b="1"/>
+            </a:lvl7pPr>
+            <a:lvl8pPr marL="3200400" indent="0">
+              <a:buNone/>
+              <a:defRPr sz="1600" b="1"/>
+            </a:lvl8pPr>
+            <a:lvl9pPr marL="3657600" indent="0">
+              <a:buNone/>
+              <a:defRPr sz="1600" b="1"/>
+            </a:lvl9pPr>
+          </a:lstStyle>
+          <a:p>
+            <a:pPr lvl="0"/>
+            <a:r>
+              <a:rPr lang="en-US"/>
+              <a:t>CLICK TO EDIT</a:t>
+            </a:r>
+          </a:p>
+        </p:txBody>
+      </p:sp>
+      <p:sp>
+        <p:nvSpPr>
+          <p:cNvPr id="55" name="Picture Placeholder 10">
+            <a:extLst>
+              <a:ext uri="{FF2B5EF4-FFF2-40B4-BE49-F238E27FC236}">
+                <a16:creationId xmlns:a16="http://schemas.microsoft.com/office/drawing/2014/main" id="{1EBAEB1D-A7F9-4F90-B642-4277D3802BAB}"/>
+              </a:ext>
+            </a:extLst>
+          </p:cNvPr>
+          <p:cNvSpPr>
+            <a:spLocks noGrp="1"/>
+          </p:cNvSpPr>
+          <p:nvPr>
+            <p:ph type="pic" sz="quarter" idx="26"/>
+          </p:nvPr>
+        </p:nvSpPr>
+        <p:spPr>
+          <a:xfrm>
+            <a:off x="1877176" y="4287711"/>
+            <a:ext cx="1066800" cy="1066800"/>
+          </a:xfrm>
+          <a:solidFill>
+            <a:schemeClr val="tx1"/>
+          </a:solidFill>
+        </p:spPr>
+        <p:txBody>
+          <a:bodyPr>
+            <a:normAutofit/>
+          </a:bodyPr>
+          <a:lstStyle>
+            <a:lvl1pPr marL="0" indent="0" algn="l">
+              <a:lnSpc>
+                <a:spcPct val="100000"/>
+              </a:lnSpc>
+              <a:buNone/>
+              <a:defRPr sz="900">
+                <a:solidFill>
+                  <a:sysClr val="windowText" lastClr="000000"/>
+                </a:solidFill>
+              </a:defRPr>
+            </a:lvl1pPr>
+          </a:lstStyle>
+          <a:p>
+            <a:r>
+              <a:rPr lang="en-US"/>
+              <a:t>Click icon to add picture</a:t>
+            </a:r>
+            <a:endParaRPr lang="en-US" dirty="0"/>
+          </a:p>
+        </p:txBody>
+      </p:sp>
+      <p:sp>
+        <p:nvSpPr>
+          <p:cNvPr id="54" name="Text Placeholder 2">
+            <a:extLst>
+              <a:ext uri="{FF2B5EF4-FFF2-40B4-BE49-F238E27FC236}">
+                <a16:creationId xmlns:a16="http://schemas.microsoft.com/office/drawing/2014/main" id="{22930C5B-603C-494E-A467-8B394D01D406}"/>
+              </a:ext>
+            </a:extLst>
+          </p:cNvPr>
+          <p:cNvSpPr>
+            <a:spLocks noGrp="1"/>
+          </p:cNvSpPr>
+          <p:nvPr>
+            <p:ph type="body" idx="25" hasCustomPrompt="1"/>
+          </p:nvPr>
+        </p:nvSpPr>
+        <p:spPr>
+          <a:xfrm>
+            <a:off x="1500168" y="5513214"/>
+            <a:ext cx="1828800" cy="343061"/>
+          </a:xfrm>
+        </p:spPr>
+        <p:txBody>
+          <a:bodyPr anchor="t">
+            <a:noAutofit/>
+          </a:bodyPr>
+          <a:lstStyle>
+            <a:lvl1pPr marL="0" indent="0" algn="ctr">
+              <a:buNone/>
+              <a:defRPr lang="en-US" sz="1050" kern="1200" spc="150" baseline="0" dirty="0" smtClean="0">
+                <a:solidFill>
+                  <a:schemeClr val="tx1"/>
+                </a:solidFill>
+                <a:latin typeface="+mj-lt"/>
+                <a:ea typeface="+mj-ea"/>
+                <a:cs typeface="+mj-cs"/>
+              </a:defRPr>
+            </a:lvl1pPr>
+            <a:lvl2pPr marL="457200" indent="0">
+              <a:buNone/>
+              <a:defRPr sz="2000" b="1"/>
+            </a:lvl2pPr>
+            <a:lvl3pPr marL="914400" indent="0">
+              <a:buNone/>
+              <a:defRPr sz="1800" b="1"/>
+            </a:lvl3pPr>
+            <a:lvl4pPr marL="1371600" indent="0">
+              <a:buNone/>
+              <a:defRPr sz="1600" b="1"/>
+            </a:lvl4pPr>
+            <a:lvl5pPr marL="1828800" indent="0">
+              <a:buNone/>
+              <a:defRPr sz="1600" b="1"/>
+            </a:lvl5pPr>
+            <a:lvl6pPr marL="2286000" indent="0">
+              <a:buNone/>
+              <a:defRPr sz="1600" b="1"/>
+            </a:lvl6pPr>
+            <a:lvl7pPr marL="2743200" indent="0">
+              <a:buNone/>
+              <a:defRPr sz="1600" b="1"/>
+            </a:lvl7pPr>
+            <a:lvl8pPr marL="3200400" indent="0">
+              <a:buNone/>
+              <a:defRPr sz="1600" b="1"/>
+            </a:lvl8pPr>
+            <a:lvl9pPr marL="3657600" indent="0">
+              <a:buNone/>
+              <a:defRPr sz="1600" b="1"/>
+            </a:lvl9pPr>
+          </a:lstStyle>
+          <a:p>
+            <a:pPr lvl="0"/>
+            <a:r>
+              <a:rPr lang="en-US"/>
+              <a:t>CLICK TO EDIT</a:t>
+            </a:r>
+          </a:p>
+        </p:txBody>
+      </p:sp>
+      <p:sp>
+        <p:nvSpPr>
+          <p:cNvPr id="62" name="Text Placeholder 2">
+            <a:extLst>
+              <a:ext uri="{FF2B5EF4-FFF2-40B4-BE49-F238E27FC236}">
+                <a16:creationId xmlns:a16="http://schemas.microsoft.com/office/drawing/2014/main" id="{540C455F-A23B-493F-B95E-AB485D91DA6A}"/>
+              </a:ext>
+            </a:extLst>
+          </p:cNvPr>
+          <p:cNvSpPr>
+            <a:spLocks noGrp="1"/>
+          </p:cNvSpPr>
+          <p:nvPr>
+            <p:ph type="body" idx="33" hasCustomPrompt="1"/>
+          </p:nvPr>
+        </p:nvSpPr>
+        <p:spPr>
+          <a:xfrm>
+            <a:off x="1500168" y="5668583"/>
+            <a:ext cx="1828800" cy="343061"/>
+          </a:xfrm>
+        </p:spPr>
+        <p:txBody>
+          <a:bodyPr anchor="ctr">
+            <a:noAutofit/>
+          </a:bodyPr>
+          <a:lstStyle>
+            <a:lvl1pPr marL="0" indent="0" algn="ctr">
+              <a:buNone/>
+              <a:defRPr lang="en-US" sz="900" kern="1200" spc="150" baseline="0" dirty="0" smtClean="0">
+                <a:solidFill>
+                  <a:schemeClr val="accent1"/>
+                </a:solidFill>
+                <a:latin typeface="+mj-lt"/>
+                <a:ea typeface="+mj-ea"/>
+                <a:cs typeface="+mj-cs"/>
+              </a:defRPr>
+            </a:lvl1pPr>
+            <a:lvl2pPr marL="457200" indent="0">
+              <a:buNone/>
+              <a:defRPr sz="2000" b="1"/>
+            </a:lvl2pPr>
+            <a:lvl3pPr marL="914400" indent="0">
+              <a:buNone/>
+              <a:defRPr sz="1800" b="1"/>
+            </a:lvl3pPr>
+            <a:lvl4pPr marL="1371600" indent="0">
+              <a:buNone/>
+              <a:defRPr sz="1600" b="1"/>
+            </a:lvl4pPr>
+            <a:lvl5pPr marL="1828800" indent="0">
+              <a:buNone/>
+              <a:defRPr sz="1600" b="1"/>
+            </a:lvl5pPr>
+            <a:lvl6pPr marL="2286000" indent="0">
+              <a:buNone/>
+              <a:defRPr sz="1600" b="1"/>
+            </a:lvl6pPr>
+            <a:lvl7pPr marL="2743200" indent="0">
+              <a:buNone/>
+              <a:defRPr sz="1600" b="1"/>
+            </a:lvl7pPr>
+            <a:lvl8pPr marL="3200400" indent="0">
+              <a:buNone/>
+              <a:defRPr sz="1600" b="1"/>
+            </a:lvl8pPr>
+            <a:lvl9pPr marL="3657600" indent="0">
+              <a:buNone/>
+              <a:defRPr sz="1600" b="1"/>
+            </a:lvl9pPr>
+          </a:lstStyle>
+          <a:p>
+            <a:pPr lvl="0"/>
+            <a:r>
+              <a:rPr lang="en-US"/>
+              <a:t>CLICK TO EDIT</a:t>
+            </a:r>
+          </a:p>
+        </p:txBody>
+      </p:sp>
+      <p:sp>
+        <p:nvSpPr>
+          <p:cNvPr id="56" name="Picture Placeholder 10">
+            <a:extLst>
+              <a:ext uri="{FF2B5EF4-FFF2-40B4-BE49-F238E27FC236}">
+                <a16:creationId xmlns:a16="http://schemas.microsoft.com/office/drawing/2014/main" id="{9461A69E-14C8-4325-89AF-D4257C1C05BA}"/>
+              </a:ext>
+            </a:extLst>
+          </p:cNvPr>
+          <p:cNvSpPr>
+            <a:spLocks noGrp="1"/>
+          </p:cNvSpPr>
+          <p:nvPr>
+            <p:ph type="pic" sz="quarter" idx="27"/>
+          </p:nvPr>
+        </p:nvSpPr>
+        <p:spPr>
+          <a:xfrm>
+            <a:off x="4226270" y="4287711"/>
+            <a:ext cx="1066800" cy="1066800"/>
+          </a:xfrm>
+          <a:solidFill>
+            <a:schemeClr val="tx1"/>
+          </a:solidFill>
+        </p:spPr>
+        <p:txBody>
+          <a:bodyPr>
+            <a:normAutofit/>
+          </a:bodyPr>
+          <a:lstStyle>
+            <a:lvl1pPr marL="0" indent="0" algn="l">
+              <a:lnSpc>
+                <a:spcPct val="100000"/>
+              </a:lnSpc>
+              <a:buNone/>
+              <a:defRPr sz="900">
+                <a:solidFill>
+                  <a:sysClr val="windowText" lastClr="000000"/>
+                </a:solidFill>
+              </a:defRPr>
+            </a:lvl1pPr>
+          </a:lstStyle>
+          <a:p>
+            <a:r>
+              <a:rPr lang="en-US"/>
+              <a:t>Click icon to add picture</a:t>
+            </a:r>
+            <a:endParaRPr lang="en-US" dirty="0"/>
+          </a:p>
+        </p:txBody>
+      </p:sp>
+      <p:sp>
+        <p:nvSpPr>
+          <p:cNvPr id="59" name="Text Placeholder 2">
+            <a:extLst>
+              <a:ext uri="{FF2B5EF4-FFF2-40B4-BE49-F238E27FC236}">
+                <a16:creationId xmlns:a16="http://schemas.microsoft.com/office/drawing/2014/main" id="{6D1C374C-DAF7-40EF-B279-4EC7A2AFE6A2}"/>
+              </a:ext>
+            </a:extLst>
+          </p:cNvPr>
+          <p:cNvSpPr>
+            <a:spLocks noGrp="1"/>
+          </p:cNvSpPr>
+          <p:nvPr>
+            <p:ph type="body" idx="30" hasCustomPrompt="1"/>
+          </p:nvPr>
+        </p:nvSpPr>
+        <p:spPr>
+          <a:xfrm>
+            <a:off x="3849262" y="5513214"/>
+            <a:ext cx="1828800" cy="343061"/>
+          </a:xfrm>
+        </p:spPr>
+        <p:txBody>
+          <a:bodyPr anchor="t">
+            <a:noAutofit/>
+          </a:bodyPr>
+          <a:lstStyle>
+            <a:lvl1pPr marL="0" indent="0" algn="ctr">
+              <a:buNone/>
+              <a:defRPr lang="en-US" sz="1050" kern="1200" spc="150" baseline="0" dirty="0" smtClean="0">
+                <a:solidFill>
+                  <a:schemeClr val="tx1"/>
+                </a:solidFill>
+                <a:latin typeface="+mj-lt"/>
+                <a:ea typeface="+mj-ea"/>
+                <a:cs typeface="+mj-cs"/>
+              </a:defRPr>
+            </a:lvl1pPr>
+            <a:lvl2pPr marL="457200" indent="0">
+              <a:buNone/>
+              <a:defRPr sz="2000" b="1"/>
+            </a:lvl2pPr>
+            <a:lvl3pPr marL="914400" indent="0">
+              <a:buNone/>
+              <a:defRPr sz="1800" b="1"/>
+            </a:lvl3pPr>
+            <a:lvl4pPr marL="1371600" indent="0">
+              <a:buNone/>
+              <a:defRPr sz="1600" b="1"/>
+            </a:lvl4pPr>
+            <a:lvl5pPr marL="1828800" indent="0">
+              <a:buNone/>
+              <a:defRPr sz="1600" b="1"/>
+            </a:lvl5pPr>
+            <a:lvl6pPr marL="2286000" indent="0">
+              <a:buNone/>
+              <a:defRPr sz="1600" b="1"/>
+            </a:lvl6pPr>
+            <a:lvl7pPr marL="2743200" indent="0">
+              <a:buNone/>
+              <a:defRPr sz="1600" b="1"/>
+            </a:lvl7pPr>
+            <a:lvl8pPr marL="3200400" indent="0">
+              <a:buNone/>
+              <a:defRPr sz="1600" b="1"/>
+            </a:lvl8pPr>
+            <a:lvl9pPr marL="3657600" indent="0">
+              <a:buNone/>
+              <a:defRPr sz="1600" b="1"/>
+            </a:lvl9pPr>
+          </a:lstStyle>
+          <a:p>
+            <a:pPr lvl="0"/>
+            <a:r>
+              <a:rPr lang="en-US"/>
+              <a:t>CLICK TO EDIT</a:t>
+            </a:r>
+          </a:p>
+        </p:txBody>
+      </p:sp>
+      <p:sp>
+        <p:nvSpPr>
+          <p:cNvPr id="63" name="Text Placeholder 2">
+            <a:extLst>
+              <a:ext uri="{FF2B5EF4-FFF2-40B4-BE49-F238E27FC236}">
+                <a16:creationId xmlns:a16="http://schemas.microsoft.com/office/drawing/2014/main" id="{421FF438-E4E8-4643-BCB3-4A1C12429042}"/>
+              </a:ext>
+            </a:extLst>
+          </p:cNvPr>
+          <p:cNvSpPr>
+            <a:spLocks noGrp="1"/>
+          </p:cNvSpPr>
+          <p:nvPr>
+            <p:ph type="body" idx="34" hasCustomPrompt="1"/>
+          </p:nvPr>
+        </p:nvSpPr>
+        <p:spPr>
+          <a:xfrm>
+            <a:off x="3849262" y="5668583"/>
+            <a:ext cx="1828800" cy="343061"/>
+          </a:xfrm>
+        </p:spPr>
+        <p:txBody>
+          <a:bodyPr anchor="ctr">
+            <a:noAutofit/>
+          </a:bodyPr>
+          <a:lstStyle>
+            <a:lvl1pPr marL="0" indent="0" algn="ctr">
+              <a:buNone/>
+              <a:defRPr lang="en-US" sz="900" kern="1200" spc="150" baseline="0" dirty="0" smtClean="0">
+                <a:solidFill>
+                  <a:schemeClr val="accent1"/>
+                </a:solidFill>
+                <a:latin typeface="+mj-lt"/>
+                <a:ea typeface="+mj-ea"/>
+                <a:cs typeface="+mj-cs"/>
+              </a:defRPr>
+            </a:lvl1pPr>
+            <a:lvl2pPr marL="457200" indent="0">
+              <a:buNone/>
+              <a:defRPr sz="2000" b="1"/>
+            </a:lvl2pPr>
+            <a:lvl3pPr marL="914400" indent="0">
+              <a:buNone/>
+              <a:defRPr sz="1800" b="1"/>
+            </a:lvl3pPr>
+            <a:lvl4pPr marL="1371600" indent="0">
+              <a:buNone/>
+              <a:defRPr sz="1600" b="1"/>
+            </a:lvl4pPr>
+            <a:lvl5pPr marL="1828800" indent="0">
+              <a:buNone/>
+              <a:defRPr sz="1600" b="1"/>
+            </a:lvl5pPr>
+            <a:lvl6pPr marL="2286000" indent="0">
+              <a:buNone/>
+              <a:defRPr sz="1600" b="1"/>
+            </a:lvl6pPr>
+            <a:lvl7pPr marL="2743200" indent="0">
+              <a:buNone/>
+              <a:defRPr sz="1600" b="1"/>
+            </a:lvl7pPr>
+            <a:lvl8pPr marL="3200400" indent="0">
+              <a:buNone/>
+              <a:defRPr sz="1600" b="1"/>
+            </a:lvl8pPr>
+            <a:lvl9pPr marL="3657600" indent="0">
+              <a:buNone/>
+              <a:defRPr sz="1600" b="1"/>
+            </a:lvl9pPr>
+          </a:lstStyle>
+          <a:p>
+            <a:pPr lvl="0"/>
+            <a:r>
+              <a:rPr lang="en-US"/>
+              <a:t>CLICK TO EDIT</a:t>
+            </a:r>
+          </a:p>
+        </p:txBody>
+      </p:sp>
+      <p:sp>
+        <p:nvSpPr>
+          <p:cNvPr id="33" name="Picture Placeholder 10">
+            <a:extLst>
+              <a:ext uri="{FF2B5EF4-FFF2-40B4-BE49-F238E27FC236}">
+                <a16:creationId xmlns:a16="http://schemas.microsoft.com/office/drawing/2014/main" id="{E029C5CA-EDDA-4BF9-9051-8B09E98EE1E2}"/>
+              </a:ext>
+            </a:extLst>
+          </p:cNvPr>
+          <p:cNvSpPr>
+            <a:spLocks noGrp="1"/>
+          </p:cNvSpPr>
+          <p:nvPr>
+            <p:ph type="pic" sz="quarter" idx="38"/>
+          </p:nvPr>
+        </p:nvSpPr>
+        <p:spPr>
+          <a:xfrm>
+            <a:off x="6655584" y="4287711"/>
+            <a:ext cx="1066800" cy="1066800"/>
+          </a:xfrm>
+          <a:solidFill>
+            <a:schemeClr val="tx1"/>
+          </a:solidFill>
+        </p:spPr>
+        <p:txBody>
+          <a:bodyPr>
+            <a:normAutofit/>
+          </a:bodyPr>
+          <a:lstStyle>
+            <a:lvl1pPr marL="0" indent="0" algn="l">
+              <a:lnSpc>
+                <a:spcPct val="100000"/>
+              </a:lnSpc>
+              <a:buNone/>
+              <a:defRPr sz="900">
+                <a:solidFill>
+                  <a:sysClr val="windowText" lastClr="000000"/>
+                </a:solidFill>
+              </a:defRPr>
+            </a:lvl1pPr>
+          </a:lstStyle>
+          <a:p>
+            <a:r>
+              <a:rPr lang="en-US"/>
+              <a:t>Click icon to add picture</a:t>
+            </a:r>
+            <a:endParaRPr lang="en-US" dirty="0"/>
+          </a:p>
+        </p:txBody>
+      </p:sp>
+      <p:sp>
+        <p:nvSpPr>
+          <p:cNvPr id="60" name="Text Placeholder 2">
+            <a:extLst>
+              <a:ext uri="{FF2B5EF4-FFF2-40B4-BE49-F238E27FC236}">
+                <a16:creationId xmlns:a16="http://schemas.microsoft.com/office/drawing/2014/main" id="{D4FEDD19-A7BA-45BB-93A0-F1E896C9F26D}"/>
+              </a:ext>
+            </a:extLst>
+          </p:cNvPr>
+          <p:cNvSpPr>
+            <a:spLocks noGrp="1"/>
+          </p:cNvSpPr>
+          <p:nvPr>
+            <p:ph type="body" idx="31" hasCustomPrompt="1"/>
+          </p:nvPr>
+        </p:nvSpPr>
+        <p:spPr>
+          <a:xfrm>
+            <a:off x="6339926" y="5513214"/>
+            <a:ext cx="1828800" cy="343061"/>
+          </a:xfrm>
+        </p:spPr>
+        <p:txBody>
+          <a:bodyPr anchor="t">
+            <a:noAutofit/>
+          </a:bodyPr>
+          <a:lstStyle>
+            <a:lvl1pPr marL="0" indent="0" algn="ctr">
+              <a:buNone/>
+              <a:defRPr lang="en-US" sz="1050" kern="1200" spc="150" baseline="0" dirty="0" smtClean="0">
+                <a:solidFill>
+                  <a:schemeClr val="tx1"/>
+                </a:solidFill>
+                <a:latin typeface="+mj-lt"/>
+                <a:ea typeface="+mj-ea"/>
+                <a:cs typeface="+mj-cs"/>
+              </a:defRPr>
+            </a:lvl1pPr>
+            <a:lvl2pPr marL="457200" indent="0">
+              <a:buNone/>
+              <a:defRPr sz="2000" b="1"/>
+            </a:lvl2pPr>
+            <a:lvl3pPr marL="914400" indent="0">
+              <a:buNone/>
+              <a:defRPr sz="1800" b="1"/>
+            </a:lvl3pPr>
+            <a:lvl4pPr marL="1371600" indent="0">
+              <a:buNone/>
+              <a:defRPr sz="1600" b="1"/>
+            </a:lvl4pPr>
+            <a:lvl5pPr marL="1828800" indent="0">
+              <a:buNone/>
+              <a:defRPr sz="1600" b="1"/>
+            </a:lvl5pPr>
+            <a:lvl6pPr marL="2286000" indent="0">
+              <a:buNone/>
+              <a:defRPr sz="1600" b="1"/>
+            </a:lvl6pPr>
+            <a:lvl7pPr marL="2743200" indent="0">
+              <a:buNone/>
+              <a:defRPr sz="1600" b="1"/>
+            </a:lvl7pPr>
+            <a:lvl8pPr marL="3200400" indent="0">
+              <a:buNone/>
+              <a:defRPr sz="1600" b="1"/>
+            </a:lvl8pPr>
+            <a:lvl9pPr marL="3657600" indent="0">
+              <a:buNone/>
+              <a:defRPr sz="1600" b="1"/>
+            </a:lvl9pPr>
+          </a:lstStyle>
+          <a:p>
+            <a:pPr lvl="0"/>
+            <a:r>
+              <a:rPr lang="en-US"/>
+              <a:t>CLICK TO EDIT</a:t>
+            </a:r>
+          </a:p>
+        </p:txBody>
+      </p:sp>
+      <p:sp>
+        <p:nvSpPr>
+          <p:cNvPr id="64" name="Text Placeholder 2">
+            <a:extLst>
+              <a:ext uri="{FF2B5EF4-FFF2-40B4-BE49-F238E27FC236}">
+                <a16:creationId xmlns:a16="http://schemas.microsoft.com/office/drawing/2014/main" id="{A12F0175-7AEE-46B1-9590-D4A427680DC7}"/>
+              </a:ext>
+            </a:extLst>
+          </p:cNvPr>
+          <p:cNvSpPr>
+            <a:spLocks noGrp="1"/>
+          </p:cNvSpPr>
+          <p:nvPr>
+            <p:ph type="body" idx="35" hasCustomPrompt="1"/>
+          </p:nvPr>
+        </p:nvSpPr>
+        <p:spPr>
+          <a:xfrm>
+            <a:off x="6339926" y="5668583"/>
+            <a:ext cx="1813474" cy="343061"/>
+          </a:xfrm>
+        </p:spPr>
+        <p:txBody>
+          <a:bodyPr anchor="ctr">
+            <a:noAutofit/>
+          </a:bodyPr>
+          <a:lstStyle>
+            <a:lvl1pPr marL="0" indent="0" algn="ctr">
+              <a:buNone/>
+              <a:defRPr lang="en-US" sz="900" kern="1200" spc="150" baseline="0" dirty="0" smtClean="0">
+                <a:solidFill>
+                  <a:schemeClr val="accent1"/>
+                </a:solidFill>
+                <a:latin typeface="+mj-lt"/>
+                <a:ea typeface="+mj-ea"/>
+                <a:cs typeface="+mj-cs"/>
+              </a:defRPr>
+            </a:lvl1pPr>
+            <a:lvl2pPr marL="457200" indent="0">
+              <a:buNone/>
+              <a:defRPr sz="2000" b="1"/>
+            </a:lvl2pPr>
+            <a:lvl3pPr marL="914400" indent="0">
+              <a:buNone/>
+              <a:defRPr sz="1800" b="1"/>
+            </a:lvl3pPr>
+            <a:lvl4pPr marL="1371600" indent="0">
+              <a:buNone/>
+              <a:defRPr sz="1600" b="1"/>
+            </a:lvl4pPr>
+            <a:lvl5pPr marL="1828800" indent="0">
+              <a:buNone/>
+              <a:defRPr sz="1600" b="1"/>
+            </a:lvl5pPr>
+            <a:lvl6pPr marL="2286000" indent="0">
+              <a:buNone/>
+              <a:defRPr sz="1600" b="1"/>
+            </a:lvl6pPr>
+            <a:lvl7pPr marL="2743200" indent="0">
+              <a:buNone/>
+              <a:defRPr sz="1600" b="1"/>
+            </a:lvl7pPr>
+            <a:lvl8pPr marL="3200400" indent="0">
+              <a:buNone/>
+              <a:defRPr sz="1600" b="1"/>
+            </a:lvl8pPr>
+            <a:lvl9pPr marL="3657600" indent="0">
+              <a:buNone/>
+              <a:defRPr sz="1600" b="1"/>
+            </a:lvl9pPr>
+          </a:lstStyle>
+          <a:p>
+            <a:pPr lvl="0"/>
+            <a:r>
+              <a:rPr lang="en-US" dirty="0"/>
+              <a:t>CLICK TO EDIT</a:t>
+            </a:r>
+          </a:p>
+        </p:txBody>
+      </p:sp>
+      <p:sp>
+        <p:nvSpPr>
+          <p:cNvPr id="58" name="Picture Placeholder 10">
+            <a:extLst>
+              <a:ext uri="{FF2B5EF4-FFF2-40B4-BE49-F238E27FC236}">
+                <a16:creationId xmlns:a16="http://schemas.microsoft.com/office/drawing/2014/main" id="{622ED9F4-EB9B-4588-8501-BFECB846EE73}"/>
+              </a:ext>
+            </a:extLst>
+          </p:cNvPr>
+          <p:cNvSpPr>
+            <a:spLocks noGrp="1"/>
+          </p:cNvSpPr>
+          <p:nvPr>
+            <p:ph type="pic" sz="quarter" idx="29"/>
+          </p:nvPr>
+        </p:nvSpPr>
+        <p:spPr>
+          <a:xfrm>
+            <a:off x="9136814" y="4287711"/>
+            <a:ext cx="1066800" cy="1066800"/>
+          </a:xfrm>
+          <a:solidFill>
+            <a:schemeClr val="tx1"/>
+          </a:solidFill>
+        </p:spPr>
+        <p:txBody>
+          <a:bodyPr>
+            <a:normAutofit/>
+          </a:bodyPr>
+          <a:lstStyle>
+            <a:lvl1pPr marL="0" indent="0" algn="l">
+              <a:lnSpc>
+                <a:spcPct val="100000"/>
+              </a:lnSpc>
+              <a:buNone/>
+              <a:defRPr sz="900">
+                <a:solidFill>
+                  <a:sysClr val="windowText" lastClr="000000"/>
+                </a:solidFill>
+              </a:defRPr>
+            </a:lvl1pPr>
+          </a:lstStyle>
+          <a:p>
+            <a:r>
+              <a:rPr lang="en-US"/>
+              <a:t>Click icon to add picture</a:t>
+            </a:r>
+            <a:endParaRPr lang="en-US" dirty="0"/>
+          </a:p>
+        </p:txBody>
+      </p:sp>
+      <p:sp>
+        <p:nvSpPr>
+          <p:cNvPr id="61" name="Text Placeholder 2">
+            <a:extLst>
+              <a:ext uri="{FF2B5EF4-FFF2-40B4-BE49-F238E27FC236}">
+                <a16:creationId xmlns:a16="http://schemas.microsoft.com/office/drawing/2014/main" id="{5026D39F-46AB-4680-9A52-F367344A3531}"/>
+              </a:ext>
+            </a:extLst>
+          </p:cNvPr>
+          <p:cNvSpPr>
+            <a:spLocks noGrp="1"/>
+          </p:cNvSpPr>
+          <p:nvPr>
+            <p:ph type="body" idx="32" hasCustomPrompt="1"/>
+          </p:nvPr>
+        </p:nvSpPr>
+        <p:spPr>
+          <a:xfrm>
+            <a:off x="8759806" y="5513214"/>
+            <a:ext cx="1828800" cy="343061"/>
+          </a:xfrm>
+        </p:spPr>
+        <p:txBody>
+          <a:bodyPr anchor="t">
+            <a:noAutofit/>
+          </a:bodyPr>
+          <a:lstStyle>
+            <a:lvl1pPr marL="0" indent="0" algn="ctr">
+              <a:buNone/>
+              <a:defRPr lang="en-US" sz="1050" kern="1200" spc="150" baseline="0" dirty="0" smtClean="0">
+                <a:solidFill>
+                  <a:schemeClr val="tx1"/>
+                </a:solidFill>
+                <a:latin typeface="+mj-lt"/>
+                <a:ea typeface="+mj-ea"/>
+                <a:cs typeface="+mj-cs"/>
+              </a:defRPr>
+            </a:lvl1pPr>
+            <a:lvl2pPr marL="457200" indent="0">
+              <a:buNone/>
+              <a:defRPr sz="2000" b="1"/>
+            </a:lvl2pPr>
+            <a:lvl3pPr marL="914400" indent="0">
+              <a:buNone/>
+              <a:defRPr sz="1800" b="1"/>
+            </a:lvl3pPr>
+            <a:lvl4pPr marL="1371600" indent="0">
+              <a:buNone/>
+              <a:defRPr sz="1600" b="1"/>
+            </a:lvl4pPr>
+            <a:lvl5pPr marL="1828800" indent="0">
+              <a:buNone/>
+              <a:defRPr sz="1600" b="1"/>
+            </a:lvl5pPr>
+            <a:lvl6pPr marL="2286000" indent="0">
+              <a:buNone/>
+              <a:defRPr sz="1600" b="1"/>
+            </a:lvl6pPr>
+            <a:lvl7pPr marL="2743200" indent="0">
+              <a:buNone/>
+              <a:defRPr sz="1600" b="1"/>
+            </a:lvl7pPr>
+            <a:lvl8pPr marL="3200400" indent="0">
+              <a:buNone/>
+              <a:defRPr sz="1600" b="1"/>
+            </a:lvl8pPr>
+            <a:lvl9pPr marL="3657600" indent="0">
+              <a:buNone/>
+              <a:defRPr sz="1600" b="1"/>
+            </a:lvl9pPr>
+          </a:lstStyle>
+          <a:p>
+            <a:pPr lvl="0"/>
+            <a:r>
+              <a:rPr lang="en-US"/>
+              <a:t>CLICK TO EDIT</a:t>
+            </a:r>
+          </a:p>
+        </p:txBody>
+      </p:sp>
+      <p:sp>
+        <p:nvSpPr>
+          <p:cNvPr id="65" name="Text Placeholder 2">
+            <a:extLst>
+              <a:ext uri="{FF2B5EF4-FFF2-40B4-BE49-F238E27FC236}">
+                <a16:creationId xmlns:a16="http://schemas.microsoft.com/office/drawing/2014/main" id="{04E11FE2-6320-4E8C-A5B3-8104AF329ADA}"/>
+              </a:ext>
+            </a:extLst>
+          </p:cNvPr>
+          <p:cNvSpPr>
+            <a:spLocks noGrp="1"/>
+          </p:cNvSpPr>
+          <p:nvPr>
+            <p:ph type="body" idx="36" hasCustomPrompt="1"/>
+          </p:nvPr>
+        </p:nvSpPr>
+        <p:spPr>
+          <a:xfrm>
+            <a:off x="8744480" y="5668583"/>
+            <a:ext cx="1844126" cy="343061"/>
+          </a:xfrm>
+        </p:spPr>
+        <p:txBody>
+          <a:bodyPr anchor="ctr">
+            <a:noAutofit/>
+          </a:bodyPr>
+          <a:lstStyle>
+            <a:lvl1pPr marL="0" indent="0" algn="ctr">
+              <a:buNone/>
+              <a:defRPr lang="en-US" sz="900" kern="1200" spc="150" baseline="0" dirty="0" smtClean="0">
+                <a:solidFill>
+                  <a:schemeClr val="accent1"/>
+                </a:solidFill>
+                <a:latin typeface="+mj-lt"/>
+                <a:ea typeface="+mj-ea"/>
+                <a:cs typeface="+mj-cs"/>
+              </a:defRPr>
+            </a:lvl1pPr>
+            <a:lvl2pPr marL="457200" indent="0">
+              <a:buNone/>
+              <a:defRPr sz="2000" b="1"/>
+            </a:lvl2pPr>
+            <a:lvl3pPr marL="914400" indent="0">
+              <a:buNone/>
+              <a:defRPr sz="1800" b="1"/>
+            </a:lvl3pPr>
+            <a:lvl4pPr marL="1371600" indent="0">
+              <a:buNone/>
+              <a:defRPr sz="1600" b="1"/>
+            </a:lvl4pPr>
+            <a:lvl5pPr marL="1828800" indent="0">
+              <a:buNone/>
+              <a:defRPr sz="1600" b="1"/>
+            </a:lvl5pPr>
+            <a:lvl6pPr marL="2286000" indent="0">
+              <a:buNone/>
+              <a:defRPr sz="1600" b="1"/>
+            </a:lvl6pPr>
+            <a:lvl7pPr marL="2743200" indent="0">
+              <a:buNone/>
+              <a:defRPr sz="1600" b="1"/>
+            </a:lvl7pPr>
+            <a:lvl8pPr marL="3200400" indent="0">
+              <a:buNone/>
+              <a:defRPr sz="1600" b="1"/>
+            </a:lvl8pPr>
+            <a:lvl9pPr marL="3657600" indent="0">
+              <a:buNone/>
+              <a:defRPr sz="1600" b="1"/>
+            </a:lvl9pPr>
+          </a:lstStyle>
+          <a:p>
+            <a:pPr lvl="0"/>
+            <a:r>
+              <a:rPr lang="en-US"/>
+              <a:t>CLICK TO EDIT</a:t>
+            </a:r>
+          </a:p>
+        </p:txBody>
+      </p:sp>
+      <p:sp>
+        <p:nvSpPr>
+          <p:cNvPr id="7" name="Date Placeholder 6">
+            <a:extLst>
+              <a:ext uri="{FF2B5EF4-FFF2-40B4-BE49-F238E27FC236}">
+                <a16:creationId xmlns:a16="http://schemas.microsoft.com/office/drawing/2014/main" id="{F255C16C-AA88-4BBF-8040-11ECFED618E0}"/>
+              </a:ext>
+            </a:extLst>
+          </p:cNvPr>
+          <p:cNvSpPr>
+            <a:spLocks noGrp="1"/>
+          </p:cNvSpPr>
+          <p:nvPr>
+            <p:ph type="dt" sz="half" idx="10"/>
+          </p:nvPr>
+        </p:nvSpPr>
+        <p:spPr/>
+        <p:txBody>
+          <a:bodyPr/>
+          <a:lstStyle>
+            <a:lvl1pPr>
+              <a:defRPr sz="900">
+                <a:solidFill>
+                  <a:srgbClr val="898989"/>
+                </a:solidFill>
+              </a:defRPr>
+            </a:lvl1pPr>
+          </a:lstStyle>
+          <a:p>
+            <a:r>
+              <a:rPr lang="en-US" dirty="0"/>
+              <a:t>20XX</a:t>
+            </a:r>
+          </a:p>
+        </p:txBody>
+      </p:sp>
+      <p:sp>
+        <p:nvSpPr>
+          <p:cNvPr id="8" name="Footer Placeholder 7">
+            <a:extLst>
+              <a:ext uri="{FF2B5EF4-FFF2-40B4-BE49-F238E27FC236}">
+                <a16:creationId xmlns:a16="http://schemas.microsoft.com/office/drawing/2014/main" id="{CBE560E3-F935-488F-8F0E-191D7B6B54B8}"/>
+              </a:ext>
+            </a:extLst>
+          </p:cNvPr>
+          <p:cNvSpPr>
+            <a:spLocks noGrp="1"/>
+          </p:cNvSpPr>
+          <p:nvPr>
+            <p:ph type="ftr" sz="quarter" idx="11"/>
+          </p:nvPr>
+        </p:nvSpPr>
+        <p:spPr/>
+        <p:txBody>
+          <a:bodyPr/>
+          <a:lstStyle>
+            <a:lvl1pPr>
+              <a:defRPr sz="900">
+                <a:solidFill>
+                  <a:srgbClr val="898989"/>
+                </a:solidFill>
+              </a:defRPr>
+            </a:lvl1pPr>
+          </a:lstStyle>
+          <a:p>
+            <a:r>
+              <a:rPr lang="en-US" dirty="0"/>
+              <a:t>PRESENTATION TITLE</a:t>
+            </a:r>
+          </a:p>
+        </p:txBody>
+      </p:sp>
+      <p:sp>
+        <p:nvSpPr>
+          <p:cNvPr id="9" name="Slide Number Placeholder 8">
+            <a:extLst>
+              <a:ext uri="{FF2B5EF4-FFF2-40B4-BE49-F238E27FC236}">
+                <a16:creationId xmlns:a16="http://schemas.microsoft.com/office/drawing/2014/main" id="{9B9CD8B2-CC23-467F-B0EE-2CC06D6308BD}"/>
+              </a:ext>
+            </a:extLst>
+          </p:cNvPr>
+          <p:cNvSpPr>
+            <a:spLocks noGrp="1"/>
+          </p:cNvSpPr>
+          <p:nvPr>
+            <p:ph type="sldNum" sz="quarter" idx="12"/>
+          </p:nvPr>
+        </p:nvSpPr>
+        <p:spPr/>
+        <p:txBody>
+          <a:bodyPr/>
+          <a:lstStyle>
+            <a:lvl1pPr>
+              <a:defRPr sz="900">
+                <a:solidFill>
+                  <a:srgbClr val="898989"/>
+                </a:solidFill>
+              </a:defRPr>
+            </a:lvl1pPr>
+          </a:lstStyle>
+          <a:p>
+            <a:fld id="{A49DFD55-3C28-40EF-9E31-A92D2E4017FF}" type="slidenum">
+              <a:rPr lang="en-US" smtClean="0"/>
+              <a:pPr/>
+              <a:t>‹#›</a:t>
+            </a:fld>
+            <a:endParaRPr lang="en-US" dirty="0"/>
+          </a:p>
+        </p:txBody>
+      </p:sp>
+    </p:spTree>
+    <p:extLst>
+      <p:ext uri="{BB962C8B-B14F-4D97-AF65-F5344CB8AC3E}">
+        <p14:creationId xmlns:p14="http://schemas.microsoft.com/office/powerpoint/2010/main" val="3723684548"/>
+      </p:ext>
+    </p:extLst>
+  </p:cSld>
+  <p:clrMapOvr>
+    <a:overrideClrMapping bg1="dk1" tx1="lt1" bg2="dk2" tx2="lt2" accent1="accent1" accent2="accent2" accent3="accent3" accent4="accent4" accent5="accent5" accent6="accent6" hlink="hlink" folHlink="folHlink"/>
+  </p:clrMapOvr>
+</p:sldLayout>
+</file>
+
+<file path=ppt/slideLayouts/slideLayout14.xml><?xml version="1.0" encoding="utf-8"?>
+<p:sldLayout xmlns:a="http://schemas.openxmlformats.org/drawingml/2006/main" xmlns:r="http://schemas.openxmlformats.org/officeDocument/2006/relationships" xmlns:p="http://schemas.openxmlformats.org/presentationml/2006/main" userDrawn="1">
+  <p:cSld name="Team Slide 4 People">
+    <p:bg>
+      <p:bgRef idx="1001">
+        <a:schemeClr val="bg1"/>
+      </p:bgRef>
+    </p:bg>
+    <p:spTree>
+      <p:nvGrpSpPr>
+        <p:cNvPr id="1" name=""/>
+        <p:cNvGrpSpPr/>
+        <p:nvPr/>
+      </p:nvGrpSpPr>
+      <p:grpSpPr>
+        <a:xfrm>
+          <a:off x="0" y="0"/>
+          <a:ext cx="0" cy="0"/>
+          <a:chOff x="0" y="0"/>
+          <a:chExt cx="0" cy="0"/>
+        </a:xfrm>
+      </p:grpSpPr>
+      <p:sp>
+        <p:nvSpPr>
+          <p:cNvPr id="2" name="Title 1">
+            <a:extLst>
+              <a:ext uri="{FF2B5EF4-FFF2-40B4-BE49-F238E27FC236}">
+                <a16:creationId xmlns:a16="http://schemas.microsoft.com/office/drawing/2014/main" id="{81CF3B5C-31C4-46BA-9FAD-72DF917A84DA}"/>
+              </a:ext>
+            </a:extLst>
+          </p:cNvPr>
+          <p:cNvSpPr>
+            <a:spLocks noGrp="1"/>
+          </p:cNvSpPr>
+          <p:nvPr>
+            <p:ph type="title" hasCustomPrompt="1"/>
+          </p:nvPr>
+        </p:nvSpPr>
+        <p:spPr>
+          <a:xfrm>
+            <a:off x="1885156" y="892177"/>
+            <a:ext cx="8421688" cy="1325563"/>
+          </a:xfrm>
+        </p:spPr>
+        <p:txBody>
+          <a:bodyPr>
+            <a:normAutofit/>
+          </a:bodyPr>
+          <a:lstStyle>
+            <a:lvl1pPr algn="ctr">
+              <a:defRPr lang="en-US" sz="2800" kern="1200" spc="150" baseline="0" dirty="0">
+                <a:solidFill>
+                  <a:schemeClr val="tx1"/>
+                </a:solidFill>
+                <a:latin typeface="+mj-lt"/>
+                <a:ea typeface="+mj-ea"/>
+                <a:cs typeface="+mj-cs"/>
+              </a:defRPr>
+            </a:lvl1pPr>
+          </a:lstStyle>
+          <a:p>
+            <a:r>
+              <a:rPr lang="en-US"/>
+              <a:t>CLICK TO EDIT MASTER TITLE STYLE</a:t>
+            </a:r>
+          </a:p>
+        </p:txBody>
+      </p:sp>
+      <p:sp>
+        <p:nvSpPr>
+          <p:cNvPr id="11" name="Picture Placeholder 10">
+            <a:extLst>
+              <a:ext uri="{FF2B5EF4-FFF2-40B4-BE49-F238E27FC236}">
+                <a16:creationId xmlns:a16="http://schemas.microsoft.com/office/drawing/2014/main" id="{B0BDE76A-30A6-4268-9656-28A484C3DCC9}"/>
+              </a:ext>
+            </a:extLst>
+          </p:cNvPr>
+          <p:cNvSpPr>
+            <a:spLocks noGrp="1"/>
+          </p:cNvSpPr>
+          <p:nvPr>
+            <p:ph type="pic" sz="quarter" idx="14"/>
+          </p:nvPr>
+        </p:nvSpPr>
+        <p:spPr>
+          <a:xfrm>
+            <a:off x="1487181" y="2886074"/>
+            <a:ext cx="1845511" cy="1845511"/>
+          </a:xfrm>
+          <a:solidFill>
+            <a:schemeClr val="bg1">
+              <a:lumMod val="95000"/>
+            </a:schemeClr>
+          </a:solidFill>
+        </p:spPr>
+        <p:txBody>
+          <a:bodyPr/>
+          <a:lstStyle/>
+          <a:p>
+            <a:r>
+              <a:rPr lang="en-US"/>
+              <a:t>Click icon to add picture</a:t>
+            </a:r>
+            <a:endParaRPr lang="en-US" dirty="0"/>
+          </a:p>
+        </p:txBody>
+      </p:sp>
+      <p:sp>
+        <p:nvSpPr>
+          <p:cNvPr id="3" name="Text Placeholder 2">
+            <a:extLst>
+              <a:ext uri="{FF2B5EF4-FFF2-40B4-BE49-F238E27FC236}">
+                <a16:creationId xmlns:a16="http://schemas.microsoft.com/office/drawing/2014/main" id="{B659CD1F-9DFB-4048-9B9B-2BD7D4EC6400}"/>
+              </a:ext>
+            </a:extLst>
+          </p:cNvPr>
+          <p:cNvSpPr>
+            <a:spLocks noGrp="1"/>
+          </p:cNvSpPr>
+          <p:nvPr>
+            <p:ph type="body" idx="1" hasCustomPrompt="1"/>
+          </p:nvPr>
+        </p:nvSpPr>
+        <p:spPr>
+          <a:xfrm>
+            <a:off x="1228568" y="5084524"/>
+            <a:ext cx="2317707" cy="343061"/>
+          </a:xfrm>
+        </p:spPr>
+        <p:txBody>
+          <a:bodyPr anchor="ctr">
+            <a:noAutofit/>
+          </a:bodyPr>
+          <a:lstStyle>
+            <a:lvl1pPr marL="0" indent="0" algn="ctr">
+              <a:buNone/>
+              <a:defRPr lang="en-US" sz="1400" kern="1200" spc="150" baseline="0" dirty="0" smtClean="0">
+                <a:solidFill>
+                  <a:schemeClr val="tx1"/>
+                </a:solidFill>
+                <a:latin typeface="+mj-lt"/>
+                <a:ea typeface="+mj-ea"/>
+                <a:cs typeface="+mj-cs"/>
+              </a:defRPr>
+            </a:lvl1pPr>
+            <a:lvl2pPr marL="457200" indent="0">
+              <a:buNone/>
+              <a:defRPr sz="2000" b="1"/>
+            </a:lvl2pPr>
+            <a:lvl3pPr marL="914400" indent="0">
+              <a:buNone/>
+              <a:defRPr sz="1800" b="1"/>
+            </a:lvl3pPr>
+            <a:lvl4pPr marL="1371600" indent="0">
+              <a:buNone/>
+              <a:defRPr sz="1600" b="1"/>
+            </a:lvl4pPr>
+            <a:lvl5pPr marL="1828800" indent="0">
+              <a:buNone/>
+              <a:defRPr sz="1600" b="1"/>
+            </a:lvl5pPr>
+            <a:lvl6pPr marL="2286000" indent="0">
+              <a:buNone/>
+              <a:defRPr sz="1600" b="1"/>
+            </a:lvl6pPr>
+            <a:lvl7pPr marL="2743200" indent="0">
+              <a:buNone/>
+              <a:defRPr sz="1600" b="1"/>
+            </a:lvl7pPr>
+            <a:lvl8pPr marL="3200400" indent="0">
+              <a:buNone/>
+              <a:defRPr sz="1600" b="1"/>
+            </a:lvl8pPr>
+            <a:lvl9pPr marL="3657600" indent="0">
+              <a:buNone/>
+              <a:defRPr sz="1600" b="1"/>
+            </a:lvl9pPr>
+          </a:lstStyle>
+          <a:p>
+            <a:pPr lvl="0"/>
+            <a:r>
+              <a:rPr lang="en-US"/>
+              <a:t>CLICK TO EDIT</a:t>
+            </a:r>
+          </a:p>
+        </p:txBody>
+      </p:sp>
+      <p:sp>
+        <p:nvSpPr>
+          <p:cNvPr id="26" name="Text Placeholder 2">
+            <a:extLst>
+              <a:ext uri="{FF2B5EF4-FFF2-40B4-BE49-F238E27FC236}">
+                <a16:creationId xmlns:a16="http://schemas.microsoft.com/office/drawing/2014/main" id="{A02C0876-23F7-41FA-9AC9-721097D1A3CD}"/>
+              </a:ext>
+            </a:extLst>
+          </p:cNvPr>
+          <p:cNvSpPr>
+            <a:spLocks noGrp="1"/>
+          </p:cNvSpPr>
+          <p:nvPr>
+            <p:ph type="body" idx="21" hasCustomPrompt="1"/>
+          </p:nvPr>
+        </p:nvSpPr>
+        <p:spPr>
+          <a:xfrm>
+            <a:off x="1487181" y="5464114"/>
+            <a:ext cx="1845511" cy="343061"/>
+          </a:xfrm>
+        </p:spPr>
+        <p:txBody>
+          <a:bodyPr anchor="t">
+            <a:noAutofit/>
+          </a:bodyPr>
+          <a:lstStyle>
+            <a:lvl1pPr marL="0" indent="0" algn="ctr">
+              <a:buNone/>
+              <a:defRPr lang="en-US" sz="1000" kern="1200" spc="150" baseline="0" dirty="0" smtClean="0">
+                <a:solidFill>
+                  <a:schemeClr val="tx1"/>
+                </a:solidFill>
+                <a:latin typeface="+mn-lt"/>
+                <a:ea typeface="+mj-ea"/>
+                <a:cs typeface="+mj-cs"/>
+              </a:defRPr>
+            </a:lvl1pPr>
+            <a:lvl2pPr marL="457200" indent="0">
+              <a:buNone/>
+              <a:defRPr sz="2000" b="1"/>
+            </a:lvl2pPr>
+            <a:lvl3pPr marL="914400" indent="0">
+              <a:buNone/>
+              <a:defRPr sz="1800" b="1"/>
+            </a:lvl3pPr>
+            <a:lvl4pPr marL="1371600" indent="0">
+              <a:buNone/>
+              <a:defRPr sz="1600" b="1"/>
+            </a:lvl4pPr>
+            <a:lvl5pPr marL="1828800" indent="0">
+              <a:buNone/>
+              <a:defRPr sz="1600" b="1"/>
+            </a:lvl5pPr>
+            <a:lvl6pPr marL="2286000" indent="0">
+              <a:buNone/>
+              <a:defRPr sz="1600" b="1"/>
+            </a:lvl6pPr>
+            <a:lvl7pPr marL="2743200" indent="0">
+              <a:buNone/>
+              <a:defRPr sz="1600" b="1"/>
+            </a:lvl7pPr>
+            <a:lvl8pPr marL="3200400" indent="0">
+              <a:buNone/>
+              <a:defRPr sz="1600" b="1"/>
+            </a:lvl8pPr>
+            <a:lvl9pPr marL="3657600" indent="0">
+              <a:buNone/>
+              <a:defRPr sz="1600" b="1"/>
+            </a:lvl9pPr>
+          </a:lstStyle>
+          <a:p>
+            <a:pPr lvl="0"/>
+            <a:r>
+              <a:rPr lang="en-US" dirty="0"/>
+              <a:t>CLICK TO EDIT</a:t>
+            </a:r>
+          </a:p>
+        </p:txBody>
+      </p:sp>
+      <p:sp>
+        <p:nvSpPr>
+          <p:cNvPr id="17" name="Picture Placeholder 10">
+            <a:extLst>
+              <a:ext uri="{FF2B5EF4-FFF2-40B4-BE49-F238E27FC236}">
+                <a16:creationId xmlns:a16="http://schemas.microsoft.com/office/drawing/2014/main" id="{C4CA5C9C-91D5-44B1-A82A-A49732B4691A}"/>
+              </a:ext>
+            </a:extLst>
+          </p:cNvPr>
+          <p:cNvSpPr>
+            <a:spLocks noGrp="1"/>
+          </p:cNvSpPr>
+          <p:nvPr>
+            <p:ph type="pic" sz="quarter" idx="15"/>
+          </p:nvPr>
+        </p:nvSpPr>
+        <p:spPr>
+          <a:xfrm>
+            <a:off x="3836914" y="2886074"/>
+            <a:ext cx="1845511" cy="1845511"/>
+          </a:xfrm>
+          <a:solidFill>
+            <a:schemeClr val="bg1">
+              <a:lumMod val="95000"/>
+            </a:schemeClr>
+          </a:solidFill>
+        </p:spPr>
+        <p:txBody>
+          <a:bodyPr/>
+          <a:lstStyle/>
+          <a:p>
+            <a:r>
+              <a:rPr lang="en-US"/>
+              <a:t>Click icon to add picture</a:t>
+            </a:r>
+            <a:endParaRPr lang="en-US" dirty="0"/>
+          </a:p>
+        </p:txBody>
+      </p:sp>
+      <p:sp>
+        <p:nvSpPr>
+          <p:cNvPr id="23" name="Text Placeholder 2">
+            <a:extLst>
+              <a:ext uri="{FF2B5EF4-FFF2-40B4-BE49-F238E27FC236}">
+                <a16:creationId xmlns:a16="http://schemas.microsoft.com/office/drawing/2014/main" id="{572D0301-10F1-41B4-BEF8-C53FA4D66214}"/>
+              </a:ext>
+            </a:extLst>
+          </p:cNvPr>
+          <p:cNvSpPr>
+            <a:spLocks noGrp="1"/>
+          </p:cNvSpPr>
+          <p:nvPr>
+            <p:ph type="body" idx="18" hasCustomPrompt="1"/>
+          </p:nvPr>
+        </p:nvSpPr>
+        <p:spPr>
+          <a:xfrm>
+            <a:off x="3578300" y="5084524"/>
+            <a:ext cx="2330816" cy="343061"/>
+          </a:xfrm>
+        </p:spPr>
+        <p:txBody>
+          <a:bodyPr anchor="ctr">
+            <a:noAutofit/>
+          </a:bodyPr>
+          <a:lstStyle>
+            <a:lvl1pPr marL="0" indent="0" algn="ctr">
+              <a:buNone/>
+              <a:defRPr lang="en-US" sz="1400" kern="1200" spc="150" baseline="0" dirty="0" smtClean="0">
+                <a:solidFill>
+                  <a:schemeClr val="tx1"/>
+                </a:solidFill>
+                <a:latin typeface="+mj-lt"/>
+                <a:ea typeface="+mj-ea"/>
+                <a:cs typeface="+mj-cs"/>
+              </a:defRPr>
+            </a:lvl1pPr>
+            <a:lvl2pPr marL="457200" indent="0">
+              <a:buNone/>
+              <a:defRPr sz="2000" b="1"/>
+            </a:lvl2pPr>
+            <a:lvl3pPr marL="914400" indent="0">
+              <a:buNone/>
+              <a:defRPr sz="1800" b="1"/>
+            </a:lvl3pPr>
+            <a:lvl4pPr marL="1371600" indent="0">
+              <a:buNone/>
+              <a:defRPr sz="1600" b="1"/>
+            </a:lvl4pPr>
+            <a:lvl5pPr marL="1828800" indent="0">
+              <a:buNone/>
+              <a:defRPr sz="1600" b="1"/>
+            </a:lvl5pPr>
+            <a:lvl6pPr marL="2286000" indent="0">
+              <a:buNone/>
+              <a:defRPr sz="1600" b="1"/>
+            </a:lvl6pPr>
+            <a:lvl7pPr marL="2743200" indent="0">
+              <a:buNone/>
+              <a:defRPr sz="1600" b="1"/>
+            </a:lvl7pPr>
+            <a:lvl8pPr marL="3200400" indent="0">
+              <a:buNone/>
+              <a:defRPr sz="1600" b="1"/>
+            </a:lvl8pPr>
+            <a:lvl9pPr marL="3657600" indent="0">
+              <a:buNone/>
+              <a:defRPr sz="1600" b="1"/>
+            </a:lvl9pPr>
+          </a:lstStyle>
+          <a:p>
+            <a:pPr lvl="0"/>
+            <a:r>
+              <a:rPr lang="en-US"/>
+              <a:t>CLICK TO EDIT</a:t>
+            </a:r>
+          </a:p>
+        </p:txBody>
+      </p:sp>
+      <p:sp>
+        <p:nvSpPr>
+          <p:cNvPr id="27" name="Text Placeholder 2">
+            <a:extLst>
+              <a:ext uri="{FF2B5EF4-FFF2-40B4-BE49-F238E27FC236}">
+                <a16:creationId xmlns:a16="http://schemas.microsoft.com/office/drawing/2014/main" id="{7ADEB263-F204-4A78-A5E0-7361EFE0B921}"/>
+              </a:ext>
+            </a:extLst>
+          </p:cNvPr>
+          <p:cNvSpPr>
+            <a:spLocks noGrp="1"/>
+          </p:cNvSpPr>
+          <p:nvPr>
+            <p:ph type="body" idx="22" hasCustomPrompt="1"/>
+          </p:nvPr>
+        </p:nvSpPr>
+        <p:spPr>
+          <a:xfrm>
+            <a:off x="3836913" y="5478796"/>
+            <a:ext cx="1855949" cy="343061"/>
+          </a:xfrm>
+        </p:spPr>
+        <p:txBody>
+          <a:bodyPr anchor="t">
+            <a:noAutofit/>
+          </a:bodyPr>
+          <a:lstStyle>
+            <a:lvl1pPr marL="0" indent="0" algn="ctr">
+              <a:buNone/>
+              <a:defRPr lang="en-US" sz="1000" kern="1200" spc="150" baseline="0" dirty="0" smtClean="0">
+                <a:solidFill>
+                  <a:schemeClr val="tx1"/>
+                </a:solidFill>
+                <a:latin typeface="+mn-lt"/>
+                <a:ea typeface="+mj-ea"/>
+                <a:cs typeface="+mj-cs"/>
+              </a:defRPr>
+            </a:lvl1pPr>
+            <a:lvl2pPr marL="457200" indent="0">
+              <a:buNone/>
+              <a:defRPr sz="2000" b="1"/>
+            </a:lvl2pPr>
+            <a:lvl3pPr marL="914400" indent="0">
+              <a:buNone/>
+              <a:defRPr sz="1800" b="1"/>
+            </a:lvl3pPr>
+            <a:lvl4pPr marL="1371600" indent="0">
+              <a:buNone/>
+              <a:defRPr sz="1600" b="1"/>
+            </a:lvl4pPr>
+            <a:lvl5pPr marL="1828800" indent="0">
+              <a:buNone/>
+              <a:defRPr sz="1600" b="1"/>
+            </a:lvl5pPr>
+            <a:lvl6pPr marL="2286000" indent="0">
+              <a:buNone/>
+              <a:defRPr sz="1600" b="1"/>
+            </a:lvl6pPr>
+            <a:lvl7pPr marL="2743200" indent="0">
+              <a:buNone/>
+              <a:defRPr sz="1600" b="1"/>
+            </a:lvl7pPr>
+            <a:lvl8pPr marL="3200400" indent="0">
+              <a:buNone/>
+              <a:defRPr sz="1600" b="1"/>
+            </a:lvl8pPr>
+            <a:lvl9pPr marL="3657600" indent="0">
+              <a:buNone/>
+              <a:defRPr sz="1600" b="1"/>
+            </a:lvl9pPr>
+          </a:lstStyle>
+          <a:p>
+            <a:pPr lvl="0"/>
+            <a:r>
+              <a:rPr lang="en-US"/>
+              <a:t>CLICK TO EDIT</a:t>
+            </a:r>
+          </a:p>
+        </p:txBody>
+      </p:sp>
+      <p:sp>
+        <p:nvSpPr>
+          <p:cNvPr id="18" name="Picture Placeholder 10">
+            <a:extLst>
+              <a:ext uri="{FF2B5EF4-FFF2-40B4-BE49-F238E27FC236}">
+                <a16:creationId xmlns:a16="http://schemas.microsoft.com/office/drawing/2014/main" id="{4EBC7D6F-397D-4C5A-AA62-F683F88531A2}"/>
+              </a:ext>
+            </a:extLst>
+          </p:cNvPr>
+          <p:cNvSpPr>
+            <a:spLocks noGrp="1"/>
+          </p:cNvSpPr>
+          <p:nvPr>
+            <p:ph type="pic" sz="quarter" idx="16"/>
+          </p:nvPr>
+        </p:nvSpPr>
+        <p:spPr>
+          <a:xfrm>
+            <a:off x="6327578" y="2886074"/>
+            <a:ext cx="1845511" cy="1845511"/>
+          </a:xfrm>
+          <a:solidFill>
+            <a:schemeClr val="bg1">
+              <a:lumMod val="95000"/>
+            </a:schemeClr>
+          </a:solidFill>
+        </p:spPr>
+        <p:txBody>
+          <a:bodyPr/>
+          <a:lstStyle/>
+          <a:p>
+            <a:pPr lvl="1"/>
+            <a:r>
+              <a:rPr lang="en-US"/>
+              <a:t>Click icon to add picture</a:t>
+            </a:r>
+            <a:endParaRPr lang="en-US" dirty="0"/>
+          </a:p>
+        </p:txBody>
+      </p:sp>
+      <p:sp>
+        <p:nvSpPr>
+          <p:cNvPr id="24" name="Text Placeholder 2">
+            <a:extLst>
+              <a:ext uri="{FF2B5EF4-FFF2-40B4-BE49-F238E27FC236}">
+                <a16:creationId xmlns:a16="http://schemas.microsoft.com/office/drawing/2014/main" id="{E767B9DE-7410-43CC-90CF-52D67EF03D48}"/>
+              </a:ext>
+            </a:extLst>
+          </p:cNvPr>
+          <p:cNvSpPr>
+            <a:spLocks noGrp="1"/>
+          </p:cNvSpPr>
+          <p:nvPr>
+            <p:ph type="body" idx="19" hasCustomPrompt="1"/>
+          </p:nvPr>
+        </p:nvSpPr>
+        <p:spPr>
+          <a:xfrm>
+            <a:off x="6068964" y="5084524"/>
+            <a:ext cx="2317707" cy="343061"/>
+          </a:xfrm>
+        </p:spPr>
+        <p:txBody>
+          <a:bodyPr anchor="ctr">
+            <a:noAutofit/>
+          </a:bodyPr>
+          <a:lstStyle>
+            <a:lvl1pPr marL="0" indent="0" algn="ctr">
+              <a:buNone/>
+              <a:defRPr lang="en-US" sz="1400" kern="1200" spc="150" baseline="0" dirty="0" smtClean="0">
+                <a:solidFill>
+                  <a:schemeClr val="tx1"/>
+                </a:solidFill>
+                <a:latin typeface="+mj-lt"/>
+                <a:ea typeface="+mj-ea"/>
+                <a:cs typeface="+mj-cs"/>
+              </a:defRPr>
+            </a:lvl1pPr>
+            <a:lvl2pPr marL="457200" indent="0">
+              <a:buNone/>
+              <a:defRPr sz="2000" b="1"/>
+            </a:lvl2pPr>
+            <a:lvl3pPr marL="914400" indent="0">
+              <a:buNone/>
+              <a:defRPr sz="1800" b="1"/>
+            </a:lvl3pPr>
+            <a:lvl4pPr marL="1371600" indent="0">
+              <a:buNone/>
+              <a:defRPr sz="1600" b="1"/>
+            </a:lvl4pPr>
+            <a:lvl5pPr marL="1828800" indent="0">
+              <a:buNone/>
+              <a:defRPr sz="1600" b="1"/>
+            </a:lvl5pPr>
+            <a:lvl6pPr marL="2286000" indent="0">
+              <a:buNone/>
+              <a:defRPr sz="1600" b="1"/>
+            </a:lvl6pPr>
+            <a:lvl7pPr marL="2743200" indent="0">
+              <a:buNone/>
+              <a:defRPr sz="1600" b="1"/>
+            </a:lvl7pPr>
+            <a:lvl8pPr marL="3200400" indent="0">
+              <a:buNone/>
+              <a:defRPr sz="1600" b="1"/>
+            </a:lvl8pPr>
+            <a:lvl9pPr marL="3657600" indent="0">
+              <a:buNone/>
+              <a:defRPr sz="1600" b="1"/>
+            </a:lvl9pPr>
+          </a:lstStyle>
+          <a:p>
+            <a:pPr lvl="0"/>
+            <a:r>
+              <a:rPr lang="en-US"/>
+              <a:t>CLICK TO EDIT</a:t>
+            </a:r>
+          </a:p>
+        </p:txBody>
+      </p:sp>
+      <p:sp>
+        <p:nvSpPr>
+          <p:cNvPr id="28" name="Text Placeholder 2">
+            <a:extLst>
+              <a:ext uri="{FF2B5EF4-FFF2-40B4-BE49-F238E27FC236}">
+                <a16:creationId xmlns:a16="http://schemas.microsoft.com/office/drawing/2014/main" id="{103678F5-B025-46E2-BD45-E77861487165}"/>
+              </a:ext>
+            </a:extLst>
+          </p:cNvPr>
+          <p:cNvSpPr>
+            <a:spLocks noGrp="1"/>
+          </p:cNvSpPr>
+          <p:nvPr>
+            <p:ph type="body" idx="23" hasCustomPrompt="1"/>
+          </p:nvPr>
+        </p:nvSpPr>
+        <p:spPr>
+          <a:xfrm>
+            <a:off x="6327577" y="5478796"/>
+            <a:ext cx="1845511" cy="343061"/>
+          </a:xfrm>
+        </p:spPr>
+        <p:txBody>
+          <a:bodyPr anchor="t">
+            <a:noAutofit/>
+          </a:bodyPr>
+          <a:lstStyle>
+            <a:lvl1pPr marL="0" indent="0" algn="ctr">
+              <a:buNone/>
+              <a:defRPr lang="en-US" sz="1000" kern="1200" spc="150" baseline="0" dirty="0" smtClean="0">
+                <a:solidFill>
+                  <a:schemeClr val="tx1"/>
+                </a:solidFill>
+                <a:latin typeface="+mn-lt"/>
+                <a:ea typeface="+mj-ea"/>
+                <a:cs typeface="+mj-cs"/>
+              </a:defRPr>
+            </a:lvl1pPr>
+            <a:lvl2pPr marL="457200" indent="0">
+              <a:buNone/>
+              <a:defRPr sz="2000" b="1"/>
+            </a:lvl2pPr>
+            <a:lvl3pPr marL="914400" indent="0">
+              <a:buNone/>
+              <a:defRPr sz="1800" b="1"/>
+            </a:lvl3pPr>
+            <a:lvl4pPr marL="1371600" indent="0">
+              <a:buNone/>
+              <a:defRPr sz="1600" b="1"/>
+            </a:lvl4pPr>
+            <a:lvl5pPr marL="1828800" indent="0">
+              <a:buNone/>
+              <a:defRPr sz="1600" b="1"/>
+            </a:lvl5pPr>
+            <a:lvl6pPr marL="2286000" indent="0">
+              <a:buNone/>
+              <a:defRPr sz="1600" b="1"/>
+            </a:lvl6pPr>
+            <a:lvl7pPr marL="2743200" indent="0">
+              <a:buNone/>
+              <a:defRPr sz="1600" b="1"/>
+            </a:lvl7pPr>
+            <a:lvl8pPr marL="3200400" indent="0">
+              <a:buNone/>
+              <a:defRPr sz="1600" b="1"/>
+            </a:lvl8pPr>
+            <a:lvl9pPr marL="3657600" indent="0">
+              <a:buNone/>
+              <a:defRPr sz="1600" b="1"/>
+            </a:lvl9pPr>
+          </a:lstStyle>
+          <a:p>
+            <a:pPr lvl="0"/>
+            <a:r>
+              <a:rPr lang="en-US"/>
+              <a:t>CLICK TO EDIT</a:t>
+            </a:r>
+          </a:p>
+        </p:txBody>
+      </p:sp>
+      <p:sp>
+        <p:nvSpPr>
+          <p:cNvPr id="19" name="Picture Placeholder 10">
+            <a:extLst>
+              <a:ext uri="{FF2B5EF4-FFF2-40B4-BE49-F238E27FC236}">
+                <a16:creationId xmlns:a16="http://schemas.microsoft.com/office/drawing/2014/main" id="{92E6B581-A522-4758-A9A4-8B9C7B860CF2}"/>
+              </a:ext>
+            </a:extLst>
+          </p:cNvPr>
+          <p:cNvSpPr>
+            <a:spLocks noGrp="1"/>
+          </p:cNvSpPr>
+          <p:nvPr>
+            <p:ph type="pic" sz="quarter" idx="17"/>
+          </p:nvPr>
+        </p:nvSpPr>
+        <p:spPr>
+          <a:xfrm>
+            <a:off x="8747458" y="2886074"/>
+            <a:ext cx="1845511" cy="1845511"/>
+          </a:xfrm>
+          <a:solidFill>
+            <a:schemeClr val="bg1">
+              <a:lumMod val="95000"/>
+            </a:schemeClr>
+          </a:solidFill>
+        </p:spPr>
+        <p:txBody>
+          <a:bodyPr/>
+          <a:lstStyle/>
+          <a:p>
+            <a:r>
+              <a:rPr lang="en-US"/>
+              <a:t>Click icon to add picture</a:t>
+            </a:r>
+            <a:endParaRPr lang="en-US" dirty="0"/>
+          </a:p>
+        </p:txBody>
+      </p:sp>
+      <p:sp>
+        <p:nvSpPr>
+          <p:cNvPr id="25" name="Text Placeholder 2">
+            <a:extLst>
+              <a:ext uri="{FF2B5EF4-FFF2-40B4-BE49-F238E27FC236}">
+                <a16:creationId xmlns:a16="http://schemas.microsoft.com/office/drawing/2014/main" id="{E13DFE1F-4534-4828-990E-B052F51FC65C}"/>
+              </a:ext>
+            </a:extLst>
+          </p:cNvPr>
+          <p:cNvSpPr>
+            <a:spLocks noGrp="1"/>
+          </p:cNvSpPr>
+          <p:nvPr>
+            <p:ph type="body" idx="20" hasCustomPrompt="1"/>
+          </p:nvPr>
+        </p:nvSpPr>
+        <p:spPr>
+          <a:xfrm>
+            <a:off x="8488845" y="5084524"/>
+            <a:ext cx="2317706" cy="343061"/>
+          </a:xfrm>
+        </p:spPr>
+        <p:txBody>
+          <a:bodyPr anchor="ctr">
+            <a:noAutofit/>
+          </a:bodyPr>
+          <a:lstStyle>
+            <a:lvl1pPr marL="0" indent="0" algn="ctr">
+              <a:buNone/>
+              <a:defRPr lang="en-US" sz="1400" kern="1200" spc="150" baseline="0" dirty="0" smtClean="0">
+                <a:solidFill>
+                  <a:schemeClr val="tx1"/>
+                </a:solidFill>
+                <a:latin typeface="+mj-lt"/>
+                <a:ea typeface="+mj-ea"/>
+                <a:cs typeface="+mj-cs"/>
+              </a:defRPr>
+            </a:lvl1pPr>
+            <a:lvl2pPr marL="457200" indent="0">
+              <a:buNone/>
+              <a:defRPr sz="2000" b="1"/>
+            </a:lvl2pPr>
+            <a:lvl3pPr marL="914400" indent="0">
+              <a:buNone/>
+              <a:defRPr sz="1800" b="1"/>
+            </a:lvl3pPr>
+            <a:lvl4pPr marL="1371600" indent="0">
+              <a:buNone/>
+              <a:defRPr sz="1600" b="1"/>
+            </a:lvl4pPr>
+            <a:lvl5pPr marL="1828800" indent="0">
+              <a:buNone/>
+              <a:defRPr sz="1600" b="1"/>
+            </a:lvl5pPr>
+            <a:lvl6pPr marL="2286000" indent="0">
+              <a:buNone/>
+              <a:defRPr sz="1600" b="1"/>
+            </a:lvl6pPr>
+            <a:lvl7pPr marL="2743200" indent="0">
+              <a:buNone/>
+              <a:defRPr sz="1600" b="1"/>
+            </a:lvl7pPr>
+            <a:lvl8pPr marL="3200400" indent="0">
+              <a:buNone/>
+              <a:defRPr sz="1600" b="1"/>
+            </a:lvl8pPr>
+            <a:lvl9pPr marL="3657600" indent="0">
+              <a:buNone/>
+              <a:defRPr sz="1600" b="1"/>
+            </a:lvl9pPr>
+          </a:lstStyle>
+          <a:p>
+            <a:pPr lvl="0"/>
+            <a:r>
+              <a:rPr lang="en-US"/>
+              <a:t>CLICK TO EDIT</a:t>
+            </a:r>
+          </a:p>
+        </p:txBody>
+      </p:sp>
+      <p:sp>
+        <p:nvSpPr>
+          <p:cNvPr id="29" name="Text Placeholder 2">
+            <a:extLst>
+              <a:ext uri="{FF2B5EF4-FFF2-40B4-BE49-F238E27FC236}">
+                <a16:creationId xmlns:a16="http://schemas.microsoft.com/office/drawing/2014/main" id="{7E3F385B-4DD9-4F3C-A02B-179B9FA61292}"/>
+              </a:ext>
+            </a:extLst>
+          </p:cNvPr>
+          <p:cNvSpPr>
+            <a:spLocks noGrp="1"/>
+          </p:cNvSpPr>
+          <p:nvPr>
+            <p:ph type="body" idx="24" hasCustomPrompt="1"/>
+          </p:nvPr>
+        </p:nvSpPr>
+        <p:spPr>
+          <a:xfrm>
+            <a:off x="8747458" y="5464114"/>
+            <a:ext cx="1845510" cy="343061"/>
+          </a:xfrm>
+        </p:spPr>
+        <p:txBody>
+          <a:bodyPr anchor="t">
+            <a:noAutofit/>
+          </a:bodyPr>
+          <a:lstStyle>
+            <a:lvl1pPr marL="0" indent="0" algn="ctr">
+              <a:buNone/>
+              <a:defRPr lang="en-US" sz="1000" kern="1200" spc="150" baseline="0" dirty="0" smtClean="0">
+                <a:solidFill>
+                  <a:schemeClr val="tx1"/>
+                </a:solidFill>
+                <a:latin typeface="+mn-lt"/>
+                <a:ea typeface="+mj-ea"/>
+                <a:cs typeface="+mj-cs"/>
+              </a:defRPr>
+            </a:lvl1pPr>
+            <a:lvl2pPr marL="457200" indent="0">
+              <a:buNone/>
+              <a:defRPr sz="2000" b="1"/>
+            </a:lvl2pPr>
+            <a:lvl3pPr marL="914400" indent="0">
+              <a:buNone/>
+              <a:defRPr sz="1800" b="1"/>
+            </a:lvl3pPr>
+            <a:lvl4pPr marL="1371600" indent="0">
+              <a:buNone/>
+              <a:defRPr sz="1600" b="1"/>
+            </a:lvl4pPr>
+            <a:lvl5pPr marL="1828800" indent="0">
+              <a:buNone/>
+              <a:defRPr sz="1600" b="1"/>
+            </a:lvl5pPr>
+            <a:lvl6pPr marL="2286000" indent="0">
+              <a:buNone/>
+              <a:defRPr sz="1600" b="1"/>
+            </a:lvl6pPr>
+            <a:lvl7pPr marL="2743200" indent="0">
+              <a:buNone/>
+              <a:defRPr sz="1600" b="1"/>
+            </a:lvl7pPr>
+            <a:lvl8pPr marL="3200400" indent="0">
+              <a:buNone/>
+              <a:defRPr sz="1600" b="1"/>
+            </a:lvl8pPr>
+            <a:lvl9pPr marL="3657600" indent="0">
+              <a:buNone/>
+              <a:defRPr sz="1600" b="1"/>
+            </a:lvl9pPr>
+          </a:lstStyle>
+          <a:p>
+            <a:pPr lvl="0"/>
+            <a:r>
+              <a:rPr lang="en-US"/>
+              <a:t>CLICK TO EDIT</a:t>
+            </a:r>
+          </a:p>
+        </p:txBody>
+      </p:sp>
+      <p:sp>
+        <p:nvSpPr>
+          <p:cNvPr id="7" name="Date Placeholder 6">
+            <a:extLst>
+              <a:ext uri="{FF2B5EF4-FFF2-40B4-BE49-F238E27FC236}">
+                <a16:creationId xmlns:a16="http://schemas.microsoft.com/office/drawing/2014/main" id="{F255C16C-AA88-4BBF-8040-11ECFED618E0}"/>
+              </a:ext>
+            </a:extLst>
+          </p:cNvPr>
+          <p:cNvSpPr>
+            <a:spLocks noGrp="1"/>
+          </p:cNvSpPr>
+          <p:nvPr>
+            <p:ph type="dt" sz="half" idx="10"/>
+          </p:nvPr>
+        </p:nvSpPr>
+        <p:spPr/>
+        <p:txBody>
+          <a:bodyPr/>
+          <a:lstStyle>
+            <a:lvl1pPr>
+              <a:defRPr sz="900"/>
+            </a:lvl1pPr>
+          </a:lstStyle>
+          <a:p>
+            <a:r>
+              <a:rPr lang="en-US" dirty="0"/>
+              <a:t>20XX</a:t>
+            </a:r>
+          </a:p>
+        </p:txBody>
+      </p:sp>
+      <p:sp>
+        <p:nvSpPr>
+          <p:cNvPr id="8" name="Footer Placeholder 7">
+            <a:extLst>
+              <a:ext uri="{FF2B5EF4-FFF2-40B4-BE49-F238E27FC236}">
+                <a16:creationId xmlns:a16="http://schemas.microsoft.com/office/drawing/2014/main" id="{CBE560E3-F935-488F-8F0E-191D7B6B54B8}"/>
+              </a:ext>
+            </a:extLst>
+          </p:cNvPr>
+          <p:cNvSpPr>
+            <a:spLocks noGrp="1"/>
+          </p:cNvSpPr>
+          <p:nvPr>
+            <p:ph type="ftr" sz="quarter" idx="11"/>
+          </p:nvPr>
+        </p:nvSpPr>
+        <p:spPr/>
+        <p:txBody>
+          <a:bodyPr/>
+          <a:lstStyle>
+            <a:lvl1pPr>
+              <a:defRPr sz="900"/>
+            </a:lvl1pPr>
+          </a:lstStyle>
+          <a:p>
+            <a:r>
+              <a:rPr lang="en-US" dirty="0"/>
+              <a:t>PRESENTATION TITLE</a:t>
+            </a:r>
+          </a:p>
+        </p:txBody>
+      </p:sp>
+      <p:sp>
+        <p:nvSpPr>
+          <p:cNvPr id="9" name="Slide Number Placeholder 8">
+            <a:extLst>
+              <a:ext uri="{FF2B5EF4-FFF2-40B4-BE49-F238E27FC236}">
+                <a16:creationId xmlns:a16="http://schemas.microsoft.com/office/drawing/2014/main" id="{9B9CD8B2-CC23-467F-B0EE-2CC06D6308BD}"/>
+              </a:ext>
+            </a:extLst>
+          </p:cNvPr>
+          <p:cNvSpPr>
+            <a:spLocks noGrp="1"/>
+          </p:cNvSpPr>
+          <p:nvPr>
+            <p:ph type="sldNum" sz="quarter" idx="12"/>
+          </p:nvPr>
+        </p:nvSpPr>
+        <p:spPr/>
+        <p:txBody>
+          <a:bodyPr/>
+          <a:lstStyle>
+            <a:lvl1pPr>
+              <a:defRPr sz="900"/>
+            </a:lvl1pPr>
+          </a:lstStyle>
+          <a:p>
+            <a:fld id="{A49DFD55-3C28-40EF-9E31-A92D2E4017FF}" type="slidenum">
+              <a:rPr lang="en-US" smtClean="0"/>
+              <a:pPr/>
+              <a:t>‹#›</a:t>
+            </a:fld>
+            <a:endParaRPr lang="en-US" dirty="0"/>
+          </a:p>
+        </p:txBody>
+      </p:sp>
+      <p:grpSp>
+        <p:nvGrpSpPr>
+          <p:cNvPr id="4" name="Group 3">
+            <a:extLst>
+              <a:ext uri="{FF2B5EF4-FFF2-40B4-BE49-F238E27FC236}">
+                <a16:creationId xmlns:a16="http://schemas.microsoft.com/office/drawing/2014/main" id="{73C911F2-9041-416A-B83C-F23B354E063B}"/>
+              </a:ext>
+              <a:ext uri="{C183D7F6-B498-43B3-948B-1728B52AA6E4}">
+                <adec:decorative xmlns:adec="http://schemas.microsoft.com/office/drawing/2017/decorative" val="1"/>
+              </a:ext>
+            </a:extLst>
+          </p:cNvPr>
+          <p:cNvGrpSpPr/>
+          <p:nvPr userDrawn="1"/>
+        </p:nvGrpSpPr>
+        <p:grpSpPr>
+          <a:xfrm>
+            <a:off x="7334250" y="0"/>
+            <a:ext cx="4857750" cy="1724025"/>
+            <a:chOff x="7334250" y="0"/>
+            <a:chExt cx="4857750" cy="1724025"/>
+          </a:xfrm>
+        </p:grpSpPr>
+        <p:cxnSp>
+          <p:nvCxnSpPr>
+            <p:cNvPr id="10" name="Straight Connector 9">
+              <a:extLst>
+                <a:ext uri="{FF2B5EF4-FFF2-40B4-BE49-F238E27FC236}">
+                  <a16:creationId xmlns:a16="http://schemas.microsoft.com/office/drawing/2014/main" id="{4E4B72DA-52CB-4D39-A342-8857B4D959B2}"/>
+                </a:ext>
+              </a:extLst>
+            </p:cNvPr>
+            <p:cNvCxnSpPr/>
+            <p:nvPr userDrawn="1"/>
+          </p:nvCxnSpPr>
+          <p:spPr>
+            <a:xfrm flipH="1" flipV="1">
+              <a:off x="7334250" y="0"/>
+              <a:ext cx="4857750" cy="762000"/>
+            </a:xfrm>
+            <a:prstGeom prst="line">
+              <a:avLst/>
+            </a:prstGeom>
+            <a:ln>
+              <a:solidFill>
+                <a:schemeClr val="tx1"/>
+              </a:solidFill>
+            </a:ln>
+          </p:spPr>
+          <p:style>
+            <a:lnRef idx="1">
+              <a:schemeClr val="accent1"/>
+            </a:lnRef>
+            <a:fillRef idx="0">
+              <a:schemeClr val="accent1"/>
+            </a:fillRef>
+            <a:effectRef idx="0">
+              <a:schemeClr val="accent1"/>
+            </a:effectRef>
+            <a:fontRef idx="minor">
+              <a:schemeClr val="tx1"/>
+            </a:fontRef>
+          </p:style>
+        </p:cxnSp>
+        <p:cxnSp>
+          <p:nvCxnSpPr>
+            <p:cNvPr id="15" name="Straight Connector 14">
+              <a:extLst>
+                <a:ext uri="{FF2B5EF4-FFF2-40B4-BE49-F238E27FC236}">
+                  <a16:creationId xmlns:a16="http://schemas.microsoft.com/office/drawing/2014/main" id="{21D9BCDA-DFB7-41A4-A7C7-CEE86CEDCBE5}"/>
+                </a:ext>
+              </a:extLst>
+            </p:cNvPr>
+            <p:cNvCxnSpPr>
+              <a:cxnSpLocks/>
+            </p:cNvCxnSpPr>
+            <p:nvPr userDrawn="1"/>
+          </p:nvCxnSpPr>
+          <p:spPr>
+            <a:xfrm>
+              <a:off x="11487150" y="0"/>
+              <a:ext cx="704850" cy="1724025"/>
+            </a:xfrm>
+            <a:prstGeom prst="line">
+              <a:avLst/>
+            </a:prstGeom>
+            <a:ln>
+              <a:solidFill>
+                <a:schemeClr val="tx1"/>
+              </a:solidFill>
+            </a:ln>
+          </p:spPr>
+          <p:style>
+            <a:lnRef idx="1">
+              <a:schemeClr val="accent1"/>
+            </a:lnRef>
+            <a:fillRef idx="0">
+              <a:schemeClr val="accent1"/>
+            </a:fillRef>
+            <a:effectRef idx="0">
+              <a:schemeClr val="accent1"/>
+            </a:effectRef>
+            <a:fontRef idx="minor">
+              <a:schemeClr val="tx1"/>
+            </a:fontRef>
+          </p:style>
+        </p:cxnSp>
+      </p:grpSp>
+    </p:spTree>
+    <p:extLst>
+      <p:ext uri="{BB962C8B-B14F-4D97-AF65-F5344CB8AC3E}">
+        <p14:creationId xmlns:p14="http://schemas.microsoft.com/office/powerpoint/2010/main" val="1449569891"/>
+      </p:ext>
+    </p:extLst>
+  </p:cSld>
+  <p:clrMapOvr>
+    <a:overrideClrMapping bg1="lt1" tx1="dk1" bg2="lt2" tx2="dk2" accent1="accent1" accent2="accent2" accent3="accent3" accent4="accent4" accent5="accent5" accent6="accent6" hlink="hlink" folHlink="folHlink"/>
+  </p:clrMapOvr>
+</p:sldLayout>
+</file>
+
+<file path=ppt/slideLayouts/slideLayout15.xml><?xml version="1.0" encoding="utf-8"?>
+<p:sldLayout xmlns:a="http://schemas.openxmlformats.org/drawingml/2006/main" xmlns:r="http://schemas.openxmlformats.org/officeDocument/2006/relationships" xmlns:p="http://schemas.openxmlformats.org/presentationml/2006/main" userDrawn="1">
+  <p:cSld name="Quote">
+    <p:spTree>
+      <p:nvGrpSpPr>
+        <p:cNvPr id="1" name=""/>
+        <p:cNvGrpSpPr/>
+        <p:nvPr/>
+      </p:nvGrpSpPr>
+      <p:grpSpPr>
+        <a:xfrm>
+          <a:off x="0" y="0"/>
+          <a:ext cx="0" cy="0"/>
+          <a:chOff x="0" y="0"/>
+          <a:chExt cx="0" cy="0"/>
+        </a:xfrm>
+      </p:grpSpPr>
+      <p:pic>
+        <p:nvPicPr>
+          <p:cNvPr id="7" name="Graphic 6">
+            <a:extLst>
+              <a:ext uri="{FF2B5EF4-FFF2-40B4-BE49-F238E27FC236}">
+                <a16:creationId xmlns:a16="http://schemas.microsoft.com/office/drawing/2014/main" id="{AEE644D4-F9A4-4237-BD5C-4B97ABA9337E}"/>
+              </a:ext>
+              <a:ext uri="{C183D7F6-B498-43B3-948B-1728B52AA6E4}">
+                <adec:decorative xmlns:adec="http://schemas.microsoft.com/office/drawing/2017/decorative" val="1"/>
+              </a:ext>
+            </a:extLst>
+          </p:cNvPr>
+          <p:cNvPicPr>
+            <a:picLocks noChangeAspect="1"/>
+          </p:cNvPicPr>
+          <p:nvPr userDrawn="1"/>
+        </p:nvPicPr>
+        <p:blipFill>
+          <a:blip r:embed="rId2">
+            <a:extLst>
+              <a:ext uri="{96DAC541-7B7A-43D3-8B79-37D633B846F1}">
+                <asvg:svgBlip xmlns:asvg="http://schemas.microsoft.com/office/drawing/2016/SVG/main" r:embed="rId3"/>
+              </a:ext>
+            </a:extLst>
+          </a:blip>
+          <a:stretch>
+            <a:fillRect/>
+          </a:stretch>
+        </p:blipFill>
+        <p:spPr>
+          <a:xfrm>
+            <a:off x="0" y="0"/>
+            <a:ext cx="5581650" cy="6858000"/>
+          </a:xfrm>
+          <a:prstGeom prst="rect">
+            <a:avLst/>
+          </a:prstGeom>
+        </p:spPr>
+      </p:pic>
+      <p:sp>
+        <p:nvSpPr>
+          <p:cNvPr id="2" name="Title 1">
+            <a:extLst>
+              <a:ext uri="{FF2B5EF4-FFF2-40B4-BE49-F238E27FC236}">
+                <a16:creationId xmlns:a16="http://schemas.microsoft.com/office/drawing/2014/main" id="{C2FF67A8-55FA-435D-A18C-96D63D22B53E}"/>
+              </a:ext>
+            </a:extLst>
+          </p:cNvPr>
+          <p:cNvSpPr>
+            <a:spLocks noGrp="1"/>
+          </p:cNvSpPr>
+          <p:nvPr>
+            <p:ph type="title" hasCustomPrompt="1"/>
+          </p:nvPr>
+        </p:nvSpPr>
+        <p:spPr>
+          <a:xfrm>
+            <a:off x="4657724" y="2809875"/>
+            <a:ext cx="6696075" cy="1909763"/>
+          </a:xfrm>
+        </p:spPr>
+        <p:txBody>
+          <a:bodyPr anchor="b">
+            <a:normAutofit/>
+          </a:bodyPr>
+          <a:lstStyle>
+            <a:lvl1pPr>
+              <a:defRPr lang="en-US" sz="2800" kern="1200" spc="150" baseline="0" dirty="0">
+                <a:solidFill>
+                  <a:schemeClr val="tx1"/>
+                </a:solidFill>
+                <a:latin typeface="+mj-lt"/>
+                <a:ea typeface="+mj-ea"/>
+                <a:cs typeface="+mj-cs"/>
+              </a:defRPr>
+            </a:lvl1pPr>
+          </a:lstStyle>
+          <a:p>
+            <a:r>
+              <a:rPr lang="en-US"/>
+              <a:t>CLICK TO EDIT MASTER TITLE STYLE</a:t>
+            </a:r>
+          </a:p>
+        </p:txBody>
+      </p:sp>
+      <p:sp>
+        <p:nvSpPr>
+          <p:cNvPr id="10" name="Subtitle 2">
+            <a:extLst>
+              <a:ext uri="{FF2B5EF4-FFF2-40B4-BE49-F238E27FC236}">
+                <a16:creationId xmlns:a16="http://schemas.microsoft.com/office/drawing/2014/main" id="{104828DA-5EC5-4A00-9A7B-CD9668EF24D1}"/>
+              </a:ext>
+            </a:extLst>
+          </p:cNvPr>
+          <p:cNvSpPr>
+            <a:spLocks noGrp="1"/>
+          </p:cNvSpPr>
+          <p:nvPr>
+            <p:ph type="subTitle" idx="1"/>
+          </p:nvPr>
+        </p:nvSpPr>
+        <p:spPr>
+          <a:xfrm>
+            <a:off x="4657725" y="5028803"/>
+            <a:ext cx="6696074" cy="365125"/>
+          </a:xfrm>
+        </p:spPr>
+        <p:txBody>
+          <a:bodyPr anchor="b">
+            <a:normAutofit/>
+          </a:bodyPr>
+          <a:lstStyle>
+            <a:lvl1pPr marL="0" indent="0" algn="l">
+              <a:buNone/>
+              <a:defRPr sz="1600">
+                <a:solidFill>
+                  <a:schemeClr val="bg2">
+                    <a:lumMod val="50000"/>
+                  </a:schemeClr>
+                </a:solidFill>
+              </a:defRPr>
+            </a:lvl1pPr>
+            <a:lvl2pPr marL="457200" indent="0" algn="ctr">
+              <a:buNone/>
+              <a:defRPr sz="2000"/>
+            </a:lvl2pPr>
+            <a:lvl3pPr marL="914400" indent="0" algn="ctr">
+              <a:buNone/>
+              <a:defRPr sz="1800"/>
+            </a:lvl3pPr>
+            <a:lvl4pPr marL="1371600" indent="0" algn="ctr">
+              <a:buNone/>
+              <a:defRPr sz="1600"/>
+            </a:lvl4pPr>
+            <a:lvl5pPr marL="1828800" indent="0" algn="ctr">
+              <a:buNone/>
+              <a:defRPr sz="1600"/>
+            </a:lvl5pPr>
+            <a:lvl6pPr marL="2286000" indent="0" algn="ctr">
+              <a:buNone/>
+              <a:defRPr sz="1600"/>
+            </a:lvl6pPr>
+            <a:lvl7pPr marL="2743200" indent="0" algn="ctr">
+              <a:buNone/>
+              <a:defRPr sz="1600"/>
+            </a:lvl7pPr>
+            <a:lvl8pPr marL="3200400" indent="0" algn="ctr">
+              <a:buNone/>
+              <a:defRPr sz="1600"/>
+            </a:lvl8pPr>
+            <a:lvl9pPr marL="3657600" indent="0" algn="ctr">
+              <a:buNone/>
+              <a:defRPr sz="1600"/>
+            </a:lvl9pPr>
+          </a:lstStyle>
+          <a:p>
+            <a:r>
+              <a:rPr lang="en-US"/>
+              <a:t>Click to edit Master subtitle style</a:t>
+            </a:r>
+          </a:p>
+        </p:txBody>
+      </p:sp>
+      <p:sp>
+        <p:nvSpPr>
+          <p:cNvPr id="3" name="Date Placeholder 2">
+            <a:extLst>
+              <a:ext uri="{FF2B5EF4-FFF2-40B4-BE49-F238E27FC236}">
+                <a16:creationId xmlns:a16="http://schemas.microsoft.com/office/drawing/2014/main" id="{D9303E9A-96BC-4283-A6E1-5948AEB119F4}"/>
+              </a:ext>
+            </a:extLst>
+          </p:cNvPr>
+          <p:cNvSpPr>
+            <a:spLocks noGrp="1"/>
+          </p:cNvSpPr>
+          <p:nvPr>
+            <p:ph type="dt" sz="half" idx="10"/>
+          </p:nvPr>
+        </p:nvSpPr>
+        <p:spPr>
+          <a:xfrm>
+            <a:off x="4676774" y="6356350"/>
+            <a:ext cx="1695450" cy="365125"/>
+          </a:xfrm>
+        </p:spPr>
+        <p:txBody>
+          <a:bodyPr/>
+          <a:lstStyle>
+            <a:lvl1pPr>
+              <a:defRPr sz="900"/>
+            </a:lvl1pPr>
+          </a:lstStyle>
+          <a:p>
+            <a:r>
+              <a:rPr lang="en-US" dirty="0"/>
+              <a:t>20XX</a:t>
+            </a:r>
+          </a:p>
+        </p:txBody>
+      </p:sp>
+      <p:sp>
+        <p:nvSpPr>
+          <p:cNvPr id="4" name="Footer Placeholder 3">
+            <a:extLst>
+              <a:ext uri="{FF2B5EF4-FFF2-40B4-BE49-F238E27FC236}">
+                <a16:creationId xmlns:a16="http://schemas.microsoft.com/office/drawing/2014/main" id="{45A19C49-052B-4D3E-B227-1D787463CE96}"/>
+              </a:ext>
+            </a:extLst>
+          </p:cNvPr>
+          <p:cNvSpPr>
+            <a:spLocks noGrp="1"/>
+          </p:cNvSpPr>
+          <p:nvPr>
+            <p:ph type="ftr" sz="quarter" idx="11"/>
+          </p:nvPr>
+        </p:nvSpPr>
+        <p:spPr>
+          <a:xfrm>
+            <a:off x="6743699" y="6356350"/>
+            <a:ext cx="2543175" cy="365125"/>
+          </a:xfrm>
+        </p:spPr>
+        <p:txBody>
+          <a:bodyPr/>
+          <a:lstStyle>
+            <a:lvl1pPr>
+              <a:defRPr sz="900"/>
+            </a:lvl1pPr>
+          </a:lstStyle>
+          <a:p>
+            <a:r>
+              <a:rPr lang="en-US" dirty="0"/>
+              <a:t>PRESENTATION TITLE</a:t>
+            </a:r>
+          </a:p>
+        </p:txBody>
+      </p:sp>
+      <p:sp>
+        <p:nvSpPr>
+          <p:cNvPr id="5" name="Slide Number Placeholder 4">
+            <a:extLst>
+              <a:ext uri="{FF2B5EF4-FFF2-40B4-BE49-F238E27FC236}">
+                <a16:creationId xmlns:a16="http://schemas.microsoft.com/office/drawing/2014/main" id="{4E5E724A-95F0-41B6-A77E-EDD067272C27}"/>
+              </a:ext>
+            </a:extLst>
+          </p:cNvPr>
+          <p:cNvSpPr>
+            <a:spLocks noGrp="1"/>
+          </p:cNvSpPr>
+          <p:nvPr>
+            <p:ph type="sldNum" sz="quarter" idx="12"/>
+          </p:nvPr>
+        </p:nvSpPr>
+        <p:spPr>
+          <a:xfrm>
+            <a:off x="9658350" y="6356350"/>
+            <a:ext cx="1695450" cy="365125"/>
+          </a:xfrm>
+        </p:spPr>
+        <p:txBody>
+          <a:bodyPr/>
+          <a:lstStyle>
+            <a:lvl1pPr>
+              <a:defRPr sz="900"/>
+            </a:lvl1pPr>
+          </a:lstStyle>
+          <a:p>
+            <a:fld id="{A49DFD55-3C28-40EF-9E31-A92D2E4017FF}" type="slidenum">
+              <a:rPr lang="en-US" smtClean="0"/>
+              <a:pPr/>
+              <a:t>‹#›</a:t>
+            </a:fld>
+            <a:endParaRPr lang="en-US" dirty="0"/>
+          </a:p>
+        </p:txBody>
+      </p:sp>
+      <p:cxnSp>
+        <p:nvCxnSpPr>
+          <p:cNvPr id="9" name="Straight Connector 8">
+            <a:extLst>
+              <a:ext uri="{FF2B5EF4-FFF2-40B4-BE49-F238E27FC236}">
+                <a16:creationId xmlns:a16="http://schemas.microsoft.com/office/drawing/2014/main" id="{BDAC7E4E-FE06-4E90-8107-6B543E5515ED}"/>
+              </a:ext>
+              <a:ext uri="{C183D7F6-B498-43B3-948B-1728B52AA6E4}">
+                <adec:decorative xmlns:adec="http://schemas.microsoft.com/office/drawing/2017/decorative" val="1"/>
+              </a:ext>
+            </a:extLst>
+          </p:cNvPr>
+          <p:cNvCxnSpPr/>
+          <p:nvPr userDrawn="1"/>
+        </p:nvCxnSpPr>
+        <p:spPr>
+          <a:xfrm flipV="1">
+            <a:off x="2209800" y="0"/>
+            <a:ext cx="2438400" cy="6858000"/>
+          </a:xfrm>
+          <a:prstGeom prst="line">
+            <a:avLst/>
+          </a:prstGeom>
+          <a:ln>
+            <a:solidFill>
+              <a:schemeClr val="tx1"/>
+            </a:solidFill>
+          </a:ln>
+        </p:spPr>
+        <p:style>
+          <a:lnRef idx="1">
+            <a:schemeClr val="accent1"/>
+          </a:lnRef>
+          <a:fillRef idx="0">
+            <a:schemeClr val="accent1"/>
+          </a:fillRef>
+          <a:effectRef idx="0">
+            <a:schemeClr val="accent1"/>
+          </a:effectRef>
+          <a:fontRef idx="minor">
+            <a:schemeClr val="tx1"/>
+          </a:fontRef>
+        </p:style>
+      </p:cxnSp>
+    </p:spTree>
+    <p:extLst>
+      <p:ext uri="{BB962C8B-B14F-4D97-AF65-F5344CB8AC3E}">
+        <p14:creationId xmlns:p14="http://schemas.microsoft.com/office/powerpoint/2010/main" val="2488138547"/>
+      </p:ext>
+    </p:extLst>
+  </p:cSld>
+  <p:clrMapOvr>
+    <a:masterClrMapping/>
+  </p:clrMapOvr>
+</p:sldLayout>
+</file>
+
+<file path=ppt/slideLayouts/slideLayout16.xml><?xml version="1.0" encoding="utf-8"?>
+<p:sldLayout xmlns:a="http://schemas.openxmlformats.org/drawingml/2006/main" xmlns:r="http://schemas.openxmlformats.org/officeDocument/2006/relationships" xmlns:p="http://schemas.openxmlformats.org/presentationml/2006/main" userDrawn="1">
+  <p:cSld name="Three Content">
+    <p:bg>
+      <p:bgRef idx="1001">
+        <a:schemeClr val="bg1"/>
+      </p:bgRef>
+    </p:bg>
+    <p:spTree>
+      <p:nvGrpSpPr>
+        <p:cNvPr id="1" name=""/>
+        <p:cNvGrpSpPr/>
+        <p:nvPr/>
+      </p:nvGrpSpPr>
+      <p:grpSpPr>
+        <a:xfrm>
+          <a:off x="0" y="0"/>
+          <a:ext cx="0" cy="0"/>
+          <a:chOff x="0" y="0"/>
+          <a:chExt cx="0" cy="0"/>
+        </a:xfrm>
+      </p:grpSpPr>
+      <p:sp>
+        <p:nvSpPr>
+          <p:cNvPr id="2" name="Title 1">
+            <a:extLst>
+              <a:ext uri="{FF2B5EF4-FFF2-40B4-BE49-F238E27FC236}">
+                <a16:creationId xmlns:a16="http://schemas.microsoft.com/office/drawing/2014/main" id="{81CF3B5C-31C4-46BA-9FAD-72DF917A84DA}"/>
+              </a:ext>
+            </a:extLst>
+          </p:cNvPr>
+          <p:cNvSpPr>
+            <a:spLocks noGrp="1"/>
+          </p:cNvSpPr>
+          <p:nvPr>
+            <p:ph type="title" hasCustomPrompt="1"/>
+          </p:nvPr>
+        </p:nvSpPr>
+        <p:spPr>
+          <a:xfrm>
+            <a:off x="1885156" y="892177"/>
+            <a:ext cx="8421688" cy="1325563"/>
+          </a:xfrm>
+        </p:spPr>
+        <p:txBody>
+          <a:bodyPr>
+            <a:normAutofit/>
+          </a:bodyPr>
+          <a:lstStyle>
+            <a:lvl1pPr algn="ctr">
+              <a:defRPr lang="en-US" sz="2800" kern="1200" spc="150" baseline="0" dirty="0">
+                <a:solidFill>
+                  <a:schemeClr val="tx1"/>
+                </a:solidFill>
+                <a:latin typeface="+mj-lt"/>
+                <a:ea typeface="+mj-ea"/>
+                <a:cs typeface="+mj-cs"/>
+              </a:defRPr>
+            </a:lvl1pPr>
+          </a:lstStyle>
+          <a:p>
+            <a:r>
+              <a:rPr lang="en-US"/>
+              <a:t>CLICK TO EDIT MASTER TITLE STYLE</a:t>
+            </a:r>
+          </a:p>
+        </p:txBody>
+      </p:sp>
+      <p:sp>
+        <p:nvSpPr>
+          <p:cNvPr id="3" name="Text Placeholder 2">
+            <a:extLst>
+              <a:ext uri="{FF2B5EF4-FFF2-40B4-BE49-F238E27FC236}">
+                <a16:creationId xmlns:a16="http://schemas.microsoft.com/office/drawing/2014/main" id="{B659CD1F-9DFB-4048-9B9B-2BD7D4EC6400}"/>
+              </a:ext>
+            </a:extLst>
+          </p:cNvPr>
+          <p:cNvSpPr>
+            <a:spLocks noGrp="1"/>
+          </p:cNvSpPr>
+          <p:nvPr>
+            <p:ph type="body" idx="1" hasCustomPrompt="1"/>
+          </p:nvPr>
+        </p:nvSpPr>
+        <p:spPr>
+          <a:xfrm>
+            <a:off x="1243104" y="2776936"/>
+            <a:ext cx="2882475" cy="823912"/>
+          </a:xfrm>
+        </p:spPr>
+        <p:txBody>
+          <a:bodyPr anchor="b">
+            <a:noAutofit/>
+          </a:bodyPr>
+          <a:lstStyle>
+            <a:lvl1pPr marL="0" indent="0">
+              <a:buNone/>
+              <a:defRPr lang="en-US" sz="2000" kern="1200" spc="150" baseline="0" dirty="0" smtClean="0">
+                <a:solidFill>
+                  <a:schemeClr val="tx1"/>
+                </a:solidFill>
+                <a:latin typeface="+mj-lt"/>
+                <a:ea typeface="+mj-ea"/>
+                <a:cs typeface="+mj-cs"/>
+              </a:defRPr>
+            </a:lvl1pPr>
+            <a:lvl2pPr marL="457200" indent="0">
+              <a:buNone/>
+              <a:defRPr sz="2000" b="1"/>
+            </a:lvl2pPr>
+            <a:lvl3pPr marL="914400" indent="0">
+              <a:buNone/>
+              <a:defRPr sz="1800" b="1"/>
+            </a:lvl3pPr>
+            <a:lvl4pPr marL="1371600" indent="0">
+              <a:buNone/>
+              <a:defRPr sz="1600" b="1"/>
+            </a:lvl4pPr>
+            <a:lvl5pPr marL="1828800" indent="0">
+              <a:buNone/>
+              <a:defRPr sz="1600" b="1"/>
+            </a:lvl5pPr>
+            <a:lvl6pPr marL="2286000" indent="0">
+              <a:buNone/>
+              <a:defRPr sz="1600" b="1"/>
+            </a:lvl6pPr>
+            <a:lvl7pPr marL="2743200" indent="0">
+              <a:buNone/>
+              <a:defRPr sz="1600" b="1"/>
+            </a:lvl7pPr>
+            <a:lvl8pPr marL="3200400" indent="0">
+              <a:buNone/>
+              <a:defRPr sz="1600" b="1"/>
+            </a:lvl8pPr>
+            <a:lvl9pPr marL="3657600" indent="0">
+              <a:buNone/>
+              <a:defRPr sz="1600" b="1"/>
+            </a:lvl9pPr>
+          </a:lstStyle>
+          <a:p>
+            <a:pPr lvl="0"/>
+            <a:r>
+              <a:rPr lang="en-US"/>
+              <a:t>CLICK TO EDIT MASTER TEXT</a:t>
+            </a:r>
+          </a:p>
+        </p:txBody>
+      </p:sp>
+      <p:sp>
+        <p:nvSpPr>
+          <p:cNvPr id="4" name="Content Placeholder 3">
+            <a:extLst>
+              <a:ext uri="{FF2B5EF4-FFF2-40B4-BE49-F238E27FC236}">
+                <a16:creationId xmlns:a16="http://schemas.microsoft.com/office/drawing/2014/main" id="{AC9B20CF-6B91-4562-B799-0ABDAEBC0D2A}"/>
+              </a:ext>
+            </a:extLst>
+          </p:cNvPr>
+          <p:cNvSpPr>
+            <a:spLocks noGrp="1"/>
+          </p:cNvSpPr>
+          <p:nvPr>
+            <p:ph sz="half" idx="2"/>
+          </p:nvPr>
+        </p:nvSpPr>
+        <p:spPr>
+          <a:xfrm>
+            <a:off x="1243104" y="3834606"/>
+            <a:ext cx="2882475" cy="1997867"/>
+          </a:xfrm>
+        </p:spPr>
+        <p:txBody>
+          <a:bodyPr>
+            <a:normAutofit/>
+          </a:bodyPr>
+          <a:lstStyle>
+            <a:lvl1pPr marL="0" indent="0">
+              <a:lnSpc>
+                <a:spcPct val="100000"/>
+              </a:lnSpc>
+              <a:buNone/>
+              <a:defRPr sz="1400" spc="50" baseline="0"/>
+            </a:lvl1pPr>
+            <a:lvl2pPr marL="457200" indent="0">
+              <a:lnSpc>
+                <a:spcPct val="100000"/>
+              </a:lnSpc>
+              <a:buNone/>
+              <a:defRPr sz="1400" spc="50" baseline="0"/>
+            </a:lvl2pPr>
+            <a:lvl3pPr marL="914400" indent="0">
+              <a:lnSpc>
+                <a:spcPct val="100000"/>
+              </a:lnSpc>
+              <a:buNone/>
+              <a:defRPr sz="1400" spc="50" baseline="0"/>
+            </a:lvl3pPr>
+            <a:lvl4pPr marL="1371600" indent="0">
+              <a:lnSpc>
+                <a:spcPct val="100000"/>
+              </a:lnSpc>
+              <a:buNone/>
+              <a:defRPr sz="1400" spc="50" baseline="0"/>
+            </a:lvl4pPr>
+            <a:lvl5pPr marL="1828800" indent="0">
+              <a:lnSpc>
+                <a:spcPct val="100000"/>
+              </a:lnSpc>
+              <a:buNone/>
+              <a:defRPr sz="1400" spc="50" baseline="0"/>
+            </a:lvl5pPr>
+          </a:lstStyle>
+          <a:p>
+            <a:pPr lvl="0"/>
+            <a:r>
+              <a:rPr lang="en-US"/>
+              <a:t>Click to edit Master text styles</a:t>
+            </a:r>
+          </a:p>
+          <a:p>
+            <a:pPr lvl="1"/>
+            <a:r>
+              <a:rPr lang="en-US"/>
+              <a:t>Second level</a:t>
+            </a:r>
+          </a:p>
+          <a:p>
+            <a:pPr lvl="2"/>
+            <a:r>
+              <a:rPr lang="en-US"/>
+              <a:t>Third level</a:t>
+            </a:r>
+          </a:p>
+          <a:p>
+            <a:pPr lvl="3"/>
+            <a:r>
+              <a:rPr lang="en-US"/>
+              <a:t>Fourth level</a:t>
+            </a:r>
+          </a:p>
+          <a:p>
+            <a:pPr lvl="4"/>
+            <a:r>
+              <a:rPr lang="en-US"/>
+              <a:t>Fifth level</a:t>
+            </a:r>
+          </a:p>
+        </p:txBody>
+      </p:sp>
+      <p:sp>
+        <p:nvSpPr>
+          <p:cNvPr id="5" name="Text Placeholder 4">
+            <a:extLst>
+              <a:ext uri="{FF2B5EF4-FFF2-40B4-BE49-F238E27FC236}">
+                <a16:creationId xmlns:a16="http://schemas.microsoft.com/office/drawing/2014/main" id="{B374FC39-67F6-42EA-BCD1-F69AE2F0F22D}"/>
+              </a:ext>
+            </a:extLst>
+          </p:cNvPr>
+          <p:cNvSpPr>
+            <a:spLocks noGrp="1"/>
+          </p:cNvSpPr>
+          <p:nvPr>
+            <p:ph type="body" sz="quarter" idx="3" hasCustomPrompt="1"/>
+          </p:nvPr>
+        </p:nvSpPr>
+        <p:spPr>
+          <a:xfrm>
+            <a:off x="4647665" y="2776936"/>
+            <a:ext cx="2896671" cy="823912"/>
+          </a:xfrm>
+        </p:spPr>
+        <p:txBody>
+          <a:bodyPr anchor="b">
+            <a:noAutofit/>
+          </a:bodyPr>
+          <a:lstStyle>
+            <a:lvl1pPr marL="0" indent="0">
+              <a:buNone/>
+              <a:defRPr lang="en-US" sz="2000" kern="1200" spc="150" baseline="0" dirty="0" smtClean="0">
+                <a:solidFill>
+                  <a:schemeClr val="tx1"/>
+                </a:solidFill>
+                <a:latin typeface="+mj-lt"/>
+                <a:ea typeface="+mj-ea"/>
+                <a:cs typeface="+mj-cs"/>
+              </a:defRPr>
+            </a:lvl1pPr>
+            <a:lvl2pPr marL="457200" indent="0">
+              <a:buNone/>
+              <a:defRPr sz="2000" b="1"/>
+            </a:lvl2pPr>
+            <a:lvl3pPr marL="914400" indent="0">
+              <a:buNone/>
+              <a:defRPr sz="1800" b="1"/>
+            </a:lvl3pPr>
+            <a:lvl4pPr marL="1371600" indent="0">
+              <a:buNone/>
+              <a:defRPr sz="1600" b="1"/>
+            </a:lvl4pPr>
+            <a:lvl5pPr marL="1828800" indent="0">
+              <a:buNone/>
+              <a:defRPr sz="1600" b="1"/>
+            </a:lvl5pPr>
+            <a:lvl6pPr marL="2286000" indent="0">
+              <a:buNone/>
+              <a:defRPr sz="1600" b="1"/>
+            </a:lvl6pPr>
+            <a:lvl7pPr marL="2743200" indent="0">
+              <a:buNone/>
+              <a:defRPr sz="1600" b="1"/>
+            </a:lvl7pPr>
+            <a:lvl8pPr marL="3200400" indent="0">
+              <a:buNone/>
+              <a:defRPr sz="1600" b="1"/>
+            </a:lvl8pPr>
+            <a:lvl9pPr marL="3657600" indent="0">
+              <a:buNone/>
+              <a:defRPr sz="1600" b="1"/>
+            </a:lvl9pPr>
+          </a:lstStyle>
+          <a:p>
+            <a:pPr marL="0" lvl="0" indent="0" algn="l" defTabSz="914400" rtl="0" eaLnBrk="1" latinLnBrk="0" hangingPunct="1">
+              <a:lnSpc>
+                <a:spcPct val="90000"/>
+              </a:lnSpc>
+              <a:spcBef>
+                <a:spcPts val="1000"/>
+              </a:spcBef>
+              <a:buFont typeface="Arial" panose="020B0604020202020204" pitchFamily="34" charset="0"/>
+              <a:buNone/>
+            </a:pPr>
+            <a:r>
+              <a:rPr lang="en-US"/>
+              <a:t>CLICK TO EDIT MASTER TEXT</a:t>
+            </a:r>
+          </a:p>
+        </p:txBody>
+      </p:sp>
+      <p:sp>
+        <p:nvSpPr>
+          <p:cNvPr id="6" name="Content Placeholder 5">
+            <a:extLst>
+              <a:ext uri="{FF2B5EF4-FFF2-40B4-BE49-F238E27FC236}">
+                <a16:creationId xmlns:a16="http://schemas.microsoft.com/office/drawing/2014/main" id="{B36EE64B-44BF-4634-97BC-5ED74C6DF280}"/>
+              </a:ext>
+            </a:extLst>
+          </p:cNvPr>
+          <p:cNvSpPr>
+            <a:spLocks noGrp="1"/>
+          </p:cNvSpPr>
+          <p:nvPr>
+            <p:ph sz="quarter" idx="4"/>
+          </p:nvPr>
+        </p:nvSpPr>
+        <p:spPr>
+          <a:xfrm>
+            <a:off x="4647665" y="3834606"/>
+            <a:ext cx="2896671" cy="1997867"/>
+          </a:xfrm>
+        </p:spPr>
+        <p:txBody>
+          <a:bodyPr>
+            <a:normAutofit/>
+          </a:bodyPr>
+          <a:lstStyle>
+            <a:lvl1pPr marL="0" indent="0">
+              <a:lnSpc>
+                <a:spcPct val="100000"/>
+              </a:lnSpc>
+              <a:buNone/>
+              <a:defRPr sz="1400" spc="50" baseline="0"/>
+            </a:lvl1pPr>
+            <a:lvl2pPr marL="457200" indent="0">
+              <a:lnSpc>
+                <a:spcPct val="100000"/>
+              </a:lnSpc>
+              <a:buNone/>
+              <a:defRPr sz="1400" spc="50" baseline="0"/>
+            </a:lvl2pPr>
+            <a:lvl3pPr marL="914400" indent="0">
+              <a:lnSpc>
+                <a:spcPct val="100000"/>
+              </a:lnSpc>
+              <a:buNone/>
+              <a:defRPr sz="1400" spc="50" baseline="0"/>
+            </a:lvl3pPr>
+            <a:lvl4pPr marL="1371600" indent="0">
+              <a:lnSpc>
+                <a:spcPct val="100000"/>
+              </a:lnSpc>
+              <a:buNone/>
+              <a:defRPr sz="1400" spc="50" baseline="0"/>
+            </a:lvl4pPr>
+            <a:lvl5pPr marL="1828800" indent="0">
+              <a:lnSpc>
+                <a:spcPct val="100000"/>
+              </a:lnSpc>
+              <a:buNone/>
+              <a:defRPr sz="1400" spc="50" baseline="0"/>
+            </a:lvl5pPr>
+          </a:lstStyle>
+          <a:p>
+            <a:pPr lvl="0"/>
+            <a:r>
+              <a:rPr lang="en-US"/>
+              <a:t>Click to edit Master text styles</a:t>
+            </a:r>
+          </a:p>
+          <a:p>
+            <a:pPr lvl="1"/>
+            <a:r>
+              <a:rPr lang="en-US"/>
+              <a:t>Second level</a:t>
+            </a:r>
+          </a:p>
+          <a:p>
+            <a:pPr lvl="2"/>
+            <a:r>
+              <a:rPr lang="en-US"/>
+              <a:t>Third level</a:t>
+            </a:r>
+          </a:p>
+          <a:p>
+            <a:pPr lvl="3"/>
+            <a:r>
+              <a:rPr lang="en-US"/>
+              <a:t>Fourth level</a:t>
+            </a:r>
+          </a:p>
+          <a:p>
+            <a:pPr lvl="4"/>
+            <a:r>
+              <a:rPr lang="en-US"/>
+              <a:t>Fifth level</a:t>
+            </a:r>
+            <a:endParaRPr lang="en-US" dirty="0"/>
+          </a:p>
+        </p:txBody>
+      </p:sp>
+      <p:sp>
+        <p:nvSpPr>
+          <p:cNvPr id="21" name="Text Placeholder 2">
+            <a:extLst>
+              <a:ext uri="{FF2B5EF4-FFF2-40B4-BE49-F238E27FC236}">
+                <a16:creationId xmlns:a16="http://schemas.microsoft.com/office/drawing/2014/main" id="{1F60A771-8BBC-4565-AB09-402DA7CB2780}"/>
+              </a:ext>
+            </a:extLst>
+          </p:cNvPr>
+          <p:cNvSpPr>
+            <a:spLocks noGrp="1"/>
+          </p:cNvSpPr>
+          <p:nvPr>
+            <p:ph type="body" idx="13" hasCustomPrompt="1"/>
+          </p:nvPr>
+        </p:nvSpPr>
+        <p:spPr>
+          <a:xfrm>
+            <a:off x="8066421" y="2776936"/>
+            <a:ext cx="2882475" cy="823912"/>
+          </a:xfrm>
+        </p:spPr>
+        <p:txBody>
+          <a:bodyPr anchor="b">
+            <a:noAutofit/>
+          </a:bodyPr>
+          <a:lstStyle>
+            <a:lvl1pPr marL="0" indent="0">
+              <a:buNone/>
+              <a:defRPr lang="en-US" sz="2000" kern="1200" spc="150" baseline="0" dirty="0" smtClean="0">
+                <a:solidFill>
+                  <a:schemeClr val="tx1"/>
+                </a:solidFill>
+                <a:latin typeface="+mj-lt"/>
+                <a:ea typeface="+mj-ea"/>
+                <a:cs typeface="+mj-cs"/>
+              </a:defRPr>
+            </a:lvl1pPr>
+            <a:lvl2pPr marL="457200" indent="0">
+              <a:buNone/>
+              <a:defRPr sz="2000" b="1"/>
+            </a:lvl2pPr>
+            <a:lvl3pPr marL="914400" indent="0">
+              <a:buNone/>
+              <a:defRPr sz="1800" b="1"/>
+            </a:lvl3pPr>
+            <a:lvl4pPr marL="1371600" indent="0">
+              <a:buNone/>
+              <a:defRPr sz="1600" b="1"/>
+            </a:lvl4pPr>
+            <a:lvl5pPr marL="1828800" indent="0">
+              <a:buNone/>
+              <a:defRPr sz="1600" b="1"/>
+            </a:lvl5pPr>
+            <a:lvl6pPr marL="2286000" indent="0">
+              <a:buNone/>
+              <a:defRPr sz="1600" b="1"/>
+            </a:lvl6pPr>
+            <a:lvl7pPr marL="2743200" indent="0">
+              <a:buNone/>
+              <a:defRPr sz="1600" b="1"/>
+            </a:lvl7pPr>
+            <a:lvl8pPr marL="3200400" indent="0">
+              <a:buNone/>
+              <a:defRPr sz="1600" b="1"/>
+            </a:lvl8pPr>
+            <a:lvl9pPr marL="3657600" indent="0">
+              <a:buNone/>
+              <a:defRPr sz="1600" b="1"/>
+            </a:lvl9pPr>
+          </a:lstStyle>
+          <a:p>
+            <a:pPr lvl="0"/>
+            <a:r>
+              <a:rPr lang="en-US"/>
+              <a:t>CLICK TO EDIT MASTER TEXT</a:t>
+            </a:r>
+          </a:p>
+        </p:txBody>
+      </p:sp>
+      <p:sp>
+        <p:nvSpPr>
+          <p:cNvPr id="22" name="Content Placeholder 3">
+            <a:extLst>
+              <a:ext uri="{FF2B5EF4-FFF2-40B4-BE49-F238E27FC236}">
+                <a16:creationId xmlns:a16="http://schemas.microsoft.com/office/drawing/2014/main" id="{C464A9BD-B815-4632-8F54-6EB70E48BAFF}"/>
+              </a:ext>
+            </a:extLst>
+          </p:cNvPr>
+          <p:cNvSpPr>
+            <a:spLocks noGrp="1"/>
+          </p:cNvSpPr>
+          <p:nvPr>
+            <p:ph sz="half" idx="14"/>
+          </p:nvPr>
+        </p:nvSpPr>
+        <p:spPr>
+          <a:xfrm>
+            <a:off x="8066421" y="3834606"/>
+            <a:ext cx="2882475" cy="1997867"/>
+          </a:xfrm>
+        </p:spPr>
+        <p:txBody>
+          <a:bodyPr>
+            <a:normAutofit/>
+          </a:bodyPr>
+          <a:lstStyle>
+            <a:lvl1pPr marL="0" indent="0">
+              <a:lnSpc>
+                <a:spcPct val="100000"/>
+              </a:lnSpc>
+              <a:buNone/>
+              <a:defRPr sz="1400" spc="50" baseline="0"/>
+            </a:lvl1pPr>
+            <a:lvl2pPr marL="457200" indent="0">
+              <a:lnSpc>
+                <a:spcPct val="100000"/>
+              </a:lnSpc>
+              <a:buNone/>
+              <a:defRPr sz="1400" spc="50" baseline="0"/>
+            </a:lvl2pPr>
+            <a:lvl3pPr marL="914400" indent="0">
+              <a:lnSpc>
+                <a:spcPct val="100000"/>
+              </a:lnSpc>
+              <a:buNone/>
+              <a:defRPr sz="1400" spc="50" baseline="0"/>
+            </a:lvl3pPr>
+            <a:lvl4pPr marL="1371600" indent="0">
+              <a:lnSpc>
+                <a:spcPct val="100000"/>
+              </a:lnSpc>
+              <a:buNone/>
+              <a:defRPr sz="1400" spc="50" baseline="0"/>
+            </a:lvl4pPr>
+            <a:lvl5pPr marL="1828800" indent="0">
+              <a:lnSpc>
+                <a:spcPct val="100000"/>
+              </a:lnSpc>
+              <a:buNone/>
+              <a:defRPr sz="1400" spc="50" baseline="0"/>
+            </a:lvl5pPr>
+          </a:lstStyle>
+          <a:p>
+            <a:pPr lvl="0"/>
+            <a:r>
+              <a:rPr lang="en-US"/>
+              <a:t>Click to edit Master text styles</a:t>
+            </a:r>
+          </a:p>
+          <a:p>
+            <a:pPr lvl="1"/>
+            <a:r>
+              <a:rPr lang="en-US"/>
+              <a:t>Second level</a:t>
+            </a:r>
+          </a:p>
+          <a:p>
+            <a:pPr lvl="2"/>
+            <a:r>
+              <a:rPr lang="en-US"/>
+              <a:t>Third level</a:t>
+            </a:r>
+          </a:p>
+          <a:p>
+            <a:pPr lvl="3"/>
+            <a:r>
+              <a:rPr lang="en-US"/>
+              <a:t>Fourth level</a:t>
+            </a:r>
+          </a:p>
+          <a:p>
+            <a:pPr lvl="4"/>
+            <a:r>
+              <a:rPr lang="en-US"/>
+              <a:t>Fifth level</a:t>
+            </a:r>
+          </a:p>
+        </p:txBody>
+      </p:sp>
+      <p:sp>
+        <p:nvSpPr>
+          <p:cNvPr id="7" name="Date Placeholder 6">
+            <a:extLst>
+              <a:ext uri="{FF2B5EF4-FFF2-40B4-BE49-F238E27FC236}">
+                <a16:creationId xmlns:a16="http://schemas.microsoft.com/office/drawing/2014/main" id="{F255C16C-AA88-4BBF-8040-11ECFED618E0}"/>
+              </a:ext>
+            </a:extLst>
+          </p:cNvPr>
+          <p:cNvSpPr>
+            <a:spLocks noGrp="1"/>
+          </p:cNvSpPr>
+          <p:nvPr>
+            <p:ph type="dt" sz="half" idx="10"/>
+          </p:nvPr>
+        </p:nvSpPr>
+        <p:spPr/>
+        <p:txBody>
+          <a:bodyPr/>
+          <a:lstStyle>
+            <a:lvl1pPr>
+              <a:defRPr sz="900"/>
+            </a:lvl1pPr>
+          </a:lstStyle>
+          <a:p>
+            <a:r>
+              <a:rPr lang="en-US" dirty="0"/>
+              <a:t>20XX</a:t>
+            </a:r>
+          </a:p>
+        </p:txBody>
+      </p:sp>
+      <p:sp>
+        <p:nvSpPr>
+          <p:cNvPr id="8" name="Footer Placeholder 7">
+            <a:extLst>
+              <a:ext uri="{FF2B5EF4-FFF2-40B4-BE49-F238E27FC236}">
+                <a16:creationId xmlns:a16="http://schemas.microsoft.com/office/drawing/2014/main" id="{CBE560E3-F935-488F-8F0E-191D7B6B54B8}"/>
+              </a:ext>
+            </a:extLst>
+          </p:cNvPr>
+          <p:cNvSpPr>
+            <a:spLocks noGrp="1"/>
+          </p:cNvSpPr>
+          <p:nvPr>
+            <p:ph type="ftr" sz="quarter" idx="11"/>
+          </p:nvPr>
+        </p:nvSpPr>
+        <p:spPr/>
+        <p:txBody>
+          <a:bodyPr/>
+          <a:lstStyle>
+            <a:lvl1pPr>
+              <a:defRPr sz="900"/>
+            </a:lvl1pPr>
+          </a:lstStyle>
+          <a:p>
+            <a:r>
+              <a:rPr lang="en-US" dirty="0"/>
+              <a:t>PRESENTATION TITLE</a:t>
+            </a:r>
+          </a:p>
+        </p:txBody>
+      </p:sp>
+      <p:sp>
+        <p:nvSpPr>
+          <p:cNvPr id="9" name="Slide Number Placeholder 8">
+            <a:extLst>
+              <a:ext uri="{FF2B5EF4-FFF2-40B4-BE49-F238E27FC236}">
+                <a16:creationId xmlns:a16="http://schemas.microsoft.com/office/drawing/2014/main" id="{9B9CD8B2-CC23-467F-B0EE-2CC06D6308BD}"/>
+              </a:ext>
+            </a:extLst>
+          </p:cNvPr>
+          <p:cNvSpPr>
+            <a:spLocks noGrp="1"/>
+          </p:cNvSpPr>
+          <p:nvPr>
+            <p:ph type="sldNum" sz="quarter" idx="12"/>
+          </p:nvPr>
+        </p:nvSpPr>
+        <p:spPr/>
+        <p:txBody>
+          <a:bodyPr/>
+          <a:lstStyle>
+            <a:lvl1pPr>
+              <a:defRPr sz="900"/>
+            </a:lvl1pPr>
+          </a:lstStyle>
+          <a:p>
+            <a:fld id="{A49DFD55-3C28-40EF-9E31-A92D2E4017FF}" type="slidenum">
+              <a:rPr lang="en-US" smtClean="0"/>
+              <a:pPr/>
+              <a:t>‹#›</a:t>
+            </a:fld>
+            <a:endParaRPr lang="en-US" dirty="0"/>
+          </a:p>
+        </p:txBody>
+      </p:sp>
+      <p:grpSp>
+        <p:nvGrpSpPr>
+          <p:cNvPr id="10" name="Group 9">
+            <a:extLst>
+              <a:ext uri="{FF2B5EF4-FFF2-40B4-BE49-F238E27FC236}">
+                <a16:creationId xmlns:a16="http://schemas.microsoft.com/office/drawing/2014/main" id="{B2368EF4-1233-48C7-8DB5-75844BFCD594}"/>
+              </a:ext>
+              <a:ext uri="{C183D7F6-B498-43B3-948B-1728B52AA6E4}">
+                <adec:decorative xmlns:adec="http://schemas.microsoft.com/office/drawing/2017/decorative" val="1"/>
+              </a:ext>
+            </a:extLst>
+          </p:cNvPr>
+          <p:cNvGrpSpPr/>
+          <p:nvPr userDrawn="1"/>
+        </p:nvGrpSpPr>
+        <p:grpSpPr>
+          <a:xfrm>
+            <a:off x="0" y="0"/>
+            <a:ext cx="2238376" cy="3105150"/>
+            <a:chOff x="0" y="0"/>
+            <a:chExt cx="2238376" cy="3105150"/>
+          </a:xfrm>
+        </p:grpSpPr>
+        <p:cxnSp>
+          <p:nvCxnSpPr>
+            <p:cNvPr id="16" name="Straight Connector 15">
+              <a:extLst>
+                <a:ext uri="{FF2B5EF4-FFF2-40B4-BE49-F238E27FC236}">
+                  <a16:creationId xmlns:a16="http://schemas.microsoft.com/office/drawing/2014/main" id="{463D7850-C2A6-43CE-BBE4-8E81A0A593BF}"/>
+                </a:ext>
+              </a:extLst>
+            </p:cNvPr>
+            <p:cNvCxnSpPr>
+              <a:cxnSpLocks/>
+            </p:cNvCxnSpPr>
+            <p:nvPr userDrawn="1"/>
+          </p:nvCxnSpPr>
+          <p:spPr>
+            <a:xfrm flipH="1">
+              <a:off x="0" y="0"/>
+              <a:ext cx="1238250" cy="3105150"/>
+            </a:xfrm>
+            <a:prstGeom prst="line">
+              <a:avLst/>
+            </a:prstGeom>
+            <a:ln w="3175">
+              <a:solidFill>
+                <a:schemeClr val="tx1"/>
+              </a:solidFill>
+            </a:ln>
+          </p:spPr>
+          <p:style>
+            <a:lnRef idx="1">
+              <a:schemeClr val="accent1"/>
+            </a:lnRef>
+            <a:fillRef idx="0">
+              <a:schemeClr val="accent1"/>
+            </a:fillRef>
+            <a:effectRef idx="0">
+              <a:schemeClr val="accent1"/>
+            </a:effectRef>
+            <a:fontRef idx="minor">
+              <a:schemeClr val="tx1"/>
+            </a:fontRef>
+          </p:style>
+        </p:cxnSp>
+        <p:cxnSp>
+          <p:nvCxnSpPr>
+            <p:cNvPr id="20" name="Straight Connector 19">
+              <a:extLst>
+                <a:ext uri="{FF2B5EF4-FFF2-40B4-BE49-F238E27FC236}">
+                  <a16:creationId xmlns:a16="http://schemas.microsoft.com/office/drawing/2014/main" id="{EBAD3E03-2E3B-440C-9105-6F9D33006D66}"/>
+                </a:ext>
+              </a:extLst>
+            </p:cNvPr>
+            <p:cNvCxnSpPr>
+              <a:cxnSpLocks/>
+            </p:cNvCxnSpPr>
+            <p:nvPr userDrawn="1"/>
+          </p:nvCxnSpPr>
+          <p:spPr>
+            <a:xfrm flipH="1">
+              <a:off x="0" y="0"/>
+              <a:ext cx="2238376" cy="2476500"/>
+            </a:xfrm>
+            <a:prstGeom prst="line">
+              <a:avLst/>
+            </a:prstGeom>
+            <a:ln>
+              <a:solidFill>
+                <a:schemeClr val="tx1"/>
+              </a:solidFill>
+            </a:ln>
+          </p:spPr>
+          <p:style>
+            <a:lnRef idx="1">
+              <a:schemeClr val="accent1"/>
+            </a:lnRef>
+            <a:fillRef idx="0">
+              <a:schemeClr val="accent1"/>
+            </a:fillRef>
+            <a:effectRef idx="0">
+              <a:schemeClr val="accent1"/>
+            </a:effectRef>
+            <a:fontRef idx="minor">
+              <a:schemeClr val="tx1"/>
+            </a:fontRef>
+          </p:style>
+        </p:cxnSp>
+      </p:grpSp>
+    </p:spTree>
+    <p:extLst>
+      <p:ext uri="{BB962C8B-B14F-4D97-AF65-F5344CB8AC3E}">
+        <p14:creationId xmlns:p14="http://schemas.microsoft.com/office/powerpoint/2010/main" val="1270425001"/>
+      </p:ext>
+    </p:extLst>
+  </p:cSld>
+  <p:clrMapOvr>
+    <a:overrideClrMapping bg1="lt1" tx1="dk1" bg2="lt2" tx2="dk2" accent1="accent1" accent2="accent2" accent3="accent3" accent4="accent4" accent5="accent5" accent6="accent6" hlink="hlink" folHlink="folHlink"/>
+  </p:clrMapOvr>
+</p:sldLayout>
+</file>
+
 <file path=ppt/slideLayouts/slideLayout2.xml><?xml version="1.0" encoding="utf-8"?>
 <p:sldLayout xmlns:a="http://schemas.openxmlformats.org/drawingml/2006/main" xmlns:r="http://schemas.openxmlformats.org/officeDocument/2006/relationships" xmlns:p="http://schemas.openxmlformats.org/presentationml/2006/main" type="obj" preserve="1">
   <p:cSld name="Title and Content">
@@ -865,7 +5344,7 @@
           <a:p>
             <a:fld id="{48A87A34-81AB-432B-8DAE-1953F412C126}" type="datetimeFigureOut">
               <a:rPr lang="en-US" dirty="0"/>
-              <a:t>1/29/2023</a:t>
+              <a:t>1/30/2023</a:t>
             </a:fld>
             <a:endParaRPr lang="en-US" dirty="0"/>
           </a:p>
@@ -1139,7 +5618,7 @@
           <a:p>
             <a:fld id="{48A87A34-81AB-432B-8DAE-1953F412C126}" type="datetimeFigureOut">
               <a:rPr lang="en-US" dirty="0"/>
-              <a:t>1/29/2023</a:t>
+              <a:t>1/30/2023</a:t>
             </a:fld>
             <a:endParaRPr lang="en-US" dirty="0"/>
           </a:p>
@@ -1402,7 +5881,7 @@
           <a:p>
             <a:fld id="{48A87A34-81AB-432B-8DAE-1953F412C126}" type="datetimeFigureOut">
               <a:rPr lang="en-US" dirty="0"/>
-              <a:t>1/29/2023</a:t>
+              <a:t>1/30/2023</a:t>
             </a:fld>
             <a:endParaRPr lang="en-US" dirty="0"/>
           </a:p>
@@ -1813,7 +6292,7 @@
           <a:p>
             <a:fld id="{48A87A34-81AB-432B-8DAE-1953F412C126}" type="datetimeFigureOut">
               <a:rPr lang="en-US" dirty="0"/>
-              <a:t>1/29/2023</a:t>
+              <a:t>1/30/2023</a:t>
             </a:fld>
             <a:endParaRPr lang="en-US" dirty="0"/>
           </a:p>
@@ -1957,7 +6436,7 @@
           <a:p>
             <a:fld id="{48A87A34-81AB-432B-8DAE-1953F412C126}" type="datetimeFigureOut">
               <a:rPr lang="en-US" dirty="0"/>
-              <a:t>1/29/2023</a:t>
+              <a:t>1/30/2023</a:t>
             </a:fld>
             <a:endParaRPr lang="en-US" dirty="0"/>
           </a:p>
@@ -2078,7 +6557,7 @@
           <a:p>
             <a:fld id="{48A87A34-81AB-432B-8DAE-1953F412C126}" type="datetimeFigureOut">
               <a:rPr lang="en-US" dirty="0"/>
-              <a:t>1/29/2023</a:t>
+              <a:t>1/30/2023</a:t>
             </a:fld>
             <a:endParaRPr lang="en-US" dirty="0"/>
           </a:p>
@@ -2324,7 +6803,7 @@
           <a:p>
             <a:fld id="{48A87A34-81AB-432B-8DAE-1953F412C126}" type="datetimeFigureOut">
               <a:rPr lang="en-US" dirty="0"/>
-              <a:t>1/29/2023</a:t>
+              <a:t>1/30/2023</a:t>
             </a:fld>
             <a:endParaRPr lang="en-US" dirty="0"/>
           </a:p>
@@ -2765,7 +7244,7 @@
             <a:fld id="{48A87A34-81AB-432B-8DAE-1953F412C126}" type="datetimeFigureOut">
               <a:rPr lang="en-US" dirty="0"/>
               <a:pPr/>
-              <a:t>1/29/2023</a:t>
+              <a:t>1/30/2023</a:t>
             </a:fld>
             <a:endParaRPr lang="en-US" dirty="0"/>
           </a:p>
@@ -2937,7 +7416,7 @@
           <p:nvPr/>
         </p:nvPicPr>
         <p:blipFill rotWithShape="1">
-          <a:blip r:embed="rId13">
+          <a:blip r:embed="rId18">
             <a:extLst>
               <a:ext uri="{28A0092B-C50C-407E-A947-70E740481C1C}">
                 <a14:useLocalDpi xmlns:a14="http://schemas.microsoft.com/office/drawing/2010/main" val="0"/>
@@ -3088,7 +7567,7 @@
             <a:fld id="{48A87A34-81AB-432B-8DAE-1953F412C126}" type="datetimeFigureOut">
               <a:rPr lang="en-US" dirty="0"/>
               <a:pPr/>
-              <a:t>1/29/2023</a:t>
+              <a:t>1/30/2023</a:t>
             </a:fld>
             <a:endParaRPr lang="en-US" dirty="0"/>
           </a:p>
@@ -3223,6 +7702,11 @@
     <p:sldLayoutId id="2147483657" r:id="rId9"/>
     <p:sldLayoutId id="2147483658" r:id="rId10"/>
     <p:sldLayoutId id="2147483659" r:id="rId11"/>
+    <p:sldLayoutId id="2147483660" r:id="rId12"/>
+    <p:sldLayoutId id="2147483661" r:id="rId13"/>
+    <p:sldLayoutId id="2147483662" r:id="rId14"/>
+    <p:sldLayoutId id="2147483663" r:id="rId15"/>
+    <p:sldLayoutId id="2147483664" r:id="rId16"/>
   </p:sldLayoutIdLst>
   <p:txStyles>
     <p:titleStyle>
@@ -3734,6 +8218,2387 @@
 </p:sld>
 </file>
 
+<file path=ppt/slides/slide10.xml><?xml version="1.0" encoding="utf-8"?>
+<p:sld xmlns:a="http://schemas.openxmlformats.org/drawingml/2006/main" xmlns:r="http://schemas.openxmlformats.org/officeDocument/2006/relationships" xmlns:p="http://schemas.openxmlformats.org/presentationml/2006/main">
+  <p:cSld>
+    <p:spTree>
+      <p:nvGrpSpPr>
+        <p:cNvPr id="1" name=""/>
+        <p:cNvGrpSpPr/>
+        <p:nvPr/>
+      </p:nvGrpSpPr>
+      <p:grpSpPr>
+        <a:xfrm>
+          <a:off x="0" y="0"/>
+          <a:ext cx="0" cy="0"/>
+          <a:chOff x="0" y="0"/>
+          <a:chExt cx="0" cy="0"/>
+        </a:xfrm>
+      </p:grpSpPr>
+      <p:sp>
+        <p:nvSpPr>
+          <p:cNvPr id="2" name="Title 1">
+            <a:extLst>
+              <a:ext uri="{FF2B5EF4-FFF2-40B4-BE49-F238E27FC236}">
+                <a16:creationId xmlns:a16="http://schemas.microsoft.com/office/drawing/2014/main" id="{E3FC83A8-6962-D3CD-533A-1B3C65B28E1C}"/>
+              </a:ext>
+            </a:extLst>
+          </p:cNvPr>
+          <p:cNvSpPr>
+            <a:spLocks noGrp="1"/>
+          </p:cNvSpPr>
+          <p:nvPr>
+            <p:ph type="title"/>
+          </p:nvPr>
+        </p:nvSpPr>
+        <p:spPr/>
+        <p:txBody>
+          <a:bodyPr>
+            <a:normAutofit fontScale="90000"/>
+          </a:bodyPr>
+          <a:lstStyle/>
+          <a:p>
+            <a:r>
+              <a:rPr lang="en-US" b="1" i="0" dirty="0">
+                <a:solidFill>
+                  <a:srgbClr val="000000"/>
+                </a:solidFill>
+                <a:effectLst/>
+                <a:latin typeface="Helvetica Neue"/>
+              </a:rPr>
+              <a:t>Breakdown on injuries by team (Offense and Defense)</a:t>
+            </a:r>
+            <a:br>
+              <a:rPr lang="en-US" b="1" i="0" dirty="0">
+                <a:solidFill>
+                  <a:srgbClr val="000000"/>
+                </a:solidFill>
+                <a:effectLst/>
+                <a:latin typeface="Helvetica Neue"/>
+              </a:rPr>
+            </a:br>
+            <a:endParaRPr lang="en-US" dirty="0"/>
+          </a:p>
+        </p:txBody>
+      </p:sp>
+      <p:pic>
+        <p:nvPicPr>
+          <p:cNvPr id="5" name="Content Placeholder 4">
+            <a:extLst>
+              <a:ext uri="{FF2B5EF4-FFF2-40B4-BE49-F238E27FC236}">
+                <a16:creationId xmlns:a16="http://schemas.microsoft.com/office/drawing/2014/main" id="{07F7164F-ECD6-1445-162C-9BA47C26750F}"/>
+              </a:ext>
+            </a:extLst>
+          </p:cNvPr>
+          <p:cNvPicPr>
+            <a:picLocks noGrp="1" noChangeAspect="1"/>
+          </p:cNvPicPr>
+          <p:nvPr>
+            <p:ph idx="1"/>
+          </p:nvPr>
+        </p:nvPicPr>
+        <p:blipFill>
+          <a:blip r:embed="rId2"/>
+          <a:stretch>
+            <a:fillRect/>
+          </a:stretch>
+        </p:blipFill>
+        <p:spPr>
+          <a:xfrm>
+            <a:off x="1451579" y="1998540"/>
+            <a:ext cx="4870090" cy="3449638"/>
+          </a:xfrm>
+        </p:spPr>
+      </p:pic>
+      <p:sp>
+        <p:nvSpPr>
+          <p:cNvPr id="6" name="TextBox 5">
+            <a:extLst>
+              <a:ext uri="{FF2B5EF4-FFF2-40B4-BE49-F238E27FC236}">
+                <a16:creationId xmlns:a16="http://schemas.microsoft.com/office/drawing/2014/main" id="{F58A73B4-2646-0098-BE0B-5E1EE6E51653}"/>
+              </a:ext>
+            </a:extLst>
+          </p:cNvPr>
+          <p:cNvSpPr txBox="1"/>
+          <p:nvPr/>
+        </p:nvSpPr>
+        <p:spPr>
+          <a:xfrm>
+            <a:off x="6875584" y="2118946"/>
+            <a:ext cx="4870090" cy="2952027"/>
+          </a:xfrm>
+          <a:prstGeom prst="rect">
+            <a:avLst/>
+          </a:prstGeom>
+          <a:noFill/>
+        </p:spPr>
+        <p:txBody>
+          <a:bodyPr wrap="square" rtlCol="0">
+            <a:spAutoFit/>
+          </a:bodyPr>
+          <a:lstStyle/>
+          <a:p>
+            <a:pPr marL="285750" indent="-285750">
+              <a:lnSpc>
+                <a:spcPct val="150000"/>
+              </a:lnSpc>
+              <a:buFont typeface="Arial" panose="020B0604020202020204" pitchFamily="34" charset="0"/>
+              <a:buChar char="•"/>
+            </a:pPr>
+            <a:r>
+              <a:rPr lang="en-US" dirty="0"/>
+              <a:t>Top positions that is prone to concussion</a:t>
+            </a:r>
+          </a:p>
+          <a:p>
+            <a:pPr marL="742950" lvl="1" indent="-285750">
+              <a:lnSpc>
+                <a:spcPct val="150000"/>
+              </a:lnSpc>
+              <a:buFont typeface="Arial" panose="020B0604020202020204" pitchFamily="34" charset="0"/>
+              <a:buChar char="•"/>
+            </a:pPr>
+            <a:r>
+              <a:rPr lang="en-US" dirty="0"/>
+              <a:t>Cornerback</a:t>
+            </a:r>
+          </a:p>
+          <a:p>
+            <a:pPr marL="742950" lvl="1" indent="-285750">
+              <a:lnSpc>
+                <a:spcPct val="150000"/>
+              </a:lnSpc>
+              <a:buFont typeface="Arial" panose="020B0604020202020204" pitchFamily="34" charset="0"/>
+              <a:buChar char="•"/>
+            </a:pPr>
+            <a:r>
+              <a:rPr lang="en-US" dirty="0"/>
+              <a:t>Wide Receiver</a:t>
+            </a:r>
+          </a:p>
+          <a:p>
+            <a:pPr marL="742950" lvl="1" indent="-285750">
+              <a:lnSpc>
+                <a:spcPct val="150000"/>
+              </a:lnSpc>
+              <a:buFont typeface="Arial" panose="020B0604020202020204" pitchFamily="34" charset="0"/>
+              <a:buChar char="•"/>
+            </a:pPr>
+            <a:r>
+              <a:rPr lang="en-US" dirty="0"/>
+              <a:t>Safety</a:t>
+            </a:r>
+          </a:p>
+          <a:p>
+            <a:pPr marL="742950" lvl="1" indent="-285750">
+              <a:lnSpc>
+                <a:spcPct val="150000"/>
+              </a:lnSpc>
+              <a:buFont typeface="Arial" panose="020B0604020202020204" pitchFamily="34" charset="0"/>
+              <a:buChar char="•"/>
+            </a:pPr>
+            <a:r>
+              <a:rPr lang="en-US" dirty="0"/>
+              <a:t>Running Back</a:t>
+            </a:r>
+          </a:p>
+          <a:p>
+            <a:pPr marL="285750" indent="-285750">
+              <a:lnSpc>
+                <a:spcPct val="150000"/>
+              </a:lnSpc>
+              <a:buFont typeface="Arial" panose="020B0604020202020204" pitchFamily="34" charset="0"/>
+              <a:buChar char="•"/>
+            </a:pPr>
+            <a:r>
+              <a:rPr lang="en-US" dirty="0"/>
+              <a:t>Due to the nature of the game, these positions are likely to have contact</a:t>
+            </a:r>
+          </a:p>
+        </p:txBody>
+      </p:sp>
+    </p:spTree>
+    <p:extLst>
+      <p:ext uri="{BB962C8B-B14F-4D97-AF65-F5344CB8AC3E}">
+        <p14:creationId xmlns:p14="http://schemas.microsoft.com/office/powerpoint/2010/main" val="3054641002"/>
+      </p:ext>
+    </p:extLst>
+  </p:cSld>
+  <p:clrMapOvr>
+    <a:masterClrMapping/>
+  </p:clrMapOvr>
+</p:sld>
+</file>
+
+<file path=ppt/slides/slide11.xml><?xml version="1.0" encoding="utf-8"?>
+<p:sld xmlns:a="http://schemas.openxmlformats.org/drawingml/2006/main" xmlns:r="http://schemas.openxmlformats.org/officeDocument/2006/relationships" xmlns:p="http://schemas.openxmlformats.org/presentationml/2006/main">
+  <p:cSld>
+    <p:spTree>
+      <p:nvGrpSpPr>
+        <p:cNvPr id="1" name=""/>
+        <p:cNvGrpSpPr/>
+        <p:nvPr/>
+      </p:nvGrpSpPr>
+      <p:grpSpPr>
+        <a:xfrm>
+          <a:off x="0" y="0"/>
+          <a:ext cx="0" cy="0"/>
+          <a:chOff x="0" y="0"/>
+          <a:chExt cx="0" cy="0"/>
+        </a:xfrm>
+      </p:grpSpPr>
+      <p:sp>
+        <p:nvSpPr>
+          <p:cNvPr id="2" name="Title 1">
+            <a:extLst>
+              <a:ext uri="{FF2B5EF4-FFF2-40B4-BE49-F238E27FC236}">
+                <a16:creationId xmlns:a16="http://schemas.microsoft.com/office/drawing/2014/main" id="{5C72A5F8-4C72-FCAB-AC32-A1366BD279B6}"/>
+              </a:ext>
+            </a:extLst>
+          </p:cNvPr>
+          <p:cNvSpPr>
+            <a:spLocks noGrp="1"/>
+          </p:cNvSpPr>
+          <p:nvPr>
+            <p:ph type="title"/>
+          </p:nvPr>
+        </p:nvSpPr>
+        <p:spPr/>
+        <p:txBody>
+          <a:bodyPr>
+            <a:normAutofit fontScale="90000"/>
+          </a:bodyPr>
+          <a:lstStyle/>
+          <a:p>
+            <a:r>
+              <a:rPr lang="en-US" b="1" i="0" dirty="0">
+                <a:solidFill>
+                  <a:srgbClr val="000000"/>
+                </a:solidFill>
+                <a:effectLst/>
+                <a:latin typeface="Helvetica Neue"/>
+              </a:rPr>
+              <a:t>Injury Percentage of Offense and Defense</a:t>
+            </a:r>
+            <a:br>
+              <a:rPr lang="en-US" b="1" i="0" dirty="0">
+                <a:solidFill>
+                  <a:srgbClr val="000000"/>
+                </a:solidFill>
+                <a:effectLst/>
+                <a:latin typeface="Helvetica Neue"/>
+              </a:rPr>
+            </a:br>
+            <a:endParaRPr lang="en-US" dirty="0"/>
+          </a:p>
+        </p:txBody>
+      </p:sp>
+      <p:pic>
+        <p:nvPicPr>
+          <p:cNvPr id="5" name="Content Placeholder 4">
+            <a:extLst>
+              <a:ext uri="{FF2B5EF4-FFF2-40B4-BE49-F238E27FC236}">
+                <a16:creationId xmlns:a16="http://schemas.microsoft.com/office/drawing/2014/main" id="{82119E9B-B1A5-8914-0236-09BE0DF40D37}"/>
+              </a:ext>
+            </a:extLst>
+          </p:cNvPr>
+          <p:cNvPicPr>
+            <a:picLocks noGrp="1" noChangeAspect="1"/>
+          </p:cNvPicPr>
+          <p:nvPr>
+            <p:ph idx="1"/>
+          </p:nvPr>
+        </p:nvPicPr>
+        <p:blipFill>
+          <a:blip r:embed="rId2"/>
+          <a:stretch>
+            <a:fillRect/>
+          </a:stretch>
+        </p:blipFill>
+        <p:spPr>
+          <a:xfrm>
+            <a:off x="1451579" y="2068879"/>
+            <a:ext cx="3558751" cy="3449638"/>
+          </a:xfrm>
+        </p:spPr>
+      </p:pic>
+      <p:sp>
+        <p:nvSpPr>
+          <p:cNvPr id="6" name="TextBox 5">
+            <a:extLst>
+              <a:ext uri="{FF2B5EF4-FFF2-40B4-BE49-F238E27FC236}">
+                <a16:creationId xmlns:a16="http://schemas.microsoft.com/office/drawing/2014/main" id="{6A53BCBE-CBD1-74AA-D96F-07709ED7E232}"/>
+              </a:ext>
+            </a:extLst>
+          </p:cNvPr>
+          <p:cNvSpPr txBox="1"/>
+          <p:nvPr/>
+        </p:nvSpPr>
+        <p:spPr>
+          <a:xfrm>
+            <a:off x="6022731" y="2567354"/>
+            <a:ext cx="4592091" cy="1290033"/>
+          </a:xfrm>
+          <a:prstGeom prst="rect">
+            <a:avLst/>
+          </a:prstGeom>
+          <a:noFill/>
+        </p:spPr>
+        <p:txBody>
+          <a:bodyPr wrap="none" rtlCol="0">
+            <a:spAutoFit/>
+          </a:bodyPr>
+          <a:lstStyle/>
+          <a:p>
+            <a:pPr marL="285750" indent="-285750">
+              <a:lnSpc>
+                <a:spcPct val="150000"/>
+              </a:lnSpc>
+              <a:buFont typeface="Arial" panose="020B0604020202020204" pitchFamily="34" charset="0"/>
+              <a:buChar char="•"/>
+            </a:pPr>
+            <a:r>
+              <a:rPr lang="en-US" dirty="0"/>
+              <a:t>Offensive players are slightly prone to injury</a:t>
+            </a:r>
+          </a:p>
+          <a:p>
+            <a:pPr marL="285750" indent="-285750">
+              <a:lnSpc>
+                <a:spcPct val="150000"/>
+              </a:lnSpc>
+              <a:buFont typeface="Arial" panose="020B0604020202020204" pitchFamily="34" charset="0"/>
+              <a:buChar char="•"/>
+            </a:pPr>
+            <a:r>
+              <a:rPr lang="en-US" dirty="0"/>
+              <a:t>Wide receivers have their eye on the ball</a:t>
+            </a:r>
+          </a:p>
+          <a:p>
+            <a:pPr marL="285750" indent="-285750">
+              <a:lnSpc>
+                <a:spcPct val="150000"/>
+              </a:lnSpc>
+              <a:buFont typeface="Arial" panose="020B0604020202020204" pitchFamily="34" charset="0"/>
+              <a:buChar char="•"/>
+            </a:pPr>
+            <a:r>
+              <a:rPr lang="en-US" dirty="0"/>
+              <a:t>Running backs are tackled, being hit</a:t>
+            </a:r>
+          </a:p>
+        </p:txBody>
+      </p:sp>
+    </p:spTree>
+    <p:extLst>
+      <p:ext uri="{BB962C8B-B14F-4D97-AF65-F5344CB8AC3E}">
+        <p14:creationId xmlns:p14="http://schemas.microsoft.com/office/powerpoint/2010/main" val="3356490573"/>
+      </p:ext>
+    </p:extLst>
+  </p:cSld>
+  <p:clrMapOvr>
+    <a:masterClrMapping/>
+  </p:clrMapOvr>
+</p:sld>
+</file>
+
+<file path=ppt/slides/slide12.xml><?xml version="1.0" encoding="utf-8"?>
+<p:sld xmlns:a="http://schemas.openxmlformats.org/drawingml/2006/main" xmlns:r="http://schemas.openxmlformats.org/officeDocument/2006/relationships" xmlns:p="http://schemas.openxmlformats.org/presentationml/2006/main">
+  <p:cSld>
+    <p:spTree>
+      <p:nvGrpSpPr>
+        <p:cNvPr id="1" name=""/>
+        <p:cNvGrpSpPr/>
+        <p:nvPr/>
+      </p:nvGrpSpPr>
+      <p:grpSpPr>
+        <a:xfrm>
+          <a:off x="0" y="0"/>
+          <a:ext cx="0" cy="0"/>
+          <a:chOff x="0" y="0"/>
+          <a:chExt cx="0" cy="0"/>
+        </a:xfrm>
+      </p:grpSpPr>
+      <p:sp>
+        <p:nvSpPr>
+          <p:cNvPr id="2" name="Title 1">
+            <a:extLst>
+              <a:ext uri="{FF2B5EF4-FFF2-40B4-BE49-F238E27FC236}">
+                <a16:creationId xmlns:a16="http://schemas.microsoft.com/office/drawing/2014/main" id="{D94A2CD4-732A-43E4-BCB9-CBA2055E0AC6}"/>
+              </a:ext>
+            </a:extLst>
+          </p:cNvPr>
+          <p:cNvSpPr>
+            <a:spLocks noGrp="1"/>
+          </p:cNvSpPr>
+          <p:nvPr>
+            <p:ph type="title"/>
+          </p:nvPr>
+        </p:nvSpPr>
+        <p:spPr>
+          <a:xfrm>
+            <a:off x="4657724" y="2809875"/>
+            <a:ext cx="6696075" cy="1909763"/>
+          </a:xfrm>
+        </p:spPr>
+        <p:txBody>
+          <a:bodyPr/>
+          <a:lstStyle/>
+          <a:p>
+            <a:r>
+              <a:rPr lang="en-US" dirty="0" err="1"/>
+              <a:t>stats.ttest_ind</a:t>
+            </a:r>
+            <a:r>
+              <a:rPr lang="en-US" dirty="0"/>
+              <a:t>(</a:t>
+            </a:r>
+            <a:r>
+              <a:rPr lang="en-US" dirty="0" err="1"/>
+              <a:t>defense_df</a:t>
+            </a:r>
+            <a:r>
+              <a:rPr lang="en-US" dirty="0"/>
+              <a:t>["Games Missed"], </a:t>
+            </a:r>
+            <a:r>
+              <a:rPr lang="en-US" dirty="0" err="1"/>
+              <a:t>offense_df</a:t>
+            </a:r>
+            <a:r>
+              <a:rPr lang="en-US" dirty="0"/>
+              <a:t>["Games Missed"], </a:t>
+            </a:r>
+            <a:r>
+              <a:rPr lang="en-US" dirty="0" err="1"/>
+              <a:t>equal_var</a:t>
+            </a:r>
+            <a:r>
+              <a:rPr lang="en-US" dirty="0"/>
+              <a:t>=False)</a:t>
+            </a:r>
+          </a:p>
+        </p:txBody>
+      </p:sp>
+      <p:sp>
+        <p:nvSpPr>
+          <p:cNvPr id="3" name="Subtitle 2">
+            <a:extLst>
+              <a:ext uri="{FF2B5EF4-FFF2-40B4-BE49-F238E27FC236}">
+                <a16:creationId xmlns:a16="http://schemas.microsoft.com/office/drawing/2014/main" id="{45FD0450-A909-4CD9-8912-96A19ACEB7CB}"/>
+              </a:ext>
+            </a:extLst>
+          </p:cNvPr>
+          <p:cNvSpPr>
+            <a:spLocks noGrp="1"/>
+          </p:cNvSpPr>
+          <p:nvPr>
+            <p:ph type="subTitle" idx="1"/>
+          </p:nvPr>
+        </p:nvSpPr>
+        <p:spPr>
+          <a:xfrm>
+            <a:off x="5495925" y="9956403"/>
+            <a:ext cx="6696074" cy="365125"/>
+          </a:xfrm>
+        </p:spPr>
+        <p:txBody>
+          <a:bodyPr/>
+          <a:lstStyle/>
+          <a:p>
+            <a:r>
+              <a:rPr lang="en-US" dirty="0"/>
+              <a:t>Richard Branson</a:t>
+            </a:r>
+          </a:p>
+        </p:txBody>
+      </p:sp>
+      <p:sp>
+        <p:nvSpPr>
+          <p:cNvPr id="4" name="Date Placeholder 3">
+            <a:extLst>
+              <a:ext uri="{FF2B5EF4-FFF2-40B4-BE49-F238E27FC236}">
+                <a16:creationId xmlns:a16="http://schemas.microsoft.com/office/drawing/2014/main" id="{DA53D834-F1E2-4848-8093-D412A7B081AF}"/>
+              </a:ext>
+            </a:extLst>
+          </p:cNvPr>
+          <p:cNvSpPr>
+            <a:spLocks noGrp="1"/>
+          </p:cNvSpPr>
+          <p:nvPr>
+            <p:ph type="dt" sz="half" idx="10"/>
+          </p:nvPr>
+        </p:nvSpPr>
+        <p:spPr>
+          <a:xfrm>
+            <a:off x="4676774" y="6356350"/>
+            <a:ext cx="1695450" cy="365125"/>
+          </a:xfrm>
+        </p:spPr>
+        <p:txBody>
+          <a:bodyPr/>
+          <a:lstStyle/>
+          <a:p>
+            <a:r>
+              <a:rPr lang="en-US" dirty="0"/>
+              <a:t>20XX</a:t>
+            </a:r>
+          </a:p>
+        </p:txBody>
+      </p:sp>
+      <p:sp>
+        <p:nvSpPr>
+          <p:cNvPr id="5" name="Footer Placeholder 4">
+            <a:extLst>
+              <a:ext uri="{FF2B5EF4-FFF2-40B4-BE49-F238E27FC236}">
+                <a16:creationId xmlns:a16="http://schemas.microsoft.com/office/drawing/2014/main" id="{3555A49C-96F4-440D-B89E-A0AE94F70108}"/>
+              </a:ext>
+            </a:extLst>
+          </p:cNvPr>
+          <p:cNvSpPr>
+            <a:spLocks noGrp="1"/>
+          </p:cNvSpPr>
+          <p:nvPr>
+            <p:ph type="ftr" sz="quarter" idx="11"/>
+          </p:nvPr>
+        </p:nvSpPr>
+        <p:spPr>
+          <a:xfrm>
+            <a:off x="6743699" y="6356350"/>
+            <a:ext cx="2543175" cy="365125"/>
+          </a:xfrm>
+        </p:spPr>
+        <p:txBody>
+          <a:bodyPr/>
+          <a:lstStyle/>
+          <a:p>
+            <a:r>
+              <a:rPr lang="en-US" dirty="0"/>
+              <a:t>PRESENTATION TITLE</a:t>
+            </a:r>
+          </a:p>
+        </p:txBody>
+      </p:sp>
+      <p:sp>
+        <p:nvSpPr>
+          <p:cNvPr id="6" name="Slide Number Placeholder 5">
+            <a:extLst>
+              <a:ext uri="{FF2B5EF4-FFF2-40B4-BE49-F238E27FC236}">
+                <a16:creationId xmlns:a16="http://schemas.microsoft.com/office/drawing/2014/main" id="{F2A39FA3-9AE3-4689-A469-B7D2DFCCC2D9}"/>
+              </a:ext>
+            </a:extLst>
+          </p:cNvPr>
+          <p:cNvSpPr>
+            <a:spLocks noGrp="1"/>
+          </p:cNvSpPr>
+          <p:nvPr>
+            <p:ph type="sldNum" sz="quarter" idx="12"/>
+          </p:nvPr>
+        </p:nvSpPr>
+        <p:spPr>
+          <a:xfrm>
+            <a:off x="9658350" y="6356350"/>
+            <a:ext cx="1695450" cy="365125"/>
+          </a:xfrm>
+        </p:spPr>
+        <p:txBody>
+          <a:bodyPr/>
+          <a:lstStyle/>
+          <a:p>
+            <a:fld id="{A49DFD55-3C28-40EF-9E31-A92D2E4017FF}" type="slidenum">
+              <a:rPr lang="en-US" smtClean="0"/>
+              <a:pPr/>
+              <a:t>12</a:t>
+            </a:fld>
+            <a:endParaRPr lang="en-US" dirty="0"/>
+          </a:p>
+        </p:txBody>
+      </p:sp>
+      <p:sp>
+        <p:nvSpPr>
+          <p:cNvPr id="7" name="Rectangle 1">
+            <a:extLst>
+              <a:ext uri="{FF2B5EF4-FFF2-40B4-BE49-F238E27FC236}">
+                <a16:creationId xmlns:a16="http://schemas.microsoft.com/office/drawing/2014/main" id="{13D97E62-C1D6-7069-EB00-E189AD0A1FE5}"/>
+              </a:ext>
+            </a:extLst>
+          </p:cNvPr>
+          <p:cNvSpPr>
+            <a:spLocks noChangeArrowheads="1"/>
+          </p:cNvSpPr>
+          <p:nvPr/>
+        </p:nvSpPr>
+        <p:spPr bwMode="auto">
+          <a:xfrm>
+            <a:off x="838200" y="4927600"/>
+            <a:ext cx="12192000" cy="457200"/>
+          </a:xfrm>
+          <a:prstGeom prst="rect">
+            <a:avLst/>
+          </a:prstGeom>
+          <a:solidFill>
+            <a:srgbClr val="FFFFFF"/>
+          </a:solidFill>
+          <a:ln>
+            <a:noFill/>
+          </a:ln>
+          <a:effectLst/>
+          <a:extLst>
+            <a:ext uri="{91240B29-F687-4F45-9708-019B960494DF}">
+              <a14:hiddenLine xmlns:a14="http://schemas.microsoft.com/office/drawing/2010/main" w="9525">
+                <a:solidFill>
+                  <a:schemeClr val="tx1"/>
+                </a:solidFill>
+                <a:miter lim="800000"/>
+                <a:headEnd/>
+                <a:tailEnd/>
+              </a14:hiddenLine>
+            </a:ext>
+            <a:ext uri="{AF507438-7753-43E0-B8FC-AC1667EBCBE1}">
+              <a14:hiddenEffects xmlns:a14="http://schemas.microsoft.com/office/drawing/2010/main">
+                <a:effectLst>
+                  <a:outerShdw dist="35921" dir="2700000" algn="ctr" rotWithShape="0">
+                    <a:schemeClr val="bg2"/>
+                  </a:outerShdw>
+                </a:effectLst>
+              </a14:hiddenEffects>
+            </a:ext>
+          </a:extLst>
+        </p:spPr>
+        <p:txBody>
+          <a:bodyPr vert="horz" wrap="none" lIns="0" tIns="0" rIns="0" bIns="0" numCol="1" anchor="ctr" anchorCtr="0" compatLnSpc="1">
+            <a:prstTxWarp prst="textNoShape">
+              <a:avLst/>
+            </a:prstTxWarp>
+            <a:spAutoFit/>
+          </a:bodyPr>
+          <a:lstStyle/>
+          <a:p>
+            <a:pPr marL="0" marR="0" lvl="0" indent="0" algn="l" defTabSz="914400" rtl="0" eaLnBrk="0" fontAlgn="base" latinLnBrk="0" hangingPunct="0">
+              <a:lnSpc>
+                <a:spcPct val="100000"/>
+              </a:lnSpc>
+              <a:spcBef>
+                <a:spcPct val="0"/>
+              </a:spcBef>
+              <a:spcAft>
+                <a:spcPct val="0"/>
+              </a:spcAft>
+              <a:buClrTx/>
+              <a:buSzTx/>
+              <a:buFontTx/>
+              <a:buNone/>
+              <a:tabLst/>
+            </a:pPr>
+            <a:r>
+              <a:rPr kumimoji="0" lang="en-US" altLang="en-US" sz="1000" b="0" i="0" u="none" strike="noStrike" cap="none" normalizeH="0" baseline="0">
+                <a:ln>
+                  <a:noFill/>
+                </a:ln>
+                <a:solidFill>
+                  <a:srgbClr val="000000"/>
+                </a:solidFill>
+                <a:effectLst/>
+                <a:latin typeface="Courier New" panose="02070309020205020404" pitchFamily="49" charset="0"/>
+              </a:rPr>
+              <a:t>Ttest_indResult(statistic=-1.7650938173235642, pvalue=0.07849418146862482)</a:t>
+            </a:r>
+            <a:r>
+              <a:rPr kumimoji="0" lang="en-US" altLang="en-US" sz="800" b="0" i="0" u="none" strike="noStrike" cap="none" normalizeH="0" baseline="0">
+                <a:ln>
+                  <a:noFill/>
+                </a:ln>
+                <a:solidFill>
+                  <a:schemeClr val="tx1"/>
+                </a:solidFill>
+                <a:effectLst/>
+              </a:rPr>
+              <a:t> </a:t>
+            </a:r>
+            <a:endParaRPr kumimoji="0" lang="en-US" altLang="en-US" sz="1800" b="0" i="0" u="none" strike="noStrike" cap="none" normalizeH="0" baseline="0">
+              <a:ln>
+                <a:noFill/>
+              </a:ln>
+              <a:solidFill>
+                <a:schemeClr val="tx1"/>
+              </a:solidFill>
+              <a:effectLst/>
+              <a:latin typeface="Arial" panose="020B0604020202020204" pitchFamily="34" charset="0"/>
+            </a:endParaRPr>
+          </a:p>
+        </p:txBody>
+      </p:sp>
+    </p:spTree>
+    <p:extLst>
+      <p:ext uri="{BB962C8B-B14F-4D97-AF65-F5344CB8AC3E}">
+        <p14:creationId xmlns:p14="http://schemas.microsoft.com/office/powerpoint/2010/main" val="744379741"/>
+      </p:ext>
+    </p:extLst>
+  </p:cSld>
+  <p:clrMapOvr>
+    <a:masterClrMapping/>
+  </p:clrMapOvr>
+</p:sld>
+</file>
+
+<file path=ppt/slides/slide13.xml><?xml version="1.0" encoding="utf-8"?>
+<p:sld xmlns:a="http://schemas.openxmlformats.org/drawingml/2006/main" xmlns:r="http://schemas.openxmlformats.org/officeDocument/2006/relationships" xmlns:p="http://schemas.openxmlformats.org/presentationml/2006/main">
+  <p:cSld>
+    <p:spTree>
+      <p:nvGrpSpPr>
+        <p:cNvPr id="1" name=""/>
+        <p:cNvGrpSpPr/>
+        <p:nvPr/>
+      </p:nvGrpSpPr>
+      <p:grpSpPr>
+        <a:xfrm>
+          <a:off x="0" y="0"/>
+          <a:ext cx="0" cy="0"/>
+          <a:chOff x="0" y="0"/>
+          <a:chExt cx="0" cy="0"/>
+        </a:xfrm>
+      </p:grpSpPr>
+      <p:sp>
+        <p:nvSpPr>
+          <p:cNvPr id="2" name="Title 1">
+            <a:extLst>
+              <a:ext uri="{FF2B5EF4-FFF2-40B4-BE49-F238E27FC236}">
+                <a16:creationId xmlns:a16="http://schemas.microsoft.com/office/drawing/2014/main" id="{C19F7928-9684-B16D-7B3C-133E0C0ED97C}"/>
+              </a:ext>
+            </a:extLst>
+          </p:cNvPr>
+          <p:cNvSpPr>
+            <a:spLocks noGrp="1"/>
+          </p:cNvSpPr>
+          <p:nvPr>
+            <p:ph type="title"/>
+          </p:nvPr>
+        </p:nvSpPr>
+        <p:spPr/>
+        <p:txBody>
+          <a:bodyPr>
+            <a:normAutofit fontScale="90000"/>
+          </a:bodyPr>
+          <a:lstStyle/>
+          <a:p>
+            <a:r>
+              <a:rPr lang="en-US" b="1" i="0" dirty="0">
+                <a:solidFill>
+                  <a:srgbClr val="000000"/>
+                </a:solidFill>
+                <a:effectLst/>
+                <a:latin typeface="Helvetica Neue"/>
+              </a:rPr>
+              <a:t>Injury trend from 2012 to 2014 (Offense and Defense)</a:t>
+            </a:r>
+            <a:br>
+              <a:rPr lang="en-US" b="1" i="0" dirty="0">
+                <a:solidFill>
+                  <a:srgbClr val="000000"/>
+                </a:solidFill>
+                <a:effectLst/>
+                <a:latin typeface="Helvetica Neue"/>
+              </a:rPr>
+            </a:br>
+            <a:endParaRPr lang="en-US" dirty="0"/>
+          </a:p>
+        </p:txBody>
+      </p:sp>
+      <p:pic>
+        <p:nvPicPr>
+          <p:cNvPr id="7" name="Content Placeholder 6">
+            <a:extLst>
+              <a:ext uri="{FF2B5EF4-FFF2-40B4-BE49-F238E27FC236}">
+                <a16:creationId xmlns:a16="http://schemas.microsoft.com/office/drawing/2014/main" id="{ED4A3AC4-71F3-A2B9-6CFF-240DE1723353}"/>
+              </a:ext>
+            </a:extLst>
+          </p:cNvPr>
+          <p:cNvPicPr>
+            <a:picLocks noGrp="1" noChangeAspect="1"/>
+          </p:cNvPicPr>
+          <p:nvPr>
+            <p:ph idx="1"/>
+          </p:nvPr>
+        </p:nvPicPr>
+        <p:blipFill>
+          <a:blip r:embed="rId2"/>
+          <a:stretch>
+            <a:fillRect/>
+          </a:stretch>
+        </p:blipFill>
+        <p:spPr>
+          <a:xfrm>
+            <a:off x="1451579" y="2156802"/>
+            <a:ext cx="4329106" cy="3449638"/>
+          </a:xfrm>
+        </p:spPr>
+      </p:pic>
+      <p:sp>
+        <p:nvSpPr>
+          <p:cNvPr id="8" name="TextBox 7">
+            <a:extLst>
+              <a:ext uri="{FF2B5EF4-FFF2-40B4-BE49-F238E27FC236}">
+                <a16:creationId xmlns:a16="http://schemas.microsoft.com/office/drawing/2014/main" id="{A55B2F8E-53DD-ACD3-5963-1213C486E48A}"/>
+              </a:ext>
+            </a:extLst>
+          </p:cNvPr>
+          <p:cNvSpPr txBox="1"/>
+          <p:nvPr/>
+        </p:nvSpPr>
+        <p:spPr>
+          <a:xfrm>
+            <a:off x="6576646" y="2549769"/>
+            <a:ext cx="4478208" cy="1615827"/>
+          </a:xfrm>
+          <a:prstGeom prst="rect">
+            <a:avLst/>
+          </a:prstGeom>
+          <a:noFill/>
+        </p:spPr>
+        <p:txBody>
+          <a:bodyPr wrap="square" rtlCol="0">
+            <a:spAutoFit/>
+          </a:bodyPr>
+          <a:lstStyle/>
+          <a:p>
+            <a:pPr marL="285750" indent="-285750">
+              <a:lnSpc>
+                <a:spcPct val="150000"/>
+              </a:lnSpc>
+              <a:buFont typeface="Arial" panose="020B0604020202020204" pitchFamily="34" charset="0"/>
+              <a:buChar char="•"/>
+            </a:pPr>
+            <a:r>
+              <a:rPr lang="en-US" dirty="0"/>
+              <a:t>NFL player safety are given emphasis</a:t>
+            </a:r>
+          </a:p>
+          <a:p>
+            <a:pPr marL="285750" indent="-285750">
+              <a:lnSpc>
+                <a:spcPct val="150000"/>
+              </a:lnSpc>
+              <a:buFont typeface="Arial" panose="020B0604020202020204" pitchFamily="34" charset="0"/>
+              <a:buChar char="•"/>
+            </a:pPr>
+            <a:r>
+              <a:rPr lang="en-US" dirty="0"/>
+              <a:t>NFL Game Day Concussion Diagnosis and Management Protocol in 2011</a:t>
+            </a:r>
+          </a:p>
+          <a:p>
+            <a:pPr marL="285750" indent="-285750">
+              <a:buFont typeface="Arial" panose="020B0604020202020204" pitchFamily="34" charset="0"/>
+              <a:buChar char="•"/>
+            </a:pPr>
+            <a:endParaRPr lang="en-US" dirty="0"/>
+          </a:p>
+        </p:txBody>
+      </p:sp>
+    </p:spTree>
+    <p:extLst>
+      <p:ext uri="{BB962C8B-B14F-4D97-AF65-F5344CB8AC3E}">
+        <p14:creationId xmlns:p14="http://schemas.microsoft.com/office/powerpoint/2010/main" val="1510953849"/>
+      </p:ext>
+    </p:extLst>
+  </p:cSld>
+  <p:clrMapOvr>
+    <a:masterClrMapping/>
+  </p:clrMapOvr>
+</p:sld>
+</file>
+
+<file path=ppt/slides/slide14.xml><?xml version="1.0" encoding="utf-8"?>
+<p:sld xmlns:a="http://schemas.openxmlformats.org/drawingml/2006/main" xmlns:r="http://schemas.openxmlformats.org/officeDocument/2006/relationships" xmlns:p="http://schemas.openxmlformats.org/presentationml/2006/main">
+  <p:cSld>
+    <p:spTree>
+      <p:nvGrpSpPr>
+        <p:cNvPr id="1" name=""/>
+        <p:cNvGrpSpPr/>
+        <p:nvPr/>
+      </p:nvGrpSpPr>
+      <p:grpSpPr>
+        <a:xfrm>
+          <a:off x="0" y="0"/>
+          <a:ext cx="0" cy="0"/>
+          <a:chOff x="0" y="0"/>
+          <a:chExt cx="0" cy="0"/>
+        </a:xfrm>
+      </p:grpSpPr>
+      <p:sp>
+        <p:nvSpPr>
+          <p:cNvPr id="2" name="Title 1">
+            <a:extLst>
+              <a:ext uri="{FF2B5EF4-FFF2-40B4-BE49-F238E27FC236}">
+                <a16:creationId xmlns:a16="http://schemas.microsoft.com/office/drawing/2014/main" id="{103048E4-9922-B8F0-B1EB-9C96134ADA15}"/>
+              </a:ext>
+            </a:extLst>
+          </p:cNvPr>
+          <p:cNvSpPr>
+            <a:spLocks noGrp="1"/>
+          </p:cNvSpPr>
+          <p:nvPr>
+            <p:ph type="title"/>
+          </p:nvPr>
+        </p:nvSpPr>
+        <p:spPr/>
+        <p:txBody>
+          <a:bodyPr/>
+          <a:lstStyle/>
+          <a:p>
+            <a:r>
+              <a:rPr lang="en-US" dirty="0" err="1"/>
+              <a:t>stats.ttest_ind</a:t>
+            </a:r>
+            <a:r>
+              <a:rPr lang="en-US" dirty="0"/>
+              <a:t>(</a:t>
+            </a:r>
+            <a:r>
+              <a:rPr lang="en-US" dirty="0" err="1"/>
+              <a:t>injury_per_year_df</a:t>
+            </a:r>
+            <a:r>
+              <a:rPr lang="en-US" dirty="0"/>
+              <a:t>["Offensive Injuries"], </a:t>
+            </a:r>
+            <a:r>
+              <a:rPr lang="en-US" dirty="0" err="1"/>
+              <a:t>injury_per_year_df</a:t>
+            </a:r>
+            <a:r>
+              <a:rPr lang="en-US" dirty="0"/>
+              <a:t>["Defensive Injuries"], </a:t>
+            </a:r>
+            <a:r>
+              <a:rPr lang="en-US" dirty="0" err="1"/>
+              <a:t>equal_var</a:t>
+            </a:r>
+            <a:r>
+              <a:rPr lang="en-US" dirty="0"/>
+              <a:t>=False)</a:t>
+            </a:r>
+          </a:p>
+        </p:txBody>
+      </p:sp>
+      <p:sp>
+        <p:nvSpPr>
+          <p:cNvPr id="4" name="Date Placeholder 3">
+            <a:extLst>
+              <a:ext uri="{FF2B5EF4-FFF2-40B4-BE49-F238E27FC236}">
+                <a16:creationId xmlns:a16="http://schemas.microsoft.com/office/drawing/2014/main" id="{4CA7CC48-D5D5-E1C9-9458-946E09CC93A3}"/>
+              </a:ext>
+            </a:extLst>
+          </p:cNvPr>
+          <p:cNvSpPr>
+            <a:spLocks noGrp="1"/>
+          </p:cNvSpPr>
+          <p:nvPr>
+            <p:ph type="dt" sz="half" idx="10"/>
+          </p:nvPr>
+        </p:nvSpPr>
+        <p:spPr/>
+        <p:txBody>
+          <a:bodyPr/>
+          <a:lstStyle/>
+          <a:p>
+            <a:r>
+              <a:rPr lang="en-US"/>
+              <a:t>20XX</a:t>
+            </a:r>
+            <a:endParaRPr lang="en-US" dirty="0"/>
+          </a:p>
+        </p:txBody>
+      </p:sp>
+      <p:sp>
+        <p:nvSpPr>
+          <p:cNvPr id="5" name="Footer Placeholder 4">
+            <a:extLst>
+              <a:ext uri="{FF2B5EF4-FFF2-40B4-BE49-F238E27FC236}">
+                <a16:creationId xmlns:a16="http://schemas.microsoft.com/office/drawing/2014/main" id="{A79FCCAB-B1F9-EA44-7D6E-F3D47200D412}"/>
+              </a:ext>
+            </a:extLst>
+          </p:cNvPr>
+          <p:cNvSpPr>
+            <a:spLocks noGrp="1"/>
+          </p:cNvSpPr>
+          <p:nvPr>
+            <p:ph type="ftr" sz="quarter" idx="11"/>
+          </p:nvPr>
+        </p:nvSpPr>
+        <p:spPr/>
+        <p:txBody>
+          <a:bodyPr/>
+          <a:lstStyle/>
+          <a:p>
+            <a:r>
+              <a:rPr lang="en-US"/>
+              <a:t>PRESENTATION TITLE</a:t>
+            </a:r>
+            <a:endParaRPr lang="en-US" dirty="0"/>
+          </a:p>
+        </p:txBody>
+      </p:sp>
+      <p:sp>
+        <p:nvSpPr>
+          <p:cNvPr id="6" name="Slide Number Placeholder 5">
+            <a:extLst>
+              <a:ext uri="{FF2B5EF4-FFF2-40B4-BE49-F238E27FC236}">
+                <a16:creationId xmlns:a16="http://schemas.microsoft.com/office/drawing/2014/main" id="{A72F8FF9-1BD6-25F1-5DD6-38A2282DD555}"/>
+              </a:ext>
+            </a:extLst>
+          </p:cNvPr>
+          <p:cNvSpPr>
+            <a:spLocks noGrp="1"/>
+          </p:cNvSpPr>
+          <p:nvPr>
+            <p:ph type="sldNum" sz="quarter" idx="12"/>
+          </p:nvPr>
+        </p:nvSpPr>
+        <p:spPr/>
+        <p:txBody>
+          <a:bodyPr/>
+          <a:lstStyle/>
+          <a:p>
+            <a:fld id="{A49DFD55-3C28-40EF-9E31-A92D2E4017FF}" type="slidenum">
+              <a:rPr lang="en-US" smtClean="0"/>
+              <a:pPr/>
+              <a:t>14</a:t>
+            </a:fld>
+            <a:endParaRPr lang="en-US" dirty="0"/>
+          </a:p>
+        </p:txBody>
+      </p:sp>
+      <p:sp>
+        <p:nvSpPr>
+          <p:cNvPr id="7" name="Rectangle 1">
+            <a:extLst>
+              <a:ext uri="{FF2B5EF4-FFF2-40B4-BE49-F238E27FC236}">
+                <a16:creationId xmlns:a16="http://schemas.microsoft.com/office/drawing/2014/main" id="{2F62DF43-D604-99F3-2CE8-B823D49D8FB9}"/>
+              </a:ext>
+            </a:extLst>
+          </p:cNvPr>
+          <p:cNvSpPr>
+            <a:spLocks noGrp="1" noChangeArrowheads="1"/>
+          </p:cNvSpPr>
+          <p:nvPr>
+            <p:ph type="subTitle" idx="1"/>
+          </p:nvPr>
+        </p:nvSpPr>
+        <p:spPr bwMode="auto">
+          <a:prstGeom prst="rect">
+            <a:avLst/>
+          </a:prstGeom>
+          <a:noFill/>
+          <a:ln>
+            <a:noFill/>
+          </a:ln>
+          <a:effectLst/>
+          <a:extLst>
+            <a:ext uri="{909E8E84-426E-40DD-AFC4-6F175D3DCCD1}">
+              <a14:hiddenFill xmlns:a14="http://schemas.microsoft.com/office/drawing/2010/main">
+                <a:solidFill>
+                  <a:schemeClr val="accent1"/>
+                </a:solidFill>
+              </a14:hiddenFill>
+            </a:ext>
+            <a:ext uri="{91240B29-F687-4F45-9708-019B960494DF}">
+              <a14:hiddenLine xmlns:a14="http://schemas.microsoft.com/office/drawing/2010/main" w="9525">
+                <a:solidFill>
+                  <a:schemeClr val="tx1"/>
+                </a:solidFill>
+                <a:miter lim="800000"/>
+                <a:headEnd/>
+                <a:tailEnd/>
+              </a14:hiddenLine>
+            </a:ext>
+            <a:ext uri="{AF507438-7753-43E0-B8FC-AC1667EBCBE1}">
+              <a14:hiddenEffects xmlns:a14="http://schemas.microsoft.com/office/drawing/2010/main">
+                <a:effectLst>
+                  <a:outerShdw dist="35921" dir="2700000" algn="ctr" rotWithShape="0">
+                    <a:schemeClr val="bg2"/>
+                  </a:outerShdw>
+                </a:effectLst>
+              </a14:hiddenEffects>
+            </a:ext>
+          </a:extLst>
+        </p:spPr>
+        <p:txBody>
+          <a:bodyPr vert="horz" wrap="none" lIns="0" tIns="0" rIns="0" bIns="0" numCol="1" anchor="ctr" anchorCtr="0" compatLnSpc="1">
+            <a:prstTxWarp prst="textNoShape">
+              <a:avLst/>
+            </a:prstTxWarp>
+            <a:spAutoFit/>
+          </a:bodyPr>
+          <a:lstStyle>
+            <a:lvl1pPr eaLnBrk="0" fontAlgn="base" hangingPunct="0">
+              <a:spcBef>
+                <a:spcPct val="0"/>
+              </a:spcBef>
+              <a:spcAft>
+                <a:spcPct val="0"/>
+              </a:spcAft>
+              <a:defRPr>
+                <a:solidFill>
+                  <a:schemeClr val="tx1"/>
+                </a:solidFill>
+                <a:latin typeface="Arial" panose="020B0604020202020204" pitchFamily="34" charset="0"/>
+              </a:defRPr>
+            </a:lvl1pPr>
+            <a:lvl2pPr eaLnBrk="0" fontAlgn="base" hangingPunct="0">
+              <a:spcBef>
+                <a:spcPct val="0"/>
+              </a:spcBef>
+              <a:spcAft>
+                <a:spcPct val="0"/>
+              </a:spcAft>
+              <a:defRPr>
+                <a:solidFill>
+                  <a:schemeClr val="tx1"/>
+                </a:solidFill>
+                <a:latin typeface="Arial" panose="020B0604020202020204" pitchFamily="34" charset="0"/>
+              </a:defRPr>
+            </a:lvl2pPr>
+            <a:lvl3pPr eaLnBrk="0" fontAlgn="base" hangingPunct="0">
+              <a:spcBef>
+                <a:spcPct val="0"/>
+              </a:spcBef>
+              <a:spcAft>
+                <a:spcPct val="0"/>
+              </a:spcAft>
+              <a:defRPr>
+                <a:solidFill>
+                  <a:schemeClr val="tx1"/>
+                </a:solidFill>
+                <a:latin typeface="Arial" panose="020B0604020202020204" pitchFamily="34" charset="0"/>
+              </a:defRPr>
+            </a:lvl3pPr>
+            <a:lvl4pPr eaLnBrk="0" fontAlgn="base" hangingPunct="0">
+              <a:spcBef>
+                <a:spcPct val="0"/>
+              </a:spcBef>
+              <a:spcAft>
+                <a:spcPct val="0"/>
+              </a:spcAft>
+              <a:defRPr>
+                <a:solidFill>
+                  <a:schemeClr val="tx1"/>
+                </a:solidFill>
+                <a:latin typeface="Arial" panose="020B0604020202020204" pitchFamily="34" charset="0"/>
+              </a:defRPr>
+            </a:lvl4pPr>
+            <a:lvl5pPr eaLnBrk="0" fontAlgn="base" hangingPunct="0">
+              <a:spcBef>
+                <a:spcPct val="0"/>
+              </a:spcBef>
+              <a:spcAft>
+                <a:spcPct val="0"/>
+              </a:spcAft>
+              <a:defRPr>
+                <a:solidFill>
+                  <a:schemeClr val="tx1"/>
+                </a:solidFill>
+                <a:latin typeface="Arial" panose="020B0604020202020204" pitchFamily="34" charset="0"/>
+              </a:defRPr>
+            </a:lvl5pPr>
+            <a:lvl6pPr eaLnBrk="0" fontAlgn="base" hangingPunct="0">
+              <a:spcBef>
+                <a:spcPct val="0"/>
+              </a:spcBef>
+              <a:spcAft>
+                <a:spcPct val="0"/>
+              </a:spcAft>
+              <a:defRPr>
+                <a:solidFill>
+                  <a:schemeClr val="tx1"/>
+                </a:solidFill>
+                <a:latin typeface="Arial" panose="020B0604020202020204" pitchFamily="34" charset="0"/>
+              </a:defRPr>
+            </a:lvl6pPr>
+            <a:lvl7pPr eaLnBrk="0" fontAlgn="base" hangingPunct="0">
+              <a:spcBef>
+                <a:spcPct val="0"/>
+              </a:spcBef>
+              <a:spcAft>
+                <a:spcPct val="0"/>
+              </a:spcAft>
+              <a:defRPr>
+                <a:solidFill>
+                  <a:schemeClr val="tx1"/>
+                </a:solidFill>
+                <a:latin typeface="Arial" panose="020B0604020202020204" pitchFamily="34" charset="0"/>
+              </a:defRPr>
+            </a:lvl7pPr>
+            <a:lvl8pPr eaLnBrk="0" fontAlgn="base" hangingPunct="0">
+              <a:spcBef>
+                <a:spcPct val="0"/>
+              </a:spcBef>
+              <a:spcAft>
+                <a:spcPct val="0"/>
+              </a:spcAft>
+              <a:defRPr>
+                <a:solidFill>
+                  <a:schemeClr val="tx1"/>
+                </a:solidFill>
+                <a:latin typeface="Arial" panose="020B0604020202020204" pitchFamily="34" charset="0"/>
+              </a:defRPr>
+            </a:lvl8pPr>
+            <a:lvl9pPr eaLnBrk="0" fontAlgn="base" hangingPunct="0">
+              <a:spcBef>
+                <a:spcPct val="0"/>
+              </a:spcBef>
+              <a:spcAft>
+                <a:spcPct val="0"/>
+              </a:spcAft>
+              <a:defRPr>
+                <a:solidFill>
+                  <a:schemeClr val="tx1"/>
+                </a:solidFill>
+                <a:latin typeface="Arial" panose="020B0604020202020204" pitchFamily="34" charset="0"/>
+              </a:defRPr>
+            </a:lvl9pPr>
+          </a:lstStyle>
+          <a:p>
+            <a:pPr marL="0" marR="0" lvl="0" indent="0" algn="l" defTabSz="914400" rtl="0" eaLnBrk="0" fontAlgn="base" latinLnBrk="0" hangingPunct="0">
+              <a:lnSpc>
+                <a:spcPct val="100000"/>
+              </a:lnSpc>
+              <a:spcBef>
+                <a:spcPct val="0"/>
+              </a:spcBef>
+              <a:spcAft>
+                <a:spcPct val="0"/>
+              </a:spcAft>
+              <a:buClrTx/>
+              <a:buSzTx/>
+              <a:buFontTx/>
+              <a:buNone/>
+              <a:tabLst/>
+            </a:pPr>
+            <a:r>
+              <a:rPr kumimoji="0" lang="en-US" altLang="en-US" sz="1000" b="0" i="0" u="none" strike="noStrike" cap="none" normalizeH="0" baseline="0">
+                <a:ln>
+                  <a:noFill/>
+                </a:ln>
+                <a:solidFill>
+                  <a:srgbClr val="000000"/>
+                </a:solidFill>
+                <a:effectLst/>
+                <a:latin typeface="Courier New" panose="02070309020205020404" pitchFamily="49" charset="0"/>
+                <a:cs typeface="Courier New" panose="02070309020205020404" pitchFamily="49" charset="0"/>
+              </a:rPr>
+              <a:t>Ttest_indResult(statistic=0.3639356095616046, pvalue=0.7393726990881611)</a:t>
+            </a:r>
+            <a:endParaRPr kumimoji="0" lang="en-US" altLang="en-US" sz="800" b="0" i="0" u="none" strike="noStrike" cap="none" normalizeH="0" baseline="0">
+              <a:ln>
+                <a:noFill/>
+              </a:ln>
+              <a:solidFill>
+                <a:schemeClr val="tx1"/>
+              </a:solidFill>
+              <a:effectLst/>
+            </a:endParaRPr>
+          </a:p>
+          <a:p>
+            <a:pPr marL="0" marR="0" lvl="0" indent="0" algn="l" defTabSz="914400" rtl="0" eaLnBrk="0" fontAlgn="base" latinLnBrk="0" hangingPunct="0">
+              <a:lnSpc>
+                <a:spcPct val="100000"/>
+              </a:lnSpc>
+              <a:spcBef>
+                <a:spcPct val="0"/>
+              </a:spcBef>
+              <a:spcAft>
+                <a:spcPct val="0"/>
+              </a:spcAft>
+              <a:buClrTx/>
+              <a:buSzTx/>
+              <a:buFontTx/>
+              <a:buNone/>
+              <a:tabLst/>
+            </a:pPr>
+            <a:r>
+              <a:rPr kumimoji="0" lang="en-US" altLang="en-US" sz="1000" b="0" i="0" u="none" strike="noStrike" cap="none" normalizeH="0" baseline="0">
+                <a:ln>
+                  <a:noFill/>
+                </a:ln>
+                <a:solidFill>
+                  <a:srgbClr val="303F9F"/>
+                </a:solidFill>
+                <a:effectLst/>
+                <a:latin typeface="Courier New" panose="02070309020205020404" pitchFamily="49" charset="0"/>
+                <a:cs typeface="Courier New" panose="02070309020205020404" pitchFamily="49" charset="0"/>
+              </a:rPr>
+              <a:t>In [55]:</a:t>
+            </a:r>
+            <a:endParaRPr kumimoji="0" lang="en-US" altLang="en-US" sz="1000" b="0" i="0" u="none" strike="noStrike" cap="none" normalizeH="0" baseline="0">
+              <a:ln>
+                <a:noFill/>
+              </a:ln>
+              <a:solidFill>
+                <a:srgbClr val="000000"/>
+              </a:solidFill>
+              <a:effectLst/>
+              <a:latin typeface="Helvetica Neue"/>
+            </a:endParaRPr>
+          </a:p>
+          <a:p>
+            <a:pPr marL="0" marR="0" lvl="0" indent="0" algn="l" defTabSz="914400" rtl="0" eaLnBrk="0" fontAlgn="base" latinLnBrk="0" hangingPunct="0">
+              <a:lnSpc>
+                <a:spcPct val="100000"/>
+              </a:lnSpc>
+              <a:spcBef>
+                <a:spcPct val="0"/>
+              </a:spcBef>
+              <a:spcAft>
+                <a:spcPct val="0"/>
+              </a:spcAft>
+              <a:buClrTx/>
+              <a:buSzTx/>
+              <a:buFontTx/>
+              <a:buNone/>
+              <a:tabLst/>
+            </a:pPr>
+            <a:br>
+              <a:rPr kumimoji="0" lang="en-US" altLang="en-US" sz="800" b="0" i="0" u="none" strike="noStrike" cap="none" normalizeH="0" baseline="0">
+                <a:ln>
+                  <a:noFill/>
+                </a:ln>
+                <a:solidFill>
+                  <a:schemeClr val="tx1"/>
+                </a:solidFill>
+                <a:effectLst/>
+              </a:rPr>
+            </a:br>
+            <a:endParaRPr kumimoji="0" lang="en-US" altLang="en-US" sz="1800" b="0" i="0" u="none" strike="noStrike" cap="none" normalizeH="0" baseline="0">
+              <a:ln>
+                <a:noFill/>
+              </a:ln>
+              <a:solidFill>
+                <a:schemeClr val="tx1"/>
+              </a:solidFill>
+              <a:effectLst/>
+              <a:latin typeface="Arial" panose="020B0604020202020204" pitchFamily="34" charset="0"/>
+            </a:endParaRPr>
+          </a:p>
+        </p:txBody>
+      </p:sp>
+    </p:spTree>
+    <p:extLst>
+      <p:ext uri="{BB962C8B-B14F-4D97-AF65-F5344CB8AC3E}">
+        <p14:creationId xmlns:p14="http://schemas.microsoft.com/office/powerpoint/2010/main" val="1767379427"/>
+      </p:ext>
+    </p:extLst>
+  </p:cSld>
+  <p:clrMapOvr>
+    <a:masterClrMapping/>
+  </p:clrMapOvr>
+</p:sld>
+</file>
+
+<file path=ppt/slides/slide15.xml><?xml version="1.0" encoding="utf-8"?>
+<p:sld xmlns:a="http://schemas.openxmlformats.org/drawingml/2006/main" xmlns:r="http://schemas.openxmlformats.org/officeDocument/2006/relationships" xmlns:p="http://schemas.openxmlformats.org/presentationml/2006/main">
+  <p:cSld>
+    <p:spTree>
+      <p:nvGrpSpPr>
+        <p:cNvPr id="1" name=""/>
+        <p:cNvGrpSpPr/>
+        <p:nvPr/>
+      </p:nvGrpSpPr>
+      <p:grpSpPr>
+        <a:xfrm>
+          <a:off x="0" y="0"/>
+          <a:ext cx="0" cy="0"/>
+          <a:chOff x="0" y="0"/>
+          <a:chExt cx="0" cy="0"/>
+        </a:xfrm>
+      </p:grpSpPr>
+      <p:sp>
+        <p:nvSpPr>
+          <p:cNvPr id="2" name="Title 1">
+            <a:extLst>
+              <a:ext uri="{FF2B5EF4-FFF2-40B4-BE49-F238E27FC236}">
+                <a16:creationId xmlns:a16="http://schemas.microsoft.com/office/drawing/2014/main" id="{3E1E897B-53E9-80A3-0CC8-3A299E1E2644}"/>
+              </a:ext>
+            </a:extLst>
+          </p:cNvPr>
+          <p:cNvSpPr>
+            <a:spLocks noGrp="1"/>
+          </p:cNvSpPr>
+          <p:nvPr>
+            <p:ph type="title"/>
+          </p:nvPr>
+        </p:nvSpPr>
+        <p:spPr/>
+        <p:txBody>
+          <a:bodyPr>
+            <a:normAutofit fontScale="90000"/>
+          </a:bodyPr>
+          <a:lstStyle/>
+          <a:p>
+            <a:r>
+              <a:rPr lang="en-US" b="1" i="0" dirty="0">
+                <a:solidFill>
+                  <a:srgbClr val="000000"/>
+                </a:solidFill>
+                <a:effectLst/>
+                <a:latin typeface="Helvetica Neue"/>
+              </a:rPr>
+              <a:t>Break down of injuries per team and per year (2012 to 2014)</a:t>
+            </a:r>
+            <a:br>
+              <a:rPr lang="en-US" b="1" i="0" dirty="0">
+                <a:solidFill>
+                  <a:srgbClr val="000000"/>
+                </a:solidFill>
+                <a:effectLst/>
+                <a:latin typeface="Helvetica Neue"/>
+              </a:rPr>
+            </a:br>
+            <a:endParaRPr lang="en-US" dirty="0"/>
+          </a:p>
+        </p:txBody>
+      </p:sp>
+      <p:pic>
+        <p:nvPicPr>
+          <p:cNvPr id="9" name="Content Placeholder 8">
+            <a:extLst>
+              <a:ext uri="{FF2B5EF4-FFF2-40B4-BE49-F238E27FC236}">
+                <a16:creationId xmlns:a16="http://schemas.microsoft.com/office/drawing/2014/main" id="{53C4A5E9-54E9-5E79-3B27-C79F6F529A98}"/>
+              </a:ext>
+            </a:extLst>
+          </p:cNvPr>
+          <p:cNvPicPr>
+            <a:picLocks noGrp="1" noChangeAspect="1"/>
+          </p:cNvPicPr>
+          <p:nvPr>
+            <p:ph idx="1"/>
+          </p:nvPr>
+        </p:nvPicPr>
+        <p:blipFill>
+          <a:blip r:embed="rId2"/>
+          <a:stretch>
+            <a:fillRect/>
+          </a:stretch>
+        </p:blipFill>
+        <p:spPr>
+          <a:xfrm>
+            <a:off x="1451579" y="2016125"/>
+            <a:ext cx="4764583" cy="3449638"/>
+          </a:xfrm>
+        </p:spPr>
+      </p:pic>
+      <p:sp>
+        <p:nvSpPr>
+          <p:cNvPr id="10" name="TextBox 9">
+            <a:extLst>
+              <a:ext uri="{FF2B5EF4-FFF2-40B4-BE49-F238E27FC236}">
+                <a16:creationId xmlns:a16="http://schemas.microsoft.com/office/drawing/2014/main" id="{7382B027-20F8-240D-2040-1110C387D64F}"/>
+              </a:ext>
+            </a:extLst>
+          </p:cNvPr>
+          <p:cNvSpPr txBox="1"/>
+          <p:nvPr/>
+        </p:nvSpPr>
+        <p:spPr>
+          <a:xfrm>
+            <a:off x="6840415" y="2611315"/>
+            <a:ext cx="184731" cy="369332"/>
+          </a:xfrm>
+          <a:prstGeom prst="rect">
+            <a:avLst/>
+          </a:prstGeom>
+          <a:noFill/>
+        </p:spPr>
+        <p:txBody>
+          <a:bodyPr wrap="none" rtlCol="0">
+            <a:spAutoFit/>
+          </a:bodyPr>
+          <a:lstStyle/>
+          <a:p>
+            <a:endParaRPr lang="en-US" dirty="0"/>
+          </a:p>
+        </p:txBody>
+      </p:sp>
+      <p:pic>
+        <p:nvPicPr>
+          <p:cNvPr id="12" name="Picture 11">
+            <a:extLst>
+              <a:ext uri="{FF2B5EF4-FFF2-40B4-BE49-F238E27FC236}">
+                <a16:creationId xmlns:a16="http://schemas.microsoft.com/office/drawing/2014/main" id="{72915077-40AF-5B40-8200-5454773A9626}"/>
+              </a:ext>
+            </a:extLst>
+          </p:cNvPr>
+          <p:cNvPicPr>
+            <a:picLocks noChangeAspect="1"/>
+          </p:cNvPicPr>
+          <p:nvPr/>
+        </p:nvPicPr>
+        <p:blipFill>
+          <a:blip r:embed="rId3"/>
+          <a:stretch>
+            <a:fillRect/>
+          </a:stretch>
+        </p:blipFill>
+        <p:spPr>
+          <a:xfrm>
+            <a:off x="7025146" y="1935859"/>
+            <a:ext cx="3010834" cy="3882989"/>
+          </a:xfrm>
+          <a:prstGeom prst="rect">
+            <a:avLst/>
+          </a:prstGeom>
+        </p:spPr>
+      </p:pic>
+    </p:spTree>
+    <p:extLst>
+      <p:ext uri="{BB962C8B-B14F-4D97-AF65-F5344CB8AC3E}">
+        <p14:creationId xmlns:p14="http://schemas.microsoft.com/office/powerpoint/2010/main" val="1773774158"/>
+      </p:ext>
+    </p:extLst>
+  </p:cSld>
+  <p:clrMapOvr>
+    <a:masterClrMapping/>
+  </p:clrMapOvr>
+</p:sld>
+</file>
+
+<file path=ppt/slides/slide16.xml><?xml version="1.0" encoding="utf-8"?>
+<p:sld xmlns:a="http://schemas.openxmlformats.org/drawingml/2006/main" xmlns:r="http://schemas.openxmlformats.org/officeDocument/2006/relationships" xmlns:p="http://schemas.openxmlformats.org/presentationml/2006/main">
+  <p:cSld>
+    <p:spTree>
+      <p:nvGrpSpPr>
+        <p:cNvPr id="1" name=""/>
+        <p:cNvGrpSpPr/>
+        <p:nvPr/>
+      </p:nvGrpSpPr>
+      <p:grpSpPr>
+        <a:xfrm>
+          <a:off x="0" y="0"/>
+          <a:ext cx="0" cy="0"/>
+          <a:chOff x="0" y="0"/>
+          <a:chExt cx="0" cy="0"/>
+        </a:xfrm>
+      </p:grpSpPr>
+      <p:sp>
+        <p:nvSpPr>
+          <p:cNvPr id="3" name="Text Placeholder 2">
+            <a:extLst>
+              <a:ext uri="{FF2B5EF4-FFF2-40B4-BE49-F238E27FC236}">
+                <a16:creationId xmlns:a16="http://schemas.microsoft.com/office/drawing/2014/main" id="{D851C395-6BC4-4F00-B40B-069DBBB7C08B}"/>
+              </a:ext>
+            </a:extLst>
+          </p:cNvPr>
+          <p:cNvSpPr>
+            <a:spLocks noGrp="1"/>
+          </p:cNvSpPr>
+          <p:nvPr>
+            <p:ph type="body" idx="1"/>
+          </p:nvPr>
+        </p:nvSpPr>
+        <p:spPr>
+          <a:xfrm>
+            <a:off x="838200" y="3920994"/>
+            <a:ext cx="2882475" cy="823912"/>
+          </a:xfrm>
+        </p:spPr>
+        <p:txBody>
+          <a:bodyPr/>
+          <a:lstStyle/>
+          <a:p>
+            <a:r>
+              <a:rPr lang="en-US" dirty="0"/>
+              <a:t>Further Research</a:t>
+            </a:r>
+          </a:p>
+        </p:txBody>
+      </p:sp>
+      <p:sp>
+        <p:nvSpPr>
+          <p:cNvPr id="4" name="Content Placeholder 3">
+            <a:extLst>
+              <a:ext uri="{FF2B5EF4-FFF2-40B4-BE49-F238E27FC236}">
+                <a16:creationId xmlns:a16="http://schemas.microsoft.com/office/drawing/2014/main" id="{A1D16151-9486-4A03-AE3A-F1CC562E0564}"/>
+              </a:ext>
+            </a:extLst>
+          </p:cNvPr>
+          <p:cNvSpPr>
+            <a:spLocks noGrp="1"/>
+          </p:cNvSpPr>
+          <p:nvPr>
+            <p:ph sz="half" idx="2"/>
+          </p:nvPr>
+        </p:nvSpPr>
+        <p:spPr>
+          <a:xfrm>
+            <a:off x="838200" y="4723608"/>
+            <a:ext cx="6061936" cy="1997867"/>
+          </a:xfrm>
+        </p:spPr>
+        <p:txBody>
+          <a:bodyPr>
+            <a:normAutofit/>
+          </a:bodyPr>
+          <a:lstStyle/>
+          <a:p>
+            <a:pPr marL="285750" indent="-285750">
+              <a:buFont typeface="Arial" panose="020B0604020202020204" pitchFamily="34" charset="0"/>
+              <a:buChar char="•"/>
+            </a:pPr>
+            <a:r>
+              <a:rPr lang="en-US" dirty="0"/>
+              <a:t>Increases size of dataset</a:t>
+            </a:r>
+          </a:p>
+          <a:p>
+            <a:pPr marL="742950" lvl="1" indent="-285750">
+              <a:buFont typeface="Arial" panose="020B0604020202020204" pitchFamily="34" charset="0"/>
+              <a:buChar char="•"/>
+            </a:pPr>
+            <a:r>
+              <a:rPr lang="en-US" dirty="0"/>
+              <a:t>Original dataset is small</a:t>
+            </a:r>
+          </a:p>
+          <a:p>
+            <a:pPr marL="285750" indent="-285750">
+              <a:buFont typeface="Arial" panose="020B0604020202020204" pitchFamily="34" charset="0"/>
+              <a:buChar char="•"/>
+            </a:pPr>
+            <a:r>
+              <a:rPr lang="en-US" dirty="0"/>
+              <a:t>Determine number of players with head injuries </a:t>
+            </a:r>
+          </a:p>
+          <a:p>
+            <a:pPr marL="285750" indent="-285750">
+              <a:buFont typeface="Arial" panose="020B0604020202020204" pitchFamily="34" charset="0"/>
+              <a:buChar char="•"/>
+            </a:pPr>
+            <a:r>
+              <a:rPr lang="en-US" dirty="0"/>
+              <a:t>See if there was a NFL change in 2014 that decreased head injuries</a:t>
+            </a:r>
+          </a:p>
+        </p:txBody>
+      </p:sp>
+      <p:sp>
+        <p:nvSpPr>
+          <p:cNvPr id="5" name="Text Placeholder 4">
+            <a:extLst>
+              <a:ext uri="{FF2B5EF4-FFF2-40B4-BE49-F238E27FC236}">
+                <a16:creationId xmlns:a16="http://schemas.microsoft.com/office/drawing/2014/main" id="{DDE59236-37DD-4582-A2A0-3F9A13A3B55D}"/>
+              </a:ext>
+            </a:extLst>
+          </p:cNvPr>
+          <p:cNvSpPr>
+            <a:spLocks noGrp="1"/>
+          </p:cNvSpPr>
+          <p:nvPr>
+            <p:ph type="body" sz="quarter" idx="3"/>
+          </p:nvPr>
+        </p:nvSpPr>
+        <p:spPr>
+          <a:xfrm>
+            <a:off x="8040569" y="405448"/>
+            <a:ext cx="2896671" cy="823912"/>
+          </a:xfrm>
+        </p:spPr>
+        <p:txBody>
+          <a:bodyPr/>
+          <a:lstStyle/>
+          <a:p>
+            <a:r>
+              <a:rPr lang="en-US" dirty="0"/>
+              <a:t>Question Answers</a:t>
+            </a:r>
+          </a:p>
+        </p:txBody>
+      </p:sp>
+      <p:sp>
+        <p:nvSpPr>
+          <p:cNvPr id="6" name="Content Placeholder 5">
+            <a:extLst>
+              <a:ext uri="{FF2B5EF4-FFF2-40B4-BE49-F238E27FC236}">
+                <a16:creationId xmlns:a16="http://schemas.microsoft.com/office/drawing/2014/main" id="{DE1CCF0F-F0BB-42D7-B3C2-C29336739F32}"/>
+              </a:ext>
+            </a:extLst>
+          </p:cNvPr>
+          <p:cNvSpPr>
+            <a:spLocks noGrp="1"/>
+          </p:cNvSpPr>
+          <p:nvPr>
+            <p:ph sz="quarter" idx="4"/>
+          </p:nvPr>
+        </p:nvSpPr>
+        <p:spPr>
+          <a:xfrm>
+            <a:off x="7051040" y="1616895"/>
+            <a:ext cx="5872480" cy="3026726"/>
+          </a:xfrm>
+        </p:spPr>
+        <p:txBody>
+          <a:bodyPr>
+            <a:normAutofit fontScale="92500" lnSpcReduction="20000"/>
+          </a:bodyPr>
+          <a:lstStyle/>
+          <a:p>
+            <a:pPr marL="285750" indent="-285750">
+              <a:buFont typeface="Arial" panose="020B0604020202020204" pitchFamily="34" charset="0"/>
+              <a:buChar char="•"/>
+            </a:pPr>
+            <a:r>
+              <a:rPr lang="en-US" dirty="0"/>
+              <a:t>How long were players out? (Determined by examining number of games missed) </a:t>
+            </a:r>
+          </a:p>
+          <a:p>
+            <a:pPr marL="285750" indent="-285750">
+              <a:buFont typeface="Arial" panose="020B0604020202020204" pitchFamily="34" charset="0"/>
+              <a:buChar char="•"/>
+            </a:pPr>
+            <a:r>
+              <a:rPr lang="en-US" dirty="0"/>
+              <a:t>How did the injury affect the player’s playtime? </a:t>
+            </a:r>
+          </a:p>
+          <a:p>
+            <a:pPr marL="742950" lvl="1" indent="-285750">
+              <a:buFont typeface="Arial" panose="020B0604020202020204" pitchFamily="34" charset="0"/>
+              <a:buChar char="•"/>
+            </a:pPr>
+            <a:r>
+              <a:rPr lang="en-US" dirty="0"/>
+              <a:t>Statistically significantly deceases playtime</a:t>
+            </a:r>
+          </a:p>
+          <a:p>
+            <a:pPr marL="285750" indent="-285750">
+              <a:buFont typeface="Arial" panose="020B0604020202020204" pitchFamily="34" charset="0"/>
+              <a:buChar char="•"/>
+            </a:pPr>
+            <a:r>
+              <a:rPr lang="en-US" dirty="0"/>
+              <a:t>What position gets the most concussions on both offense and defense?</a:t>
+            </a:r>
+          </a:p>
+          <a:p>
+            <a:pPr marL="742950" lvl="1" indent="-285750">
+              <a:buFont typeface="Arial" panose="020B0604020202020204" pitchFamily="34" charset="0"/>
+              <a:buChar char="•"/>
+            </a:pPr>
+            <a:r>
+              <a:rPr lang="en-US" dirty="0"/>
+              <a:t>Offense: Wide Receiver</a:t>
+            </a:r>
+          </a:p>
+          <a:p>
+            <a:pPr marL="742950" lvl="1" indent="-285750">
+              <a:buFont typeface="Arial" panose="020B0604020202020204" pitchFamily="34" charset="0"/>
+              <a:buChar char="•"/>
+            </a:pPr>
+            <a:r>
+              <a:rPr lang="en-US" dirty="0"/>
+              <a:t>Defense: Cornerback </a:t>
+            </a:r>
+          </a:p>
+          <a:p>
+            <a:pPr marL="285750" indent="-285750">
+              <a:buFont typeface="Arial" panose="020B0604020202020204" pitchFamily="34" charset="0"/>
+              <a:buChar char="•"/>
+            </a:pPr>
+            <a:r>
+              <a:rPr lang="en-US" dirty="0"/>
+              <a:t>How did the team fare (win or lose?) when they had a player with a head injury?</a:t>
+            </a:r>
+          </a:p>
+          <a:p>
+            <a:pPr marL="285750" indent="-285750">
+              <a:buFont typeface="Arial" panose="020B0604020202020204" pitchFamily="34" charset="0"/>
+              <a:buChar char="•"/>
+            </a:pPr>
+            <a:r>
+              <a:rPr lang="en-US" dirty="0"/>
+              <a:t>What team is most prone to concussions?</a:t>
+            </a:r>
+          </a:p>
+          <a:p>
+            <a:pPr marL="742950" lvl="1" indent="-285750">
+              <a:buFont typeface="Arial" panose="020B0604020202020204" pitchFamily="34" charset="0"/>
+              <a:buChar char="•"/>
+            </a:pPr>
+            <a:r>
+              <a:rPr lang="en-US" dirty="0"/>
+              <a:t>Jacksonville Jaguars</a:t>
+            </a:r>
+          </a:p>
+          <a:p>
+            <a:pPr marL="285750" indent="-285750">
+              <a:buFont typeface="Arial" panose="020B0604020202020204" pitchFamily="34" charset="0"/>
+              <a:buChar char="•"/>
+            </a:pPr>
+            <a:r>
+              <a:rPr lang="en-US" dirty="0"/>
+              <a:t>What team inflicted the most concussions? </a:t>
+            </a:r>
+          </a:p>
+        </p:txBody>
+      </p:sp>
+      <p:sp>
+        <p:nvSpPr>
+          <p:cNvPr id="9" name="Date Placeholder 8">
+            <a:extLst>
+              <a:ext uri="{FF2B5EF4-FFF2-40B4-BE49-F238E27FC236}">
+                <a16:creationId xmlns:a16="http://schemas.microsoft.com/office/drawing/2014/main" id="{B86AD343-7149-4E7C-BD28-3080F25980CF}"/>
+              </a:ext>
+            </a:extLst>
+          </p:cNvPr>
+          <p:cNvSpPr>
+            <a:spLocks noGrp="1"/>
+          </p:cNvSpPr>
+          <p:nvPr>
+            <p:ph type="dt" sz="half" idx="10"/>
+          </p:nvPr>
+        </p:nvSpPr>
+        <p:spPr>
+          <a:xfrm>
+            <a:off x="838200" y="6356350"/>
+            <a:ext cx="2743200" cy="365125"/>
+          </a:xfrm>
+        </p:spPr>
+        <p:txBody>
+          <a:bodyPr/>
+          <a:lstStyle/>
+          <a:p>
+            <a:r>
+              <a:rPr lang="en-US" dirty="0"/>
+              <a:t>20XX</a:t>
+            </a:r>
+          </a:p>
+        </p:txBody>
+      </p:sp>
+      <p:sp>
+        <p:nvSpPr>
+          <p:cNvPr id="10" name="Footer Placeholder 9">
+            <a:extLst>
+              <a:ext uri="{FF2B5EF4-FFF2-40B4-BE49-F238E27FC236}">
+                <a16:creationId xmlns:a16="http://schemas.microsoft.com/office/drawing/2014/main" id="{A865CC01-A53B-495A-820C-BEC2680EDC42}"/>
+              </a:ext>
+            </a:extLst>
+          </p:cNvPr>
+          <p:cNvSpPr>
+            <a:spLocks noGrp="1"/>
+          </p:cNvSpPr>
+          <p:nvPr>
+            <p:ph type="ftr" sz="quarter" idx="11"/>
+          </p:nvPr>
+        </p:nvSpPr>
+        <p:spPr>
+          <a:xfrm>
+            <a:off x="4038600" y="6356350"/>
+            <a:ext cx="4114800" cy="365125"/>
+          </a:xfrm>
+        </p:spPr>
+        <p:txBody>
+          <a:bodyPr/>
+          <a:lstStyle/>
+          <a:p>
+            <a:r>
+              <a:rPr lang="en-US" dirty="0"/>
+              <a:t>PRESENTATION TITLE</a:t>
+            </a:r>
+          </a:p>
+        </p:txBody>
+      </p:sp>
+      <p:sp>
+        <p:nvSpPr>
+          <p:cNvPr id="11" name="Slide Number Placeholder 10">
+            <a:extLst>
+              <a:ext uri="{FF2B5EF4-FFF2-40B4-BE49-F238E27FC236}">
+                <a16:creationId xmlns:a16="http://schemas.microsoft.com/office/drawing/2014/main" id="{7AE81C1E-A7C3-40CD-9C11-0C03A2221292}"/>
+              </a:ext>
+            </a:extLst>
+          </p:cNvPr>
+          <p:cNvSpPr>
+            <a:spLocks noGrp="1"/>
+          </p:cNvSpPr>
+          <p:nvPr>
+            <p:ph type="sldNum" sz="quarter" idx="12"/>
+          </p:nvPr>
+        </p:nvSpPr>
+        <p:spPr>
+          <a:xfrm>
+            <a:off x="8610600" y="6356350"/>
+            <a:ext cx="2743200" cy="365125"/>
+          </a:xfrm>
+        </p:spPr>
+        <p:txBody>
+          <a:bodyPr/>
+          <a:lstStyle/>
+          <a:p>
+            <a:fld id="{A49DFD55-3C28-40EF-9E31-A92D2E4017FF}" type="slidenum">
+              <a:rPr lang="en-US" smtClean="0"/>
+              <a:pPr/>
+              <a:t>16</a:t>
+            </a:fld>
+            <a:endParaRPr lang="en-US" dirty="0"/>
+          </a:p>
+        </p:txBody>
+      </p:sp>
+      <p:pic>
+        <p:nvPicPr>
+          <p:cNvPr id="16" name="Picture 15">
+            <a:extLst>
+              <a:ext uri="{FF2B5EF4-FFF2-40B4-BE49-F238E27FC236}">
+                <a16:creationId xmlns:a16="http://schemas.microsoft.com/office/drawing/2014/main" id="{93A5161F-091B-DA74-79CE-C5D715324E75}"/>
+              </a:ext>
+            </a:extLst>
+          </p:cNvPr>
+          <p:cNvPicPr>
+            <a:picLocks noChangeAspect="1"/>
+          </p:cNvPicPr>
+          <p:nvPr/>
+        </p:nvPicPr>
+        <p:blipFill>
+          <a:blip r:embed="rId2"/>
+          <a:stretch>
+            <a:fillRect/>
+          </a:stretch>
+        </p:blipFill>
+        <p:spPr>
+          <a:xfrm>
+            <a:off x="-173943" y="-1"/>
+            <a:ext cx="6269943" cy="4429669"/>
+          </a:xfrm>
+          <a:prstGeom prst="rect">
+            <a:avLst/>
+          </a:prstGeom>
+        </p:spPr>
+      </p:pic>
+    </p:spTree>
+    <p:extLst>
+      <p:ext uri="{BB962C8B-B14F-4D97-AF65-F5344CB8AC3E}">
+        <p14:creationId xmlns:p14="http://schemas.microsoft.com/office/powerpoint/2010/main" val="1429429409"/>
+      </p:ext>
+    </p:extLst>
+  </p:cSld>
+  <p:clrMapOvr>
+    <a:masterClrMapping/>
+  </p:clrMapOvr>
+</p:sld>
+</file>
+
+<file path=ppt/slides/slide17.xml><?xml version="1.0" encoding="utf-8"?>
+<p:sld xmlns:a="http://schemas.openxmlformats.org/drawingml/2006/main" xmlns:r="http://schemas.openxmlformats.org/officeDocument/2006/relationships" xmlns:p="http://schemas.openxmlformats.org/presentationml/2006/main">
+  <p:cSld>
+    <p:spTree>
+      <p:nvGrpSpPr>
+        <p:cNvPr id="1" name=""/>
+        <p:cNvGrpSpPr/>
+        <p:nvPr/>
+      </p:nvGrpSpPr>
+      <p:grpSpPr>
+        <a:xfrm>
+          <a:off x="0" y="0"/>
+          <a:ext cx="0" cy="0"/>
+          <a:chOff x="0" y="0"/>
+          <a:chExt cx="0" cy="0"/>
+        </a:xfrm>
+      </p:grpSpPr>
+      <p:sp>
+        <p:nvSpPr>
+          <p:cNvPr id="2" name="Title 1">
+            <a:extLst>
+              <a:ext uri="{FF2B5EF4-FFF2-40B4-BE49-F238E27FC236}">
+                <a16:creationId xmlns:a16="http://schemas.microsoft.com/office/drawing/2014/main" id="{5C2A5588-5D44-1DA3-E506-5623A17BDFD6}"/>
+              </a:ext>
+            </a:extLst>
+          </p:cNvPr>
+          <p:cNvSpPr>
+            <a:spLocks noGrp="1"/>
+          </p:cNvSpPr>
+          <p:nvPr>
+            <p:ph type="title"/>
+          </p:nvPr>
+        </p:nvSpPr>
+        <p:spPr/>
+        <p:txBody>
+          <a:bodyPr>
+            <a:noAutofit/>
+          </a:bodyPr>
+          <a:lstStyle/>
+          <a:p>
+            <a:pPr algn="ctr"/>
+            <a:r>
+              <a:rPr lang="en-US" sz="7200" dirty="0"/>
+              <a:t>references</a:t>
+            </a:r>
+          </a:p>
+        </p:txBody>
+      </p:sp>
+      <p:sp>
+        <p:nvSpPr>
+          <p:cNvPr id="4" name="TextBox 3">
+            <a:extLst>
+              <a:ext uri="{FF2B5EF4-FFF2-40B4-BE49-F238E27FC236}">
+                <a16:creationId xmlns:a16="http://schemas.microsoft.com/office/drawing/2014/main" id="{2F28DA80-11C0-5C4D-5391-2DA1E1D947AD}"/>
+              </a:ext>
+            </a:extLst>
+          </p:cNvPr>
+          <p:cNvSpPr txBox="1"/>
+          <p:nvPr/>
+        </p:nvSpPr>
+        <p:spPr>
+          <a:xfrm>
+            <a:off x="1451579" y="2004645"/>
+            <a:ext cx="9603275" cy="3970318"/>
+          </a:xfrm>
+          <a:prstGeom prst="rect">
+            <a:avLst/>
+          </a:prstGeom>
+          <a:noFill/>
+        </p:spPr>
+        <p:txBody>
+          <a:bodyPr wrap="square" rtlCol="0">
+            <a:spAutoFit/>
+          </a:bodyPr>
+          <a:lstStyle/>
+          <a:p>
+            <a:r>
+              <a:rPr lang="en-US" dirty="0"/>
+              <a:t>Dataset:</a:t>
+            </a:r>
+          </a:p>
+          <a:p>
+            <a:r>
+              <a:rPr lang="en-US" dirty="0">
+                <a:hlinkClick r:id="rId2"/>
+              </a:rPr>
+              <a:t>https://data.world/alice-c/nfl</a:t>
+            </a:r>
+            <a:endParaRPr lang="en-US" dirty="0"/>
+          </a:p>
+          <a:p>
+            <a:endParaRPr lang="en-US" dirty="0"/>
+          </a:p>
+          <a:p>
+            <a:r>
+              <a:rPr lang="en-US" dirty="0"/>
+              <a:t>News articles:</a:t>
+            </a:r>
+          </a:p>
+          <a:p>
+            <a:r>
+              <a:rPr lang="en-US" dirty="0">
+                <a:hlinkClick r:id="rId3"/>
+              </a:rPr>
+              <a:t>https://www.pbs.org/wgbh/frontline/investigation/the-nfls-concussion-crisis/</a:t>
+            </a:r>
+            <a:endParaRPr lang="en-US" dirty="0"/>
+          </a:p>
+          <a:p>
+            <a:endParaRPr lang="en-US" dirty="0"/>
+          </a:p>
+          <a:p>
+            <a:r>
+              <a:rPr lang="en-US" dirty="0"/>
+              <a:t>NFL protocol on concussions:</a:t>
+            </a:r>
+          </a:p>
+          <a:p>
+            <a:r>
+              <a:rPr lang="en-US" dirty="0">
+                <a:hlinkClick r:id="rId4"/>
+              </a:rPr>
+              <a:t>https://www.nfl.com/playerhealthandsafety/resources/fact-sheets/nfl-head-neck-and-spine-committee-s-concussion-diagnosis-and-management-protocol</a:t>
+            </a:r>
+            <a:endParaRPr lang="en-US" dirty="0"/>
+          </a:p>
+          <a:p>
+            <a:endParaRPr lang="en-US" dirty="0"/>
+          </a:p>
+          <a:p>
+            <a:r>
+              <a:rPr lang="en-US" dirty="0"/>
+              <a:t>CDC:</a:t>
+            </a:r>
+          </a:p>
+          <a:p>
+            <a:r>
+              <a:rPr lang="en-US" dirty="0">
+                <a:hlinkClick r:id="rId5"/>
+              </a:rPr>
+              <a:t>https://www.cdc.gov/traumaticbraininjury/concussion/index.html</a:t>
+            </a:r>
+            <a:r>
+              <a:rPr lang="en-US" dirty="0"/>
+              <a:t> </a:t>
+            </a:r>
+          </a:p>
+          <a:p>
+            <a:endParaRPr lang="en-US" dirty="0"/>
+          </a:p>
+          <a:p>
+            <a:endParaRPr lang="en-US" dirty="0"/>
+          </a:p>
+        </p:txBody>
+      </p:sp>
+    </p:spTree>
+    <p:extLst>
+      <p:ext uri="{BB962C8B-B14F-4D97-AF65-F5344CB8AC3E}">
+        <p14:creationId xmlns:p14="http://schemas.microsoft.com/office/powerpoint/2010/main" val="3403377057"/>
+      </p:ext>
+    </p:extLst>
+  </p:cSld>
+  <p:clrMapOvr>
+    <a:masterClrMapping/>
+  </p:clrMapOvr>
+</p:sld>
+</file>
+
+<file path=ppt/slides/slide18.xml><?xml version="1.0" encoding="utf-8"?>
+<p:sld xmlns:a="http://schemas.openxmlformats.org/drawingml/2006/main" xmlns:r="http://schemas.openxmlformats.org/officeDocument/2006/relationships" xmlns:p="http://schemas.openxmlformats.org/presentationml/2006/main">
+  <p:cSld>
+    <p:spTree>
+      <p:nvGrpSpPr>
+        <p:cNvPr id="1" name=""/>
+        <p:cNvGrpSpPr/>
+        <p:nvPr/>
+      </p:nvGrpSpPr>
+      <p:grpSpPr>
+        <a:xfrm>
+          <a:off x="0" y="0"/>
+          <a:ext cx="0" cy="0"/>
+          <a:chOff x="0" y="0"/>
+          <a:chExt cx="0" cy="0"/>
+        </a:xfrm>
+      </p:grpSpPr>
+      <p:sp>
+        <p:nvSpPr>
+          <p:cNvPr id="2" name="Title 1">
+            <a:extLst>
+              <a:ext uri="{FF2B5EF4-FFF2-40B4-BE49-F238E27FC236}">
+                <a16:creationId xmlns:a16="http://schemas.microsoft.com/office/drawing/2014/main" id="{6560B88E-005A-7B9D-00A1-7C24B1286CC3}"/>
+              </a:ext>
+            </a:extLst>
+          </p:cNvPr>
+          <p:cNvSpPr>
+            <a:spLocks noGrp="1"/>
+          </p:cNvSpPr>
+          <p:nvPr>
+            <p:ph type="title"/>
+          </p:nvPr>
+        </p:nvSpPr>
+        <p:spPr>
+          <a:xfrm>
+            <a:off x="1390033" y="822104"/>
+            <a:ext cx="9603275" cy="1049235"/>
+          </a:xfrm>
+        </p:spPr>
+        <p:txBody>
+          <a:bodyPr>
+            <a:noAutofit/>
+          </a:bodyPr>
+          <a:lstStyle/>
+          <a:p>
+            <a:pPr algn="ctr"/>
+            <a:r>
+              <a:rPr lang="en-US" sz="7200" dirty="0"/>
+              <a:t>appendix</a:t>
+            </a:r>
+          </a:p>
+        </p:txBody>
+      </p:sp>
+    </p:spTree>
+    <p:extLst>
+      <p:ext uri="{BB962C8B-B14F-4D97-AF65-F5344CB8AC3E}">
+        <p14:creationId xmlns:p14="http://schemas.microsoft.com/office/powerpoint/2010/main" val="2591246769"/>
+      </p:ext>
+    </p:extLst>
+  </p:cSld>
+  <p:clrMapOvr>
+    <a:masterClrMapping/>
+  </p:clrMapOvr>
+</p:sld>
+</file>
+
+<file path=ppt/slides/slide19.xml><?xml version="1.0" encoding="utf-8"?>
+<p:sld xmlns:a="http://schemas.openxmlformats.org/drawingml/2006/main" xmlns:r="http://schemas.openxmlformats.org/officeDocument/2006/relationships" xmlns:p="http://schemas.openxmlformats.org/presentationml/2006/main" show="0">
+  <p:cSld>
+    <p:spTree>
+      <p:nvGrpSpPr>
+        <p:cNvPr id="1" name=""/>
+        <p:cNvGrpSpPr/>
+        <p:nvPr/>
+      </p:nvGrpSpPr>
+      <p:grpSpPr>
+        <a:xfrm>
+          <a:off x="0" y="0"/>
+          <a:ext cx="0" cy="0"/>
+          <a:chOff x="0" y="0"/>
+          <a:chExt cx="0" cy="0"/>
+        </a:xfrm>
+      </p:grpSpPr>
+      <p:sp>
+        <p:nvSpPr>
+          <p:cNvPr id="2" name="Title 1">
+            <a:extLst>
+              <a:ext uri="{FF2B5EF4-FFF2-40B4-BE49-F238E27FC236}">
+                <a16:creationId xmlns:a16="http://schemas.microsoft.com/office/drawing/2014/main" id="{ED1072FD-8D9D-1A28-236C-B121F25B9CBA}"/>
+              </a:ext>
+            </a:extLst>
+          </p:cNvPr>
+          <p:cNvSpPr>
+            <a:spLocks noGrp="1"/>
+          </p:cNvSpPr>
+          <p:nvPr>
+            <p:ph type="title"/>
+          </p:nvPr>
+        </p:nvSpPr>
+        <p:spPr/>
+        <p:txBody>
+          <a:bodyPr>
+            <a:normAutofit fontScale="90000"/>
+          </a:bodyPr>
+          <a:lstStyle/>
+          <a:p>
+            <a:r>
+              <a:rPr lang="en-US" b="1" i="0" dirty="0">
+                <a:solidFill>
+                  <a:srgbClr val="000000"/>
+                </a:solidFill>
+                <a:effectLst/>
+                <a:latin typeface="Helvetica Neue"/>
+              </a:rPr>
+              <a:t>Head Injury/Concussion from 2012 to 2014 by position</a:t>
+            </a:r>
+            <a:br>
+              <a:rPr lang="en-US" b="1" i="0" dirty="0">
+                <a:solidFill>
+                  <a:srgbClr val="000000"/>
+                </a:solidFill>
+                <a:effectLst/>
+                <a:latin typeface="Helvetica Neue"/>
+              </a:rPr>
+            </a:br>
+            <a:endParaRPr lang="en-US" dirty="0"/>
+          </a:p>
+        </p:txBody>
+      </p:sp>
+      <p:sp>
+        <p:nvSpPr>
+          <p:cNvPr id="10" name="TextBox 9">
+            <a:extLst>
+              <a:ext uri="{FF2B5EF4-FFF2-40B4-BE49-F238E27FC236}">
+                <a16:creationId xmlns:a16="http://schemas.microsoft.com/office/drawing/2014/main" id="{FEE006DA-4205-9185-268F-7CF37310BBCC}"/>
+              </a:ext>
+            </a:extLst>
+          </p:cNvPr>
+          <p:cNvSpPr txBox="1"/>
+          <p:nvPr/>
+        </p:nvSpPr>
+        <p:spPr>
+          <a:xfrm>
+            <a:off x="8079544" y="1394718"/>
+            <a:ext cx="3771901" cy="459036"/>
+          </a:xfrm>
+          <a:prstGeom prst="rect">
+            <a:avLst/>
+          </a:prstGeom>
+          <a:noFill/>
+        </p:spPr>
+        <p:txBody>
+          <a:bodyPr wrap="square" rtlCol="0">
+            <a:spAutoFit/>
+          </a:bodyPr>
+          <a:lstStyle/>
+          <a:p>
+            <a:pPr marL="285750" indent="-285750">
+              <a:lnSpc>
+                <a:spcPct val="150000"/>
+              </a:lnSpc>
+              <a:buFont typeface="Arial" panose="020B0604020202020204" pitchFamily="34" charset="0"/>
+              <a:buChar char="•"/>
+            </a:pPr>
+            <a:r>
+              <a:rPr lang="en-US" dirty="0"/>
+              <a:t>Football is a contact sport</a:t>
+            </a:r>
+          </a:p>
+        </p:txBody>
+      </p:sp>
+      <p:pic>
+        <p:nvPicPr>
+          <p:cNvPr id="4" name="Picture 3" descr="Chart, bar chart&#10;&#10;Description automatically generated">
+            <a:extLst>
+              <a:ext uri="{FF2B5EF4-FFF2-40B4-BE49-F238E27FC236}">
+                <a16:creationId xmlns:a16="http://schemas.microsoft.com/office/drawing/2014/main" id="{1C373DCA-BD2E-95D1-4288-3E41D7A6ED89}"/>
+              </a:ext>
+            </a:extLst>
+          </p:cNvPr>
+          <p:cNvPicPr>
+            <a:picLocks noChangeAspect="1"/>
+          </p:cNvPicPr>
+          <p:nvPr/>
+        </p:nvPicPr>
+        <p:blipFill>
+          <a:blip r:embed="rId2"/>
+          <a:stretch>
+            <a:fillRect/>
+          </a:stretch>
+        </p:blipFill>
+        <p:spPr>
+          <a:xfrm>
+            <a:off x="1126987" y="1967967"/>
+            <a:ext cx="4331721" cy="4085514"/>
+          </a:xfrm>
+          <a:prstGeom prst="rect">
+            <a:avLst/>
+          </a:prstGeom>
+        </p:spPr>
+      </p:pic>
+      <p:pic>
+        <p:nvPicPr>
+          <p:cNvPr id="8" name="Content Placeholder 7" descr="Chart, bar chart&#10;&#10;Description automatically generated">
+            <a:extLst>
+              <a:ext uri="{FF2B5EF4-FFF2-40B4-BE49-F238E27FC236}">
+                <a16:creationId xmlns:a16="http://schemas.microsoft.com/office/drawing/2014/main" id="{86C231C7-E601-543D-E04F-8EE5E0A026CC}"/>
+              </a:ext>
+            </a:extLst>
+          </p:cNvPr>
+          <p:cNvPicPr>
+            <a:picLocks noGrp="1" noChangeAspect="1"/>
+          </p:cNvPicPr>
+          <p:nvPr>
+            <p:ph idx="1"/>
+          </p:nvPr>
+        </p:nvPicPr>
+        <p:blipFill>
+          <a:blip r:embed="rId3"/>
+          <a:stretch>
+            <a:fillRect/>
+          </a:stretch>
+        </p:blipFill>
+        <p:spPr>
+          <a:xfrm>
+            <a:off x="6556487" y="1952727"/>
+            <a:ext cx="4498367" cy="4226708"/>
+          </a:xfrm>
+        </p:spPr>
+      </p:pic>
+    </p:spTree>
+    <p:extLst>
+      <p:ext uri="{BB962C8B-B14F-4D97-AF65-F5344CB8AC3E}">
+        <p14:creationId xmlns:p14="http://schemas.microsoft.com/office/powerpoint/2010/main" val="2192491768"/>
+      </p:ext>
+    </p:extLst>
+  </p:cSld>
+  <p:clrMapOvr>
+    <a:masterClrMapping/>
+  </p:clrMapOvr>
+</p:sld>
+</file>
+
 <file path=ppt/slides/slide2.xml><?xml version="1.0" encoding="utf-8"?>
 <p:sld xmlns:a="http://schemas.openxmlformats.org/drawingml/2006/main" xmlns:r="http://schemas.openxmlformats.org/officeDocument/2006/relationships" xmlns:p="http://schemas.openxmlformats.org/presentationml/2006/main">
   <p:cSld>
@@ -3756,7 +10621,7 @@
           <p:cNvPr id="2" name="Title 1">
             <a:extLst>
               <a:ext uri="{FF2B5EF4-FFF2-40B4-BE49-F238E27FC236}">
-                <a16:creationId xmlns:a16="http://schemas.microsoft.com/office/drawing/2014/main" id="{ED1072FD-8D9D-1A28-236C-B121F25B9CBA}"/>
+                <a16:creationId xmlns:a16="http://schemas.microsoft.com/office/drawing/2014/main" id="{0A32731C-311B-46F7-A865-6C3AF6B09A47}"/>
               </a:ext>
             </a:extLst>
           </p:cNvPr>
@@ -3767,7 +10632,12 @@
             <p:ph type="title"/>
           </p:nvPr>
         </p:nvSpPr>
-        <p:spPr/>
+        <p:spPr>
+          <a:xfrm>
+            <a:off x="1362075" y="1671639"/>
+            <a:ext cx="5111750" cy="1204912"/>
+          </a:xfrm>
+        </p:spPr>
         <p:txBody>
           <a:bodyPr>
             <a:normAutofit fontScale="90000"/>
@@ -3775,103 +10645,199 @@
           <a:lstStyle/>
           <a:p>
             <a:r>
-              <a:rPr lang="en-US" b="1" i="0" dirty="0">
-                <a:solidFill>
-                  <a:srgbClr val="000000"/>
-                </a:solidFill>
-                <a:effectLst/>
-                <a:latin typeface="Helvetica Neue"/>
-              </a:rPr>
-              <a:t>Head Injury/Concussion from 2012 to 2014 by position</a:t>
-            </a:r>
-            <a:br>
-              <a:rPr lang="en-US" b="1" i="0" dirty="0">
-                <a:solidFill>
-                  <a:srgbClr val="000000"/>
-                </a:solidFill>
-                <a:effectLst/>
-                <a:latin typeface="Helvetica Neue"/>
-              </a:rPr>
-            </a:br>
-            <a:endParaRPr lang="en-US" dirty="0"/>
-          </a:p>
-        </p:txBody>
-      </p:sp>
-      <p:pic>
-        <p:nvPicPr>
-          <p:cNvPr id="9" name="Content Placeholder 8">
-            <a:extLst>
-              <a:ext uri="{FF2B5EF4-FFF2-40B4-BE49-F238E27FC236}">
-                <a16:creationId xmlns:a16="http://schemas.microsoft.com/office/drawing/2014/main" id="{C5C11BFB-99EB-B55E-CDDC-112CCE492E42}"/>
-              </a:ext>
-            </a:extLst>
-          </p:cNvPr>
-          <p:cNvPicPr>
-            <a:picLocks noGrp="1" noChangeAspect="1"/>
-          </p:cNvPicPr>
-          <p:nvPr>
-            <p:ph idx="1"/>
-          </p:nvPr>
-        </p:nvPicPr>
-        <p:blipFill>
-          <a:blip r:embed="rId2"/>
-          <a:stretch>
-            <a:fillRect/>
-          </a:stretch>
-        </p:blipFill>
-        <p:spPr>
-          <a:xfrm>
-            <a:off x="1529862" y="2016124"/>
-            <a:ext cx="6330843" cy="3698875"/>
-          </a:xfrm>
-        </p:spPr>
-      </p:pic>
-      <p:sp>
-        <p:nvSpPr>
-          <p:cNvPr id="10" name="TextBox 9">
-            <a:extLst>
-              <a:ext uri="{FF2B5EF4-FFF2-40B4-BE49-F238E27FC236}">
-                <a16:creationId xmlns:a16="http://schemas.microsoft.com/office/drawing/2014/main" id="{FEE006DA-4205-9185-268F-7CF37310BBCC}"/>
-              </a:ext>
-            </a:extLst>
-          </p:cNvPr>
-          <p:cNvSpPr txBox="1"/>
-          <p:nvPr/>
-        </p:nvSpPr>
-        <p:spPr>
-          <a:xfrm>
-            <a:off x="8018584" y="2286001"/>
-            <a:ext cx="3771901" cy="459036"/>
-          </a:xfrm>
-          <a:prstGeom prst="rect">
-            <a:avLst/>
-          </a:prstGeom>
-          <a:noFill/>
-        </p:spPr>
-        <p:txBody>
-          <a:bodyPr wrap="square" rtlCol="0">
-            <a:spAutoFit/>
+              <a:rPr lang="en-US" dirty="0"/>
+              <a:t>Why care about head injuries, specifically concussions?</a:t>
+            </a:r>
+          </a:p>
+        </p:txBody>
+      </p:sp>
+      <p:sp>
+        <p:nvSpPr>
+          <p:cNvPr id="3" name="Text Placeholder 2">
+            <a:extLst>
+              <a:ext uri="{FF2B5EF4-FFF2-40B4-BE49-F238E27FC236}">
+                <a16:creationId xmlns:a16="http://schemas.microsoft.com/office/drawing/2014/main" id="{9D5232F9-FD00-464A-9F17-619C91AEF8F3}"/>
+              </a:ext>
+            </a:extLst>
+          </p:cNvPr>
+          <p:cNvSpPr>
+            <a:spLocks noGrp="1"/>
+          </p:cNvSpPr>
+          <p:nvPr>
+            <p:ph type="body" idx="1"/>
+          </p:nvPr>
+        </p:nvSpPr>
+        <p:spPr>
+          <a:xfrm>
+            <a:off x="1362075" y="3429000"/>
+            <a:ext cx="5111750" cy="2392680"/>
+          </a:xfrm>
+        </p:spPr>
+        <p:txBody>
+          <a:bodyPr>
+            <a:normAutofit fontScale="77500" lnSpcReduction="20000"/>
           </a:bodyPr>
           <a:lstStyle/>
           <a:p>
+            <a:r>
+              <a:rPr lang="en-US" dirty="0"/>
+              <a:t>According to the CDC:</a:t>
+            </a:r>
+          </a:p>
+          <a:p>
             <a:pPr marL="285750" indent="-285750">
-              <a:lnSpc>
-                <a:spcPct val="150000"/>
-              </a:lnSpc>
               <a:buFont typeface="Arial" panose="020B0604020202020204" pitchFamily="34" charset="0"/>
               <a:buChar char="•"/>
             </a:pPr>
             <a:r>
               <a:rPr lang="en-US" dirty="0"/>
-              <a:t>Football is a contact sport</a:t>
-            </a:r>
+              <a:t>Most TBIs(Traumatic Brain Injuries) are concussions or mild TBIs</a:t>
+            </a:r>
+          </a:p>
+          <a:p>
+            <a:pPr marL="285750" indent="-285750">
+              <a:buFont typeface="Arial" panose="020B0604020202020204" pitchFamily="34" charset="0"/>
+              <a:buChar char="•"/>
+            </a:pPr>
+            <a:r>
+              <a:rPr lang="en-US" dirty="0"/>
+              <a:t>Even mild TBIs can cause harm to the brain through the damage of brain cells and can change brain chemistry</a:t>
+            </a:r>
+          </a:p>
+          <a:p>
+            <a:pPr marL="742950" lvl="1" indent="-285750">
+              <a:buFont typeface="Arial" panose="020B0604020202020204" pitchFamily="34" charset="0"/>
+              <a:buChar char="•"/>
+            </a:pPr>
+            <a:r>
+              <a:rPr lang="en-US" dirty="0"/>
+              <a:t>These changes can impact sleep, thinking, actions, learning, and feelings</a:t>
+            </a:r>
+          </a:p>
+          <a:p>
+            <a:pPr marL="285750" indent="-285750">
+              <a:buFont typeface="Arial" panose="020B0604020202020204" pitchFamily="34" charset="0"/>
+              <a:buChar char="•"/>
+            </a:pPr>
+            <a:r>
+              <a:rPr lang="en-US" dirty="0"/>
+              <a:t>https://www.cdc.gov/traumaticbraininjury/concussion/index.html</a:t>
+            </a:r>
+          </a:p>
+          <a:p>
+            <a:pPr marL="285750" indent="-285750">
+              <a:buFont typeface="Arial" panose="020B0604020202020204" pitchFamily="34" charset="0"/>
+              <a:buChar char="•"/>
+            </a:pPr>
+            <a:endParaRPr lang="en-US" dirty="0"/>
+          </a:p>
+        </p:txBody>
+      </p:sp>
+      <p:sp>
+        <p:nvSpPr>
+          <p:cNvPr id="4" name="Date Placeholder 3">
+            <a:extLst>
+              <a:ext uri="{FF2B5EF4-FFF2-40B4-BE49-F238E27FC236}">
+                <a16:creationId xmlns:a16="http://schemas.microsoft.com/office/drawing/2014/main" id="{70E12647-CCB2-45E2-A9CB-A868F490497E}"/>
+              </a:ext>
+            </a:extLst>
+          </p:cNvPr>
+          <p:cNvSpPr>
+            <a:spLocks noGrp="1"/>
+          </p:cNvSpPr>
+          <p:nvPr>
+            <p:ph type="dt" sz="half" idx="10"/>
+          </p:nvPr>
+        </p:nvSpPr>
+        <p:spPr>
+          <a:xfrm>
+            <a:off x="838200" y="6356350"/>
+            <a:ext cx="1219200" cy="365125"/>
+          </a:xfrm>
+        </p:spPr>
+        <p:txBody>
+          <a:bodyPr/>
+          <a:lstStyle/>
+          <a:p>
+            <a:r>
+              <a:rPr lang="en-US" dirty="0"/>
+              <a:t>20XX</a:t>
+            </a:r>
+          </a:p>
+        </p:txBody>
+      </p:sp>
+      <p:sp>
+        <p:nvSpPr>
+          <p:cNvPr id="5" name="Footer Placeholder 4">
+            <a:extLst>
+              <a:ext uri="{FF2B5EF4-FFF2-40B4-BE49-F238E27FC236}">
+                <a16:creationId xmlns:a16="http://schemas.microsoft.com/office/drawing/2014/main" id="{8D51ED20-04D4-4894-B0C2-9C541A61A734}"/>
+              </a:ext>
+            </a:extLst>
+          </p:cNvPr>
+          <p:cNvSpPr>
+            <a:spLocks noGrp="1"/>
+          </p:cNvSpPr>
+          <p:nvPr>
+            <p:ph type="ftr" sz="quarter" idx="11"/>
+          </p:nvPr>
+        </p:nvSpPr>
+        <p:spPr>
+          <a:xfrm>
+            <a:off x="2463800" y="6356350"/>
+            <a:ext cx="3479800" cy="365125"/>
+          </a:xfrm>
+        </p:spPr>
+        <p:txBody>
+          <a:bodyPr/>
+          <a:lstStyle/>
+          <a:p>
+            <a:r>
+              <a:rPr lang="en-US" dirty="0"/>
+              <a:t>PRESENTATION TITLE</a:t>
+            </a:r>
+          </a:p>
+        </p:txBody>
+      </p:sp>
+      <p:sp>
+        <p:nvSpPr>
+          <p:cNvPr id="6" name="Slide Number Placeholder 5">
+            <a:extLst>
+              <a:ext uri="{FF2B5EF4-FFF2-40B4-BE49-F238E27FC236}">
+                <a16:creationId xmlns:a16="http://schemas.microsoft.com/office/drawing/2014/main" id="{7BC1787E-7110-4989-B0B8-DD4E0ACC09DF}"/>
+              </a:ext>
+            </a:extLst>
+          </p:cNvPr>
+          <p:cNvSpPr>
+            <a:spLocks noGrp="1"/>
+          </p:cNvSpPr>
+          <p:nvPr>
+            <p:ph type="sldNum" sz="quarter" idx="12"/>
+          </p:nvPr>
+        </p:nvSpPr>
+        <p:spPr>
+          <a:xfrm>
+            <a:off x="8610600" y="6356350"/>
+            <a:ext cx="2743200" cy="365125"/>
+          </a:xfrm>
+        </p:spPr>
+        <p:txBody>
+          <a:bodyPr/>
+          <a:lstStyle/>
+          <a:p>
+            <a:fld id="{A49DFD55-3C28-40EF-9E31-A92D2E4017FF}" type="slidenum">
+              <a:rPr lang="en-US" smtClean="0"/>
+              <a:pPr/>
+              <a:t>2</a:t>
+            </a:fld>
+            <a:endParaRPr lang="en-US" dirty="0"/>
           </a:p>
         </p:txBody>
       </p:sp>
     </p:spTree>
     <p:extLst>
       <p:ext uri="{BB962C8B-B14F-4D97-AF65-F5344CB8AC3E}">
-        <p14:creationId xmlns:p14="http://schemas.microsoft.com/office/powerpoint/2010/main" val="2192491768"/>
+        <p14:creationId xmlns:p14="http://schemas.microsoft.com/office/powerpoint/2010/main" val="3571516367"/>
       </p:ext>
     </p:extLst>
   </p:cSld>
@@ -3903,7 +10869,7 @@
           <p:cNvPr id="2" name="Title 1">
             <a:extLst>
               <a:ext uri="{FF2B5EF4-FFF2-40B4-BE49-F238E27FC236}">
-                <a16:creationId xmlns:a16="http://schemas.microsoft.com/office/drawing/2014/main" id="{E3FC83A8-6962-D3CD-533A-1B3C65B28E1C}"/>
+                <a16:creationId xmlns:a16="http://schemas.microsoft.com/office/drawing/2014/main" id="{7581AFF3-EBB6-2DD6-D5EC-7EE38369BDE8}"/>
               </a:ext>
             </a:extLst>
           </p:cNvPr>
@@ -3914,168 +10880,462 @@
             <p:ph type="title"/>
           </p:nvPr>
         </p:nvSpPr>
-        <p:spPr/>
+        <p:spPr>
+          <a:xfrm>
+            <a:off x="7665720" y="2549843"/>
+            <a:ext cx="5111750" cy="1204912"/>
+          </a:xfrm>
+        </p:spPr>
+        <p:txBody>
+          <a:bodyPr/>
+          <a:lstStyle/>
+          <a:p>
+            <a:r>
+              <a:rPr lang="en-US" dirty="0"/>
+              <a:t>The Data</a:t>
+            </a:r>
+          </a:p>
+        </p:txBody>
+      </p:sp>
+      <p:sp>
+        <p:nvSpPr>
+          <p:cNvPr id="3" name="Text Placeholder 2">
+            <a:extLst>
+              <a:ext uri="{FF2B5EF4-FFF2-40B4-BE49-F238E27FC236}">
+                <a16:creationId xmlns:a16="http://schemas.microsoft.com/office/drawing/2014/main" id="{A05ACFC2-8753-8B88-EA32-F2D347790012}"/>
+              </a:ext>
+            </a:extLst>
+          </p:cNvPr>
+          <p:cNvSpPr>
+            <a:spLocks noGrp="1"/>
+          </p:cNvSpPr>
+          <p:nvPr>
+            <p:ph type="body" idx="1"/>
+          </p:nvPr>
+        </p:nvSpPr>
+        <p:spPr>
+          <a:xfrm>
+            <a:off x="7838440" y="4239253"/>
+            <a:ext cx="4013200" cy="1525588"/>
+          </a:xfrm>
+        </p:spPr>
         <p:txBody>
           <a:bodyPr>
-            <a:normAutofit fontScale="90000"/>
+            <a:normAutofit fontScale="92500" lnSpcReduction="20000"/>
           </a:bodyPr>
           <a:lstStyle/>
           <a:p>
-            <a:r>
-              <a:rPr lang="en-US" b="1" i="0" dirty="0">
-                <a:solidFill>
-                  <a:srgbClr val="000000"/>
-                </a:solidFill>
-                <a:effectLst/>
-                <a:latin typeface="Helvetica Neue"/>
-              </a:rPr>
-              <a:t>Breakdown on injuries by team (Offense and Defense)</a:t>
-            </a:r>
-            <a:br>
-              <a:rPr lang="en-US" b="1" i="0" dirty="0">
-                <a:solidFill>
-                  <a:srgbClr val="000000"/>
-                </a:solidFill>
-                <a:effectLst/>
-                <a:latin typeface="Helvetica Neue"/>
-              </a:rPr>
-            </a:br>
+            <a:pPr marL="285750" indent="-285750">
+              <a:buFont typeface="Arial" panose="020B0604020202020204" pitchFamily="34" charset="0"/>
+              <a:buChar char="•"/>
+            </a:pPr>
+            <a:r>
+              <a:rPr lang="en-US" dirty="0"/>
+              <a:t>Spans NFL seasons 2012-2014</a:t>
+            </a:r>
+          </a:p>
+          <a:p>
+            <a:pPr marL="285750" indent="-285750">
+              <a:buFont typeface="Arial" panose="020B0604020202020204" pitchFamily="34" charset="0"/>
+              <a:buChar char="•"/>
+            </a:pPr>
+            <a:r>
+              <a:rPr lang="en-US" dirty="0"/>
+              <a:t>325 concussions and head injuries were recorded</a:t>
+            </a:r>
+          </a:p>
+          <a:p>
+            <a:pPr marL="285750" indent="-285750">
+              <a:buFont typeface="Arial" panose="020B0604020202020204" pitchFamily="34" charset="0"/>
+              <a:buChar char="•"/>
+            </a:pPr>
+            <a:r>
+              <a:rPr lang="en-US" dirty="0"/>
+              <a:t>All NFL teams were included</a:t>
+            </a:r>
+          </a:p>
+          <a:p>
             <a:endParaRPr lang="en-US" dirty="0"/>
           </a:p>
         </p:txBody>
       </p:sp>
-      <p:pic>
-        <p:nvPicPr>
-          <p:cNvPr id="5" name="Content Placeholder 4">
-            <a:extLst>
-              <a:ext uri="{FF2B5EF4-FFF2-40B4-BE49-F238E27FC236}">
-                <a16:creationId xmlns:a16="http://schemas.microsoft.com/office/drawing/2014/main" id="{07F7164F-ECD6-1445-162C-9BA47C26750F}"/>
-              </a:ext>
-            </a:extLst>
-          </p:cNvPr>
-          <p:cNvPicPr>
-            <a:picLocks noGrp="1" noChangeAspect="1"/>
-          </p:cNvPicPr>
-          <p:nvPr>
-            <p:ph idx="1"/>
-          </p:nvPr>
-        </p:nvPicPr>
-        <p:blipFill>
-          <a:blip r:embed="rId2"/>
-          <a:stretch>
-            <a:fillRect/>
-          </a:stretch>
-        </p:blipFill>
-        <p:spPr>
-          <a:xfrm>
-            <a:off x="1451579" y="1998540"/>
-            <a:ext cx="4870090" cy="3449638"/>
-          </a:xfrm>
-        </p:spPr>
-      </p:pic>
-      <p:sp>
-        <p:nvSpPr>
-          <p:cNvPr id="6" name="TextBox 5">
-            <a:extLst>
-              <a:ext uri="{FF2B5EF4-FFF2-40B4-BE49-F238E27FC236}">
-                <a16:creationId xmlns:a16="http://schemas.microsoft.com/office/drawing/2014/main" id="{F58A73B4-2646-0098-BE0B-5E1EE6E51653}"/>
-              </a:ext>
-            </a:extLst>
-          </p:cNvPr>
-          <p:cNvSpPr txBox="1"/>
+      <p:sp>
+        <p:nvSpPr>
+          <p:cNvPr id="4" name="Date Placeholder 3">
+            <a:extLst>
+              <a:ext uri="{FF2B5EF4-FFF2-40B4-BE49-F238E27FC236}">
+                <a16:creationId xmlns:a16="http://schemas.microsoft.com/office/drawing/2014/main" id="{844042A7-39DF-2323-14DF-2F40798DD3D2}"/>
+              </a:ext>
+            </a:extLst>
+          </p:cNvPr>
+          <p:cNvSpPr>
+            <a:spLocks noGrp="1"/>
+          </p:cNvSpPr>
+          <p:nvPr>
+            <p:ph type="dt" sz="half" idx="10"/>
+          </p:nvPr>
+        </p:nvSpPr>
+        <p:spPr/>
+        <p:txBody>
+          <a:bodyPr/>
+          <a:lstStyle/>
+          <a:p>
+            <a:r>
+              <a:rPr lang="en-US"/>
+              <a:t>20XX</a:t>
+            </a:r>
+            <a:endParaRPr lang="en-US" dirty="0"/>
+          </a:p>
+        </p:txBody>
+      </p:sp>
+      <p:sp>
+        <p:nvSpPr>
+          <p:cNvPr id="5" name="Footer Placeholder 4">
+            <a:extLst>
+              <a:ext uri="{FF2B5EF4-FFF2-40B4-BE49-F238E27FC236}">
+                <a16:creationId xmlns:a16="http://schemas.microsoft.com/office/drawing/2014/main" id="{E29F1697-A5BD-8729-FC03-3FA7A4710E2B}"/>
+              </a:ext>
+            </a:extLst>
+          </p:cNvPr>
+          <p:cNvSpPr>
+            <a:spLocks noGrp="1"/>
+          </p:cNvSpPr>
+          <p:nvPr>
+            <p:ph type="ftr" sz="quarter" idx="11"/>
+          </p:nvPr>
+        </p:nvSpPr>
+        <p:spPr/>
+        <p:txBody>
+          <a:bodyPr/>
+          <a:lstStyle/>
+          <a:p>
+            <a:r>
+              <a:rPr lang="en-US"/>
+              <a:t>PRESENTATION TITLE</a:t>
+            </a:r>
+            <a:endParaRPr lang="en-US" dirty="0"/>
+          </a:p>
+        </p:txBody>
+      </p:sp>
+      <p:sp>
+        <p:nvSpPr>
+          <p:cNvPr id="7" name="Title 1">
+            <a:extLst>
+              <a:ext uri="{FF2B5EF4-FFF2-40B4-BE49-F238E27FC236}">
+                <a16:creationId xmlns:a16="http://schemas.microsoft.com/office/drawing/2014/main" id="{8A706F0F-F5D7-ACBA-0C52-D29E81463E26}"/>
+              </a:ext>
+            </a:extLst>
+          </p:cNvPr>
+          <p:cNvSpPr txBox="1">
+            <a:spLocks/>
+          </p:cNvSpPr>
           <p:nvPr/>
         </p:nvSpPr>
         <p:spPr>
           <a:xfrm>
-            <a:off x="6875584" y="2118946"/>
-            <a:ext cx="4870090" cy="2952027"/>
+            <a:off x="2726690" y="97639"/>
+            <a:ext cx="5111750" cy="1204912"/>
           </a:xfrm>
           <a:prstGeom prst="rect">
             <a:avLst/>
           </a:prstGeom>
-          <a:noFill/>
-        </p:spPr>
-        <p:txBody>
-          <a:bodyPr wrap="square" rtlCol="0">
-            <a:spAutoFit/>
+        </p:spPr>
+        <p:txBody>
+          <a:bodyPr vert="horz" lIns="91440" tIns="45720" rIns="91440" bIns="45720" rtlCol="0" anchor="b">
+            <a:normAutofit/>
           </a:bodyPr>
-          <a:lstStyle/>
+          <a:lstStyle>
+            <a:lvl1pPr algn="l" defTabSz="914400" rtl="0" eaLnBrk="1" latinLnBrk="0" hangingPunct="1">
+              <a:lnSpc>
+                <a:spcPct val="90000"/>
+              </a:lnSpc>
+              <a:spcBef>
+                <a:spcPct val="0"/>
+              </a:spcBef>
+              <a:buNone/>
+              <a:defRPr lang="en-US" sz="2800" kern="1200" cap="all" spc="150" baseline="0" dirty="0">
+                <a:solidFill>
+                  <a:schemeClr val="tx1"/>
+                </a:solidFill>
+                <a:latin typeface="+mj-lt"/>
+                <a:ea typeface="+mj-ea"/>
+                <a:cs typeface="+mj-cs"/>
+              </a:defRPr>
+            </a:lvl1pPr>
+          </a:lstStyle>
+          <a:p>
+            <a:r>
+              <a:rPr lang="en-US" dirty="0"/>
+              <a:t>The Questions</a:t>
+            </a:r>
+          </a:p>
+        </p:txBody>
+      </p:sp>
+      <p:sp>
+        <p:nvSpPr>
+          <p:cNvPr id="8" name="Text Placeholder 2">
+            <a:extLst>
+              <a:ext uri="{FF2B5EF4-FFF2-40B4-BE49-F238E27FC236}">
+                <a16:creationId xmlns:a16="http://schemas.microsoft.com/office/drawing/2014/main" id="{24CBE887-0CBC-244C-906A-D1CFE4126EB4}"/>
+              </a:ext>
+            </a:extLst>
+          </p:cNvPr>
+          <p:cNvSpPr txBox="1">
+            <a:spLocks/>
+          </p:cNvSpPr>
+          <p:nvPr/>
+        </p:nvSpPr>
+        <p:spPr>
+          <a:xfrm>
+            <a:off x="1291079" y="1547019"/>
+            <a:ext cx="5111750" cy="2367280"/>
+          </a:xfrm>
+          <a:prstGeom prst="rect">
+            <a:avLst/>
+          </a:prstGeom>
+        </p:spPr>
+        <p:txBody>
+          <a:bodyPr vert="horz" lIns="91440" tIns="45720" rIns="91440" bIns="45720" rtlCol="0">
+            <a:normAutofit fontScale="92500" lnSpcReduction="10000"/>
+          </a:bodyPr>
+          <a:lstStyle>
+            <a:lvl1pPr marL="0" indent="0" algn="l" defTabSz="914400" rtl="0" eaLnBrk="1" latinLnBrk="0" hangingPunct="1">
+              <a:lnSpc>
+                <a:spcPct val="100000"/>
+              </a:lnSpc>
+              <a:spcBef>
+                <a:spcPts val="1000"/>
+              </a:spcBef>
+              <a:buFont typeface="Arial" panose="020B0604020202020204" pitchFamily="34" charset="0"/>
+              <a:buNone/>
+              <a:defRPr sz="1400" kern="1200" spc="50" baseline="0">
+                <a:solidFill>
+                  <a:schemeClr val="tx1"/>
+                </a:solidFill>
+                <a:latin typeface="+mn-lt"/>
+                <a:ea typeface="+mn-ea"/>
+                <a:cs typeface="+mn-cs"/>
+              </a:defRPr>
+            </a:lvl1pPr>
+            <a:lvl2pPr marL="457200" indent="0" algn="l" defTabSz="914400" rtl="0" eaLnBrk="1" latinLnBrk="0" hangingPunct="1">
+              <a:lnSpc>
+                <a:spcPct val="90000"/>
+              </a:lnSpc>
+              <a:spcBef>
+                <a:spcPts val="500"/>
+              </a:spcBef>
+              <a:buFont typeface="Arial" panose="020B0604020202020204" pitchFamily="34" charset="0"/>
+              <a:buNone/>
+              <a:defRPr sz="2000" kern="1200">
+                <a:solidFill>
+                  <a:schemeClr val="tx1">
+                    <a:tint val="75000"/>
+                  </a:schemeClr>
+                </a:solidFill>
+                <a:latin typeface="+mn-lt"/>
+                <a:ea typeface="+mn-ea"/>
+                <a:cs typeface="+mn-cs"/>
+              </a:defRPr>
+            </a:lvl2pPr>
+            <a:lvl3pPr marL="914400" indent="0" algn="l" defTabSz="914400" rtl="0" eaLnBrk="1" latinLnBrk="0" hangingPunct="1">
+              <a:lnSpc>
+                <a:spcPct val="90000"/>
+              </a:lnSpc>
+              <a:spcBef>
+                <a:spcPts val="500"/>
+              </a:spcBef>
+              <a:buFont typeface="Arial" panose="020B0604020202020204" pitchFamily="34" charset="0"/>
+              <a:buNone/>
+              <a:defRPr sz="1800" kern="1200">
+                <a:solidFill>
+                  <a:schemeClr val="tx1">
+                    <a:tint val="75000"/>
+                  </a:schemeClr>
+                </a:solidFill>
+                <a:latin typeface="+mn-lt"/>
+                <a:ea typeface="+mn-ea"/>
+                <a:cs typeface="+mn-cs"/>
+              </a:defRPr>
+            </a:lvl3pPr>
+            <a:lvl4pPr marL="1371600" indent="0" algn="l" defTabSz="914400" rtl="0" eaLnBrk="1" latinLnBrk="0" hangingPunct="1">
+              <a:lnSpc>
+                <a:spcPct val="90000"/>
+              </a:lnSpc>
+              <a:spcBef>
+                <a:spcPts val="500"/>
+              </a:spcBef>
+              <a:buFont typeface="Arial" panose="020B0604020202020204" pitchFamily="34" charset="0"/>
+              <a:buNone/>
+              <a:defRPr sz="1600" kern="1200">
+                <a:solidFill>
+                  <a:schemeClr val="tx1">
+                    <a:tint val="75000"/>
+                  </a:schemeClr>
+                </a:solidFill>
+                <a:latin typeface="+mn-lt"/>
+                <a:ea typeface="+mn-ea"/>
+                <a:cs typeface="+mn-cs"/>
+              </a:defRPr>
+            </a:lvl4pPr>
+            <a:lvl5pPr marL="1828800" indent="0" algn="l" defTabSz="914400" rtl="0" eaLnBrk="1" latinLnBrk="0" hangingPunct="1">
+              <a:lnSpc>
+                <a:spcPct val="90000"/>
+              </a:lnSpc>
+              <a:spcBef>
+                <a:spcPts val="500"/>
+              </a:spcBef>
+              <a:buFont typeface="Arial" panose="020B0604020202020204" pitchFamily="34" charset="0"/>
+              <a:buNone/>
+              <a:defRPr sz="1600" kern="1200">
+                <a:solidFill>
+                  <a:schemeClr val="tx1">
+                    <a:tint val="75000"/>
+                  </a:schemeClr>
+                </a:solidFill>
+                <a:latin typeface="+mn-lt"/>
+                <a:ea typeface="+mn-ea"/>
+                <a:cs typeface="+mn-cs"/>
+              </a:defRPr>
+            </a:lvl5pPr>
+            <a:lvl6pPr marL="2286000" indent="0" algn="l" defTabSz="914400" rtl="0" eaLnBrk="1" latinLnBrk="0" hangingPunct="1">
+              <a:lnSpc>
+                <a:spcPct val="90000"/>
+              </a:lnSpc>
+              <a:spcBef>
+                <a:spcPts val="500"/>
+              </a:spcBef>
+              <a:buFont typeface="Arial" panose="020B0604020202020204" pitchFamily="34" charset="0"/>
+              <a:buNone/>
+              <a:defRPr sz="1600" kern="1200">
+                <a:solidFill>
+                  <a:schemeClr val="tx1">
+                    <a:tint val="75000"/>
+                  </a:schemeClr>
+                </a:solidFill>
+                <a:latin typeface="+mn-lt"/>
+                <a:ea typeface="+mn-ea"/>
+                <a:cs typeface="+mn-cs"/>
+              </a:defRPr>
+            </a:lvl6pPr>
+            <a:lvl7pPr marL="2743200" indent="0" algn="l" defTabSz="914400" rtl="0" eaLnBrk="1" latinLnBrk="0" hangingPunct="1">
+              <a:lnSpc>
+                <a:spcPct val="90000"/>
+              </a:lnSpc>
+              <a:spcBef>
+                <a:spcPts val="500"/>
+              </a:spcBef>
+              <a:buFont typeface="Arial" panose="020B0604020202020204" pitchFamily="34" charset="0"/>
+              <a:buNone/>
+              <a:defRPr sz="1600" kern="1200">
+                <a:solidFill>
+                  <a:schemeClr val="tx1">
+                    <a:tint val="75000"/>
+                  </a:schemeClr>
+                </a:solidFill>
+                <a:latin typeface="+mn-lt"/>
+                <a:ea typeface="+mn-ea"/>
+                <a:cs typeface="+mn-cs"/>
+              </a:defRPr>
+            </a:lvl7pPr>
+            <a:lvl8pPr marL="3200400" indent="0" algn="l" defTabSz="914400" rtl="0" eaLnBrk="1" latinLnBrk="0" hangingPunct="1">
+              <a:lnSpc>
+                <a:spcPct val="90000"/>
+              </a:lnSpc>
+              <a:spcBef>
+                <a:spcPts val="500"/>
+              </a:spcBef>
+              <a:buFont typeface="Arial" panose="020B0604020202020204" pitchFamily="34" charset="0"/>
+              <a:buNone/>
+              <a:defRPr sz="1600" kern="1200">
+                <a:solidFill>
+                  <a:schemeClr val="tx1">
+                    <a:tint val="75000"/>
+                  </a:schemeClr>
+                </a:solidFill>
+                <a:latin typeface="+mn-lt"/>
+                <a:ea typeface="+mn-ea"/>
+                <a:cs typeface="+mn-cs"/>
+              </a:defRPr>
+            </a:lvl8pPr>
+            <a:lvl9pPr marL="3657600" indent="0" algn="l" defTabSz="914400" rtl="0" eaLnBrk="1" latinLnBrk="0" hangingPunct="1">
+              <a:lnSpc>
+                <a:spcPct val="90000"/>
+              </a:lnSpc>
+              <a:spcBef>
+                <a:spcPts val="500"/>
+              </a:spcBef>
+              <a:buFont typeface="Arial" panose="020B0604020202020204" pitchFamily="34" charset="0"/>
+              <a:buNone/>
+              <a:defRPr sz="1600" kern="1200">
+                <a:solidFill>
+                  <a:schemeClr val="tx1">
+                    <a:tint val="75000"/>
+                  </a:schemeClr>
+                </a:solidFill>
+                <a:latin typeface="+mn-lt"/>
+                <a:ea typeface="+mn-ea"/>
+                <a:cs typeface="+mn-cs"/>
+              </a:defRPr>
+            </a:lvl9pPr>
+          </a:lstStyle>
           <a:p>
             <a:pPr marL="285750" indent="-285750">
-              <a:lnSpc>
-                <a:spcPct val="150000"/>
-              </a:lnSpc>
               <a:buFont typeface="Arial" panose="020B0604020202020204" pitchFamily="34" charset="0"/>
               <a:buChar char="•"/>
             </a:pPr>
             <a:r>
               <a:rPr lang="en-US" dirty="0"/>
-              <a:t>Top positions that is prone to concussion</a:t>
-            </a:r>
-          </a:p>
-          <a:p>
-            <a:pPr marL="742950" lvl="1" indent="-285750">
-              <a:lnSpc>
-                <a:spcPct val="150000"/>
-              </a:lnSpc>
+              <a:t>How long were players out? (Determined by examining number of games missed) </a:t>
+            </a:r>
+          </a:p>
+          <a:p>
+            <a:pPr marL="285750" indent="-285750">
               <a:buFont typeface="Arial" panose="020B0604020202020204" pitchFamily="34" charset="0"/>
               <a:buChar char="•"/>
             </a:pPr>
             <a:r>
               <a:rPr lang="en-US" dirty="0"/>
-              <a:t>Cornerback</a:t>
-            </a:r>
-          </a:p>
-          <a:p>
-            <a:pPr marL="742950" lvl="1" indent="-285750">
-              <a:lnSpc>
-                <a:spcPct val="150000"/>
-              </a:lnSpc>
+              <a:t>How did the injury affect the player’s playtime? </a:t>
+            </a:r>
+          </a:p>
+          <a:p>
+            <a:pPr marL="285750" indent="-285750">
               <a:buFont typeface="Arial" panose="020B0604020202020204" pitchFamily="34" charset="0"/>
               <a:buChar char="•"/>
             </a:pPr>
             <a:r>
               <a:rPr lang="en-US" dirty="0"/>
-              <a:t>Wide Receiver</a:t>
-            </a:r>
-          </a:p>
-          <a:p>
-            <a:pPr marL="742950" lvl="1" indent="-285750">
-              <a:lnSpc>
-                <a:spcPct val="150000"/>
-              </a:lnSpc>
+              <a:t>What position gets the most concussions on both offense and defense?</a:t>
+            </a:r>
+          </a:p>
+          <a:p>
+            <a:pPr marL="285750" indent="-285750">
               <a:buFont typeface="Arial" panose="020B0604020202020204" pitchFamily="34" charset="0"/>
               <a:buChar char="•"/>
             </a:pPr>
             <a:r>
               <a:rPr lang="en-US" dirty="0"/>
-              <a:t>Safety</a:t>
-            </a:r>
-          </a:p>
-          <a:p>
-            <a:pPr marL="742950" lvl="1" indent="-285750">
-              <a:lnSpc>
-                <a:spcPct val="150000"/>
-              </a:lnSpc>
+              <a:t>How did the team fare (win or lose?) when they had a player with a head injury?</a:t>
+            </a:r>
+          </a:p>
+          <a:p>
+            <a:pPr marL="285750" indent="-285750">
               <a:buFont typeface="Arial" panose="020B0604020202020204" pitchFamily="34" charset="0"/>
               <a:buChar char="•"/>
             </a:pPr>
             <a:r>
               <a:rPr lang="en-US" dirty="0"/>
-              <a:t>Running Back</a:t>
+              <a:t>What team is most prone to concussions?</a:t>
             </a:r>
           </a:p>
           <a:p>
             <a:pPr marL="285750" indent="-285750">
-              <a:lnSpc>
-                <a:spcPct val="150000"/>
-              </a:lnSpc>
               <a:buFont typeface="Arial" panose="020B0604020202020204" pitchFamily="34" charset="0"/>
               <a:buChar char="•"/>
             </a:pPr>
             <a:r>
               <a:rPr lang="en-US" dirty="0"/>
-              <a:t>Due to the nature of the game, these positions are likely to have contact</a:t>
+              <a:t>What team inflicted the most concussions? </a:t>
             </a:r>
           </a:p>
         </p:txBody>
@@ -4083,7 +11343,7 @@
     </p:spTree>
     <p:extLst>
       <p:ext uri="{BB962C8B-B14F-4D97-AF65-F5344CB8AC3E}">
-        <p14:creationId xmlns:p14="http://schemas.microsoft.com/office/powerpoint/2010/main" val="3054641002"/>
+        <p14:creationId xmlns:p14="http://schemas.microsoft.com/office/powerpoint/2010/main" val="2699211685"/>
       </p:ext>
     </p:extLst>
   </p:cSld>
@@ -4115,7 +11375,7 @@
           <p:cNvPr id="2" name="Title 1">
             <a:extLst>
               <a:ext uri="{FF2B5EF4-FFF2-40B4-BE49-F238E27FC236}">
-                <a16:creationId xmlns:a16="http://schemas.microsoft.com/office/drawing/2014/main" id="{5C72A5F8-4C72-FCAB-AC32-A1366BD279B6}"/>
+                <a16:creationId xmlns:a16="http://schemas.microsoft.com/office/drawing/2014/main" id="{0A32731C-311B-46F7-A865-6C3AF6B09A47}"/>
               </a:ext>
             </a:extLst>
           </p:cNvPr>
@@ -4126,137 +11386,155 @@
             <p:ph type="title"/>
           </p:nvPr>
         </p:nvSpPr>
-        <p:spPr/>
+        <p:spPr>
+          <a:xfrm>
+            <a:off x="1362075" y="1671639"/>
+            <a:ext cx="5111750" cy="1204912"/>
+          </a:xfrm>
+        </p:spPr>
         <p:txBody>
           <a:bodyPr>
-            <a:normAutofit fontScale="90000"/>
+            <a:normAutofit/>
           </a:bodyPr>
           <a:lstStyle/>
           <a:p>
             <a:r>
-              <a:rPr lang="en-US" b="1" i="0" dirty="0">
-                <a:solidFill>
-                  <a:srgbClr val="000000"/>
-                </a:solidFill>
-                <a:effectLst/>
-                <a:latin typeface="Helvetica Neue"/>
-              </a:rPr>
-              <a:t>Injury Percentage of Offense and Defense</a:t>
-            </a:r>
-            <a:br>
-              <a:rPr lang="en-US" b="1" i="0" dirty="0">
-                <a:solidFill>
-                  <a:srgbClr val="000000"/>
-                </a:solidFill>
-                <a:effectLst/>
-                <a:latin typeface="Helvetica Neue"/>
-              </a:rPr>
-            </a:br>
+              <a:rPr lang="en-US" dirty="0"/>
+              <a:t>Overall Results</a:t>
+            </a:r>
+          </a:p>
+        </p:txBody>
+      </p:sp>
+      <p:sp>
+        <p:nvSpPr>
+          <p:cNvPr id="4" name="Date Placeholder 3">
+            <a:extLst>
+              <a:ext uri="{FF2B5EF4-FFF2-40B4-BE49-F238E27FC236}">
+                <a16:creationId xmlns:a16="http://schemas.microsoft.com/office/drawing/2014/main" id="{70E12647-CCB2-45E2-A9CB-A868F490497E}"/>
+              </a:ext>
+            </a:extLst>
+          </p:cNvPr>
+          <p:cNvSpPr>
+            <a:spLocks noGrp="1"/>
+          </p:cNvSpPr>
+          <p:nvPr>
+            <p:ph type="dt" sz="half" idx="10"/>
+          </p:nvPr>
+        </p:nvSpPr>
+        <p:spPr>
+          <a:xfrm>
+            <a:off x="838200" y="6356350"/>
+            <a:ext cx="1219200" cy="365125"/>
+          </a:xfrm>
+        </p:spPr>
+        <p:txBody>
+          <a:bodyPr/>
+          <a:lstStyle/>
+          <a:p>
+            <a:r>
+              <a:rPr lang="en-US" dirty="0"/>
+              <a:t>20XX</a:t>
+            </a:r>
+          </a:p>
+        </p:txBody>
+      </p:sp>
+      <p:sp>
+        <p:nvSpPr>
+          <p:cNvPr id="5" name="Footer Placeholder 4">
+            <a:extLst>
+              <a:ext uri="{FF2B5EF4-FFF2-40B4-BE49-F238E27FC236}">
+                <a16:creationId xmlns:a16="http://schemas.microsoft.com/office/drawing/2014/main" id="{8D51ED20-04D4-4894-B0C2-9C541A61A734}"/>
+              </a:ext>
+            </a:extLst>
+          </p:cNvPr>
+          <p:cNvSpPr>
+            <a:spLocks noGrp="1"/>
+          </p:cNvSpPr>
+          <p:nvPr>
+            <p:ph type="ftr" sz="quarter" idx="11"/>
+          </p:nvPr>
+        </p:nvSpPr>
+        <p:spPr>
+          <a:xfrm>
+            <a:off x="2463800" y="6356350"/>
+            <a:ext cx="3479800" cy="365125"/>
+          </a:xfrm>
+        </p:spPr>
+        <p:txBody>
+          <a:bodyPr/>
+          <a:lstStyle/>
+          <a:p>
+            <a:r>
+              <a:rPr lang="en-US" dirty="0"/>
+              <a:t>PRESENTATION TITLE</a:t>
+            </a:r>
+          </a:p>
+        </p:txBody>
+      </p:sp>
+      <p:sp>
+        <p:nvSpPr>
+          <p:cNvPr id="6" name="Slide Number Placeholder 5">
+            <a:extLst>
+              <a:ext uri="{FF2B5EF4-FFF2-40B4-BE49-F238E27FC236}">
+                <a16:creationId xmlns:a16="http://schemas.microsoft.com/office/drawing/2014/main" id="{7BC1787E-7110-4989-B0B8-DD4E0ACC09DF}"/>
+              </a:ext>
+            </a:extLst>
+          </p:cNvPr>
+          <p:cNvSpPr>
+            <a:spLocks noGrp="1"/>
+          </p:cNvSpPr>
+          <p:nvPr>
+            <p:ph type="sldNum" sz="quarter" idx="12"/>
+          </p:nvPr>
+        </p:nvSpPr>
+        <p:spPr>
+          <a:xfrm>
+            <a:off x="8610600" y="6356350"/>
+            <a:ext cx="2743200" cy="365125"/>
+          </a:xfrm>
+        </p:spPr>
+        <p:txBody>
+          <a:bodyPr/>
+          <a:lstStyle/>
+          <a:p>
+            <a:fld id="{A49DFD55-3C28-40EF-9E31-A92D2E4017FF}" type="slidenum">
+              <a:rPr lang="en-US" smtClean="0"/>
+              <a:pPr/>
+              <a:t>4</a:t>
+            </a:fld>
             <a:endParaRPr lang="en-US" dirty="0"/>
           </a:p>
         </p:txBody>
       </p:sp>
-      <p:pic>
-        <p:nvPicPr>
-          <p:cNvPr id="5" name="Content Placeholder 4">
-            <a:extLst>
-              <a:ext uri="{FF2B5EF4-FFF2-40B4-BE49-F238E27FC236}">
-                <a16:creationId xmlns:a16="http://schemas.microsoft.com/office/drawing/2014/main" id="{82119E9B-B1A5-8914-0236-09BE0DF40D37}"/>
-              </a:ext>
-            </a:extLst>
-          </p:cNvPr>
-          <p:cNvPicPr>
-            <a:picLocks noGrp="1" noChangeAspect="1"/>
-          </p:cNvPicPr>
-          <p:nvPr>
-            <p:ph idx="1"/>
-          </p:nvPr>
-        </p:nvPicPr>
-        <p:blipFill>
-          <a:blip r:embed="rId2"/>
-          <a:stretch>
-            <a:fillRect/>
-          </a:stretch>
-        </p:blipFill>
-        <p:spPr>
-          <a:xfrm>
-            <a:off x="1451579" y="2068879"/>
-            <a:ext cx="3558751" cy="3449638"/>
-          </a:xfrm>
-        </p:spPr>
-      </p:pic>
-      <p:sp>
-        <p:nvSpPr>
-          <p:cNvPr id="6" name="TextBox 5">
-            <a:extLst>
-              <a:ext uri="{FF2B5EF4-FFF2-40B4-BE49-F238E27FC236}">
-                <a16:creationId xmlns:a16="http://schemas.microsoft.com/office/drawing/2014/main" id="{6A53BCBE-CBD1-74AA-D96F-07709ED7E232}"/>
-              </a:ext>
-            </a:extLst>
-          </p:cNvPr>
-          <p:cNvSpPr txBox="1"/>
-          <p:nvPr/>
-        </p:nvSpPr>
-        <p:spPr>
-          <a:xfrm>
-            <a:off x="6022731" y="2567354"/>
-            <a:ext cx="4592091" cy="1290033"/>
-          </a:xfrm>
-          <a:prstGeom prst="rect">
-            <a:avLst/>
-          </a:prstGeom>
-          <a:noFill/>
-        </p:spPr>
-        <p:txBody>
-          <a:bodyPr wrap="none" rtlCol="0">
-            <a:spAutoFit/>
-          </a:bodyPr>
+      <p:sp>
+        <p:nvSpPr>
+          <p:cNvPr id="9" name="Text Placeholder 8">
+            <a:extLst>
+              <a:ext uri="{FF2B5EF4-FFF2-40B4-BE49-F238E27FC236}">
+                <a16:creationId xmlns:a16="http://schemas.microsoft.com/office/drawing/2014/main" id="{668EB773-01D2-4030-80CC-4C8BACC98CC5}"/>
+              </a:ext>
+            </a:extLst>
+          </p:cNvPr>
+          <p:cNvSpPr>
+            <a:spLocks noGrp="1"/>
+          </p:cNvSpPr>
+          <p:nvPr>
+            <p:ph type="body" idx="1"/>
+          </p:nvPr>
+        </p:nvSpPr>
+        <p:spPr/>
+        <p:txBody>
+          <a:bodyPr/>
           <a:lstStyle/>
           <a:p>
-            <a:pPr marL="285750" indent="-285750">
-              <a:lnSpc>
-                <a:spcPct val="150000"/>
-              </a:lnSpc>
-              <a:buFont typeface="Arial" panose="020B0604020202020204" pitchFamily="34" charset="0"/>
-              <a:buChar char="•"/>
-            </a:pPr>
-            <a:r>
-              <a:rPr lang="en-US" dirty="0"/>
-              <a:t>Offensive players are slightly prone to injury</a:t>
-            </a:r>
-          </a:p>
-          <a:p>
-            <a:pPr marL="285750" indent="-285750">
-              <a:lnSpc>
-                <a:spcPct val="150000"/>
-              </a:lnSpc>
-              <a:buFont typeface="Arial" panose="020B0604020202020204" pitchFamily="34" charset="0"/>
-              <a:buChar char="•"/>
-            </a:pPr>
-            <a:r>
-              <a:rPr lang="en-US" dirty="0"/>
-              <a:t>Wide receivers have their eye on the ball</a:t>
-            </a:r>
-          </a:p>
-          <a:p>
-            <a:pPr marL="285750" indent="-285750">
-              <a:lnSpc>
-                <a:spcPct val="150000"/>
-              </a:lnSpc>
-              <a:buFont typeface="Arial" panose="020B0604020202020204" pitchFamily="34" charset="0"/>
-              <a:buChar char="•"/>
-            </a:pPr>
-            <a:r>
-              <a:rPr lang="en-US" dirty="0"/>
-              <a:t>Running backs are tackled, being hit</a:t>
-            </a:r>
+            <a:endParaRPr lang="en-US"/>
           </a:p>
         </p:txBody>
       </p:sp>
     </p:spTree>
     <p:extLst>
       <p:ext uri="{BB962C8B-B14F-4D97-AF65-F5344CB8AC3E}">
-        <p14:creationId xmlns:p14="http://schemas.microsoft.com/office/powerpoint/2010/main" val="3356490573"/>
+        <p14:creationId xmlns:p14="http://schemas.microsoft.com/office/powerpoint/2010/main" val="1398167894"/>
       </p:ext>
     </p:extLst>
   </p:cSld>
@@ -4283,67 +11561,19 @@
           <a:chExt cx="0" cy="0"/>
         </a:xfrm>
       </p:grpSpPr>
-      <p:sp>
-        <p:nvSpPr>
-          <p:cNvPr id="2" name="Title 1">
-            <a:extLst>
-              <a:ext uri="{FF2B5EF4-FFF2-40B4-BE49-F238E27FC236}">
-                <a16:creationId xmlns:a16="http://schemas.microsoft.com/office/drawing/2014/main" id="{C19F7928-9684-B16D-7B3C-133E0C0ED97C}"/>
-              </a:ext>
-            </a:extLst>
-          </p:cNvPr>
-          <p:cNvSpPr>
-            <a:spLocks noGrp="1"/>
-          </p:cNvSpPr>
-          <p:nvPr>
-            <p:ph type="title"/>
-          </p:nvPr>
-        </p:nvSpPr>
-        <p:spPr/>
-        <p:txBody>
-          <a:bodyPr>
-            <a:normAutofit fontScale="90000"/>
-          </a:bodyPr>
-          <a:lstStyle/>
-          <a:p>
-            <a:r>
-              <a:rPr lang="en-US" b="1" i="0" dirty="0">
-                <a:solidFill>
-                  <a:srgbClr val="000000"/>
-                </a:solidFill>
-                <a:effectLst/>
-                <a:latin typeface="Helvetica Neue"/>
-              </a:rPr>
-              <a:t>Injury trend from 2012 to 2014 (Offense and Defense)</a:t>
-            </a:r>
-            <a:br>
-              <a:rPr lang="en-US" b="1" i="0" dirty="0">
-                <a:solidFill>
-                  <a:srgbClr val="000000"/>
-                </a:solidFill>
-                <a:effectLst/>
-                <a:latin typeface="Helvetica Neue"/>
-              </a:rPr>
-            </a:br>
-            <a:endParaRPr lang="en-US" dirty="0"/>
-          </a:p>
-        </p:txBody>
-      </p:sp>
       <p:pic>
         <p:nvPicPr>
-          <p:cNvPr id="7" name="Content Placeholder 6">
-            <a:extLst>
-              <a:ext uri="{FF2B5EF4-FFF2-40B4-BE49-F238E27FC236}">
-                <a16:creationId xmlns:a16="http://schemas.microsoft.com/office/drawing/2014/main" id="{ED4A3AC4-71F3-A2B9-6CFF-240DE1723353}"/>
+          <p:cNvPr id="4" name="Picture 3">
+            <a:extLst>
+              <a:ext uri="{FF2B5EF4-FFF2-40B4-BE49-F238E27FC236}">
+                <a16:creationId xmlns:a16="http://schemas.microsoft.com/office/drawing/2014/main" id="{E49E533C-C936-B265-96D1-F5739A1E9598}"/>
               </a:ext>
             </a:extLst>
           </p:cNvPr>
           <p:cNvPicPr>
-            <a:picLocks noGrp="1" noChangeAspect="1"/>
+            <a:picLocks noChangeAspect="1"/>
           </p:cNvPicPr>
-          <p:nvPr>
-            <p:ph idx="1"/>
-          </p:nvPr>
+          <p:nvPr/>
         </p:nvPicPr>
         <p:blipFill>
           <a:blip r:embed="rId2"/>
@@ -4353,77 +11583,48 @@
         </p:blipFill>
         <p:spPr>
           <a:xfrm>
-            <a:off x="1451579" y="2156802"/>
-            <a:ext cx="4329106" cy="3449638"/>
-          </a:xfrm>
-        </p:spPr>
-      </p:pic>
-      <p:sp>
-        <p:nvSpPr>
-          <p:cNvPr id="8" name="TextBox 7">
-            <a:extLst>
-              <a:ext uri="{FF2B5EF4-FFF2-40B4-BE49-F238E27FC236}">
-                <a16:creationId xmlns:a16="http://schemas.microsoft.com/office/drawing/2014/main" id="{A55B2F8E-53DD-ACD3-5963-1213C486E48A}"/>
-              </a:ext>
-            </a:extLst>
-          </p:cNvPr>
-          <p:cNvSpPr txBox="1"/>
-          <p:nvPr/>
-        </p:nvSpPr>
-        <p:spPr>
-          <a:xfrm>
-            <a:off x="6576646" y="2549769"/>
-            <a:ext cx="4478208" cy="1615827"/>
+            <a:off x="1239520" y="566737"/>
+            <a:ext cx="5486400" cy="5724525"/>
           </a:xfrm>
           <a:prstGeom prst="rect">
             <a:avLst/>
           </a:prstGeom>
-          <a:noFill/>
-        </p:spPr>
-        <p:txBody>
-          <a:bodyPr wrap="square" rtlCol="0">
-            <a:spAutoFit/>
-          </a:bodyPr>
-          <a:lstStyle/>
-          <a:p>
-            <a:pPr marL="285750" indent="-285750">
-              <a:lnSpc>
-                <a:spcPct val="150000"/>
-              </a:lnSpc>
-              <a:buFont typeface="Arial" panose="020B0604020202020204" pitchFamily="34" charset="0"/>
-              <a:buChar char="•"/>
-            </a:pPr>
-            <a:r>
-              <a:rPr lang="en-US" dirty="0"/>
-              <a:t>NFL player safety are given emphasis</a:t>
-            </a:r>
-          </a:p>
-          <a:p>
-            <a:pPr marL="285750" indent="-285750">
-              <a:lnSpc>
-                <a:spcPct val="150000"/>
-              </a:lnSpc>
-              <a:buFont typeface="Arial" panose="020B0604020202020204" pitchFamily="34" charset="0"/>
-              <a:buChar char="•"/>
-            </a:pPr>
-            <a:r>
-              <a:rPr lang="en-US" dirty="0"/>
-              <a:t>NFL Game Day Concussion Diagnosis and Management Protocol in 2011</a:t>
-            </a:r>
-          </a:p>
-          <a:p>
-            <a:pPr marL="285750" indent="-285750">
-              <a:buFont typeface="Arial" panose="020B0604020202020204" pitchFamily="34" charset="0"/>
-              <a:buChar char="•"/>
-            </a:pPr>
-            <a:endParaRPr lang="en-US" dirty="0"/>
-          </a:p>
-        </p:txBody>
-      </p:sp>
+        </p:spPr>
+      </p:pic>
+      <p:pic>
+        <p:nvPicPr>
+          <p:cNvPr id="6" name="Picture 5">
+            <a:extLst>
+              <a:ext uri="{FF2B5EF4-FFF2-40B4-BE49-F238E27FC236}">
+                <a16:creationId xmlns:a16="http://schemas.microsoft.com/office/drawing/2014/main" id="{A8FFA468-55D8-86EC-20BA-6B6B62E3AEAD}"/>
+              </a:ext>
+            </a:extLst>
+          </p:cNvPr>
+          <p:cNvPicPr>
+            <a:picLocks noChangeAspect="1"/>
+          </p:cNvPicPr>
+          <p:nvPr/>
+        </p:nvPicPr>
+        <p:blipFill>
+          <a:blip r:embed="rId3"/>
+          <a:stretch>
+            <a:fillRect/>
+          </a:stretch>
+        </p:blipFill>
+        <p:spPr>
+          <a:xfrm>
+            <a:off x="7229575" y="1103991"/>
+            <a:ext cx="3465782" cy="2325008"/>
+          </a:xfrm>
+          <a:prstGeom prst="rect">
+            <a:avLst/>
+          </a:prstGeom>
+        </p:spPr>
+      </p:pic>
     </p:spTree>
     <p:extLst>
       <p:ext uri="{BB962C8B-B14F-4D97-AF65-F5344CB8AC3E}">
-        <p14:creationId xmlns:p14="http://schemas.microsoft.com/office/powerpoint/2010/main" val="1510953849"/>
+        <p14:creationId xmlns:p14="http://schemas.microsoft.com/office/powerpoint/2010/main" val="379728094"/>
       </p:ext>
     </p:extLst>
   </p:cSld>
@@ -4455,7 +11656,7 @@
           <p:cNvPr id="2" name="Title 1">
             <a:extLst>
               <a:ext uri="{FF2B5EF4-FFF2-40B4-BE49-F238E27FC236}">
-                <a16:creationId xmlns:a16="http://schemas.microsoft.com/office/drawing/2014/main" id="{3E1E897B-53E9-80A3-0CC8-3A299E1E2644}"/>
+                <a16:creationId xmlns:a16="http://schemas.microsoft.com/office/drawing/2014/main" id="{AFC6D044-C704-4974-935B-AE3D7EFC9BC4}"/>
               </a:ext>
             </a:extLst>
           </p:cNvPr>
@@ -4466,42 +11667,130 @@
             <p:ph type="title"/>
           </p:nvPr>
         </p:nvSpPr>
-        <p:spPr/>
-        <p:txBody>
-          <a:bodyPr>
-            <a:normAutofit fontScale="90000"/>
-          </a:bodyPr>
+        <p:spPr>
+          <a:xfrm>
+            <a:off x="838200" y="365125"/>
+            <a:ext cx="10515600" cy="1325563"/>
+          </a:xfrm>
+        </p:spPr>
+        <p:txBody>
+          <a:bodyPr/>
           <a:lstStyle/>
           <a:p>
             <a:r>
-              <a:rPr lang="en-US" b="1" i="0" dirty="0">
-                <a:solidFill>
-                  <a:srgbClr val="000000"/>
-                </a:solidFill>
-                <a:effectLst/>
-                <a:latin typeface="Helvetica Neue"/>
-              </a:rPr>
-              <a:t>Break down of injuries per team and per year (2012 to 2014)</a:t>
-            </a:r>
-            <a:br>
-              <a:rPr lang="en-US" b="1" i="0" dirty="0">
-                <a:solidFill>
-                  <a:srgbClr val="000000"/>
-                </a:solidFill>
-                <a:effectLst/>
-                <a:latin typeface="Helvetica Neue"/>
-              </a:rPr>
-            </a:br>
+              <a:rPr lang="en-US" dirty="0"/>
+              <a:t>Number of Concussions and Head Injuries</a:t>
+            </a:r>
+          </a:p>
+        </p:txBody>
+      </p:sp>
+      <p:sp>
+        <p:nvSpPr>
+          <p:cNvPr id="9" name="Date Placeholder 8">
+            <a:extLst>
+              <a:ext uri="{FF2B5EF4-FFF2-40B4-BE49-F238E27FC236}">
+                <a16:creationId xmlns:a16="http://schemas.microsoft.com/office/drawing/2014/main" id="{A672774E-BCBF-4B44-9E79-28E9153ABA7E}"/>
+              </a:ext>
+            </a:extLst>
+          </p:cNvPr>
+          <p:cNvSpPr>
+            <a:spLocks noGrp="1"/>
+          </p:cNvSpPr>
+          <p:nvPr>
+            <p:ph type="dt" sz="half" idx="10"/>
+          </p:nvPr>
+        </p:nvSpPr>
+        <p:spPr>
+          <a:xfrm>
+            <a:off x="838200" y="6356350"/>
+            <a:ext cx="2743200" cy="365125"/>
+          </a:xfrm>
+        </p:spPr>
+        <p:txBody>
+          <a:bodyPr/>
+          <a:lstStyle/>
+          <a:p>
+            <a:r>
+              <a:rPr lang="en-US" dirty="0"/>
+              <a:t>20XX</a:t>
+            </a:r>
+          </a:p>
+        </p:txBody>
+      </p:sp>
+      <p:sp>
+        <p:nvSpPr>
+          <p:cNvPr id="10" name="Footer Placeholder 9">
+            <a:extLst>
+              <a:ext uri="{FF2B5EF4-FFF2-40B4-BE49-F238E27FC236}">
+                <a16:creationId xmlns:a16="http://schemas.microsoft.com/office/drawing/2014/main" id="{18FAD6D3-B1FB-463D-87D0-FA9A4AEA13D6}"/>
+              </a:ext>
+            </a:extLst>
+          </p:cNvPr>
+          <p:cNvSpPr>
+            <a:spLocks noGrp="1"/>
+          </p:cNvSpPr>
+          <p:nvPr>
+            <p:ph type="ftr" sz="quarter" idx="11"/>
+          </p:nvPr>
+        </p:nvSpPr>
+        <p:spPr>
+          <a:xfrm>
+            <a:off x="4038600" y="6356350"/>
+            <a:ext cx="4114800" cy="365125"/>
+          </a:xfrm>
+        </p:spPr>
+        <p:txBody>
+          <a:bodyPr/>
+          <a:lstStyle/>
+          <a:p>
+            <a:r>
+              <a:rPr lang="en-US" dirty="0"/>
+              <a:t>PRESENTATION TITLE</a:t>
+            </a:r>
+          </a:p>
+        </p:txBody>
+      </p:sp>
+      <p:sp>
+        <p:nvSpPr>
+          <p:cNvPr id="11" name="Slide Number Placeholder 10">
+            <a:extLst>
+              <a:ext uri="{FF2B5EF4-FFF2-40B4-BE49-F238E27FC236}">
+                <a16:creationId xmlns:a16="http://schemas.microsoft.com/office/drawing/2014/main" id="{6D5843A7-CBF3-441B-919C-8467B2BB19B5}"/>
+              </a:ext>
+            </a:extLst>
+          </p:cNvPr>
+          <p:cNvSpPr>
+            <a:spLocks noGrp="1"/>
+          </p:cNvSpPr>
+          <p:nvPr>
+            <p:ph type="sldNum" sz="quarter" idx="12"/>
+          </p:nvPr>
+        </p:nvSpPr>
+        <p:spPr>
+          <a:xfrm>
+            <a:off x="8610600" y="6356350"/>
+            <a:ext cx="2743200" cy="365125"/>
+          </a:xfrm>
+        </p:spPr>
+        <p:txBody>
+          <a:bodyPr/>
+          <a:lstStyle/>
+          <a:p>
+            <a:fld id="{A49DFD55-3C28-40EF-9E31-A92D2E4017FF}" type="slidenum">
+              <a:rPr lang="en-US" smtClean="0"/>
+              <a:pPr/>
+              <a:t>6</a:t>
+            </a:fld>
             <a:endParaRPr lang="en-US" dirty="0"/>
           </a:p>
         </p:txBody>
       </p:sp>
       <p:pic>
         <p:nvPicPr>
-          <p:cNvPr id="9" name="Content Placeholder 8">
-            <a:extLst>
-              <a:ext uri="{FF2B5EF4-FFF2-40B4-BE49-F238E27FC236}">
-                <a16:creationId xmlns:a16="http://schemas.microsoft.com/office/drawing/2014/main" id="{53C4A5E9-54E9-5E79-3B27-C79F6F529A98}"/>
+          <p:cNvPr id="5" name="Chart Placeholder 4">
+            <a:extLst>
+              <a:ext uri="{FF2B5EF4-FFF2-40B4-BE49-F238E27FC236}">
+                <a16:creationId xmlns:a16="http://schemas.microsoft.com/office/drawing/2014/main" id="{50EC1239-66B3-0A6F-84A6-7E91AD464C01}"/>
               </a:ext>
             </a:extLst>
           </p:cNvPr>
@@ -4509,7 +11798,7 @@
             <a:picLocks noGrp="1" noChangeAspect="1"/>
           </p:cNvPicPr>
           <p:nvPr>
-            <p:ph idx="1"/>
+            <p:ph type="chart" sz="quarter" idx="13"/>
           </p:nvPr>
         </p:nvPicPr>
         <p:blipFill>
@@ -4520,17 +11809,20 @@
         </p:blipFill>
         <p:spPr>
           <a:xfrm>
-            <a:off x="1451579" y="2016125"/>
-            <a:ext cx="4764583" cy="3449638"/>
-          </a:xfrm>
+            <a:off x="1371601" y="1337233"/>
+            <a:ext cx="6370688" cy="4752735"/>
+          </a:xfrm>
+          <a:prstGeom prst="rect">
+            <a:avLst/>
+          </a:prstGeom>
         </p:spPr>
       </p:pic>
       <p:sp>
         <p:nvSpPr>
-          <p:cNvPr id="10" name="TextBox 9">
-            <a:extLst>
-              <a:ext uri="{FF2B5EF4-FFF2-40B4-BE49-F238E27FC236}">
-                <a16:creationId xmlns:a16="http://schemas.microsoft.com/office/drawing/2014/main" id="{7382B027-20F8-240D-2040-1110C387D64F}"/>
+          <p:cNvPr id="7" name="TextBox 6">
+            <a:extLst>
+              <a:ext uri="{FF2B5EF4-FFF2-40B4-BE49-F238E27FC236}">
+                <a16:creationId xmlns:a16="http://schemas.microsoft.com/office/drawing/2014/main" id="{4133C002-7D29-E8F7-5046-8C7D078A75AD}"/>
               </a:ext>
             </a:extLst>
           </p:cNvPr>
@@ -4539,8 +11831,8 @@
         </p:nvSpPr>
         <p:spPr>
           <a:xfrm>
-            <a:off x="6840415" y="2611315"/>
-            <a:ext cx="184731" cy="369332"/>
+            <a:off x="8778240" y="1564640"/>
+            <a:ext cx="2575560" cy="5078313"/>
           </a:xfrm>
           <a:prstGeom prst="rect">
             <a:avLst/>
@@ -4548,49 +11840,74 @@
           <a:noFill/>
         </p:spPr>
         <p:txBody>
-          <a:bodyPr wrap="none" rtlCol="0">
+          <a:bodyPr wrap="square" rtlCol="0">
             <a:spAutoFit/>
           </a:bodyPr>
           <a:lstStyle/>
           <a:p>
-            <a:endParaRPr lang="en-US" dirty="0"/>
-          </a:p>
-        </p:txBody>
-      </p:sp>
-      <p:pic>
-        <p:nvPicPr>
-          <p:cNvPr id="12" name="Picture 11">
-            <a:extLst>
-              <a:ext uri="{FF2B5EF4-FFF2-40B4-BE49-F238E27FC236}">
-                <a16:creationId xmlns:a16="http://schemas.microsoft.com/office/drawing/2014/main" id="{72915077-40AF-5B40-8200-5454773A9626}"/>
-              </a:ext>
-            </a:extLst>
-          </p:cNvPr>
-          <p:cNvPicPr>
-            <a:picLocks noChangeAspect="1"/>
-          </p:cNvPicPr>
-          <p:nvPr/>
-        </p:nvPicPr>
-        <p:blipFill>
-          <a:blip r:embed="rId3"/>
-          <a:stretch>
-            <a:fillRect/>
-          </a:stretch>
-        </p:blipFill>
-        <p:spPr>
-          <a:xfrm>
-            <a:off x="7025146" y="1935859"/>
-            <a:ext cx="3010834" cy="3882989"/>
-          </a:xfrm>
-          <a:prstGeom prst="rect">
-            <a:avLst/>
-          </a:prstGeom>
-        </p:spPr>
-      </p:pic>
+            <a:r>
+              <a:rPr lang="en-US" dirty="0"/>
+              <a:t>Statistical Test:</a:t>
+            </a:r>
+          </a:p>
+          <a:p>
+            <a:pPr marL="285750" indent="-285750">
+              <a:buFont typeface="Arial" panose="020B0604020202020204" pitchFamily="34" charset="0"/>
+              <a:buChar char="•"/>
+            </a:pPr>
+            <a:r>
+              <a:rPr lang="en-US" dirty="0"/>
+              <a:t>H</a:t>
+            </a:r>
+            <a:r>
+              <a:rPr lang="en-US" sz="900" dirty="0"/>
+              <a:t>o</a:t>
+            </a:r>
+            <a:r>
+              <a:rPr lang="en-US" dirty="0"/>
+              <a:t>: If head injuries impact a player’s ability to participate as much as concussions, then there will not be a difference in mean number of games missed</a:t>
+            </a:r>
+          </a:p>
+          <a:p>
+            <a:pPr marL="285750" indent="-285750">
+              <a:buFont typeface="Arial" panose="020B0604020202020204" pitchFamily="34" charset="0"/>
+              <a:buChar char="•"/>
+            </a:pPr>
+            <a:r>
+              <a:rPr lang="en-US" dirty="0"/>
+              <a:t>Independent t-test</a:t>
+            </a:r>
+          </a:p>
+          <a:p>
+            <a:pPr marL="285750" indent="-285750">
+              <a:buFont typeface="Arial" panose="020B0604020202020204" pitchFamily="34" charset="0"/>
+              <a:buChar char="•"/>
+            </a:pPr>
+            <a:r>
+              <a:rPr lang="en-US" altLang="en-US" dirty="0" err="1"/>
+              <a:t>pvalue</a:t>
+            </a:r>
+            <a:r>
+              <a:rPr lang="en-US" altLang="en-US" dirty="0"/>
+              <a:t>=0.35 </a:t>
+            </a:r>
+          </a:p>
+          <a:p>
+            <a:pPr marL="285750" indent="-285750">
+              <a:buFont typeface="Arial" panose="020B0604020202020204" pitchFamily="34" charset="0"/>
+              <a:buChar char="•"/>
+            </a:pPr>
+            <a:r>
+              <a:rPr lang="en-US" dirty="0"/>
+              <a:t>No statistically significant difference of mean games missed for head injuries versus concussions</a:t>
+            </a:r>
+          </a:p>
+        </p:txBody>
+      </p:sp>
     </p:spTree>
     <p:extLst>
       <p:ext uri="{BB962C8B-B14F-4D97-AF65-F5344CB8AC3E}">
-        <p14:creationId xmlns:p14="http://schemas.microsoft.com/office/powerpoint/2010/main" val="1773774158"/>
+        <p14:creationId xmlns:p14="http://schemas.microsoft.com/office/powerpoint/2010/main" val="2303579910"/>
       </p:ext>
     </p:extLst>
   </p:cSld>
@@ -4617,124 +11934,73 @@
           <a:chExt cx="0" cy="0"/>
         </a:xfrm>
       </p:grpSpPr>
-      <p:sp>
-        <p:nvSpPr>
-          <p:cNvPr id="2" name="Title 1">
-            <a:extLst>
-              <a:ext uri="{FF2B5EF4-FFF2-40B4-BE49-F238E27FC236}">
-                <a16:creationId xmlns:a16="http://schemas.microsoft.com/office/drawing/2014/main" id="{5C2A5588-5D44-1DA3-E506-5623A17BDFD6}"/>
-              </a:ext>
-            </a:extLst>
-          </p:cNvPr>
-          <p:cNvSpPr>
-            <a:spLocks noGrp="1"/>
-          </p:cNvSpPr>
-          <p:nvPr>
-            <p:ph type="title"/>
-          </p:nvPr>
-        </p:nvSpPr>
-        <p:spPr/>
-        <p:txBody>
-          <a:bodyPr>
-            <a:noAutofit/>
-          </a:bodyPr>
-          <a:lstStyle/>
-          <a:p>
-            <a:pPr algn="ctr"/>
-            <a:r>
-              <a:rPr lang="en-US" sz="7200" dirty="0"/>
-              <a:t>references</a:t>
-            </a:r>
-          </a:p>
-        </p:txBody>
-      </p:sp>
-      <p:sp>
-        <p:nvSpPr>
-          <p:cNvPr id="4" name="TextBox 3">
-            <a:extLst>
-              <a:ext uri="{FF2B5EF4-FFF2-40B4-BE49-F238E27FC236}">
-                <a16:creationId xmlns:a16="http://schemas.microsoft.com/office/drawing/2014/main" id="{2F28DA80-11C0-5C4D-5391-2DA1E1D947AD}"/>
-              </a:ext>
-            </a:extLst>
-          </p:cNvPr>
-          <p:cNvSpPr txBox="1"/>
+      <p:pic>
+        <p:nvPicPr>
+          <p:cNvPr id="364" name="Picture 363">
+            <a:extLst>
+              <a:ext uri="{FF2B5EF4-FFF2-40B4-BE49-F238E27FC236}">
+                <a16:creationId xmlns:a16="http://schemas.microsoft.com/office/drawing/2014/main" id="{57C96478-DD4F-4EDB-38E1-61A5C8A42410}"/>
+              </a:ext>
+            </a:extLst>
+          </p:cNvPr>
+          <p:cNvPicPr>
+            <a:picLocks noChangeAspect="1"/>
+          </p:cNvPicPr>
           <p:nvPr/>
-        </p:nvSpPr>
-        <p:spPr>
-          <a:xfrm>
-            <a:off x="1451579" y="2004645"/>
-            <a:ext cx="9603275" cy="2862322"/>
+        </p:nvPicPr>
+        <p:blipFill>
+          <a:blip r:embed="rId2"/>
+          <a:stretch>
+            <a:fillRect/>
+          </a:stretch>
+        </p:blipFill>
+        <p:spPr>
+          <a:xfrm>
+            <a:off x="525780" y="718808"/>
+            <a:ext cx="11140440" cy="5840483"/>
           </a:xfrm>
           <a:prstGeom prst="rect">
             <a:avLst/>
           </a:prstGeom>
-          <a:noFill/>
-        </p:spPr>
-        <p:txBody>
-          <a:bodyPr wrap="square" rtlCol="0">
-            <a:spAutoFit/>
-          </a:bodyPr>
+        </p:spPr>
+      </p:pic>
+      <p:sp>
+        <p:nvSpPr>
+          <p:cNvPr id="366" name="Title 2">
+            <a:extLst>
+              <a:ext uri="{FF2B5EF4-FFF2-40B4-BE49-F238E27FC236}">
+                <a16:creationId xmlns:a16="http://schemas.microsoft.com/office/drawing/2014/main" id="{4085787E-4532-8726-D4AC-9F2932E5D035}"/>
+              </a:ext>
+            </a:extLst>
+          </p:cNvPr>
+          <p:cNvSpPr>
+            <a:spLocks noGrp="1"/>
+          </p:cNvSpPr>
+          <p:nvPr>
+            <p:ph type="title"/>
+          </p:nvPr>
+        </p:nvSpPr>
+        <p:spPr>
+          <a:xfrm>
+            <a:off x="746760" y="193040"/>
+            <a:ext cx="10515600" cy="705168"/>
+          </a:xfrm>
+        </p:spPr>
+        <p:txBody>
+          <a:bodyPr/>
           <a:lstStyle/>
           <a:p>
             <a:r>
               <a:rPr lang="en-US" dirty="0"/>
-              <a:t>Dataset:</a:t>
-            </a:r>
-          </a:p>
-          <a:p>
-            <a:r>
-              <a:rPr lang="en-US" dirty="0">
-                <a:hlinkClick r:id="rId2"/>
-              </a:rPr>
-              <a:t>https://data.world/alice-c/nfl</a:t>
-            </a:r>
-            <a:endParaRPr lang="en-US" dirty="0"/>
-          </a:p>
-          <a:p>
-            <a:endParaRPr lang="en-US" dirty="0"/>
-          </a:p>
-          <a:p>
-            <a:r>
-              <a:rPr lang="en-US" dirty="0"/>
-              <a:t>News articles:</a:t>
-            </a:r>
-          </a:p>
-          <a:p>
-            <a:r>
-              <a:rPr lang="en-US" dirty="0">
-                <a:hlinkClick r:id="rId3"/>
-              </a:rPr>
-              <a:t>https://www.pbs.org/wgbh/frontline/investigation/the-nfls-concussion-crisis/</a:t>
-            </a:r>
-            <a:endParaRPr lang="en-US" dirty="0"/>
-          </a:p>
-          <a:p>
-            <a:endParaRPr lang="en-US" dirty="0"/>
-          </a:p>
-          <a:p>
-            <a:r>
-              <a:rPr lang="en-US" dirty="0"/>
-              <a:t>NFL protocol on concussions:</a:t>
-            </a:r>
-          </a:p>
-          <a:p>
-            <a:r>
-              <a:rPr lang="en-US" dirty="0">
-                <a:hlinkClick r:id="rId4"/>
-              </a:rPr>
-              <a:t>https://www.nfl.com/playerhealthandsafety/resources/fact-sheets/nfl-head-neck-and-spine-committee-s-concussion-diagnosis-and-management-protocol</a:t>
-            </a:r>
-            <a:endParaRPr lang="en-US" dirty="0"/>
-          </a:p>
-          <a:p>
-            <a:endParaRPr lang="en-US" dirty="0"/>
+              <a:t>NFL Map by Number of Injuries</a:t>
+            </a:r>
           </a:p>
         </p:txBody>
       </p:sp>
     </p:spTree>
     <p:extLst>
       <p:ext uri="{BB962C8B-B14F-4D97-AF65-F5344CB8AC3E}">
-        <p14:creationId xmlns:p14="http://schemas.microsoft.com/office/powerpoint/2010/main" val="3403377057"/>
+        <p14:creationId xmlns:p14="http://schemas.microsoft.com/office/powerpoint/2010/main" val="4055079983"/>
       </p:ext>
     </p:extLst>
   </p:cSld>
@@ -4766,7 +12032,7 @@
           <p:cNvPr id="2" name="Title 1">
             <a:extLst>
               <a:ext uri="{FF2B5EF4-FFF2-40B4-BE49-F238E27FC236}">
-                <a16:creationId xmlns:a16="http://schemas.microsoft.com/office/drawing/2014/main" id="{6560B88E-005A-7B9D-00A1-7C24B1286CC3}"/>
+                <a16:creationId xmlns:a16="http://schemas.microsoft.com/office/drawing/2014/main" id="{4F6A2D15-4D68-4BF7-9421-032AE6C8852C}"/>
               </a:ext>
             </a:extLst>
           </p:cNvPr>
@@ -4779,28 +12045,508 @@
         </p:nvSpPr>
         <p:spPr>
           <a:xfrm>
-            <a:off x="1390033" y="822104"/>
-            <a:ext cx="9603275" cy="1049235"/>
-          </a:xfrm>
-        </p:spPr>
-        <p:txBody>
-          <a:bodyPr>
-            <a:noAutofit/>
+            <a:off x="1885156" y="892177"/>
+            <a:ext cx="8421688" cy="1325563"/>
+          </a:xfrm>
+        </p:spPr>
+        <p:txBody>
+          <a:bodyPr/>
+          <a:lstStyle/>
+          <a:p>
+            <a:r>
+              <a:rPr lang="en-US" dirty="0"/>
+              <a:t>Play Time After Injury</a:t>
+            </a:r>
+          </a:p>
+        </p:txBody>
+      </p:sp>
+      <p:sp>
+        <p:nvSpPr>
+          <p:cNvPr id="23" name="Date Placeholder 22">
+            <a:extLst>
+              <a:ext uri="{FF2B5EF4-FFF2-40B4-BE49-F238E27FC236}">
+                <a16:creationId xmlns:a16="http://schemas.microsoft.com/office/drawing/2014/main" id="{637DEDF5-3FCD-4BC2-86A5-7BE2BF01EA38}"/>
+              </a:ext>
+            </a:extLst>
+          </p:cNvPr>
+          <p:cNvSpPr>
+            <a:spLocks noGrp="1"/>
+          </p:cNvSpPr>
+          <p:nvPr>
+            <p:ph type="dt" sz="half" idx="10"/>
+          </p:nvPr>
+        </p:nvSpPr>
+        <p:spPr>
+          <a:xfrm>
+            <a:off x="838200" y="6356350"/>
+            <a:ext cx="2743200" cy="365125"/>
+          </a:xfrm>
+        </p:spPr>
+        <p:txBody>
+          <a:bodyPr/>
+          <a:lstStyle/>
+          <a:p>
+            <a:r>
+              <a:rPr lang="en-US" dirty="0"/>
+              <a:t>20XX</a:t>
+            </a:r>
+          </a:p>
+        </p:txBody>
+      </p:sp>
+      <p:pic>
+        <p:nvPicPr>
+          <p:cNvPr id="42" name="Picture 41">
+            <a:extLst>
+              <a:ext uri="{FF2B5EF4-FFF2-40B4-BE49-F238E27FC236}">
+                <a16:creationId xmlns:a16="http://schemas.microsoft.com/office/drawing/2014/main" id="{4D789B1B-8558-BF8E-A615-095A0B24E8E6}"/>
+              </a:ext>
+            </a:extLst>
+          </p:cNvPr>
+          <p:cNvPicPr>
+            <a:picLocks noChangeAspect="1"/>
+          </p:cNvPicPr>
+          <p:nvPr/>
+        </p:nvPicPr>
+        <p:blipFill>
+          <a:blip r:embed="rId2"/>
+          <a:stretch>
+            <a:fillRect/>
+          </a:stretch>
+        </p:blipFill>
+        <p:spPr>
+          <a:xfrm>
+            <a:off x="214312" y="1554958"/>
+            <a:ext cx="5362575" cy="4314825"/>
+          </a:xfrm>
+          <a:prstGeom prst="rect">
+            <a:avLst/>
+          </a:prstGeom>
+        </p:spPr>
+      </p:pic>
+      <p:sp>
+        <p:nvSpPr>
+          <p:cNvPr id="43" name="TextBox 42">
+            <a:extLst>
+              <a:ext uri="{FF2B5EF4-FFF2-40B4-BE49-F238E27FC236}">
+                <a16:creationId xmlns:a16="http://schemas.microsoft.com/office/drawing/2014/main" id="{625E8700-4B0A-30DB-EAAD-B22C5D81A138}"/>
+              </a:ext>
+            </a:extLst>
+          </p:cNvPr>
+          <p:cNvSpPr txBox="1"/>
+          <p:nvPr/>
+        </p:nvSpPr>
+        <p:spPr>
+          <a:xfrm>
+            <a:off x="8300720" y="2217740"/>
+            <a:ext cx="2357120" cy="1754326"/>
+          </a:xfrm>
+          <a:prstGeom prst="rect">
+            <a:avLst/>
+          </a:prstGeom>
+          <a:noFill/>
+        </p:spPr>
+        <p:txBody>
+          <a:bodyPr wrap="square" rtlCol="0">
+            <a:spAutoFit/>
           </a:bodyPr>
           <a:lstStyle/>
           <a:p>
-            <a:pPr algn="ctr"/>
-            <a:r>
-              <a:rPr lang="en-US" sz="7200" dirty="0"/>
-              <a:t>appendix</a:t>
-            </a:r>
+            <a:r>
+              <a:rPr lang="en-US" dirty="0" err="1"/>
+              <a:t>stats.ttest_ind</a:t>
+            </a:r>
+            <a:r>
+              <a:rPr lang="en-US" dirty="0"/>
+              <a:t>(</a:t>
+            </a:r>
+            <a:r>
+              <a:rPr lang="en-US" dirty="0" err="1"/>
+              <a:t>play_compare</a:t>
+            </a:r>
+            <a:r>
+              <a:rPr lang="en-US" dirty="0"/>
+              <a:t>['0_x'], </a:t>
+            </a:r>
+            <a:r>
+              <a:rPr lang="en-US" dirty="0" err="1"/>
+              <a:t>play_compare</a:t>
+            </a:r>
+            <a:r>
+              <a:rPr lang="en-US" dirty="0"/>
+              <a:t>['0_y'], </a:t>
+            </a:r>
+            <a:r>
+              <a:rPr lang="en-US" dirty="0" err="1"/>
+              <a:t>equal_var</a:t>
+            </a:r>
+            <a:r>
+              <a:rPr lang="en-US" dirty="0"/>
+              <a:t>=False)</a:t>
+            </a:r>
+          </a:p>
+          <a:p>
+            <a:endParaRPr lang="en-US" dirty="0"/>
+          </a:p>
+          <a:p>
+            <a:endParaRPr lang="en-US" dirty="0"/>
+          </a:p>
+        </p:txBody>
+      </p:sp>
+      <p:sp>
+        <p:nvSpPr>
+          <p:cNvPr id="44" name="Rectangle 1">
+            <a:extLst>
+              <a:ext uri="{FF2B5EF4-FFF2-40B4-BE49-F238E27FC236}">
+                <a16:creationId xmlns:a16="http://schemas.microsoft.com/office/drawing/2014/main" id="{83C8A2D9-B733-38BD-556B-4AEC418BE65D}"/>
+              </a:ext>
+            </a:extLst>
+          </p:cNvPr>
+          <p:cNvSpPr>
+            <a:spLocks noChangeArrowheads="1"/>
+          </p:cNvSpPr>
+          <p:nvPr/>
+        </p:nvSpPr>
+        <p:spPr bwMode="auto">
+          <a:xfrm>
+            <a:off x="5881688" y="5234126"/>
+            <a:ext cx="12192000" cy="457200"/>
+          </a:xfrm>
+          <a:prstGeom prst="rect">
+            <a:avLst/>
+          </a:prstGeom>
+          <a:solidFill>
+            <a:srgbClr val="FFFFFF"/>
+          </a:solidFill>
+          <a:ln>
+            <a:noFill/>
+          </a:ln>
+          <a:effectLst/>
+          <a:extLst>
+            <a:ext uri="{91240B29-F687-4F45-9708-019B960494DF}">
+              <a14:hiddenLine xmlns:a14="http://schemas.microsoft.com/office/drawing/2010/main" w="9525">
+                <a:solidFill>
+                  <a:schemeClr val="tx1"/>
+                </a:solidFill>
+                <a:miter lim="800000"/>
+                <a:headEnd/>
+                <a:tailEnd/>
+              </a14:hiddenLine>
+            </a:ext>
+            <a:ext uri="{AF507438-7753-43E0-B8FC-AC1667EBCBE1}">
+              <a14:hiddenEffects xmlns:a14="http://schemas.microsoft.com/office/drawing/2010/main">
+                <a:effectLst>
+                  <a:outerShdw dist="35921" dir="2700000" algn="ctr" rotWithShape="0">
+                    <a:schemeClr val="bg2"/>
+                  </a:outerShdw>
+                </a:effectLst>
+              </a14:hiddenEffects>
+            </a:ext>
+          </a:extLst>
+        </p:spPr>
+        <p:txBody>
+          <a:bodyPr vert="horz" wrap="none" lIns="0" tIns="0" rIns="0" bIns="0" numCol="1" anchor="ctr" anchorCtr="0" compatLnSpc="1">
+            <a:prstTxWarp prst="textNoShape">
+              <a:avLst/>
+            </a:prstTxWarp>
+            <a:spAutoFit/>
+          </a:bodyPr>
+          <a:lstStyle/>
+          <a:p>
+            <a:pPr marL="0" marR="0" lvl="0" indent="0" algn="l" defTabSz="914400" rtl="0" eaLnBrk="0" fontAlgn="base" latinLnBrk="0" hangingPunct="0">
+              <a:lnSpc>
+                <a:spcPct val="100000"/>
+              </a:lnSpc>
+              <a:spcBef>
+                <a:spcPct val="0"/>
+              </a:spcBef>
+              <a:spcAft>
+                <a:spcPct val="0"/>
+              </a:spcAft>
+              <a:buClrTx/>
+              <a:buSzTx/>
+              <a:buFontTx/>
+              <a:buNone/>
+              <a:tabLst/>
+            </a:pPr>
+            <a:r>
+              <a:rPr kumimoji="0" lang="en-US" altLang="en-US" sz="1000" b="0" i="0" u="none" strike="noStrike" cap="none" normalizeH="0" baseline="0" dirty="0" err="1">
+                <a:ln>
+                  <a:noFill/>
+                </a:ln>
+                <a:solidFill>
+                  <a:srgbClr val="000000"/>
+                </a:solidFill>
+                <a:effectLst/>
+                <a:latin typeface="Courier New" panose="02070309020205020404" pitchFamily="49" charset="0"/>
+                <a:cs typeface="Courier New" panose="02070309020205020404" pitchFamily="49" charset="0"/>
+              </a:rPr>
+              <a:t>Ttest_indResult</a:t>
+            </a:r>
+            <a:r>
+              <a:rPr kumimoji="0" lang="en-US" altLang="en-US" sz="1000" b="0" i="0" u="none" strike="noStrike" cap="none" normalizeH="0" baseline="0" dirty="0">
+                <a:ln>
+                  <a:noFill/>
+                </a:ln>
+                <a:solidFill>
+                  <a:srgbClr val="000000"/>
+                </a:solidFill>
+                <a:effectLst/>
+                <a:latin typeface="Courier New" panose="02070309020205020404" pitchFamily="49" charset="0"/>
+                <a:cs typeface="Courier New" panose="02070309020205020404" pitchFamily="49" charset="0"/>
+              </a:rPr>
+              <a:t>(statistic=-2.340507171046189, </a:t>
+            </a:r>
+            <a:r>
+              <a:rPr kumimoji="0" lang="en-US" altLang="en-US" sz="1000" b="0" i="0" u="none" strike="noStrike" cap="none" normalizeH="0" baseline="0" dirty="0" err="1">
+                <a:ln>
+                  <a:noFill/>
+                </a:ln>
+                <a:solidFill>
+                  <a:srgbClr val="000000"/>
+                </a:solidFill>
+                <a:effectLst/>
+                <a:latin typeface="Courier New" panose="02070309020205020404" pitchFamily="49" charset="0"/>
+                <a:cs typeface="Courier New" panose="02070309020205020404" pitchFamily="49" charset="0"/>
+              </a:rPr>
+              <a:t>pvalue</a:t>
+            </a:r>
+            <a:r>
+              <a:rPr kumimoji="0" lang="en-US" altLang="en-US" sz="1000" b="0" i="0" u="none" strike="noStrike" cap="none" normalizeH="0" baseline="0" dirty="0">
+                <a:ln>
+                  <a:noFill/>
+                </a:ln>
+                <a:solidFill>
+                  <a:srgbClr val="000000"/>
+                </a:solidFill>
+                <a:effectLst/>
+                <a:latin typeface="Courier New" panose="02070309020205020404" pitchFamily="49" charset="0"/>
+                <a:cs typeface="Courier New" panose="02070309020205020404" pitchFamily="49" charset="0"/>
+              </a:rPr>
+              <a:t>=0.01958606850646929)</a:t>
+            </a:r>
+            <a:r>
+              <a:rPr kumimoji="0" lang="en-US" altLang="en-US" sz="800" b="0" i="0" u="none" strike="noStrike" cap="none" normalizeH="0" baseline="0" dirty="0">
+                <a:ln>
+                  <a:noFill/>
+                </a:ln>
+                <a:solidFill>
+                  <a:schemeClr val="tx1"/>
+                </a:solidFill>
+                <a:effectLst/>
+              </a:rPr>
+              <a:t> </a:t>
+            </a:r>
+            <a:endParaRPr kumimoji="0" lang="en-US" altLang="en-US" sz="1800" b="0" i="0" u="none" strike="noStrike" cap="none" normalizeH="0" baseline="0" dirty="0">
+              <a:ln>
+                <a:noFill/>
+              </a:ln>
+              <a:solidFill>
+                <a:schemeClr val="tx1"/>
+              </a:solidFill>
+              <a:effectLst/>
+              <a:latin typeface="Arial" panose="020B0604020202020204" pitchFamily="34" charset="0"/>
+            </a:endParaRPr>
           </a:p>
         </p:txBody>
       </p:sp>
     </p:spTree>
     <p:extLst>
       <p:ext uri="{BB962C8B-B14F-4D97-AF65-F5344CB8AC3E}">
-        <p14:creationId xmlns:p14="http://schemas.microsoft.com/office/powerpoint/2010/main" val="2591246769"/>
+        <p14:creationId xmlns:p14="http://schemas.microsoft.com/office/powerpoint/2010/main" val="2619301236"/>
+      </p:ext>
+    </p:extLst>
+  </p:cSld>
+  <p:clrMapOvr>
+    <a:masterClrMapping/>
+  </p:clrMapOvr>
+</p:sld>
+</file>
+
+<file path=ppt/slides/slide9.xml><?xml version="1.0" encoding="utf-8"?>
+<p:sld xmlns:a="http://schemas.openxmlformats.org/drawingml/2006/main" xmlns:r="http://schemas.openxmlformats.org/officeDocument/2006/relationships" xmlns:p="http://schemas.openxmlformats.org/presentationml/2006/main">
+  <p:cSld>
+    <p:spTree>
+      <p:nvGrpSpPr>
+        <p:cNvPr id="1" name=""/>
+        <p:cNvGrpSpPr/>
+        <p:nvPr/>
+      </p:nvGrpSpPr>
+      <p:grpSpPr>
+        <a:xfrm>
+          <a:off x="0" y="0"/>
+          <a:ext cx="0" cy="0"/>
+          <a:chOff x="0" y="0"/>
+          <a:chExt cx="0" cy="0"/>
+        </a:xfrm>
+      </p:grpSpPr>
+      <p:sp>
+        <p:nvSpPr>
+          <p:cNvPr id="2" name="Title 1">
+            <a:extLst>
+              <a:ext uri="{FF2B5EF4-FFF2-40B4-BE49-F238E27FC236}">
+                <a16:creationId xmlns:a16="http://schemas.microsoft.com/office/drawing/2014/main" id="{0A32731C-311B-46F7-A865-6C3AF6B09A47}"/>
+              </a:ext>
+            </a:extLst>
+          </p:cNvPr>
+          <p:cNvSpPr>
+            <a:spLocks noGrp="1"/>
+          </p:cNvSpPr>
+          <p:nvPr>
+            <p:ph type="title"/>
+          </p:nvPr>
+        </p:nvSpPr>
+        <p:spPr>
+          <a:xfrm>
+            <a:off x="1362075" y="1671639"/>
+            <a:ext cx="5111750" cy="1204912"/>
+          </a:xfrm>
+        </p:spPr>
+        <p:txBody>
+          <a:bodyPr>
+            <a:normAutofit/>
+          </a:bodyPr>
+          <a:lstStyle/>
+          <a:p>
+            <a:r>
+              <a:rPr lang="en-US" dirty="0"/>
+              <a:t>The Break Down</a:t>
+            </a:r>
+          </a:p>
+        </p:txBody>
+      </p:sp>
+      <p:sp>
+        <p:nvSpPr>
+          <p:cNvPr id="4" name="Date Placeholder 3">
+            <a:extLst>
+              <a:ext uri="{FF2B5EF4-FFF2-40B4-BE49-F238E27FC236}">
+                <a16:creationId xmlns:a16="http://schemas.microsoft.com/office/drawing/2014/main" id="{70E12647-CCB2-45E2-A9CB-A868F490497E}"/>
+              </a:ext>
+            </a:extLst>
+          </p:cNvPr>
+          <p:cNvSpPr>
+            <a:spLocks noGrp="1"/>
+          </p:cNvSpPr>
+          <p:nvPr>
+            <p:ph type="dt" sz="half" idx="10"/>
+          </p:nvPr>
+        </p:nvSpPr>
+        <p:spPr>
+          <a:xfrm>
+            <a:off x="838200" y="6356350"/>
+            <a:ext cx="1219200" cy="365125"/>
+          </a:xfrm>
+        </p:spPr>
+        <p:txBody>
+          <a:bodyPr/>
+          <a:lstStyle/>
+          <a:p>
+            <a:r>
+              <a:rPr lang="en-US" dirty="0"/>
+              <a:t>20XX</a:t>
+            </a:r>
+          </a:p>
+        </p:txBody>
+      </p:sp>
+      <p:sp>
+        <p:nvSpPr>
+          <p:cNvPr id="5" name="Footer Placeholder 4">
+            <a:extLst>
+              <a:ext uri="{FF2B5EF4-FFF2-40B4-BE49-F238E27FC236}">
+                <a16:creationId xmlns:a16="http://schemas.microsoft.com/office/drawing/2014/main" id="{8D51ED20-04D4-4894-B0C2-9C541A61A734}"/>
+              </a:ext>
+            </a:extLst>
+          </p:cNvPr>
+          <p:cNvSpPr>
+            <a:spLocks noGrp="1"/>
+          </p:cNvSpPr>
+          <p:nvPr>
+            <p:ph type="ftr" sz="quarter" idx="11"/>
+          </p:nvPr>
+        </p:nvSpPr>
+        <p:spPr>
+          <a:xfrm>
+            <a:off x="2463800" y="6356350"/>
+            <a:ext cx="3479800" cy="365125"/>
+          </a:xfrm>
+        </p:spPr>
+        <p:txBody>
+          <a:bodyPr/>
+          <a:lstStyle/>
+          <a:p>
+            <a:r>
+              <a:rPr lang="en-US" dirty="0"/>
+              <a:t>PRESENTATION TITLE</a:t>
+            </a:r>
+          </a:p>
+        </p:txBody>
+      </p:sp>
+      <p:sp>
+        <p:nvSpPr>
+          <p:cNvPr id="6" name="Slide Number Placeholder 5">
+            <a:extLst>
+              <a:ext uri="{FF2B5EF4-FFF2-40B4-BE49-F238E27FC236}">
+                <a16:creationId xmlns:a16="http://schemas.microsoft.com/office/drawing/2014/main" id="{7BC1787E-7110-4989-B0B8-DD4E0ACC09DF}"/>
+              </a:ext>
+            </a:extLst>
+          </p:cNvPr>
+          <p:cNvSpPr>
+            <a:spLocks noGrp="1"/>
+          </p:cNvSpPr>
+          <p:nvPr>
+            <p:ph type="sldNum" sz="quarter" idx="12"/>
+          </p:nvPr>
+        </p:nvSpPr>
+        <p:spPr>
+          <a:xfrm>
+            <a:off x="8610600" y="6356350"/>
+            <a:ext cx="2743200" cy="365125"/>
+          </a:xfrm>
+        </p:spPr>
+        <p:txBody>
+          <a:bodyPr/>
+          <a:lstStyle/>
+          <a:p>
+            <a:fld id="{A49DFD55-3C28-40EF-9E31-A92D2E4017FF}" type="slidenum">
+              <a:rPr lang="en-US" smtClean="0"/>
+              <a:pPr/>
+              <a:t>9</a:t>
+            </a:fld>
+            <a:endParaRPr lang="en-US" dirty="0"/>
+          </a:p>
+        </p:txBody>
+      </p:sp>
+      <p:sp>
+        <p:nvSpPr>
+          <p:cNvPr id="9" name="Text Placeholder 8">
+            <a:extLst>
+              <a:ext uri="{FF2B5EF4-FFF2-40B4-BE49-F238E27FC236}">
+                <a16:creationId xmlns:a16="http://schemas.microsoft.com/office/drawing/2014/main" id="{668EB773-01D2-4030-80CC-4C8BACC98CC5}"/>
+              </a:ext>
+            </a:extLst>
+          </p:cNvPr>
+          <p:cNvSpPr>
+            <a:spLocks noGrp="1"/>
+          </p:cNvSpPr>
+          <p:nvPr>
+            <p:ph type="body" idx="1"/>
+          </p:nvPr>
+        </p:nvSpPr>
+        <p:spPr/>
+        <p:txBody>
+          <a:bodyPr/>
+          <a:lstStyle/>
+          <a:p>
+            <a:r>
+              <a:rPr lang="en-US" dirty="0"/>
+              <a:t>Offense, Defense, and by Year</a:t>
+            </a:r>
+          </a:p>
+        </p:txBody>
+      </p:sp>
+    </p:spTree>
+    <p:extLst>
+      <p:ext uri="{BB962C8B-B14F-4D97-AF65-F5344CB8AC3E}">
+        <p14:creationId xmlns:p14="http://schemas.microsoft.com/office/powerpoint/2010/main" val="2166205109"/>
       </p:ext>
     </p:extLst>
   </p:cSld>

--- a/NFL_concussion_study.pptx
+++ b/NFL_concussion_study.pptx
@@ -8,22 +8,24 @@
     <p:sldId id="256" r:id="rId2"/>
     <p:sldId id="264" r:id="rId3"/>
     <p:sldId id="272" r:id="rId4"/>
-    <p:sldId id="278" r:id="rId5"/>
-    <p:sldId id="273" r:id="rId6"/>
-    <p:sldId id="268" r:id="rId7"/>
-    <p:sldId id="274" r:id="rId8"/>
-    <p:sldId id="275" r:id="rId9"/>
-    <p:sldId id="279" r:id="rId10"/>
-    <p:sldId id="258" r:id="rId11"/>
-    <p:sldId id="259" r:id="rId12"/>
-    <p:sldId id="265" r:id="rId13"/>
-    <p:sldId id="260" r:id="rId14"/>
-    <p:sldId id="276" r:id="rId15"/>
-    <p:sldId id="261" r:id="rId16"/>
+    <p:sldId id="280" r:id="rId5"/>
+    <p:sldId id="278" r:id="rId6"/>
+    <p:sldId id="273" r:id="rId7"/>
+    <p:sldId id="268" r:id="rId8"/>
+    <p:sldId id="274" r:id="rId9"/>
+    <p:sldId id="275" r:id="rId10"/>
+    <p:sldId id="279" r:id="rId11"/>
+    <p:sldId id="258" r:id="rId12"/>
+    <p:sldId id="259" r:id="rId13"/>
+    <p:sldId id="265" r:id="rId14"/>
+    <p:sldId id="260" r:id="rId15"/>
+    <p:sldId id="276" r:id="rId16"/>
     <p:sldId id="277" r:id="rId17"/>
     <p:sldId id="262" r:id="rId18"/>
-    <p:sldId id="263" r:id="rId19"/>
-    <p:sldId id="257" r:id="rId20"/>
+    <p:sldId id="281" r:id="rId19"/>
+    <p:sldId id="263" r:id="rId20"/>
+    <p:sldId id="257" r:id="rId21"/>
+    <p:sldId id="261" r:id="rId22"/>
   </p:sldIdLst>
   <p:sldSz cx="12192000" cy="6858000"/>
   <p:notesSz cx="6858000" cy="9144000"/>
@@ -8197,7 +8199,7 @@
         </p:blipFill>
         <p:spPr>
           <a:xfrm>
-            <a:off x="10857034" y="4716748"/>
+            <a:off x="10953749" y="183058"/>
             <a:ext cx="1051006" cy="1051006"/>
           </a:xfrm>
           <a:prstGeom prst="rect">
@@ -8240,7 +8242,7 @@
           <p:cNvPr id="2" name="Title 1">
             <a:extLst>
               <a:ext uri="{FF2B5EF4-FFF2-40B4-BE49-F238E27FC236}">
-                <a16:creationId xmlns:a16="http://schemas.microsoft.com/office/drawing/2014/main" id="{E3FC83A8-6962-D3CD-533A-1B3C65B28E1C}"/>
+                <a16:creationId xmlns:a16="http://schemas.microsoft.com/office/drawing/2014/main" id="{0A32731C-311B-46F7-A865-6C3AF6B09A47}"/>
               </a:ext>
             </a:extLst>
           </p:cNvPr>
@@ -8251,168 +8253,150 @@
             <p:ph type="title"/>
           </p:nvPr>
         </p:nvSpPr>
-        <p:spPr/>
+        <p:spPr>
+          <a:xfrm>
+            <a:off x="1362075" y="1671639"/>
+            <a:ext cx="5111750" cy="1204912"/>
+          </a:xfrm>
+        </p:spPr>
         <p:txBody>
           <a:bodyPr>
-            <a:normAutofit fontScale="90000"/>
+            <a:normAutofit/>
           </a:bodyPr>
           <a:lstStyle/>
           <a:p>
             <a:r>
-              <a:rPr lang="en-US" b="1" i="0" dirty="0">
-                <a:solidFill>
-                  <a:srgbClr val="000000"/>
-                </a:solidFill>
-                <a:effectLst/>
-                <a:latin typeface="Helvetica Neue"/>
-              </a:rPr>
-              <a:t>Breakdown on injuries by team (Offense and Defense)</a:t>
-            </a:r>
-            <a:br>
-              <a:rPr lang="en-US" b="1" i="0" dirty="0">
-                <a:solidFill>
-                  <a:srgbClr val="000000"/>
-                </a:solidFill>
-                <a:effectLst/>
-                <a:latin typeface="Helvetica Neue"/>
-              </a:rPr>
-            </a:br>
+              <a:rPr lang="en-US" dirty="0"/>
+              <a:t>The Break Down</a:t>
+            </a:r>
+          </a:p>
+        </p:txBody>
+      </p:sp>
+      <p:sp>
+        <p:nvSpPr>
+          <p:cNvPr id="4" name="Date Placeholder 3">
+            <a:extLst>
+              <a:ext uri="{FF2B5EF4-FFF2-40B4-BE49-F238E27FC236}">
+                <a16:creationId xmlns:a16="http://schemas.microsoft.com/office/drawing/2014/main" id="{70E12647-CCB2-45E2-A9CB-A868F490497E}"/>
+              </a:ext>
+            </a:extLst>
+          </p:cNvPr>
+          <p:cNvSpPr>
+            <a:spLocks noGrp="1"/>
+          </p:cNvSpPr>
+          <p:nvPr>
+            <p:ph type="dt" sz="half" idx="10"/>
+          </p:nvPr>
+        </p:nvSpPr>
+        <p:spPr>
+          <a:xfrm>
+            <a:off x="838200" y="6356350"/>
+            <a:ext cx="1219200" cy="365125"/>
+          </a:xfrm>
+        </p:spPr>
+        <p:txBody>
+          <a:bodyPr/>
+          <a:lstStyle/>
+          <a:p>
+            <a:r>
+              <a:rPr lang="en-US" dirty="0"/>
+              <a:t>20XX</a:t>
+            </a:r>
+          </a:p>
+        </p:txBody>
+      </p:sp>
+      <p:sp>
+        <p:nvSpPr>
+          <p:cNvPr id="5" name="Footer Placeholder 4">
+            <a:extLst>
+              <a:ext uri="{FF2B5EF4-FFF2-40B4-BE49-F238E27FC236}">
+                <a16:creationId xmlns:a16="http://schemas.microsoft.com/office/drawing/2014/main" id="{8D51ED20-04D4-4894-B0C2-9C541A61A734}"/>
+              </a:ext>
+            </a:extLst>
+          </p:cNvPr>
+          <p:cNvSpPr>
+            <a:spLocks noGrp="1"/>
+          </p:cNvSpPr>
+          <p:nvPr>
+            <p:ph type="ftr" sz="quarter" idx="11"/>
+          </p:nvPr>
+        </p:nvSpPr>
+        <p:spPr>
+          <a:xfrm>
+            <a:off x="2463800" y="6356350"/>
+            <a:ext cx="3479800" cy="365125"/>
+          </a:xfrm>
+        </p:spPr>
+        <p:txBody>
+          <a:bodyPr/>
+          <a:lstStyle/>
+          <a:p>
+            <a:r>
+              <a:rPr lang="en-US" dirty="0"/>
+              <a:t>PRESENTATION TITLE</a:t>
+            </a:r>
+          </a:p>
+        </p:txBody>
+      </p:sp>
+      <p:sp>
+        <p:nvSpPr>
+          <p:cNvPr id="6" name="Slide Number Placeholder 5">
+            <a:extLst>
+              <a:ext uri="{FF2B5EF4-FFF2-40B4-BE49-F238E27FC236}">
+                <a16:creationId xmlns:a16="http://schemas.microsoft.com/office/drawing/2014/main" id="{7BC1787E-7110-4989-B0B8-DD4E0ACC09DF}"/>
+              </a:ext>
+            </a:extLst>
+          </p:cNvPr>
+          <p:cNvSpPr>
+            <a:spLocks noGrp="1"/>
+          </p:cNvSpPr>
+          <p:nvPr>
+            <p:ph type="sldNum" sz="quarter" idx="12"/>
+          </p:nvPr>
+        </p:nvSpPr>
+        <p:spPr>
+          <a:xfrm>
+            <a:off x="8610600" y="6356350"/>
+            <a:ext cx="2743200" cy="365125"/>
+          </a:xfrm>
+        </p:spPr>
+        <p:txBody>
+          <a:bodyPr/>
+          <a:lstStyle/>
+          <a:p>
+            <a:fld id="{A49DFD55-3C28-40EF-9E31-A92D2E4017FF}" type="slidenum">
+              <a:rPr lang="en-US" smtClean="0"/>
+              <a:pPr/>
+              <a:t>10</a:t>
+            </a:fld>
             <a:endParaRPr lang="en-US" dirty="0"/>
           </a:p>
         </p:txBody>
       </p:sp>
-      <p:pic>
-        <p:nvPicPr>
-          <p:cNvPr id="5" name="Content Placeholder 4">
-            <a:extLst>
-              <a:ext uri="{FF2B5EF4-FFF2-40B4-BE49-F238E27FC236}">
-                <a16:creationId xmlns:a16="http://schemas.microsoft.com/office/drawing/2014/main" id="{07F7164F-ECD6-1445-162C-9BA47C26750F}"/>
-              </a:ext>
-            </a:extLst>
-          </p:cNvPr>
-          <p:cNvPicPr>
-            <a:picLocks noGrp="1" noChangeAspect="1"/>
-          </p:cNvPicPr>
-          <p:nvPr>
-            <p:ph idx="1"/>
-          </p:nvPr>
-        </p:nvPicPr>
-        <p:blipFill>
-          <a:blip r:embed="rId2"/>
-          <a:stretch>
-            <a:fillRect/>
-          </a:stretch>
-        </p:blipFill>
-        <p:spPr>
-          <a:xfrm>
-            <a:off x="1451579" y="1998540"/>
-            <a:ext cx="4870090" cy="3449638"/>
-          </a:xfrm>
-        </p:spPr>
-      </p:pic>
-      <p:sp>
-        <p:nvSpPr>
-          <p:cNvPr id="6" name="TextBox 5">
-            <a:extLst>
-              <a:ext uri="{FF2B5EF4-FFF2-40B4-BE49-F238E27FC236}">
-                <a16:creationId xmlns:a16="http://schemas.microsoft.com/office/drawing/2014/main" id="{F58A73B4-2646-0098-BE0B-5E1EE6E51653}"/>
-              </a:ext>
-            </a:extLst>
-          </p:cNvPr>
-          <p:cNvSpPr txBox="1"/>
-          <p:nvPr/>
-        </p:nvSpPr>
-        <p:spPr>
-          <a:xfrm>
-            <a:off x="6875584" y="2118946"/>
-            <a:ext cx="4870090" cy="2952027"/>
-          </a:xfrm>
-          <a:prstGeom prst="rect">
-            <a:avLst/>
-          </a:prstGeom>
-          <a:noFill/>
-        </p:spPr>
-        <p:txBody>
-          <a:bodyPr wrap="square" rtlCol="0">
-            <a:spAutoFit/>
-          </a:bodyPr>
+      <p:sp>
+        <p:nvSpPr>
+          <p:cNvPr id="9" name="Text Placeholder 8">
+            <a:extLst>
+              <a:ext uri="{FF2B5EF4-FFF2-40B4-BE49-F238E27FC236}">
+                <a16:creationId xmlns:a16="http://schemas.microsoft.com/office/drawing/2014/main" id="{668EB773-01D2-4030-80CC-4C8BACC98CC5}"/>
+              </a:ext>
+            </a:extLst>
+          </p:cNvPr>
+          <p:cNvSpPr>
+            <a:spLocks noGrp="1"/>
+          </p:cNvSpPr>
+          <p:nvPr>
+            <p:ph type="body" idx="1"/>
+          </p:nvPr>
+        </p:nvSpPr>
+        <p:spPr/>
+        <p:txBody>
+          <a:bodyPr/>
           <a:lstStyle/>
           <a:p>
-            <a:pPr marL="285750" indent="-285750">
-              <a:lnSpc>
-                <a:spcPct val="150000"/>
-              </a:lnSpc>
-              <a:buFont typeface="Arial" panose="020B0604020202020204" pitchFamily="34" charset="0"/>
-              <a:buChar char="•"/>
-            </a:pPr>
             <a:r>
               <a:rPr lang="en-US" dirty="0"/>
-              <a:t>Top positions that is prone to concussion</a:t>
-            </a:r>
-          </a:p>
-          <a:p>
-            <a:pPr marL="742950" lvl="1" indent="-285750">
-              <a:lnSpc>
-                <a:spcPct val="150000"/>
-              </a:lnSpc>
-              <a:buFont typeface="Arial" panose="020B0604020202020204" pitchFamily="34" charset="0"/>
-              <a:buChar char="•"/>
-            </a:pPr>
-            <a:r>
-              <a:rPr lang="en-US" dirty="0"/>
-              <a:t>Cornerback</a:t>
-            </a:r>
-          </a:p>
-          <a:p>
-            <a:pPr marL="742950" lvl="1" indent="-285750">
-              <a:lnSpc>
-                <a:spcPct val="150000"/>
-              </a:lnSpc>
-              <a:buFont typeface="Arial" panose="020B0604020202020204" pitchFamily="34" charset="0"/>
-              <a:buChar char="•"/>
-            </a:pPr>
-            <a:r>
-              <a:rPr lang="en-US" dirty="0"/>
-              <a:t>Wide Receiver</a:t>
-            </a:r>
-          </a:p>
-          <a:p>
-            <a:pPr marL="742950" lvl="1" indent="-285750">
-              <a:lnSpc>
-                <a:spcPct val="150000"/>
-              </a:lnSpc>
-              <a:buFont typeface="Arial" panose="020B0604020202020204" pitchFamily="34" charset="0"/>
-              <a:buChar char="•"/>
-            </a:pPr>
-            <a:r>
-              <a:rPr lang="en-US" dirty="0"/>
-              <a:t>Safety</a:t>
-            </a:r>
-          </a:p>
-          <a:p>
-            <a:pPr marL="742950" lvl="1" indent="-285750">
-              <a:lnSpc>
-                <a:spcPct val="150000"/>
-              </a:lnSpc>
-              <a:buFont typeface="Arial" panose="020B0604020202020204" pitchFamily="34" charset="0"/>
-              <a:buChar char="•"/>
-            </a:pPr>
-            <a:r>
-              <a:rPr lang="en-US" dirty="0"/>
-              <a:t>Running Back</a:t>
-            </a:r>
-          </a:p>
-          <a:p>
-            <a:pPr marL="285750" indent="-285750">
-              <a:lnSpc>
-                <a:spcPct val="150000"/>
-              </a:lnSpc>
-              <a:buFont typeface="Arial" panose="020B0604020202020204" pitchFamily="34" charset="0"/>
-              <a:buChar char="•"/>
-            </a:pPr>
-            <a:r>
-              <a:rPr lang="en-US" dirty="0"/>
-              <a:t>Due to the nature of the game, these positions are likely to have contact</a:t>
+              <a:t>Offense, Defense, and by Year</a:t>
             </a:r>
           </a:p>
         </p:txBody>
@@ -8420,7 +8404,7 @@
     </p:spTree>
     <p:extLst>
       <p:ext uri="{BB962C8B-B14F-4D97-AF65-F5344CB8AC3E}">
-        <p14:creationId xmlns:p14="http://schemas.microsoft.com/office/powerpoint/2010/main" val="3054641002"/>
+        <p14:creationId xmlns:p14="http://schemas.microsoft.com/office/powerpoint/2010/main" val="2166205109"/>
       </p:ext>
     </p:extLst>
   </p:cSld>
@@ -8452,7 +8436,7 @@
           <p:cNvPr id="2" name="Title 1">
             <a:extLst>
               <a:ext uri="{FF2B5EF4-FFF2-40B4-BE49-F238E27FC236}">
-                <a16:creationId xmlns:a16="http://schemas.microsoft.com/office/drawing/2014/main" id="{5C72A5F8-4C72-FCAB-AC32-A1366BD279B6}"/>
+                <a16:creationId xmlns:a16="http://schemas.microsoft.com/office/drawing/2014/main" id="{E3FC83A8-6962-D3CD-533A-1B3C65B28E1C}"/>
               </a:ext>
             </a:extLst>
           </p:cNvPr>
@@ -8478,7 +8462,7 @@
                 <a:effectLst/>
                 <a:latin typeface="Helvetica Neue"/>
               </a:rPr>
-              <a:t>Injury Percentage of Offense and Defense</a:t>
+              <a:t>Breakdown on injuries by team (Offense and Defense)</a:t>
             </a:r>
             <a:br>
               <a:rPr lang="en-US" b="1" i="0" dirty="0">
@@ -8498,7 +8482,7 @@
           <p:cNvPr id="5" name="Content Placeholder 4">
             <a:extLst>
               <a:ext uri="{FF2B5EF4-FFF2-40B4-BE49-F238E27FC236}">
-                <a16:creationId xmlns:a16="http://schemas.microsoft.com/office/drawing/2014/main" id="{82119E9B-B1A5-8914-0236-09BE0DF40D37}"/>
+                <a16:creationId xmlns:a16="http://schemas.microsoft.com/office/drawing/2014/main" id="{07F7164F-ECD6-1445-162C-9BA47C26750F}"/>
               </a:ext>
             </a:extLst>
           </p:cNvPr>
@@ -8517,8 +8501,8 @@
         </p:blipFill>
         <p:spPr>
           <a:xfrm>
-            <a:off x="1451579" y="2068879"/>
-            <a:ext cx="3558751" cy="3449638"/>
+            <a:off x="1451579" y="1998540"/>
+            <a:ext cx="4870090" cy="3449638"/>
           </a:xfrm>
         </p:spPr>
       </p:pic>
@@ -8527,7 +8511,7 @@
           <p:cNvPr id="6" name="TextBox 5">
             <a:extLst>
               <a:ext uri="{FF2B5EF4-FFF2-40B4-BE49-F238E27FC236}">
-                <a16:creationId xmlns:a16="http://schemas.microsoft.com/office/drawing/2014/main" id="{6A53BCBE-CBD1-74AA-D96F-07709ED7E232}"/>
+                <a16:creationId xmlns:a16="http://schemas.microsoft.com/office/drawing/2014/main" id="{F58A73B4-2646-0098-BE0B-5E1EE6E51653}"/>
               </a:ext>
             </a:extLst>
           </p:cNvPr>
@@ -8536,8 +8520,8 @@
         </p:nvSpPr>
         <p:spPr>
           <a:xfrm>
-            <a:off x="6022731" y="2567354"/>
-            <a:ext cx="4592091" cy="1290033"/>
+            <a:off x="6875584" y="2118946"/>
+            <a:ext cx="4870090" cy="2952027"/>
           </a:xfrm>
           <a:prstGeom prst="rect">
             <a:avLst/>
@@ -8545,7 +8529,7 @@
           <a:noFill/>
         </p:spPr>
         <p:txBody>
-          <a:bodyPr wrap="none" rtlCol="0">
+          <a:bodyPr wrap="square" rtlCol="0">
             <a:spAutoFit/>
           </a:bodyPr>
           <a:lstStyle/>
@@ -8559,7 +8543,59 @@
             </a:pPr>
             <a:r>
               <a:rPr lang="en-US" dirty="0"/>
-              <a:t>Offensive players are slightly prone to injury</a:t>
+              <a:t>Top positions that is prone to concussion</a:t>
+            </a:r>
+          </a:p>
+          <a:p>
+            <a:pPr marL="742950" lvl="1" indent="-285750">
+              <a:lnSpc>
+                <a:spcPct val="150000"/>
+              </a:lnSpc>
+              <a:buFont typeface="Arial" panose="020B0604020202020204" pitchFamily="34" charset="0"/>
+              <a:buChar char="•"/>
+            </a:pPr>
+            <a:r>
+              <a:rPr lang="en-US" dirty="0"/>
+              <a:t>Cornerback</a:t>
+            </a:r>
+          </a:p>
+          <a:p>
+            <a:pPr marL="742950" lvl="1" indent="-285750">
+              <a:lnSpc>
+                <a:spcPct val="150000"/>
+              </a:lnSpc>
+              <a:buFont typeface="Arial" panose="020B0604020202020204" pitchFamily="34" charset="0"/>
+              <a:buChar char="•"/>
+            </a:pPr>
+            <a:r>
+              <a:rPr lang="en-US" dirty="0"/>
+              <a:t>Wide Receiver</a:t>
+            </a:r>
+          </a:p>
+          <a:p>
+            <a:pPr marL="742950" lvl="1" indent="-285750">
+              <a:lnSpc>
+                <a:spcPct val="150000"/>
+              </a:lnSpc>
+              <a:buFont typeface="Arial" panose="020B0604020202020204" pitchFamily="34" charset="0"/>
+              <a:buChar char="•"/>
+            </a:pPr>
+            <a:r>
+              <a:rPr lang="en-US" dirty="0"/>
+              <a:t>Safety</a:t>
+            </a:r>
+          </a:p>
+          <a:p>
+            <a:pPr marL="742950" lvl="1" indent="-285750">
+              <a:lnSpc>
+                <a:spcPct val="150000"/>
+              </a:lnSpc>
+              <a:buFont typeface="Arial" panose="020B0604020202020204" pitchFamily="34" charset="0"/>
+              <a:buChar char="•"/>
+            </a:pPr>
+            <a:r>
+              <a:rPr lang="en-US" dirty="0"/>
+              <a:t>Running Back</a:t>
             </a:r>
           </a:p>
           <a:p>
@@ -8572,20 +8608,7 @@
             </a:pPr>
             <a:r>
               <a:rPr lang="en-US" dirty="0"/>
-              <a:t>Wide receivers have their eye on the ball</a:t>
-            </a:r>
-          </a:p>
-          <a:p>
-            <a:pPr marL="285750" indent="-285750">
-              <a:lnSpc>
-                <a:spcPct val="150000"/>
-              </a:lnSpc>
-              <a:buFont typeface="Arial" panose="020B0604020202020204" pitchFamily="34" charset="0"/>
-              <a:buChar char="•"/>
-            </a:pPr>
-            <a:r>
-              <a:rPr lang="en-US" dirty="0"/>
-              <a:t>Running backs are tackled, being hit</a:t>
+              <a:t>Due to the nature of the game, these positions are likely to have contact</a:t>
             </a:r>
           </a:p>
         </p:txBody>
@@ -8593,7 +8616,7 @@
     </p:spTree>
     <p:extLst>
       <p:ext uri="{BB962C8B-B14F-4D97-AF65-F5344CB8AC3E}">
-        <p14:creationId xmlns:p14="http://schemas.microsoft.com/office/powerpoint/2010/main" val="3356490573"/>
+        <p14:creationId xmlns:p14="http://schemas.microsoft.com/office/powerpoint/2010/main" val="3054641002"/>
       </p:ext>
     </p:extLst>
   </p:cSld>
@@ -8625,6 +8648,179 @@
           <p:cNvPr id="2" name="Title 1">
             <a:extLst>
               <a:ext uri="{FF2B5EF4-FFF2-40B4-BE49-F238E27FC236}">
+                <a16:creationId xmlns:a16="http://schemas.microsoft.com/office/drawing/2014/main" id="{5C72A5F8-4C72-FCAB-AC32-A1366BD279B6}"/>
+              </a:ext>
+            </a:extLst>
+          </p:cNvPr>
+          <p:cNvSpPr>
+            <a:spLocks noGrp="1"/>
+          </p:cNvSpPr>
+          <p:nvPr>
+            <p:ph type="title"/>
+          </p:nvPr>
+        </p:nvSpPr>
+        <p:spPr/>
+        <p:txBody>
+          <a:bodyPr>
+            <a:normAutofit fontScale="90000"/>
+          </a:bodyPr>
+          <a:lstStyle/>
+          <a:p>
+            <a:r>
+              <a:rPr lang="en-US" b="1" i="0" dirty="0">
+                <a:solidFill>
+                  <a:srgbClr val="000000"/>
+                </a:solidFill>
+                <a:effectLst/>
+                <a:latin typeface="Helvetica Neue"/>
+              </a:rPr>
+              <a:t>Injury Percentage of Offense and Defense</a:t>
+            </a:r>
+            <a:br>
+              <a:rPr lang="en-US" b="1" i="0" dirty="0">
+                <a:solidFill>
+                  <a:srgbClr val="000000"/>
+                </a:solidFill>
+                <a:effectLst/>
+                <a:latin typeface="Helvetica Neue"/>
+              </a:rPr>
+            </a:br>
+            <a:endParaRPr lang="en-US" dirty="0"/>
+          </a:p>
+        </p:txBody>
+      </p:sp>
+      <p:pic>
+        <p:nvPicPr>
+          <p:cNvPr id="5" name="Content Placeholder 4">
+            <a:extLst>
+              <a:ext uri="{FF2B5EF4-FFF2-40B4-BE49-F238E27FC236}">
+                <a16:creationId xmlns:a16="http://schemas.microsoft.com/office/drawing/2014/main" id="{82119E9B-B1A5-8914-0236-09BE0DF40D37}"/>
+              </a:ext>
+            </a:extLst>
+          </p:cNvPr>
+          <p:cNvPicPr>
+            <a:picLocks noGrp="1" noChangeAspect="1"/>
+          </p:cNvPicPr>
+          <p:nvPr>
+            <p:ph idx="1"/>
+          </p:nvPr>
+        </p:nvPicPr>
+        <p:blipFill>
+          <a:blip r:embed="rId2"/>
+          <a:stretch>
+            <a:fillRect/>
+          </a:stretch>
+        </p:blipFill>
+        <p:spPr>
+          <a:xfrm>
+            <a:off x="1451579" y="2068879"/>
+            <a:ext cx="3558751" cy="3449638"/>
+          </a:xfrm>
+        </p:spPr>
+      </p:pic>
+      <p:sp>
+        <p:nvSpPr>
+          <p:cNvPr id="6" name="TextBox 5">
+            <a:extLst>
+              <a:ext uri="{FF2B5EF4-FFF2-40B4-BE49-F238E27FC236}">
+                <a16:creationId xmlns:a16="http://schemas.microsoft.com/office/drawing/2014/main" id="{6A53BCBE-CBD1-74AA-D96F-07709ED7E232}"/>
+              </a:ext>
+            </a:extLst>
+          </p:cNvPr>
+          <p:cNvSpPr txBox="1"/>
+          <p:nvPr/>
+        </p:nvSpPr>
+        <p:spPr>
+          <a:xfrm>
+            <a:off x="6022731" y="2567354"/>
+            <a:ext cx="4592091" cy="1290033"/>
+          </a:xfrm>
+          <a:prstGeom prst="rect">
+            <a:avLst/>
+          </a:prstGeom>
+          <a:noFill/>
+        </p:spPr>
+        <p:txBody>
+          <a:bodyPr wrap="none" rtlCol="0">
+            <a:spAutoFit/>
+          </a:bodyPr>
+          <a:lstStyle/>
+          <a:p>
+            <a:pPr marL="285750" indent="-285750">
+              <a:lnSpc>
+                <a:spcPct val="150000"/>
+              </a:lnSpc>
+              <a:buFont typeface="Arial" panose="020B0604020202020204" pitchFamily="34" charset="0"/>
+              <a:buChar char="•"/>
+            </a:pPr>
+            <a:r>
+              <a:rPr lang="en-US" dirty="0"/>
+              <a:t>Offensive players are slightly prone to injury</a:t>
+            </a:r>
+          </a:p>
+          <a:p>
+            <a:pPr marL="285750" indent="-285750">
+              <a:lnSpc>
+                <a:spcPct val="150000"/>
+              </a:lnSpc>
+              <a:buFont typeface="Arial" panose="020B0604020202020204" pitchFamily="34" charset="0"/>
+              <a:buChar char="•"/>
+            </a:pPr>
+            <a:r>
+              <a:rPr lang="en-US" dirty="0"/>
+              <a:t>Wide receivers have their eye on the ball</a:t>
+            </a:r>
+          </a:p>
+          <a:p>
+            <a:pPr marL="285750" indent="-285750">
+              <a:lnSpc>
+                <a:spcPct val="150000"/>
+              </a:lnSpc>
+              <a:buFont typeface="Arial" panose="020B0604020202020204" pitchFamily="34" charset="0"/>
+              <a:buChar char="•"/>
+            </a:pPr>
+            <a:r>
+              <a:rPr lang="en-US" dirty="0"/>
+              <a:t>Running backs are tackled, being hit</a:t>
+            </a:r>
+          </a:p>
+        </p:txBody>
+      </p:sp>
+    </p:spTree>
+    <p:extLst>
+      <p:ext uri="{BB962C8B-B14F-4D97-AF65-F5344CB8AC3E}">
+        <p14:creationId xmlns:p14="http://schemas.microsoft.com/office/powerpoint/2010/main" val="3356490573"/>
+      </p:ext>
+    </p:extLst>
+  </p:cSld>
+  <p:clrMapOvr>
+    <a:masterClrMapping/>
+  </p:clrMapOvr>
+</p:sld>
+</file>
+
+<file path=ppt/slides/slide13.xml><?xml version="1.0" encoding="utf-8"?>
+<p:sld xmlns:a="http://schemas.openxmlformats.org/drawingml/2006/main" xmlns:r="http://schemas.openxmlformats.org/officeDocument/2006/relationships" xmlns:p="http://schemas.openxmlformats.org/presentationml/2006/main">
+  <p:cSld>
+    <p:spTree>
+      <p:nvGrpSpPr>
+        <p:cNvPr id="1" name=""/>
+        <p:cNvGrpSpPr/>
+        <p:nvPr/>
+      </p:nvGrpSpPr>
+      <p:grpSpPr>
+        <a:xfrm>
+          <a:off x="0" y="0"/>
+          <a:ext cx="0" cy="0"/>
+          <a:chOff x="0" y="0"/>
+          <a:chExt cx="0" cy="0"/>
+        </a:xfrm>
+      </p:grpSpPr>
+      <p:sp>
+        <p:nvSpPr>
+          <p:cNvPr id="2" name="Title 1">
+            <a:extLst>
+              <a:ext uri="{FF2B5EF4-FFF2-40B4-BE49-F238E27FC236}">
                 <a16:creationId xmlns:a16="http://schemas.microsoft.com/office/drawing/2014/main" id="{D94A2CD4-732A-43E4-BCB9-CBA2055E0AC6}"/>
               </a:ext>
             </a:extLst>
@@ -8638,44 +8834,46 @@
         </p:nvSpPr>
         <p:spPr>
           <a:xfrm>
-            <a:off x="4657724" y="2809875"/>
-            <a:ext cx="6696075" cy="1909763"/>
-          </a:xfrm>
-        </p:spPr>
-        <p:txBody>
-          <a:bodyPr/>
+            <a:off x="4868740" y="2965938"/>
+            <a:ext cx="6696075" cy="1202715"/>
+          </a:xfrm>
+        </p:spPr>
+        <p:txBody>
+          <a:bodyPr>
+            <a:normAutofit/>
+          </a:bodyPr>
           <a:lstStyle/>
           <a:p>
             <a:r>
-              <a:rPr lang="en-US" dirty="0" err="1"/>
+              <a:rPr lang="en-US" sz="2000" dirty="0" err="1"/>
               <a:t>stats.ttest_ind</a:t>
             </a:r>
             <a:r>
-              <a:rPr lang="en-US" dirty="0"/>
+              <a:rPr lang="en-US" sz="2000" dirty="0"/>
               <a:t>(</a:t>
             </a:r>
             <a:r>
-              <a:rPr lang="en-US" dirty="0" err="1"/>
+              <a:rPr lang="en-US" sz="2000" dirty="0" err="1"/>
               <a:t>defense_df</a:t>
             </a:r>
             <a:r>
-              <a:rPr lang="en-US" dirty="0"/>
+              <a:rPr lang="en-US" sz="2000" dirty="0"/>
               <a:t>["Games Missed"], </a:t>
             </a:r>
             <a:r>
-              <a:rPr lang="en-US" dirty="0" err="1"/>
+              <a:rPr lang="en-US" sz="2000" dirty="0" err="1"/>
               <a:t>offense_df</a:t>
             </a:r>
             <a:r>
-              <a:rPr lang="en-US" dirty="0"/>
+              <a:rPr lang="en-US" sz="2000" dirty="0"/>
               <a:t>["Games Missed"], </a:t>
             </a:r>
             <a:r>
-              <a:rPr lang="en-US" dirty="0" err="1"/>
+              <a:rPr lang="en-US" sz="2000" dirty="0" err="1"/>
               <a:t>equal_var</a:t>
             </a:r>
             <a:r>
-              <a:rPr lang="en-US" dirty="0"/>
+              <a:rPr lang="en-US" sz="2000" dirty="0"/>
               <a:t>=False)</a:t>
             </a:r>
           </a:p>
@@ -8809,7 +9007,7 @@
             <a:fld id="{A49DFD55-3C28-40EF-9E31-A92D2E4017FF}" type="slidenum">
               <a:rPr lang="en-US" smtClean="0"/>
               <a:pPr/>
-              <a:t>12</a:t>
+              <a:t>13</a:t>
             </a:fld>
             <a:endParaRPr lang="en-US" dirty="0"/>
           </a:p>
@@ -8831,8 +9029,8 @@
         </p:nvSpPr>
         <p:spPr bwMode="auto">
           <a:xfrm>
-            <a:off x="838200" y="4927600"/>
-            <a:ext cx="12192000" cy="457200"/>
+            <a:off x="5005754" y="4661942"/>
+            <a:ext cx="6348046" cy="153888"/>
           </a:xfrm>
           <a:prstGeom prst="rect">
             <a:avLst/>
@@ -8867,7 +9065,7 @@
           </a:extLst>
         </p:spPr>
         <p:txBody>
-          <a:bodyPr vert="horz" wrap="none" lIns="0" tIns="0" rIns="0" bIns="0" numCol="1" anchor="ctr" anchorCtr="0" compatLnSpc="1">
+          <a:bodyPr vert="horz" wrap="square" lIns="0" tIns="0" rIns="0" bIns="0" numCol="1" anchor="ctr" anchorCtr="0" compatLnSpc="1">
             <a:prstTxWarp prst="textNoShape">
               <a:avLst/>
             </a:prstTxWarp>
@@ -8892,7 +9090,7 @@
               <a:tabLst/>
             </a:pPr>
             <a:r>
-              <a:rPr kumimoji="0" lang="en-US" altLang="en-US" sz="1000" b="0" i="0" u="none" strike="noStrike" cap="none" normalizeH="0" baseline="0">
+              <a:rPr kumimoji="0" lang="en-US" altLang="en-US" sz="1000" b="0" i="0" u="none" strike="noStrike" cap="none" normalizeH="0" baseline="0" dirty="0" err="1">
                 <a:ln>
                   <a:noFill/>
                 </a:ln>
@@ -8902,10 +9100,49 @@
                 <a:effectLst/>
                 <a:latin typeface="Courier New" panose="02070309020205020404" pitchFamily="49" charset="0"/>
               </a:rPr>
-              <a:t>Ttest_indResult(statistic=-1.7650938173235642, pvalue=0.07849418146862482)</a:t>
-            </a:r>
-            <a:r>
-              <a:rPr kumimoji="0" lang="en-US" altLang="en-US" sz="800" b="0" i="0" u="none" strike="noStrike" cap="none" normalizeH="0" baseline="0">
+              <a:t>Ttest_indResult</a:t>
+            </a:r>
+            <a:r>
+              <a:rPr kumimoji="0" lang="en-US" altLang="en-US" sz="1000" b="0" i="0" u="none" strike="noStrike" cap="none" normalizeH="0" baseline="0" dirty="0">
+                <a:ln>
+                  <a:noFill/>
+                </a:ln>
+                <a:solidFill>
+                  <a:srgbClr val="000000"/>
+                </a:solidFill>
+                <a:effectLst/>
+                <a:latin typeface="Courier New" panose="02070309020205020404" pitchFamily="49" charset="0"/>
+              </a:rPr>
+              <a:t>(statistic=-1.7650938173235642, </a:t>
+            </a:r>
+            <a:r>
+              <a:rPr kumimoji="0" lang="en-US" altLang="en-US" sz="1000" b="0" i="0" u="none" strike="noStrike" cap="none" normalizeH="0" baseline="0" dirty="0" err="1">
+                <a:ln>
+                  <a:noFill/>
+                </a:ln>
+                <a:solidFill>
+                  <a:srgbClr val="000000"/>
+                </a:solidFill>
+                <a:effectLst/>
+                <a:latin typeface="Courier New" panose="02070309020205020404" pitchFamily="49" charset="0"/>
+              </a:rPr>
+              <a:t>pvalue</a:t>
+            </a:r>
+            <a:r>
+              <a:rPr kumimoji="0" lang="en-US" altLang="en-US" sz="1000" b="0" i="0" u="none" strike="noStrike" cap="none" normalizeH="0" baseline="0" dirty="0">
+                <a:ln>
+                  <a:noFill/>
+                </a:ln>
+                <a:solidFill>
+                  <a:srgbClr val="000000"/>
+                </a:solidFill>
+                <a:effectLst/>
+                <a:latin typeface="Courier New" panose="02070309020205020404" pitchFamily="49" charset="0"/>
+              </a:rPr>
+              <a:t>=0.07849418146862482)</a:t>
+            </a:r>
+            <a:r>
+              <a:rPr kumimoji="0" lang="en-US" altLang="en-US" sz="800" b="0" i="0" u="none" strike="noStrike" cap="none" normalizeH="0" baseline="0" dirty="0">
                 <a:ln>
                   <a:noFill/>
                 </a:ln>
@@ -8916,7 +9153,7 @@
               </a:rPr>
               <a:t> </a:t>
             </a:r>
-            <a:endParaRPr kumimoji="0" lang="en-US" altLang="en-US" sz="1800" b="0" i="0" u="none" strike="noStrike" cap="none" normalizeH="0" baseline="0">
+            <a:endParaRPr kumimoji="0" lang="en-US" altLang="en-US" sz="1800" b="0" i="0" u="none" strike="noStrike" cap="none" normalizeH="0" baseline="0" dirty="0">
               <a:ln>
                 <a:noFill/>
               </a:ln>
@@ -8929,177 +9166,45 @@
           </a:p>
         </p:txBody>
       </p:sp>
+      <p:sp>
+        <p:nvSpPr>
+          <p:cNvPr id="9" name="TextBox 8">
+            <a:extLst>
+              <a:ext uri="{FF2B5EF4-FFF2-40B4-BE49-F238E27FC236}">
+                <a16:creationId xmlns:a16="http://schemas.microsoft.com/office/drawing/2014/main" id="{BC2B4484-3DD3-FD19-04BB-FA2C681615C9}"/>
+              </a:ext>
+            </a:extLst>
+          </p:cNvPr>
+          <p:cNvSpPr txBox="1"/>
+          <p:nvPr/>
+        </p:nvSpPr>
+        <p:spPr>
+          <a:xfrm>
+            <a:off x="5304693" y="1151105"/>
+            <a:ext cx="6605042" cy="830997"/>
+          </a:xfrm>
+          <a:prstGeom prst="rect">
+            <a:avLst/>
+          </a:prstGeom>
+          <a:noFill/>
+        </p:spPr>
+        <p:txBody>
+          <a:bodyPr wrap="square" rtlCol="0">
+            <a:spAutoFit/>
+          </a:bodyPr>
+          <a:lstStyle/>
+          <a:p>
+            <a:r>
+              <a:rPr lang="en-US" sz="2400" b="1" dirty="0"/>
+              <a:t>Is there a difference on the number of games missed between offense and defense</a:t>
+            </a:r>
+          </a:p>
+        </p:txBody>
+      </p:sp>
     </p:spTree>
     <p:extLst>
       <p:ext uri="{BB962C8B-B14F-4D97-AF65-F5344CB8AC3E}">
         <p14:creationId xmlns:p14="http://schemas.microsoft.com/office/powerpoint/2010/main" val="744379741"/>
-      </p:ext>
-    </p:extLst>
-  </p:cSld>
-  <p:clrMapOvr>
-    <a:masterClrMapping/>
-  </p:clrMapOvr>
-</p:sld>
-</file>
-
-<file path=ppt/slides/slide13.xml><?xml version="1.0" encoding="utf-8"?>
-<p:sld xmlns:a="http://schemas.openxmlformats.org/drawingml/2006/main" xmlns:r="http://schemas.openxmlformats.org/officeDocument/2006/relationships" xmlns:p="http://schemas.openxmlformats.org/presentationml/2006/main">
-  <p:cSld>
-    <p:spTree>
-      <p:nvGrpSpPr>
-        <p:cNvPr id="1" name=""/>
-        <p:cNvGrpSpPr/>
-        <p:nvPr/>
-      </p:nvGrpSpPr>
-      <p:grpSpPr>
-        <a:xfrm>
-          <a:off x="0" y="0"/>
-          <a:ext cx="0" cy="0"/>
-          <a:chOff x="0" y="0"/>
-          <a:chExt cx="0" cy="0"/>
-        </a:xfrm>
-      </p:grpSpPr>
-      <p:sp>
-        <p:nvSpPr>
-          <p:cNvPr id="2" name="Title 1">
-            <a:extLst>
-              <a:ext uri="{FF2B5EF4-FFF2-40B4-BE49-F238E27FC236}">
-                <a16:creationId xmlns:a16="http://schemas.microsoft.com/office/drawing/2014/main" id="{C19F7928-9684-B16D-7B3C-133E0C0ED97C}"/>
-              </a:ext>
-            </a:extLst>
-          </p:cNvPr>
-          <p:cNvSpPr>
-            <a:spLocks noGrp="1"/>
-          </p:cNvSpPr>
-          <p:nvPr>
-            <p:ph type="title"/>
-          </p:nvPr>
-        </p:nvSpPr>
-        <p:spPr/>
-        <p:txBody>
-          <a:bodyPr>
-            <a:normAutofit fontScale="90000"/>
-          </a:bodyPr>
-          <a:lstStyle/>
-          <a:p>
-            <a:r>
-              <a:rPr lang="en-US" b="1" i="0" dirty="0">
-                <a:solidFill>
-                  <a:srgbClr val="000000"/>
-                </a:solidFill>
-                <a:effectLst/>
-                <a:latin typeface="Helvetica Neue"/>
-              </a:rPr>
-              <a:t>Injury trend from 2012 to 2014 (Offense and Defense)</a:t>
-            </a:r>
-            <a:br>
-              <a:rPr lang="en-US" b="1" i="0" dirty="0">
-                <a:solidFill>
-                  <a:srgbClr val="000000"/>
-                </a:solidFill>
-                <a:effectLst/>
-                <a:latin typeface="Helvetica Neue"/>
-              </a:rPr>
-            </a:br>
-            <a:endParaRPr lang="en-US" dirty="0"/>
-          </a:p>
-        </p:txBody>
-      </p:sp>
-      <p:pic>
-        <p:nvPicPr>
-          <p:cNvPr id="7" name="Content Placeholder 6">
-            <a:extLst>
-              <a:ext uri="{FF2B5EF4-FFF2-40B4-BE49-F238E27FC236}">
-                <a16:creationId xmlns:a16="http://schemas.microsoft.com/office/drawing/2014/main" id="{ED4A3AC4-71F3-A2B9-6CFF-240DE1723353}"/>
-              </a:ext>
-            </a:extLst>
-          </p:cNvPr>
-          <p:cNvPicPr>
-            <a:picLocks noGrp="1" noChangeAspect="1"/>
-          </p:cNvPicPr>
-          <p:nvPr>
-            <p:ph idx="1"/>
-          </p:nvPr>
-        </p:nvPicPr>
-        <p:blipFill>
-          <a:blip r:embed="rId2"/>
-          <a:stretch>
-            <a:fillRect/>
-          </a:stretch>
-        </p:blipFill>
-        <p:spPr>
-          <a:xfrm>
-            <a:off x="1451579" y="2156802"/>
-            <a:ext cx="4329106" cy="3449638"/>
-          </a:xfrm>
-        </p:spPr>
-      </p:pic>
-      <p:sp>
-        <p:nvSpPr>
-          <p:cNvPr id="8" name="TextBox 7">
-            <a:extLst>
-              <a:ext uri="{FF2B5EF4-FFF2-40B4-BE49-F238E27FC236}">
-                <a16:creationId xmlns:a16="http://schemas.microsoft.com/office/drawing/2014/main" id="{A55B2F8E-53DD-ACD3-5963-1213C486E48A}"/>
-              </a:ext>
-            </a:extLst>
-          </p:cNvPr>
-          <p:cNvSpPr txBox="1"/>
-          <p:nvPr/>
-        </p:nvSpPr>
-        <p:spPr>
-          <a:xfrm>
-            <a:off x="6576646" y="2549769"/>
-            <a:ext cx="4478208" cy="1615827"/>
-          </a:xfrm>
-          <a:prstGeom prst="rect">
-            <a:avLst/>
-          </a:prstGeom>
-          <a:noFill/>
-        </p:spPr>
-        <p:txBody>
-          <a:bodyPr wrap="square" rtlCol="0">
-            <a:spAutoFit/>
-          </a:bodyPr>
-          <a:lstStyle/>
-          <a:p>
-            <a:pPr marL="285750" indent="-285750">
-              <a:lnSpc>
-                <a:spcPct val="150000"/>
-              </a:lnSpc>
-              <a:buFont typeface="Arial" panose="020B0604020202020204" pitchFamily="34" charset="0"/>
-              <a:buChar char="•"/>
-            </a:pPr>
-            <a:r>
-              <a:rPr lang="en-US" dirty="0"/>
-              <a:t>NFL player safety are given emphasis</a:t>
-            </a:r>
-          </a:p>
-          <a:p>
-            <a:pPr marL="285750" indent="-285750">
-              <a:lnSpc>
-                <a:spcPct val="150000"/>
-              </a:lnSpc>
-              <a:buFont typeface="Arial" panose="020B0604020202020204" pitchFamily="34" charset="0"/>
-              <a:buChar char="•"/>
-            </a:pPr>
-            <a:r>
-              <a:rPr lang="en-US" dirty="0"/>
-              <a:t>NFL Game Day Concussion Diagnosis and Management Protocol in 2011</a:t>
-            </a:r>
-          </a:p>
-          <a:p>
-            <a:pPr marL="285750" indent="-285750">
-              <a:buFont typeface="Arial" panose="020B0604020202020204" pitchFamily="34" charset="0"/>
-              <a:buChar char="•"/>
-            </a:pPr>
-            <a:endParaRPr lang="en-US" dirty="0"/>
-          </a:p>
-        </p:txBody>
-      </p:sp>
-    </p:spTree>
-    <p:extLst>
-      <p:ext uri="{BB962C8B-B14F-4D97-AF65-F5344CB8AC3E}">
-        <p14:creationId xmlns:p14="http://schemas.microsoft.com/office/powerpoint/2010/main" val="1510953849"/>
       </p:ext>
     </p:extLst>
   </p:cSld>
@@ -9131,6 +9236,194 @@
           <p:cNvPr id="2" name="Title 1">
             <a:extLst>
               <a:ext uri="{FF2B5EF4-FFF2-40B4-BE49-F238E27FC236}">
+                <a16:creationId xmlns:a16="http://schemas.microsoft.com/office/drawing/2014/main" id="{C19F7928-9684-B16D-7B3C-133E0C0ED97C}"/>
+              </a:ext>
+            </a:extLst>
+          </p:cNvPr>
+          <p:cNvSpPr>
+            <a:spLocks noGrp="1"/>
+          </p:cNvSpPr>
+          <p:nvPr>
+            <p:ph type="title"/>
+          </p:nvPr>
+        </p:nvSpPr>
+        <p:spPr/>
+        <p:txBody>
+          <a:bodyPr>
+            <a:normAutofit fontScale="90000"/>
+          </a:bodyPr>
+          <a:lstStyle/>
+          <a:p>
+            <a:r>
+              <a:rPr lang="en-US" b="1" i="0" dirty="0">
+                <a:solidFill>
+                  <a:srgbClr val="000000"/>
+                </a:solidFill>
+                <a:effectLst/>
+                <a:latin typeface="Helvetica Neue"/>
+              </a:rPr>
+              <a:t>Injury trend from 2012 to 2014 (Offense and Defense)</a:t>
+            </a:r>
+            <a:br>
+              <a:rPr lang="en-US" b="1" i="0" dirty="0">
+                <a:solidFill>
+                  <a:srgbClr val="000000"/>
+                </a:solidFill>
+                <a:effectLst/>
+                <a:latin typeface="Helvetica Neue"/>
+              </a:rPr>
+            </a:br>
+            <a:endParaRPr lang="en-US" dirty="0"/>
+          </a:p>
+        </p:txBody>
+      </p:sp>
+      <p:pic>
+        <p:nvPicPr>
+          <p:cNvPr id="7" name="Content Placeholder 6">
+            <a:extLst>
+              <a:ext uri="{FF2B5EF4-FFF2-40B4-BE49-F238E27FC236}">
+                <a16:creationId xmlns:a16="http://schemas.microsoft.com/office/drawing/2014/main" id="{ED4A3AC4-71F3-A2B9-6CFF-240DE1723353}"/>
+              </a:ext>
+            </a:extLst>
+          </p:cNvPr>
+          <p:cNvPicPr>
+            <a:picLocks noGrp="1" noChangeAspect="1"/>
+          </p:cNvPicPr>
+          <p:nvPr>
+            <p:ph idx="1"/>
+          </p:nvPr>
+        </p:nvPicPr>
+        <p:blipFill>
+          <a:blip r:embed="rId2"/>
+          <a:stretch>
+            <a:fillRect/>
+          </a:stretch>
+        </p:blipFill>
+        <p:spPr>
+          <a:xfrm>
+            <a:off x="1451579" y="2156802"/>
+            <a:ext cx="4329106" cy="3449638"/>
+          </a:xfrm>
+        </p:spPr>
+      </p:pic>
+      <p:sp>
+        <p:nvSpPr>
+          <p:cNvPr id="8" name="TextBox 7">
+            <a:extLst>
+              <a:ext uri="{FF2B5EF4-FFF2-40B4-BE49-F238E27FC236}">
+                <a16:creationId xmlns:a16="http://schemas.microsoft.com/office/drawing/2014/main" id="{A55B2F8E-53DD-ACD3-5963-1213C486E48A}"/>
+              </a:ext>
+            </a:extLst>
+          </p:cNvPr>
+          <p:cNvSpPr txBox="1"/>
+          <p:nvPr/>
+        </p:nvSpPr>
+        <p:spPr>
+          <a:xfrm>
+            <a:off x="6576646" y="2549769"/>
+            <a:ext cx="4478208" cy="2446824"/>
+          </a:xfrm>
+          <a:prstGeom prst="rect">
+            <a:avLst/>
+          </a:prstGeom>
+          <a:noFill/>
+        </p:spPr>
+        <p:txBody>
+          <a:bodyPr wrap="square" rtlCol="0">
+            <a:spAutoFit/>
+          </a:bodyPr>
+          <a:lstStyle/>
+          <a:p>
+            <a:pPr marL="285750" indent="-285750">
+              <a:lnSpc>
+                <a:spcPct val="150000"/>
+              </a:lnSpc>
+              <a:buFont typeface="Arial" panose="020B0604020202020204" pitchFamily="34" charset="0"/>
+              <a:buChar char="•"/>
+            </a:pPr>
+            <a:r>
+              <a:rPr lang="en-US" dirty="0"/>
+              <a:t>NFL player safety are given emphasis</a:t>
+            </a:r>
+          </a:p>
+          <a:p>
+            <a:pPr marL="285750" indent="-285750">
+              <a:lnSpc>
+                <a:spcPct val="150000"/>
+              </a:lnSpc>
+              <a:buFont typeface="Arial" panose="020B0604020202020204" pitchFamily="34" charset="0"/>
+              <a:buChar char="•"/>
+            </a:pPr>
+            <a:r>
+              <a:rPr lang="en-US" dirty="0"/>
+              <a:t>NFL Game Day Concussion Diagnosis and Management Protocol in 2011</a:t>
+            </a:r>
+          </a:p>
+          <a:p>
+            <a:pPr marL="285750" indent="-285750">
+              <a:lnSpc>
+                <a:spcPct val="150000"/>
+              </a:lnSpc>
+              <a:buFont typeface="Arial" panose="020B0604020202020204" pitchFamily="34" charset="0"/>
+              <a:buChar char="•"/>
+            </a:pPr>
+            <a:r>
+              <a:rPr lang="en-US" dirty="0"/>
+              <a:t>The protocol is reviewed annually</a:t>
+            </a:r>
+          </a:p>
+          <a:p>
+            <a:pPr>
+              <a:lnSpc>
+                <a:spcPct val="150000"/>
+              </a:lnSpc>
+            </a:pPr>
+            <a:endParaRPr lang="en-US" dirty="0"/>
+          </a:p>
+          <a:p>
+            <a:pPr marL="285750" indent="-285750">
+              <a:buFont typeface="Arial" panose="020B0604020202020204" pitchFamily="34" charset="0"/>
+              <a:buChar char="•"/>
+            </a:pPr>
+            <a:endParaRPr lang="en-US" dirty="0"/>
+          </a:p>
+        </p:txBody>
+      </p:sp>
+    </p:spTree>
+    <p:extLst>
+      <p:ext uri="{BB962C8B-B14F-4D97-AF65-F5344CB8AC3E}">
+        <p14:creationId xmlns:p14="http://schemas.microsoft.com/office/powerpoint/2010/main" val="1510953849"/>
+      </p:ext>
+    </p:extLst>
+  </p:cSld>
+  <p:clrMapOvr>
+    <a:masterClrMapping/>
+  </p:clrMapOvr>
+</p:sld>
+</file>
+
+<file path=ppt/slides/slide15.xml><?xml version="1.0" encoding="utf-8"?>
+<p:sld xmlns:a="http://schemas.openxmlformats.org/drawingml/2006/main" xmlns:r="http://schemas.openxmlformats.org/officeDocument/2006/relationships" xmlns:p="http://schemas.openxmlformats.org/presentationml/2006/main">
+  <p:cSld>
+    <p:spTree>
+      <p:nvGrpSpPr>
+        <p:cNvPr id="1" name=""/>
+        <p:cNvGrpSpPr/>
+        <p:nvPr/>
+      </p:nvGrpSpPr>
+      <p:grpSpPr>
+        <a:xfrm>
+          <a:off x="0" y="0"/>
+          <a:ext cx="0" cy="0"/>
+          <a:chOff x="0" y="0"/>
+          <a:chExt cx="0" cy="0"/>
+        </a:xfrm>
+      </p:grpSpPr>
+      <p:sp>
+        <p:nvSpPr>
+          <p:cNvPr id="2" name="Title 1">
+            <a:extLst>
+              <a:ext uri="{FF2B5EF4-FFF2-40B4-BE49-F238E27FC236}">
                 <a16:creationId xmlns:a16="http://schemas.microsoft.com/office/drawing/2014/main" id="{103048E4-9922-B8F0-B1EB-9C96134ADA15}"/>
               </a:ext>
             </a:extLst>
@@ -9264,7 +9557,7 @@
             <a:fld id="{A49DFD55-3C28-40EF-9E31-A92D2E4017FF}" type="slidenum">
               <a:rPr lang="en-US" smtClean="0"/>
               <a:pPr/>
-              <a:t>14</a:t>
+              <a:t>15</a:t>
             </a:fld>
             <a:endParaRPr lang="en-US" dirty="0"/>
           </a:p>
@@ -9596,173 +9889,6 @@
 </p:sld>
 </file>
 
-<file path=ppt/slides/slide15.xml><?xml version="1.0" encoding="utf-8"?>
-<p:sld xmlns:a="http://schemas.openxmlformats.org/drawingml/2006/main" xmlns:r="http://schemas.openxmlformats.org/officeDocument/2006/relationships" xmlns:p="http://schemas.openxmlformats.org/presentationml/2006/main">
-  <p:cSld>
-    <p:spTree>
-      <p:nvGrpSpPr>
-        <p:cNvPr id="1" name=""/>
-        <p:cNvGrpSpPr/>
-        <p:nvPr/>
-      </p:nvGrpSpPr>
-      <p:grpSpPr>
-        <a:xfrm>
-          <a:off x="0" y="0"/>
-          <a:ext cx="0" cy="0"/>
-          <a:chOff x="0" y="0"/>
-          <a:chExt cx="0" cy="0"/>
-        </a:xfrm>
-      </p:grpSpPr>
-      <p:sp>
-        <p:nvSpPr>
-          <p:cNvPr id="2" name="Title 1">
-            <a:extLst>
-              <a:ext uri="{FF2B5EF4-FFF2-40B4-BE49-F238E27FC236}">
-                <a16:creationId xmlns:a16="http://schemas.microsoft.com/office/drawing/2014/main" id="{3E1E897B-53E9-80A3-0CC8-3A299E1E2644}"/>
-              </a:ext>
-            </a:extLst>
-          </p:cNvPr>
-          <p:cNvSpPr>
-            <a:spLocks noGrp="1"/>
-          </p:cNvSpPr>
-          <p:nvPr>
-            <p:ph type="title"/>
-          </p:nvPr>
-        </p:nvSpPr>
-        <p:spPr/>
-        <p:txBody>
-          <a:bodyPr>
-            <a:normAutofit fontScale="90000"/>
-          </a:bodyPr>
-          <a:lstStyle/>
-          <a:p>
-            <a:r>
-              <a:rPr lang="en-US" b="1" i="0" dirty="0">
-                <a:solidFill>
-                  <a:srgbClr val="000000"/>
-                </a:solidFill>
-                <a:effectLst/>
-                <a:latin typeface="Helvetica Neue"/>
-              </a:rPr>
-              <a:t>Break down of injuries per team and per year (2012 to 2014)</a:t>
-            </a:r>
-            <a:br>
-              <a:rPr lang="en-US" b="1" i="0" dirty="0">
-                <a:solidFill>
-                  <a:srgbClr val="000000"/>
-                </a:solidFill>
-                <a:effectLst/>
-                <a:latin typeface="Helvetica Neue"/>
-              </a:rPr>
-            </a:br>
-            <a:endParaRPr lang="en-US" dirty="0"/>
-          </a:p>
-        </p:txBody>
-      </p:sp>
-      <p:pic>
-        <p:nvPicPr>
-          <p:cNvPr id="9" name="Content Placeholder 8">
-            <a:extLst>
-              <a:ext uri="{FF2B5EF4-FFF2-40B4-BE49-F238E27FC236}">
-                <a16:creationId xmlns:a16="http://schemas.microsoft.com/office/drawing/2014/main" id="{53C4A5E9-54E9-5E79-3B27-C79F6F529A98}"/>
-              </a:ext>
-            </a:extLst>
-          </p:cNvPr>
-          <p:cNvPicPr>
-            <a:picLocks noGrp="1" noChangeAspect="1"/>
-          </p:cNvPicPr>
-          <p:nvPr>
-            <p:ph idx="1"/>
-          </p:nvPr>
-        </p:nvPicPr>
-        <p:blipFill>
-          <a:blip r:embed="rId2"/>
-          <a:stretch>
-            <a:fillRect/>
-          </a:stretch>
-        </p:blipFill>
-        <p:spPr>
-          <a:xfrm>
-            <a:off x="1451579" y="2016125"/>
-            <a:ext cx="4764583" cy="3449638"/>
-          </a:xfrm>
-        </p:spPr>
-      </p:pic>
-      <p:sp>
-        <p:nvSpPr>
-          <p:cNvPr id="10" name="TextBox 9">
-            <a:extLst>
-              <a:ext uri="{FF2B5EF4-FFF2-40B4-BE49-F238E27FC236}">
-                <a16:creationId xmlns:a16="http://schemas.microsoft.com/office/drawing/2014/main" id="{7382B027-20F8-240D-2040-1110C387D64F}"/>
-              </a:ext>
-            </a:extLst>
-          </p:cNvPr>
-          <p:cNvSpPr txBox="1"/>
-          <p:nvPr/>
-        </p:nvSpPr>
-        <p:spPr>
-          <a:xfrm>
-            <a:off x="6840415" y="2611315"/>
-            <a:ext cx="184731" cy="369332"/>
-          </a:xfrm>
-          <a:prstGeom prst="rect">
-            <a:avLst/>
-          </a:prstGeom>
-          <a:noFill/>
-        </p:spPr>
-        <p:txBody>
-          <a:bodyPr wrap="none" rtlCol="0">
-            <a:spAutoFit/>
-          </a:bodyPr>
-          <a:lstStyle/>
-          <a:p>
-            <a:endParaRPr lang="en-US" dirty="0"/>
-          </a:p>
-        </p:txBody>
-      </p:sp>
-      <p:pic>
-        <p:nvPicPr>
-          <p:cNvPr id="12" name="Picture 11">
-            <a:extLst>
-              <a:ext uri="{FF2B5EF4-FFF2-40B4-BE49-F238E27FC236}">
-                <a16:creationId xmlns:a16="http://schemas.microsoft.com/office/drawing/2014/main" id="{72915077-40AF-5B40-8200-5454773A9626}"/>
-              </a:ext>
-            </a:extLst>
-          </p:cNvPr>
-          <p:cNvPicPr>
-            <a:picLocks noChangeAspect="1"/>
-          </p:cNvPicPr>
-          <p:nvPr/>
-        </p:nvPicPr>
-        <p:blipFill>
-          <a:blip r:embed="rId3"/>
-          <a:stretch>
-            <a:fillRect/>
-          </a:stretch>
-        </p:blipFill>
-        <p:spPr>
-          <a:xfrm>
-            <a:off x="7025146" y="1935859"/>
-            <a:ext cx="3010834" cy="3882989"/>
-          </a:xfrm>
-          <a:prstGeom prst="rect">
-            <a:avLst/>
-          </a:prstGeom>
-        </p:spPr>
-      </p:pic>
-    </p:spTree>
-    <p:extLst>
-      <p:ext uri="{BB962C8B-B14F-4D97-AF65-F5344CB8AC3E}">
-        <p14:creationId xmlns:p14="http://schemas.microsoft.com/office/powerpoint/2010/main" val="1773774158"/>
-      </p:ext>
-    </p:extLst>
-  </p:cSld>
-  <p:clrMapOvr>
-    <a:masterClrMapping/>
-  </p:clrMapOvr>
-</p:sld>
-</file>
-
 <file path=ppt/slides/slide16.xml><?xml version="1.0" encoding="utf-8"?>
 <p:sld xmlns:a="http://schemas.openxmlformats.org/drawingml/2006/main" xmlns:r="http://schemas.openxmlformats.org/officeDocument/2006/relationships" xmlns:p="http://schemas.openxmlformats.org/presentationml/2006/main">
   <p:cSld>
@@ -9782,32 +9908,62 @@
       </p:grpSpPr>
       <p:sp>
         <p:nvSpPr>
-          <p:cNvPr id="3" name="Text Placeholder 2">
-            <a:extLst>
-              <a:ext uri="{FF2B5EF4-FFF2-40B4-BE49-F238E27FC236}">
-                <a16:creationId xmlns:a16="http://schemas.microsoft.com/office/drawing/2014/main" id="{D851C395-6BC4-4F00-B40B-069DBBB7C08B}"/>
-              </a:ext>
-            </a:extLst>
-          </p:cNvPr>
-          <p:cNvSpPr>
-            <a:spLocks noGrp="1"/>
-          </p:cNvSpPr>
-          <p:nvPr>
-            <p:ph type="body" idx="1"/>
-          </p:nvPr>
-        </p:nvSpPr>
-        <p:spPr>
-          <a:xfrm>
-            <a:off x="838200" y="3920994"/>
-            <a:ext cx="2882475" cy="823912"/>
-          </a:xfrm>
-        </p:spPr>
+          <p:cNvPr id="2" name="Title 1">
+            <a:extLst>
+              <a:ext uri="{FF2B5EF4-FFF2-40B4-BE49-F238E27FC236}">
+                <a16:creationId xmlns:a16="http://schemas.microsoft.com/office/drawing/2014/main" id="{D8C2F6DA-E9AC-C22F-F3D6-D3E74A0DA208}"/>
+              </a:ext>
+            </a:extLst>
+          </p:cNvPr>
+          <p:cNvSpPr>
+            <a:spLocks noGrp="1"/>
+          </p:cNvSpPr>
+          <p:nvPr>
+            <p:ph type="title"/>
+          </p:nvPr>
+        </p:nvSpPr>
+        <p:spPr/>
         <p:txBody>
           <a:bodyPr/>
           <a:lstStyle/>
           <a:p>
             <a:r>
               <a:rPr lang="en-US" dirty="0"/>
+              <a:t>conclusion</a:t>
+            </a:r>
+          </a:p>
+        </p:txBody>
+      </p:sp>
+      <p:sp>
+        <p:nvSpPr>
+          <p:cNvPr id="3" name="Text Placeholder 2">
+            <a:extLst>
+              <a:ext uri="{FF2B5EF4-FFF2-40B4-BE49-F238E27FC236}">
+                <a16:creationId xmlns:a16="http://schemas.microsoft.com/office/drawing/2014/main" id="{D851C395-6BC4-4F00-B40B-069DBBB7C08B}"/>
+              </a:ext>
+            </a:extLst>
+          </p:cNvPr>
+          <p:cNvSpPr>
+            <a:spLocks noGrp="1"/>
+          </p:cNvSpPr>
+          <p:nvPr>
+            <p:ph type="body" idx="4294967295"/>
+          </p:nvPr>
+        </p:nvSpPr>
+        <p:spPr>
+          <a:xfrm>
+            <a:off x="192142" y="2267582"/>
+            <a:ext cx="2882900" cy="384175"/>
+          </a:xfrm>
+        </p:spPr>
+        <p:txBody>
+          <a:bodyPr>
+            <a:normAutofit fontScale="92500" lnSpcReduction="20000"/>
+          </a:bodyPr>
+          <a:lstStyle/>
+          <a:p>
+            <a:r>
+              <a:rPr lang="en-US" dirty="0"/>
               <a:t>Further Research</a:t>
             </a:r>
           </a:p>
@@ -9826,18 +9982,18 @@
             <a:spLocks noGrp="1"/>
           </p:cNvSpPr>
           <p:nvPr>
-            <p:ph sz="half" idx="2"/>
-          </p:nvPr>
-        </p:nvSpPr>
-        <p:spPr>
-          <a:xfrm>
-            <a:off x="838200" y="4723608"/>
-            <a:ext cx="6061936" cy="1997867"/>
+            <p:ph sz="half" idx="4294967295"/>
+          </p:nvPr>
+        </p:nvSpPr>
+        <p:spPr>
+          <a:xfrm>
+            <a:off x="192142" y="3065585"/>
+            <a:ext cx="5680022" cy="1412875"/>
           </a:xfrm>
         </p:spPr>
         <p:txBody>
           <a:bodyPr>
-            <a:normAutofit/>
+            <a:normAutofit fontScale="70000" lnSpcReduction="20000"/>
           </a:bodyPr>
           <a:lstStyle/>
           <a:p>
@@ -9895,22 +10051,24 @@
             <a:spLocks noGrp="1"/>
           </p:cNvSpPr>
           <p:nvPr>
-            <p:ph type="body" sz="quarter" idx="3"/>
-          </p:nvPr>
-        </p:nvSpPr>
-        <p:spPr>
-          <a:xfrm>
-            <a:off x="8040569" y="405448"/>
-            <a:ext cx="2896671" cy="823912"/>
-          </a:xfrm>
-        </p:spPr>
-        <p:txBody>
-          <a:bodyPr/>
+            <p:ph type="body" sz="quarter" idx="4294967295"/>
+          </p:nvPr>
+        </p:nvSpPr>
+        <p:spPr>
+          <a:xfrm>
+            <a:off x="5872164" y="2240595"/>
+            <a:ext cx="2897187" cy="411162"/>
+          </a:xfrm>
+        </p:spPr>
+        <p:txBody>
+          <a:bodyPr>
+            <a:normAutofit lnSpcReduction="10000"/>
+          </a:bodyPr>
           <a:lstStyle/>
           <a:p>
             <a:r>
               <a:rPr lang="en-US" dirty="0"/>
-              <a:t>Question Answers</a:t>
+              <a:t>Question Answered</a:t>
             </a:r>
           </a:p>
         </p:txBody>
@@ -9928,18 +10086,18 @@
             <a:spLocks noGrp="1"/>
           </p:cNvSpPr>
           <p:nvPr>
-            <p:ph sz="quarter" idx="4"/>
-          </p:nvPr>
-        </p:nvSpPr>
-        <p:spPr>
-          <a:xfrm>
-            <a:off x="7051040" y="1616895"/>
-            <a:ext cx="5872480" cy="3026726"/>
+            <p:ph sz="quarter" idx="4294967295"/>
+          </p:nvPr>
+        </p:nvSpPr>
+        <p:spPr>
+          <a:xfrm>
+            <a:off x="5872164" y="2860309"/>
+            <a:ext cx="5505082" cy="3025775"/>
           </a:xfrm>
         </p:spPr>
         <p:txBody>
           <a:bodyPr>
-            <a:normAutofit fontScale="92500" lnSpcReduction="20000"/>
+            <a:normAutofit fontScale="55000" lnSpcReduction="20000"/>
           </a:bodyPr>
           <a:lstStyle/>
           <a:p>
@@ -10044,137 +10202,6 @@
           </a:p>
         </p:txBody>
       </p:sp>
-      <p:sp>
-        <p:nvSpPr>
-          <p:cNvPr id="9" name="Date Placeholder 8">
-            <a:extLst>
-              <a:ext uri="{FF2B5EF4-FFF2-40B4-BE49-F238E27FC236}">
-                <a16:creationId xmlns:a16="http://schemas.microsoft.com/office/drawing/2014/main" id="{B86AD343-7149-4E7C-BD28-3080F25980CF}"/>
-              </a:ext>
-            </a:extLst>
-          </p:cNvPr>
-          <p:cNvSpPr>
-            <a:spLocks noGrp="1"/>
-          </p:cNvSpPr>
-          <p:nvPr>
-            <p:ph type="dt" sz="half" idx="10"/>
-          </p:nvPr>
-        </p:nvSpPr>
-        <p:spPr>
-          <a:xfrm>
-            <a:off x="838200" y="6356350"/>
-            <a:ext cx="2743200" cy="365125"/>
-          </a:xfrm>
-        </p:spPr>
-        <p:txBody>
-          <a:bodyPr/>
-          <a:lstStyle/>
-          <a:p>
-            <a:r>
-              <a:rPr lang="en-US" dirty="0"/>
-              <a:t>20XX</a:t>
-            </a:r>
-          </a:p>
-        </p:txBody>
-      </p:sp>
-      <p:sp>
-        <p:nvSpPr>
-          <p:cNvPr id="10" name="Footer Placeholder 9">
-            <a:extLst>
-              <a:ext uri="{FF2B5EF4-FFF2-40B4-BE49-F238E27FC236}">
-                <a16:creationId xmlns:a16="http://schemas.microsoft.com/office/drawing/2014/main" id="{A865CC01-A53B-495A-820C-BEC2680EDC42}"/>
-              </a:ext>
-            </a:extLst>
-          </p:cNvPr>
-          <p:cNvSpPr>
-            <a:spLocks noGrp="1"/>
-          </p:cNvSpPr>
-          <p:nvPr>
-            <p:ph type="ftr" sz="quarter" idx="11"/>
-          </p:nvPr>
-        </p:nvSpPr>
-        <p:spPr>
-          <a:xfrm>
-            <a:off x="4038600" y="6356350"/>
-            <a:ext cx="4114800" cy="365125"/>
-          </a:xfrm>
-        </p:spPr>
-        <p:txBody>
-          <a:bodyPr/>
-          <a:lstStyle/>
-          <a:p>
-            <a:r>
-              <a:rPr lang="en-US" dirty="0"/>
-              <a:t>PRESENTATION TITLE</a:t>
-            </a:r>
-          </a:p>
-        </p:txBody>
-      </p:sp>
-      <p:sp>
-        <p:nvSpPr>
-          <p:cNvPr id="11" name="Slide Number Placeholder 10">
-            <a:extLst>
-              <a:ext uri="{FF2B5EF4-FFF2-40B4-BE49-F238E27FC236}">
-                <a16:creationId xmlns:a16="http://schemas.microsoft.com/office/drawing/2014/main" id="{7AE81C1E-A7C3-40CD-9C11-0C03A2221292}"/>
-              </a:ext>
-            </a:extLst>
-          </p:cNvPr>
-          <p:cNvSpPr>
-            <a:spLocks noGrp="1"/>
-          </p:cNvSpPr>
-          <p:nvPr>
-            <p:ph type="sldNum" sz="quarter" idx="12"/>
-          </p:nvPr>
-        </p:nvSpPr>
-        <p:spPr>
-          <a:xfrm>
-            <a:off x="8610600" y="6356350"/>
-            <a:ext cx="2743200" cy="365125"/>
-          </a:xfrm>
-        </p:spPr>
-        <p:txBody>
-          <a:bodyPr/>
-          <a:lstStyle/>
-          <a:p>
-            <a:fld id="{A49DFD55-3C28-40EF-9E31-A92D2E4017FF}" type="slidenum">
-              <a:rPr lang="en-US" smtClean="0"/>
-              <a:pPr/>
-              <a:t>16</a:t>
-            </a:fld>
-            <a:endParaRPr lang="en-US" dirty="0"/>
-          </a:p>
-        </p:txBody>
-      </p:sp>
-      <p:pic>
-        <p:nvPicPr>
-          <p:cNvPr id="16" name="Picture 15">
-            <a:extLst>
-              <a:ext uri="{FF2B5EF4-FFF2-40B4-BE49-F238E27FC236}">
-                <a16:creationId xmlns:a16="http://schemas.microsoft.com/office/drawing/2014/main" id="{93A5161F-091B-DA74-79CE-C5D715324E75}"/>
-              </a:ext>
-            </a:extLst>
-          </p:cNvPr>
-          <p:cNvPicPr>
-            <a:picLocks noChangeAspect="1"/>
-          </p:cNvPicPr>
-          <p:nvPr/>
-        </p:nvPicPr>
-        <p:blipFill>
-          <a:blip r:embed="rId2"/>
-          <a:stretch>
-            <a:fillRect/>
-          </a:stretch>
-        </p:blipFill>
-        <p:spPr>
-          <a:xfrm>
-            <a:off x="-173943" y="-1"/>
-            <a:ext cx="6269943" cy="4429669"/>
-          </a:xfrm>
-          <a:prstGeom prst="rect">
-            <a:avLst/>
-          </a:prstGeom>
-        </p:spPr>
-      </p:pic>
     </p:spTree>
     <p:extLst>
       <p:ext uri="{BB962C8B-B14F-4D97-AF65-F5344CB8AC3E}">
@@ -10373,12 +10400,42 @@
           <a:chExt cx="0" cy="0"/>
         </a:xfrm>
       </p:grpSpPr>
-      <p:sp>
-        <p:nvSpPr>
-          <p:cNvPr id="2" name="Title 1">
-            <a:extLst>
-              <a:ext uri="{FF2B5EF4-FFF2-40B4-BE49-F238E27FC236}">
-                <a16:creationId xmlns:a16="http://schemas.microsoft.com/office/drawing/2014/main" id="{6560B88E-005A-7B9D-00A1-7C24B1286CC3}"/>
+      <p:pic>
+        <p:nvPicPr>
+          <p:cNvPr id="15" name="Picture 14">
+            <a:extLst>
+              <a:ext uri="{FF2B5EF4-FFF2-40B4-BE49-F238E27FC236}">
+                <a16:creationId xmlns:a16="http://schemas.microsoft.com/office/drawing/2014/main" id="{35DD4997-117D-2CBA-E3AF-0744528CA91D}"/>
+              </a:ext>
+            </a:extLst>
+          </p:cNvPr>
+          <p:cNvPicPr>
+            <a:picLocks noChangeAspect="1"/>
+          </p:cNvPicPr>
+          <p:nvPr/>
+        </p:nvPicPr>
+        <p:blipFill>
+          <a:blip r:embed="rId2"/>
+          <a:stretch>
+            <a:fillRect/>
+          </a:stretch>
+        </p:blipFill>
+        <p:spPr>
+          <a:xfrm>
+            <a:off x="7334616" y="464887"/>
+            <a:ext cx="4259023" cy="5362209"/>
+          </a:xfrm>
+          <a:prstGeom prst="rect">
+            <a:avLst/>
+          </a:prstGeom>
+        </p:spPr>
+      </p:pic>
+      <p:sp>
+        <p:nvSpPr>
+          <p:cNvPr id="16" name="Title 15">
+            <a:extLst>
+              <a:ext uri="{FF2B5EF4-FFF2-40B4-BE49-F238E27FC236}">
+                <a16:creationId xmlns:a16="http://schemas.microsoft.com/office/drawing/2014/main" id="{D3EE4FD5-375D-A2D0-0D7F-B33543036DC7}"/>
               </a:ext>
             </a:extLst>
           </p:cNvPr>
@@ -10389,22 +10446,16 @@
             <p:ph type="title"/>
           </p:nvPr>
         </p:nvSpPr>
-        <p:spPr>
-          <a:xfrm>
-            <a:off x="1390033" y="822104"/>
-            <a:ext cx="9603275" cy="1049235"/>
-          </a:xfrm>
-        </p:spPr>
+        <p:spPr/>
         <p:txBody>
           <a:bodyPr>
-            <a:noAutofit/>
+            <a:normAutofit/>
           </a:bodyPr>
           <a:lstStyle/>
           <a:p>
-            <a:pPr algn="ctr"/>
             <a:r>
               <a:rPr lang="en-US" sz="7200" dirty="0"/>
-              <a:t>appendix</a:t>
+              <a:t>QUESTIONS</a:t>
             </a:r>
           </a:p>
         </p:txBody>
@@ -10412,7 +10463,7 @@
     </p:spTree>
     <p:extLst>
       <p:ext uri="{BB962C8B-B14F-4D97-AF65-F5344CB8AC3E}">
-        <p14:creationId xmlns:p14="http://schemas.microsoft.com/office/powerpoint/2010/main" val="2591246769"/>
+        <p14:creationId xmlns:p14="http://schemas.microsoft.com/office/powerpoint/2010/main" val="869761982"/>
       </p:ext>
     </p:extLst>
   </p:cSld>
@@ -10423,7 +10474,7 @@
 </file>
 
 <file path=ppt/slides/slide19.xml><?xml version="1.0" encoding="utf-8"?>
-<p:sld xmlns:a="http://schemas.openxmlformats.org/drawingml/2006/main" xmlns:r="http://schemas.openxmlformats.org/officeDocument/2006/relationships" xmlns:p="http://schemas.openxmlformats.org/presentationml/2006/main" show="0">
+<p:sld xmlns:a="http://schemas.openxmlformats.org/drawingml/2006/main" xmlns:r="http://schemas.openxmlformats.org/officeDocument/2006/relationships" xmlns:p="http://schemas.openxmlformats.org/presentationml/2006/main">
   <p:cSld>
     <p:spTree>
       <p:nvGrpSpPr>
@@ -10444,7 +10495,7 @@
           <p:cNvPr id="2" name="Title 1">
             <a:extLst>
               <a:ext uri="{FF2B5EF4-FFF2-40B4-BE49-F238E27FC236}">
-                <a16:creationId xmlns:a16="http://schemas.microsoft.com/office/drawing/2014/main" id="{ED1072FD-8D9D-1A28-236C-B121F25B9CBA}"/>
+                <a16:creationId xmlns:a16="http://schemas.microsoft.com/office/drawing/2014/main" id="{6560B88E-005A-7B9D-00A1-7C24B1286CC3}"/>
               </a:ext>
             </a:extLst>
           </p:cNvPr>
@@ -10455,141 +10506,30 @@
             <p:ph type="title"/>
           </p:nvPr>
         </p:nvSpPr>
-        <p:spPr/>
+        <p:spPr>
+          <a:xfrm>
+            <a:off x="1390033" y="822104"/>
+            <a:ext cx="9603275" cy="1049235"/>
+          </a:xfrm>
+        </p:spPr>
         <p:txBody>
           <a:bodyPr>
-            <a:normAutofit fontScale="90000"/>
+            <a:noAutofit/>
           </a:bodyPr>
           <a:lstStyle/>
           <a:p>
-            <a:r>
-              <a:rPr lang="en-US" b="1" i="0" dirty="0">
-                <a:solidFill>
-                  <a:srgbClr val="000000"/>
-                </a:solidFill>
-                <a:effectLst/>
-                <a:latin typeface="Helvetica Neue"/>
-              </a:rPr>
-              <a:t>Head Injury/Concussion from 2012 to 2014 by position</a:t>
-            </a:r>
-            <a:br>
-              <a:rPr lang="en-US" b="1" i="0" dirty="0">
-                <a:solidFill>
-                  <a:srgbClr val="000000"/>
-                </a:solidFill>
-                <a:effectLst/>
-                <a:latin typeface="Helvetica Neue"/>
-              </a:rPr>
-            </a:br>
-            <a:endParaRPr lang="en-US" dirty="0"/>
-          </a:p>
-        </p:txBody>
-      </p:sp>
-      <p:sp>
-        <p:nvSpPr>
-          <p:cNvPr id="10" name="TextBox 9">
-            <a:extLst>
-              <a:ext uri="{FF2B5EF4-FFF2-40B4-BE49-F238E27FC236}">
-                <a16:creationId xmlns:a16="http://schemas.microsoft.com/office/drawing/2014/main" id="{FEE006DA-4205-9185-268F-7CF37310BBCC}"/>
-              </a:ext>
-            </a:extLst>
-          </p:cNvPr>
-          <p:cNvSpPr txBox="1"/>
-          <p:nvPr/>
-        </p:nvSpPr>
-        <p:spPr>
-          <a:xfrm>
-            <a:off x="8079544" y="1394718"/>
-            <a:ext cx="3771901" cy="459036"/>
-          </a:xfrm>
-          <a:prstGeom prst="rect">
-            <a:avLst/>
-          </a:prstGeom>
-          <a:noFill/>
-        </p:spPr>
-        <p:txBody>
-          <a:bodyPr wrap="square" rtlCol="0">
-            <a:spAutoFit/>
-          </a:bodyPr>
-          <a:lstStyle/>
-          <a:p>
-            <a:pPr marL="285750" indent="-285750">
-              <a:lnSpc>
-                <a:spcPct val="150000"/>
-              </a:lnSpc>
-              <a:buFont typeface="Arial" panose="020B0604020202020204" pitchFamily="34" charset="0"/>
-              <a:buChar char="•"/>
-            </a:pPr>
-            <a:r>
-              <a:rPr lang="en-US" dirty="0"/>
-              <a:t>Football is a contact sport</a:t>
-            </a:r>
-          </a:p>
-        </p:txBody>
-      </p:sp>
-      <p:pic>
-        <p:nvPicPr>
-          <p:cNvPr id="4" name="Picture 3" descr="Chart, bar chart&#10;&#10;Description automatically generated">
-            <a:extLst>
-              <a:ext uri="{FF2B5EF4-FFF2-40B4-BE49-F238E27FC236}">
-                <a16:creationId xmlns:a16="http://schemas.microsoft.com/office/drawing/2014/main" id="{1C373DCA-BD2E-95D1-4288-3E41D7A6ED89}"/>
-              </a:ext>
-            </a:extLst>
-          </p:cNvPr>
-          <p:cNvPicPr>
-            <a:picLocks noChangeAspect="1"/>
-          </p:cNvPicPr>
-          <p:nvPr/>
-        </p:nvPicPr>
-        <p:blipFill>
-          <a:blip r:embed="rId2"/>
-          <a:stretch>
-            <a:fillRect/>
-          </a:stretch>
-        </p:blipFill>
-        <p:spPr>
-          <a:xfrm>
-            <a:off x="1126987" y="1967967"/>
-            <a:ext cx="4331721" cy="4085514"/>
-          </a:xfrm>
-          <a:prstGeom prst="rect">
-            <a:avLst/>
-          </a:prstGeom>
-        </p:spPr>
-      </p:pic>
-      <p:pic>
-        <p:nvPicPr>
-          <p:cNvPr id="8" name="Content Placeholder 7" descr="Chart, bar chart&#10;&#10;Description automatically generated">
-            <a:extLst>
-              <a:ext uri="{FF2B5EF4-FFF2-40B4-BE49-F238E27FC236}">
-                <a16:creationId xmlns:a16="http://schemas.microsoft.com/office/drawing/2014/main" id="{86C231C7-E601-543D-E04F-8EE5E0A026CC}"/>
-              </a:ext>
-            </a:extLst>
-          </p:cNvPr>
-          <p:cNvPicPr>
-            <a:picLocks noGrp="1" noChangeAspect="1"/>
-          </p:cNvPicPr>
-          <p:nvPr>
-            <p:ph idx="1"/>
-          </p:nvPr>
-        </p:nvPicPr>
-        <p:blipFill>
-          <a:blip r:embed="rId3"/>
-          <a:stretch>
-            <a:fillRect/>
-          </a:stretch>
-        </p:blipFill>
-        <p:spPr>
-          <a:xfrm>
-            <a:off x="6556487" y="1952727"/>
-            <a:ext cx="4498367" cy="4226708"/>
-          </a:xfrm>
-        </p:spPr>
-      </p:pic>
+            <a:pPr algn="ctr"/>
+            <a:r>
+              <a:rPr lang="en-US" sz="7200" dirty="0"/>
+              <a:t>appendix</a:t>
+            </a:r>
+          </a:p>
+        </p:txBody>
+      </p:sp>
     </p:spTree>
     <p:extLst>
       <p:ext uri="{BB962C8B-B14F-4D97-AF65-F5344CB8AC3E}">
-        <p14:creationId xmlns:p14="http://schemas.microsoft.com/office/powerpoint/2010/main" val="2192491768"/>
+        <p14:creationId xmlns:p14="http://schemas.microsoft.com/office/powerpoint/2010/main" val="2591246769"/>
       </p:ext>
     </p:extLst>
   </p:cSld>
@@ -10847,6 +10787,350 @@
 </p:sld>
 </file>
 
+<file path=ppt/slides/slide20.xml><?xml version="1.0" encoding="utf-8"?>
+<p:sld xmlns:a="http://schemas.openxmlformats.org/drawingml/2006/main" xmlns:r="http://schemas.openxmlformats.org/officeDocument/2006/relationships" xmlns:p="http://schemas.openxmlformats.org/presentationml/2006/main" show="0">
+  <p:cSld>
+    <p:spTree>
+      <p:nvGrpSpPr>
+        <p:cNvPr id="1" name=""/>
+        <p:cNvGrpSpPr/>
+        <p:nvPr/>
+      </p:nvGrpSpPr>
+      <p:grpSpPr>
+        <a:xfrm>
+          <a:off x="0" y="0"/>
+          <a:ext cx="0" cy="0"/>
+          <a:chOff x="0" y="0"/>
+          <a:chExt cx="0" cy="0"/>
+        </a:xfrm>
+      </p:grpSpPr>
+      <p:sp>
+        <p:nvSpPr>
+          <p:cNvPr id="2" name="Title 1">
+            <a:extLst>
+              <a:ext uri="{FF2B5EF4-FFF2-40B4-BE49-F238E27FC236}">
+                <a16:creationId xmlns:a16="http://schemas.microsoft.com/office/drawing/2014/main" id="{ED1072FD-8D9D-1A28-236C-B121F25B9CBA}"/>
+              </a:ext>
+            </a:extLst>
+          </p:cNvPr>
+          <p:cNvSpPr>
+            <a:spLocks noGrp="1"/>
+          </p:cNvSpPr>
+          <p:nvPr>
+            <p:ph type="title"/>
+          </p:nvPr>
+        </p:nvSpPr>
+        <p:spPr/>
+        <p:txBody>
+          <a:bodyPr>
+            <a:normAutofit fontScale="90000"/>
+          </a:bodyPr>
+          <a:lstStyle/>
+          <a:p>
+            <a:r>
+              <a:rPr lang="en-US" b="1" i="0" dirty="0">
+                <a:solidFill>
+                  <a:srgbClr val="000000"/>
+                </a:solidFill>
+                <a:effectLst/>
+                <a:latin typeface="Helvetica Neue"/>
+              </a:rPr>
+              <a:t>Head Injury/Concussion from 2012 to 2014 by position</a:t>
+            </a:r>
+            <a:br>
+              <a:rPr lang="en-US" b="1" i="0" dirty="0">
+                <a:solidFill>
+                  <a:srgbClr val="000000"/>
+                </a:solidFill>
+                <a:effectLst/>
+                <a:latin typeface="Helvetica Neue"/>
+              </a:rPr>
+            </a:br>
+            <a:endParaRPr lang="en-US" dirty="0"/>
+          </a:p>
+        </p:txBody>
+      </p:sp>
+      <p:sp>
+        <p:nvSpPr>
+          <p:cNvPr id="10" name="TextBox 9">
+            <a:extLst>
+              <a:ext uri="{FF2B5EF4-FFF2-40B4-BE49-F238E27FC236}">
+                <a16:creationId xmlns:a16="http://schemas.microsoft.com/office/drawing/2014/main" id="{FEE006DA-4205-9185-268F-7CF37310BBCC}"/>
+              </a:ext>
+            </a:extLst>
+          </p:cNvPr>
+          <p:cNvSpPr txBox="1"/>
+          <p:nvPr/>
+        </p:nvSpPr>
+        <p:spPr>
+          <a:xfrm>
+            <a:off x="8079544" y="1394718"/>
+            <a:ext cx="3771901" cy="459036"/>
+          </a:xfrm>
+          <a:prstGeom prst="rect">
+            <a:avLst/>
+          </a:prstGeom>
+          <a:noFill/>
+        </p:spPr>
+        <p:txBody>
+          <a:bodyPr wrap="square" rtlCol="0">
+            <a:spAutoFit/>
+          </a:bodyPr>
+          <a:lstStyle/>
+          <a:p>
+            <a:pPr marL="285750" indent="-285750">
+              <a:lnSpc>
+                <a:spcPct val="150000"/>
+              </a:lnSpc>
+              <a:buFont typeface="Arial" panose="020B0604020202020204" pitchFamily="34" charset="0"/>
+              <a:buChar char="•"/>
+            </a:pPr>
+            <a:r>
+              <a:rPr lang="en-US" dirty="0"/>
+              <a:t>Football is a contact sport</a:t>
+            </a:r>
+          </a:p>
+        </p:txBody>
+      </p:sp>
+      <p:pic>
+        <p:nvPicPr>
+          <p:cNvPr id="4" name="Picture 3" descr="Chart, bar chart&#10;&#10;Description automatically generated">
+            <a:extLst>
+              <a:ext uri="{FF2B5EF4-FFF2-40B4-BE49-F238E27FC236}">
+                <a16:creationId xmlns:a16="http://schemas.microsoft.com/office/drawing/2014/main" id="{1C373DCA-BD2E-95D1-4288-3E41D7A6ED89}"/>
+              </a:ext>
+            </a:extLst>
+          </p:cNvPr>
+          <p:cNvPicPr>
+            <a:picLocks noChangeAspect="1"/>
+          </p:cNvPicPr>
+          <p:nvPr/>
+        </p:nvPicPr>
+        <p:blipFill>
+          <a:blip r:embed="rId2"/>
+          <a:stretch>
+            <a:fillRect/>
+          </a:stretch>
+        </p:blipFill>
+        <p:spPr>
+          <a:xfrm>
+            <a:off x="1126987" y="1967967"/>
+            <a:ext cx="4331721" cy="4085514"/>
+          </a:xfrm>
+          <a:prstGeom prst="rect">
+            <a:avLst/>
+          </a:prstGeom>
+        </p:spPr>
+      </p:pic>
+      <p:pic>
+        <p:nvPicPr>
+          <p:cNvPr id="8" name="Content Placeholder 7" descr="Chart, bar chart&#10;&#10;Description automatically generated">
+            <a:extLst>
+              <a:ext uri="{FF2B5EF4-FFF2-40B4-BE49-F238E27FC236}">
+                <a16:creationId xmlns:a16="http://schemas.microsoft.com/office/drawing/2014/main" id="{86C231C7-E601-543D-E04F-8EE5E0A026CC}"/>
+              </a:ext>
+            </a:extLst>
+          </p:cNvPr>
+          <p:cNvPicPr>
+            <a:picLocks noGrp="1" noChangeAspect="1"/>
+          </p:cNvPicPr>
+          <p:nvPr>
+            <p:ph idx="1"/>
+          </p:nvPr>
+        </p:nvPicPr>
+        <p:blipFill>
+          <a:blip r:embed="rId3"/>
+          <a:stretch>
+            <a:fillRect/>
+          </a:stretch>
+        </p:blipFill>
+        <p:spPr>
+          <a:xfrm>
+            <a:off x="6556487" y="1952727"/>
+            <a:ext cx="4498367" cy="4226708"/>
+          </a:xfrm>
+        </p:spPr>
+      </p:pic>
+    </p:spTree>
+    <p:extLst>
+      <p:ext uri="{BB962C8B-B14F-4D97-AF65-F5344CB8AC3E}">
+        <p14:creationId xmlns:p14="http://schemas.microsoft.com/office/powerpoint/2010/main" val="2192491768"/>
+      </p:ext>
+    </p:extLst>
+  </p:cSld>
+  <p:clrMapOvr>
+    <a:masterClrMapping/>
+  </p:clrMapOvr>
+</p:sld>
+</file>
+
+<file path=ppt/slides/slide21.xml><?xml version="1.0" encoding="utf-8"?>
+<p:sld xmlns:a="http://schemas.openxmlformats.org/drawingml/2006/main" xmlns:r="http://schemas.openxmlformats.org/officeDocument/2006/relationships" xmlns:p="http://schemas.openxmlformats.org/presentationml/2006/main">
+  <p:cSld>
+    <p:spTree>
+      <p:nvGrpSpPr>
+        <p:cNvPr id="1" name=""/>
+        <p:cNvGrpSpPr/>
+        <p:nvPr/>
+      </p:nvGrpSpPr>
+      <p:grpSpPr>
+        <a:xfrm>
+          <a:off x="0" y="0"/>
+          <a:ext cx="0" cy="0"/>
+          <a:chOff x="0" y="0"/>
+          <a:chExt cx="0" cy="0"/>
+        </a:xfrm>
+      </p:grpSpPr>
+      <p:sp>
+        <p:nvSpPr>
+          <p:cNvPr id="2" name="Title 1">
+            <a:extLst>
+              <a:ext uri="{FF2B5EF4-FFF2-40B4-BE49-F238E27FC236}">
+                <a16:creationId xmlns:a16="http://schemas.microsoft.com/office/drawing/2014/main" id="{3E1E897B-53E9-80A3-0CC8-3A299E1E2644}"/>
+              </a:ext>
+            </a:extLst>
+          </p:cNvPr>
+          <p:cNvSpPr>
+            <a:spLocks noGrp="1"/>
+          </p:cNvSpPr>
+          <p:nvPr>
+            <p:ph type="title"/>
+          </p:nvPr>
+        </p:nvSpPr>
+        <p:spPr/>
+        <p:txBody>
+          <a:bodyPr>
+            <a:normAutofit fontScale="90000"/>
+          </a:bodyPr>
+          <a:lstStyle/>
+          <a:p>
+            <a:r>
+              <a:rPr lang="en-US" b="1" i="0" dirty="0">
+                <a:solidFill>
+                  <a:srgbClr val="000000"/>
+                </a:solidFill>
+                <a:effectLst/>
+                <a:latin typeface="Helvetica Neue"/>
+              </a:rPr>
+              <a:t>Break down of injuries per team and per year (2012 to 2014)</a:t>
+            </a:r>
+            <a:br>
+              <a:rPr lang="en-US" b="1" i="0" dirty="0">
+                <a:solidFill>
+                  <a:srgbClr val="000000"/>
+                </a:solidFill>
+                <a:effectLst/>
+                <a:latin typeface="Helvetica Neue"/>
+              </a:rPr>
+            </a:br>
+            <a:endParaRPr lang="en-US" dirty="0"/>
+          </a:p>
+        </p:txBody>
+      </p:sp>
+      <p:pic>
+        <p:nvPicPr>
+          <p:cNvPr id="9" name="Content Placeholder 8">
+            <a:extLst>
+              <a:ext uri="{FF2B5EF4-FFF2-40B4-BE49-F238E27FC236}">
+                <a16:creationId xmlns:a16="http://schemas.microsoft.com/office/drawing/2014/main" id="{53C4A5E9-54E9-5E79-3B27-C79F6F529A98}"/>
+              </a:ext>
+            </a:extLst>
+          </p:cNvPr>
+          <p:cNvPicPr>
+            <a:picLocks noGrp="1" noChangeAspect="1"/>
+          </p:cNvPicPr>
+          <p:nvPr>
+            <p:ph idx="1"/>
+          </p:nvPr>
+        </p:nvPicPr>
+        <p:blipFill>
+          <a:blip r:embed="rId2"/>
+          <a:stretch>
+            <a:fillRect/>
+          </a:stretch>
+        </p:blipFill>
+        <p:spPr>
+          <a:xfrm>
+            <a:off x="1451579" y="2016125"/>
+            <a:ext cx="4764583" cy="3449638"/>
+          </a:xfrm>
+        </p:spPr>
+      </p:pic>
+      <p:sp>
+        <p:nvSpPr>
+          <p:cNvPr id="10" name="TextBox 9">
+            <a:extLst>
+              <a:ext uri="{FF2B5EF4-FFF2-40B4-BE49-F238E27FC236}">
+                <a16:creationId xmlns:a16="http://schemas.microsoft.com/office/drawing/2014/main" id="{7382B027-20F8-240D-2040-1110C387D64F}"/>
+              </a:ext>
+            </a:extLst>
+          </p:cNvPr>
+          <p:cNvSpPr txBox="1"/>
+          <p:nvPr/>
+        </p:nvSpPr>
+        <p:spPr>
+          <a:xfrm>
+            <a:off x="6840415" y="2611315"/>
+            <a:ext cx="184731" cy="369332"/>
+          </a:xfrm>
+          <a:prstGeom prst="rect">
+            <a:avLst/>
+          </a:prstGeom>
+          <a:noFill/>
+        </p:spPr>
+        <p:txBody>
+          <a:bodyPr wrap="none" rtlCol="0">
+            <a:spAutoFit/>
+          </a:bodyPr>
+          <a:lstStyle/>
+          <a:p>
+            <a:endParaRPr lang="en-US" dirty="0"/>
+          </a:p>
+        </p:txBody>
+      </p:sp>
+      <p:pic>
+        <p:nvPicPr>
+          <p:cNvPr id="12" name="Picture 11">
+            <a:extLst>
+              <a:ext uri="{FF2B5EF4-FFF2-40B4-BE49-F238E27FC236}">
+                <a16:creationId xmlns:a16="http://schemas.microsoft.com/office/drawing/2014/main" id="{72915077-40AF-5B40-8200-5454773A9626}"/>
+              </a:ext>
+            </a:extLst>
+          </p:cNvPr>
+          <p:cNvPicPr>
+            <a:picLocks noChangeAspect="1"/>
+          </p:cNvPicPr>
+          <p:nvPr/>
+        </p:nvPicPr>
+        <p:blipFill>
+          <a:blip r:embed="rId3"/>
+          <a:stretch>
+            <a:fillRect/>
+          </a:stretch>
+        </p:blipFill>
+        <p:spPr>
+          <a:xfrm>
+            <a:off x="7025146" y="1935859"/>
+            <a:ext cx="3010834" cy="3882989"/>
+          </a:xfrm>
+          <a:prstGeom prst="rect">
+            <a:avLst/>
+          </a:prstGeom>
+        </p:spPr>
+      </p:pic>
+    </p:spTree>
+    <p:extLst>
+      <p:ext uri="{BB962C8B-B14F-4D97-AF65-F5344CB8AC3E}">
+        <p14:creationId xmlns:p14="http://schemas.microsoft.com/office/powerpoint/2010/main" val="1773774158"/>
+      </p:ext>
+    </p:extLst>
+  </p:cSld>
+  <p:clrMapOvr>
+    <a:masterClrMapping/>
+  </p:clrMapOvr>
+</p:sld>
+</file>
+
 <file path=ppt/slides/slide3.xml><?xml version="1.0" encoding="utf-8"?>
 <p:sld xmlns:a="http://schemas.openxmlformats.org/drawingml/2006/main" xmlns:r="http://schemas.openxmlformats.org/officeDocument/2006/relationships" xmlns:p="http://schemas.openxmlformats.org/presentationml/2006/main">
   <p:cSld>
@@ -10864,101 +11148,6 @@
           <a:chExt cx="0" cy="0"/>
         </a:xfrm>
       </p:grpSpPr>
-      <p:sp>
-        <p:nvSpPr>
-          <p:cNvPr id="2" name="Title 1">
-            <a:extLst>
-              <a:ext uri="{FF2B5EF4-FFF2-40B4-BE49-F238E27FC236}">
-                <a16:creationId xmlns:a16="http://schemas.microsoft.com/office/drawing/2014/main" id="{7581AFF3-EBB6-2DD6-D5EC-7EE38369BDE8}"/>
-              </a:ext>
-            </a:extLst>
-          </p:cNvPr>
-          <p:cNvSpPr>
-            <a:spLocks noGrp="1"/>
-          </p:cNvSpPr>
-          <p:nvPr>
-            <p:ph type="title"/>
-          </p:nvPr>
-        </p:nvSpPr>
-        <p:spPr>
-          <a:xfrm>
-            <a:off x="7665720" y="2549843"/>
-            <a:ext cx="5111750" cy="1204912"/>
-          </a:xfrm>
-        </p:spPr>
-        <p:txBody>
-          <a:bodyPr/>
-          <a:lstStyle/>
-          <a:p>
-            <a:r>
-              <a:rPr lang="en-US" dirty="0"/>
-              <a:t>The Data</a:t>
-            </a:r>
-          </a:p>
-        </p:txBody>
-      </p:sp>
-      <p:sp>
-        <p:nvSpPr>
-          <p:cNvPr id="3" name="Text Placeholder 2">
-            <a:extLst>
-              <a:ext uri="{FF2B5EF4-FFF2-40B4-BE49-F238E27FC236}">
-                <a16:creationId xmlns:a16="http://schemas.microsoft.com/office/drawing/2014/main" id="{A05ACFC2-8753-8B88-EA32-F2D347790012}"/>
-              </a:ext>
-            </a:extLst>
-          </p:cNvPr>
-          <p:cNvSpPr>
-            <a:spLocks noGrp="1"/>
-          </p:cNvSpPr>
-          <p:nvPr>
-            <p:ph type="body" idx="1"/>
-          </p:nvPr>
-        </p:nvSpPr>
-        <p:spPr>
-          <a:xfrm>
-            <a:off x="7838440" y="4239253"/>
-            <a:ext cx="4013200" cy="1525588"/>
-          </a:xfrm>
-        </p:spPr>
-        <p:txBody>
-          <a:bodyPr>
-            <a:normAutofit fontScale="92500" lnSpcReduction="20000"/>
-          </a:bodyPr>
-          <a:lstStyle/>
-          <a:p>
-            <a:pPr marL="285750" indent="-285750">
-              <a:buFont typeface="Arial" panose="020B0604020202020204" pitchFamily="34" charset="0"/>
-              <a:buChar char="•"/>
-            </a:pPr>
-            <a:r>
-              <a:rPr lang="en-US" dirty="0"/>
-              <a:t>Spans NFL seasons 2012-2014</a:t>
-            </a:r>
-          </a:p>
-          <a:p>
-            <a:pPr marL="285750" indent="-285750">
-              <a:buFont typeface="Arial" panose="020B0604020202020204" pitchFamily="34" charset="0"/>
-              <a:buChar char="•"/>
-            </a:pPr>
-            <a:r>
-              <a:rPr lang="en-US" dirty="0"/>
-              <a:t>325 concussions and head injuries were recorded</a:t>
-            </a:r>
-          </a:p>
-          <a:p>
-            <a:pPr marL="285750" indent="-285750">
-              <a:buFont typeface="Arial" panose="020B0604020202020204" pitchFamily="34" charset="0"/>
-              <a:buChar char="•"/>
-            </a:pPr>
-            <a:r>
-              <a:rPr lang="en-US" dirty="0"/>
-              <a:t>All NFL teams were included</a:t>
-            </a:r>
-          </a:p>
-          <a:p>
-            <a:endParaRPr lang="en-US" dirty="0"/>
-          </a:p>
-        </p:txBody>
-      </p:sp>
       <p:sp>
         <p:nvSpPr>
           <p:cNvPr id="4" name="Date Placeholder 3">
@@ -11337,6 +11526,31 @@
               <a:rPr lang="en-US" dirty="0"/>
               <a:t>What team inflicted the most concussions? </a:t>
             </a:r>
+          </a:p>
+        </p:txBody>
+      </p:sp>
+      <p:sp>
+        <p:nvSpPr>
+          <p:cNvPr id="11" name="Text Placeholder 10">
+            <a:extLst>
+              <a:ext uri="{FF2B5EF4-FFF2-40B4-BE49-F238E27FC236}">
+                <a16:creationId xmlns:a16="http://schemas.microsoft.com/office/drawing/2014/main" id="{D5105CC2-A44E-2490-3B0E-80CA2240AF56}"/>
+              </a:ext>
+            </a:extLst>
+          </p:cNvPr>
+          <p:cNvSpPr>
+            <a:spLocks noGrp="1"/>
+          </p:cNvSpPr>
+          <p:nvPr>
+            <p:ph type="body" idx="1"/>
+          </p:nvPr>
+        </p:nvSpPr>
+        <p:spPr/>
+        <p:txBody>
+          <a:bodyPr/>
+          <a:lstStyle/>
+          <a:p>
+            <a:endParaRPr lang="en-US"/>
           </a:p>
         </p:txBody>
       </p:sp>
@@ -11372,59 +11586,393 @@
       </p:grpSpPr>
       <p:sp>
         <p:nvSpPr>
-          <p:cNvPr id="2" name="Title 1">
-            <a:extLst>
-              <a:ext uri="{FF2B5EF4-FFF2-40B4-BE49-F238E27FC236}">
-                <a16:creationId xmlns:a16="http://schemas.microsoft.com/office/drawing/2014/main" id="{0A32731C-311B-46F7-A865-6C3AF6B09A47}"/>
-              </a:ext>
-            </a:extLst>
-          </p:cNvPr>
-          <p:cNvSpPr>
-            <a:spLocks noGrp="1"/>
-          </p:cNvSpPr>
-          <p:nvPr>
-            <p:ph type="title"/>
-          </p:nvPr>
-        </p:nvSpPr>
-        <p:spPr>
-          <a:xfrm>
-            <a:off x="1362075" y="1671639"/>
-            <a:ext cx="5111750" cy="1204912"/>
-          </a:xfrm>
-        </p:spPr>
-        <p:txBody>
-          <a:bodyPr>
+          <p:cNvPr id="4" name="Title 1">
+            <a:extLst>
+              <a:ext uri="{FF2B5EF4-FFF2-40B4-BE49-F238E27FC236}">
+                <a16:creationId xmlns:a16="http://schemas.microsoft.com/office/drawing/2014/main" id="{E2705069-9D87-0DDB-BB39-08F376249C98}"/>
+              </a:ext>
+            </a:extLst>
+          </p:cNvPr>
+          <p:cNvSpPr txBox="1">
+            <a:spLocks/>
+          </p:cNvSpPr>
+          <p:nvPr/>
+        </p:nvSpPr>
+        <p:spPr>
+          <a:xfrm>
+            <a:off x="1454239" y="263769"/>
+            <a:ext cx="5111750" cy="730201"/>
+          </a:xfrm>
+          <a:prstGeom prst="rect">
+            <a:avLst/>
+          </a:prstGeom>
+        </p:spPr>
+        <p:txBody>
+          <a:bodyPr vert="horz" lIns="91440" tIns="45720" rIns="91440" bIns="45720" rtlCol="0" anchor="b">
             <a:normAutofit/>
           </a:bodyPr>
-          <a:lstStyle/>
-          <a:p>
+          <a:lstStyle>
+            <a:lvl1pPr algn="l" defTabSz="914400" rtl="0" eaLnBrk="1" latinLnBrk="0" hangingPunct="1">
+              <a:lnSpc>
+                <a:spcPct val="90000"/>
+              </a:lnSpc>
+              <a:spcBef>
+                <a:spcPct val="0"/>
+              </a:spcBef>
+              <a:buNone/>
+              <a:defRPr sz="3600" b="0" i="0" kern="1200" cap="all">
+                <a:solidFill>
+                  <a:schemeClr val="tx1"/>
+                </a:solidFill>
+                <a:effectLst/>
+                <a:latin typeface="+mj-lt"/>
+                <a:ea typeface="+mj-ea"/>
+                <a:cs typeface="+mj-cs"/>
+              </a:defRPr>
+            </a:lvl1pPr>
+          </a:lstStyle>
+          <a:p>
+            <a:endParaRPr lang="en-US" dirty="0"/>
+          </a:p>
+        </p:txBody>
+      </p:sp>
+      <p:sp>
+        <p:nvSpPr>
+          <p:cNvPr id="5" name="Text Placeholder 2">
+            <a:extLst>
+              <a:ext uri="{FF2B5EF4-FFF2-40B4-BE49-F238E27FC236}">
+                <a16:creationId xmlns:a16="http://schemas.microsoft.com/office/drawing/2014/main" id="{DED7F9CB-E923-ED39-A4D5-E594674C3B38}"/>
+              </a:ext>
+            </a:extLst>
+          </p:cNvPr>
+          <p:cNvSpPr txBox="1">
+            <a:spLocks/>
+          </p:cNvSpPr>
+          <p:nvPr/>
+        </p:nvSpPr>
+        <p:spPr>
+          <a:xfrm>
+            <a:off x="837250" y="3594139"/>
+            <a:ext cx="4013200" cy="1525588"/>
+          </a:xfrm>
+          <a:prstGeom prst="rect">
+            <a:avLst/>
+          </a:prstGeom>
+        </p:spPr>
+        <p:txBody>
+          <a:bodyPr vert="horz" lIns="91440" tIns="91440" rIns="91440" bIns="45720" rtlCol="0">
+            <a:normAutofit fontScale="92500" lnSpcReduction="20000"/>
+          </a:bodyPr>
+          <a:lstStyle>
+            <a:lvl1pPr marL="0" indent="0" algn="l" defTabSz="914400" rtl="0" eaLnBrk="1" latinLnBrk="0" hangingPunct="1">
+              <a:lnSpc>
+                <a:spcPct val="120000"/>
+              </a:lnSpc>
+              <a:spcBef>
+                <a:spcPts val="1000"/>
+              </a:spcBef>
+              <a:buClr>
+                <a:schemeClr val="accent1"/>
+              </a:buClr>
+              <a:buSzPct val="100000"/>
+              <a:buFont typeface="Arial" panose="020B0604020202020204" pitchFamily="34" charset="0"/>
+              <a:buNone/>
+              <a:defRPr sz="1800" kern="1200">
+                <a:solidFill>
+                  <a:schemeClr val="tx1"/>
+                </a:solidFill>
+                <a:effectLst/>
+                <a:latin typeface="+mn-lt"/>
+                <a:ea typeface="+mn-ea"/>
+                <a:cs typeface="+mn-cs"/>
+              </a:defRPr>
+            </a:lvl1pPr>
+            <a:lvl2pPr marL="457200" indent="0" algn="l" defTabSz="914400" rtl="0" eaLnBrk="1" latinLnBrk="0" hangingPunct="1">
+              <a:lnSpc>
+                <a:spcPct val="120000"/>
+              </a:lnSpc>
+              <a:spcBef>
+                <a:spcPts val="500"/>
+              </a:spcBef>
+              <a:buClr>
+                <a:schemeClr val="accent1"/>
+              </a:buClr>
+              <a:buSzPct val="100000"/>
+              <a:buFont typeface="Arial" panose="020B0604020202020204" pitchFamily="34" charset="0"/>
+              <a:buNone/>
+              <a:defRPr sz="1800" kern="1200" cap="none" baseline="0">
+                <a:solidFill>
+                  <a:schemeClr val="tx1">
+                    <a:tint val="75000"/>
+                  </a:schemeClr>
+                </a:solidFill>
+                <a:effectLst/>
+                <a:latin typeface="+mn-lt"/>
+                <a:ea typeface="+mn-ea"/>
+                <a:cs typeface="+mn-cs"/>
+              </a:defRPr>
+            </a:lvl2pPr>
+            <a:lvl3pPr marL="914400" indent="0" algn="l" defTabSz="914400" rtl="0" eaLnBrk="1" latinLnBrk="0" hangingPunct="1">
+              <a:lnSpc>
+                <a:spcPct val="120000"/>
+              </a:lnSpc>
+              <a:spcBef>
+                <a:spcPts val="500"/>
+              </a:spcBef>
+              <a:buClr>
+                <a:schemeClr val="accent1"/>
+              </a:buClr>
+              <a:buSzPct val="100000"/>
+              <a:buFont typeface="Arial" panose="020B0604020202020204" pitchFamily="34" charset="0"/>
+              <a:buNone/>
+              <a:defRPr sz="1800" kern="1200">
+                <a:solidFill>
+                  <a:schemeClr val="tx1">
+                    <a:tint val="75000"/>
+                  </a:schemeClr>
+                </a:solidFill>
+                <a:effectLst/>
+                <a:latin typeface="+mn-lt"/>
+                <a:ea typeface="+mn-ea"/>
+                <a:cs typeface="+mn-cs"/>
+              </a:defRPr>
+            </a:lvl3pPr>
+            <a:lvl4pPr marL="1371600" indent="0" algn="l" defTabSz="914400" rtl="0" eaLnBrk="1" latinLnBrk="0" hangingPunct="1">
+              <a:lnSpc>
+                <a:spcPct val="120000"/>
+              </a:lnSpc>
+              <a:spcBef>
+                <a:spcPts val="500"/>
+              </a:spcBef>
+              <a:buClr>
+                <a:schemeClr val="accent1"/>
+              </a:buClr>
+              <a:buSzPct val="100000"/>
+              <a:buFont typeface="Arial" panose="020B0604020202020204" pitchFamily="34" charset="0"/>
+              <a:buNone/>
+              <a:defRPr sz="1600" kern="1200" cap="none" baseline="0">
+                <a:solidFill>
+                  <a:schemeClr val="tx1">
+                    <a:tint val="75000"/>
+                  </a:schemeClr>
+                </a:solidFill>
+                <a:effectLst/>
+                <a:latin typeface="+mn-lt"/>
+                <a:ea typeface="+mn-ea"/>
+                <a:cs typeface="+mn-cs"/>
+              </a:defRPr>
+            </a:lvl4pPr>
+            <a:lvl5pPr marL="1828800" indent="0" algn="l" defTabSz="914400" rtl="0" eaLnBrk="1" latinLnBrk="0" hangingPunct="1">
+              <a:lnSpc>
+                <a:spcPct val="120000"/>
+              </a:lnSpc>
+              <a:spcBef>
+                <a:spcPts val="500"/>
+              </a:spcBef>
+              <a:buClr>
+                <a:schemeClr val="accent1"/>
+              </a:buClr>
+              <a:buSzPct val="100000"/>
+              <a:buFont typeface="Arial" panose="020B0604020202020204" pitchFamily="34" charset="0"/>
+              <a:buNone/>
+              <a:defRPr sz="1600" kern="1200">
+                <a:solidFill>
+                  <a:schemeClr val="tx1">
+                    <a:tint val="75000"/>
+                  </a:schemeClr>
+                </a:solidFill>
+                <a:effectLst/>
+                <a:latin typeface="+mn-lt"/>
+                <a:ea typeface="+mn-ea"/>
+                <a:cs typeface="+mn-cs"/>
+              </a:defRPr>
+            </a:lvl5pPr>
+            <a:lvl6pPr marL="2286000" indent="0" algn="l" defTabSz="914400" rtl="0" eaLnBrk="1" latinLnBrk="0" hangingPunct="1">
+              <a:lnSpc>
+                <a:spcPct val="120000"/>
+              </a:lnSpc>
+              <a:spcBef>
+                <a:spcPts val="500"/>
+              </a:spcBef>
+              <a:buClr>
+                <a:schemeClr val="accent1"/>
+              </a:buClr>
+              <a:buSzPct val="100000"/>
+              <a:buFont typeface="Arial" panose="020B0604020202020204" pitchFamily="34" charset="0"/>
+              <a:buNone/>
+              <a:defRPr sz="1600" kern="1200">
+                <a:solidFill>
+                  <a:schemeClr val="tx1">
+                    <a:tint val="75000"/>
+                  </a:schemeClr>
+                </a:solidFill>
+                <a:effectLst/>
+                <a:latin typeface="+mn-lt"/>
+                <a:ea typeface="+mn-ea"/>
+                <a:cs typeface="+mn-cs"/>
+              </a:defRPr>
+            </a:lvl6pPr>
+            <a:lvl7pPr marL="2743200" indent="0" algn="l" defTabSz="914400" rtl="0" eaLnBrk="1" latinLnBrk="0" hangingPunct="1">
+              <a:lnSpc>
+                <a:spcPct val="120000"/>
+              </a:lnSpc>
+              <a:spcBef>
+                <a:spcPts val="500"/>
+              </a:spcBef>
+              <a:buClr>
+                <a:schemeClr val="accent1"/>
+              </a:buClr>
+              <a:buSzPct val="100000"/>
+              <a:buFont typeface="Arial" panose="020B0604020202020204" pitchFamily="34" charset="0"/>
+              <a:buNone/>
+              <a:defRPr sz="1600" kern="1200">
+                <a:solidFill>
+                  <a:schemeClr val="tx1">
+                    <a:tint val="75000"/>
+                  </a:schemeClr>
+                </a:solidFill>
+                <a:effectLst/>
+                <a:latin typeface="+mn-lt"/>
+                <a:ea typeface="+mn-ea"/>
+                <a:cs typeface="+mn-cs"/>
+              </a:defRPr>
+            </a:lvl7pPr>
+            <a:lvl8pPr marL="3200400" indent="0" algn="l" defTabSz="914400" rtl="0" eaLnBrk="1" latinLnBrk="0" hangingPunct="1">
+              <a:lnSpc>
+                <a:spcPct val="120000"/>
+              </a:lnSpc>
+              <a:spcBef>
+                <a:spcPts val="500"/>
+              </a:spcBef>
+              <a:buClr>
+                <a:schemeClr val="accent1"/>
+              </a:buClr>
+              <a:buSzPct val="100000"/>
+              <a:buFont typeface="Arial" panose="020B0604020202020204" pitchFamily="34" charset="0"/>
+              <a:buNone/>
+              <a:defRPr sz="1600" kern="1200" baseline="0">
+                <a:solidFill>
+                  <a:schemeClr val="tx1">
+                    <a:tint val="75000"/>
+                  </a:schemeClr>
+                </a:solidFill>
+                <a:effectLst/>
+                <a:latin typeface="+mn-lt"/>
+                <a:ea typeface="+mn-ea"/>
+                <a:cs typeface="+mn-cs"/>
+              </a:defRPr>
+            </a:lvl8pPr>
+            <a:lvl9pPr marL="3657600" indent="0" algn="l" defTabSz="914400" rtl="0" eaLnBrk="1" latinLnBrk="0" hangingPunct="1">
+              <a:lnSpc>
+                <a:spcPct val="120000"/>
+              </a:lnSpc>
+              <a:spcBef>
+                <a:spcPts val="500"/>
+              </a:spcBef>
+              <a:buClr>
+                <a:schemeClr val="accent1"/>
+              </a:buClr>
+              <a:buSzPct val="100000"/>
+              <a:buFont typeface="Arial" panose="020B0604020202020204" pitchFamily="34" charset="0"/>
+              <a:buNone/>
+              <a:defRPr sz="1600" kern="1200" baseline="0">
+                <a:solidFill>
+                  <a:schemeClr val="tx1">
+                    <a:tint val="75000"/>
+                  </a:schemeClr>
+                </a:solidFill>
+                <a:effectLst/>
+                <a:latin typeface="+mn-lt"/>
+                <a:ea typeface="+mn-ea"/>
+                <a:cs typeface="+mn-cs"/>
+              </a:defRPr>
+            </a:lvl9pPr>
+          </a:lstStyle>
+          <a:p>
+            <a:pPr marL="285750" indent="-285750">
+              <a:buFont typeface="Arial" panose="020B0604020202020204" pitchFamily="34" charset="0"/>
+              <a:buChar char="•"/>
+            </a:pPr>
             <a:r>
               <a:rPr lang="en-US" dirty="0"/>
-              <a:t>Overall Results</a:t>
-            </a:r>
-          </a:p>
-        </p:txBody>
-      </p:sp>
-      <p:sp>
-        <p:nvSpPr>
-          <p:cNvPr id="4" name="Date Placeholder 3">
-            <a:extLst>
-              <a:ext uri="{FF2B5EF4-FFF2-40B4-BE49-F238E27FC236}">
-                <a16:creationId xmlns:a16="http://schemas.microsoft.com/office/drawing/2014/main" id="{70E12647-CCB2-45E2-A9CB-A868F490497E}"/>
-              </a:ext>
-            </a:extLst>
-          </p:cNvPr>
-          <p:cNvSpPr>
-            <a:spLocks noGrp="1"/>
-          </p:cNvSpPr>
-          <p:nvPr>
-            <p:ph type="dt" sz="half" idx="10"/>
-          </p:nvPr>
-        </p:nvSpPr>
-        <p:spPr>
-          <a:xfrm>
-            <a:off x="838200" y="6356350"/>
-            <a:ext cx="1219200" cy="365125"/>
+              <a:t>Spans NFL seasons 2012-2014</a:t>
+            </a:r>
+          </a:p>
+          <a:p>
+            <a:pPr marL="285750" indent="-285750">
+              <a:buFont typeface="Arial" panose="020B0604020202020204" pitchFamily="34" charset="0"/>
+              <a:buChar char="•"/>
+            </a:pPr>
+            <a:r>
+              <a:rPr lang="en-US" dirty="0"/>
+              <a:t>325 concussions and head injuries were recorded</a:t>
+            </a:r>
+          </a:p>
+          <a:p>
+            <a:pPr marL="285750" indent="-285750">
+              <a:buFont typeface="Arial" panose="020B0604020202020204" pitchFamily="34" charset="0"/>
+              <a:buChar char="•"/>
+            </a:pPr>
+            <a:r>
+              <a:rPr lang="en-US" dirty="0"/>
+              <a:t>All NFL teams were included</a:t>
+            </a:r>
+          </a:p>
+          <a:p>
+            <a:endParaRPr lang="en-US" dirty="0"/>
+          </a:p>
+        </p:txBody>
+      </p:sp>
+      <p:pic>
+        <p:nvPicPr>
+          <p:cNvPr id="6" name="Picture 5">
+            <a:extLst>
+              <a:ext uri="{FF2B5EF4-FFF2-40B4-BE49-F238E27FC236}">
+                <a16:creationId xmlns:a16="http://schemas.microsoft.com/office/drawing/2014/main" id="{0792EE50-F2CC-F70B-113F-282091804878}"/>
+              </a:ext>
+            </a:extLst>
+          </p:cNvPr>
+          <p:cNvPicPr>
+            <a:picLocks noChangeAspect="1"/>
+          </p:cNvPicPr>
+          <p:nvPr/>
+        </p:nvPicPr>
+        <p:blipFill>
+          <a:blip r:embed="rId2"/>
+          <a:stretch>
+            <a:fillRect/>
+          </a:stretch>
+        </p:blipFill>
+        <p:spPr>
+          <a:xfrm>
+            <a:off x="5216769" y="674078"/>
+            <a:ext cx="6632669" cy="4964722"/>
+          </a:xfrm>
+          <a:prstGeom prst="rect">
+            <a:avLst/>
+          </a:prstGeom>
+        </p:spPr>
+      </p:pic>
+      <p:sp>
+        <p:nvSpPr>
+          <p:cNvPr id="9" name="Title 8">
+            <a:extLst>
+              <a:ext uri="{FF2B5EF4-FFF2-40B4-BE49-F238E27FC236}">
+                <a16:creationId xmlns:a16="http://schemas.microsoft.com/office/drawing/2014/main" id="{E29D38AF-61B3-396D-2465-685402E17FC9}"/>
+              </a:ext>
+            </a:extLst>
+          </p:cNvPr>
+          <p:cNvSpPr>
+            <a:spLocks noGrp="1"/>
+          </p:cNvSpPr>
+          <p:nvPr>
+            <p:ph type="title"/>
+          </p:nvPr>
+        </p:nvSpPr>
+        <p:spPr>
+          <a:xfrm>
+            <a:off x="1386056" y="1103685"/>
+            <a:ext cx="3273099" cy="1281767"/>
           </a:xfrm>
         </p:spPr>
         <p:txBody>
@@ -11432,109 +11980,20 @@
           <a:lstStyle/>
           <a:p>
             <a:r>
+              <a:rPr lang="en-US" sz="4000" dirty="0"/>
+              <a:t>The Data</a:t>
+            </a:r>
+            <a:br>
               <a:rPr lang="en-US" dirty="0"/>
-              <a:t>20XX</a:t>
-            </a:r>
-          </a:p>
-        </p:txBody>
-      </p:sp>
-      <p:sp>
-        <p:nvSpPr>
-          <p:cNvPr id="5" name="Footer Placeholder 4">
-            <a:extLst>
-              <a:ext uri="{FF2B5EF4-FFF2-40B4-BE49-F238E27FC236}">
-                <a16:creationId xmlns:a16="http://schemas.microsoft.com/office/drawing/2014/main" id="{8D51ED20-04D4-4894-B0C2-9C541A61A734}"/>
-              </a:ext>
-            </a:extLst>
-          </p:cNvPr>
-          <p:cNvSpPr>
-            <a:spLocks noGrp="1"/>
-          </p:cNvSpPr>
-          <p:nvPr>
-            <p:ph type="ftr" sz="quarter" idx="11"/>
-          </p:nvPr>
-        </p:nvSpPr>
-        <p:spPr>
-          <a:xfrm>
-            <a:off x="2463800" y="6356350"/>
-            <a:ext cx="3479800" cy="365125"/>
-          </a:xfrm>
-        </p:spPr>
-        <p:txBody>
-          <a:bodyPr/>
-          <a:lstStyle/>
-          <a:p>
-            <a:r>
-              <a:rPr lang="en-US" dirty="0"/>
-              <a:t>PRESENTATION TITLE</a:t>
-            </a:r>
-          </a:p>
-        </p:txBody>
-      </p:sp>
-      <p:sp>
-        <p:nvSpPr>
-          <p:cNvPr id="6" name="Slide Number Placeholder 5">
-            <a:extLst>
-              <a:ext uri="{FF2B5EF4-FFF2-40B4-BE49-F238E27FC236}">
-                <a16:creationId xmlns:a16="http://schemas.microsoft.com/office/drawing/2014/main" id="{7BC1787E-7110-4989-B0B8-DD4E0ACC09DF}"/>
-              </a:ext>
-            </a:extLst>
-          </p:cNvPr>
-          <p:cNvSpPr>
-            <a:spLocks noGrp="1"/>
-          </p:cNvSpPr>
-          <p:nvPr>
-            <p:ph type="sldNum" sz="quarter" idx="12"/>
-          </p:nvPr>
-        </p:nvSpPr>
-        <p:spPr>
-          <a:xfrm>
-            <a:off x="8610600" y="6356350"/>
-            <a:ext cx="2743200" cy="365125"/>
-          </a:xfrm>
-        </p:spPr>
-        <p:txBody>
-          <a:bodyPr/>
-          <a:lstStyle/>
-          <a:p>
-            <a:fld id="{A49DFD55-3C28-40EF-9E31-A92D2E4017FF}" type="slidenum">
-              <a:rPr lang="en-US" smtClean="0"/>
-              <a:pPr/>
-              <a:t>4</a:t>
-            </a:fld>
+            </a:br>
             <a:endParaRPr lang="en-US" dirty="0"/>
-          </a:p>
-        </p:txBody>
-      </p:sp>
-      <p:sp>
-        <p:nvSpPr>
-          <p:cNvPr id="9" name="Text Placeholder 8">
-            <a:extLst>
-              <a:ext uri="{FF2B5EF4-FFF2-40B4-BE49-F238E27FC236}">
-                <a16:creationId xmlns:a16="http://schemas.microsoft.com/office/drawing/2014/main" id="{668EB773-01D2-4030-80CC-4C8BACC98CC5}"/>
-              </a:ext>
-            </a:extLst>
-          </p:cNvPr>
-          <p:cNvSpPr>
-            <a:spLocks noGrp="1"/>
-          </p:cNvSpPr>
-          <p:nvPr>
-            <p:ph type="body" idx="1"/>
-          </p:nvPr>
-        </p:nvSpPr>
-        <p:spPr/>
-        <p:txBody>
-          <a:bodyPr/>
-          <a:lstStyle/>
-          <a:p>
-            <a:endParaRPr lang="en-US"/>
           </a:p>
         </p:txBody>
       </p:sp>
     </p:spTree>
     <p:extLst>
       <p:ext uri="{BB962C8B-B14F-4D97-AF65-F5344CB8AC3E}">
-        <p14:creationId xmlns:p14="http://schemas.microsoft.com/office/powerpoint/2010/main" val="1398167894"/>
+        <p14:creationId xmlns:p14="http://schemas.microsoft.com/office/powerpoint/2010/main" val="773254839"/>
       </p:ext>
     </p:extLst>
   </p:cSld>
@@ -11561,70 +12020,171 @@
           <a:chExt cx="0" cy="0"/>
         </a:xfrm>
       </p:grpSpPr>
-      <p:pic>
-        <p:nvPicPr>
-          <p:cNvPr id="4" name="Picture 3">
-            <a:extLst>
-              <a:ext uri="{FF2B5EF4-FFF2-40B4-BE49-F238E27FC236}">
-                <a16:creationId xmlns:a16="http://schemas.microsoft.com/office/drawing/2014/main" id="{E49E533C-C936-B265-96D1-F5739A1E9598}"/>
-              </a:ext>
-            </a:extLst>
-          </p:cNvPr>
-          <p:cNvPicPr>
-            <a:picLocks noChangeAspect="1"/>
-          </p:cNvPicPr>
-          <p:nvPr/>
-        </p:nvPicPr>
-        <p:blipFill>
-          <a:blip r:embed="rId2"/>
-          <a:stretch>
-            <a:fillRect/>
-          </a:stretch>
-        </p:blipFill>
-        <p:spPr>
-          <a:xfrm>
-            <a:off x="1239520" y="566737"/>
-            <a:ext cx="5486400" cy="5724525"/>
-          </a:xfrm>
-          <a:prstGeom prst="rect">
-            <a:avLst/>
-          </a:prstGeom>
-        </p:spPr>
-      </p:pic>
-      <p:pic>
-        <p:nvPicPr>
-          <p:cNvPr id="6" name="Picture 5">
-            <a:extLst>
-              <a:ext uri="{FF2B5EF4-FFF2-40B4-BE49-F238E27FC236}">
-                <a16:creationId xmlns:a16="http://schemas.microsoft.com/office/drawing/2014/main" id="{A8FFA468-55D8-86EC-20BA-6B6B62E3AEAD}"/>
-              </a:ext>
-            </a:extLst>
-          </p:cNvPr>
-          <p:cNvPicPr>
-            <a:picLocks noChangeAspect="1"/>
-          </p:cNvPicPr>
-          <p:nvPr/>
-        </p:nvPicPr>
-        <p:blipFill>
-          <a:blip r:embed="rId3"/>
-          <a:stretch>
-            <a:fillRect/>
-          </a:stretch>
-        </p:blipFill>
-        <p:spPr>
-          <a:xfrm>
-            <a:off x="7229575" y="1103991"/>
-            <a:ext cx="3465782" cy="2325008"/>
-          </a:xfrm>
-          <a:prstGeom prst="rect">
-            <a:avLst/>
-          </a:prstGeom>
-        </p:spPr>
-      </p:pic>
+      <p:sp>
+        <p:nvSpPr>
+          <p:cNvPr id="2" name="Title 1">
+            <a:extLst>
+              <a:ext uri="{FF2B5EF4-FFF2-40B4-BE49-F238E27FC236}">
+                <a16:creationId xmlns:a16="http://schemas.microsoft.com/office/drawing/2014/main" id="{0A32731C-311B-46F7-A865-6C3AF6B09A47}"/>
+              </a:ext>
+            </a:extLst>
+          </p:cNvPr>
+          <p:cNvSpPr>
+            <a:spLocks noGrp="1"/>
+          </p:cNvSpPr>
+          <p:nvPr>
+            <p:ph type="title"/>
+          </p:nvPr>
+        </p:nvSpPr>
+        <p:spPr>
+          <a:xfrm>
+            <a:off x="1362075" y="1671639"/>
+            <a:ext cx="5111750" cy="1204912"/>
+          </a:xfrm>
+        </p:spPr>
+        <p:txBody>
+          <a:bodyPr>
+            <a:normAutofit/>
+          </a:bodyPr>
+          <a:lstStyle/>
+          <a:p>
+            <a:r>
+              <a:rPr lang="en-US" dirty="0"/>
+              <a:t>Overall Results</a:t>
+            </a:r>
+          </a:p>
+        </p:txBody>
+      </p:sp>
+      <p:sp>
+        <p:nvSpPr>
+          <p:cNvPr id="4" name="Date Placeholder 3">
+            <a:extLst>
+              <a:ext uri="{FF2B5EF4-FFF2-40B4-BE49-F238E27FC236}">
+                <a16:creationId xmlns:a16="http://schemas.microsoft.com/office/drawing/2014/main" id="{70E12647-CCB2-45E2-A9CB-A868F490497E}"/>
+              </a:ext>
+            </a:extLst>
+          </p:cNvPr>
+          <p:cNvSpPr>
+            <a:spLocks noGrp="1"/>
+          </p:cNvSpPr>
+          <p:nvPr>
+            <p:ph type="dt" sz="half" idx="10"/>
+          </p:nvPr>
+        </p:nvSpPr>
+        <p:spPr>
+          <a:xfrm>
+            <a:off x="838200" y="6356350"/>
+            <a:ext cx="1219200" cy="365125"/>
+          </a:xfrm>
+        </p:spPr>
+        <p:txBody>
+          <a:bodyPr/>
+          <a:lstStyle/>
+          <a:p>
+            <a:r>
+              <a:rPr lang="en-US" dirty="0"/>
+              <a:t>20XX</a:t>
+            </a:r>
+          </a:p>
+        </p:txBody>
+      </p:sp>
+      <p:sp>
+        <p:nvSpPr>
+          <p:cNvPr id="5" name="Footer Placeholder 4">
+            <a:extLst>
+              <a:ext uri="{FF2B5EF4-FFF2-40B4-BE49-F238E27FC236}">
+                <a16:creationId xmlns:a16="http://schemas.microsoft.com/office/drawing/2014/main" id="{8D51ED20-04D4-4894-B0C2-9C541A61A734}"/>
+              </a:ext>
+            </a:extLst>
+          </p:cNvPr>
+          <p:cNvSpPr>
+            <a:spLocks noGrp="1"/>
+          </p:cNvSpPr>
+          <p:nvPr>
+            <p:ph type="ftr" sz="quarter" idx="11"/>
+          </p:nvPr>
+        </p:nvSpPr>
+        <p:spPr>
+          <a:xfrm>
+            <a:off x="2463800" y="6356350"/>
+            <a:ext cx="3479800" cy="365125"/>
+          </a:xfrm>
+        </p:spPr>
+        <p:txBody>
+          <a:bodyPr/>
+          <a:lstStyle/>
+          <a:p>
+            <a:r>
+              <a:rPr lang="en-US" dirty="0"/>
+              <a:t>PRESENTATION TITLE</a:t>
+            </a:r>
+          </a:p>
+        </p:txBody>
+      </p:sp>
+      <p:sp>
+        <p:nvSpPr>
+          <p:cNvPr id="6" name="Slide Number Placeholder 5">
+            <a:extLst>
+              <a:ext uri="{FF2B5EF4-FFF2-40B4-BE49-F238E27FC236}">
+                <a16:creationId xmlns:a16="http://schemas.microsoft.com/office/drawing/2014/main" id="{7BC1787E-7110-4989-B0B8-DD4E0ACC09DF}"/>
+              </a:ext>
+            </a:extLst>
+          </p:cNvPr>
+          <p:cNvSpPr>
+            <a:spLocks noGrp="1"/>
+          </p:cNvSpPr>
+          <p:nvPr>
+            <p:ph type="sldNum" sz="quarter" idx="12"/>
+          </p:nvPr>
+        </p:nvSpPr>
+        <p:spPr>
+          <a:xfrm>
+            <a:off x="8610600" y="6356350"/>
+            <a:ext cx="2743200" cy="365125"/>
+          </a:xfrm>
+        </p:spPr>
+        <p:txBody>
+          <a:bodyPr/>
+          <a:lstStyle/>
+          <a:p>
+            <a:fld id="{A49DFD55-3C28-40EF-9E31-A92D2E4017FF}" type="slidenum">
+              <a:rPr lang="en-US" smtClean="0"/>
+              <a:pPr/>
+              <a:t>5</a:t>
+            </a:fld>
+            <a:endParaRPr lang="en-US" dirty="0"/>
+          </a:p>
+        </p:txBody>
+      </p:sp>
+      <p:sp>
+        <p:nvSpPr>
+          <p:cNvPr id="9" name="Text Placeholder 8">
+            <a:extLst>
+              <a:ext uri="{FF2B5EF4-FFF2-40B4-BE49-F238E27FC236}">
+                <a16:creationId xmlns:a16="http://schemas.microsoft.com/office/drawing/2014/main" id="{668EB773-01D2-4030-80CC-4C8BACC98CC5}"/>
+              </a:ext>
+            </a:extLst>
+          </p:cNvPr>
+          <p:cNvSpPr>
+            <a:spLocks noGrp="1"/>
+          </p:cNvSpPr>
+          <p:nvPr>
+            <p:ph type="body" idx="1"/>
+          </p:nvPr>
+        </p:nvSpPr>
+        <p:spPr/>
+        <p:txBody>
+          <a:bodyPr/>
+          <a:lstStyle/>
+          <a:p>
+            <a:endParaRPr lang="en-US"/>
+          </a:p>
+        </p:txBody>
+      </p:sp>
     </p:spTree>
     <p:extLst>
       <p:ext uri="{BB962C8B-B14F-4D97-AF65-F5344CB8AC3E}">
-        <p14:creationId xmlns:p14="http://schemas.microsoft.com/office/powerpoint/2010/main" val="379728094"/>
+        <p14:creationId xmlns:p14="http://schemas.microsoft.com/office/powerpoint/2010/main" val="1398167894"/>
       </p:ext>
     </p:extLst>
   </p:cSld>
@@ -11651,155 +12211,19 @@
           <a:chExt cx="0" cy="0"/>
         </a:xfrm>
       </p:grpSpPr>
-      <p:sp>
-        <p:nvSpPr>
-          <p:cNvPr id="2" name="Title 1">
-            <a:extLst>
-              <a:ext uri="{FF2B5EF4-FFF2-40B4-BE49-F238E27FC236}">
-                <a16:creationId xmlns:a16="http://schemas.microsoft.com/office/drawing/2014/main" id="{AFC6D044-C704-4974-935B-AE3D7EFC9BC4}"/>
-              </a:ext>
-            </a:extLst>
-          </p:cNvPr>
-          <p:cNvSpPr>
-            <a:spLocks noGrp="1"/>
-          </p:cNvSpPr>
-          <p:nvPr>
-            <p:ph type="title"/>
-          </p:nvPr>
-        </p:nvSpPr>
-        <p:spPr>
-          <a:xfrm>
-            <a:off x="838200" y="365125"/>
-            <a:ext cx="10515600" cy="1325563"/>
-          </a:xfrm>
-        </p:spPr>
-        <p:txBody>
-          <a:bodyPr/>
-          <a:lstStyle/>
-          <a:p>
-            <a:r>
-              <a:rPr lang="en-US" dirty="0"/>
-              <a:t>Number of Concussions and Head Injuries</a:t>
-            </a:r>
-          </a:p>
-        </p:txBody>
-      </p:sp>
-      <p:sp>
-        <p:nvSpPr>
-          <p:cNvPr id="9" name="Date Placeholder 8">
-            <a:extLst>
-              <a:ext uri="{FF2B5EF4-FFF2-40B4-BE49-F238E27FC236}">
-                <a16:creationId xmlns:a16="http://schemas.microsoft.com/office/drawing/2014/main" id="{A672774E-BCBF-4B44-9E79-28E9153ABA7E}"/>
-              </a:ext>
-            </a:extLst>
-          </p:cNvPr>
-          <p:cNvSpPr>
-            <a:spLocks noGrp="1"/>
-          </p:cNvSpPr>
-          <p:nvPr>
-            <p:ph type="dt" sz="half" idx="10"/>
-          </p:nvPr>
-        </p:nvSpPr>
-        <p:spPr>
-          <a:xfrm>
-            <a:off x="838200" y="6356350"/>
-            <a:ext cx="2743200" cy="365125"/>
-          </a:xfrm>
-        </p:spPr>
-        <p:txBody>
-          <a:bodyPr/>
-          <a:lstStyle/>
-          <a:p>
-            <a:r>
-              <a:rPr lang="en-US" dirty="0"/>
-              <a:t>20XX</a:t>
-            </a:r>
-          </a:p>
-        </p:txBody>
-      </p:sp>
-      <p:sp>
-        <p:nvSpPr>
-          <p:cNvPr id="10" name="Footer Placeholder 9">
-            <a:extLst>
-              <a:ext uri="{FF2B5EF4-FFF2-40B4-BE49-F238E27FC236}">
-                <a16:creationId xmlns:a16="http://schemas.microsoft.com/office/drawing/2014/main" id="{18FAD6D3-B1FB-463D-87D0-FA9A4AEA13D6}"/>
-              </a:ext>
-            </a:extLst>
-          </p:cNvPr>
-          <p:cNvSpPr>
-            <a:spLocks noGrp="1"/>
-          </p:cNvSpPr>
-          <p:nvPr>
-            <p:ph type="ftr" sz="quarter" idx="11"/>
-          </p:nvPr>
-        </p:nvSpPr>
-        <p:spPr>
-          <a:xfrm>
-            <a:off x="4038600" y="6356350"/>
-            <a:ext cx="4114800" cy="365125"/>
-          </a:xfrm>
-        </p:spPr>
-        <p:txBody>
-          <a:bodyPr/>
-          <a:lstStyle/>
-          <a:p>
-            <a:r>
-              <a:rPr lang="en-US" dirty="0"/>
-              <a:t>PRESENTATION TITLE</a:t>
-            </a:r>
-          </a:p>
-        </p:txBody>
-      </p:sp>
-      <p:sp>
-        <p:nvSpPr>
-          <p:cNvPr id="11" name="Slide Number Placeholder 10">
-            <a:extLst>
-              <a:ext uri="{FF2B5EF4-FFF2-40B4-BE49-F238E27FC236}">
-                <a16:creationId xmlns:a16="http://schemas.microsoft.com/office/drawing/2014/main" id="{6D5843A7-CBF3-441B-919C-8467B2BB19B5}"/>
-              </a:ext>
-            </a:extLst>
-          </p:cNvPr>
-          <p:cNvSpPr>
-            <a:spLocks noGrp="1"/>
-          </p:cNvSpPr>
-          <p:nvPr>
-            <p:ph type="sldNum" sz="quarter" idx="12"/>
-          </p:nvPr>
-        </p:nvSpPr>
-        <p:spPr>
-          <a:xfrm>
-            <a:off x="8610600" y="6356350"/>
-            <a:ext cx="2743200" cy="365125"/>
-          </a:xfrm>
-        </p:spPr>
-        <p:txBody>
-          <a:bodyPr/>
-          <a:lstStyle/>
-          <a:p>
-            <a:fld id="{A49DFD55-3C28-40EF-9E31-A92D2E4017FF}" type="slidenum">
-              <a:rPr lang="en-US" smtClean="0"/>
-              <a:pPr/>
-              <a:t>6</a:t>
-            </a:fld>
-            <a:endParaRPr lang="en-US" dirty="0"/>
-          </a:p>
-        </p:txBody>
-      </p:sp>
       <p:pic>
         <p:nvPicPr>
-          <p:cNvPr id="5" name="Chart Placeholder 4">
-            <a:extLst>
-              <a:ext uri="{FF2B5EF4-FFF2-40B4-BE49-F238E27FC236}">
-                <a16:creationId xmlns:a16="http://schemas.microsoft.com/office/drawing/2014/main" id="{50EC1239-66B3-0A6F-84A6-7E91AD464C01}"/>
+          <p:cNvPr id="4" name="Picture 3">
+            <a:extLst>
+              <a:ext uri="{FF2B5EF4-FFF2-40B4-BE49-F238E27FC236}">
+                <a16:creationId xmlns:a16="http://schemas.microsoft.com/office/drawing/2014/main" id="{E49E533C-C936-B265-96D1-F5739A1E9598}"/>
               </a:ext>
             </a:extLst>
           </p:cNvPr>
           <p:cNvPicPr>
-            <a:picLocks noGrp="1" noChangeAspect="1"/>
+            <a:picLocks noChangeAspect="1"/>
           </p:cNvPicPr>
-          <p:nvPr>
-            <p:ph type="chart" sz="quarter" idx="13"/>
-          </p:nvPr>
+          <p:nvPr/>
         </p:nvPicPr>
         <p:blipFill>
           <a:blip r:embed="rId2"/>
@@ -11809,20 +12233,50 @@
         </p:blipFill>
         <p:spPr>
           <a:xfrm>
-            <a:off x="1371601" y="1337233"/>
-            <a:ext cx="6370688" cy="4752735"/>
+            <a:off x="5683742" y="154599"/>
+            <a:ext cx="5486400" cy="5724525"/>
           </a:xfrm>
           <a:prstGeom prst="rect">
             <a:avLst/>
           </a:prstGeom>
         </p:spPr>
       </p:pic>
-      <p:sp>
-        <p:nvSpPr>
-          <p:cNvPr id="7" name="TextBox 6">
-            <a:extLst>
-              <a:ext uri="{FF2B5EF4-FFF2-40B4-BE49-F238E27FC236}">
-                <a16:creationId xmlns:a16="http://schemas.microsoft.com/office/drawing/2014/main" id="{4133C002-7D29-E8F7-5046-8C7D078A75AD}"/>
+      <p:pic>
+        <p:nvPicPr>
+          <p:cNvPr id="6" name="Picture 5">
+            <a:extLst>
+              <a:ext uri="{FF2B5EF4-FFF2-40B4-BE49-F238E27FC236}">
+                <a16:creationId xmlns:a16="http://schemas.microsoft.com/office/drawing/2014/main" id="{A8FFA468-55D8-86EC-20BA-6B6B62E3AEAD}"/>
+              </a:ext>
+            </a:extLst>
+          </p:cNvPr>
+          <p:cNvPicPr>
+            <a:picLocks noChangeAspect="1"/>
+          </p:cNvPicPr>
+          <p:nvPr/>
+        </p:nvPicPr>
+        <p:blipFill>
+          <a:blip r:embed="rId3"/>
+          <a:stretch>
+            <a:fillRect/>
+          </a:stretch>
+        </p:blipFill>
+        <p:spPr>
+          <a:xfrm>
+            <a:off x="1221497" y="3429000"/>
+            <a:ext cx="3465782" cy="2325008"/>
+          </a:xfrm>
+          <a:prstGeom prst="rect">
+            <a:avLst/>
+          </a:prstGeom>
+        </p:spPr>
+      </p:pic>
+      <p:sp>
+        <p:nvSpPr>
+          <p:cNvPr id="2" name="TextBox 1">
+            <a:extLst>
+              <a:ext uri="{FF2B5EF4-FFF2-40B4-BE49-F238E27FC236}">
+                <a16:creationId xmlns:a16="http://schemas.microsoft.com/office/drawing/2014/main" id="{41DB8925-9092-ADAF-DBF7-BF7C31ADF7D8}"/>
               </a:ext>
             </a:extLst>
           </p:cNvPr>
@@ -11831,8 +12285,8 @@
         </p:nvSpPr>
         <p:spPr>
           <a:xfrm>
-            <a:off x="8778240" y="1564640"/>
-            <a:ext cx="2575560" cy="5078313"/>
+            <a:off x="1135816" y="1533891"/>
+            <a:ext cx="3927678" cy="769441"/>
           </a:xfrm>
           <a:prstGeom prst="rect">
             <a:avLst/>
@@ -11840,66 +12294,14 @@
           <a:noFill/>
         </p:spPr>
         <p:txBody>
-          <a:bodyPr wrap="square" rtlCol="0">
+          <a:bodyPr wrap="none" rtlCol="0">
             <a:spAutoFit/>
           </a:bodyPr>
           <a:lstStyle/>
           <a:p>
             <a:r>
-              <a:rPr lang="en-US" dirty="0"/>
-              <a:t>Statistical Test:</a:t>
-            </a:r>
-          </a:p>
-          <a:p>
-            <a:pPr marL="285750" indent="-285750">
-              <a:buFont typeface="Arial" panose="020B0604020202020204" pitchFamily="34" charset="0"/>
-              <a:buChar char="•"/>
-            </a:pPr>
-            <a:r>
-              <a:rPr lang="en-US" dirty="0"/>
-              <a:t>H</a:t>
-            </a:r>
-            <a:r>
-              <a:rPr lang="en-US" sz="900" dirty="0"/>
-              <a:t>o</a:t>
-            </a:r>
-            <a:r>
-              <a:rPr lang="en-US" dirty="0"/>
-              <a:t>: If head injuries impact a player’s ability to participate as much as concussions, then there will not be a difference in mean number of games missed</a:t>
-            </a:r>
-          </a:p>
-          <a:p>
-            <a:pPr marL="285750" indent="-285750">
-              <a:buFont typeface="Arial" panose="020B0604020202020204" pitchFamily="34" charset="0"/>
-              <a:buChar char="•"/>
-            </a:pPr>
-            <a:r>
-              <a:rPr lang="en-US" dirty="0"/>
-              <a:t>Independent t-test</a:t>
-            </a:r>
-          </a:p>
-          <a:p>
-            <a:pPr marL="285750" indent="-285750">
-              <a:buFont typeface="Arial" panose="020B0604020202020204" pitchFamily="34" charset="0"/>
-              <a:buChar char="•"/>
-            </a:pPr>
-            <a:r>
-              <a:rPr lang="en-US" altLang="en-US" dirty="0" err="1"/>
-              <a:t>pvalue</a:t>
-            </a:r>
-            <a:r>
-              <a:rPr lang="en-US" altLang="en-US" dirty="0"/>
-              <a:t>=0.35 </a:t>
-            </a:r>
-          </a:p>
-          <a:p>
-            <a:pPr marL="285750" indent="-285750">
-              <a:buFont typeface="Arial" panose="020B0604020202020204" pitchFamily="34" charset="0"/>
-              <a:buChar char="•"/>
-            </a:pPr>
-            <a:r>
-              <a:rPr lang="en-US" dirty="0"/>
-              <a:t>No statistically significant difference of mean games missed for head injuries versus concussions</a:t>
+              <a:rPr lang="en-US" sz="4400" dirty="0"/>
+              <a:t>TEAM INJURIES</a:t>
             </a:r>
           </a:p>
         </p:txBody>
@@ -11907,7 +12309,7 @@
     </p:spTree>
     <p:extLst>
       <p:ext uri="{BB962C8B-B14F-4D97-AF65-F5344CB8AC3E}">
-        <p14:creationId xmlns:p14="http://schemas.microsoft.com/office/powerpoint/2010/main" val="2303579910"/>
+        <p14:creationId xmlns:p14="http://schemas.microsoft.com/office/powerpoint/2010/main" val="379728094"/>
       </p:ext>
     </p:extLst>
   </p:cSld>
@@ -11934,19 +12336,54 @@
           <a:chExt cx="0" cy="0"/>
         </a:xfrm>
       </p:grpSpPr>
+      <p:sp>
+        <p:nvSpPr>
+          <p:cNvPr id="2" name="Title 1">
+            <a:extLst>
+              <a:ext uri="{FF2B5EF4-FFF2-40B4-BE49-F238E27FC236}">
+                <a16:creationId xmlns:a16="http://schemas.microsoft.com/office/drawing/2014/main" id="{AFC6D044-C704-4974-935B-AE3D7EFC9BC4}"/>
+              </a:ext>
+            </a:extLst>
+          </p:cNvPr>
+          <p:cNvSpPr>
+            <a:spLocks noGrp="1"/>
+          </p:cNvSpPr>
+          <p:nvPr>
+            <p:ph type="title" idx="4294967295"/>
+          </p:nvPr>
+        </p:nvSpPr>
+        <p:spPr>
+          <a:xfrm>
+            <a:off x="439029" y="286397"/>
+            <a:ext cx="10515600" cy="1325563"/>
+          </a:xfrm>
+        </p:spPr>
+        <p:txBody>
+          <a:bodyPr/>
+          <a:lstStyle/>
+          <a:p>
+            <a:r>
+              <a:rPr lang="en-US" dirty="0"/>
+              <a:t>Number of Concussions and Head Injuries</a:t>
+            </a:r>
+          </a:p>
+        </p:txBody>
+      </p:sp>
       <p:pic>
         <p:nvPicPr>
-          <p:cNvPr id="364" name="Picture 363">
-            <a:extLst>
-              <a:ext uri="{FF2B5EF4-FFF2-40B4-BE49-F238E27FC236}">
-                <a16:creationId xmlns:a16="http://schemas.microsoft.com/office/drawing/2014/main" id="{57C96478-DD4F-4EDB-38E1-61A5C8A42410}"/>
+          <p:cNvPr id="5" name="Chart Placeholder 4">
+            <a:extLst>
+              <a:ext uri="{FF2B5EF4-FFF2-40B4-BE49-F238E27FC236}">
+                <a16:creationId xmlns:a16="http://schemas.microsoft.com/office/drawing/2014/main" id="{50EC1239-66B3-0A6F-84A6-7E91AD464C01}"/>
               </a:ext>
             </a:extLst>
           </p:cNvPr>
           <p:cNvPicPr>
-            <a:picLocks noChangeAspect="1"/>
+            <a:picLocks noGrp="1" noChangeAspect="1"/>
           </p:cNvPicPr>
-          <p:nvPr/>
+          <p:nvPr>
+            <p:ph type="chart" sz="quarter" idx="4294967295"/>
+          </p:nvPr>
         </p:nvPicPr>
         <p:blipFill>
           <a:blip r:embed="rId2"/>
@@ -11956,8 +12393,8 @@
         </p:blipFill>
         <p:spPr>
           <a:xfrm>
-            <a:off x="525780" y="718808"/>
-            <a:ext cx="11140440" cy="5840483"/>
+            <a:off x="838200" y="1137382"/>
+            <a:ext cx="6370638" cy="4752975"/>
           </a:xfrm>
           <a:prstGeom prst="rect">
             <a:avLst/>
@@ -11966,33 +12403,87 @@
       </p:pic>
       <p:sp>
         <p:nvSpPr>
-          <p:cNvPr id="366" name="Title 2">
-            <a:extLst>
-              <a:ext uri="{FF2B5EF4-FFF2-40B4-BE49-F238E27FC236}">
-                <a16:creationId xmlns:a16="http://schemas.microsoft.com/office/drawing/2014/main" id="{4085787E-4532-8726-D4AC-9F2932E5D035}"/>
-              </a:ext>
-            </a:extLst>
-          </p:cNvPr>
-          <p:cNvSpPr>
-            <a:spLocks noGrp="1"/>
-          </p:cNvSpPr>
-          <p:nvPr>
-            <p:ph type="title"/>
-          </p:nvPr>
-        </p:nvSpPr>
-        <p:spPr>
-          <a:xfrm>
-            <a:off x="746760" y="193040"/>
-            <a:ext cx="10515600" cy="705168"/>
-          </a:xfrm>
-        </p:spPr>
-        <p:txBody>
-          <a:bodyPr/>
+          <p:cNvPr id="7" name="TextBox 6">
+            <a:extLst>
+              <a:ext uri="{FF2B5EF4-FFF2-40B4-BE49-F238E27FC236}">
+                <a16:creationId xmlns:a16="http://schemas.microsoft.com/office/drawing/2014/main" id="{4133C002-7D29-E8F7-5046-8C7D078A75AD}"/>
+              </a:ext>
+            </a:extLst>
+          </p:cNvPr>
+          <p:cNvSpPr txBox="1"/>
+          <p:nvPr/>
+        </p:nvSpPr>
+        <p:spPr>
+          <a:xfrm>
+            <a:off x="8092440" y="1137382"/>
+            <a:ext cx="2575560" cy="5078313"/>
+          </a:xfrm>
+          <a:prstGeom prst="rect">
+            <a:avLst/>
+          </a:prstGeom>
+          <a:noFill/>
+        </p:spPr>
+        <p:txBody>
+          <a:bodyPr wrap="square" rtlCol="0">
+            <a:spAutoFit/>
+          </a:bodyPr>
           <a:lstStyle/>
           <a:p>
             <a:r>
               <a:rPr lang="en-US" dirty="0"/>
-              <a:t>NFL Map by Number of Injuries</a:t>
+              <a:t>Statistical Test:</a:t>
+            </a:r>
+          </a:p>
+          <a:p>
+            <a:pPr marL="285750" indent="-285750">
+              <a:buFont typeface="Arial" panose="020B0604020202020204" pitchFamily="34" charset="0"/>
+              <a:buChar char="•"/>
+            </a:pPr>
+            <a:r>
+              <a:rPr lang="en-US" dirty="0"/>
+              <a:t>H</a:t>
+            </a:r>
+            <a:r>
+              <a:rPr lang="en-US" sz="900" dirty="0"/>
+              <a:t>o</a:t>
+            </a:r>
+            <a:r>
+              <a:rPr lang="en-US" dirty="0"/>
+              <a:t>: If head injuries impact a player’s ability to participate as much as concussions, then there will not be a difference in mean number of games missed</a:t>
+            </a:r>
+          </a:p>
+          <a:p>
+            <a:pPr marL="285750" indent="-285750">
+              <a:buFont typeface="Arial" panose="020B0604020202020204" pitchFamily="34" charset="0"/>
+              <a:buChar char="•"/>
+            </a:pPr>
+            <a:r>
+              <a:rPr lang="en-US" dirty="0"/>
+              <a:t>Independent t-test</a:t>
+            </a:r>
+          </a:p>
+          <a:p>
+            <a:pPr marL="285750" indent="-285750">
+              <a:buFont typeface="Arial" panose="020B0604020202020204" pitchFamily="34" charset="0"/>
+              <a:buChar char="•"/>
+            </a:pPr>
+            <a:r>
+              <a:rPr lang="en-US" altLang="en-US" dirty="0" err="1"/>
+              <a:t>pvalue</a:t>
+            </a:r>
+            <a:r>
+              <a:rPr lang="en-US" altLang="en-US" dirty="0"/>
+              <a:t>=0.35 </a:t>
+            </a:r>
+          </a:p>
+          <a:p>
+            <a:pPr marL="285750" indent="-285750">
+              <a:buFont typeface="Arial" panose="020B0604020202020204" pitchFamily="34" charset="0"/>
+              <a:buChar char="•"/>
+            </a:pPr>
+            <a:r>
+              <a:rPr lang="en-US" dirty="0"/>
+              <a:t>No statistically significant difference of mean games missed for head injuries versus concussions</a:t>
             </a:r>
           </a:p>
         </p:txBody>
@@ -12000,7 +12491,7 @@
     </p:spTree>
     <p:extLst>
       <p:ext uri="{BB962C8B-B14F-4D97-AF65-F5344CB8AC3E}">
-        <p14:creationId xmlns:p14="http://schemas.microsoft.com/office/powerpoint/2010/main" val="4055079983"/>
+        <p14:creationId xmlns:p14="http://schemas.microsoft.com/office/powerpoint/2010/main" val="2303579910"/>
       </p:ext>
     </p:extLst>
   </p:cSld>
@@ -12027,78 +12518,12 @@
           <a:chExt cx="0" cy="0"/>
         </a:xfrm>
       </p:grpSpPr>
-      <p:sp>
-        <p:nvSpPr>
-          <p:cNvPr id="2" name="Title 1">
-            <a:extLst>
-              <a:ext uri="{FF2B5EF4-FFF2-40B4-BE49-F238E27FC236}">
-                <a16:creationId xmlns:a16="http://schemas.microsoft.com/office/drawing/2014/main" id="{4F6A2D15-4D68-4BF7-9421-032AE6C8852C}"/>
-              </a:ext>
-            </a:extLst>
-          </p:cNvPr>
-          <p:cNvSpPr>
-            <a:spLocks noGrp="1"/>
-          </p:cNvSpPr>
-          <p:nvPr>
-            <p:ph type="title"/>
-          </p:nvPr>
-        </p:nvSpPr>
-        <p:spPr>
-          <a:xfrm>
-            <a:off x="1885156" y="892177"/>
-            <a:ext cx="8421688" cy="1325563"/>
-          </a:xfrm>
-        </p:spPr>
-        <p:txBody>
-          <a:bodyPr/>
-          <a:lstStyle/>
-          <a:p>
-            <a:r>
-              <a:rPr lang="en-US" dirty="0"/>
-              <a:t>Play Time After Injury</a:t>
-            </a:r>
-          </a:p>
-        </p:txBody>
-      </p:sp>
-      <p:sp>
-        <p:nvSpPr>
-          <p:cNvPr id="23" name="Date Placeholder 22">
-            <a:extLst>
-              <a:ext uri="{FF2B5EF4-FFF2-40B4-BE49-F238E27FC236}">
-                <a16:creationId xmlns:a16="http://schemas.microsoft.com/office/drawing/2014/main" id="{637DEDF5-3FCD-4BC2-86A5-7BE2BF01EA38}"/>
-              </a:ext>
-            </a:extLst>
-          </p:cNvPr>
-          <p:cNvSpPr>
-            <a:spLocks noGrp="1"/>
-          </p:cNvSpPr>
-          <p:nvPr>
-            <p:ph type="dt" sz="half" idx="10"/>
-          </p:nvPr>
-        </p:nvSpPr>
-        <p:spPr>
-          <a:xfrm>
-            <a:off x="838200" y="6356350"/>
-            <a:ext cx="2743200" cy="365125"/>
-          </a:xfrm>
-        </p:spPr>
-        <p:txBody>
-          <a:bodyPr/>
-          <a:lstStyle/>
-          <a:p>
-            <a:r>
-              <a:rPr lang="en-US" dirty="0"/>
-              <a:t>20XX</a:t>
-            </a:r>
-          </a:p>
-        </p:txBody>
-      </p:sp>
       <p:pic>
         <p:nvPicPr>
-          <p:cNvPr id="42" name="Picture 41">
-            <a:extLst>
-              <a:ext uri="{FF2B5EF4-FFF2-40B4-BE49-F238E27FC236}">
-                <a16:creationId xmlns:a16="http://schemas.microsoft.com/office/drawing/2014/main" id="{4D789B1B-8558-BF8E-A615-095A0B24E8E6}"/>
+          <p:cNvPr id="364" name="Picture 363">
+            <a:extLst>
+              <a:ext uri="{FF2B5EF4-FFF2-40B4-BE49-F238E27FC236}">
+                <a16:creationId xmlns:a16="http://schemas.microsoft.com/office/drawing/2014/main" id="{57C96478-DD4F-4EDB-38E1-61A5C8A42410}"/>
               </a:ext>
             </a:extLst>
           </p:cNvPr>
@@ -12115,8 +12540,8 @@
         </p:blipFill>
         <p:spPr>
           <a:xfrm>
-            <a:off x="214312" y="1554958"/>
-            <a:ext cx="5362575" cy="4314825"/>
+            <a:off x="525780" y="718808"/>
+            <a:ext cx="11140440" cy="5840483"/>
           </a:xfrm>
           <a:prstGeom prst="rect">
             <a:avLst/>
@@ -12125,6 +12550,127 @@
       </p:pic>
       <p:sp>
         <p:nvSpPr>
+          <p:cNvPr id="366" name="Title 2">
+            <a:extLst>
+              <a:ext uri="{FF2B5EF4-FFF2-40B4-BE49-F238E27FC236}">
+                <a16:creationId xmlns:a16="http://schemas.microsoft.com/office/drawing/2014/main" id="{4085787E-4532-8726-D4AC-9F2932E5D035}"/>
+              </a:ext>
+            </a:extLst>
+          </p:cNvPr>
+          <p:cNvSpPr>
+            <a:spLocks noGrp="1"/>
+          </p:cNvSpPr>
+          <p:nvPr>
+            <p:ph type="title"/>
+          </p:nvPr>
+        </p:nvSpPr>
+        <p:spPr>
+          <a:xfrm>
+            <a:off x="746760" y="193040"/>
+            <a:ext cx="10515600" cy="705168"/>
+          </a:xfrm>
+        </p:spPr>
+        <p:txBody>
+          <a:bodyPr/>
+          <a:lstStyle/>
+          <a:p>
+            <a:r>
+              <a:rPr lang="en-US" dirty="0"/>
+              <a:t>NFL Map by Number of Injuries</a:t>
+            </a:r>
+          </a:p>
+        </p:txBody>
+      </p:sp>
+    </p:spTree>
+    <p:extLst>
+      <p:ext uri="{BB962C8B-B14F-4D97-AF65-F5344CB8AC3E}">
+        <p14:creationId xmlns:p14="http://schemas.microsoft.com/office/powerpoint/2010/main" val="4055079983"/>
+      </p:ext>
+    </p:extLst>
+  </p:cSld>
+  <p:clrMapOvr>
+    <a:masterClrMapping/>
+  </p:clrMapOvr>
+</p:sld>
+</file>
+
+<file path=ppt/slides/slide9.xml><?xml version="1.0" encoding="utf-8"?>
+<p:sld xmlns:a="http://schemas.openxmlformats.org/drawingml/2006/main" xmlns:r="http://schemas.openxmlformats.org/officeDocument/2006/relationships" xmlns:p="http://schemas.openxmlformats.org/presentationml/2006/main">
+  <p:cSld>
+    <p:spTree>
+      <p:nvGrpSpPr>
+        <p:cNvPr id="1" name=""/>
+        <p:cNvGrpSpPr/>
+        <p:nvPr/>
+      </p:nvGrpSpPr>
+      <p:grpSpPr>
+        <a:xfrm>
+          <a:off x="0" y="0"/>
+          <a:ext cx="0" cy="0"/>
+          <a:chOff x="0" y="0"/>
+          <a:chExt cx="0" cy="0"/>
+        </a:xfrm>
+      </p:grpSpPr>
+      <p:sp>
+        <p:nvSpPr>
+          <p:cNvPr id="2" name="Title 1">
+            <a:extLst>
+              <a:ext uri="{FF2B5EF4-FFF2-40B4-BE49-F238E27FC236}">
+                <a16:creationId xmlns:a16="http://schemas.microsoft.com/office/drawing/2014/main" id="{4F6A2D15-4D68-4BF7-9421-032AE6C8852C}"/>
+              </a:ext>
+            </a:extLst>
+          </p:cNvPr>
+          <p:cNvSpPr>
+            <a:spLocks noGrp="1"/>
+          </p:cNvSpPr>
+          <p:nvPr>
+            <p:ph type="title"/>
+          </p:nvPr>
+        </p:nvSpPr>
+        <p:spPr/>
+        <p:txBody>
+          <a:bodyPr/>
+          <a:lstStyle/>
+          <a:p>
+            <a:r>
+              <a:rPr lang="en-US" dirty="0"/>
+              <a:t>Play Time After Injury</a:t>
+            </a:r>
+          </a:p>
+        </p:txBody>
+      </p:sp>
+      <p:pic>
+        <p:nvPicPr>
+          <p:cNvPr id="42" name="Picture 41">
+            <a:extLst>
+              <a:ext uri="{FF2B5EF4-FFF2-40B4-BE49-F238E27FC236}">
+                <a16:creationId xmlns:a16="http://schemas.microsoft.com/office/drawing/2014/main" id="{4D789B1B-8558-BF8E-A615-095A0B24E8E6}"/>
+              </a:ext>
+            </a:extLst>
+          </p:cNvPr>
+          <p:cNvPicPr>
+            <a:picLocks noChangeAspect="1"/>
+          </p:cNvPicPr>
+          <p:nvPr/>
+        </p:nvPicPr>
+        <p:blipFill>
+          <a:blip r:embed="rId2"/>
+          <a:stretch>
+            <a:fillRect/>
+          </a:stretch>
+        </p:blipFill>
+        <p:spPr>
+          <a:xfrm>
+            <a:off x="6096000" y="1031505"/>
+            <a:ext cx="5362575" cy="4314825"/>
+          </a:xfrm>
+          <a:prstGeom prst="rect">
+            <a:avLst/>
+          </a:prstGeom>
+        </p:spPr>
+      </p:pic>
+      <p:sp>
+        <p:nvSpPr>
           <p:cNvPr id="43" name="TextBox 42">
             <a:extLst>
               <a:ext uri="{FF2B5EF4-FFF2-40B4-BE49-F238E27FC236}">
@@ -12137,7 +12683,7 @@
         </p:nvSpPr>
         <p:spPr>
           <a:xfrm>
-            <a:off x="8300720" y="2217740"/>
+            <a:off x="1444671" y="3346939"/>
             <a:ext cx="2357120" cy="1754326"/>
           </a:xfrm>
           <a:prstGeom prst="rect">
@@ -12208,8 +12754,8 @@
         </p:nvSpPr>
         <p:spPr bwMode="auto">
           <a:xfrm>
-            <a:off x="5881688" y="5234126"/>
-            <a:ext cx="12192000" cy="457200"/>
+            <a:off x="193940" y="5101265"/>
+            <a:ext cx="5620706" cy="153888"/>
           </a:xfrm>
           <a:prstGeom prst="rect">
             <a:avLst/>
@@ -12244,7 +12790,7 @@
           </a:extLst>
         </p:spPr>
         <p:txBody>
-          <a:bodyPr vert="horz" wrap="none" lIns="0" tIns="0" rIns="0" bIns="0" numCol="1" anchor="ctr" anchorCtr="0" compatLnSpc="1">
+          <a:bodyPr vert="horz" wrap="square" lIns="0" tIns="0" rIns="0" bIns="0" numCol="1" anchor="ctr" anchorCtr="0" compatLnSpc="1">
             <a:prstTxWarp prst="textNoShape">
               <a:avLst/>
             </a:prstTxWarp>
@@ -12353,200 +12899,6 @@
     <p:extLst>
       <p:ext uri="{BB962C8B-B14F-4D97-AF65-F5344CB8AC3E}">
         <p14:creationId xmlns:p14="http://schemas.microsoft.com/office/powerpoint/2010/main" val="2619301236"/>
-      </p:ext>
-    </p:extLst>
-  </p:cSld>
-  <p:clrMapOvr>
-    <a:masterClrMapping/>
-  </p:clrMapOvr>
-</p:sld>
-</file>
-
-<file path=ppt/slides/slide9.xml><?xml version="1.0" encoding="utf-8"?>
-<p:sld xmlns:a="http://schemas.openxmlformats.org/drawingml/2006/main" xmlns:r="http://schemas.openxmlformats.org/officeDocument/2006/relationships" xmlns:p="http://schemas.openxmlformats.org/presentationml/2006/main">
-  <p:cSld>
-    <p:spTree>
-      <p:nvGrpSpPr>
-        <p:cNvPr id="1" name=""/>
-        <p:cNvGrpSpPr/>
-        <p:nvPr/>
-      </p:nvGrpSpPr>
-      <p:grpSpPr>
-        <a:xfrm>
-          <a:off x="0" y="0"/>
-          <a:ext cx="0" cy="0"/>
-          <a:chOff x="0" y="0"/>
-          <a:chExt cx="0" cy="0"/>
-        </a:xfrm>
-      </p:grpSpPr>
-      <p:sp>
-        <p:nvSpPr>
-          <p:cNvPr id="2" name="Title 1">
-            <a:extLst>
-              <a:ext uri="{FF2B5EF4-FFF2-40B4-BE49-F238E27FC236}">
-                <a16:creationId xmlns:a16="http://schemas.microsoft.com/office/drawing/2014/main" id="{0A32731C-311B-46F7-A865-6C3AF6B09A47}"/>
-              </a:ext>
-            </a:extLst>
-          </p:cNvPr>
-          <p:cNvSpPr>
-            <a:spLocks noGrp="1"/>
-          </p:cNvSpPr>
-          <p:nvPr>
-            <p:ph type="title"/>
-          </p:nvPr>
-        </p:nvSpPr>
-        <p:spPr>
-          <a:xfrm>
-            <a:off x="1362075" y="1671639"/>
-            <a:ext cx="5111750" cy="1204912"/>
-          </a:xfrm>
-        </p:spPr>
-        <p:txBody>
-          <a:bodyPr>
-            <a:normAutofit/>
-          </a:bodyPr>
-          <a:lstStyle/>
-          <a:p>
-            <a:r>
-              <a:rPr lang="en-US" dirty="0"/>
-              <a:t>The Break Down</a:t>
-            </a:r>
-          </a:p>
-        </p:txBody>
-      </p:sp>
-      <p:sp>
-        <p:nvSpPr>
-          <p:cNvPr id="4" name="Date Placeholder 3">
-            <a:extLst>
-              <a:ext uri="{FF2B5EF4-FFF2-40B4-BE49-F238E27FC236}">
-                <a16:creationId xmlns:a16="http://schemas.microsoft.com/office/drawing/2014/main" id="{70E12647-CCB2-45E2-A9CB-A868F490497E}"/>
-              </a:ext>
-            </a:extLst>
-          </p:cNvPr>
-          <p:cNvSpPr>
-            <a:spLocks noGrp="1"/>
-          </p:cNvSpPr>
-          <p:nvPr>
-            <p:ph type="dt" sz="half" idx="10"/>
-          </p:nvPr>
-        </p:nvSpPr>
-        <p:spPr>
-          <a:xfrm>
-            <a:off x="838200" y="6356350"/>
-            <a:ext cx="1219200" cy="365125"/>
-          </a:xfrm>
-        </p:spPr>
-        <p:txBody>
-          <a:bodyPr/>
-          <a:lstStyle/>
-          <a:p>
-            <a:r>
-              <a:rPr lang="en-US" dirty="0"/>
-              <a:t>20XX</a:t>
-            </a:r>
-          </a:p>
-        </p:txBody>
-      </p:sp>
-      <p:sp>
-        <p:nvSpPr>
-          <p:cNvPr id="5" name="Footer Placeholder 4">
-            <a:extLst>
-              <a:ext uri="{FF2B5EF4-FFF2-40B4-BE49-F238E27FC236}">
-                <a16:creationId xmlns:a16="http://schemas.microsoft.com/office/drawing/2014/main" id="{8D51ED20-04D4-4894-B0C2-9C541A61A734}"/>
-              </a:ext>
-            </a:extLst>
-          </p:cNvPr>
-          <p:cNvSpPr>
-            <a:spLocks noGrp="1"/>
-          </p:cNvSpPr>
-          <p:nvPr>
-            <p:ph type="ftr" sz="quarter" idx="11"/>
-          </p:nvPr>
-        </p:nvSpPr>
-        <p:spPr>
-          <a:xfrm>
-            <a:off x="2463800" y="6356350"/>
-            <a:ext cx="3479800" cy="365125"/>
-          </a:xfrm>
-        </p:spPr>
-        <p:txBody>
-          <a:bodyPr/>
-          <a:lstStyle/>
-          <a:p>
-            <a:r>
-              <a:rPr lang="en-US" dirty="0"/>
-              <a:t>PRESENTATION TITLE</a:t>
-            </a:r>
-          </a:p>
-        </p:txBody>
-      </p:sp>
-      <p:sp>
-        <p:nvSpPr>
-          <p:cNvPr id="6" name="Slide Number Placeholder 5">
-            <a:extLst>
-              <a:ext uri="{FF2B5EF4-FFF2-40B4-BE49-F238E27FC236}">
-                <a16:creationId xmlns:a16="http://schemas.microsoft.com/office/drawing/2014/main" id="{7BC1787E-7110-4989-B0B8-DD4E0ACC09DF}"/>
-              </a:ext>
-            </a:extLst>
-          </p:cNvPr>
-          <p:cNvSpPr>
-            <a:spLocks noGrp="1"/>
-          </p:cNvSpPr>
-          <p:nvPr>
-            <p:ph type="sldNum" sz="quarter" idx="12"/>
-          </p:nvPr>
-        </p:nvSpPr>
-        <p:spPr>
-          <a:xfrm>
-            <a:off x="8610600" y="6356350"/>
-            <a:ext cx="2743200" cy="365125"/>
-          </a:xfrm>
-        </p:spPr>
-        <p:txBody>
-          <a:bodyPr/>
-          <a:lstStyle/>
-          <a:p>
-            <a:fld id="{A49DFD55-3C28-40EF-9E31-A92D2E4017FF}" type="slidenum">
-              <a:rPr lang="en-US" smtClean="0"/>
-              <a:pPr/>
-              <a:t>9</a:t>
-            </a:fld>
-            <a:endParaRPr lang="en-US" dirty="0"/>
-          </a:p>
-        </p:txBody>
-      </p:sp>
-      <p:sp>
-        <p:nvSpPr>
-          <p:cNvPr id="9" name="Text Placeholder 8">
-            <a:extLst>
-              <a:ext uri="{FF2B5EF4-FFF2-40B4-BE49-F238E27FC236}">
-                <a16:creationId xmlns:a16="http://schemas.microsoft.com/office/drawing/2014/main" id="{668EB773-01D2-4030-80CC-4C8BACC98CC5}"/>
-              </a:ext>
-            </a:extLst>
-          </p:cNvPr>
-          <p:cNvSpPr>
-            <a:spLocks noGrp="1"/>
-          </p:cNvSpPr>
-          <p:nvPr>
-            <p:ph type="body" idx="1"/>
-          </p:nvPr>
-        </p:nvSpPr>
-        <p:spPr/>
-        <p:txBody>
-          <a:bodyPr/>
-          <a:lstStyle/>
-          <a:p>
-            <a:r>
-              <a:rPr lang="en-US" dirty="0"/>
-              <a:t>Offense, Defense, and by Year</a:t>
-            </a:r>
-          </a:p>
-        </p:txBody>
-      </p:sp>
-    </p:spTree>
-    <p:extLst>
-      <p:ext uri="{BB962C8B-B14F-4D97-AF65-F5344CB8AC3E}">
-        <p14:creationId xmlns:p14="http://schemas.microsoft.com/office/powerpoint/2010/main" val="2166205109"/>
       </p:ext>
     </p:extLst>
   </p:cSld>

--- a/NFL_concussion_study.pptx
+++ b/NFL_concussion_study.pptx
@@ -20,12 +20,13 @@
     <p:sldId id="265" r:id="rId14"/>
     <p:sldId id="260" r:id="rId15"/>
     <p:sldId id="276" r:id="rId16"/>
-    <p:sldId id="277" r:id="rId17"/>
-    <p:sldId id="262" r:id="rId18"/>
-    <p:sldId id="281" r:id="rId19"/>
-    <p:sldId id="263" r:id="rId20"/>
-    <p:sldId id="257" r:id="rId21"/>
-    <p:sldId id="261" r:id="rId22"/>
+    <p:sldId id="282" r:id="rId17"/>
+    <p:sldId id="277" r:id="rId18"/>
+    <p:sldId id="262" r:id="rId19"/>
+    <p:sldId id="281" r:id="rId20"/>
+    <p:sldId id="263" r:id="rId21"/>
+    <p:sldId id="257" r:id="rId22"/>
+    <p:sldId id="261" r:id="rId23"/>
   </p:sldIdLst>
   <p:sldSz cx="12192000" cy="6858000"/>
   <p:notesSz cx="6858000" cy="9144000"/>
@@ -271,7 +272,7 @@
           <a:p>
             <a:fld id="{48A87A34-81AB-432B-8DAE-1953F412C126}" type="datetimeFigureOut">
               <a:rPr lang="en-US" dirty="0"/>
-              <a:t>1/30/2023</a:t>
+              <a:t>1/31/2023</a:t>
             </a:fld>
             <a:endParaRPr lang="en-US" dirty="0"/>
           </a:p>
@@ -477,7 +478,7 @@
           <a:p>
             <a:fld id="{48A87A34-81AB-432B-8DAE-1953F412C126}" type="datetimeFigureOut">
               <a:rPr lang="en-US" dirty="0"/>
-              <a:t>1/30/2023</a:t>
+              <a:t>1/31/2023</a:t>
             </a:fld>
             <a:endParaRPr lang="en-US" dirty="0"/>
           </a:p>
@@ -687,7 +688,7 @@
           <a:p>
             <a:fld id="{48A87A34-81AB-432B-8DAE-1953F412C126}" type="datetimeFigureOut">
               <a:rPr lang="en-US" dirty="0"/>
-              <a:t>1/30/2023</a:t>
+              <a:t>1/31/2023</a:t>
             </a:fld>
             <a:endParaRPr lang="en-US" dirty="0"/>
           </a:p>
@@ -5346,7 +5347,7 @@
           <a:p>
             <a:fld id="{48A87A34-81AB-432B-8DAE-1953F412C126}" type="datetimeFigureOut">
               <a:rPr lang="en-US" dirty="0"/>
-              <a:t>1/30/2023</a:t>
+              <a:t>1/31/2023</a:t>
             </a:fld>
             <a:endParaRPr lang="en-US" dirty="0"/>
           </a:p>
@@ -5620,7 +5621,7 @@
           <a:p>
             <a:fld id="{48A87A34-81AB-432B-8DAE-1953F412C126}" type="datetimeFigureOut">
               <a:rPr lang="en-US" dirty="0"/>
-              <a:t>1/30/2023</a:t>
+              <a:t>1/31/2023</a:t>
             </a:fld>
             <a:endParaRPr lang="en-US" dirty="0"/>
           </a:p>
@@ -5883,7 +5884,7 @@
           <a:p>
             <a:fld id="{48A87A34-81AB-432B-8DAE-1953F412C126}" type="datetimeFigureOut">
               <a:rPr lang="en-US" dirty="0"/>
-              <a:t>1/30/2023</a:t>
+              <a:t>1/31/2023</a:t>
             </a:fld>
             <a:endParaRPr lang="en-US" dirty="0"/>
           </a:p>
@@ -6294,7 +6295,7 @@
           <a:p>
             <a:fld id="{48A87A34-81AB-432B-8DAE-1953F412C126}" type="datetimeFigureOut">
               <a:rPr lang="en-US" dirty="0"/>
-              <a:t>1/30/2023</a:t>
+              <a:t>1/31/2023</a:t>
             </a:fld>
             <a:endParaRPr lang="en-US" dirty="0"/>
           </a:p>
@@ -6438,7 +6439,7 @@
           <a:p>
             <a:fld id="{48A87A34-81AB-432B-8DAE-1953F412C126}" type="datetimeFigureOut">
               <a:rPr lang="en-US" dirty="0"/>
-              <a:t>1/30/2023</a:t>
+              <a:t>1/31/2023</a:t>
             </a:fld>
             <a:endParaRPr lang="en-US" dirty="0"/>
           </a:p>
@@ -6559,7 +6560,7 @@
           <a:p>
             <a:fld id="{48A87A34-81AB-432B-8DAE-1953F412C126}" type="datetimeFigureOut">
               <a:rPr lang="en-US" dirty="0"/>
-              <a:t>1/30/2023</a:t>
+              <a:t>1/31/2023</a:t>
             </a:fld>
             <a:endParaRPr lang="en-US" dirty="0"/>
           </a:p>
@@ -6805,7 +6806,7 @@
           <a:p>
             <a:fld id="{48A87A34-81AB-432B-8DAE-1953F412C126}" type="datetimeFigureOut">
               <a:rPr lang="en-US" dirty="0"/>
-              <a:t>1/30/2023</a:t>
+              <a:t>1/31/2023</a:t>
             </a:fld>
             <a:endParaRPr lang="en-US" dirty="0"/>
           </a:p>
@@ -7246,7 +7247,7 @@
             <a:fld id="{48A87A34-81AB-432B-8DAE-1953F412C126}" type="datetimeFigureOut">
               <a:rPr lang="en-US" dirty="0"/>
               <a:pPr/>
-              <a:t>1/30/2023</a:t>
+              <a:t>1/31/2023</a:t>
             </a:fld>
             <a:endParaRPr lang="en-US" dirty="0"/>
           </a:p>
@@ -7569,7 +7570,7 @@
             <a:fld id="{48A87A34-81AB-432B-8DAE-1953F412C126}" type="datetimeFigureOut">
               <a:rPr lang="en-US" dirty="0"/>
               <a:pPr/>
-              <a:t>1/30/2023</a:t>
+              <a:t>1/31/2023</a:t>
             </a:fld>
             <a:endParaRPr lang="en-US" dirty="0"/>
           </a:p>
@@ -9911,7 +9912,7 @@
           <p:cNvPr id="2" name="Title 1">
             <a:extLst>
               <a:ext uri="{FF2B5EF4-FFF2-40B4-BE49-F238E27FC236}">
-                <a16:creationId xmlns:a16="http://schemas.microsoft.com/office/drawing/2014/main" id="{D8C2F6DA-E9AC-C22F-F3D6-D3E74A0DA208}"/>
+                <a16:creationId xmlns:a16="http://schemas.microsoft.com/office/drawing/2014/main" id="{7F784D23-7F2C-CBF4-E87B-0167058F843E}"/>
               </a:ext>
             </a:extLst>
           </p:cNvPr>
@@ -9928,284 +9929,41 @@
           <a:lstStyle/>
           <a:p>
             <a:r>
-              <a:rPr lang="en-US" dirty="0"/>
-              <a:t>conclusion</a:t>
-            </a:r>
-          </a:p>
-        </p:txBody>
-      </p:sp>
-      <p:sp>
-        <p:nvSpPr>
-          <p:cNvPr id="3" name="Text Placeholder 2">
-            <a:extLst>
-              <a:ext uri="{FF2B5EF4-FFF2-40B4-BE49-F238E27FC236}">
-                <a16:creationId xmlns:a16="http://schemas.microsoft.com/office/drawing/2014/main" id="{D851C395-6BC4-4F00-B40B-069DBBB7C08B}"/>
-              </a:ext>
-            </a:extLst>
-          </p:cNvPr>
-          <p:cNvSpPr>
-            <a:spLocks noGrp="1"/>
-          </p:cNvSpPr>
-          <p:nvPr>
-            <p:ph type="body" idx="4294967295"/>
-          </p:nvPr>
-        </p:nvSpPr>
-        <p:spPr>
-          <a:xfrm>
-            <a:off x="192142" y="2267582"/>
-            <a:ext cx="2882900" cy="384175"/>
-          </a:xfrm>
-        </p:spPr>
-        <p:txBody>
-          <a:bodyPr>
-            <a:normAutofit fontScale="92500" lnSpcReduction="20000"/>
-          </a:bodyPr>
+              <a:rPr lang="en-US"/>
+              <a:t>Daniel’s info here</a:t>
+            </a:r>
+          </a:p>
+        </p:txBody>
+      </p:sp>
+      <p:sp>
+        <p:nvSpPr>
+          <p:cNvPr id="3" name="Subtitle 2">
+            <a:extLst>
+              <a:ext uri="{FF2B5EF4-FFF2-40B4-BE49-F238E27FC236}">
+                <a16:creationId xmlns:a16="http://schemas.microsoft.com/office/drawing/2014/main" id="{9C9505D0-8726-53C1-305D-A0F0B38D4B85}"/>
+              </a:ext>
+            </a:extLst>
+          </p:cNvPr>
+          <p:cNvSpPr>
+            <a:spLocks noGrp="1"/>
+          </p:cNvSpPr>
+          <p:nvPr>
+            <p:ph type="subTitle" idx="1"/>
+          </p:nvPr>
+        </p:nvSpPr>
+        <p:spPr/>
+        <p:txBody>
+          <a:bodyPr/>
           <a:lstStyle/>
           <a:p>
-            <a:r>
-              <a:rPr lang="en-US" dirty="0"/>
-              <a:t>Further Research</a:t>
-            </a:r>
-          </a:p>
-        </p:txBody>
-      </p:sp>
-      <p:sp>
-        <p:nvSpPr>
-          <p:cNvPr id="4" name="Content Placeholder 3">
-            <a:extLst>
-              <a:ext uri="{FF2B5EF4-FFF2-40B4-BE49-F238E27FC236}">
-                <a16:creationId xmlns:a16="http://schemas.microsoft.com/office/drawing/2014/main" id="{A1D16151-9486-4A03-AE3A-F1CC562E0564}"/>
-              </a:ext>
-            </a:extLst>
-          </p:cNvPr>
-          <p:cNvSpPr>
-            <a:spLocks noGrp="1"/>
-          </p:cNvSpPr>
-          <p:nvPr>
-            <p:ph sz="half" idx="4294967295"/>
-          </p:nvPr>
-        </p:nvSpPr>
-        <p:spPr>
-          <a:xfrm>
-            <a:off x="192142" y="3065585"/>
-            <a:ext cx="5680022" cy="1412875"/>
-          </a:xfrm>
-        </p:spPr>
-        <p:txBody>
-          <a:bodyPr>
-            <a:normAutofit fontScale="70000" lnSpcReduction="20000"/>
-          </a:bodyPr>
-          <a:lstStyle/>
-          <a:p>
-            <a:pPr marL="285750" indent="-285750">
-              <a:buFont typeface="Arial" panose="020B0604020202020204" pitchFamily="34" charset="0"/>
-              <a:buChar char="•"/>
-            </a:pPr>
-            <a:r>
-              <a:rPr lang="en-US" dirty="0"/>
-              <a:t>Increases size of dataset</a:t>
-            </a:r>
-          </a:p>
-          <a:p>
-            <a:pPr marL="742950" lvl="1" indent="-285750">
-              <a:buFont typeface="Arial" panose="020B0604020202020204" pitchFamily="34" charset="0"/>
-              <a:buChar char="•"/>
-            </a:pPr>
-            <a:r>
-              <a:rPr lang="en-US" dirty="0"/>
-              <a:t>Original dataset is small</a:t>
-            </a:r>
-          </a:p>
-          <a:p>
-            <a:pPr marL="285750" indent="-285750">
-              <a:buFont typeface="Arial" panose="020B0604020202020204" pitchFamily="34" charset="0"/>
-              <a:buChar char="•"/>
-            </a:pPr>
-            <a:r>
-              <a:rPr lang="en-US" dirty="0"/>
-              <a:t>Determine number of players with head injuries </a:t>
-            </a:r>
-          </a:p>
-          <a:p>
-            <a:pPr marL="285750" indent="-285750">
-              <a:buFont typeface="Arial" panose="020B0604020202020204" pitchFamily="34" charset="0"/>
-              <a:buChar char="•"/>
-            </a:pPr>
-            <a:r>
-              <a:rPr lang="en-US" dirty="0"/>
-              <a:t>See if there was a NFL change in 2014 that decreased head injuries</a:t>
-            </a:r>
-          </a:p>
-        </p:txBody>
-      </p:sp>
-      <p:sp>
-        <p:nvSpPr>
-          <p:cNvPr id="5" name="Text Placeholder 4">
-            <a:extLst>
-              <a:ext uri="{FF2B5EF4-FFF2-40B4-BE49-F238E27FC236}">
-                <a16:creationId xmlns:a16="http://schemas.microsoft.com/office/drawing/2014/main" id="{DDE59236-37DD-4582-A2A0-3F9A13A3B55D}"/>
-              </a:ext>
-            </a:extLst>
-          </p:cNvPr>
-          <p:cNvSpPr>
-            <a:spLocks noGrp="1"/>
-          </p:cNvSpPr>
-          <p:nvPr>
-            <p:ph type="body" sz="quarter" idx="4294967295"/>
-          </p:nvPr>
-        </p:nvSpPr>
-        <p:spPr>
-          <a:xfrm>
-            <a:off x="5872164" y="2240595"/>
-            <a:ext cx="2897187" cy="411162"/>
-          </a:xfrm>
-        </p:spPr>
-        <p:txBody>
-          <a:bodyPr>
-            <a:normAutofit lnSpcReduction="10000"/>
-          </a:bodyPr>
-          <a:lstStyle/>
-          <a:p>
-            <a:r>
-              <a:rPr lang="en-US" dirty="0"/>
-              <a:t>Question Answered</a:t>
-            </a:r>
-          </a:p>
-        </p:txBody>
-      </p:sp>
-      <p:sp>
-        <p:nvSpPr>
-          <p:cNvPr id="6" name="Content Placeholder 5">
-            <a:extLst>
-              <a:ext uri="{FF2B5EF4-FFF2-40B4-BE49-F238E27FC236}">
-                <a16:creationId xmlns:a16="http://schemas.microsoft.com/office/drawing/2014/main" id="{DE1CCF0F-F0BB-42D7-B3C2-C29336739F32}"/>
-              </a:ext>
-            </a:extLst>
-          </p:cNvPr>
-          <p:cNvSpPr>
-            <a:spLocks noGrp="1"/>
-          </p:cNvSpPr>
-          <p:nvPr>
-            <p:ph sz="quarter" idx="4294967295"/>
-          </p:nvPr>
-        </p:nvSpPr>
-        <p:spPr>
-          <a:xfrm>
-            <a:off x="5872164" y="2860309"/>
-            <a:ext cx="5505082" cy="3025775"/>
-          </a:xfrm>
-        </p:spPr>
-        <p:txBody>
-          <a:bodyPr>
-            <a:normAutofit fontScale="55000" lnSpcReduction="20000"/>
-          </a:bodyPr>
-          <a:lstStyle/>
-          <a:p>
-            <a:pPr marL="285750" indent="-285750">
-              <a:buFont typeface="Arial" panose="020B0604020202020204" pitchFamily="34" charset="0"/>
-              <a:buChar char="•"/>
-            </a:pPr>
-            <a:r>
-              <a:rPr lang="en-US" dirty="0"/>
-              <a:t>How long were players out? (Determined by examining number of games missed) </a:t>
-            </a:r>
-          </a:p>
-          <a:p>
-            <a:pPr marL="285750" indent="-285750">
-              <a:buFont typeface="Arial" panose="020B0604020202020204" pitchFamily="34" charset="0"/>
-              <a:buChar char="•"/>
-            </a:pPr>
-            <a:r>
-              <a:rPr lang="en-US" dirty="0"/>
-              <a:t>How did the injury affect the player’s playtime? </a:t>
-            </a:r>
-          </a:p>
-          <a:p>
-            <a:pPr marL="742950" lvl="1" indent="-285750">
-              <a:buFont typeface="Arial" panose="020B0604020202020204" pitchFamily="34" charset="0"/>
-              <a:buChar char="•"/>
-            </a:pPr>
-            <a:r>
-              <a:rPr lang="en-US" dirty="0"/>
-              <a:t>Statistically significantly deceases playtime</a:t>
-            </a:r>
-          </a:p>
-          <a:p>
-            <a:pPr marL="285750" indent="-285750">
-              <a:buFont typeface="Arial" panose="020B0604020202020204" pitchFamily="34" charset="0"/>
-              <a:buChar char="•"/>
-            </a:pPr>
-            <a:r>
-              <a:rPr lang="en-US" dirty="0"/>
-              <a:t>What position gets the most concussions on both offense and defense?</a:t>
-            </a:r>
-          </a:p>
-          <a:p>
-            <a:pPr marL="742950" lvl="1" indent="-285750">
-              <a:buFont typeface="Arial" panose="020B0604020202020204" pitchFamily="34" charset="0"/>
-              <a:buChar char="•"/>
-            </a:pPr>
-            <a:r>
-              <a:rPr lang="en-US" dirty="0"/>
-              <a:t>Offense: Wide Receiver</a:t>
-            </a:r>
-          </a:p>
-          <a:p>
-            <a:pPr marL="742950" lvl="1" indent="-285750">
-              <a:buFont typeface="Arial" panose="020B0604020202020204" pitchFamily="34" charset="0"/>
-              <a:buChar char="•"/>
-            </a:pPr>
-            <a:r>
-              <a:rPr lang="en-US" dirty="0"/>
-              <a:t>Defense: Cornerback </a:t>
-            </a:r>
-          </a:p>
-          <a:p>
-            <a:pPr marL="285750" indent="-285750">
-              <a:buFont typeface="Arial" panose="020B0604020202020204" pitchFamily="34" charset="0"/>
-              <a:buChar char="•"/>
-            </a:pPr>
-            <a:r>
-              <a:rPr lang="en-US" dirty="0"/>
-              <a:t>How did the team fare (win or lose?) when they had a player with a head injury?</a:t>
-            </a:r>
-          </a:p>
-          <a:p>
-            <a:pPr marL="285750" indent="-285750">
-              <a:buFont typeface="Arial" panose="020B0604020202020204" pitchFamily="34" charset="0"/>
-              <a:buChar char="•"/>
-            </a:pPr>
-            <a:r>
-              <a:rPr lang="en-US" dirty="0"/>
-              <a:t>What team is most prone to concussions?</a:t>
-            </a:r>
-          </a:p>
-          <a:p>
-            <a:pPr marL="742950" lvl="1" indent="-285750">
-              <a:buFont typeface="Arial" panose="020B0604020202020204" pitchFamily="34" charset="0"/>
-              <a:buChar char="•"/>
-            </a:pPr>
-            <a:r>
-              <a:rPr lang="en-US" dirty="0"/>
-              <a:t>Jacksonville Jaguars</a:t>
-            </a:r>
-          </a:p>
-          <a:p>
-            <a:pPr marL="285750" indent="-285750">
-              <a:buFont typeface="Arial" panose="020B0604020202020204" pitchFamily="34" charset="0"/>
-              <a:buChar char="•"/>
-            </a:pPr>
-            <a:r>
-              <a:rPr lang="en-US" dirty="0"/>
-              <a:t>What team inflicted the most concussions? </a:t>
-            </a:r>
+            <a:endParaRPr lang="en-US"/>
           </a:p>
         </p:txBody>
       </p:sp>
     </p:spTree>
     <p:extLst>
       <p:ext uri="{BB962C8B-B14F-4D97-AF65-F5344CB8AC3E}">
-        <p14:creationId xmlns:p14="http://schemas.microsoft.com/office/powerpoint/2010/main" val="1429429409"/>
+        <p14:creationId xmlns:p14="http://schemas.microsoft.com/office/powerpoint/2010/main" val="1348407762"/>
       </p:ext>
     </p:extLst>
   </p:cSld>
@@ -10237,7 +9995,7 @@
           <p:cNvPr id="2" name="Title 1">
             <a:extLst>
               <a:ext uri="{FF2B5EF4-FFF2-40B4-BE49-F238E27FC236}">
-                <a16:creationId xmlns:a16="http://schemas.microsoft.com/office/drawing/2014/main" id="{5C2A5588-5D44-1DA3-E506-5623A17BDFD6}"/>
+                <a16:creationId xmlns:a16="http://schemas.microsoft.com/office/drawing/2014/main" id="{D8C2F6DA-E9AC-C22F-F3D6-D3E74A0DA208}"/>
               </a:ext>
             </a:extLst>
           </p:cNvPr>
@@ -10250,130 +10008,288 @@
         </p:nvSpPr>
         <p:spPr/>
         <p:txBody>
+          <a:bodyPr/>
+          <a:lstStyle/>
+          <a:p>
+            <a:r>
+              <a:rPr lang="en-US" dirty="0"/>
+              <a:t>conclusion</a:t>
+            </a:r>
+          </a:p>
+        </p:txBody>
+      </p:sp>
+      <p:sp>
+        <p:nvSpPr>
+          <p:cNvPr id="3" name="Text Placeholder 2">
+            <a:extLst>
+              <a:ext uri="{FF2B5EF4-FFF2-40B4-BE49-F238E27FC236}">
+                <a16:creationId xmlns:a16="http://schemas.microsoft.com/office/drawing/2014/main" id="{D851C395-6BC4-4F00-B40B-069DBBB7C08B}"/>
+              </a:ext>
+            </a:extLst>
+          </p:cNvPr>
+          <p:cNvSpPr>
+            <a:spLocks noGrp="1"/>
+          </p:cNvSpPr>
+          <p:nvPr>
+            <p:ph type="body" idx="4294967295"/>
+          </p:nvPr>
+        </p:nvSpPr>
+        <p:spPr>
+          <a:xfrm>
+            <a:off x="192142" y="2267582"/>
+            <a:ext cx="2882900" cy="384175"/>
+          </a:xfrm>
+        </p:spPr>
+        <p:txBody>
           <a:bodyPr>
-            <a:noAutofit/>
+            <a:normAutofit fontScale="92500" lnSpcReduction="20000"/>
           </a:bodyPr>
           <a:lstStyle/>
           <a:p>
-            <a:pPr algn="ctr"/>
-            <a:r>
-              <a:rPr lang="en-US" sz="7200" dirty="0"/>
-              <a:t>references</a:t>
-            </a:r>
-          </a:p>
-        </p:txBody>
-      </p:sp>
-      <p:sp>
-        <p:nvSpPr>
-          <p:cNvPr id="4" name="TextBox 3">
-            <a:extLst>
-              <a:ext uri="{FF2B5EF4-FFF2-40B4-BE49-F238E27FC236}">
-                <a16:creationId xmlns:a16="http://schemas.microsoft.com/office/drawing/2014/main" id="{2F28DA80-11C0-5C4D-5391-2DA1E1D947AD}"/>
-              </a:ext>
-            </a:extLst>
-          </p:cNvPr>
-          <p:cNvSpPr txBox="1"/>
-          <p:nvPr/>
-        </p:nvSpPr>
-        <p:spPr>
-          <a:xfrm>
-            <a:off x="1451579" y="2004645"/>
-            <a:ext cx="9603275" cy="3970318"/>
-          </a:xfrm>
-          <a:prstGeom prst="rect">
-            <a:avLst/>
-          </a:prstGeom>
-          <a:noFill/>
-        </p:spPr>
-        <p:txBody>
-          <a:bodyPr wrap="square" rtlCol="0">
-            <a:spAutoFit/>
+            <a:r>
+              <a:rPr lang="en-US" dirty="0"/>
+              <a:t>Further Research</a:t>
+            </a:r>
+          </a:p>
+        </p:txBody>
+      </p:sp>
+      <p:sp>
+        <p:nvSpPr>
+          <p:cNvPr id="4" name="Content Placeholder 3">
+            <a:extLst>
+              <a:ext uri="{FF2B5EF4-FFF2-40B4-BE49-F238E27FC236}">
+                <a16:creationId xmlns:a16="http://schemas.microsoft.com/office/drawing/2014/main" id="{A1D16151-9486-4A03-AE3A-F1CC562E0564}"/>
+              </a:ext>
+            </a:extLst>
+          </p:cNvPr>
+          <p:cNvSpPr>
+            <a:spLocks noGrp="1"/>
+          </p:cNvSpPr>
+          <p:nvPr>
+            <p:ph sz="half" idx="4294967295"/>
+          </p:nvPr>
+        </p:nvSpPr>
+        <p:spPr>
+          <a:xfrm>
+            <a:off x="192142" y="3065585"/>
+            <a:ext cx="5680022" cy="1412875"/>
+          </a:xfrm>
+        </p:spPr>
+        <p:txBody>
+          <a:bodyPr>
+            <a:normAutofit fontScale="70000" lnSpcReduction="20000"/>
           </a:bodyPr>
           <a:lstStyle/>
           <a:p>
+            <a:pPr marL="285750" indent="-285750">
+              <a:buFont typeface="Arial" panose="020B0604020202020204" pitchFamily="34" charset="0"/>
+              <a:buChar char="•"/>
+            </a:pPr>
             <a:r>
               <a:rPr lang="en-US" dirty="0"/>
-              <a:t>Dataset:</a:t>
-            </a:r>
-          </a:p>
-          <a:p>
-            <a:r>
-              <a:rPr lang="en-US" dirty="0">
-                <a:hlinkClick r:id="rId2"/>
-              </a:rPr>
-              <a:t>https://data.world/alice-c/nfl</a:t>
-            </a:r>
-            <a:endParaRPr lang="en-US" dirty="0"/>
-          </a:p>
-          <a:p>
-            <a:endParaRPr lang="en-US" dirty="0"/>
-          </a:p>
-          <a:p>
+              <a:t>Increases size of dataset</a:t>
+            </a:r>
+          </a:p>
+          <a:p>
+            <a:pPr marL="742950" lvl="1" indent="-285750">
+              <a:buFont typeface="Arial" panose="020B0604020202020204" pitchFamily="34" charset="0"/>
+              <a:buChar char="•"/>
+            </a:pPr>
             <a:r>
               <a:rPr lang="en-US" dirty="0"/>
-              <a:t>News articles:</a:t>
-            </a:r>
-          </a:p>
-          <a:p>
-            <a:r>
-              <a:rPr lang="en-US" dirty="0">
-                <a:hlinkClick r:id="rId3"/>
-              </a:rPr>
-              <a:t>https://www.pbs.org/wgbh/frontline/investigation/the-nfls-concussion-crisis/</a:t>
-            </a:r>
-            <a:endParaRPr lang="en-US" dirty="0"/>
-          </a:p>
-          <a:p>
-            <a:endParaRPr lang="en-US" dirty="0"/>
-          </a:p>
-          <a:p>
+              <a:t>Original dataset is small</a:t>
+            </a:r>
+          </a:p>
+          <a:p>
+            <a:pPr marL="285750" indent="-285750">
+              <a:buFont typeface="Arial" panose="020B0604020202020204" pitchFamily="34" charset="0"/>
+              <a:buChar char="•"/>
+            </a:pPr>
             <a:r>
               <a:rPr lang="en-US" dirty="0"/>
-              <a:t>NFL protocol on concussions:</a:t>
-            </a:r>
-          </a:p>
-          <a:p>
-            <a:r>
-              <a:rPr lang="en-US" dirty="0">
-                <a:hlinkClick r:id="rId4"/>
-              </a:rPr>
-              <a:t>https://www.nfl.com/playerhealthandsafety/resources/fact-sheets/nfl-head-neck-and-spine-committee-s-concussion-diagnosis-and-management-protocol</a:t>
-            </a:r>
-            <a:endParaRPr lang="en-US" dirty="0"/>
-          </a:p>
-          <a:p>
-            <a:endParaRPr lang="en-US" dirty="0"/>
-          </a:p>
-          <a:p>
+              <a:t>Determine number of players with head injuries </a:t>
+            </a:r>
+          </a:p>
+          <a:p>
+            <a:pPr marL="285750" indent="-285750">
+              <a:buFont typeface="Arial" panose="020B0604020202020204" pitchFamily="34" charset="0"/>
+              <a:buChar char="•"/>
+            </a:pPr>
             <a:r>
               <a:rPr lang="en-US" dirty="0"/>
-              <a:t>CDC:</a:t>
-            </a:r>
-          </a:p>
-          <a:p>
-            <a:r>
-              <a:rPr lang="en-US" dirty="0">
-                <a:hlinkClick r:id="rId5"/>
-              </a:rPr>
-              <a:t>https://www.cdc.gov/traumaticbraininjury/concussion/index.html</a:t>
-            </a:r>
+              <a:t>See if there was a NFL change in 2014 that decreased head injuries</a:t>
+            </a:r>
+          </a:p>
+        </p:txBody>
+      </p:sp>
+      <p:sp>
+        <p:nvSpPr>
+          <p:cNvPr id="5" name="Text Placeholder 4">
+            <a:extLst>
+              <a:ext uri="{FF2B5EF4-FFF2-40B4-BE49-F238E27FC236}">
+                <a16:creationId xmlns:a16="http://schemas.microsoft.com/office/drawing/2014/main" id="{DDE59236-37DD-4582-A2A0-3F9A13A3B55D}"/>
+              </a:ext>
+            </a:extLst>
+          </p:cNvPr>
+          <p:cNvSpPr>
+            <a:spLocks noGrp="1"/>
+          </p:cNvSpPr>
+          <p:nvPr>
+            <p:ph type="body" sz="quarter" idx="4294967295"/>
+          </p:nvPr>
+        </p:nvSpPr>
+        <p:spPr>
+          <a:xfrm>
+            <a:off x="5872164" y="2240595"/>
+            <a:ext cx="2897187" cy="411162"/>
+          </a:xfrm>
+        </p:spPr>
+        <p:txBody>
+          <a:bodyPr>
+            <a:normAutofit lnSpcReduction="10000"/>
+          </a:bodyPr>
+          <a:lstStyle/>
+          <a:p>
             <a:r>
               <a:rPr lang="en-US" dirty="0"/>
-              <a:t> </a:t>
-            </a:r>
-          </a:p>
-          <a:p>
-            <a:endParaRPr lang="en-US" dirty="0"/>
-          </a:p>
-          <a:p>
-            <a:endParaRPr lang="en-US" dirty="0"/>
+              <a:t>Question Answered</a:t>
+            </a:r>
+          </a:p>
+        </p:txBody>
+      </p:sp>
+      <p:sp>
+        <p:nvSpPr>
+          <p:cNvPr id="6" name="Content Placeholder 5">
+            <a:extLst>
+              <a:ext uri="{FF2B5EF4-FFF2-40B4-BE49-F238E27FC236}">
+                <a16:creationId xmlns:a16="http://schemas.microsoft.com/office/drawing/2014/main" id="{DE1CCF0F-F0BB-42D7-B3C2-C29336739F32}"/>
+              </a:ext>
+            </a:extLst>
+          </p:cNvPr>
+          <p:cNvSpPr>
+            <a:spLocks noGrp="1"/>
+          </p:cNvSpPr>
+          <p:nvPr>
+            <p:ph sz="quarter" idx="4294967295"/>
+          </p:nvPr>
+        </p:nvSpPr>
+        <p:spPr>
+          <a:xfrm>
+            <a:off x="5872164" y="2860309"/>
+            <a:ext cx="5505082" cy="3025775"/>
+          </a:xfrm>
+        </p:spPr>
+        <p:txBody>
+          <a:bodyPr>
+            <a:normAutofit fontScale="55000" lnSpcReduction="20000"/>
+          </a:bodyPr>
+          <a:lstStyle/>
+          <a:p>
+            <a:pPr marL="285750" indent="-285750">
+              <a:buFont typeface="Arial" panose="020B0604020202020204" pitchFamily="34" charset="0"/>
+              <a:buChar char="•"/>
+            </a:pPr>
+            <a:r>
+              <a:rPr lang="en-US" dirty="0"/>
+              <a:t>How long were players out? (Determined by examining number of games missed) </a:t>
+            </a:r>
+          </a:p>
+          <a:p>
+            <a:pPr marL="285750" indent="-285750">
+              <a:buFont typeface="Arial" panose="020B0604020202020204" pitchFamily="34" charset="0"/>
+              <a:buChar char="•"/>
+            </a:pPr>
+            <a:r>
+              <a:rPr lang="en-US" dirty="0"/>
+              <a:t>How did the injury affect the player’s playtime? </a:t>
+            </a:r>
+          </a:p>
+          <a:p>
+            <a:pPr marL="742950" lvl="1" indent="-285750">
+              <a:buFont typeface="Arial" panose="020B0604020202020204" pitchFamily="34" charset="0"/>
+              <a:buChar char="•"/>
+            </a:pPr>
+            <a:r>
+              <a:rPr lang="en-US" dirty="0"/>
+              <a:t>Statistically significantly deceases playtime</a:t>
+            </a:r>
+          </a:p>
+          <a:p>
+            <a:pPr marL="285750" indent="-285750">
+              <a:buFont typeface="Arial" panose="020B0604020202020204" pitchFamily="34" charset="0"/>
+              <a:buChar char="•"/>
+            </a:pPr>
+            <a:r>
+              <a:rPr lang="en-US" dirty="0"/>
+              <a:t>What position gets the most concussions on both offense and defense?</a:t>
+            </a:r>
+          </a:p>
+          <a:p>
+            <a:pPr marL="742950" lvl="1" indent="-285750">
+              <a:buFont typeface="Arial" panose="020B0604020202020204" pitchFamily="34" charset="0"/>
+              <a:buChar char="•"/>
+            </a:pPr>
+            <a:r>
+              <a:rPr lang="en-US" dirty="0"/>
+              <a:t>Offense: Wide Receiver</a:t>
+            </a:r>
+          </a:p>
+          <a:p>
+            <a:pPr marL="742950" lvl="1" indent="-285750">
+              <a:buFont typeface="Arial" panose="020B0604020202020204" pitchFamily="34" charset="0"/>
+              <a:buChar char="•"/>
+            </a:pPr>
+            <a:r>
+              <a:rPr lang="en-US" dirty="0"/>
+              <a:t>Defense: Cornerback </a:t>
+            </a:r>
+          </a:p>
+          <a:p>
+            <a:pPr marL="285750" indent="-285750">
+              <a:buFont typeface="Arial" panose="020B0604020202020204" pitchFamily="34" charset="0"/>
+              <a:buChar char="•"/>
+            </a:pPr>
+            <a:r>
+              <a:rPr lang="en-US" dirty="0"/>
+              <a:t>How did the team fare (win or lose?) when they had a player with a head injury?</a:t>
+            </a:r>
+          </a:p>
+          <a:p>
+            <a:pPr marL="285750" indent="-285750">
+              <a:buFont typeface="Arial" panose="020B0604020202020204" pitchFamily="34" charset="0"/>
+              <a:buChar char="•"/>
+            </a:pPr>
+            <a:r>
+              <a:rPr lang="en-US" dirty="0"/>
+              <a:t>What team is most prone to concussions?</a:t>
+            </a:r>
+          </a:p>
+          <a:p>
+            <a:pPr marL="742950" lvl="1" indent="-285750">
+              <a:buFont typeface="Arial" panose="020B0604020202020204" pitchFamily="34" charset="0"/>
+              <a:buChar char="•"/>
+            </a:pPr>
+            <a:r>
+              <a:rPr lang="en-US" dirty="0"/>
+              <a:t>Jacksonville Jaguars</a:t>
+            </a:r>
+          </a:p>
+          <a:p>
+            <a:pPr marL="285750" indent="-285750">
+              <a:buFont typeface="Arial" panose="020B0604020202020204" pitchFamily="34" charset="0"/>
+              <a:buChar char="•"/>
+            </a:pPr>
+            <a:r>
+              <a:rPr lang="en-US" dirty="0"/>
+              <a:t>What team inflicted the most concussions? </a:t>
+            </a:r>
           </a:p>
         </p:txBody>
       </p:sp>
     </p:spTree>
     <p:extLst>
       <p:ext uri="{BB962C8B-B14F-4D97-AF65-F5344CB8AC3E}">
-        <p14:creationId xmlns:p14="http://schemas.microsoft.com/office/powerpoint/2010/main" val="3403377057"/>
+        <p14:creationId xmlns:p14="http://schemas.microsoft.com/office/powerpoint/2010/main" val="1429429409"/>
       </p:ext>
     </p:extLst>
   </p:cSld>
@@ -10400,70 +10316,148 @@
           <a:chExt cx="0" cy="0"/>
         </a:xfrm>
       </p:grpSpPr>
-      <p:pic>
-        <p:nvPicPr>
-          <p:cNvPr id="15" name="Picture 14">
-            <a:extLst>
-              <a:ext uri="{FF2B5EF4-FFF2-40B4-BE49-F238E27FC236}">
-                <a16:creationId xmlns:a16="http://schemas.microsoft.com/office/drawing/2014/main" id="{35DD4997-117D-2CBA-E3AF-0744528CA91D}"/>
-              </a:ext>
-            </a:extLst>
-          </p:cNvPr>
-          <p:cNvPicPr>
-            <a:picLocks noChangeAspect="1"/>
-          </p:cNvPicPr>
+      <p:sp>
+        <p:nvSpPr>
+          <p:cNvPr id="2" name="Title 1">
+            <a:extLst>
+              <a:ext uri="{FF2B5EF4-FFF2-40B4-BE49-F238E27FC236}">
+                <a16:creationId xmlns:a16="http://schemas.microsoft.com/office/drawing/2014/main" id="{5C2A5588-5D44-1DA3-E506-5623A17BDFD6}"/>
+              </a:ext>
+            </a:extLst>
+          </p:cNvPr>
+          <p:cNvSpPr>
+            <a:spLocks noGrp="1"/>
+          </p:cNvSpPr>
+          <p:nvPr>
+            <p:ph type="title"/>
+          </p:nvPr>
+        </p:nvSpPr>
+        <p:spPr/>
+        <p:txBody>
+          <a:bodyPr>
+            <a:noAutofit/>
+          </a:bodyPr>
+          <a:lstStyle/>
+          <a:p>
+            <a:pPr algn="ctr"/>
+            <a:r>
+              <a:rPr lang="en-US" sz="7200" dirty="0"/>
+              <a:t>references</a:t>
+            </a:r>
+          </a:p>
+        </p:txBody>
+      </p:sp>
+      <p:sp>
+        <p:nvSpPr>
+          <p:cNvPr id="4" name="TextBox 3">
+            <a:extLst>
+              <a:ext uri="{FF2B5EF4-FFF2-40B4-BE49-F238E27FC236}">
+                <a16:creationId xmlns:a16="http://schemas.microsoft.com/office/drawing/2014/main" id="{2F28DA80-11C0-5C4D-5391-2DA1E1D947AD}"/>
+              </a:ext>
+            </a:extLst>
+          </p:cNvPr>
+          <p:cNvSpPr txBox="1"/>
           <p:nvPr/>
-        </p:nvPicPr>
-        <p:blipFill>
-          <a:blip r:embed="rId2"/>
-          <a:stretch>
-            <a:fillRect/>
-          </a:stretch>
-        </p:blipFill>
-        <p:spPr>
-          <a:xfrm>
-            <a:off x="7334616" y="464887"/>
-            <a:ext cx="4259023" cy="5362209"/>
+        </p:nvSpPr>
+        <p:spPr>
+          <a:xfrm>
+            <a:off x="1451579" y="2004645"/>
+            <a:ext cx="9603275" cy="3970318"/>
           </a:xfrm>
           <a:prstGeom prst="rect">
             <a:avLst/>
           </a:prstGeom>
-        </p:spPr>
-      </p:pic>
-      <p:sp>
-        <p:nvSpPr>
-          <p:cNvPr id="16" name="Title 15">
-            <a:extLst>
-              <a:ext uri="{FF2B5EF4-FFF2-40B4-BE49-F238E27FC236}">
-                <a16:creationId xmlns:a16="http://schemas.microsoft.com/office/drawing/2014/main" id="{D3EE4FD5-375D-A2D0-0D7F-B33543036DC7}"/>
-              </a:ext>
-            </a:extLst>
-          </p:cNvPr>
-          <p:cNvSpPr>
-            <a:spLocks noGrp="1"/>
-          </p:cNvSpPr>
-          <p:nvPr>
-            <p:ph type="title"/>
-          </p:nvPr>
-        </p:nvSpPr>
-        <p:spPr/>
-        <p:txBody>
-          <a:bodyPr>
-            <a:normAutofit/>
+          <a:noFill/>
+        </p:spPr>
+        <p:txBody>
+          <a:bodyPr wrap="square" rtlCol="0">
+            <a:spAutoFit/>
           </a:bodyPr>
           <a:lstStyle/>
           <a:p>
             <a:r>
-              <a:rPr lang="en-US" sz="7200" dirty="0"/>
-              <a:t>QUESTIONS</a:t>
-            </a:r>
+              <a:rPr lang="en-US" dirty="0"/>
+              <a:t>Dataset:</a:t>
+            </a:r>
+          </a:p>
+          <a:p>
+            <a:r>
+              <a:rPr lang="en-US" dirty="0">
+                <a:hlinkClick r:id="rId2"/>
+              </a:rPr>
+              <a:t>https://data.world/alice-c/nfl</a:t>
+            </a:r>
+            <a:endParaRPr lang="en-US" dirty="0"/>
+          </a:p>
+          <a:p>
+            <a:endParaRPr lang="en-US" dirty="0"/>
+          </a:p>
+          <a:p>
+            <a:r>
+              <a:rPr lang="en-US" dirty="0"/>
+              <a:t>News articles:</a:t>
+            </a:r>
+          </a:p>
+          <a:p>
+            <a:r>
+              <a:rPr lang="en-US" dirty="0">
+                <a:hlinkClick r:id="rId3"/>
+              </a:rPr>
+              <a:t>https://www.pbs.org/wgbh/frontline/investigation/the-nfls-concussion-crisis/</a:t>
+            </a:r>
+            <a:endParaRPr lang="en-US" dirty="0"/>
+          </a:p>
+          <a:p>
+            <a:endParaRPr lang="en-US" dirty="0"/>
+          </a:p>
+          <a:p>
+            <a:r>
+              <a:rPr lang="en-US" dirty="0"/>
+              <a:t>NFL protocol on concussions:</a:t>
+            </a:r>
+          </a:p>
+          <a:p>
+            <a:r>
+              <a:rPr lang="en-US" dirty="0">
+                <a:hlinkClick r:id="rId4"/>
+              </a:rPr>
+              <a:t>https://www.nfl.com/playerhealthandsafety/resources/fact-sheets/nfl-head-neck-and-spine-committee-s-concussion-diagnosis-and-management-protocol</a:t>
+            </a:r>
+            <a:endParaRPr lang="en-US" dirty="0"/>
+          </a:p>
+          <a:p>
+            <a:endParaRPr lang="en-US" dirty="0"/>
+          </a:p>
+          <a:p>
+            <a:r>
+              <a:rPr lang="en-US" dirty="0"/>
+              <a:t>CDC:</a:t>
+            </a:r>
+          </a:p>
+          <a:p>
+            <a:r>
+              <a:rPr lang="en-US" dirty="0">
+                <a:hlinkClick r:id="rId5"/>
+              </a:rPr>
+              <a:t>https://www.cdc.gov/traumaticbraininjury/concussion/index.html</a:t>
+            </a:r>
+            <a:r>
+              <a:rPr lang="en-US" dirty="0"/>
+              <a:t> </a:t>
+            </a:r>
+          </a:p>
+          <a:p>
+            <a:endParaRPr lang="en-US" dirty="0"/>
+          </a:p>
+          <a:p>
+            <a:endParaRPr lang="en-US" dirty="0"/>
           </a:p>
         </p:txBody>
       </p:sp>
     </p:spTree>
     <p:extLst>
       <p:ext uri="{BB962C8B-B14F-4D97-AF65-F5344CB8AC3E}">
-        <p14:creationId xmlns:p14="http://schemas.microsoft.com/office/powerpoint/2010/main" val="869761982"/>
+        <p14:creationId xmlns:p14="http://schemas.microsoft.com/office/powerpoint/2010/main" val="3403377057"/>
       </p:ext>
     </p:extLst>
   </p:cSld>
@@ -10490,12 +10484,42 @@
           <a:chExt cx="0" cy="0"/>
         </a:xfrm>
       </p:grpSpPr>
-      <p:sp>
-        <p:nvSpPr>
-          <p:cNvPr id="2" name="Title 1">
-            <a:extLst>
-              <a:ext uri="{FF2B5EF4-FFF2-40B4-BE49-F238E27FC236}">
-                <a16:creationId xmlns:a16="http://schemas.microsoft.com/office/drawing/2014/main" id="{6560B88E-005A-7B9D-00A1-7C24B1286CC3}"/>
+      <p:pic>
+        <p:nvPicPr>
+          <p:cNvPr id="15" name="Picture 14">
+            <a:extLst>
+              <a:ext uri="{FF2B5EF4-FFF2-40B4-BE49-F238E27FC236}">
+                <a16:creationId xmlns:a16="http://schemas.microsoft.com/office/drawing/2014/main" id="{35DD4997-117D-2CBA-E3AF-0744528CA91D}"/>
+              </a:ext>
+            </a:extLst>
+          </p:cNvPr>
+          <p:cNvPicPr>
+            <a:picLocks noChangeAspect="1"/>
+          </p:cNvPicPr>
+          <p:nvPr/>
+        </p:nvPicPr>
+        <p:blipFill>
+          <a:blip r:embed="rId2"/>
+          <a:stretch>
+            <a:fillRect/>
+          </a:stretch>
+        </p:blipFill>
+        <p:spPr>
+          <a:xfrm>
+            <a:off x="7334616" y="464887"/>
+            <a:ext cx="4259023" cy="5362209"/>
+          </a:xfrm>
+          <a:prstGeom prst="rect">
+            <a:avLst/>
+          </a:prstGeom>
+        </p:spPr>
+      </p:pic>
+      <p:sp>
+        <p:nvSpPr>
+          <p:cNvPr id="16" name="Title 15">
+            <a:extLst>
+              <a:ext uri="{FF2B5EF4-FFF2-40B4-BE49-F238E27FC236}">
+                <a16:creationId xmlns:a16="http://schemas.microsoft.com/office/drawing/2014/main" id="{D3EE4FD5-375D-A2D0-0D7F-B33543036DC7}"/>
               </a:ext>
             </a:extLst>
           </p:cNvPr>
@@ -10506,22 +10530,16 @@
             <p:ph type="title"/>
           </p:nvPr>
         </p:nvSpPr>
-        <p:spPr>
-          <a:xfrm>
-            <a:off x="1390033" y="822104"/>
-            <a:ext cx="9603275" cy="1049235"/>
-          </a:xfrm>
-        </p:spPr>
+        <p:spPr/>
         <p:txBody>
           <a:bodyPr>
-            <a:noAutofit/>
+            <a:normAutofit/>
           </a:bodyPr>
           <a:lstStyle/>
           <a:p>
-            <a:pPr algn="ctr"/>
             <a:r>
               <a:rPr lang="en-US" sz="7200" dirty="0"/>
-              <a:t>appendix</a:t>
+              <a:t>QUESTIONS</a:t>
             </a:r>
           </a:p>
         </p:txBody>
@@ -10529,7 +10547,7 @@
     </p:spTree>
     <p:extLst>
       <p:ext uri="{BB962C8B-B14F-4D97-AF65-F5344CB8AC3E}">
-        <p14:creationId xmlns:p14="http://schemas.microsoft.com/office/powerpoint/2010/main" val="2591246769"/>
+        <p14:creationId xmlns:p14="http://schemas.microsoft.com/office/powerpoint/2010/main" val="869761982"/>
       </p:ext>
     </p:extLst>
   </p:cSld>
@@ -10788,6 +10806,72 @@
 </file>
 
 <file path=ppt/slides/slide20.xml><?xml version="1.0" encoding="utf-8"?>
+<p:sld xmlns:a="http://schemas.openxmlformats.org/drawingml/2006/main" xmlns:r="http://schemas.openxmlformats.org/officeDocument/2006/relationships" xmlns:p="http://schemas.openxmlformats.org/presentationml/2006/main">
+  <p:cSld>
+    <p:spTree>
+      <p:nvGrpSpPr>
+        <p:cNvPr id="1" name=""/>
+        <p:cNvGrpSpPr/>
+        <p:nvPr/>
+      </p:nvGrpSpPr>
+      <p:grpSpPr>
+        <a:xfrm>
+          <a:off x="0" y="0"/>
+          <a:ext cx="0" cy="0"/>
+          <a:chOff x="0" y="0"/>
+          <a:chExt cx="0" cy="0"/>
+        </a:xfrm>
+      </p:grpSpPr>
+      <p:sp>
+        <p:nvSpPr>
+          <p:cNvPr id="2" name="Title 1">
+            <a:extLst>
+              <a:ext uri="{FF2B5EF4-FFF2-40B4-BE49-F238E27FC236}">
+                <a16:creationId xmlns:a16="http://schemas.microsoft.com/office/drawing/2014/main" id="{6560B88E-005A-7B9D-00A1-7C24B1286CC3}"/>
+              </a:ext>
+            </a:extLst>
+          </p:cNvPr>
+          <p:cNvSpPr>
+            <a:spLocks noGrp="1"/>
+          </p:cNvSpPr>
+          <p:nvPr>
+            <p:ph type="title"/>
+          </p:nvPr>
+        </p:nvSpPr>
+        <p:spPr>
+          <a:xfrm>
+            <a:off x="1390033" y="822104"/>
+            <a:ext cx="9603275" cy="1049235"/>
+          </a:xfrm>
+        </p:spPr>
+        <p:txBody>
+          <a:bodyPr>
+            <a:noAutofit/>
+          </a:bodyPr>
+          <a:lstStyle/>
+          <a:p>
+            <a:pPr algn="ctr"/>
+            <a:r>
+              <a:rPr lang="en-US" sz="7200" dirty="0"/>
+              <a:t>appendix</a:t>
+            </a:r>
+          </a:p>
+        </p:txBody>
+      </p:sp>
+    </p:spTree>
+    <p:extLst>
+      <p:ext uri="{BB962C8B-B14F-4D97-AF65-F5344CB8AC3E}">
+        <p14:creationId xmlns:p14="http://schemas.microsoft.com/office/powerpoint/2010/main" val="2591246769"/>
+      </p:ext>
+    </p:extLst>
+  </p:cSld>
+  <p:clrMapOvr>
+    <a:masterClrMapping/>
+  </p:clrMapOvr>
+</p:sld>
+</file>
+
+<file path=ppt/slides/slide21.xml><?xml version="1.0" encoding="utf-8"?>
 <p:sld xmlns:a="http://schemas.openxmlformats.org/drawingml/2006/main" xmlns:r="http://schemas.openxmlformats.org/officeDocument/2006/relationships" xmlns:p="http://schemas.openxmlformats.org/presentationml/2006/main" show="0">
   <p:cSld>
     <p:spTree>
@@ -10964,7 +11048,7 @@
 </p:sld>
 </file>
 
-<file path=ppt/slides/slide21.xml><?xml version="1.0" encoding="utf-8"?>
+<file path=ppt/slides/slide22.xml><?xml version="1.0" encoding="utf-8"?>
 <p:sld xmlns:a="http://schemas.openxmlformats.org/drawingml/2006/main" xmlns:r="http://schemas.openxmlformats.org/officeDocument/2006/relationships" xmlns:p="http://schemas.openxmlformats.org/presentationml/2006/main">
   <p:cSld>
     <p:spTree>
@@ -11276,7 +11360,7 @@
         </p:nvSpPr>
         <p:spPr>
           <a:xfrm>
-            <a:off x="1291079" y="1547019"/>
+            <a:off x="1285218" y="1435650"/>
             <a:ext cx="5111750" cy="2367280"/>
           </a:xfrm>
           <a:prstGeom prst="rect">
@@ -11526,31 +11610,6 @@
               <a:rPr lang="en-US" dirty="0"/>
               <a:t>What team inflicted the most concussions? </a:t>
             </a:r>
-          </a:p>
-        </p:txBody>
-      </p:sp>
-      <p:sp>
-        <p:nvSpPr>
-          <p:cNvPr id="11" name="Text Placeholder 10">
-            <a:extLst>
-              <a:ext uri="{FF2B5EF4-FFF2-40B4-BE49-F238E27FC236}">
-                <a16:creationId xmlns:a16="http://schemas.microsoft.com/office/drawing/2014/main" id="{D5105CC2-A44E-2490-3B0E-80CA2240AF56}"/>
-              </a:ext>
-            </a:extLst>
-          </p:cNvPr>
-          <p:cNvSpPr>
-            <a:spLocks noGrp="1"/>
-          </p:cNvSpPr>
-          <p:nvPr>
-            <p:ph type="body" idx="1"/>
-          </p:nvPr>
-        </p:nvSpPr>
-        <p:spPr/>
-        <p:txBody>
-          <a:bodyPr/>
-          <a:lstStyle/>
-          <a:p>
-            <a:endParaRPr lang="en-US"/>
           </a:p>
         </p:txBody>
       </p:sp>

--- a/NFL_concussion_study.pptx
+++ b/NFL_concussion_study.pptx
@@ -4,29 +4,34 @@
   <p:sldMasterIdLst>
     <p:sldMasterId id="2147483648" r:id="rId1"/>
   </p:sldMasterIdLst>
+  <p:notesMasterIdLst>
+    <p:notesMasterId r:id="rId26"/>
+  </p:notesMasterIdLst>
   <p:sldIdLst>
     <p:sldId id="256" r:id="rId2"/>
-    <p:sldId id="264" r:id="rId3"/>
-    <p:sldId id="272" r:id="rId4"/>
-    <p:sldId id="280" r:id="rId5"/>
-    <p:sldId id="278" r:id="rId6"/>
+    <p:sldId id="272" r:id="rId3"/>
+    <p:sldId id="280" r:id="rId4"/>
+    <p:sldId id="278" r:id="rId5"/>
+    <p:sldId id="274" r:id="rId6"/>
     <p:sldId id="273" r:id="rId7"/>
     <p:sldId id="268" r:id="rId8"/>
-    <p:sldId id="274" r:id="rId9"/>
+    <p:sldId id="284" r:id="rId9"/>
     <p:sldId id="275" r:id="rId10"/>
-    <p:sldId id="279" r:id="rId11"/>
-    <p:sldId id="258" r:id="rId12"/>
-    <p:sldId id="259" r:id="rId13"/>
-    <p:sldId id="265" r:id="rId14"/>
-    <p:sldId id="260" r:id="rId15"/>
-    <p:sldId id="276" r:id="rId16"/>
-    <p:sldId id="282" r:id="rId17"/>
-    <p:sldId id="277" r:id="rId18"/>
-    <p:sldId id="262" r:id="rId19"/>
-    <p:sldId id="281" r:id="rId20"/>
-    <p:sldId id="263" r:id="rId21"/>
-    <p:sldId id="257" r:id="rId22"/>
-    <p:sldId id="261" r:id="rId23"/>
+    <p:sldId id="285" r:id="rId11"/>
+    <p:sldId id="279" r:id="rId12"/>
+    <p:sldId id="258" r:id="rId13"/>
+    <p:sldId id="259" r:id="rId14"/>
+    <p:sldId id="265" r:id="rId15"/>
+    <p:sldId id="260" r:id="rId16"/>
+    <p:sldId id="276" r:id="rId17"/>
+    <p:sldId id="283" r:id="rId18"/>
+    <p:sldId id="277" r:id="rId19"/>
+    <p:sldId id="262" r:id="rId20"/>
+    <p:sldId id="281" r:id="rId21"/>
+    <p:sldId id="263" r:id="rId22"/>
+    <p:sldId id="257" r:id="rId23"/>
+    <p:sldId id="261" r:id="rId24"/>
+    <p:sldId id="264" r:id="rId25"/>
   </p:sldIdLst>
   <p:sldSz cx="12192000" cy="6858000"/>
   <p:notesSz cx="6858000" cy="9144000"/>
@@ -133,6 +138,921 @@
 </p:presentation>
 </file>
 
+<file path=ppt/notesMasters/notesMaster1.xml><?xml version="1.0" encoding="utf-8"?>
+<p:notesMaster xmlns:a="http://schemas.openxmlformats.org/drawingml/2006/main" xmlns:r="http://schemas.openxmlformats.org/officeDocument/2006/relationships" xmlns:p="http://schemas.openxmlformats.org/presentationml/2006/main">
+  <p:cSld>
+    <p:bg>
+      <p:bgRef idx="1001">
+        <a:schemeClr val="bg1"/>
+      </p:bgRef>
+    </p:bg>
+    <p:spTree>
+      <p:nvGrpSpPr>
+        <p:cNvPr id="1" name=""/>
+        <p:cNvGrpSpPr/>
+        <p:nvPr/>
+      </p:nvGrpSpPr>
+      <p:grpSpPr>
+        <a:xfrm>
+          <a:off x="0" y="0"/>
+          <a:ext cx="0" cy="0"/>
+          <a:chOff x="0" y="0"/>
+          <a:chExt cx="0" cy="0"/>
+        </a:xfrm>
+      </p:grpSpPr>
+      <p:sp>
+        <p:nvSpPr>
+          <p:cNvPr id="2" name="Header Placeholder 1"/>
+          <p:cNvSpPr>
+            <a:spLocks noGrp="1"/>
+          </p:cNvSpPr>
+          <p:nvPr>
+            <p:ph type="hdr" sz="quarter"/>
+          </p:nvPr>
+        </p:nvSpPr>
+        <p:spPr>
+          <a:xfrm>
+            <a:off x="0" y="0"/>
+            <a:ext cx="2971800" cy="458788"/>
+          </a:xfrm>
+          <a:prstGeom prst="rect">
+            <a:avLst/>
+          </a:prstGeom>
+        </p:spPr>
+        <p:txBody>
+          <a:bodyPr vert="horz" lIns="91440" tIns="45720" rIns="91440" bIns="45720" rtlCol="0"/>
+          <a:lstStyle>
+            <a:lvl1pPr algn="l">
+              <a:defRPr sz="1200"/>
+            </a:lvl1pPr>
+          </a:lstStyle>
+          <a:p>
+            <a:endParaRPr lang="en-US"/>
+          </a:p>
+        </p:txBody>
+      </p:sp>
+      <p:sp>
+        <p:nvSpPr>
+          <p:cNvPr id="3" name="Date Placeholder 2"/>
+          <p:cNvSpPr>
+            <a:spLocks noGrp="1"/>
+          </p:cNvSpPr>
+          <p:nvPr>
+            <p:ph type="dt" idx="1"/>
+          </p:nvPr>
+        </p:nvSpPr>
+        <p:spPr>
+          <a:xfrm>
+            <a:off x="3884613" y="0"/>
+            <a:ext cx="2971800" cy="458788"/>
+          </a:xfrm>
+          <a:prstGeom prst="rect">
+            <a:avLst/>
+          </a:prstGeom>
+        </p:spPr>
+        <p:txBody>
+          <a:bodyPr vert="horz" lIns="91440" tIns="45720" rIns="91440" bIns="45720" rtlCol="0"/>
+          <a:lstStyle>
+            <a:lvl1pPr algn="r">
+              <a:defRPr sz="1200"/>
+            </a:lvl1pPr>
+          </a:lstStyle>
+          <a:p>
+            <a:fld id="{999957C2-015C-4736-866F-164FAED5DB51}" type="datetimeFigureOut">
+              <a:rPr lang="en-US" smtClean="0"/>
+              <a:t>1/31/2023</a:t>
+            </a:fld>
+            <a:endParaRPr lang="en-US"/>
+          </a:p>
+        </p:txBody>
+      </p:sp>
+      <p:sp>
+        <p:nvSpPr>
+          <p:cNvPr id="4" name="Slide Image Placeholder 3"/>
+          <p:cNvSpPr>
+            <a:spLocks noGrp="1" noRot="1" noChangeAspect="1"/>
+          </p:cNvSpPr>
+          <p:nvPr>
+            <p:ph type="sldImg" idx="2"/>
+          </p:nvPr>
+        </p:nvSpPr>
+        <p:spPr>
+          <a:xfrm>
+            <a:off x="685800" y="1143000"/>
+            <a:ext cx="5486400" cy="3086100"/>
+          </a:xfrm>
+          <a:prstGeom prst="rect">
+            <a:avLst/>
+          </a:prstGeom>
+          <a:noFill/>
+          <a:ln w="12700">
+            <a:solidFill>
+              <a:prstClr val="black"/>
+            </a:solidFill>
+          </a:ln>
+        </p:spPr>
+        <p:txBody>
+          <a:bodyPr vert="horz" lIns="91440" tIns="45720" rIns="91440" bIns="45720" rtlCol="0" anchor="ctr"/>
+          <a:lstStyle/>
+          <a:p>
+            <a:endParaRPr lang="en-US"/>
+          </a:p>
+        </p:txBody>
+      </p:sp>
+      <p:sp>
+        <p:nvSpPr>
+          <p:cNvPr id="5" name="Notes Placeholder 4"/>
+          <p:cNvSpPr>
+            <a:spLocks noGrp="1"/>
+          </p:cNvSpPr>
+          <p:nvPr>
+            <p:ph type="body" sz="quarter" idx="3"/>
+          </p:nvPr>
+        </p:nvSpPr>
+        <p:spPr>
+          <a:xfrm>
+            <a:off x="685800" y="4400550"/>
+            <a:ext cx="5486400" cy="3600450"/>
+          </a:xfrm>
+          <a:prstGeom prst="rect">
+            <a:avLst/>
+          </a:prstGeom>
+        </p:spPr>
+        <p:txBody>
+          <a:bodyPr vert="horz" lIns="91440" tIns="45720" rIns="91440" bIns="45720" rtlCol="0"/>
+          <a:lstStyle/>
+          <a:p>
+            <a:pPr lvl="0"/>
+            <a:r>
+              <a:rPr lang="en-US"/>
+              <a:t>Click to edit Master text styles</a:t>
+            </a:r>
+          </a:p>
+          <a:p>
+            <a:pPr lvl="1"/>
+            <a:r>
+              <a:rPr lang="en-US"/>
+              <a:t>Second level</a:t>
+            </a:r>
+          </a:p>
+          <a:p>
+            <a:pPr lvl="2"/>
+            <a:r>
+              <a:rPr lang="en-US"/>
+              <a:t>Third level</a:t>
+            </a:r>
+          </a:p>
+          <a:p>
+            <a:pPr lvl="3"/>
+            <a:r>
+              <a:rPr lang="en-US"/>
+              <a:t>Fourth level</a:t>
+            </a:r>
+          </a:p>
+          <a:p>
+            <a:pPr lvl="4"/>
+            <a:r>
+              <a:rPr lang="en-US"/>
+              <a:t>Fifth level</a:t>
+            </a:r>
+          </a:p>
+        </p:txBody>
+      </p:sp>
+      <p:sp>
+        <p:nvSpPr>
+          <p:cNvPr id="6" name="Footer Placeholder 5"/>
+          <p:cNvSpPr>
+            <a:spLocks noGrp="1"/>
+          </p:cNvSpPr>
+          <p:nvPr>
+            <p:ph type="ftr" sz="quarter" idx="4"/>
+          </p:nvPr>
+        </p:nvSpPr>
+        <p:spPr>
+          <a:xfrm>
+            <a:off x="0" y="8685213"/>
+            <a:ext cx="2971800" cy="458787"/>
+          </a:xfrm>
+          <a:prstGeom prst="rect">
+            <a:avLst/>
+          </a:prstGeom>
+        </p:spPr>
+        <p:txBody>
+          <a:bodyPr vert="horz" lIns="91440" tIns="45720" rIns="91440" bIns="45720" rtlCol="0" anchor="b"/>
+          <a:lstStyle>
+            <a:lvl1pPr algn="l">
+              <a:defRPr sz="1200"/>
+            </a:lvl1pPr>
+          </a:lstStyle>
+          <a:p>
+            <a:endParaRPr lang="en-US"/>
+          </a:p>
+        </p:txBody>
+      </p:sp>
+      <p:sp>
+        <p:nvSpPr>
+          <p:cNvPr id="7" name="Slide Number Placeholder 6"/>
+          <p:cNvSpPr>
+            <a:spLocks noGrp="1"/>
+          </p:cNvSpPr>
+          <p:nvPr>
+            <p:ph type="sldNum" sz="quarter" idx="5"/>
+          </p:nvPr>
+        </p:nvSpPr>
+        <p:spPr>
+          <a:xfrm>
+            <a:off x="3884613" y="8685213"/>
+            <a:ext cx="2971800" cy="458787"/>
+          </a:xfrm>
+          <a:prstGeom prst="rect">
+            <a:avLst/>
+          </a:prstGeom>
+        </p:spPr>
+        <p:txBody>
+          <a:bodyPr vert="horz" lIns="91440" tIns="45720" rIns="91440" bIns="45720" rtlCol="0" anchor="b"/>
+          <a:lstStyle>
+            <a:lvl1pPr algn="r">
+              <a:defRPr sz="1200"/>
+            </a:lvl1pPr>
+          </a:lstStyle>
+          <a:p>
+            <a:fld id="{F3EF6F15-B052-43EF-A3EB-50DF3796ED98}" type="slidenum">
+              <a:rPr lang="en-US" smtClean="0"/>
+              <a:t>‹#›</a:t>
+            </a:fld>
+            <a:endParaRPr lang="en-US"/>
+          </a:p>
+        </p:txBody>
+      </p:sp>
+    </p:spTree>
+    <p:extLst>
+      <p:ext uri="{BB962C8B-B14F-4D97-AF65-F5344CB8AC3E}">
+        <p14:creationId xmlns:p14="http://schemas.microsoft.com/office/powerpoint/2010/main" val="2742544018"/>
+      </p:ext>
+    </p:extLst>
+  </p:cSld>
+  <p:clrMap bg1="lt1" tx1="dk1" bg2="lt2" tx2="dk2" accent1="accent1" accent2="accent2" accent3="accent3" accent4="accent4" accent5="accent5" accent6="accent6" hlink="hlink" folHlink="folHlink"/>
+  <p:notesStyle>
+    <a:lvl1pPr marL="0" algn="l" defTabSz="914400" rtl="0" eaLnBrk="1" latinLnBrk="0" hangingPunct="1">
+      <a:defRPr sz="1200" kern="1200">
+        <a:solidFill>
+          <a:schemeClr val="tx1"/>
+        </a:solidFill>
+        <a:latin typeface="+mn-lt"/>
+        <a:ea typeface="+mn-ea"/>
+        <a:cs typeface="+mn-cs"/>
+      </a:defRPr>
+    </a:lvl1pPr>
+    <a:lvl2pPr marL="457200" algn="l" defTabSz="914400" rtl="0" eaLnBrk="1" latinLnBrk="0" hangingPunct="1">
+      <a:defRPr sz="1200" kern="1200">
+        <a:solidFill>
+          <a:schemeClr val="tx1"/>
+        </a:solidFill>
+        <a:latin typeface="+mn-lt"/>
+        <a:ea typeface="+mn-ea"/>
+        <a:cs typeface="+mn-cs"/>
+      </a:defRPr>
+    </a:lvl2pPr>
+    <a:lvl3pPr marL="914400" algn="l" defTabSz="914400" rtl="0" eaLnBrk="1" latinLnBrk="0" hangingPunct="1">
+      <a:defRPr sz="1200" kern="1200">
+        <a:solidFill>
+          <a:schemeClr val="tx1"/>
+        </a:solidFill>
+        <a:latin typeface="+mn-lt"/>
+        <a:ea typeface="+mn-ea"/>
+        <a:cs typeface="+mn-cs"/>
+      </a:defRPr>
+    </a:lvl3pPr>
+    <a:lvl4pPr marL="1371600" algn="l" defTabSz="914400" rtl="0" eaLnBrk="1" latinLnBrk="0" hangingPunct="1">
+      <a:defRPr sz="1200" kern="1200">
+        <a:solidFill>
+          <a:schemeClr val="tx1"/>
+        </a:solidFill>
+        <a:latin typeface="+mn-lt"/>
+        <a:ea typeface="+mn-ea"/>
+        <a:cs typeface="+mn-cs"/>
+      </a:defRPr>
+    </a:lvl4pPr>
+    <a:lvl5pPr marL="1828800" algn="l" defTabSz="914400" rtl="0" eaLnBrk="1" latinLnBrk="0" hangingPunct="1">
+      <a:defRPr sz="1200" kern="1200">
+        <a:solidFill>
+          <a:schemeClr val="tx1"/>
+        </a:solidFill>
+        <a:latin typeface="+mn-lt"/>
+        <a:ea typeface="+mn-ea"/>
+        <a:cs typeface="+mn-cs"/>
+      </a:defRPr>
+    </a:lvl5pPr>
+    <a:lvl6pPr marL="2286000" algn="l" defTabSz="914400" rtl="0" eaLnBrk="1" latinLnBrk="0" hangingPunct="1">
+      <a:defRPr sz="1200" kern="1200">
+        <a:solidFill>
+          <a:schemeClr val="tx1"/>
+        </a:solidFill>
+        <a:latin typeface="+mn-lt"/>
+        <a:ea typeface="+mn-ea"/>
+        <a:cs typeface="+mn-cs"/>
+      </a:defRPr>
+    </a:lvl6pPr>
+    <a:lvl7pPr marL="2743200" algn="l" defTabSz="914400" rtl="0" eaLnBrk="1" latinLnBrk="0" hangingPunct="1">
+      <a:defRPr sz="1200" kern="1200">
+        <a:solidFill>
+          <a:schemeClr val="tx1"/>
+        </a:solidFill>
+        <a:latin typeface="+mn-lt"/>
+        <a:ea typeface="+mn-ea"/>
+        <a:cs typeface="+mn-cs"/>
+      </a:defRPr>
+    </a:lvl7pPr>
+    <a:lvl8pPr marL="3200400" algn="l" defTabSz="914400" rtl="0" eaLnBrk="1" latinLnBrk="0" hangingPunct="1">
+      <a:defRPr sz="1200" kern="1200">
+        <a:solidFill>
+          <a:schemeClr val="tx1"/>
+        </a:solidFill>
+        <a:latin typeface="+mn-lt"/>
+        <a:ea typeface="+mn-ea"/>
+        <a:cs typeface="+mn-cs"/>
+      </a:defRPr>
+    </a:lvl8pPr>
+    <a:lvl9pPr marL="3657600" algn="l" defTabSz="914400" rtl="0" eaLnBrk="1" latinLnBrk="0" hangingPunct="1">
+      <a:defRPr sz="1200" kern="1200">
+        <a:solidFill>
+          <a:schemeClr val="tx1"/>
+        </a:solidFill>
+        <a:latin typeface="+mn-lt"/>
+        <a:ea typeface="+mn-ea"/>
+        <a:cs typeface="+mn-cs"/>
+      </a:defRPr>
+    </a:lvl9pPr>
+  </p:notesStyle>
+</p:notesMaster>
+</file>
+
+<file path=ppt/notesSlides/notesSlide1.xml><?xml version="1.0" encoding="utf-8"?>
+<p:notes xmlns:a="http://schemas.openxmlformats.org/drawingml/2006/main" xmlns:r="http://schemas.openxmlformats.org/officeDocument/2006/relationships" xmlns:p="http://schemas.openxmlformats.org/presentationml/2006/main">
+  <p:cSld>
+    <p:spTree>
+      <p:nvGrpSpPr>
+        <p:cNvPr id="1" name=""/>
+        <p:cNvGrpSpPr/>
+        <p:nvPr/>
+      </p:nvGrpSpPr>
+      <p:grpSpPr>
+        <a:xfrm>
+          <a:off x="0" y="0"/>
+          <a:ext cx="0" cy="0"/>
+          <a:chOff x="0" y="0"/>
+          <a:chExt cx="0" cy="0"/>
+        </a:xfrm>
+      </p:grpSpPr>
+      <p:sp>
+        <p:nvSpPr>
+          <p:cNvPr id="2" name="Slide Image Placeholder 1"/>
+          <p:cNvSpPr>
+            <a:spLocks noGrp="1" noRot="1" noChangeAspect="1"/>
+          </p:cNvSpPr>
+          <p:nvPr>
+            <p:ph type="sldImg"/>
+          </p:nvPr>
+        </p:nvSpPr>
+        <p:spPr/>
+      </p:sp>
+      <p:sp>
+        <p:nvSpPr>
+          <p:cNvPr id="3" name="Notes Placeholder 2"/>
+          <p:cNvSpPr>
+            <a:spLocks noGrp="1"/>
+          </p:cNvSpPr>
+          <p:nvPr>
+            <p:ph type="body" idx="1"/>
+          </p:nvPr>
+        </p:nvSpPr>
+        <p:spPr/>
+        <p:txBody>
+          <a:bodyPr/>
+          <a:lstStyle/>
+          <a:p>
+            <a:pPr marL="0" marR="0" lvl="0" indent="0" algn="l" defTabSz="914400" rtl="0" eaLnBrk="1" fontAlgn="auto" latinLnBrk="0" hangingPunct="1">
+              <a:lnSpc>
+                <a:spcPct val="100000"/>
+              </a:lnSpc>
+              <a:spcBef>
+                <a:spcPts val="0"/>
+              </a:spcBef>
+              <a:spcAft>
+                <a:spcPts val="0"/>
+              </a:spcAft>
+              <a:buClrTx/>
+              <a:buSzTx/>
+              <a:buFontTx/>
+              <a:buNone/>
+              <a:tabLst/>
+              <a:defRPr/>
+            </a:pPr>
+            <a:r>
+              <a:rPr lang="en-US" dirty="0" err="1"/>
+              <a:t>stats.ttest_ind</a:t>
+            </a:r>
+            <a:r>
+              <a:rPr lang="en-US" dirty="0"/>
+              <a:t>(</a:t>
+            </a:r>
+            <a:r>
+              <a:rPr lang="en-US" dirty="0" err="1"/>
+              <a:t>play_compare</a:t>
+            </a:r>
+            <a:r>
+              <a:rPr lang="en-US" dirty="0"/>
+              <a:t>['0_x'], </a:t>
+            </a:r>
+            <a:r>
+              <a:rPr lang="en-US" dirty="0" err="1"/>
+              <a:t>play_compare</a:t>
+            </a:r>
+            <a:r>
+              <a:rPr lang="en-US" dirty="0"/>
+              <a:t>['0_y'], </a:t>
+            </a:r>
+            <a:r>
+              <a:rPr lang="en-US" dirty="0" err="1"/>
+              <a:t>equal_var</a:t>
+            </a:r>
+            <a:r>
+              <a:rPr lang="en-US" dirty="0"/>
+              <a:t>=False)</a:t>
+            </a:r>
+          </a:p>
+          <a:p>
+            <a:pPr marL="0" marR="0" lvl="0" indent="0" algn="l" defTabSz="914400" rtl="0" eaLnBrk="1" fontAlgn="auto" latinLnBrk="0" hangingPunct="1">
+              <a:lnSpc>
+                <a:spcPct val="100000"/>
+              </a:lnSpc>
+              <a:spcBef>
+                <a:spcPts val="0"/>
+              </a:spcBef>
+              <a:spcAft>
+                <a:spcPts val="0"/>
+              </a:spcAft>
+              <a:buClrTx/>
+              <a:buSzTx/>
+              <a:buFontTx/>
+              <a:buNone/>
+              <a:tabLst/>
+              <a:defRPr/>
+            </a:pPr>
+            <a:r>
+              <a:rPr kumimoji="0" lang="en-US" altLang="en-US" sz="1200" b="0" i="0" u="none" strike="noStrike" cap="none" normalizeH="0" baseline="0" dirty="0" err="1">
+                <a:ln>
+                  <a:noFill/>
+                </a:ln>
+                <a:solidFill>
+                  <a:srgbClr val="000000"/>
+                </a:solidFill>
+                <a:effectLst/>
+                <a:latin typeface="Courier New" panose="02070309020205020404" pitchFamily="49" charset="0"/>
+                <a:cs typeface="Courier New" panose="02070309020205020404" pitchFamily="49" charset="0"/>
+              </a:rPr>
+              <a:t>Ttest_indResult</a:t>
+            </a:r>
+            <a:r>
+              <a:rPr kumimoji="0" lang="en-US" altLang="en-US" sz="1200" b="0" i="0" u="none" strike="noStrike" cap="none" normalizeH="0" baseline="0" dirty="0">
+                <a:ln>
+                  <a:noFill/>
+                </a:ln>
+                <a:solidFill>
+                  <a:srgbClr val="000000"/>
+                </a:solidFill>
+                <a:effectLst/>
+                <a:latin typeface="Courier New" panose="02070309020205020404" pitchFamily="49" charset="0"/>
+                <a:cs typeface="Courier New" panose="02070309020205020404" pitchFamily="49" charset="0"/>
+              </a:rPr>
+              <a:t>(statistic=-2.340507171046189, </a:t>
+            </a:r>
+            <a:r>
+              <a:rPr kumimoji="0" lang="en-US" altLang="en-US" sz="1200" b="0" i="0" u="none" strike="noStrike" cap="none" normalizeH="0" baseline="0" dirty="0" err="1">
+                <a:ln>
+                  <a:noFill/>
+                </a:ln>
+                <a:solidFill>
+                  <a:srgbClr val="000000"/>
+                </a:solidFill>
+                <a:effectLst/>
+                <a:latin typeface="Courier New" panose="02070309020205020404" pitchFamily="49" charset="0"/>
+                <a:cs typeface="Courier New" panose="02070309020205020404" pitchFamily="49" charset="0"/>
+              </a:rPr>
+              <a:t>pvalue</a:t>
+            </a:r>
+            <a:r>
+              <a:rPr kumimoji="0" lang="en-US" altLang="en-US" sz="1200" b="0" i="0" u="none" strike="noStrike" cap="none" normalizeH="0" baseline="0" dirty="0">
+                <a:ln>
+                  <a:noFill/>
+                </a:ln>
+                <a:solidFill>
+                  <a:srgbClr val="000000"/>
+                </a:solidFill>
+                <a:effectLst/>
+                <a:latin typeface="Courier New" panose="02070309020205020404" pitchFamily="49" charset="0"/>
+                <a:cs typeface="Courier New" panose="02070309020205020404" pitchFamily="49" charset="0"/>
+              </a:rPr>
+              <a:t>=0.01958606850646929)</a:t>
+            </a:r>
+            <a:r>
+              <a:rPr kumimoji="0" lang="en-US" altLang="en-US" sz="1050" b="0" i="0" u="none" strike="noStrike" cap="none" normalizeH="0" baseline="0" dirty="0">
+                <a:ln>
+                  <a:noFill/>
+                </a:ln>
+                <a:solidFill>
+                  <a:schemeClr val="tx1"/>
+                </a:solidFill>
+                <a:effectLst/>
+              </a:rPr>
+              <a:t> </a:t>
+            </a:r>
+            <a:endParaRPr kumimoji="0" lang="en-US" altLang="en-US" sz="2800" b="0" i="0" u="none" strike="noStrike" cap="none" normalizeH="0" baseline="0" dirty="0">
+              <a:ln>
+                <a:noFill/>
+              </a:ln>
+              <a:solidFill>
+                <a:schemeClr val="tx1"/>
+              </a:solidFill>
+              <a:effectLst/>
+              <a:latin typeface="Arial" panose="020B0604020202020204" pitchFamily="34" charset="0"/>
+            </a:endParaRPr>
+          </a:p>
+          <a:p>
+            <a:endParaRPr lang="en-US" dirty="0"/>
+          </a:p>
+        </p:txBody>
+      </p:sp>
+      <p:sp>
+        <p:nvSpPr>
+          <p:cNvPr id="4" name="Slide Number Placeholder 3"/>
+          <p:cNvSpPr>
+            <a:spLocks noGrp="1"/>
+          </p:cNvSpPr>
+          <p:nvPr>
+            <p:ph type="sldNum" sz="quarter" idx="5"/>
+          </p:nvPr>
+        </p:nvSpPr>
+        <p:spPr/>
+        <p:txBody>
+          <a:bodyPr/>
+          <a:lstStyle/>
+          <a:p>
+            <a:fld id="{F3EF6F15-B052-43EF-A3EB-50DF3796ED98}" type="slidenum">
+              <a:rPr lang="en-US" smtClean="0"/>
+              <a:t>9</a:t>
+            </a:fld>
+            <a:endParaRPr lang="en-US"/>
+          </a:p>
+        </p:txBody>
+      </p:sp>
+    </p:spTree>
+    <p:extLst>
+      <p:ext uri="{BB962C8B-B14F-4D97-AF65-F5344CB8AC3E}">
+        <p14:creationId xmlns:p14="http://schemas.microsoft.com/office/powerpoint/2010/main" val="4014622154"/>
+      </p:ext>
+    </p:extLst>
+  </p:cSld>
+  <p:clrMapOvr>
+    <a:masterClrMapping/>
+  </p:clrMapOvr>
+</p:notes>
+</file>
+
+<file path=ppt/notesSlides/notesSlide2.xml><?xml version="1.0" encoding="utf-8"?>
+<p:notes xmlns:a="http://schemas.openxmlformats.org/drawingml/2006/main" xmlns:r="http://schemas.openxmlformats.org/officeDocument/2006/relationships" xmlns:p="http://schemas.openxmlformats.org/presentationml/2006/main">
+  <p:cSld>
+    <p:spTree>
+      <p:nvGrpSpPr>
+        <p:cNvPr id="1" name=""/>
+        <p:cNvGrpSpPr/>
+        <p:nvPr/>
+      </p:nvGrpSpPr>
+      <p:grpSpPr>
+        <a:xfrm>
+          <a:off x="0" y="0"/>
+          <a:ext cx="0" cy="0"/>
+          <a:chOff x="0" y="0"/>
+          <a:chExt cx="0" cy="0"/>
+        </a:xfrm>
+      </p:grpSpPr>
+      <p:sp>
+        <p:nvSpPr>
+          <p:cNvPr id="2" name="Slide Image Placeholder 1"/>
+          <p:cNvSpPr>
+            <a:spLocks noGrp="1" noRot="1" noChangeAspect="1"/>
+          </p:cNvSpPr>
+          <p:nvPr>
+            <p:ph type="sldImg"/>
+          </p:nvPr>
+        </p:nvSpPr>
+        <p:spPr/>
+      </p:sp>
+      <p:sp>
+        <p:nvSpPr>
+          <p:cNvPr id="3" name="Notes Placeholder 2"/>
+          <p:cNvSpPr>
+            <a:spLocks noGrp="1"/>
+          </p:cNvSpPr>
+          <p:nvPr>
+            <p:ph type="body" idx="1"/>
+          </p:nvPr>
+        </p:nvSpPr>
+        <p:spPr/>
+        <p:txBody>
+          <a:bodyPr/>
+          <a:lstStyle/>
+          <a:p>
+            <a:r>
+              <a:rPr lang="en-US" dirty="0" err="1"/>
+              <a:t>stats.ttest_ind</a:t>
+            </a:r>
+            <a:r>
+              <a:rPr lang="en-US" dirty="0"/>
+              <a:t>(</a:t>
+            </a:r>
+            <a:r>
+              <a:rPr lang="en-US" dirty="0" err="1"/>
+              <a:t>defense_df</a:t>
+            </a:r>
+            <a:r>
+              <a:rPr lang="en-US" dirty="0"/>
+              <a:t>["Games Missed"], </a:t>
+            </a:r>
+            <a:r>
+              <a:rPr lang="en-US" dirty="0" err="1"/>
+              <a:t>offense_df</a:t>
+            </a:r>
+            <a:r>
+              <a:rPr lang="en-US" dirty="0"/>
+              <a:t>["Games Missed"], </a:t>
+            </a:r>
+            <a:r>
+              <a:rPr lang="en-US" dirty="0" err="1"/>
+              <a:t>equal_var</a:t>
+            </a:r>
+            <a:r>
+              <a:rPr lang="en-US" dirty="0"/>
+              <a:t>=False)</a:t>
+            </a:r>
+          </a:p>
+        </p:txBody>
+      </p:sp>
+      <p:sp>
+        <p:nvSpPr>
+          <p:cNvPr id="4" name="Slide Number Placeholder 3"/>
+          <p:cNvSpPr>
+            <a:spLocks noGrp="1"/>
+          </p:cNvSpPr>
+          <p:nvPr>
+            <p:ph type="sldNum" sz="quarter" idx="5"/>
+          </p:nvPr>
+        </p:nvSpPr>
+        <p:spPr/>
+        <p:txBody>
+          <a:bodyPr/>
+          <a:lstStyle/>
+          <a:p>
+            <a:fld id="{87CF8FF5-F196-4A39-BCC5-120EBC944503}" type="slidenum">
+              <a:rPr lang="en-US" smtClean="0"/>
+              <a:t>14</a:t>
+            </a:fld>
+            <a:endParaRPr lang="en-US"/>
+          </a:p>
+        </p:txBody>
+      </p:sp>
+    </p:spTree>
+    <p:extLst>
+      <p:ext uri="{BB962C8B-B14F-4D97-AF65-F5344CB8AC3E}">
+        <p14:creationId xmlns:p14="http://schemas.microsoft.com/office/powerpoint/2010/main" val="2465013474"/>
+      </p:ext>
+    </p:extLst>
+  </p:cSld>
+  <p:clrMapOvr>
+    <a:masterClrMapping/>
+  </p:clrMapOvr>
+</p:notes>
+</file>
+
+<file path=ppt/notesSlides/notesSlide3.xml><?xml version="1.0" encoding="utf-8"?>
+<p:notes xmlns:a="http://schemas.openxmlformats.org/drawingml/2006/main" xmlns:r="http://schemas.openxmlformats.org/officeDocument/2006/relationships" xmlns:p="http://schemas.openxmlformats.org/presentationml/2006/main">
+  <p:cSld>
+    <p:spTree>
+      <p:nvGrpSpPr>
+        <p:cNvPr id="1" name=""/>
+        <p:cNvGrpSpPr/>
+        <p:nvPr/>
+      </p:nvGrpSpPr>
+      <p:grpSpPr>
+        <a:xfrm>
+          <a:off x="0" y="0"/>
+          <a:ext cx="0" cy="0"/>
+          <a:chOff x="0" y="0"/>
+          <a:chExt cx="0" cy="0"/>
+        </a:xfrm>
+      </p:grpSpPr>
+      <p:sp>
+        <p:nvSpPr>
+          <p:cNvPr id="2" name="Slide Image Placeholder 1"/>
+          <p:cNvSpPr>
+            <a:spLocks noGrp="1" noRot="1" noChangeAspect="1"/>
+          </p:cNvSpPr>
+          <p:nvPr>
+            <p:ph type="sldImg"/>
+          </p:nvPr>
+        </p:nvSpPr>
+        <p:spPr/>
+      </p:sp>
+      <p:sp>
+        <p:nvSpPr>
+          <p:cNvPr id="3" name="Notes Placeholder 2"/>
+          <p:cNvSpPr>
+            <a:spLocks noGrp="1"/>
+          </p:cNvSpPr>
+          <p:nvPr>
+            <p:ph type="body" idx="1"/>
+          </p:nvPr>
+        </p:nvSpPr>
+        <p:spPr/>
+        <p:txBody>
+          <a:bodyPr/>
+          <a:lstStyle/>
+          <a:p>
+            <a:r>
+              <a:rPr lang="en-US" dirty="0" err="1"/>
+              <a:t>stats.ttest_ind</a:t>
+            </a:r>
+            <a:r>
+              <a:rPr lang="en-US" dirty="0"/>
+              <a:t>(</a:t>
+            </a:r>
+            <a:r>
+              <a:rPr lang="en-US" dirty="0" err="1"/>
+              <a:t>injury_per_year_df</a:t>
+            </a:r>
+            <a:r>
+              <a:rPr lang="en-US" dirty="0"/>
+              <a:t>["Offensive Injuries"], </a:t>
+            </a:r>
+            <a:r>
+              <a:rPr lang="en-US" dirty="0" err="1"/>
+              <a:t>injury_per_year_df</a:t>
+            </a:r>
+            <a:r>
+              <a:rPr lang="en-US" dirty="0"/>
+              <a:t>["Defensive Injuries"], </a:t>
+            </a:r>
+            <a:r>
+              <a:rPr lang="en-US" dirty="0" err="1"/>
+              <a:t>equal_var</a:t>
+            </a:r>
+            <a:r>
+              <a:rPr lang="en-US" dirty="0"/>
+              <a:t>=False)</a:t>
+            </a:r>
+          </a:p>
+          <a:p>
+            <a:pPr marL="0" marR="0" lvl="0" indent="0" algn="l" defTabSz="914400" rtl="0" eaLnBrk="1" fontAlgn="auto" latinLnBrk="0" hangingPunct="1">
+              <a:lnSpc>
+                <a:spcPct val="100000"/>
+              </a:lnSpc>
+              <a:spcBef>
+                <a:spcPts val="0"/>
+              </a:spcBef>
+              <a:spcAft>
+                <a:spcPts val="0"/>
+              </a:spcAft>
+              <a:buClrTx/>
+              <a:buSzTx/>
+              <a:buFontTx/>
+              <a:buNone/>
+              <a:tabLst/>
+              <a:defRPr/>
+            </a:pPr>
+            <a:r>
+              <a:rPr kumimoji="0" lang="en-US" altLang="en-US" sz="800" b="0" i="0" u="none" strike="noStrike" cap="none" normalizeH="0" baseline="0" dirty="0" err="1">
+                <a:ln>
+                  <a:noFill/>
+                </a:ln>
+                <a:solidFill>
+                  <a:srgbClr val="000000"/>
+                </a:solidFill>
+                <a:effectLst/>
+                <a:latin typeface="Courier New" panose="02070309020205020404" pitchFamily="49" charset="0"/>
+                <a:cs typeface="Courier New" panose="02070309020205020404" pitchFamily="49" charset="0"/>
+              </a:rPr>
+              <a:t>Ttest_</a:t>
+            </a:r>
+            <a:r>
+              <a:rPr kumimoji="0" lang="en-US" altLang="en-US" sz="1200" b="0" i="0" u="none" strike="noStrike" cap="none" normalizeH="0" baseline="0" dirty="0" err="1">
+                <a:ln>
+                  <a:noFill/>
+                </a:ln>
+                <a:solidFill>
+                  <a:srgbClr val="000000"/>
+                </a:solidFill>
+                <a:effectLst/>
+                <a:latin typeface="Courier New" panose="02070309020205020404" pitchFamily="49" charset="0"/>
+                <a:cs typeface="Courier New" panose="02070309020205020404" pitchFamily="49" charset="0"/>
+              </a:rPr>
+              <a:t>indResult</a:t>
+            </a:r>
+            <a:r>
+              <a:rPr kumimoji="0" lang="en-US" altLang="en-US" sz="1200" b="0" i="0" u="none" strike="noStrike" cap="none" normalizeH="0" baseline="0" dirty="0">
+                <a:ln>
+                  <a:noFill/>
+                </a:ln>
+                <a:solidFill>
+                  <a:srgbClr val="000000"/>
+                </a:solidFill>
+                <a:effectLst/>
+                <a:latin typeface="Courier New" panose="02070309020205020404" pitchFamily="49" charset="0"/>
+                <a:cs typeface="Courier New" panose="02070309020205020404" pitchFamily="49" charset="0"/>
+              </a:rPr>
+              <a:t>(statistic=0.3639356095616046, </a:t>
+            </a:r>
+            <a:r>
+              <a:rPr kumimoji="0" lang="en-US" altLang="en-US" sz="1200" b="0" i="0" u="none" strike="noStrike" cap="none" normalizeH="0" baseline="0" dirty="0" err="1">
+                <a:ln>
+                  <a:noFill/>
+                </a:ln>
+                <a:solidFill>
+                  <a:srgbClr val="000000"/>
+                </a:solidFill>
+                <a:effectLst/>
+                <a:latin typeface="Courier New" panose="02070309020205020404" pitchFamily="49" charset="0"/>
+                <a:cs typeface="Courier New" panose="02070309020205020404" pitchFamily="49" charset="0"/>
+              </a:rPr>
+              <a:t>pvalue</a:t>
+            </a:r>
+            <a:r>
+              <a:rPr kumimoji="0" lang="en-US" altLang="en-US" sz="1200" b="0" i="0" u="none" strike="noStrike" cap="none" normalizeH="0" baseline="0" dirty="0">
+                <a:ln>
+                  <a:noFill/>
+                </a:ln>
+                <a:solidFill>
+                  <a:srgbClr val="000000"/>
+                </a:solidFill>
+                <a:effectLst/>
+                <a:latin typeface="Courier New" panose="02070309020205020404" pitchFamily="49" charset="0"/>
+                <a:cs typeface="Courier New" panose="02070309020205020404" pitchFamily="49" charset="0"/>
+              </a:rPr>
+              <a:t>=0.7393726990881611)</a:t>
+            </a:r>
+            <a:endParaRPr kumimoji="0" lang="en-US" altLang="en-US" sz="1200" b="0" i="0" u="none" strike="noStrike" cap="none" normalizeH="0" baseline="0" dirty="0">
+              <a:ln>
+                <a:noFill/>
+              </a:ln>
+              <a:solidFill>
+                <a:schemeClr val="tx1"/>
+              </a:solidFill>
+              <a:effectLst/>
+            </a:endParaRPr>
+          </a:p>
+          <a:p>
+            <a:endParaRPr lang="en-US" dirty="0"/>
+          </a:p>
+          <a:p>
+            <a:endParaRPr lang="en-US" dirty="0"/>
+          </a:p>
+        </p:txBody>
+      </p:sp>
+      <p:sp>
+        <p:nvSpPr>
+          <p:cNvPr id="4" name="Slide Number Placeholder 3"/>
+          <p:cNvSpPr>
+            <a:spLocks noGrp="1"/>
+          </p:cNvSpPr>
+          <p:nvPr>
+            <p:ph type="sldNum" sz="quarter" idx="5"/>
+          </p:nvPr>
+        </p:nvSpPr>
+        <p:spPr/>
+        <p:txBody>
+          <a:bodyPr/>
+          <a:lstStyle/>
+          <a:p>
+            <a:fld id="{87CF8FF5-F196-4A39-BCC5-120EBC944503}" type="slidenum">
+              <a:rPr lang="en-US" smtClean="0"/>
+              <a:t>16</a:t>
+            </a:fld>
+            <a:endParaRPr lang="en-US"/>
+          </a:p>
+        </p:txBody>
+      </p:sp>
+    </p:spTree>
+    <p:extLst>
+      <p:ext uri="{BB962C8B-B14F-4D97-AF65-F5344CB8AC3E}">
+        <p14:creationId xmlns:p14="http://schemas.microsoft.com/office/powerpoint/2010/main" val="462195934"/>
+      </p:ext>
+    </p:extLst>
+  </p:cSld>
+  <p:clrMapOvr>
+    <a:masterClrMapping/>
+  </p:clrMapOvr>
+</p:notes>
+</file>
+
 <file path=ppt/slideLayouts/slideLayout1.xml><?xml version="1.0" encoding="utf-8"?>
 <p:sldLayout xmlns:a="http://schemas.openxmlformats.org/drawingml/2006/main" xmlns:r="http://schemas.openxmlformats.org/officeDocument/2006/relationships" xmlns:p="http://schemas.openxmlformats.org/presentationml/2006/main" type="title" preserve="1">
   <p:cSld name="Title Slide">
@@ -4050,356 +4970,6 @@
 </file>
 
 <file path=ppt/slideLayouts/slideLayout15.xml><?xml version="1.0" encoding="utf-8"?>
-<p:sldLayout xmlns:a="http://schemas.openxmlformats.org/drawingml/2006/main" xmlns:r="http://schemas.openxmlformats.org/officeDocument/2006/relationships" xmlns:p="http://schemas.openxmlformats.org/presentationml/2006/main" userDrawn="1">
-  <p:cSld name="Quote">
-    <p:spTree>
-      <p:nvGrpSpPr>
-        <p:cNvPr id="1" name=""/>
-        <p:cNvGrpSpPr/>
-        <p:nvPr/>
-      </p:nvGrpSpPr>
-      <p:grpSpPr>
-        <a:xfrm>
-          <a:off x="0" y="0"/>
-          <a:ext cx="0" cy="0"/>
-          <a:chOff x="0" y="0"/>
-          <a:chExt cx="0" cy="0"/>
-        </a:xfrm>
-      </p:grpSpPr>
-      <p:pic>
-        <p:nvPicPr>
-          <p:cNvPr id="7" name="Graphic 6">
-            <a:extLst>
-              <a:ext uri="{FF2B5EF4-FFF2-40B4-BE49-F238E27FC236}">
-                <a16:creationId xmlns:a16="http://schemas.microsoft.com/office/drawing/2014/main" id="{AEE644D4-F9A4-4237-BD5C-4B97ABA9337E}"/>
-              </a:ext>
-              <a:ext uri="{C183D7F6-B498-43B3-948B-1728B52AA6E4}">
-                <adec:decorative xmlns:adec="http://schemas.microsoft.com/office/drawing/2017/decorative" val="1"/>
-              </a:ext>
-            </a:extLst>
-          </p:cNvPr>
-          <p:cNvPicPr>
-            <a:picLocks noChangeAspect="1"/>
-          </p:cNvPicPr>
-          <p:nvPr userDrawn="1"/>
-        </p:nvPicPr>
-        <p:blipFill>
-          <a:blip r:embed="rId2">
-            <a:extLst>
-              <a:ext uri="{96DAC541-7B7A-43D3-8B79-37D633B846F1}">
-                <asvg:svgBlip xmlns:asvg="http://schemas.microsoft.com/office/drawing/2016/SVG/main" r:embed="rId3"/>
-              </a:ext>
-            </a:extLst>
-          </a:blip>
-          <a:stretch>
-            <a:fillRect/>
-          </a:stretch>
-        </p:blipFill>
-        <p:spPr>
-          <a:xfrm>
-            <a:off x="0" y="0"/>
-            <a:ext cx="5581650" cy="6858000"/>
-          </a:xfrm>
-          <a:prstGeom prst="rect">
-            <a:avLst/>
-          </a:prstGeom>
-        </p:spPr>
-      </p:pic>
-      <p:sp>
-        <p:nvSpPr>
-          <p:cNvPr id="2" name="Title 1">
-            <a:extLst>
-              <a:ext uri="{FF2B5EF4-FFF2-40B4-BE49-F238E27FC236}">
-                <a16:creationId xmlns:a16="http://schemas.microsoft.com/office/drawing/2014/main" id="{C2FF67A8-55FA-435D-A18C-96D63D22B53E}"/>
-              </a:ext>
-            </a:extLst>
-          </p:cNvPr>
-          <p:cNvSpPr>
-            <a:spLocks noGrp="1"/>
-          </p:cNvSpPr>
-          <p:nvPr>
-            <p:ph type="title" hasCustomPrompt="1"/>
-          </p:nvPr>
-        </p:nvSpPr>
-        <p:spPr>
-          <a:xfrm>
-            <a:off x="4657724" y="2809875"/>
-            <a:ext cx="6696075" cy="1909763"/>
-          </a:xfrm>
-        </p:spPr>
-        <p:txBody>
-          <a:bodyPr anchor="b">
-            <a:normAutofit/>
-          </a:bodyPr>
-          <a:lstStyle>
-            <a:lvl1pPr>
-              <a:defRPr lang="en-US" sz="2800" kern="1200" spc="150" baseline="0" dirty="0">
-                <a:solidFill>
-                  <a:schemeClr val="tx1"/>
-                </a:solidFill>
-                <a:latin typeface="+mj-lt"/>
-                <a:ea typeface="+mj-ea"/>
-                <a:cs typeface="+mj-cs"/>
-              </a:defRPr>
-            </a:lvl1pPr>
-          </a:lstStyle>
-          <a:p>
-            <a:r>
-              <a:rPr lang="en-US"/>
-              <a:t>CLICK TO EDIT MASTER TITLE STYLE</a:t>
-            </a:r>
-          </a:p>
-        </p:txBody>
-      </p:sp>
-      <p:sp>
-        <p:nvSpPr>
-          <p:cNvPr id="10" name="Subtitle 2">
-            <a:extLst>
-              <a:ext uri="{FF2B5EF4-FFF2-40B4-BE49-F238E27FC236}">
-                <a16:creationId xmlns:a16="http://schemas.microsoft.com/office/drawing/2014/main" id="{104828DA-5EC5-4A00-9A7B-CD9668EF24D1}"/>
-              </a:ext>
-            </a:extLst>
-          </p:cNvPr>
-          <p:cNvSpPr>
-            <a:spLocks noGrp="1"/>
-          </p:cNvSpPr>
-          <p:nvPr>
-            <p:ph type="subTitle" idx="1"/>
-          </p:nvPr>
-        </p:nvSpPr>
-        <p:spPr>
-          <a:xfrm>
-            <a:off x="4657725" y="5028803"/>
-            <a:ext cx="6696074" cy="365125"/>
-          </a:xfrm>
-        </p:spPr>
-        <p:txBody>
-          <a:bodyPr anchor="b">
-            <a:normAutofit/>
-          </a:bodyPr>
-          <a:lstStyle>
-            <a:lvl1pPr marL="0" indent="0" algn="l">
-              <a:buNone/>
-              <a:defRPr sz="1600">
-                <a:solidFill>
-                  <a:schemeClr val="bg2">
-                    <a:lumMod val="50000"/>
-                  </a:schemeClr>
-                </a:solidFill>
-              </a:defRPr>
-            </a:lvl1pPr>
-            <a:lvl2pPr marL="457200" indent="0" algn="ctr">
-              <a:buNone/>
-              <a:defRPr sz="2000"/>
-            </a:lvl2pPr>
-            <a:lvl3pPr marL="914400" indent="0" algn="ctr">
-              <a:buNone/>
-              <a:defRPr sz="1800"/>
-            </a:lvl3pPr>
-            <a:lvl4pPr marL="1371600" indent="0" algn="ctr">
-              <a:buNone/>
-              <a:defRPr sz="1600"/>
-            </a:lvl4pPr>
-            <a:lvl5pPr marL="1828800" indent="0" algn="ctr">
-              <a:buNone/>
-              <a:defRPr sz="1600"/>
-            </a:lvl5pPr>
-            <a:lvl6pPr marL="2286000" indent="0" algn="ctr">
-              <a:buNone/>
-              <a:defRPr sz="1600"/>
-            </a:lvl6pPr>
-            <a:lvl7pPr marL="2743200" indent="0" algn="ctr">
-              <a:buNone/>
-              <a:defRPr sz="1600"/>
-            </a:lvl7pPr>
-            <a:lvl8pPr marL="3200400" indent="0" algn="ctr">
-              <a:buNone/>
-              <a:defRPr sz="1600"/>
-            </a:lvl8pPr>
-            <a:lvl9pPr marL="3657600" indent="0" algn="ctr">
-              <a:buNone/>
-              <a:defRPr sz="1600"/>
-            </a:lvl9pPr>
-          </a:lstStyle>
-          <a:p>
-            <a:r>
-              <a:rPr lang="en-US"/>
-              <a:t>Click to edit Master subtitle style</a:t>
-            </a:r>
-          </a:p>
-        </p:txBody>
-      </p:sp>
-      <p:sp>
-        <p:nvSpPr>
-          <p:cNvPr id="3" name="Date Placeholder 2">
-            <a:extLst>
-              <a:ext uri="{FF2B5EF4-FFF2-40B4-BE49-F238E27FC236}">
-                <a16:creationId xmlns:a16="http://schemas.microsoft.com/office/drawing/2014/main" id="{D9303E9A-96BC-4283-A6E1-5948AEB119F4}"/>
-              </a:ext>
-            </a:extLst>
-          </p:cNvPr>
-          <p:cNvSpPr>
-            <a:spLocks noGrp="1"/>
-          </p:cNvSpPr>
-          <p:nvPr>
-            <p:ph type="dt" sz="half" idx="10"/>
-          </p:nvPr>
-        </p:nvSpPr>
-        <p:spPr>
-          <a:xfrm>
-            <a:off x="4676774" y="6356350"/>
-            <a:ext cx="1695450" cy="365125"/>
-          </a:xfrm>
-        </p:spPr>
-        <p:txBody>
-          <a:bodyPr/>
-          <a:lstStyle>
-            <a:lvl1pPr>
-              <a:defRPr sz="900"/>
-            </a:lvl1pPr>
-          </a:lstStyle>
-          <a:p>
-            <a:r>
-              <a:rPr lang="en-US" dirty="0"/>
-              <a:t>20XX</a:t>
-            </a:r>
-          </a:p>
-        </p:txBody>
-      </p:sp>
-      <p:sp>
-        <p:nvSpPr>
-          <p:cNvPr id="4" name="Footer Placeholder 3">
-            <a:extLst>
-              <a:ext uri="{FF2B5EF4-FFF2-40B4-BE49-F238E27FC236}">
-                <a16:creationId xmlns:a16="http://schemas.microsoft.com/office/drawing/2014/main" id="{45A19C49-052B-4D3E-B227-1D787463CE96}"/>
-              </a:ext>
-            </a:extLst>
-          </p:cNvPr>
-          <p:cNvSpPr>
-            <a:spLocks noGrp="1"/>
-          </p:cNvSpPr>
-          <p:nvPr>
-            <p:ph type="ftr" sz="quarter" idx="11"/>
-          </p:nvPr>
-        </p:nvSpPr>
-        <p:spPr>
-          <a:xfrm>
-            <a:off x="6743699" y="6356350"/>
-            <a:ext cx="2543175" cy="365125"/>
-          </a:xfrm>
-        </p:spPr>
-        <p:txBody>
-          <a:bodyPr/>
-          <a:lstStyle>
-            <a:lvl1pPr>
-              <a:defRPr sz="900"/>
-            </a:lvl1pPr>
-          </a:lstStyle>
-          <a:p>
-            <a:r>
-              <a:rPr lang="en-US" dirty="0"/>
-              <a:t>PRESENTATION TITLE</a:t>
-            </a:r>
-          </a:p>
-        </p:txBody>
-      </p:sp>
-      <p:sp>
-        <p:nvSpPr>
-          <p:cNvPr id="5" name="Slide Number Placeholder 4">
-            <a:extLst>
-              <a:ext uri="{FF2B5EF4-FFF2-40B4-BE49-F238E27FC236}">
-                <a16:creationId xmlns:a16="http://schemas.microsoft.com/office/drawing/2014/main" id="{4E5E724A-95F0-41B6-A77E-EDD067272C27}"/>
-              </a:ext>
-            </a:extLst>
-          </p:cNvPr>
-          <p:cNvSpPr>
-            <a:spLocks noGrp="1"/>
-          </p:cNvSpPr>
-          <p:nvPr>
-            <p:ph type="sldNum" sz="quarter" idx="12"/>
-          </p:nvPr>
-        </p:nvSpPr>
-        <p:spPr>
-          <a:xfrm>
-            <a:off x="9658350" y="6356350"/>
-            <a:ext cx="1695450" cy="365125"/>
-          </a:xfrm>
-        </p:spPr>
-        <p:txBody>
-          <a:bodyPr/>
-          <a:lstStyle>
-            <a:lvl1pPr>
-              <a:defRPr sz="900"/>
-            </a:lvl1pPr>
-          </a:lstStyle>
-          <a:p>
-            <a:fld id="{A49DFD55-3C28-40EF-9E31-A92D2E4017FF}" type="slidenum">
-              <a:rPr lang="en-US" smtClean="0"/>
-              <a:pPr/>
-              <a:t>‹#›</a:t>
-            </a:fld>
-            <a:endParaRPr lang="en-US" dirty="0"/>
-          </a:p>
-        </p:txBody>
-      </p:sp>
-      <p:cxnSp>
-        <p:nvCxnSpPr>
-          <p:cNvPr id="9" name="Straight Connector 8">
-            <a:extLst>
-              <a:ext uri="{FF2B5EF4-FFF2-40B4-BE49-F238E27FC236}">
-                <a16:creationId xmlns:a16="http://schemas.microsoft.com/office/drawing/2014/main" id="{BDAC7E4E-FE06-4E90-8107-6B543E5515ED}"/>
-              </a:ext>
-              <a:ext uri="{C183D7F6-B498-43B3-948B-1728B52AA6E4}">
-                <adec:decorative xmlns:adec="http://schemas.microsoft.com/office/drawing/2017/decorative" val="1"/>
-              </a:ext>
-            </a:extLst>
-          </p:cNvPr>
-          <p:cNvCxnSpPr/>
-          <p:nvPr userDrawn="1"/>
-        </p:nvCxnSpPr>
-        <p:spPr>
-          <a:xfrm flipV="1">
-            <a:off x="2209800" y="0"/>
-            <a:ext cx="2438400" cy="6858000"/>
-          </a:xfrm>
-          <a:prstGeom prst="line">
-            <a:avLst/>
-          </a:prstGeom>
-          <a:ln>
-            <a:solidFill>
-              <a:schemeClr val="tx1"/>
-            </a:solidFill>
-          </a:ln>
-        </p:spPr>
-        <p:style>
-          <a:lnRef idx="1">
-            <a:schemeClr val="accent1"/>
-          </a:lnRef>
-          <a:fillRef idx="0">
-            <a:schemeClr val="accent1"/>
-          </a:fillRef>
-          <a:effectRef idx="0">
-            <a:schemeClr val="accent1"/>
-          </a:effectRef>
-          <a:fontRef idx="minor">
-            <a:schemeClr val="tx1"/>
-          </a:fontRef>
-        </p:style>
-      </p:cxnSp>
-    </p:spTree>
-    <p:extLst>
-      <p:ext uri="{BB962C8B-B14F-4D97-AF65-F5344CB8AC3E}">
-        <p14:creationId xmlns:p14="http://schemas.microsoft.com/office/powerpoint/2010/main" val="2488138547"/>
-      </p:ext>
-    </p:extLst>
-  </p:cSld>
-  <p:clrMapOvr>
-    <a:masterClrMapping/>
-  </p:clrMapOvr>
-</p:sldLayout>
-</file>
-
-<file path=ppt/slideLayouts/slideLayout16.xml><?xml version="1.0" encoding="utf-8"?>
 <p:sldLayout xmlns:a="http://schemas.openxmlformats.org/drawingml/2006/main" xmlns:r="http://schemas.openxmlformats.org/officeDocument/2006/relationships" xmlns:p="http://schemas.openxmlformats.org/presentationml/2006/main" userDrawn="1">
   <p:cSld name="Three Content">
     <p:bg>
@@ -7419,7 +7989,7 @@
           <p:nvPr/>
         </p:nvPicPr>
         <p:blipFill rotWithShape="1">
-          <a:blip r:embed="rId18">
+          <a:blip r:embed="rId17">
             <a:extLst>
               <a:ext uri="{28A0092B-C50C-407E-A947-70E740481C1C}">
                 <a14:useLocalDpi xmlns:a14="http://schemas.microsoft.com/office/drawing/2010/main" val="0"/>
@@ -7708,8 +8278,7 @@
     <p:sldLayoutId id="2147483660" r:id="rId12"/>
     <p:sldLayoutId id="2147483661" r:id="rId13"/>
     <p:sldLayoutId id="2147483662" r:id="rId14"/>
-    <p:sldLayoutId id="2147483663" r:id="rId15"/>
-    <p:sldLayoutId id="2147483664" r:id="rId16"/>
+    <p:sldLayoutId id="2147483664" r:id="rId15"/>
   </p:sldLayoutIdLst>
   <p:txStyles>
     <p:titleStyle>
@@ -8243,7 +8812,7 @@
           <p:cNvPr id="2" name="Title 1">
             <a:extLst>
               <a:ext uri="{FF2B5EF4-FFF2-40B4-BE49-F238E27FC236}">
-                <a16:creationId xmlns:a16="http://schemas.microsoft.com/office/drawing/2014/main" id="{0A32731C-311B-46F7-A865-6C3AF6B09A47}"/>
+                <a16:creationId xmlns:a16="http://schemas.microsoft.com/office/drawing/2014/main" id="{D94A2CD4-732A-43E4-BCB9-CBA2055E0AC6}"/>
               </a:ext>
             </a:extLst>
           </p:cNvPr>
@@ -8256,8 +8825,8 @@
         </p:nvSpPr>
         <p:spPr>
           <a:xfrm>
-            <a:off x="1362075" y="1671639"/>
-            <a:ext cx="5111750" cy="1204912"/>
+            <a:off x="1885156" y="4245877"/>
+            <a:ext cx="8421688" cy="1325563"/>
           </a:xfrm>
         </p:spPr>
         <p:txBody>
@@ -8266,10 +8835,63 @@
           </a:bodyPr>
           <a:lstStyle/>
           <a:p>
-            <a:r>
-              <a:rPr lang="en-US" dirty="0"/>
-              <a:t>The Break Down</a:t>
-            </a:r>
+            <a:pPr algn="ctr"/>
+            <a:r>
+              <a:rPr kumimoji="0" lang="en-US" altLang="en-US" sz="2800" b="1" i="0" u="none" strike="noStrike" cap="none" normalizeH="0" baseline="0" dirty="0" err="1">
+                <a:ln>
+                  <a:noFill/>
+                </a:ln>
+                <a:solidFill>
+                  <a:srgbClr val="000000"/>
+                </a:solidFill>
+                <a:effectLst/>
+                <a:latin typeface="Courier New" panose="02070309020205020404" pitchFamily="49" charset="0"/>
+                <a:cs typeface="Courier New" panose="02070309020205020404" pitchFamily="49" charset="0"/>
+              </a:rPr>
+              <a:t>pvalue</a:t>
+            </a:r>
+            <a:r>
+              <a:rPr kumimoji="0" lang="en-US" altLang="en-US" sz="2800" b="1" i="0" u="none" strike="noStrike" cap="none" normalizeH="0" baseline="0" dirty="0">
+                <a:ln>
+                  <a:noFill/>
+                </a:ln>
+                <a:solidFill>
+                  <a:srgbClr val="000000"/>
+                </a:solidFill>
+                <a:effectLst/>
+                <a:latin typeface="Courier New" panose="02070309020205020404" pitchFamily="49" charset="0"/>
+                <a:cs typeface="Courier New" panose="02070309020205020404" pitchFamily="49" charset="0"/>
+              </a:rPr>
+              <a:t>=0.012</a:t>
+            </a:r>
+            <a:br>
+              <a:rPr kumimoji="0" lang="en-US" altLang="en-US" sz="2800" b="1" i="0" u="none" strike="noStrike" cap="none" normalizeH="0" baseline="0" dirty="0">
+                <a:ln>
+                  <a:noFill/>
+                </a:ln>
+                <a:solidFill>
+                  <a:srgbClr val="000000"/>
+                </a:solidFill>
+                <a:effectLst/>
+                <a:latin typeface="Courier New" panose="02070309020205020404" pitchFamily="49" charset="0"/>
+                <a:cs typeface="Courier New" panose="02070309020205020404" pitchFamily="49" charset="0"/>
+              </a:rPr>
+            </a:br>
+            <a:r>
+              <a:rPr kumimoji="0" lang="en-US" altLang="en-US" sz="2800" b="1" i="0" u="none" strike="noStrike" cap="none" normalizeH="0" baseline="0" dirty="0">
+                <a:ln>
+                  <a:noFill/>
+                </a:ln>
+                <a:solidFill>
+                  <a:srgbClr val="000000"/>
+                </a:solidFill>
+                <a:effectLst/>
+                <a:latin typeface="Courier New" panose="02070309020205020404" pitchFamily="49" charset="0"/>
+                <a:cs typeface="Courier New" panose="02070309020205020404" pitchFamily="49" charset="0"/>
+              </a:rPr>
+              <a:t>Statistically Significant </a:t>
+            </a:r>
+            <a:endParaRPr lang="en-US" b="1" dirty="0"/>
           </a:p>
         </p:txBody>
       </p:sp>
@@ -8278,7 +8900,7 @@
           <p:cNvPr id="4" name="Date Placeholder 3">
             <a:extLst>
               <a:ext uri="{FF2B5EF4-FFF2-40B4-BE49-F238E27FC236}">
-                <a16:creationId xmlns:a16="http://schemas.microsoft.com/office/drawing/2014/main" id="{70E12647-CCB2-45E2-A9CB-A868F490497E}"/>
+                <a16:creationId xmlns:a16="http://schemas.microsoft.com/office/drawing/2014/main" id="{DA53D834-F1E2-4848-8093-D412A7B081AF}"/>
               </a:ext>
             </a:extLst>
           </p:cNvPr>
@@ -8289,12 +8911,7 @@
             <p:ph type="dt" sz="half" idx="10"/>
           </p:nvPr>
         </p:nvSpPr>
-        <p:spPr>
-          <a:xfrm>
-            <a:off x="838200" y="6356350"/>
-            <a:ext cx="1219200" cy="365125"/>
-          </a:xfrm>
-        </p:spPr>
+        <p:spPr/>
         <p:txBody>
           <a:bodyPr/>
           <a:lstStyle/>
@@ -8311,7 +8928,7 @@
           <p:cNvPr id="5" name="Footer Placeholder 4">
             <a:extLst>
               <a:ext uri="{FF2B5EF4-FFF2-40B4-BE49-F238E27FC236}">
-                <a16:creationId xmlns:a16="http://schemas.microsoft.com/office/drawing/2014/main" id="{8D51ED20-04D4-4894-B0C2-9C541A61A734}"/>
+                <a16:creationId xmlns:a16="http://schemas.microsoft.com/office/drawing/2014/main" id="{3555A49C-96F4-440D-B89E-A0AE94F70108}"/>
               </a:ext>
             </a:extLst>
           </p:cNvPr>
@@ -8322,12 +8939,7 @@
             <p:ph type="ftr" sz="quarter" idx="11"/>
           </p:nvPr>
         </p:nvSpPr>
-        <p:spPr>
-          <a:xfrm>
-            <a:off x="2463800" y="6356350"/>
-            <a:ext cx="3479800" cy="365125"/>
-          </a:xfrm>
-        </p:spPr>
+        <p:spPr/>
         <p:txBody>
           <a:bodyPr/>
           <a:lstStyle/>
@@ -8344,7 +8956,7 @@
           <p:cNvPr id="6" name="Slide Number Placeholder 5">
             <a:extLst>
               <a:ext uri="{FF2B5EF4-FFF2-40B4-BE49-F238E27FC236}">
-                <a16:creationId xmlns:a16="http://schemas.microsoft.com/office/drawing/2014/main" id="{7BC1787E-7110-4989-B0B8-DD4E0ACC09DF}"/>
+                <a16:creationId xmlns:a16="http://schemas.microsoft.com/office/drawing/2014/main" id="{F2A39FA3-9AE3-4689-A469-B7D2DFCCC2D9}"/>
               </a:ext>
             </a:extLst>
           </p:cNvPr>
@@ -8355,12 +8967,7 @@
             <p:ph type="sldNum" sz="quarter" idx="12"/>
           </p:nvPr>
         </p:nvSpPr>
-        <p:spPr>
-          <a:xfrm>
-            <a:off x="8610600" y="6356350"/>
-            <a:ext cx="2743200" cy="365125"/>
-          </a:xfrm>
-        </p:spPr>
+        <p:spPr/>
         <p:txBody>
           <a:bodyPr/>
           <a:lstStyle/>
@@ -8376,28 +8983,137 @@
       </p:sp>
       <p:sp>
         <p:nvSpPr>
-          <p:cNvPr id="9" name="Text Placeholder 8">
-            <a:extLst>
-              <a:ext uri="{FF2B5EF4-FFF2-40B4-BE49-F238E27FC236}">
-                <a16:creationId xmlns:a16="http://schemas.microsoft.com/office/drawing/2014/main" id="{668EB773-01D2-4030-80CC-4C8BACC98CC5}"/>
-              </a:ext>
-            </a:extLst>
-          </p:cNvPr>
-          <p:cNvSpPr>
-            <a:spLocks noGrp="1"/>
-          </p:cNvSpPr>
-          <p:nvPr>
-            <p:ph type="body" idx="1"/>
-          </p:nvPr>
-        </p:nvSpPr>
-        <p:spPr/>
-        <p:txBody>
-          <a:bodyPr/>
+          <p:cNvPr id="8" name="Title 1">
+            <a:extLst>
+              <a:ext uri="{FF2B5EF4-FFF2-40B4-BE49-F238E27FC236}">
+                <a16:creationId xmlns:a16="http://schemas.microsoft.com/office/drawing/2014/main" id="{58F2CC3F-A8EA-80BC-B6D1-73F6ADD58B3E}"/>
+              </a:ext>
+            </a:extLst>
+          </p:cNvPr>
+          <p:cNvSpPr txBox="1">
+            <a:spLocks/>
+          </p:cNvSpPr>
+          <p:nvPr/>
+        </p:nvSpPr>
+        <p:spPr>
+          <a:xfrm>
+            <a:off x="1563210" y="421498"/>
+            <a:ext cx="8421688" cy="1106091"/>
+          </a:xfrm>
+          <a:prstGeom prst="rect">
+            <a:avLst/>
+          </a:prstGeom>
+        </p:spPr>
+        <p:txBody>
+          <a:bodyPr vert="horz" lIns="91440" tIns="45720" rIns="91440" bIns="45720" rtlCol="0" anchor="b">
+            <a:normAutofit/>
+          </a:bodyPr>
+          <a:lstStyle>
+            <a:lvl1pPr algn="l" defTabSz="914400" rtl="0" eaLnBrk="1" latinLnBrk="0" hangingPunct="1">
+              <a:lnSpc>
+                <a:spcPct val="90000"/>
+              </a:lnSpc>
+              <a:spcBef>
+                <a:spcPct val="0"/>
+              </a:spcBef>
+              <a:buNone/>
+              <a:defRPr lang="en-US" sz="2800" b="0" i="0" kern="1200" cap="all" spc="150" baseline="0" dirty="0">
+                <a:solidFill>
+                  <a:schemeClr val="tx1"/>
+                </a:solidFill>
+                <a:effectLst/>
+                <a:latin typeface="+mj-lt"/>
+                <a:ea typeface="+mj-ea"/>
+                <a:cs typeface="+mj-cs"/>
+              </a:defRPr>
+            </a:lvl1pPr>
+          </a:lstStyle>
+          <a:p>
+            <a:r>
+              <a:rPr lang="en-US" dirty="0"/>
+              <a:t>Do Injuries impact play time?</a:t>
+            </a:r>
+          </a:p>
+        </p:txBody>
+      </p:sp>
+      <p:sp>
+        <p:nvSpPr>
+          <p:cNvPr id="10" name="TextBox 9">
+            <a:extLst>
+              <a:ext uri="{FF2B5EF4-FFF2-40B4-BE49-F238E27FC236}">
+                <a16:creationId xmlns:a16="http://schemas.microsoft.com/office/drawing/2014/main" id="{B3F55F45-6563-B38D-7A09-49932BB0F0A6}"/>
+              </a:ext>
+            </a:extLst>
+          </p:cNvPr>
+          <p:cNvSpPr txBox="1"/>
+          <p:nvPr/>
+        </p:nvSpPr>
+        <p:spPr>
+          <a:xfrm>
+            <a:off x="885569" y="2009570"/>
+            <a:ext cx="10678160" cy="1754326"/>
+          </a:xfrm>
+          <a:prstGeom prst="rect">
+            <a:avLst/>
+          </a:prstGeom>
+          <a:noFill/>
+        </p:spPr>
+        <p:txBody>
+          <a:bodyPr wrap="square">
+            <a:spAutoFit/>
+          </a:bodyPr>
           <a:lstStyle/>
           <a:p>
-            <a:r>
-              <a:rPr lang="en-US" dirty="0"/>
-              <a:t>Offense, Defense, and by Year</a:t>
+            <a:pPr algn="ctr"/>
+            <a:r>
+              <a:rPr lang="en-US" dirty="0"/>
+              <a:t>Statistical Test:</a:t>
+            </a:r>
+          </a:p>
+          <a:p>
+            <a:pPr marL="285750" indent="-285750">
+              <a:buFont typeface="Arial" panose="020B0604020202020204" pitchFamily="34" charset="0"/>
+              <a:buChar char="•"/>
+            </a:pPr>
+            <a:r>
+              <a:rPr lang="en-US" dirty="0"/>
+              <a:t>H</a:t>
+            </a:r>
+            <a:r>
+              <a:rPr lang="en-US" sz="900" dirty="0"/>
+              <a:t>o</a:t>
+            </a:r>
+            <a:r>
+              <a:rPr lang="en-US" dirty="0"/>
+              <a:t>: If head injuries and concussions do not impact a player’s ability to participate, then there will not be a difference in mean number of downs played after injury compared to downs played before injury.</a:t>
+            </a:r>
+          </a:p>
+          <a:p>
+            <a:pPr marL="285750" indent="-285750">
+              <a:buFont typeface="Arial" panose="020B0604020202020204" pitchFamily="34" charset="0"/>
+              <a:buChar char="•"/>
+            </a:pPr>
+            <a:r>
+              <a:rPr lang="en-US" dirty="0"/>
+              <a:t>H</a:t>
+            </a:r>
+            <a:r>
+              <a:rPr lang="en-US" sz="900" dirty="0"/>
+              <a:t>a</a:t>
+            </a:r>
+            <a:r>
+              <a:rPr lang="en-US" dirty="0"/>
+              <a:t>: If head injuries and concussions do impact a player’s ability to participate, then there will be a difference in mean number of downs played after injury compared to downs played before injury.</a:t>
+            </a:r>
+          </a:p>
+          <a:p>
+            <a:pPr marL="285750" indent="-285750">
+              <a:buFont typeface="Arial" panose="020B0604020202020204" pitchFamily="34" charset="0"/>
+              <a:buChar char="•"/>
+            </a:pPr>
+            <a:r>
+              <a:rPr lang="en-US" dirty="0"/>
+              <a:t>Independent t-test</a:t>
             </a:r>
           </a:p>
         </p:txBody>
@@ -8405,7 +9121,7 @@
     </p:spTree>
     <p:extLst>
       <p:ext uri="{BB962C8B-B14F-4D97-AF65-F5344CB8AC3E}">
-        <p14:creationId xmlns:p14="http://schemas.microsoft.com/office/powerpoint/2010/main" val="2166205109"/>
+        <p14:creationId xmlns:p14="http://schemas.microsoft.com/office/powerpoint/2010/main" val="3608743021"/>
       </p:ext>
     </p:extLst>
   </p:cSld>
@@ -8437,7 +9153,7 @@
           <p:cNvPr id="2" name="Title 1">
             <a:extLst>
               <a:ext uri="{FF2B5EF4-FFF2-40B4-BE49-F238E27FC236}">
-                <a16:creationId xmlns:a16="http://schemas.microsoft.com/office/drawing/2014/main" id="{E3FC83A8-6962-D3CD-533A-1B3C65B28E1C}"/>
+                <a16:creationId xmlns:a16="http://schemas.microsoft.com/office/drawing/2014/main" id="{0A32731C-311B-46F7-A865-6C3AF6B09A47}"/>
               </a:ext>
             </a:extLst>
           </p:cNvPr>
@@ -8448,168 +9164,150 @@
             <p:ph type="title"/>
           </p:nvPr>
         </p:nvSpPr>
-        <p:spPr/>
+        <p:spPr>
+          <a:xfrm>
+            <a:off x="1362075" y="1671639"/>
+            <a:ext cx="5111750" cy="1204912"/>
+          </a:xfrm>
+        </p:spPr>
         <p:txBody>
           <a:bodyPr>
-            <a:normAutofit fontScale="90000"/>
+            <a:normAutofit/>
           </a:bodyPr>
           <a:lstStyle/>
           <a:p>
             <a:r>
-              <a:rPr lang="en-US" b="1" i="0" dirty="0">
-                <a:solidFill>
-                  <a:srgbClr val="000000"/>
-                </a:solidFill>
-                <a:effectLst/>
-                <a:latin typeface="Helvetica Neue"/>
-              </a:rPr>
-              <a:t>Breakdown on injuries by team (Offense and Defense)</a:t>
-            </a:r>
-            <a:br>
-              <a:rPr lang="en-US" b="1" i="0" dirty="0">
-                <a:solidFill>
-                  <a:srgbClr val="000000"/>
-                </a:solidFill>
-                <a:effectLst/>
-                <a:latin typeface="Helvetica Neue"/>
-              </a:rPr>
-            </a:br>
+              <a:rPr lang="en-US" dirty="0"/>
+              <a:t>The Break Down</a:t>
+            </a:r>
+          </a:p>
+        </p:txBody>
+      </p:sp>
+      <p:sp>
+        <p:nvSpPr>
+          <p:cNvPr id="4" name="Date Placeholder 3">
+            <a:extLst>
+              <a:ext uri="{FF2B5EF4-FFF2-40B4-BE49-F238E27FC236}">
+                <a16:creationId xmlns:a16="http://schemas.microsoft.com/office/drawing/2014/main" id="{70E12647-CCB2-45E2-A9CB-A868F490497E}"/>
+              </a:ext>
+            </a:extLst>
+          </p:cNvPr>
+          <p:cNvSpPr>
+            <a:spLocks noGrp="1"/>
+          </p:cNvSpPr>
+          <p:nvPr>
+            <p:ph type="dt" sz="half" idx="10"/>
+          </p:nvPr>
+        </p:nvSpPr>
+        <p:spPr>
+          <a:xfrm>
+            <a:off x="838200" y="6356350"/>
+            <a:ext cx="1219200" cy="365125"/>
+          </a:xfrm>
+        </p:spPr>
+        <p:txBody>
+          <a:bodyPr/>
+          <a:lstStyle/>
+          <a:p>
+            <a:r>
+              <a:rPr lang="en-US" dirty="0"/>
+              <a:t>20XX</a:t>
+            </a:r>
+          </a:p>
+        </p:txBody>
+      </p:sp>
+      <p:sp>
+        <p:nvSpPr>
+          <p:cNvPr id="5" name="Footer Placeholder 4">
+            <a:extLst>
+              <a:ext uri="{FF2B5EF4-FFF2-40B4-BE49-F238E27FC236}">
+                <a16:creationId xmlns:a16="http://schemas.microsoft.com/office/drawing/2014/main" id="{8D51ED20-04D4-4894-B0C2-9C541A61A734}"/>
+              </a:ext>
+            </a:extLst>
+          </p:cNvPr>
+          <p:cNvSpPr>
+            <a:spLocks noGrp="1"/>
+          </p:cNvSpPr>
+          <p:nvPr>
+            <p:ph type="ftr" sz="quarter" idx="11"/>
+          </p:nvPr>
+        </p:nvSpPr>
+        <p:spPr>
+          <a:xfrm>
+            <a:off x="2463800" y="6356350"/>
+            <a:ext cx="3479800" cy="365125"/>
+          </a:xfrm>
+        </p:spPr>
+        <p:txBody>
+          <a:bodyPr/>
+          <a:lstStyle/>
+          <a:p>
+            <a:r>
+              <a:rPr lang="en-US" dirty="0"/>
+              <a:t>PRESENTATION TITLE</a:t>
+            </a:r>
+          </a:p>
+        </p:txBody>
+      </p:sp>
+      <p:sp>
+        <p:nvSpPr>
+          <p:cNvPr id="6" name="Slide Number Placeholder 5">
+            <a:extLst>
+              <a:ext uri="{FF2B5EF4-FFF2-40B4-BE49-F238E27FC236}">
+                <a16:creationId xmlns:a16="http://schemas.microsoft.com/office/drawing/2014/main" id="{7BC1787E-7110-4989-B0B8-DD4E0ACC09DF}"/>
+              </a:ext>
+            </a:extLst>
+          </p:cNvPr>
+          <p:cNvSpPr>
+            <a:spLocks noGrp="1"/>
+          </p:cNvSpPr>
+          <p:nvPr>
+            <p:ph type="sldNum" sz="quarter" idx="12"/>
+          </p:nvPr>
+        </p:nvSpPr>
+        <p:spPr>
+          <a:xfrm>
+            <a:off x="8610600" y="6356350"/>
+            <a:ext cx="2743200" cy="365125"/>
+          </a:xfrm>
+        </p:spPr>
+        <p:txBody>
+          <a:bodyPr/>
+          <a:lstStyle/>
+          <a:p>
+            <a:fld id="{A49DFD55-3C28-40EF-9E31-A92D2E4017FF}" type="slidenum">
+              <a:rPr lang="en-US" smtClean="0"/>
+              <a:pPr/>
+              <a:t>11</a:t>
+            </a:fld>
             <a:endParaRPr lang="en-US" dirty="0"/>
           </a:p>
         </p:txBody>
       </p:sp>
-      <p:pic>
-        <p:nvPicPr>
-          <p:cNvPr id="5" name="Content Placeholder 4">
-            <a:extLst>
-              <a:ext uri="{FF2B5EF4-FFF2-40B4-BE49-F238E27FC236}">
-                <a16:creationId xmlns:a16="http://schemas.microsoft.com/office/drawing/2014/main" id="{07F7164F-ECD6-1445-162C-9BA47C26750F}"/>
-              </a:ext>
-            </a:extLst>
-          </p:cNvPr>
-          <p:cNvPicPr>
-            <a:picLocks noGrp="1" noChangeAspect="1"/>
-          </p:cNvPicPr>
-          <p:nvPr>
-            <p:ph idx="1"/>
-          </p:nvPr>
-        </p:nvPicPr>
-        <p:blipFill>
-          <a:blip r:embed="rId2"/>
-          <a:stretch>
-            <a:fillRect/>
-          </a:stretch>
-        </p:blipFill>
-        <p:spPr>
-          <a:xfrm>
-            <a:off x="1451579" y="1998540"/>
-            <a:ext cx="4870090" cy="3449638"/>
-          </a:xfrm>
-        </p:spPr>
-      </p:pic>
-      <p:sp>
-        <p:nvSpPr>
-          <p:cNvPr id="6" name="TextBox 5">
-            <a:extLst>
-              <a:ext uri="{FF2B5EF4-FFF2-40B4-BE49-F238E27FC236}">
-                <a16:creationId xmlns:a16="http://schemas.microsoft.com/office/drawing/2014/main" id="{F58A73B4-2646-0098-BE0B-5E1EE6E51653}"/>
-              </a:ext>
-            </a:extLst>
-          </p:cNvPr>
-          <p:cNvSpPr txBox="1"/>
-          <p:nvPr/>
-        </p:nvSpPr>
-        <p:spPr>
-          <a:xfrm>
-            <a:off x="6875584" y="2118946"/>
-            <a:ext cx="4870090" cy="2952027"/>
-          </a:xfrm>
-          <a:prstGeom prst="rect">
-            <a:avLst/>
-          </a:prstGeom>
-          <a:noFill/>
-        </p:spPr>
-        <p:txBody>
-          <a:bodyPr wrap="square" rtlCol="0">
-            <a:spAutoFit/>
-          </a:bodyPr>
+      <p:sp>
+        <p:nvSpPr>
+          <p:cNvPr id="9" name="Text Placeholder 8">
+            <a:extLst>
+              <a:ext uri="{FF2B5EF4-FFF2-40B4-BE49-F238E27FC236}">
+                <a16:creationId xmlns:a16="http://schemas.microsoft.com/office/drawing/2014/main" id="{668EB773-01D2-4030-80CC-4C8BACC98CC5}"/>
+              </a:ext>
+            </a:extLst>
+          </p:cNvPr>
+          <p:cNvSpPr>
+            <a:spLocks noGrp="1"/>
+          </p:cNvSpPr>
+          <p:nvPr>
+            <p:ph type="body" idx="1"/>
+          </p:nvPr>
+        </p:nvSpPr>
+        <p:spPr/>
+        <p:txBody>
+          <a:bodyPr/>
           <a:lstStyle/>
           <a:p>
-            <a:pPr marL="285750" indent="-285750">
-              <a:lnSpc>
-                <a:spcPct val="150000"/>
-              </a:lnSpc>
-              <a:buFont typeface="Arial" panose="020B0604020202020204" pitchFamily="34" charset="0"/>
-              <a:buChar char="•"/>
-            </a:pPr>
-            <a:r>
-              <a:rPr lang="en-US" dirty="0"/>
-              <a:t>Top positions that is prone to concussion</a:t>
-            </a:r>
-          </a:p>
-          <a:p>
-            <a:pPr marL="742950" lvl="1" indent="-285750">
-              <a:lnSpc>
-                <a:spcPct val="150000"/>
-              </a:lnSpc>
-              <a:buFont typeface="Arial" panose="020B0604020202020204" pitchFamily="34" charset="0"/>
-              <a:buChar char="•"/>
-            </a:pPr>
-            <a:r>
-              <a:rPr lang="en-US" dirty="0"/>
-              <a:t>Cornerback</a:t>
-            </a:r>
-          </a:p>
-          <a:p>
-            <a:pPr marL="742950" lvl="1" indent="-285750">
-              <a:lnSpc>
-                <a:spcPct val="150000"/>
-              </a:lnSpc>
-              <a:buFont typeface="Arial" panose="020B0604020202020204" pitchFamily="34" charset="0"/>
-              <a:buChar char="•"/>
-            </a:pPr>
-            <a:r>
-              <a:rPr lang="en-US" dirty="0"/>
-              <a:t>Wide Receiver</a:t>
-            </a:r>
-          </a:p>
-          <a:p>
-            <a:pPr marL="742950" lvl="1" indent="-285750">
-              <a:lnSpc>
-                <a:spcPct val="150000"/>
-              </a:lnSpc>
-              <a:buFont typeface="Arial" panose="020B0604020202020204" pitchFamily="34" charset="0"/>
-              <a:buChar char="•"/>
-            </a:pPr>
-            <a:r>
-              <a:rPr lang="en-US" dirty="0"/>
-              <a:t>Safety</a:t>
-            </a:r>
-          </a:p>
-          <a:p>
-            <a:pPr marL="742950" lvl="1" indent="-285750">
-              <a:lnSpc>
-                <a:spcPct val="150000"/>
-              </a:lnSpc>
-              <a:buFont typeface="Arial" panose="020B0604020202020204" pitchFamily="34" charset="0"/>
-              <a:buChar char="•"/>
-            </a:pPr>
-            <a:r>
-              <a:rPr lang="en-US" dirty="0"/>
-              <a:t>Running Back</a:t>
-            </a:r>
-          </a:p>
-          <a:p>
-            <a:pPr marL="285750" indent="-285750">
-              <a:lnSpc>
-                <a:spcPct val="150000"/>
-              </a:lnSpc>
-              <a:buFont typeface="Arial" panose="020B0604020202020204" pitchFamily="34" charset="0"/>
-              <a:buChar char="•"/>
-            </a:pPr>
-            <a:r>
-              <a:rPr lang="en-US" dirty="0"/>
-              <a:t>Due to the nature of the game, these positions are likely to have contact</a:t>
+            <a:r>
+              <a:rPr lang="en-US" dirty="0"/>
+              <a:t>Offense, Defense, and by Year</a:t>
             </a:r>
           </a:p>
         </p:txBody>
@@ -8617,7 +9315,7 @@
     </p:spTree>
     <p:extLst>
       <p:ext uri="{BB962C8B-B14F-4D97-AF65-F5344CB8AC3E}">
-        <p14:creationId xmlns:p14="http://schemas.microsoft.com/office/powerpoint/2010/main" val="3054641002"/>
+        <p14:creationId xmlns:p14="http://schemas.microsoft.com/office/powerpoint/2010/main" val="2166205109"/>
       </p:ext>
     </p:extLst>
   </p:cSld>
@@ -8649,7 +9347,7 @@
           <p:cNvPr id="2" name="Title 1">
             <a:extLst>
               <a:ext uri="{FF2B5EF4-FFF2-40B4-BE49-F238E27FC236}">
-                <a16:creationId xmlns:a16="http://schemas.microsoft.com/office/drawing/2014/main" id="{5C72A5F8-4C72-FCAB-AC32-A1366BD279B6}"/>
+                <a16:creationId xmlns:a16="http://schemas.microsoft.com/office/drawing/2014/main" id="{E3FC83A8-6962-D3CD-533A-1B3C65B28E1C}"/>
               </a:ext>
             </a:extLst>
           </p:cNvPr>
@@ -8675,7 +9373,7 @@
                 <a:effectLst/>
                 <a:latin typeface="Helvetica Neue"/>
               </a:rPr>
-              <a:t>Injury Percentage of Offense and Defense</a:t>
+              <a:t>Breakdown on injuries by team (Offense and Defense)</a:t>
             </a:r>
             <a:br>
               <a:rPr lang="en-US" b="1" i="0" dirty="0">
@@ -8695,7 +9393,7 @@
           <p:cNvPr id="5" name="Content Placeholder 4">
             <a:extLst>
               <a:ext uri="{FF2B5EF4-FFF2-40B4-BE49-F238E27FC236}">
-                <a16:creationId xmlns:a16="http://schemas.microsoft.com/office/drawing/2014/main" id="{82119E9B-B1A5-8914-0236-09BE0DF40D37}"/>
+                <a16:creationId xmlns:a16="http://schemas.microsoft.com/office/drawing/2014/main" id="{07F7164F-ECD6-1445-162C-9BA47C26750F}"/>
               </a:ext>
             </a:extLst>
           </p:cNvPr>
@@ -8714,8 +9412,8 @@
         </p:blipFill>
         <p:spPr>
           <a:xfrm>
-            <a:off x="1451579" y="2068879"/>
-            <a:ext cx="3558751" cy="3449638"/>
+            <a:off x="1451579" y="1998540"/>
+            <a:ext cx="4870090" cy="3449638"/>
           </a:xfrm>
         </p:spPr>
       </p:pic>
@@ -8724,7 +9422,7 @@
           <p:cNvPr id="6" name="TextBox 5">
             <a:extLst>
               <a:ext uri="{FF2B5EF4-FFF2-40B4-BE49-F238E27FC236}">
-                <a16:creationId xmlns:a16="http://schemas.microsoft.com/office/drawing/2014/main" id="{6A53BCBE-CBD1-74AA-D96F-07709ED7E232}"/>
+                <a16:creationId xmlns:a16="http://schemas.microsoft.com/office/drawing/2014/main" id="{F58A73B4-2646-0098-BE0B-5E1EE6E51653}"/>
               </a:ext>
             </a:extLst>
           </p:cNvPr>
@@ -8733,8 +9431,8 @@
         </p:nvSpPr>
         <p:spPr>
           <a:xfrm>
-            <a:off x="6022731" y="2567354"/>
-            <a:ext cx="4592091" cy="1290033"/>
+            <a:off x="6875584" y="2118946"/>
+            <a:ext cx="4870090" cy="2952027"/>
           </a:xfrm>
           <a:prstGeom prst="rect">
             <a:avLst/>
@@ -8742,7 +9440,7 @@
           <a:noFill/>
         </p:spPr>
         <p:txBody>
-          <a:bodyPr wrap="none" rtlCol="0">
+          <a:bodyPr wrap="square" rtlCol="0">
             <a:spAutoFit/>
           </a:bodyPr>
           <a:lstStyle/>
@@ -8756,7 +9454,59 @@
             </a:pPr>
             <a:r>
               <a:rPr lang="en-US" dirty="0"/>
-              <a:t>Offensive players are slightly prone to injury</a:t>
+              <a:t>Top positions that is prone to concussion</a:t>
+            </a:r>
+          </a:p>
+          <a:p>
+            <a:pPr marL="742950" lvl="1" indent="-285750">
+              <a:lnSpc>
+                <a:spcPct val="150000"/>
+              </a:lnSpc>
+              <a:buFont typeface="Arial" panose="020B0604020202020204" pitchFamily="34" charset="0"/>
+              <a:buChar char="•"/>
+            </a:pPr>
+            <a:r>
+              <a:rPr lang="en-US" dirty="0"/>
+              <a:t>Cornerback</a:t>
+            </a:r>
+          </a:p>
+          <a:p>
+            <a:pPr marL="742950" lvl="1" indent="-285750">
+              <a:lnSpc>
+                <a:spcPct val="150000"/>
+              </a:lnSpc>
+              <a:buFont typeface="Arial" panose="020B0604020202020204" pitchFamily="34" charset="0"/>
+              <a:buChar char="•"/>
+            </a:pPr>
+            <a:r>
+              <a:rPr lang="en-US" dirty="0"/>
+              <a:t>Wide Receiver</a:t>
+            </a:r>
+          </a:p>
+          <a:p>
+            <a:pPr marL="742950" lvl="1" indent="-285750">
+              <a:lnSpc>
+                <a:spcPct val="150000"/>
+              </a:lnSpc>
+              <a:buFont typeface="Arial" panose="020B0604020202020204" pitchFamily="34" charset="0"/>
+              <a:buChar char="•"/>
+            </a:pPr>
+            <a:r>
+              <a:rPr lang="en-US" dirty="0"/>
+              <a:t>Safety</a:t>
+            </a:r>
+          </a:p>
+          <a:p>
+            <a:pPr marL="742950" lvl="1" indent="-285750">
+              <a:lnSpc>
+                <a:spcPct val="150000"/>
+              </a:lnSpc>
+              <a:buFont typeface="Arial" panose="020B0604020202020204" pitchFamily="34" charset="0"/>
+              <a:buChar char="•"/>
+            </a:pPr>
+            <a:r>
+              <a:rPr lang="en-US" dirty="0"/>
+              <a:t>Running Back</a:t>
             </a:r>
           </a:p>
           <a:p>
@@ -8769,20 +9519,7 @@
             </a:pPr>
             <a:r>
               <a:rPr lang="en-US" dirty="0"/>
-              <a:t>Wide receivers have their eye on the ball</a:t>
-            </a:r>
-          </a:p>
-          <a:p>
-            <a:pPr marL="285750" indent="-285750">
-              <a:lnSpc>
-                <a:spcPct val="150000"/>
-              </a:lnSpc>
-              <a:buFont typeface="Arial" panose="020B0604020202020204" pitchFamily="34" charset="0"/>
-              <a:buChar char="•"/>
-            </a:pPr>
-            <a:r>
-              <a:rPr lang="en-US" dirty="0"/>
-              <a:t>Running backs are tackled, being hit</a:t>
+              <a:t>Due to the nature of the game, these positions are likely to have contact</a:t>
             </a:r>
           </a:p>
         </p:txBody>
@@ -8790,7 +9527,7 @@
     </p:spTree>
     <p:extLst>
       <p:ext uri="{BB962C8B-B14F-4D97-AF65-F5344CB8AC3E}">
-        <p14:creationId xmlns:p14="http://schemas.microsoft.com/office/powerpoint/2010/main" val="3356490573"/>
+        <p14:creationId xmlns:p14="http://schemas.microsoft.com/office/powerpoint/2010/main" val="3054641002"/>
       </p:ext>
     </p:extLst>
   </p:cSld>
@@ -8822,7 +9559,7 @@
           <p:cNvPr id="2" name="Title 1">
             <a:extLst>
               <a:ext uri="{FF2B5EF4-FFF2-40B4-BE49-F238E27FC236}">
-                <a16:creationId xmlns:a16="http://schemas.microsoft.com/office/drawing/2014/main" id="{D94A2CD4-732A-43E4-BCB9-CBA2055E0AC6}"/>
+                <a16:creationId xmlns:a16="http://schemas.microsoft.com/office/drawing/2014/main" id="{5C72A5F8-4C72-FCAB-AC32-A1366BD279B6}"/>
               </a:ext>
             </a:extLst>
           </p:cNvPr>
@@ -8833,346 +9570,71 @@
             <p:ph type="title"/>
           </p:nvPr>
         </p:nvSpPr>
-        <p:spPr>
-          <a:xfrm>
-            <a:off x="4868740" y="2965938"/>
-            <a:ext cx="6696075" cy="1202715"/>
-          </a:xfrm>
-        </p:spPr>
+        <p:spPr/>
         <p:txBody>
           <a:bodyPr>
-            <a:normAutofit/>
+            <a:normAutofit fontScale="90000"/>
           </a:bodyPr>
           <a:lstStyle/>
           <a:p>
             <a:r>
-              <a:rPr lang="en-US" sz="2000" dirty="0" err="1"/>
-              <a:t>stats.ttest_ind</a:t>
-            </a:r>
-            <a:r>
-              <a:rPr lang="en-US" sz="2000" dirty="0"/>
-              <a:t>(</a:t>
-            </a:r>
-            <a:r>
-              <a:rPr lang="en-US" sz="2000" dirty="0" err="1"/>
-              <a:t>defense_df</a:t>
-            </a:r>
-            <a:r>
-              <a:rPr lang="en-US" sz="2000" dirty="0"/>
-              <a:t>["Games Missed"], </a:t>
-            </a:r>
-            <a:r>
-              <a:rPr lang="en-US" sz="2000" dirty="0" err="1"/>
-              <a:t>offense_df</a:t>
-            </a:r>
-            <a:r>
-              <a:rPr lang="en-US" sz="2000" dirty="0"/>
-              <a:t>["Games Missed"], </a:t>
-            </a:r>
-            <a:r>
-              <a:rPr lang="en-US" sz="2000" dirty="0" err="1"/>
-              <a:t>equal_var</a:t>
-            </a:r>
-            <a:r>
-              <a:rPr lang="en-US" sz="2000" dirty="0"/>
-              <a:t>=False)</a:t>
-            </a:r>
-          </a:p>
-        </p:txBody>
-      </p:sp>
-      <p:sp>
-        <p:nvSpPr>
-          <p:cNvPr id="3" name="Subtitle 2">
-            <a:extLst>
-              <a:ext uri="{FF2B5EF4-FFF2-40B4-BE49-F238E27FC236}">
-                <a16:creationId xmlns:a16="http://schemas.microsoft.com/office/drawing/2014/main" id="{45FD0450-A909-4CD9-8912-96A19ACEB7CB}"/>
-              </a:ext>
-            </a:extLst>
-          </p:cNvPr>
-          <p:cNvSpPr>
-            <a:spLocks noGrp="1"/>
-          </p:cNvSpPr>
-          <p:nvPr>
-            <p:ph type="subTitle" idx="1"/>
-          </p:nvPr>
-        </p:nvSpPr>
-        <p:spPr>
-          <a:xfrm>
-            <a:off x="5495925" y="9956403"/>
-            <a:ext cx="6696074" cy="365125"/>
-          </a:xfrm>
-        </p:spPr>
-        <p:txBody>
-          <a:bodyPr/>
-          <a:lstStyle/>
-          <a:p>
-            <a:r>
-              <a:rPr lang="en-US" dirty="0"/>
-              <a:t>Richard Branson</a:t>
-            </a:r>
-          </a:p>
-        </p:txBody>
-      </p:sp>
-      <p:sp>
-        <p:nvSpPr>
-          <p:cNvPr id="4" name="Date Placeholder 3">
-            <a:extLst>
-              <a:ext uri="{FF2B5EF4-FFF2-40B4-BE49-F238E27FC236}">
-                <a16:creationId xmlns:a16="http://schemas.microsoft.com/office/drawing/2014/main" id="{DA53D834-F1E2-4848-8093-D412A7B081AF}"/>
-              </a:ext>
-            </a:extLst>
-          </p:cNvPr>
-          <p:cNvSpPr>
-            <a:spLocks noGrp="1"/>
-          </p:cNvSpPr>
-          <p:nvPr>
-            <p:ph type="dt" sz="half" idx="10"/>
-          </p:nvPr>
-        </p:nvSpPr>
-        <p:spPr>
-          <a:xfrm>
-            <a:off x="4676774" y="6356350"/>
-            <a:ext cx="1695450" cy="365125"/>
-          </a:xfrm>
-        </p:spPr>
-        <p:txBody>
-          <a:bodyPr/>
-          <a:lstStyle/>
-          <a:p>
-            <a:r>
-              <a:rPr lang="en-US" dirty="0"/>
-              <a:t>20XX</a:t>
-            </a:r>
-          </a:p>
-        </p:txBody>
-      </p:sp>
-      <p:sp>
-        <p:nvSpPr>
-          <p:cNvPr id="5" name="Footer Placeholder 4">
-            <a:extLst>
-              <a:ext uri="{FF2B5EF4-FFF2-40B4-BE49-F238E27FC236}">
-                <a16:creationId xmlns:a16="http://schemas.microsoft.com/office/drawing/2014/main" id="{3555A49C-96F4-440D-B89E-A0AE94F70108}"/>
-              </a:ext>
-            </a:extLst>
-          </p:cNvPr>
-          <p:cNvSpPr>
-            <a:spLocks noGrp="1"/>
-          </p:cNvSpPr>
-          <p:nvPr>
-            <p:ph type="ftr" sz="quarter" idx="11"/>
-          </p:nvPr>
-        </p:nvSpPr>
-        <p:spPr>
-          <a:xfrm>
-            <a:off x="6743699" y="6356350"/>
-            <a:ext cx="2543175" cy="365125"/>
-          </a:xfrm>
-        </p:spPr>
-        <p:txBody>
-          <a:bodyPr/>
-          <a:lstStyle/>
-          <a:p>
-            <a:r>
-              <a:rPr lang="en-US" dirty="0"/>
-              <a:t>PRESENTATION TITLE</a:t>
-            </a:r>
-          </a:p>
-        </p:txBody>
-      </p:sp>
-      <p:sp>
-        <p:nvSpPr>
-          <p:cNvPr id="6" name="Slide Number Placeholder 5">
-            <a:extLst>
-              <a:ext uri="{FF2B5EF4-FFF2-40B4-BE49-F238E27FC236}">
-                <a16:creationId xmlns:a16="http://schemas.microsoft.com/office/drawing/2014/main" id="{F2A39FA3-9AE3-4689-A469-B7D2DFCCC2D9}"/>
-              </a:ext>
-            </a:extLst>
-          </p:cNvPr>
-          <p:cNvSpPr>
-            <a:spLocks noGrp="1"/>
-          </p:cNvSpPr>
-          <p:nvPr>
-            <p:ph type="sldNum" sz="quarter" idx="12"/>
-          </p:nvPr>
-        </p:nvSpPr>
-        <p:spPr>
-          <a:xfrm>
-            <a:off x="9658350" y="6356350"/>
-            <a:ext cx="1695450" cy="365125"/>
-          </a:xfrm>
-        </p:spPr>
-        <p:txBody>
-          <a:bodyPr/>
-          <a:lstStyle/>
-          <a:p>
-            <a:fld id="{A49DFD55-3C28-40EF-9E31-A92D2E4017FF}" type="slidenum">
-              <a:rPr lang="en-US" smtClean="0"/>
-              <a:pPr/>
-              <a:t>13</a:t>
-            </a:fld>
-            <a:endParaRPr lang="en-US" dirty="0"/>
-          </a:p>
-        </p:txBody>
-      </p:sp>
-      <p:sp>
-        <p:nvSpPr>
-          <p:cNvPr id="7" name="Rectangle 1">
-            <a:extLst>
-              <a:ext uri="{FF2B5EF4-FFF2-40B4-BE49-F238E27FC236}">
-                <a16:creationId xmlns:a16="http://schemas.microsoft.com/office/drawing/2014/main" id="{13D97E62-C1D6-7069-EB00-E189AD0A1FE5}"/>
-              </a:ext>
-            </a:extLst>
-          </p:cNvPr>
-          <p:cNvSpPr>
-            <a:spLocks noChangeArrowheads="1"/>
-          </p:cNvSpPr>
-          <p:nvPr/>
-        </p:nvSpPr>
-        <p:spPr bwMode="auto">
-          <a:xfrm>
-            <a:off x="5005754" y="4661942"/>
-            <a:ext cx="6348046" cy="153888"/>
-          </a:xfrm>
-          <a:prstGeom prst="rect">
-            <a:avLst/>
-          </a:prstGeom>
-          <a:solidFill>
-            <a:srgbClr val="FFFFFF"/>
-          </a:solidFill>
-          <a:ln>
-            <a:noFill/>
-          </a:ln>
-          <a:effectLst/>
-          <a:extLst>
-            <a:ext uri="{91240B29-F687-4F45-9708-019B960494DF}">
-              <a14:hiddenLine xmlns:a14="http://schemas.microsoft.com/office/drawing/2010/main" w="9525">
-                <a:solidFill>
-                  <a:schemeClr val="tx1"/>
-                </a:solidFill>
-                <a:miter lim="800000"/>
-                <a:headEnd/>
-                <a:tailEnd/>
-              </a14:hiddenLine>
-            </a:ext>
-            <a:ext uri="{AF507438-7753-43E0-B8FC-AC1667EBCBE1}">
-              <a14:hiddenEffects xmlns:a14="http://schemas.microsoft.com/office/drawing/2010/main">
-                <a:effectLst>
-                  <a:outerShdw dist="35921" dir="2700000" algn="ctr" rotWithShape="0">
-                    <a:schemeClr val="bg2"/>
-                  </a:outerShdw>
-                </a:effectLst>
-              </a14:hiddenEffects>
-            </a:ext>
-          </a:extLst>
-        </p:spPr>
-        <p:txBody>
-          <a:bodyPr vert="horz" wrap="square" lIns="0" tIns="0" rIns="0" bIns="0" numCol="1" anchor="ctr" anchorCtr="0" compatLnSpc="1">
-            <a:prstTxWarp prst="textNoShape">
-              <a:avLst/>
-            </a:prstTxWarp>
-            <a:spAutoFit/>
-          </a:bodyPr>
-          <a:lstStyle/>
-          <a:p>
-            <a:pPr marL="0" marR="0" lvl="0" indent="0" algn="l" defTabSz="914400" rtl="0" eaLnBrk="0" fontAlgn="base" latinLnBrk="0" hangingPunct="0">
-              <a:lnSpc>
-                <a:spcPct val="100000"/>
-              </a:lnSpc>
-              <a:spcBef>
-                <a:spcPct val="0"/>
-              </a:spcBef>
-              <a:spcAft>
-                <a:spcPct val="0"/>
-              </a:spcAft>
-              <a:buClrTx/>
-              <a:buSzTx/>
-              <a:buFontTx/>
-              <a:buNone/>
-              <a:tabLst/>
-            </a:pPr>
-            <a:r>
-              <a:rPr kumimoji="0" lang="en-US" altLang="en-US" sz="1000" b="0" i="0" u="none" strike="noStrike" cap="none" normalizeH="0" baseline="0" dirty="0" err="1">
-                <a:ln>
-                  <a:noFill/>
-                </a:ln>
+              <a:rPr lang="en-US" b="1" i="0" dirty="0">
                 <a:solidFill>
                   <a:srgbClr val="000000"/>
                 </a:solidFill>
                 <a:effectLst/>
-                <a:latin typeface="Courier New" panose="02070309020205020404" pitchFamily="49" charset="0"/>
+                <a:latin typeface="Helvetica Neue"/>
               </a:rPr>
-              <a:t>Ttest_indResult</a:t>
-            </a:r>
-            <a:r>
-              <a:rPr kumimoji="0" lang="en-US" altLang="en-US" sz="1000" b="0" i="0" u="none" strike="noStrike" cap="none" normalizeH="0" baseline="0" dirty="0">
-                <a:ln>
-                  <a:noFill/>
-                </a:ln>
+              <a:t>Injury Percentage of Offense and Defense</a:t>
+            </a:r>
+            <a:br>
+              <a:rPr lang="en-US" b="1" i="0" dirty="0">
                 <a:solidFill>
                   <a:srgbClr val="000000"/>
                 </a:solidFill>
                 <a:effectLst/>
-                <a:latin typeface="Courier New" panose="02070309020205020404" pitchFamily="49" charset="0"/>
+                <a:latin typeface="Helvetica Neue"/>
               </a:rPr>
-              <a:t>(statistic=-1.7650938173235642, </a:t>
-            </a:r>
-            <a:r>
-              <a:rPr kumimoji="0" lang="en-US" altLang="en-US" sz="1000" b="0" i="0" u="none" strike="noStrike" cap="none" normalizeH="0" baseline="0" dirty="0" err="1">
-                <a:ln>
-                  <a:noFill/>
-                </a:ln>
-                <a:solidFill>
-                  <a:srgbClr val="000000"/>
-                </a:solidFill>
-                <a:effectLst/>
-                <a:latin typeface="Courier New" panose="02070309020205020404" pitchFamily="49" charset="0"/>
-              </a:rPr>
-              <a:t>pvalue</a:t>
-            </a:r>
-            <a:r>
-              <a:rPr kumimoji="0" lang="en-US" altLang="en-US" sz="1000" b="0" i="0" u="none" strike="noStrike" cap="none" normalizeH="0" baseline="0" dirty="0">
-                <a:ln>
-                  <a:noFill/>
-                </a:ln>
-                <a:solidFill>
-                  <a:srgbClr val="000000"/>
-                </a:solidFill>
-                <a:effectLst/>
-                <a:latin typeface="Courier New" panose="02070309020205020404" pitchFamily="49" charset="0"/>
-              </a:rPr>
-              <a:t>=0.07849418146862482)</a:t>
-            </a:r>
-            <a:r>
-              <a:rPr kumimoji="0" lang="en-US" altLang="en-US" sz="800" b="0" i="0" u="none" strike="noStrike" cap="none" normalizeH="0" baseline="0" dirty="0">
-                <a:ln>
-                  <a:noFill/>
-                </a:ln>
-                <a:solidFill>
-                  <a:schemeClr val="tx1"/>
-                </a:solidFill>
-                <a:effectLst/>
-              </a:rPr>
-              <a:t> </a:t>
-            </a:r>
-            <a:endParaRPr kumimoji="0" lang="en-US" altLang="en-US" sz="1800" b="0" i="0" u="none" strike="noStrike" cap="none" normalizeH="0" baseline="0" dirty="0">
-              <a:ln>
-                <a:noFill/>
-              </a:ln>
-              <a:solidFill>
-                <a:schemeClr val="tx1"/>
-              </a:solidFill>
-              <a:effectLst/>
-              <a:latin typeface="Arial" panose="020B0604020202020204" pitchFamily="34" charset="0"/>
-            </a:endParaRPr>
-          </a:p>
-        </p:txBody>
-      </p:sp>
-      <p:sp>
-        <p:nvSpPr>
-          <p:cNvPr id="9" name="TextBox 8">
-            <a:extLst>
-              <a:ext uri="{FF2B5EF4-FFF2-40B4-BE49-F238E27FC236}">
-                <a16:creationId xmlns:a16="http://schemas.microsoft.com/office/drawing/2014/main" id="{BC2B4484-3DD3-FD19-04BB-FA2C681615C9}"/>
+            </a:br>
+            <a:endParaRPr lang="en-US" dirty="0"/>
+          </a:p>
+        </p:txBody>
+      </p:sp>
+      <p:pic>
+        <p:nvPicPr>
+          <p:cNvPr id="5" name="Content Placeholder 4">
+            <a:extLst>
+              <a:ext uri="{FF2B5EF4-FFF2-40B4-BE49-F238E27FC236}">
+                <a16:creationId xmlns:a16="http://schemas.microsoft.com/office/drawing/2014/main" id="{82119E9B-B1A5-8914-0236-09BE0DF40D37}"/>
+              </a:ext>
+            </a:extLst>
+          </p:cNvPr>
+          <p:cNvPicPr>
+            <a:picLocks noGrp="1" noChangeAspect="1"/>
+          </p:cNvPicPr>
+          <p:nvPr>
+            <p:ph idx="1"/>
+          </p:nvPr>
+        </p:nvPicPr>
+        <p:blipFill>
+          <a:blip r:embed="rId2"/>
+          <a:stretch>
+            <a:fillRect/>
+          </a:stretch>
+        </p:blipFill>
+        <p:spPr>
+          <a:xfrm>
+            <a:off x="1451579" y="2068879"/>
+            <a:ext cx="3558751" cy="3449638"/>
+          </a:xfrm>
+        </p:spPr>
+      </p:pic>
+      <p:sp>
+        <p:nvSpPr>
+          <p:cNvPr id="6" name="TextBox 5">
+            <a:extLst>
+              <a:ext uri="{FF2B5EF4-FFF2-40B4-BE49-F238E27FC236}">
+                <a16:creationId xmlns:a16="http://schemas.microsoft.com/office/drawing/2014/main" id="{6A53BCBE-CBD1-74AA-D96F-07709ED7E232}"/>
               </a:ext>
             </a:extLst>
           </p:cNvPr>
@@ -9181,8 +9643,8 @@
         </p:nvSpPr>
         <p:spPr>
           <a:xfrm>
-            <a:off x="5304693" y="1151105"/>
-            <a:ext cx="6605042" cy="830997"/>
+            <a:off x="6022731" y="2567354"/>
+            <a:ext cx="4592091" cy="1290033"/>
           </a:xfrm>
           <a:prstGeom prst="rect">
             <a:avLst/>
@@ -9190,14 +9652,47 @@
           <a:noFill/>
         </p:spPr>
         <p:txBody>
-          <a:bodyPr wrap="square" rtlCol="0">
+          <a:bodyPr wrap="none" rtlCol="0">
             <a:spAutoFit/>
           </a:bodyPr>
           <a:lstStyle/>
           <a:p>
-            <a:r>
-              <a:rPr lang="en-US" sz="2400" b="1" dirty="0"/>
-              <a:t>Is there a difference on the number of games missed between offense and defense</a:t>
+            <a:pPr marL="285750" indent="-285750">
+              <a:lnSpc>
+                <a:spcPct val="150000"/>
+              </a:lnSpc>
+              <a:buFont typeface="Arial" panose="020B0604020202020204" pitchFamily="34" charset="0"/>
+              <a:buChar char="•"/>
+            </a:pPr>
+            <a:r>
+              <a:rPr lang="en-US" dirty="0"/>
+              <a:t>Offensive players are slightly prone to injury</a:t>
+            </a:r>
+          </a:p>
+          <a:p>
+            <a:pPr marL="285750" indent="-285750">
+              <a:lnSpc>
+                <a:spcPct val="150000"/>
+              </a:lnSpc>
+              <a:buFont typeface="Arial" panose="020B0604020202020204" pitchFamily="34" charset="0"/>
+              <a:buChar char="•"/>
+            </a:pPr>
+            <a:r>
+              <a:rPr lang="en-US" dirty="0"/>
+              <a:t>Wide receivers have their eye on the ball</a:t>
+            </a:r>
+          </a:p>
+          <a:p>
+            <a:pPr marL="285750" indent="-285750">
+              <a:lnSpc>
+                <a:spcPct val="150000"/>
+              </a:lnSpc>
+              <a:buFont typeface="Arial" panose="020B0604020202020204" pitchFamily="34" charset="0"/>
+              <a:buChar char="•"/>
+            </a:pPr>
+            <a:r>
+              <a:rPr lang="en-US" dirty="0"/>
+              <a:t>Running backs are tackled, being hit</a:t>
             </a:r>
           </a:p>
         </p:txBody>
@@ -9205,7 +9700,7 @@
     </p:spTree>
     <p:extLst>
       <p:ext uri="{BB962C8B-B14F-4D97-AF65-F5344CB8AC3E}">
-        <p14:creationId xmlns:p14="http://schemas.microsoft.com/office/powerpoint/2010/main" val="744379741"/>
+        <p14:creationId xmlns:p14="http://schemas.microsoft.com/office/powerpoint/2010/main" val="3356490573"/>
       </p:ext>
     </p:extLst>
   </p:cSld>
@@ -9237,7 +9732,7 @@
           <p:cNvPr id="2" name="Title 1">
             <a:extLst>
               <a:ext uri="{FF2B5EF4-FFF2-40B4-BE49-F238E27FC236}">
-                <a16:creationId xmlns:a16="http://schemas.microsoft.com/office/drawing/2014/main" id="{C19F7928-9684-B16D-7B3C-133E0C0ED97C}"/>
+                <a16:creationId xmlns:a16="http://schemas.microsoft.com/office/drawing/2014/main" id="{D94A2CD4-732A-43E4-BCB9-CBA2055E0AC6}"/>
               </a:ext>
             </a:extLst>
           </p:cNvPr>
@@ -9248,71 +9743,117 @@
             <p:ph type="title"/>
           </p:nvPr>
         </p:nvSpPr>
-        <p:spPr/>
+        <p:spPr>
+          <a:xfrm>
+            <a:off x="2365216" y="866096"/>
+            <a:ext cx="8421688" cy="839978"/>
+          </a:xfrm>
+        </p:spPr>
         <p:txBody>
           <a:bodyPr>
-            <a:normAutofit fontScale="90000"/>
+            <a:noAutofit/>
           </a:bodyPr>
           <a:lstStyle/>
           <a:p>
             <a:r>
-              <a:rPr lang="en-US" b="1" i="0" dirty="0">
-                <a:solidFill>
-                  <a:srgbClr val="000000"/>
-                </a:solidFill>
-                <a:effectLst/>
-                <a:latin typeface="Helvetica Neue"/>
-              </a:rPr>
-              <a:t>Injury trend from 2012 to 2014 (Offense and Defense)</a:t>
-            </a:r>
-            <a:br>
-              <a:rPr lang="en-US" b="1" i="0" dirty="0">
-                <a:solidFill>
-                  <a:srgbClr val="000000"/>
-                </a:solidFill>
-                <a:effectLst/>
-                <a:latin typeface="Helvetica Neue"/>
-              </a:rPr>
-            </a:br>
+              <a:rPr lang="en-US" dirty="0"/>
+              <a:t>Do offensive or defensive players miss more games from injuries?</a:t>
+            </a:r>
+          </a:p>
+        </p:txBody>
+      </p:sp>
+      <p:sp>
+        <p:nvSpPr>
+          <p:cNvPr id="4" name="Date Placeholder 3">
+            <a:extLst>
+              <a:ext uri="{FF2B5EF4-FFF2-40B4-BE49-F238E27FC236}">
+                <a16:creationId xmlns:a16="http://schemas.microsoft.com/office/drawing/2014/main" id="{DA53D834-F1E2-4848-8093-D412A7B081AF}"/>
+              </a:ext>
+            </a:extLst>
+          </p:cNvPr>
+          <p:cNvSpPr>
+            <a:spLocks noGrp="1"/>
+          </p:cNvSpPr>
+          <p:nvPr>
+            <p:ph type="dt" sz="half" idx="10"/>
+          </p:nvPr>
+        </p:nvSpPr>
+        <p:spPr/>
+        <p:txBody>
+          <a:bodyPr/>
+          <a:lstStyle/>
+          <a:p>
+            <a:r>
+              <a:rPr lang="en-US" dirty="0"/>
+              <a:t>20XX</a:t>
+            </a:r>
+          </a:p>
+        </p:txBody>
+      </p:sp>
+      <p:sp>
+        <p:nvSpPr>
+          <p:cNvPr id="5" name="Footer Placeholder 4">
+            <a:extLst>
+              <a:ext uri="{FF2B5EF4-FFF2-40B4-BE49-F238E27FC236}">
+                <a16:creationId xmlns:a16="http://schemas.microsoft.com/office/drawing/2014/main" id="{3555A49C-96F4-440D-B89E-A0AE94F70108}"/>
+              </a:ext>
+            </a:extLst>
+          </p:cNvPr>
+          <p:cNvSpPr>
+            <a:spLocks noGrp="1"/>
+          </p:cNvSpPr>
+          <p:nvPr>
+            <p:ph type="ftr" sz="quarter" idx="11"/>
+          </p:nvPr>
+        </p:nvSpPr>
+        <p:spPr/>
+        <p:txBody>
+          <a:bodyPr/>
+          <a:lstStyle/>
+          <a:p>
+            <a:r>
+              <a:rPr lang="en-US" dirty="0"/>
+              <a:t>PRESENTATION TITLE</a:t>
+            </a:r>
+          </a:p>
+        </p:txBody>
+      </p:sp>
+      <p:sp>
+        <p:nvSpPr>
+          <p:cNvPr id="6" name="Slide Number Placeholder 5">
+            <a:extLst>
+              <a:ext uri="{FF2B5EF4-FFF2-40B4-BE49-F238E27FC236}">
+                <a16:creationId xmlns:a16="http://schemas.microsoft.com/office/drawing/2014/main" id="{F2A39FA3-9AE3-4689-A469-B7D2DFCCC2D9}"/>
+              </a:ext>
+            </a:extLst>
+          </p:cNvPr>
+          <p:cNvSpPr>
+            <a:spLocks noGrp="1"/>
+          </p:cNvSpPr>
+          <p:nvPr>
+            <p:ph type="sldNum" sz="quarter" idx="12"/>
+          </p:nvPr>
+        </p:nvSpPr>
+        <p:spPr/>
+        <p:txBody>
+          <a:bodyPr/>
+          <a:lstStyle/>
+          <a:p>
+            <a:fld id="{A49DFD55-3C28-40EF-9E31-A92D2E4017FF}" type="slidenum">
+              <a:rPr lang="en-US" smtClean="0"/>
+              <a:pPr/>
+              <a:t>14</a:t>
+            </a:fld>
             <a:endParaRPr lang="en-US" dirty="0"/>
           </a:p>
         </p:txBody>
       </p:sp>
-      <p:pic>
-        <p:nvPicPr>
-          <p:cNvPr id="7" name="Content Placeholder 6">
-            <a:extLst>
-              <a:ext uri="{FF2B5EF4-FFF2-40B4-BE49-F238E27FC236}">
-                <a16:creationId xmlns:a16="http://schemas.microsoft.com/office/drawing/2014/main" id="{ED4A3AC4-71F3-A2B9-6CFF-240DE1723353}"/>
-              </a:ext>
-            </a:extLst>
-          </p:cNvPr>
-          <p:cNvPicPr>
-            <a:picLocks noGrp="1" noChangeAspect="1"/>
-          </p:cNvPicPr>
-          <p:nvPr>
-            <p:ph idx="1"/>
-          </p:nvPr>
-        </p:nvPicPr>
-        <p:blipFill>
-          <a:blip r:embed="rId2"/>
-          <a:stretch>
-            <a:fillRect/>
-          </a:stretch>
-        </p:blipFill>
-        <p:spPr>
-          <a:xfrm>
-            <a:off x="1451579" y="2156802"/>
-            <a:ext cx="4329106" cy="3449638"/>
-          </a:xfrm>
-        </p:spPr>
-      </p:pic>
-      <p:sp>
-        <p:nvSpPr>
-          <p:cNvPr id="8" name="TextBox 7">
-            <a:extLst>
-              <a:ext uri="{FF2B5EF4-FFF2-40B4-BE49-F238E27FC236}">
-                <a16:creationId xmlns:a16="http://schemas.microsoft.com/office/drawing/2014/main" id="{A55B2F8E-53DD-ACD3-5963-1213C486E48A}"/>
+      <p:sp>
+        <p:nvSpPr>
+          <p:cNvPr id="11" name="TextBox 10">
+            <a:extLst>
+              <a:ext uri="{FF2B5EF4-FFF2-40B4-BE49-F238E27FC236}">
+                <a16:creationId xmlns:a16="http://schemas.microsoft.com/office/drawing/2014/main" id="{9BE2F04D-3386-54CF-5DC5-7A8A01D1CE4D}"/>
               </a:ext>
             </a:extLst>
           </p:cNvPr>
@@ -9321,8 +9862,8 @@
         </p:nvSpPr>
         <p:spPr>
           <a:xfrm>
-            <a:off x="6576646" y="2549769"/>
-            <a:ext cx="4478208" cy="2446824"/>
+            <a:off x="885569" y="2067976"/>
+            <a:ext cx="10678160" cy="3046988"/>
           </a:xfrm>
           <a:prstGeom prst="rect">
             <a:avLst/>
@@ -9330,70 +9871,144 @@
           <a:noFill/>
         </p:spPr>
         <p:txBody>
-          <a:bodyPr wrap="square" rtlCol="0">
+          <a:bodyPr wrap="square">
             <a:spAutoFit/>
           </a:bodyPr>
           <a:lstStyle/>
           <a:p>
-            <a:pPr marL="285750" indent="-285750">
-              <a:lnSpc>
-                <a:spcPct val="150000"/>
-              </a:lnSpc>
-              <a:buFont typeface="Arial" panose="020B0604020202020204" pitchFamily="34" charset="0"/>
-              <a:buChar char="•"/>
-            </a:pPr>
-            <a:r>
-              <a:rPr lang="en-US" dirty="0"/>
-              <a:t>NFL player safety are given emphasis</a:t>
-            </a:r>
-          </a:p>
-          <a:p>
-            <a:pPr marL="285750" indent="-285750">
-              <a:lnSpc>
-                <a:spcPct val="150000"/>
-              </a:lnSpc>
-              <a:buFont typeface="Arial" panose="020B0604020202020204" pitchFamily="34" charset="0"/>
-              <a:buChar char="•"/>
-            </a:pPr>
-            <a:r>
-              <a:rPr lang="en-US" dirty="0"/>
-              <a:t>NFL Game Day Concussion Diagnosis and Management Protocol in 2011</a:t>
-            </a:r>
-          </a:p>
-          <a:p>
-            <a:pPr marL="285750" indent="-285750">
-              <a:lnSpc>
-                <a:spcPct val="150000"/>
-              </a:lnSpc>
-              <a:buFont typeface="Arial" panose="020B0604020202020204" pitchFamily="34" charset="0"/>
-              <a:buChar char="•"/>
-            </a:pPr>
-            <a:r>
-              <a:rPr lang="en-US" dirty="0"/>
-              <a:t>The protocol is reviewed annually</a:t>
-            </a:r>
-          </a:p>
-          <a:p>
-            <a:pPr>
-              <a:lnSpc>
-                <a:spcPct val="150000"/>
-              </a:lnSpc>
-            </a:pPr>
-            <a:endParaRPr lang="en-US" dirty="0"/>
+            <a:pPr algn="ctr"/>
+            <a:r>
+              <a:rPr lang="en-US" sz="2400" dirty="0"/>
+              <a:t>Statistical Test:</a:t>
+            </a:r>
           </a:p>
           <a:p>
             <a:pPr marL="285750" indent="-285750">
               <a:buFont typeface="Arial" panose="020B0604020202020204" pitchFamily="34" charset="0"/>
               <a:buChar char="•"/>
             </a:pPr>
-            <a:endParaRPr lang="en-US" dirty="0"/>
+            <a:r>
+              <a:rPr lang="en-US" sz="2400" dirty="0"/>
+              <a:t>Ho: If being an offensive or defensive player is not related to the number of games missed after injury, then there will not be a difference in mean number of games missed.</a:t>
+            </a:r>
+          </a:p>
+          <a:p>
+            <a:pPr marL="285750" indent="-285750">
+              <a:buFont typeface="Arial" panose="020B0604020202020204" pitchFamily="34" charset="0"/>
+              <a:buChar char="•"/>
+            </a:pPr>
+            <a:r>
+              <a:rPr lang="en-US" sz="2400" dirty="0"/>
+              <a:t>Ha: If being an offensive or defensive player is related to the number of games missed after injury,, then there will be a difference in the mean number of games missed.</a:t>
+            </a:r>
+          </a:p>
+          <a:p>
+            <a:pPr marL="285750" indent="-285750">
+              <a:buFont typeface="Arial" panose="020B0604020202020204" pitchFamily="34" charset="0"/>
+              <a:buChar char="•"/>
+            </a:pPr>
+            <a:r>
+              <a:rPr lang="en-US" sz="2400" dirty="0"/>
+              <a:t>Independent t-test</a:t>
+            </a:r>
+          </a:p>
+        </p:txBody>
+      </p:sp>
+      <p:sp>
+        <p:nvSpPr>
+          <p:cNvPr id="23" name="Title 1">
+            <a:extLst>
+              <a:ext uri="{FF2B5EF4-FFF2-40B4-BE49-F238E27FC236}">
+                <a16:creationId xmlns:a16="http://schemas.microsoft.com/office/drawing/2014/main" id="{4DE35CC5-143D-5D4B-E309-362934CD8D22}"/>
+              </a:ext>
+            </a:extLst>
+          </p:cNvPr>
+          <p:cNvSpPr txBox="1">
+            <a:spLocks/>
+          </p:cNvSpPr>
+          <p:nvPr/>
+        </p:nvSpPr>
+        <p:spPr>
+          <a:xfrm>
+            <a:off x="1885156" y="5114964"/>
+            <a:ext cx="8421688" cy="1325563"/>
+          </a:xfrm>
+          <a:prstGeom prst="rect">
+            <a:avLst/>
+          </a:prstGeom>
+        </p:spPr>
+        <p:txBody>
+          <a:bodyPr vert="horz" lIns="91440" tIns="45720" rIns="91440" bIns="45720" rtlCol="0" anchor="t">
+            <a:normAutofit/>
+          </a:bodyPr>
+          <a:lstStyle>
+            <a:lvl1pPr algn="ctr" defTabSz="914400" rtl="0" eaLnBrk="1" latinLnBrk="0" hangingPunct="1">
+              <a:lnSpc>
+                <a:spcPct val="90000"/>
+              </a:lnSpc>
+              <a:spcBef>
+                <a:spcPct val="0"/>
+              </a:spcBef>
+              <a:buNone/>
+              <a:defRPr lang="en-US" sz="2800" b="0" i="0" kern="1200" cap="all" spc="150" baseline="0" dirty="0">
+                <a:solidFill>
+                  <a:schemeClr val="tx1"/>
+                </a:solidFill>
+                <a:effectLst/>
+                <a:latin typeface="+mj-lt"/>
+                <a:ea typeface="+mj-ea"/>
+                <a:cs typeface="+mj-cs"/>
+              </a:defRPr>
+            </a:lvl1pPr>
+          </a:lstStyle>
+          <a:p>
+            <a:r>
+              <a:rPr lang="en-US" altLang="en-US" b="1" cap="none" dirty="0" err="1">
+                <a:solidFill>
+                  <a:srgbClr val="000000"/>
+                </a:solidFill>
+                <a:latin typeface="Courier New" panose="02070309020205020404" pitchFamily="49" charset="0"/>
+                <a:cs typeface="Courier New" panose="02070309020205020404" pitchFamily="49" charset="0"/>
+              </a:rPr>
+              <a:t>pvalue</a:t>
+            </a:r>
+            <a:r>
+              <a:rPr lang="en-US" altLang="en-US" b="1" cap="none" dirty="0">
+                <a:solidFill>
+                  <a:srgbClr val="000000"/>
+                </a:solidFill>
+                <a:latin typeface="Courier New" panose="02070309020205020404" pitchFamily="49" charset="0"/>
+                <a:cs typeface="Courier New" panose="02070309020205020404" pitchFamily="49" charset="0"/>
+              </a:rPr>
+              <a:t>=0.078</a:t>
+            </a:r>
+            <a:br>
+              <a:rPr lang="en-US" altLang="en-US" b="1" cap="none" dirty="0">
+                <a:solidFill>
+                  <a:srgbClr val="000000"/>
+                </a:solidFill>
+                <a:latin typeface="Courier New" panose="02070309020205020404" pitchFamily="49" charset="0"/>
+                <a:cs typeface="Courier New" panose="02070309020205020404" pitchFamily="49" charset="0"/>
+              </a:rPr>
+            </a:br>
+            <a:r>
+              <a:rPr lang="en-US" altLang="en-US" b="1" cap="none" dirty="0">
+                <a:solidFill>
+                  <a:srgbClr val="000000"/>
+                </a:solidFill>
+                <a:latin typeface="Courier New" panose="02070309020205020404" pitchFamily="49" charset="0"/>
+                <a:cs typeface="Courier New" panose="02070309020205020404" pitchFamily="49" charset="0"/>
+              </a:rPr>
+              <a:t>Not statistically significant </a:t>
+            </a:r>
+            <a:endParaRPr lang="en-US" b="1" dirty="0"/>
           </a:p>
         </p:txBody>
       </p:sp>
     </p:spTree>
     <p:extLst>
       <p:ext uri="{BB962C8B-B14F-4D97-AF65-F5344CB8AC3E}">
-        <p14:creationId xmlns:p14="http://schemas.microsoft.com/office/powerpoint/2010/main" val="1510953849"/>
+        <p14:creationId xmlns:p14="http://schemas.microsoft.com/office/powerpoint/2010/main" val="744379741"/>
       </p:ext>
     </p:extLst>
   </p:cSld>
@@ -9425,7 +10040,7 @@
           <p:cNvPr id="2" name="Title 1">
             <a:extLst>
               <a:ext uri="{FF2B5EF4-FFF2-40B4-BE49-F238E27FC236}">
-                <a16:creationId xmlns:a16="http://schemas.microsoft.com/office/drawing/2014/main" id="{103048E4-9922-B8F0-B1EB-9C96134ADA15}"/>
+                <a16:creationId xmlns:a16="http://schemas.microsoft.com/office/drawing/2014/main" id="{C19F7928-9684-B16D-7B3C-133E0C0ED97C}"/>
               </a:ext>
             </a:extLst>
           </p:cNvPr>
@@ -9438,449 +10053,150 @@
         </p:nvSpPr>
         <p:spPr/>
         <p:txBody>
-          <a:bodyPr/>
+          <a:bodyPr>
+            <a:normAutofit fontScale="90000"/>
+          </a:bodyPr>
           <a:lstStyle/>
           <a:p>
             <a:r>
-              <a:rPr lang="en-US" dirty="0" err="1"/>
-              <a:t>stats.ttest_ind</a:t>
-            </a:r>
-            <a:r>
-              <a:rPr lang="en-US" dirty="0"/>
-              <a:t>(</a:t>
-            </a:r>
-            <a:r>
-              <a:rPr lang="en-US" dirty="0" err="1"/>
-              <a:t>injury_per_year_df</a:t>
-            </a:r>
-            <a:r>
-              <a:rPr lang="en-US" dirty="0"/>
-              <a:t>["Offensive Injuries"], </a:t>
-            </a:r>
-            <a:r>
-              <a:rPr lang="en-US" dirty="0" err="1"/>
-              <a:t>injury_per_year_df</a:t>
-            </a:r>
-            <a:r>
-              <a:rPr lang="en-US" dirty="0"/>
-              <a:t>["Defensive Injuries"], </a:t>
-            </a:r>
-            <a:r>
-              <a:rPr lang="en-US" dirty="0" err="1"/>
-              <a:t>equal_var</a:t>
-            </a:r>
-            <a:r>
-              <a:rPr lang="en-US" dirty="0"/>
-              <a:t>=False)</a:t>
-            </a:r>
-          </a:p>
-        </p:txBody>
-      </p:sp>
-      <p:sp>
-        <p:nvSpPr>
-          <p:cNvPr id="4" name="Date Placeholder 3">
-            <a:extLst>
-              <a:ext uri="{FF2B5EF4-FFF2-40B4-BE49-F238E27FC236}">
-                <a16:creationId xmlns:a16="http://schemas.microsoft.com/office/drawing/2014/main" id="{4CA7CC48-D5D5-E1C9-9458-946E09CC93A3}"/>
-              </a:ext>
-            </a:extLst>
-          </p:cNvPr>
-          <p:cNvSpPr>
-            <a:spLocks noGrp="1"/>
-          </p:cNvSpPr>
-          <p:nvPr>
-            <p:ph type="dt" sz="half" idx="10"/>
-          </p:nvPr>
-        </p:nvSpPr>
-        <p:spPr/>
-        <p:txBody>
-          <a:bodyPr/>
-          <a:lstStyle/>
-          <a:p>
-            <a:r>
-              <a:rPr lang="en-US"/>
-              <a:t>20XX</a:t>
-            </a:r>
+              <a:rPr lang="en-US" b="1" i="0" dirty="0">
+                <a:solidFill>
+                  <a:srgbClr val="000000"/>
+                </a:solidFill>
+                <a:effectLst/>
+                <a:latin typeface="Helvetica Neue"/>
+              </a:rPr>
+              <a:t>Injury trend from 2012 to 2014 (Offense and Defense)</a:t>
+            </a:r>
+            <a:br>
+              <a:rPr lang="en-US" b="1" i="0" dirty="0">
+                <a:solidFill>
+                  <a:srgbClr val="000000"/>
+                </a:solidFill>
+                <a:effectLst/>
+                <a:latin typeface="Helvetica Neue"/>
+              </a:rPr>
+            </a:br>
             <a:endParaRPr lang="en-US" dirty="0"/>
           </a:p>
         </p:txBody>
       </p:sp>
-      <p:sp>
-        <p:nvSpPr>
-          <p:cNvPr id="5" name="Footer Placeholder 4">
-            <a:extLst>
-              <a:ext uri="{FF2B5EF4-FFF2-40B4-BE49-F238E27FC236}">
-                <a16:creationId xmlns:a16="http://schemas.microsoft.com/office/drawing/2014/main" id="{A79FCCAB-B1F9-EA44-7D6E-F3D47200D412}"/>
-              </a:ext>
-            </a:extLst>
-          </p:cNvPr>
-          <p:cNvSpPr>
-            <a:spLocks noGrp="1"/>
-          </p:cNvSpPr>
-          <p:nvPr>
-            <p:ph type="ftr" sz="quarter" idx="11"/>
-          </p:nvPr>
-        </p:nvSpPr>
-        <p:spPr/>
-        <p:txBody>
-          <a:bodyPr/>
-          <a:lstStyle/>
-          <a:p>
-            <a:r>
-              <a:rPr lang="en-US"/>
-              <a:t>PRESENTATION TITLE</a:t>
-            </a:r>
-            <a:endParaRPr lang="en-US" dirty="0"/>
-          </a:p>
-        </p:txBody>
-      </p:sp>
-      <p:sp>
-        <p:nvSpPr>
-          <p:cNvPr id="6" name="Slide Number Placeholder 5">
-            <a:extLst>
-              <a:ext uri="{FF2B5EF4-FFF2-40B4-BE49-F238E27FC236}">
-                <a16:creationId xmlns:a16="http://schemas.microsoft.com/office/drawing/2014/main" id="{A72F8FF9-1BD6-25F1-5DD6-38A2282DD555}"/>
-              </a:ext>
-            </a:extLst>
-          </p:cNvPr>
-          <p:cNvSpPr>
-            <a:spLocks noGrp="1"/>
-          </p:cNvSpPr>
-          <p:nvPr>
-            <p:ph type="sldNum" sz="quarter" idx="12"/>
-          </p:nvPr>
-        </p:nvSpPr>
-        <p:spPr/>
-        <p:txBody>
-          <a:bodyPr/>
-          <a:lstStyle/>
-          <a:p>
-            <a:fld id="{A49DFD55-3C28-40EF-9E31-A92D2E4017FF}" type="slidenum">
-              <a:rPr lang="en-US" smtClean="0"/>
-              <a:pPr/>
-              <a:t>15</a:t>
-            </a:fld>
-            <a:endParaRPr lang="en-US" dirty="0"/>
-          </a:p>
-        </p:txBody>
-      </p:sp>
-      <p:sp>
-        <p:nvSpPr>
-          <p:cNvPr id="7" name="Rectangle 1">
-            <a:extLst>
-              <a:ext uri="{FF2B5EF4-FFF2-40B4-BE49-F238E27FC236}">
-                <a16:creationId xmlns:a16="http://schemas.microsoft.com/office/drawing/2014/main" id="{2F62DF43-D604-99F3-2CE8-B823D49D8FB9}"/>
-              </a:ext>
-            </a:extLst>
-          </p:cNvPr>
-          <p:cNvSpPr>
-            <a:spLocks noGrp="1" noChangeArrowheads="1"/>
-          </p:cNvSpPr>
-          <p:nvPr>
-            <p:ph type="subTitle" idx="1"/>
-          </p:nvPr>
-        </p:nvSpPr>
-        <p:spPr bwMode="auto">
+      <p:pic>
+        <p:nvPicPr>
+          <p:cNvPr id="7" name="Content Placeholder 6">
+            <a:extLst>
+              <a:ext uri="{FF2B5EF4-FFF2-40B4-BE49-F238E27FC236}">
+                <a16:creationId xmlns:a16="http://schemas.microsoft.com/office/drawing/2014/main" id="{ED4A3AC4-71F3-A2B9-6CFF-240DE1723353}"/>
+              </a:ext>
+            </a:extLst>
+          </p:cNvPr>
+          <p:cNvPicPr>
+            <a:picLocks noGrp="1" noChangeAspect="1"/>
+          </p:cNvPicPr>
+          <p:nvPr>
+            <p:ph idx="1"/>
+          </p:nvPr>
+        </p:nvPicPr>
+        <p:blipFill>
+          <a:blip r:embed="rId2"/>
+          <a:stretch>
+            <a:fillRect/>
+          </a:stretch>
+        </p:blipFill>
+        <p:spPr>
+          <a:xfrm>
+            <a:off x="1451579" y="2156802"/>
+            <a:ext cx="4329106" cy="3449638"/>
+          </a:xfrm>
+        </p:spPr>
+      </p:pic>
+      <p:sp>
+        <p:nvSpPr>
+          <p:cNvPr id="8" name="TextBox 7">
+            <a:extLst>
+              <a:ext uri="{FF2B5EF4-FFF2-40B4-BE49-F238E27FC236}">
+                <a16:creationId xmlns:a16="http://schemas.microsoft.com/office/drawing/2014/main" id="{A55B2F8E-53DD-ACD3-5963-1213C486E48A}"/>
+              </a:ext>
+            </a:extLst>
+          </p:cNvPr>
+          <p:cNvSpPr txBox="1"/>
+          <p:nvPr/>
+        </p:nvSpPr>
+        <p:spPr>
+          <a:xfrm>
+            <a:off x="6576646" y="2549769"/>
+            <a:ext cx="4478208" cy="2446824"/>
+          </a:xfrm>
           <a:prstGeom prst="rect">
             <a:avLst/>
           </a:prstGeom>
           <a:noFill/>
-          <a:ln>
-            <a:noFill/>
-          </a:ln>
-          <a:effectLst/>
-          <a:extLst>
-            <a:ext uri="{909E8E84-426E-40DD-AFC4-6F175D3DCCD1}">
-              <a14:hiddenFill xmlns:a14="http://schemas.microsoft.com/office/drawing/2010/main">
-                <a:solidFill>
-                  <a:schemeClr val="accent1"/>
-                </a:solidFill>
-              </a14:hiddenFill>
-            </a:ext>
-            <a:ext uri="{91240B29-F687-4F45-9708-019B960494DF}">
-              <a14:hiddenLine xmlns:a14="http://schemas.microsoft.com/office/drawing/2010/main" w="9525">
-                <a:solidFill>
-                  <a:schemeClr val="tx1"/>
-                </a:solidFill>
-                <a:miter lim="800000"/>
-                <a:headEnd/>
-                <a:tailEnd/>
-              </a14:hiddenLine>
-            </a:ext>
-            <a:ext uri="{AF507438-7753-43E0-B8FC-AC1667EBCBE1}">
-              <a14:hiddenEffects xmlns:a14="http://schemas.microsoft.com/office/drawing/2010/main">
-                <a:effectLst>
-                  <a:outerShdw dist="35921" dir="2700000" algn="ctr" rotWithShape="0">
-                    <a:schemeClr val="bg2"/>
-                  </a:outerShdw>
-                </a:effectLst>
-              </a14:hiddenEffects>
-            </a:ext>
-          </a:extLst>
-        </p:spPr>
-        <p:txBody>
-          <a:bodyPr vert="horz" wrap="none" lIns="0" tIns="0" rIns="0" bIns="0" numCol="1" anchor="ctr" anchorCtr="0" compatLnSpc="1">
-            <a:prstTxWarp prst="textNoShape">
-              <a:avLst/>
-            </a:prstTxWarp>
+        </p:spPr>
+        <p:txBody>
+          <a:bodyPr wrap="square" rtlCol="0">
             <a:spAutoFit/>
           </a:bodyPr>
-          <a:lstStyle>
-            <a:lvl1pPr eaLnBrk="0" fontAlgn="base" hangingPunct="0">
-              <a:spcBef>
-                <a:spcPct val="0"/>
-              </a:spcBef>
-              <a:spcAft>
-                <a:spcPct val="0"/>
-              </a:spcAft>
-              <a:defRPr>
-                <a:solidFill>
-                  <a:schemeClr val="tx1"/>
-                </a:solidFill>
-                <a:latin typeface="Arial" panose="020B0604020202020204" pitchFamily="34" charset="0"/>
-              </a:defRPr>
-            </a:lvl1pPr>
-            <a:lvl2pPr eaLnBrk="0" fontAlgn="base" hangingPunct="0">
-              <a:spcBef>
-                <a:spcPct val="0"/>
-              </a:spcBef>
-              <a:spcAft>
-                <a:spcPct val="0"/>
-              </a:spcAft>
-              <a:defRPr>
-                <a:solidFill>
-                  <a:schemeClr val="tx1"/>
-                </a:solidFill>
-                <a:latin typeface="Arial" panose="020B0604020202020204" pitchFamily="34" charset="0"/>
-              </a:defRPr>
-            </a:lvl2pPr>
-            <a:lvl3pPr eaLnBrk="0" fontAlgn="base" hangingPunct="0">
-              <a:spcBef>
-                <a:spcPct val="0"/>
-              </a:spcBef>
-              <a:spcAft>
-                <a:spcPct val="0"/>
-              </a:spcAft>
-              <a:defRPr>
-                <a:solidFill>
-                  <a:schemeClr val="tx1"/>
-                </a:solidFill>
-                <a:latin typeface="Arial" panose="020B0604020202020204" pitchFamily="34" charset="0"/>
-              </a:defRPr>
-            </a:lvl3pPr>
-            <a:lvl4pPr eaLnBrk="0" fontAlgn="base" hangingPunct="0">
-              <a:spcBef>
-                <a:spcPct val="0"/>
-              </a:spcBef>
-              <a:spcAft>
-                <a:spcPct val="0"/>
-              </a:spcAft>
-              <a:defRPr>
-                <a:solidFill>
-                  <a:schemeClr val="tx1"/>
-                </a:solidFill>
-                <a:latin typeface="Arial" panose="020B0604020202020204" pitchFamily="34" charset="0"/>
-              </a:defRPr>
-            </a:lvl4pPr>
-            <a:lvl5pPr eaLnBrk="0" fontAlgn="base" hangingPunct="0">
-              <a:spcBef>
-                <a:spcPct val="0"/>
-              </a:spcBef>
-              <a:spcAft>
-                <a:spcPct val="0"/>
-              </a:spcAft>
-              <a:defRPr>
-                <a:solidFill>
-                  <a:schemeClr val="tx1"/>
-                </a:solidFill>
-                <a:latin typeface="Arial" panose="020B0604020202020204" pitchFamily="34" charset="0"/>
-              </a:defRPr>
-            </a:lvl5pPr>
-            <a:lvl6pPr eaLnBrk="0" fontAlgn="base" hangingPunct="0">
-              <a:spcBef>
-                <a:spcPct val="0"/>
-              </a:spcBef>
-              <a:spcAft>
-                <a:spcPct val="0"/>
-              </a:spcAft>
-              <a:defRPr>
-                <a:solidFill>
-                  <a:schemeClr val="tx1"/>
-                </a:solidFill>
-                <a:latin typeface="Arial" panose="020B0604020202020204" pitchFamily="34" charset="0"/>
-              </a:defRPr>
-            </a:lvl6pPr>
-            <a:lvl7pPr eaLnBrk="0" fontAlgn="base" hangingPunct="0">
-              <a:spcBef>
-                <a:spcPct val="0"/>
-              </a:spcBef>
-              <a:spcAft>
-                <a:spcPct val="0"/>
-              </a:spcAft>
-              <a:defRPr>
-                <a:solidFill>
-                  <a:schemeClr val="tx1"/>
-                </a:solidFill>
-                <a:latin typeface="Arial" panose="020B0604020202020204" pitchFamily="34" charset="0"/>
-              </a:defRPr>
-            </a:lvl7pPr>
-            <a:lvl8pPr eaLnBrk="0" fontAlgn="base" hangingPunct="0">
-              <a:spcBef>
-                <a:spcPct val="0"/>
-              </a:spcBef>
-              <a:spcAft>
-                <a:spcPct val="0"/>
-              </a:spcAft>
-              <a:defRPr>
-                <a:solidFill>
-                  <a:schemeClr val="tx1"/>
-                </a:solidFill>
-                <a:latin typeface="Arial" panose="020B0604020202020204" pitchFamily="34" charset="0"/>
-              </a:defRPr>
-            </a:lvl8pPr>
-            <a:lvl9pPr eaLnBrk="0" fontAlgn="base" hangingPunct="0">
-              <a:spcBef>
-                <a:spcPct val="0"/>
-              </a:spcBef>
-              <a:spcAft>
-                <a:spcPct val="0"/>
-              </a:spcAft>
-              <a:defRPr>
-                <a:solidFill>
-                  <a:schemeClr val="tx1"/>
-                </a:solidFill>
-                <a:latin typeface="Arial" panose="020B0604020202020204" pitchFamily="34" charset="0"/>
-              </a:defRPr>
-            </a:lvl9pPr>
-          </a:lstStyle>
-          <a:p>
-            <a:pPr marL="0" marR="0" lvl="0" indent="0" algn="l" defTabSz="914400" rtl="0" eaLnBrk="0" fontAlgn="base" latinLnBrk="0" hangingPunct="0">
+          <a:lstStyle/>
+          <a:p>
+            <a:pPr marL="285750" indent="-285750">
               <a:lnSpc>
-                <a:spcPct val="100000"/>
+                <a:spcPct val="150000"/>
               </a:lnSpc>
-              <a:spcBef>
-                <a:spcPct val="0"/>
-              </a:spcBef>
-              <a:spcAft>
-                <a:spcPct val="0"/>
-              </a:spcAft>
-              <a:buClrTx/>
-              <a:buSzTx/>
-              <a:buFontTx/>
-              <a:buNone/>
-              <a:tabLst/>
+              <a:buFont typeface="Arial" panose="020B0604020202020204" pitchFamily="34" charset="0"/>
+              <a:buChar char="•"/>
             </a:pPr>
             <a:r>
-              <a:rPr kumimoji="0" lang="en-US" altLang="en-US" sz="1000" b="0" i="0" u="none" strike="noStrike" cap="none" normalizeH="0" baseline="0">
-                <a:ln>
-                  <a:noFill/>
-                </a:ln>
-                <a:solidFill>
-                  <a:srgbClr val="000000"/>
-                </a:solidFill>
-                <a:effectLst/>
-                <a:latin typeface="Courier New" panose="02070309020205020404" pitchFamily="49" charset="0"/>
-                <a:cs typeface="Courier New" panose="02070309020205020404" pitchFamily="49" charset="0"/>
-              </a:rPr>
-              <a:t>Ttest_indResult(statistic=0.3639356095616046, pvalue=0.7393726990881611)</a:t>
-            </a:r>
-            <a:endParaRPr kumimoji="0" lang="en-US" altLang="en-US" sz="800" b="0" i="0" u="none" strike="noStrike" cap="none" normalizeH="0" baseline="0">
-              <a:ln>
-                <a:noFill/>
-              </a:ln>
-              <a:solidFill>
-                <a:schemeClr val="tx1"/>
-              </a:solidFill>
-              <a:effectLst/>
-            </a:endParaRPr>
-          </a:p>
-          <a:p>
-            <a:pPr marL="0" marR="0" lvl="0" indent="0" algn="l" defTabSz="914400" rtl="0" eaLnBrk="0" fontAlgn="base" latinLnBrk="0" hangingPunct="0">
+              <a:rPr lang="en-US" dirty="0"/>
+              <a:t>NFL player safety are given emphasis</a:t>
+            </a:r>
+          </a:p>
+          <a:p>
+            <a:pPr marL="285750" indent="-285750">
               <a:lnSpc>
-                <a:spcPct val="100000"/>
+                <a:spcPct val="150000"/>
               </a:lnSpc>
-              <a:spcBef>
-                <a:spcPct val="0"/>
-              </a:spcBef>
-              <a:spcAft>
-                <a:spcPct val="0"/>
-              </a:spcAft>
-              <a:buClrTx/>
-              <a:buSzTx/>
-              <a:buFontTx/>
-              <a:buNone/>
-              <a:tabLst/>
+              <a:buFont typeface="Arial" panose="020B0604020202020204" pitchFamily="34" charset="0"/>
+              <a:buChar char="•"/>
             </a:pPr>
             <a:r>
-              <a:rPr kumimoji="0" lang="en-US" altLang="en-US" sz="1000" b="0" i="0" u="none" strike="noStrike" cap="none" normalizeH="0" baseline="0">
-                <a:ln>
-                  <a:noFill/>
-                </a:ln>
-                <a:solidFill>
-                  <a:srgbClr val="303F9F"/>
-                </a:solidFill>
-                <a:effectLst/>
-                <a:latin typeface="Courier New" panose="02070309020205020404" pitchFamily="49" charset="0"/>
-                <a:cs typeface="Courier New" panose="02070309020205020404" pitchFamily="49" charset="0"/>
-              </a:rPr>
-              <a:t>In [55]:</a:t>
-            </a:r>
-            <a:endParaRPr kumimoji="0" lang="en-US" altLang="en-US" sz="1000" b="0" i="0" u="none" strike="noStrike" cap="none" normalizeH="0" baseline="0">
-              <a:ln>
-                <a:noFill/>
-              </a:ln>
-              <a:solidFill>
-                <a:srgbClr val="000000"/>
-              </a:solidFill>
-              <a:effectLst/>
-              <a:latin typeface="Helvetica Neue"/>
-            </a:endParaRPr>
-          </a:p>
-          <a:p>
-            <a:pPr marL="0" marR="0" lvl="0" indent="0" algn="l" defTabSz="914400" rtl="0" eaLnBrk="0" fontAlgn="base" latinLnBrk="0" hangingPunct="0">
+              <a:rPr lang="en-US" dirty="0"/>
+              <a:t>NFL Game Day Concussion Diagnosis and Management Protocol in 2011</a:t>
+            </a:r>
+          </a:p>
+          <a:p>
+            <a:pPr marL="285750" indent="-285750">
               <a:lnSpc>
-                <a:spcPct val="100000"/>
+                <a:spcPct val="150000"/>
               </a:lnSpc>
-              <a:spcBef>
-                <a:spcPct val="0"/>
-              </a:spcBef>
-              <a:spcAft>
-                <a:spcPct val="0"/>
-              </a:spcAft>
-              <a:buClrTx/>
-              <a:buSzTx/>
-              <a:buFontTx/>
-              <a:buNone/>
-              <a:tabLst/>
+              <a:buFont typeface="Arial" panose="020B0604020202020204" pitchFamily="34" charset="0"/>
+              <a:buChar char="•"/>
             </a:pPr>
-            <a:br>
-              <a:rPr kumimoji="0" lang="en-US" altLang="en-US" sz="800" b="0" i="0" u="none" strike="noStrike" cap="none" normalizeH="0" baseline="0">
-                <a:ln>
-                  <a:noFill/>
-                </a:ln>
-                <a:solidFill>
-                  <a:schemeClr val="tx1"/>
-                </a:solidFill>
-                <a:effectLst/>
-              </a:rPr>
-            </a:br>
-            <a:endParaRPr kumimoji="0" lang="en-US" altLang="en-US" sz="1800" b="0" i="0" u="none" strike="noStrike" cap="none" normalizeH="0" baseline="0">
-              <a:ln>
-                <a:noFill/>
-              </a:ln>
-              <a:solidFill>
-                <a:schemeClr val="tx1"/>
-              </a:solidFill>
-              <a:effectLst/>
-              <a:latin typeface="Arial" panose="020B0604020202020204" pitchFamily="34" charset="0"/>
-            </a:endParaRPr>
+            <a:r>
+              <a:rPr lang="en-US" dirty="0"/>
+              <a:t>The protocol is reviewed annually</a:t>
+            </a:r>
+          </a:p>
+          <a:p>
+            <a:pPr>
+              <a:lnSpc>
+                <a:spcPct val="150000"/>
+              </a:lnSpc>
+            </a:pPr>
+            <a:endParaRPr lang="en-US" dirty="0"/>
+          </a:p>
+          <a:p>
+            <a:pPr marL="285750" indent="-285750">
+              <a:buFont typeface="Arial" panose="020B0604020202020204" pitchFamily="34" charset="0"/>
+              <a:buChar char="•"/>
+            </a:pPr>
+            <a:endParaRPr lang="en-US" dirty="0"/>
           </a:p>
         </p:txBody>
       </p:sp>
     </p:spTree>
     <p:extLst>
       <p:ext uri="{BB962C8B-B14F-4D97-AF65-F5344CB8AC3E}">
-        <p14:creationId xmlns:p14="http://schemas.microsoft.com/office/powerpoint/2010/main" val="1767379427"/>
+        <p14:creationId xmlns:p14="http://schemas.microsoft.com/office/powerpoint/2010/main" val="1510953849"/>
       </p:ext>
     </p:extLst>
   </p:cSld>
@@ -9912,7 +10228,7 @@
           <p:cNvPr id="2" name="Title 1">
             <a:extLst>
               <a:ext uri="{FF2B5EF4-FFF2-40B4-BE49-F238E27FC236}">
-                <a16:creationId xmlns:a16="http://schemas.microsoft.com/office/drawing/2014/main" id="{7F784D23-7F2C-CBF4-E87B-0167058F843E}"/>
+                <a16:creationId xmlns:a16="http://schemas.microsoft.com/office/drawing/2014/main" id="{103048E4-9922-B8F0-B1EB-9C96134ADA15}"/>
               </a:ext>
             </a:extLst>
           </p:cNvPr>
@@ -9921,6 +10237,41 @@
           </p:cNvSpPr>
           <p:nvPr>
             <p:ph type="title"/>
+          </p:nvPr>
+        </p:nvSpPr>
+        <p:spPr>
+          <a:xfrm>
+            <a:off x="2013805" y="972997"/>
+            <a:ext cx="8421688" cy="1325563"/>
+          </a:xfrm>
+        </p:spPr>
+        <p:txBody>
+          <a:bodyPr>
+            <a:normAutofit/>
+          </a:bodyPr>
+          <a:lstStyle/>
+          <a:p>
+            <a:r>
+              <a:rPr lang="en-US" dirty="0"/>
+              <a:t>Do offensive or defensive players have more injuries?</a:t>
+            </a:r>
+          </a:p>
+        </p:txBody>
+      </p:sp>
+      <p:sp>
+        <p:nvSpPr>
+          <p:cNvPr id="4" name="Date Placeholder 3">
+            <a:extLst>
+              <a:ext uri="{FF2B5EF4-FFF2-40B4-BE49-F238E27FC236}">
+                <a16:creationId xmlns:a16="http://schemas.microsoft.com/office/drawing/2014/main" id="{4CA7CC48-D5D5-E1C9-9458-946E09CC93A3}"/>
+              </a:ext>
+            </a:extLst>
+          </p:cNvPr>
+          <p:cNvSpPr>
+            <a:spLocks noGrp="1"/>
+          </p:cNvSpPr>
+          <p:nvPr>
+            <p:ph type="dt" sz="half" idx="10"/>
           </p:nvPr>
         </p:nvSpPr>
         <p:spPr/>
@@ -9930,25 +10281,26 @@
           <a:p>
             <a:r>
               <a:rPr lang="en-US"/>
-              <a:t>Daniel’s info here</a:t>
-            </a:r>
-          </a:p>
-        </p:txBody>
-      </p:sp>
-      <p:sp>
-        <p:nvSpPr>
-          <p:cNvPr id="3" name="Subtitle 2">
-            <a:extLst>
-              <a:ext uri="{FF2B5EF4-FFF2-40B4-BE49-F238E27FC236}">
-                <a16:creationId xmlns:a16="http://schemas.microsoft.com/office/drawing/2014/main" id="{9C9505D0-8726-53C1-305D-A0F0B38D4B85}"/>
-              </a:ext>
-            </a:extLst>
-          </p:cNvPr>
-          <p:cNvSpPr>
-            <a:spLocks noGrp="1"/>
-          </p:cNvSpPr>
-          <p:nvPr>
-            <p:ph type="subTitle" idx="1"/>
+              <a:t>20XX</a:t>
+            </a:r>
+            <a:endParaRPr lang="en-US" dirty="0"/>
+          </a:p>
+        </p:txBody>
+      </p:sp>
+      <p:sp>
+        <p:nvSpPr>
+          <p:cNvPr id="5" name="Footer Placeholder 4">
+            <a:extLst>
+              <a:ext uri="{FF2B5EF4-FFF2-40B4-BE49-F238E27FC236}">
+                <a16:creationId xmlns:a16="http://schemas.microsoft.com/office/drawing/2014/main" id="{A79FCCAB-B1F9-EA44-7D6E-F3D47200D412}"/>
+              </a:ext>
+            </a:extLst>
+          </p:cNvPr>
+          <p:cNvSpPr>
+            <a:spLocks noGrp="1"/>
+          </p:cNvSpPr>
+          <p:nvPr>
+            <p:ph type="ftr" sz="quarter" idx="11"/>
           </p:nvPr>
         </p:nvSpPr>
         <p:spPr/>
@@ -9956,14 +10308,221 @@
           <a:bodyPr/>
           <a:lstStyle/>
           <a:p>
-            <a:endParaRPr lang="en-US"/>
+            <a:r>
+              <a:rPr lang="en-US"/>
+              <a:t>PRESENTATION TITLE</a:t>
+            </a:r>
+            <a:endParaRPr lang="en-US" dirty="0"/>
+          </a:p>
+        </p:txBody>
+      </p:sp>
+      <p:sp>
+        <p:nvSpPr>
+          <p:cNvPr id="6" name="Slide Number Placeholder 5">
+            <a:extLst>
+              <a:ext uri="{FF2B5EF4-FFF2-40B4-BE49-F238E27FC236}">
+                <a16:creationId xmlns:a16="http://schemas.microsoft.com/office/drawing/2014/main" id="{A72F8FF9-1BD6-25F1-5DD6-38A2282DD555}"/>
+              </a:ext>
+            </a:extLst>
+          </p:cNvPr>
+          <p:cNvSpPr>
+            <a:spLocks noGrp="1"/>
+          </p:cNvSpPr>
+          <p:nvPr>
+            <p:ph type="sldNum" sz="quarter" idx="12"/>
+          </p:nvPr>
+        </p:nvSpPr>
+        <p:spPr/>
+        <p:txBody>
+          <a:bodyPr/>
+          <a:lstStyle/>
+          <a:p>
+            <a:fld id="{A49DFD55-3C28-40EF-9E31-A92D2E4017FF}" type="slidenum">
+              <a:rPr lang="en-US" smtClean="0"/>
+              <a:pPr/>
+              <a:t>16</a:t>
+            </a:fld>
+            <a:endParaRPr lang="en-US" dirty="0"/>
+          </a:p>
+        </p:txBody>
+      </p:sp>
+      <p:sp>
+        <p:nvSpPr>
+          <p:cNvPr id="9" name="TextBox 8">
+            <a:extLst>
+              <a:ext uri="{FF2B5EF4-FFF2-40B4-BE49-F238E27FC236}">
+                <a16:creationId xmlns:a16="http://schemas.microsoft.com/office/drawing/2014/main" id="{2557849D-3D10-30B3-AA27-9B0DFA8B9E51}"/>
+              </a:ext>
+            </a:extLst>
+          </p:cNvPr>
+          <p:cNvSpPr txBox="1"/>
+          <p:nvPr/>
+        </p:nvSpPr>
+        <p:spPr>
+          <a:xfrm>
+            <a:off x="756920" y="2298560"/>
+            <a:ext cx="10678160" cy="1754326"/>
+          </a:xfrm>
+          <a:prstGeom prst="rect">
+            <a:avLst/>
+          </a:prstGeom>
+          <a:noFill/>
+        </p:spPr>
+        <p:txBody>
+          <a:bodyPr wrap="square">
+            <a:spAutoFit/>
+          </a:bodyPr>
+          <a:lstStyle/>
+          <a:p>
+            <a:pPr algn="ctr"/>
+            <a:r>
+              <a:rPr lang="en-US" dirty="0"/>
+              <a:t>Statistical Test:</a:t>
+            </a:r>
+          </a:p>
+          <a:p>
+            <a:pPr marL="285750" indent="-285750">
+              <a:buFont typeface="Arial" panose="020B0604020202020204" pitchFamily="34" charset="0"/>
+              <a:buChar char="•"/>
+            </a:pPr>
+            <a:r>
+              <a:rPr lang="en-US" dirty="0"/>
+              <a:t>H</a:t>
+            </a:r>
+            <a:r>
+              <a:rPr lang="en-US" sz="900" dirty="0"/>
+              <a:t>o</a:t>
+            </a:r>
+            <a:r>
+              <a:rPr lang="en-US" dirty="0"/>
+              <a:t>: If offensive and defensive players are as susceptible to injury, then there will not be a difference in mean number injuries received over the three seasons of play between offense and defense.</a:t>
+            </a:r>
+          </a:p>
+          <a:p>
+            <a:pPr marL="285750" indent="-285750">
+              <a:buFont typeface="Arial" panose="020B0604020202020204" pitchFamily="34" charset="0"/>
+              <a:buChar char="•"/>
+            </a:pPr>
+            <a:r>
+              <a:rPr lang="en-US" dirty="0"/>
+              <a:t>H</a:t>
+            </a:r>
+            <a:r>
+              <a:rPr lang="en-US" sz="900" dirty="0"/>
+              <a:t>a</a:t>
+            </a:r>
+            <a:r>
+              <a:rPr lang="en-US" dirty="0"/>
+              <a:t> If offensive and defensive players are not as susceptible to injury, then there will be a difference in mean number injuries received over the three seasons of play between offense and defense.</a:t>
+            </a:r>
+          </a:p>
+          <a:p>
+            <a:pPr marL="285750" indent="-285750">
+              <a:buFont typeface="Arial" panose="020B0604020202020204" pitchFamily="34" charset="0"/>
+              <a:buChar char="•"/>
+            </a:pPr>
+            <a:r>
+              <a:rPr lang="en-US" dirty="0"/>
+              <a:t>Independent t-test</a:t>
+            </a:r>
+          </a:p>
+        </p:txBody>
+      </p:sp>
+      <p:sp>
+        <p:nvSpPr>
+          <p:cNvPr id="18" name="Title 1">
+            <a:extLst>
+              <a:ext uri="{FF2B5EF4-FFF2-40B4-BE49-F238E27FC236}">
+                <a16:creationId xmlns:a16="http://schemas.microsoft.com/office/drawing/2014/main" id="{ECB4EA3C-1388-8E32-2751-FDAFE18AD909}"/>
+              </a:ext>
+            </a:extLst>
+          </p:cNvPr>
+          <p:cNvSpPr txBox="1">
+            <a:spLocks/>
+          </p:cNvSpPr>
+          <p:nvPr/>
+        </p:nvSpPr>
+        <p:spPr>
+          <a:xfrm>
+            <a:off x="1660869" y="4237917"/>
+            <a:ext cx="8421688" cy="1325563"/>
+          </a:xfrm>
+          <a:prstGeom prst="rect">
+            <a:avLst/>
+          </a:prstGeom>
+        </p:spPr>
+        <p:txBody>
+          <a:bodyPr vert="horz" lIns="91440" tIns="45720" rIns="91440" bIns="45720" rtlCol="0" anchor="t">
+            <a:normAutofit/>
+          </a:bodyPr>
+          <a:lstStyle>
+            <a:lvl1pPr algn="ctr" defTabSz="914400" rtl="0" eaLnBrk="1" latinLnBrk="0" hangingPunct="1">
+              <a:lnSpc>
+                <a:spcPct val="90000"/>
+              </a:lnSpc>
+              <a:spcBef>
+                <a:spcPct val="0"/>
+              </a:spcBef>
+              <a:buNone/>
+              <a:defRPr lang="en-US" sz="2800" b="0" i="0" kern="1200" cap="all" spc="150" baseline="0" dirty="0">
+                <a:solidFill>
+                  <a:schemeClr val="tx1"/>
+                </a:solidFill>
+                <a:effectLst/>
+                <a:latin typeface="+mj-lt"/>
+                <a:ea typeface="+mj-ea"/>
+                <a:cs typeface="+mj-cs"/>
+              </a:defRPr>
+            </a:lvl1pPr>
+          </a:lstStyle>
+          <a:p>
+            <a:r>
+              <a:rPr lang="en-US" altLang="en-US" b="1" cap="none" dirty="0" err="1">
+                <a:solidFill>
+                  <a:srgbClr val="000000"/>
+                </a:solidFill>
+                <a:latin typeface="Courier New" panose="02070309020205020404" pitchFamily="49" charset="0"/>
+                <a:cs typeface="Courier New" panose="02070309020205020404" pitchFamily="49" charset="0"/>
+              </a:rPr>
+              <a:t>pvalue</a:t>
+            </a:r>
+            <a:r>
+              <a:rPr lang="en-US" altLang="en-US" b="1" cap="none" dirty="0">
+                <a:solidFill>
+                  <a:srgbClr val="000000"/>
+                </a:solidFill>
+                <a:latin typeface="Courier New" panose="02070309020205020404" pitchFamily="49" charset="0"/>
+                <a:cs typeface="Courier New" panose="02070309020205020404" pitchFamily="49" charset="0"/>
+              </a:rPr>
+              <a:t>=0.74</a:t>
+            </a:r>
+            <a:br>
+              <a:rPr lang="en-US" altLang="en-US" b="1" cap="none" dirty="0">
+                <a:solidFill>
+                  <a:srgbClr val="000000"/>
+                </a:solidFill>
+                <a:latin typeface="Courier New" panose="02070309020205020404" pitchFamily="49" charset="0"/>
+                <a:cs typeface="Courier New" panose="02070309020205020404" pitchFamily="49" charset="0"/>
+              </a:rPr>
+            </a:br>
+            <a:r>
+              <a:rPr lang="en-US" altLang="en-US" b="1" cap="none" dirty="0">
+                <a:solidFill>
+                  <a:srgbClr val="000000"/>
+                </a:solidFill>
+                <a:latin typeface="Courier New" panose="02070309020205020404" pitchFamily="49" charset="0"/>
+                <a:cs typeface="Courier New" panose="02070309020205020404" pitchFamily="49" charset="0"/>
+              </a:rPr>
+              <a:t>Not statistically significant</a:t>
+            </a:r>
+            <a:endParaRPr lang="en-US" b="1" dirty="0"/>
           </a:p>
         </p:txBody>
       </p:sp>
     </p:spTree>
     <p:extLst>
       <p:ext uri="{BB962C8B-B14F-4D97-AF65-F5344CB8AC3E}">
-        <p14:creationId xmlns:p14="http://schemas.microsoft.com/office/powerpoint/2010/main" val="1348407762"/>
+        <p14:creationId xmlns:p14="http://schemas.microsoft.com/office/powerpoint/2010/main" val="1767379427"/>
       </p:ext>
     </p:extLst>
   </p:cSld>
@@ -9995,7 +10554,7 @@
           <p:cNvPr id="2" name="Title 1">
             <a:extLst>
               <a:ext uri="{FF2B5EF4-FFF2-40B4-BE49-F238E27FC236}">
-                <a16:creationId xmlns:a16="http://schemas.microsoft.com/office/drawing/2014/main" id="{D8C2F6DA-E9AC-C22F-F3D6-D3E74A0DA208}"/>
+                <a16:creationId xmlns:a16="http://schemas.microsoft.com/office/drawing/2014/main" id="{0A32731C-311B-46F7-A865-6C3AF6B09A47}"/>
               </a:ext>
             </a:extLst>
           </p:cNvPr>
@@ -10006,282 +10565,150 @@
             <p:ph type="title"/>
           </p:nvPr>
         </p:nvSpPr>
-        <p:spPr/>
+        <p:spPr>
+          <a:xfrm>
+            <a:off x="1362075" y="1671639"/>
+            <a:ext cx="5111750" cy="1204912"/>
+          </a:xfrm>
+        </p:spPr>
+        <p:txBody>
+          <a:bodyPr>
+            <a:normAutofit/>
+          </a:bodyPr>
+          <a:lstStyle/>
+          <a:p>
+            <a:r>
+              <a:rPr lang="en-US" dirty="0"/>
+              <a:t>Win or Lose?</a:t>
+            </a:r>
+          </a:p>
+        </p:txBody>
+      </p:sp>
+      <p:sp>
+        <p:nvSpPr>
+          <p:cNvPr id="4" name="Date Placeholder 3">
+            <a:extLst>
+              <a:ext uri="{FF2B5EF4-FFF2-40B4-BE49-F238E27FC236}">
+                <a16:creationId xmlns:a16="http://schemas.microsoft.com/office/drawing/2014/main" id="{70E12647-CCB2-45E2-A9CB-A868F490497E}"/>
+              </a:ext>
+            </a:extLst>
+          </p:cNvPr>
+          <p:cNvSpPr>
+            <a:spLocks noGrp="1"/>
+          </p:cNvSpPr>
+          <p:nvPr>
+            <p:ph type="dt" sz="half" idx="10"/>
+          </p:nvPr>
+        </p:nvSpPr>
+        <p:spPr>
+          <a:xfrm>
+            <a:off x="838200" y="6356350"/>
+            <a:ext cx="1219200" cy="365125"/>
+          </a:xfrm>
+        </p:spPr>
         <p:txBody>
           <a:bodyPr/>
           <a:lstStyle/>
           <a:p>
             <a:r>
               <a:rPr lang="en-US" dirty="0"/>
-              <a:t>conclusion</a:t>
-            </a:r>
-          </a:p>
-        </p:txBody>
-      </p:sp>
-      <p:sp>
-        <p:nvSpPr>
-          <p:cNvPr id="3" name="Text Placeholder 2">
-            <a:extLst>
-              <a:ext uri="{FF2B5EF4-FFF2-40B4-BE49-F238E27FC236}">
-                <a16:creationId xmlns:a16="http://schemas.microsoft.com/office/drawing/2014/main" id="{D851C395-6BC4-4F00-B40B-069DBBB7C08B}"/>
-              </a:ext>
-            </a:extLst>
-          </p:cNvPr>
-          <p:cNvSpPr>
-            <a:spLocks noGrp="1"/>
-          </p:cNvSpPr>
-          <p:nvPr>
-            <p:ph type="body" idx="4294967295"/>
-          </p:nvPr>
-        </p:nvSpPr>
-        <p:spPr>
-          <a:xfrm>
-            <a:off x="192142" y="2267582"/>
-            <a:ext cx="2882900" cy="384175"/>
-          </a:xfrm>
-        </p:spPr>
-        <p:txBody>
-          <a:bodyPr>
-            <a:normAutofit fontScale="92500" lnSpcReduction="20000"/>
-          </a:bodyPr>
+              <a:t>20XX</a:t>
+            </a:r>
+          </a:p>
+        </p:txBody>
+      </p:sp>
+      <p:sp>
+        <p:nvSpPr>
+          <p:cNvPr id="5" name="Footer Placeholder 4">
+            <a:extLst>
+              <a:ext uri="{FF2B5EF4-FFF2-40B4-BE49-F238E27FC236}">
+                <a16:creationId xmlns:a16="http://schemas.microsoft.com/office/drawing/2014/main" id="{8D51ED20-04D4-4894-B0C2-9C541A61A734}"/>
+              </a:ext>
+            </a:extLst>
+          </p:cNvPr>
+          <p:cNvSpPr>
+            <a:spLocks noGrp="1"/>
+          </p:cNvSpPr>
+          <p:nvPr>
+            <p:ph type="ftr" sz="quarter" idx="11"/>
+          </p:nvPr>
+        </p:nvSpPr>
+        <p:spPr>
+          <a:xfrm>
+            <a:off x="2463800" y="6356350"/>
+            <a:ext cx="3479800" cy="365125"/>
+          </a:xfrm>
+        </p:spPr>
+        <p:txBody>
+          <a:bodyPr/>
           <a:lstStyle/>
           <a:p>
             <a:r>
               <a:rPr lang="en-US" dirty="0"/>
-              <a:t>Further Research</a:t>
-            </a:r>
-          </a:p>
-        </p:txBody>
-      </p:sp>
-      <p:sp>
-        <p:nvSpPr>
-          <p:cNvPr id="4" name="Content Placeholder 3">
-            <a:extLst>
-              <a:ext uri="{FF2B5EF4-FFF2-40B4-BE49-F238E27FC236}">
-                <a16:creationId xmlns:a16="http://schemas.microsoft.com/office/drawing/2014/main" id="{A1D16151-9486-4A03-AE3A-F1CC562E0564}"/>
-              </a:ext>
-            </a:extLst>
-          </p:cNvPr>
-          <p:cNvSpPr>
-            <a:spLocks noGrp="1"/>
-          </p:cNvSpPr>
-          <p:nvPr>
-            <p:ph sz="half" idx="4294967295"/>
-          </p:nvPr>
-        </p:nvSpPr>
-        <p:spPr>
-          <a:xfrm>
-            <a:off x="192142" y="3065585"/>
-            <a:ext cx="5680022" cy="1412875"/>
-          </a:xfrm>
-        </p:spPr>
-        <p:txBody>
-          <a:bodyPr>
-            <a:normAutofit fontScale="70000" lnSpcReduction="20000"/>
-          </a:bodyPr>
+              <a:t>PRESENTATION TITLE</a:t>
+            </a:r>
+          </a:p>
+        </p:txBody>
+      </p:sp>
+      <p:sp>
+        <p:nvSpPr>
+          <p:cNvPr id="6" name="Slide Number Placeholder 5">
+            <a:extLst>
+              <a:ext uri="{FF2B5EF4-FFF2-40B4-BE49-F238E27FC236}">
+                <a16:creationId xmlns:a16="http://schemas.microsoft.com/office/drawing/2014/main" id="{7BC1787E-7110-4989-B0B8-DD4E0ACC09DF}"/>
+              </a:ext>
+            </a:extLst>
+          </p:cNvPr>
+          <p:cNvSpPr>
+            <a:spLocks noGrp="1"/>
+          </p:cNvSpPr>
+          <p:nvPr>
+            <p:ph type="sldNum" sz="quarter" idx="12"/>
+          </p:nvPr>
+        </p:nvSpPr>
+        <p:spPr>
+          <a:xfrm>
+            <a:off x="8610600" y="6356350"/>
+            <a:ext cx="2743200" cy="365125"/>
+          </a:xfrm>
+        </p:spPr>
+        <p:txBody>
+          <a:bodyPr/>
           <a:lstStyle/>
           <a:p>
-            <a:pPr marL="285750" indent="-285750">
-              <a:buFont typeface="Arial" panose="020B0604020202020204" pitchFamily="34" charset="0"/>
-              <a:buChar char="•"/>
-            </a:pPr>
-            <a:r>
-              <a:rPr lang="en-US" dirty="0"/>
-              <a:t>Increases size of dataset</a:t>
-            </a:r>
-          </a:p>
-          <a:p>
-            <a:pPr marL="742950" lvl="1" indent="-285750">
-              <a:buFont typeface="Arial" panose="020B0604020202020204" pitchFamily="34" charset="0"/>
-              <a:buChar char="•"/>
-            </a:pPr>
-            <a:r>
-              <a:rPr lang="en-US" dirty="0"/>
-              <a:t>Original dataset is small</a:t>
-            </a:r>
-          </a:p>
-          <a:p>
-            <a:pPr marL="285750" indent="-285750">
-              <a:buFont typeface="Arial" panose="020B0604020202020204" pitchFamily="34" charset="0"/>
-              <a:buChar char="•"/>
-            </a:pPr>
-            <a:r>
-              <a:rPr lang="en-US" dirty="0"/>
-              <a:t>Determine number of players with head injuries </a:t>
-            </a:r>
-          </a:p>
-          <a:p>
-            <a:pPr marL="285750" indent="-285750">
-              <a:buFont typeface="Arial" panose="020B0604020202020204" pitchFamily="34" charset="0"/>
-              <a:buChar char="•"/>
-            </a:pPr>
-            <a:r>
-              <a:rPr lang="en-US" dirty="0"/>
-              <a:t>See if there was a NFL change in 2014 that decreased head injuries</a:t>
-            </a:r>
-          </a:p>
-        </p:txBody>
-      </p:sp>
-      <p:sp>
-        <p:nvSpPr>
-          <p:cNvPr id="5" name="Text Placeholder 4">
-            <a:extLst>
-              <a:ext uri="{FF2B5EF4-FFF2-40B4-BE49-F238E27FC236}">
-                <a16:creationId xmlns:a16="http://schemas.microsoft.com/office/drawing/2014/main" id="{DDE59236-37DD-4582-A2A0-3F9A13A3B55D}"/>
-              </a:ext>
-            </a:extLst>
-          </p:cNvPr>
-          <p:cNvSpPr>
-            <a:spLocks noGrp="1"/>
-          </p:cNvSpPr>
-          <p:nvPr>
-            <p:ph type="body" sz="quarter" idx="4294967295"/>
-          </p:nvPr>
-        </p:nvSpPr>
-        <p:spPr>
-          <a:xfrm>
-            <a:off x="5872164" y="2240595"/>
-            <a:ext cx="2897187" cy="411162"/>
-          </a:xfrm>
-        </p:spPr>
-        <p:txBody>
-          <a:bodyPr>
-            <a:normAutofit lnSpcReduction="10000"/>
-          </a:bodyPr>
+            <a:fld id="{A49DFD55-3C28-40EF-9E31-A92D2E4017FF}" type="slidenum">
+              <a:rPr lang="en-US" smtClean="0"/>
+              <a:pPr/>
+              <a:t>17</a:t>
+            </a:fld>
+            <a:endParaRPr lang="en-US" dirty="0"/>
+          </a:p>
+        </p:txBody>
+      </p:sp>
+      <p:sp>
+        <p:nvSpPr>
+          <p:cNvPr id="9" name="Text Placeholder 8">
+            <a:extLst>
+              <a:ext uri="{FF2B5EF4-FFF2-40B4-BE49-F238E27FC236}">
+                <a16:creationId xmlns:a16="http://schemas.microsoft.com/office/drawing/2014/main" id="{668EB773-01D2-4030-80CC-4C8BACC98CC5}"/>
+              </a:ext>
+            </a:extLst>
+          </p:cNvPr>
+          <p:cNvSpPr>
+            <a:spLocks noGrp="1"/>
+          </p:cNvSpPr>
+          <p:nvPr>
+            <p:ph type="body" idx="1"/>
+          </p:nvPr>
+        </p:nvSpPr>
+        <p:spPr/>
+        <p:txBody>
+          <a:bodyPr/>
           <a:lstStyle/>
           <a:p>
             <a:r>
               <a:rPr lang="en-US" dirty="0"/>
-              <a:t>Question Answered</a:t>
-            </a:r>
-          </a:p>
-        </p:txBody>
-      </p:sp>
-      <p:sp>
-        <p:nvSpPr>
-          <p:cNvPr id="6" name="Content Placeholder 5">
-            <a:extLst>
-              <a:ext uri="{FF2B5EF4-FFF2-40B4-BE49-F238E27FC236}">
-                <a16:creationId xmlns:a16="http://schemas.microsoft.com/office/drawing/2014/main" id="{DE1CCF0F-F0BB-42D7-B3C2-C29336739F32}"/>
-              </a:ext>
-            </a:extLst>
-          </p:cNvPr>
-          <p:cNvSpPr>
-            <a:spLocks noGrp="1"/>
-          </p:cNvSpPr>
-          <p:nvPr>
-            <p:ph sz="quarter" idx="4294967295"/>
-          </p:nvPr>
-        </p:nvSpPr>
-        <p:spPr>
-          <a:xfrm>
-            <a:off x="5872164" y="2860309"/>
-            <a:ext cx="5505082" cy="3025775"/>
-          </a:xfrm>
-        </p:spPr>
-        <p:txBody>
-          <a:bodyPr>
-            <a:normAutofit fontScale="55000" lnSpcReduction="20000"/>
-          </a:bodyPr>
-          <a:lstStyle/>
-          <a:p>
-            <a:pPr marL="285750" indent="-285750">
-              <a:buFont typeface="Arial" panose="020B0604020202020204" pitchFamily="34" charset="0"/>
-              <a:buChar char="•"/>
-            </a:pPr>
-            <a:r>
-              <a:rPr lang="en-US" dirty="0"/>
-              <a:t>How long were players out? (Determined by examining number of games missed) </a:t>
-            </a:r>
-          </a:p>
-          <a:p>
-            <a:pPr marL="285750" indent="-285750">
-              <a:buFont typeface="Arial" panose="020B0604020202020204" pitchFamily="34" charset="0"/>
-              <a:buChar char="•"/>
-            </a:pPr>
-            <a:r>
-              <a:rPr lang="en-US" dirty="0"/>
-              <a:t>How did the injury affect the player’s playtime? </a:t>
-            </a:r>
-          </a:p>
-          <a:p>
-            <a:pPr marL="742950" lvl="1" indent="-285750">
-              <a:buFont typeface="Arial" panose="020B0604020202020204" pitchFamily="34" charset="0"/>
-              <a:buChar char="•"/>
-            </a:pPr>
-            <a:r>
-              <a:rPr lang="en-US" dirty="0"/>
-              <a:t>Statistically significantly deceases playtime</a:t>
-            </a:r>
-          </a:p>
-          <a:p>
-            <a:pPr marL="285750" indent="-285750">
-              <a:buFont typeface="Arial" panose="020B0604020202020204" pitchFamily="34" charset="0"/>
-              <a:buChar char="•"/>
-            </a:pPr>
-            <a:r>
-              <a:rPr lang="en-US" dirty="0"/>
-              <a:t>What position gets the most concussions on both offense and defense?</a:t>
-            </a:r>
-          </a:p>
-          <a:p>
-            <a:pPr marL="742950" lvl="1" indent="-285750">
-              <a:buFont typeface="Arial" panose="020B0604020202020204" pitchFamily="34" charset="0"/>
-              <a:buChar char="•"/>
-            </a:pPr>
-            <a:r>
-              <a:rPr lang="en-US" dirty="0"/>
-              <a:t>Offense: Wide Receiver</a:t>
-            </a:r>
-          </a:p>
-          <a:p>
-            <a:pPr marL="742950" lvl="1" indent="-285750">
-              <a:buFont typeface="Arial" panose="020B0604020202020204" pitchFamily="34" charset="0"/>
-              <a:buChar char="•"/>
-            </a:pPr>
-            <a:r>
-              <a:rPr lang="en-US" dirty="0"/>
-              <a:t>Defense: Cornerback </a:t>
-            </a:r>
-          </a:p>
-          <a:p>
-            <a:pPr marL="285750" indent="-285750">
-              <a:buFont typeface="Arial" panose="020B0604020202020204" pitchFamily="34" charset="0"/>
-              <a:buChar char="•"/>
-            </a:pPr>
-            <a:r>
-              <a:rPr lang="en-US" dirty="0"/>
-              <a:t>How did the team fare (win or lose?) when they had a player with a head injury?</a:t>
-            </a:r>
-          </a:p>
-          <a:p>
-            <a:pPr marL="285750" indent="-285750">
-              <a:buFont typeface="Arial" panose="020B0604020202020204" pitchFamily="34" charset="0"/>
-              <a:buChar char="•"/>
-            </a:pPr>
-            <a:r>
-              <a:rPr lang="en-US" dirty="0"/>
-              <a:t>What team is most prone to concussions?</a:t>
-            </a:r>
-          </a:p>
-          <a:p>
-            <a:pPr marL="742950" lvl="1" indent="-285750">
-              <a:buFont typeface="Arial" panose="020B0604020202020204" pitchFamily="34" charset="0"/>
-              <a:buChar char="•"/>
-            </a:pPr>
-            <a:r>
-              <a:rPr lang="en-US" dirty="0"/>
-              <a:t>Jacksonville Jaguars</a:t>
-            </a:r>
-          </a:p>
-          <a:p>
-            <a:pPr marL="285750" indent="-285750">
-              <a:buFont typeface="Arial" panose="020B0604020202020204" pitchFamily="34" charset="0"/>
-              <a:buChar char="•"/>
-            </a:pPr>
-            <a:r>
-              <a:rPr lang="en-US" dirty="0"/>
-              <a:t>What team inflicted the most concussions? </a:t>
+              <a:t>What happens when a team receives or inflicts an injury?</a:t>
             </a:r>
           </a:p>
         </p:txBody>
@@ -10289,7 +10716,7 @@
     </p:spTree>
     <p:extLst>
       <p:ext uri="{BB962C8B-B14F-4D97-AF65-F5344CB8AC3E}">
-        <p14:creationId xmlns:p14="http://schemas.microsoft.com/office/powerpoint/2010/main" val="1429429409"/>
+        <p14:creationId xmlns:p14="http://schemas.microsoft.com/office/powerpoint/2010/main" val="3035793215"/>
       </p:ext>
     </p:extLst>
   </p:cSld>
@@ -10321,7 +10748,7 @@
           <p:cNvPr id="2" name="Title 1">
             <a:extLst>
               <a:ext uri="{FF2B5EF4-FFF2-40B4-BE49-F238E27FC236}">
-                <a16:creationId xmlns:a16="http://schemas.microsoft.com/office/drawing/2014/main" id="{5C2A5588-5D44-1DA3-E506-5623A17BDFD6}"/>
+                <a16:creationId xmlns:a16="http://schemas.microsoft.com/office/drawing/2014/main" id="{D8C2F6DA-E9AC-C22F-F3D6-D3E74A0DA208}"/>
               </a:ext>
             </a:extLst>
           </p:cNvPr>
@@ -10334,130 +10761,288 @@
         </p:nvSpPr>
         <p:spPr/>
         <p:txBody>
+          <a:bodyPr/>
+          <a:lstStyle/>
+          <a:p>
+            <a:r>
+              <a:rPr lang="en-US" dirty="0"/>
+              <a:t>conclusion</a:t>
+            </a:r>
+          </a:p>
+        </p:txBody>
+      </p:sp>
+      <p:sp>
+        <p:nvSpPr>
+          <p:cNvPr id="3" name="Text Placeholder 2">
+            <a:extLst>
+              <a:ext uri="{FF2B5EF4-FFF2-40B4-BE49-F238E27FC236}">
+                <a16:creationId xmlns:a16="http://schemas.microsoft.com/office/drawing/2014/main" id="{D851C395-6BC4-4F00-B40B-069DBBB7C08B}"/>
+              </a:ext>
+            </a:extLst>
+          </p:cNvPr>
+          <p:cNvSpPr>
+            <a:spLocks noGrp="1"/>
+          </p:cNvSpPr>
+          <p:nvPr>
+            <p:ph type="body" idx="4294967295"/>
+          </p:nvPr>
+        </p:nvSpPr>
+        <p:spPr>
+          <a:xfrm>
+            <a:off x="192142" y="2267582"/>
+            <a:ext cx="2882900" cy="384175"/>
+          </a:xfrm>
+        </p:spPr>
+        <p:txBody>
           <a:bodyPr>
-            <a:noAutofit/>
+            <a:normAutofit fontScale="92500" lnSpcReduction="20000"/>
           </a:bodyPr>
           <a:lstStyle/>
           <a:p>
-            <a:pPr algn="ctr"/>
-            <a:r>
-              <a:rPr lang="en-US" sz="7200" dirty="0"/>
-              <a:t>references</a:t>
-            </a:r>
-          </a:p>
-        </p:txBody>
-      </p:sp>
-      <p:sp>
-        <p:nvSpPr>
-          <p:cNvPr id="4" name="TextBox 3">
-            <a:extLst>
-              <a:ext uri="{FF2B5EF4-FFF2-40B4-BE49-F238E27FC236}">
-                <a16:creationId xmlns:a16="http://schemas.microsoft.com/office/drawing/2014/main" id="{2F28DA80-11C0-5C4D-5391-2DA1E1D947AD}"/>
-              </a:ext>
-            </a:extLst>
-          </p:cNvPr>
-          <p:cNvSpPr txBox="1"/>
-          <p:nvPr/>
-        </p:nvSpPr>
-        <p:spPr>
-          <a:xfrm>
-            <a:off x="1451579" y="2004645"/>
-            <a:ext cx="9603275" cy="3970318"/>
-          </a:xfrm>
-          <a:prstGeom prst="rect">
-            <a:avLst/>
-          </a:prstGeom>
-          <a:noFill/>
-        </p:spPr>
-        <p:txBody>
-          <a:bodyPr wrap="square" rtlCol="0">
-            <a:spAutoFit/>
+            <a:r>
+              <a:rPr lang="en-US" dirty="0"/>
+              <a:t>Further Research</a:t>
+            </a:r>
+          </a:p>
+        </p:txBody>
+      </p:sp>
+      <p:sp>
+        <p:nvSpPr>
+          <p:cNvPr id="4" name="Content Placeholder 3">
+            <a:extLst>
+              <a:ext uri="{FF2B5EF4-FFF2-40B4-BE49-F238E27FC236}">
+                <a16:creationId xmlns:a16="http://schemas.microsoft.com/office/drawing/2014/main" id="{A1D16151-9486-4A03-AE3A-F1CC562E0564}"/>
+              </a:ext>
+            </a:extLst>
+          </p:cNvPr>
+          <p:cNvSpPr>
+            <a:spLocks noGrp="1"/>
+          </p:cNvSpPr>
+          <p:nvPr>
+            <p:ph sz="half" idx="4294967295"/>
+          </p:nvPr>
+        </p:nvSpPr>
+        <p:spPr>
+          <a:xfrm>
+            <a:off x="192142" y="3065585"/>
+            <a:ext cx="5680022" cy="1412875"/>
+          </a:xfrm>
+        </p:spPr>
+        <p:txBody>
+          <a:bodyPr>
+            <a:normAutofit fontScale="70000" lnSpcReduction="20000"/>
           </a:bodyPr>
           <a:lstStyle/>
           <a:p>
-            <a:r>
-              <a:rPr lang="en-US" dirty="0"/>
-              <a:t>Dataset:</a:t>
-            </a:r>
-          </a:p>
-          <a:p>
-            <a:r>
-              <a:rPr lang="en-US" dirty="0">
-                <a:hlinkClick r:id="rId2"/>
-              </a:rPr>
-              <a:t>https://data.world/alice-c/nfl</a:t>
-            </a:r>
-            <a:endParaRPr lang="en-US" dirty="0"/>
-          </a:p>
-          <a:p>
-            <a:endParaRPr lang="en-US" dirty="0"/>
-          </a:p>
-          <a:p>
-            <a:r>
-              <a:rPr lang="en-US" dirty="0"/>
-              <a:t>News articles:</a:t>
-            </a:r>
-          </a:p>
-          <a:p>
-            <a:r>
-              <a:rPr lang="en-US" dirty="0">
-                <a:hlinkClick r:id="rId3"/>
-              </a:rPr>
-              <a:t>https://www.pbs.org/wgbh/frontline/investigation/the-nfls-concussion-crisis/</a:t>
-            </a:r>
-            <a:endParaRPr lang="en-US" dirty="0"/>
-          </a:p>
-          <a:p>
-            <a:endParaRPr lang="en-US" dirty="0"/>
-          </a:p>
-          <a:p>
-            <a:r>
-              <a:rPr lang="en-US" dirty="0"/>
-              <a:t>NFL protocol on concussions:</a:t>
-            </a:r>
-          </a:p>
-          <a:p>
-            <a:r>
-              <a:rPr lang="en-US" dirty="0">
-                <a:hlinkClick r:id="rId4"/>
-              </a:rPr>
-              <a:t>https://www.nfl.com/playerhealthandsafety/resources/fact-sheets/nfl-head-neck-and-spine-committee-s-concussion-diagnosis-and-management-protocol</a:t>
-            </a:r>
-            <a:endParaRPr lang="en-US" dirty="0"/>
-          </a:p>
-          <a:p>
-            <a:endParaRPr lang="en-US" dirty="0"/>
-          </a:p>
-          <a:p>
-            <a:r>
-              <a:rPr lang="en-US" dirty="0"/>
-              <a:t>CDC:</a:t>
-            </a:r>
-          </a:p>
-          <a:p>
-            <a:r>
-              <a:rPr lang="en-US" dirty="0">
-                <a:hlinkClick r:id="rId5"/>
-              </a:rPr>
-              <a:t>https://www.cdc.gov/traumaticbraininjury/concussion/index.html</a:t>
-            </a:r>
-            <a:r>
-              <a:rPr lang="en-US" dirty="0"/>
-              <a:t> </a:t>
-            </a:r>
-          </a:p>
-          <a:p>
-            <a:endParaRPr lang="en-US" dirty="0"/>
-          </a:p>
-          <a:p>
-            <a:endParaRPr lang="en-US" dirty="0"/>
+            <a:pPr marL="285750" indent="-285750">
+              <a:buFont typeface="Arial" panose="020B0604020202020204" pitchFamily="34" charset="0"/>
+              <a:buChar char="•"/>
+            </a:pPr>
+            <a:r>
+              <a:rPr lang="en-US" dirty="0"/>
+              <a:t>Increases size of dataset</a:t>
+            </a:r>
+          </a:p>
+          <a:p>
+            <a:pPr marL="742950" lvl="1" indent="-285750">
+              <a:buFont typeface="Arial" panose="020B0604020202020204" pitchFamily="34" charset="0"/>
+              <a:buChar char="•"/>
+            </a:pPr>
+            <a:r>
+              <a:rPr lang="en-US" dirty="0"/>
+              <a:t>Original dataset is small</a:t>
+            </a:r>
+          </a:p>
+          <a:p>
+            <a:pPr marL="285750" indent="-285750">
+              <a:buFont typeface="Arial" panose="020B0604020202020204" pitchFamily="34" charset="0"/>
+              <a:buChar char="•"/>
+            </a:pPr>
+            <a:r>
+              <a:rPr lang="en-US" dirty="0"/>
+              <a:t>Determine number of players with head injuries </a:t>
+            </a:r>
+          </a:p>
+          <a:p>
+            <a:pPr marL="285750" indent="-285750">
+              <a:buFont typeface="Arial" panose="020B0604020202020204" pitchFamily="34" charset="0"/>
+              <a:buChar char="•"/>
+            </a:pPr>
+            <a:r>
+              <a:rPr lang="en-US" dirty="0"/>
+              <a:t>See if there was a NFL change in 2014 that decreased head injuries</a:t>
+            </a:r>
+          </a:p>
+        </p:txBody>
+      </p:sp>
+      <p:sp>
+        <p:nvSpPr>
+          <p:cNvPr id="5" name="Text Placeholder 4">
+            <a:extLst>
+              <a:ext uri="{FF2B5EF4-FFF2-40B4-BE49-F238E27FC236}">
+                <a16:creationId xmlns:a16="http://schemas.microsoft.com/office/drawing/2014/main" id="{DDE59236-37DD-4582-A2A0-3F9A13A3B55D}"/>
+              </a:ext>
+            </a:extLst>
+          </p:cNvPr>
+          <p:cNvSpPr>
+            <a:spLocks noGrp="1"/>
+          </p:cNvSpPr>
+          <p:nvPr>
+            <p:ph type="body" sz="quarter" idx="4294967295"/>
+          </p:nvPr>
+        </p:nvSpPr>
+        <p:spPr>
+          <a:xfrm>
+            <a:off x="5872164" y="2240595"/>
+            <a:ext cx="2897187" cy="411162"/>
+          </a:xfrm>
+        </p:spPr>
+        <p:txBody>
+          <a:bodyPr>
+            <a:normAutofit lnSpcReduction="10000"/>
+          </a:bodyPr>
+          <a:lstStyle/>
+          <a:p>
+            <a:r>
+              <a:rPr lang="en-US" dirty="0"/>
+              <a:t>Question Answered</a:t>
+            </a:r>
+          </a:p>
+        </p:txBody>
+      </p:sp>
+      <p:sp>
+        <p:nvSpPr>
+          <p:cNvPr id="6" name="Content Placeholder 5">
+            <a:extLst>
+              <a:ext uri="{FF2B5EF4-FFF2-40B4-BE49-F238E27FC236}">
+                <a16:creationId xmlns:a16="http://schemas.microsoft.com/office/drawing/2014/main" id="{DE1CCF0F-F0BB-42D7-B3C2-C29336739F32}"/>
+              </a:ext>
+            </a:extLst>
+          </p:cNvPr>
+          <p:cNvSpPr>
+            <a:spLocks noGrp="1"/>
+          </p:cNvSpPr>
+          <p:nvPr>
+            <p:ph sz="quarter" idx="4294967295"/>
+          </p:nvPr>
+        </p:nvSpPr>
+        <p:spPr>
+          <a:xfrm>
+            <a:off x="5872164" y="2860309"/>
+            <a:ext cx="5505082" cy="3025775"/>
+          </a:xfrm>
+        </p:spPr>
+        <p:txBody>
+          <a:bodyPr>
+            <a:normAutofit fontScale="55000" lnSpcReduction="20000"/>
+          </a:bodyPr>
+          <a:lstStyle/>
+          <a:p>
+            <a:pPr marL="285750" indent="-285750">
+              <a:buFont typeface="Arial" panose="020B0604020202020204" pitchFamily="34" charset="0"/>
+              <a:buChar char="•"/>
+            </a:pPr>
+            <a:r>
+              <a:rPr lang="en-US" dirty="0"/>
+              <a:t>How long were players out? (Determined by examining number of games missed) </a:t>
+            </a:r>
+          </a:p>
+          <a:p>
+            <a:pPr marL="285750" indent="-285750">
+              <a:buFont typeface="Arial" panose="020B0604020202020204" pitchFamily="34" charset="0"/>
+              <a:buChar char="•"/>
+            </a:pPr>
+            <a:r>
+              <a:rPr lang="en-US" dirty="0"/>
+              <a:t>How did the injury affect the player’s playtime? </a:t>
+            </a:r>
+          </a:p>
+          <a:p>
+            <a:pPr marL="742950" lvl="1" indent="-285750">
+              <a:buFont typeface="Arial" panose="020B0604020202020204" pitchFamily="34" charset="0"/>
+              <a:buChar char="•"/>
+            </a:pPr>
+            <a:r>
+              <a:rPr lang="en-US" dirty="0"/>
+              <a:t>Statistically significantly deceases playtime</a:t>
+            </a:r>
+          </a:p>
+          <a:p>
+            <a:pPr marL="285750" indent="-285750">
+              <a:buFont typeface="Arial" panose="020B0604020202020204" pitchFamily="34" charset="0"/>
+              <a:buChar char="•"/>
+            </a:pPr>
+            <a:r>
+              <a:rPr lang="en-US" dirty="0"/>
+              <a:t>What position gets the most concussions on both offense and defense?</a:t>
+            </a:r>
+          </a:p>
+          <a:p>
+            <a:pPr marL="742950" lvl="1" indent="-285750">
+              <a:buFont typeface="Arial" panose="020B0604020202020204" pitchFamily="34" charset="0"/>
+              <a:buChar char="•"/>
+            </a:pPr>
+            <a:r>
+              <a:rPr lang="en-US" dirty="0"/>
+              <a:t>Offense: Wide Receiver</a:t>
+            </a:r>
+          </a:p>
+          <a:p>
+            <a:pPr marL="742950" lvl="1" indent="-285750">
+              <a:buFont typeface="Arial" panose="020B0604020202020204" pitchFamily="34" charset="0"/>
+              <a:buChar char="•"/>
+            </a:pPr>
+            <a:r>
+              <a:rPr lang="en-US" dirty="0"/>
+              <a:t>Defense: Cornerback </a:t>
+            </a:r>
+          </a:p>
+          <a:p>
+            <a:pPr marL="285750" indent="-285750">
+              <a:buFont typeface="Arial" panose="020B0604020202020204" pitchFamily="34" charset="0"/>
+              <a:buChar char="•"/>
+            </a:pPr>
+            <a:r>
+              <a:rPr lang="en-US" dirty="0"/>
+              <a:t>How did the team fare (win or lose?) when they had a player with a head injury?</a:t>
+            </a:r>
+          </a:p>
+          <a:p>
+            <a:pPr marL="285750" indent="-285750">
+              <a:buFont typeface="Arial" panose="020B0604020202020204" pitchFamily="34" charset="0"/>
+              <a:buChar char="•"/>
+            </a:pPr>
+            <a:r>
+              <a:rPr lang="en-US" dirty="0"/>
+              <a:t>What team is most prone to concussions?</a:t>
+            </a:r>
+          </a:p>
+          <a:p>
+            <a:pPr marL="742950" lvl="1" indent="-285750">
+              <a:buFont typeface="Arial" panose="020B0604020202020204" pitchFamily="34" charset="0"/>
+              <a:buChar char="•"/>
+            </a:pPr>
+            <a:r>
+              <a:rPr lang="en-US" dirty="0"/>
+              <a:t>Jacksonville Jaguars</a:t>
+            </a:r>
+          </a:p>
+          <a:p>
+            <a:pPr marL="285750" indent="-285750">
+              <a:buFont typeface="Arial" panose="020B0604020202020204" pitchFamily="34" charset="0"/>
+              <a:buChar char="•"/>
+            </a:pPr>
+            <a:r>
+              <a:rPr lang="en-US" dirty="0"/>
+              <a:t>What team inflicted the most concussions? </a:t>
+            </a:r>
           </a:p>
         </p:txBody>
       </p:sp>
     </p:spTree>
     <p:extLst>
       <p:ext uri="{BB962C8B-B14F-4D97-AF65-F5344CB8AC3E}">
-        <p14:creationId xmlns:p14="http://schemas.microsoft.com/office/powerpoint/2010/main" val="3403377057"/>
+        <p14:creationId xmlns:p14="http://schemas.microsoft.com/office/powerpoint/2010/main" val="1429429409"/>
       </p:ext>
     </p:extLst>
   </p:cSld>
@@ -10484,70 +11069,148 @@
           <a:chExt cx="0" cy="0"/>
         </a:xfrm>
       </p:grpSpPr>
-      <p:pic>
-        <p:nvPicPr>
-          <p:cNvPr id="15" name="Picture 14">
-            <a:extLst>
-              <a:ext uri="{FF2B5EF4-FFF2-40B4-BE49-F238E27FC236}">
-                <a16:creationId xmlns:a16="http://schemas.microsoft.com/office/drawing/2014/main" id="{35DD4997-117D-2CBA-E3AF-0744528CA91D}"/>
-              </a:ext>
-            </a:extLst>
-          </p:cNvPr>
-          <p:cNvPicPr>
-            <a:picLocks noChangeAspect="1"/>
-          </p:cNvPicPr>
+      <p:sp>
+        <p:nvSpPr>
+          <p:cNvPr id="2" name="Title 1">
+            <a:extLst>
+              <a:ext uri="{FF2B5EF4-FFF2-40B4-BE49-F238E27FC236}">
+                <a16:creationId xmlns:a16="http://schemas.microsoft.com/office/drawing/2014/main" id="{5C2A5588-5D44-1DA3-E506-5623A17BDFD6}"/>
+              </a:ext>
+            </a:extLst>
+          </p:cNvPr>
+          <p:cNvSpPr>
+            <a:spLocks noGrp="1"/>
+          </p:cNvSpPr>
+          <p:nvPr>
+            <p:ph type="title"/>
+          </p:nvPr>
+        </p:nvSpPr>
+        <p:spPr/>
+        <p:txBody>
+          <a:bodyPr>
+            <a:noAutofit/>
+          </a:bodyPr>
+          <a:lstStyle/>
+          <a:p>
+            <a:pPr algn="ctr"/>
+            <a:r>
+              <a:rPr lang="en-US" sz="7200" dirty="0"/>
+              <a:t>references</a:t>
+            </a:r>
+          </a:p>
+        </p:txBody>
+      </p:sp>
+      <p:sp>
+        <p:nvSpPr>
+          <p:cNvPr id="4" name="TextBox 3">
+            <a:extLst>
+              <a:ext uri="{FF2B5EF4-FFF2-40B4-BE49-F238E27FC236}">
+                <a16:creationId xmlns:a16="http://schemas.microsoft.com/office/drawing/2014/main" id="{2F28DA80-11C0-5C4D-5391-2DA1E1D947AD}"/>
+              </a:ext>
+            </a:extLst>
+          </p:cNvPr>
+          <p:cNvSpPr txBox="1"/>
           <p:nvPr/>
-        </p:nvPicPr>
-        <p:blipFill>
-          <a:blip r:embed="rId2"/>
-          <a:stretch>
-            <a:fillRect/>
-          </a:stretch>
-        </p:blipFill>
-        <p:spPr>
-          <a:xfrm>
-            <a:off x="7334616" y="464887"/>
-            <a:ext cx="4259023" cy="5362209"/>
+        </p:nvSpPr>
+        <p:spPr>
+          <a:xfrm>
+            <a:off x="1451579" y="2004645"/>
+            <a:ext cx="9603275" cy="3970318"/>
           </a:xfrm>
           <a:prstGeom prst="rect">
             <a:avLst/>
           </a:prstGeom>
-        </p:spPr>
-      </p:pic>
-      <p:sp>
-        <p:nvSpPr>
-          <p:cNvPr id="16" name="Title 15">
-            <a:extLst>
-              <a:ext uri="{FF2B5EF4-FFF2-40B4-BE49-F238E27FC236}">
-                <a16:creationId xmlns:a16="http://schemas.microsoft.com/office/drawing/2014/main" id="{D3EE4FD5-375D-A2D0-0D7F-B33543036DC7}"/>
-              </a:ext>
-            </a:extLst>
-          </p:cNvPr>
-          <p:cNvSpPr>
-            <a:spLocks noGrp="1"/>
-          </p:cNvSpPr>
-          <p:nvPr>
-            <p:ph type="title"/>
-          </p:nvPr>
-        </p:nvSpPr>
-        <p:spPr/>
-        <p:txBody>
-          <a:bodyPr>
-            <a:normAutofit/>
+          <a:noFill/>
+        </p:spPr>
+        <p:txBody>
+          <a:bodyPr wrap="square" rtlCol="0">
+            <a:spAutoFit/>
           </a:bodyPr>
           <a:lstStyle/>
           <a:p>
             <a:r>
-              <a:rPr lang="en-US" sz="7200" dirty="0"/>
-              <a:t>QUESTIONS</a:t>
-            </a:r>
+              <a:rPr lang="en-US" dirty="0"/>
+              <a:t>Dataset:</a:t>
+            </a:r>
+          </a:p>
+          <a:p>
+            <a:r>
+              <a:rPr lang="en-US" dirty="0">
+                <a:hlinkClick r:id="rId2"/>
+              </a:rPr>
+              <a:t>https://data.world/alice-c/nfl</a:t>
+            </a:r>
+            <a:endParaRPr lang="en-US" dirty="0"/>
+          </a:p>
+          <a:p>
+            <a:endParaRPr lang="en-US" dirty="0"/>
+          </a:p>
+          <a:p>
+            <a:r>
+              <a:rPr lang="en-US" dirty="0"/>
+              <a:t>News articles:</a:t>
+            </a:r>
+          </a:p>
+          <a:p>
+            <a:r>
+              <a:rPr lang="en-US" dirty="0">
+                <a:hlinkClick r:id="rId3"/>
+              </a:rPr>
+              <a:t>https://www.pbs.org/wgbh/frontline/investigation/the-nfls-concussion-crisis/</a:t>
+            </a:r>
+            <a:endParaRPr lang="en-US" dirty="0"/>
+          </a:p>
+          <a:p>
+            <a:endParaRPr lang="en-US" dirty="0"/>
+          </a:p>
+          <a:p>
+            <a:r>
+              <a:rPr lang="en-US" dirty="0"/>
+              <a:t>NFL protocol on concussions:</a:t>
+            </a:r>
+          </a:p>
+          <a:p>
+            <a:r>
+              <a:rPr lang="en-US" dirty="0">
+                <a:hlinkClick r:id="rId4"/>
+              </a:rPr>
+              <a:t>https://www.nfl.com/playerhealthandsafety/resources/fact-sheets/nfl-head-neck-and-spine-committee-s-concussion-diagnosis-and-management-protocol</a:t>
+            </a:r>
+            <a:endParaRPr lang="en-US" dirty="0"/>
+          </a:p>
+          <a:p>
+            <a:endParaRPr lang="en-US" dirty="0"/>
+          </a:p>
+          <a:p>
+            <a:r>
+              <a:rPr lang="en-US" dirty="0"/>
+              <a:t>CDC:</a:t>
+            </a:r>
+          </a:p>
+          <a:p>
+            <a:r>
+              <a:rPr lang="en-US" dirty="0">
+                <a:hlinkClick r:id="rId5"/>
+              </a:rPr>
+              <a:t>https://www.cdc.gov/traumaticbraininjury/concussion/index.html</a:t>
+            </a:r>
+            <a:r>
+              <a:rPr lang="en-US" dirty="0"/>
+              <a:t> </a:t>
+            </a:r>
+          </a:p>
+          <a:p>
+            <a:endParaRPr lang="en-US" dirty="0"/>
+          </a:p>
+          <a:p>
+            <a:endParaRPr lang="en-US" dirty="0"/>
           </a:p>
         </p:txBody>
       </p:sp>
     </p:spTree>
     <p:extLst>
       <p:ext uri="{BB962C8B-B14F-4D97-AF65-F5344CB8AC3E}">
-        <p14:creationId xmlns:p14="http://schemas.microsoft.com/office/powerpoint/2010/main" val="869761982"/>
+        <p14:creationId xmlns:p14="http://schemas.microsoft.com/office/powerpoint/2010/main" val="3403377057"/>
       </p:ext>
     </p:extLst>
   </p:cSld>
@@ -10579,7 +11242,7 @@
           <p:cNvPr id="2" name="Title 1">
             <a:extLst>
               <a:ext uri="{FF2B5EF4-FFF2-40B4-BE49-F238E27FC236}">
-                <a16:creationId xmlns:a16="http://schemas.microsoft.com/office/drawing/2014/main" id="{0A32731C-311B-46F7-A865-6C3AF6B09A47}"/>
+                <a16:creationId xmlns:a16="http://schemas.microsoft.com/office/drawing/2014/main" id="{C8AD2A66-5C28-B8AA-2CF1-168405E1188E}"/>
               </a:ext>
             </a:extLst>
           </p:cNvPr>
@@ -10590,58 +11253,276 @@
             <p:ph type="title"/>
           </p:nvPr>
         </p:nvSpPr>
-        <p:spPr>
-          <a:xfrm>
-            <a:off x="1362075" y="1671639"/>
+        <p:spPr/>
+        <p:txBody>
+          <a:bodyPr/>
+          <a:lstStyle/>
+          <a:p>
+            <a:r>
+              <a:rPr lang="en-US" dirty="0"/>
+              <a:t>The questions</a:t>
+            </a:r>
+          </a:p>
+        </p:txBody>
+      </p:sp>
+      <p:sp>
+        <p:nvSpPr>
+          <p:cNvPr id="7" name="Title 1">
+            <a:extLst>
+              <a:ext uri="{FF2B5EF4-FFF2-40B4-BE49-F238E27FC236}">
+                <a16:creationId xmlns:a16="http://schemas.microsoft.com/office/drawing/2014/main" id="{8A706F0F-F5D7-ACBA-0C52-D29E81463E26}"/>
+              </a:ext>
+            </a:extLst>
+          </p:cNvPr>
+          <p:cNvSpPr txBox="1">
+            <a:spLocks/>
+          </p:cNvSpPr>
+          <p:nvPr/>
+        </p:nvSpPr>
+        <p:spPr>
+          <a:xfrm>
+            <a:off x="2726690" y="97639"/>
             <a:ext cx="5111750" cy="1204912"/>
           </a:xfrm>
-        </p:spPr>
-        <p:txBody>
-          <a:bodyPr>
-            <a:normAutofit fontScale="90000"/>
+          <a:prstGeom prst="rect">
+            <a:avLst/>
+          </a:prstGeom>
+        </p:spPr>
+        <p:txBody>
+          <a:bodyPr vert="horz" lIns="91440" tIns="45720" rIns="91440" bIns="45720" rtlCol="0" anchor="b">
+            <a:normAutofit/>
           </a:bodyPr>
-          <a:lstStyle/>
-          <a:p>
-            <a:r>
-              <a:rPr lang="en-US" dirty="0"/>
-              <a:t>Why care about head injuries, specifically concussions?</a:t>
-            </a:r>
-          </a:p>
-        </p:txBody>
-      </p:sp>
-      <p:sp>
-        <p:nvSpPr>
-          <p:cNvPr id="3" name="Text Placeholder 2">
-            <a:extLst>
-              <a:ext uri="{FF2B5EF4-FFF2-40B4-BE49-F238E27FC236}">
-                <a16:creationId xmlns:a16="http://schemas.microsoft.com/office/drawing/2014/main" id="{9D5232F9-FD00-464A-9F17-619C91AEF8F3}"/>
-              </a:ext>
-            </a:extLst>
-          </p:cNvPr>
-          <p:cNvSpPr>
-            <a:spLocks noGrp="1"/>
-          </p:cNvSpPr>
-          <p:nvPr>
-            <p:ph type="body" idx="1"/>
-          </p:nvPr>
-        </p:nvSpPr>
-        <p:spPr>
-          <a:xfrm>
-            <a:off x="1362075" y="3429000"/>
-            <a:ext cx="5111750" cy="2392680"/>
-          </a:xfrm>
-        </p:spPr>
-        <p:txBody>
-          <a:bodyPr>
-            <a:normAutofit fontScale="77500" lnSpcReduction="20000"/>
+          <a:lstStyle>
+            <a:lvl1pPr algn="l" defTabSz="914400" rtl="0" eaLnBrk="1" latinLnBrk="0" hangingPunct="1">
+              <a:lnSpc>
+                <a:spcPct val="90000"/>
+              </a:lnSpc>
+              <a:spcBef>
+                <a:spcPct val="0"/>
+              </a:spcBef>
+              <a:buNone/>
+              <a:defRPr lang="en-US" sz="2800" kern="1200" cap="all" spc="150" baseline="0" dirty="0">
+                <a:solidFill>
+                  <a:schemeClr val="tx1"/>
+                </a:solidFill>
+                <a:latin typeface="+mj-lt"/>
+                <a:ea typeface="+mj-ea"/>
+                <a:cs typeface="+mj-cs"/>
+              </a:defRPr>
+            </a:lvl1pPr>
+          </a:lstStyle>
+          <a:p>
+            <a:endParaRPr lang="en-US" dirty="0"/>
+          </a:p>
+        </p:txBody>
+      </p:sp>
+      <p:sp>
+        <p:nvSpPr>
+          <p:cNvPr id="8" name="Text Placeholder 2">
+            <a:extLst>
+              <a:ext uri="{FF2B5EF4-FFF2-40B4-BE49-F238E27FC236}">
+                <a16:creationId xmlns:a16="http://schemas.microsoft.com/office/drawing/2014/main" id="{24CBE887-0CBC-244C-906A-D1CFE4126EB4}"/>
+              </a:ext>
+            </a:extLst>
+          </p:cNvPr>
+          <p:cNvSpPr txBox="1">
+            <a:spLocks/>
+          </p:cNvSpPr>
+          <p:nvPr/>
+        </p:nvSpPr>
+        <p:spPr>
+          <a:xfrm>
+            <a:off x="1141466" y="2136690"/>
+            <a:ext cx="8612134" cy="3085550"/>
+          </a:xfrm>
+          <a:prstGeom prst="rect">
+            <a:avLst/>
+          </a:prstGeom>
+        </p:spPr>
+        <p:txBody>
+          <a:bodyPr vert="horz" lIns="91440" tIns="45720" rIns="91440" bIns="45720" rtlCol="0">
+            <a:normAutofit/>
           </a:bodyPr>
-          <a:lstStyle/>
-          <a:p>
-            <a:r>
-              <a:rPr lang="en-US" dirty="0"/>
-              <a:t>According to the CDC:</a:t>
-            </a:r>
-          </a:p>
+          <a:lstStyle>
+            <a:lvl1pPr marL="0" indent="0" algn="l" defTabSz="914400" rtl="0" eaLnBrk="1" latinLnBrk="0" hangingPunct="1">
+              <a:lnSpc>
+                <a:spcPct val="100000"/>
+              </a:lnSpc>
+              <a:spcBef>
+                <a:spcPts val="1000"/>
+              </a:spcBef>
+              <a:buFont typeface="Arial" panose="020B0604020202020204" pitchFamily="34" charset="0"/>
+              <a:buNone/>
+              <a:defRPr sz="1400" kern="1200" spc="50" baseline="0">
+                <a:solidFill>
+                  <a:schemeClr val="tx1"/>
+                </a:solidFill>
+                <a:latin typeface="+mn-lt"/>
+                <a:ea typeface="+mn-ea"/>
+                <a:cs typeface="+mn-cs"/>
+              </a:defRPr>
+            </a:lvl1pPr>
+            <a:lvl2pPr marL="457200" indent="0" algn="l" defTabSz="914400" rtl="0" eaLnBrk="1" latinLnBrk="0" hangingPunct="1">
+              <a:lnSpc>
+                <a:spcPct val="90000"/>
+              </a:lnSpc>
+              <a:spcBef>
+                <a:spcPts val="500"/>
+              </a:spcBef>
+              <a:buFont typeface="Arial" panose="020B0604020202020204" pitchFamily="34" charset="0"/>
+              <a:buNone/>
+              <a:defRPr sz="2000" kern="1200">
+                <a:solidFill>
+                  <a:schemeClr val="tx1">
+                    <a:tint val="75000"/>
+                  </a:schemeClr>
+                </a:solidFill>
+                <a:latin typeface="+mn-lt"/>
+                <a:ea typeface="+mn-ea"/>
+                <a:cs typeface="+mn-cs"/>
+              </a:defRPr>
+            </a:lvl2pPr>
+            <a:lvl3pPr marL="914400" indent="0" algn="l" defTabSz="914400" rtl="0" eaLnBrk="1" latinLnBrk="0" hangingPunct="1">
+              <a:lnSpc>
+                <a:spcPct val="90000"/>
+              </a:lnSpc>
+              <a:spcBef>
+                <a:spcPts val="500"/>
+              </a:spcBef>
+              <a:buFont typeface="Arial" panose="020B0604020202020204" pitchFamily="34" charset="0"/>
+              <a:buNone/>
+              <a:defRPr sz="1800" kern="1200">
+                <a:solidFill>
+                  <a:schemeClr val="tx1">
+                    <a:tint val="75000"/>
+                  </a:schemeClr>
+                </a:solidFill>
+                <a:latin typeface="+mn-lt"/>
+                <a:ea typeface="+mn-ea"/>
+                <a:cs typeface="+mn-cs"/>
+              </a:defRPr>
+            </a:lvl3pPr>
+            <a:lvl4pPr marL="1371600" indent="0" algn="l" defTabSz="914400" rtl="0" eaLnBrk="1" latinLnBrk="0" hangingPunct="1">
+              <a:lnSpc>
+                <a:spcPct val="90000"/>
+              </a:lnSpc>
+              <a:spcBef>
+                <a:spcPts val="500"/>
+              </a:spcBef>
+              <a:buFont typeface="Arial" panose="020B0604020202020204" pitchFamily="34" charset="0"/>
+              <a:buNone/>
+              <a:defRPr sz="1600" kern="1200">
+                <a:solidFill>
+                  <a:schemeClr val="tx1">
+                    <a:tint val="75000"/>
+                  </a:schemeClr>
+                </a:solidFill>
+                <a:latin typeface="+mn-lt"/>
+                <a:ea typeface="+mn-ea"/>
+                <a:cs typeface="+mn-cs"/>
+              </a:defRPr>
+            </a:lvl4pPr>
+            <a:lvl5pPr marL="1828800" indent="0" algn="l" defTabSz="914400" rtl="0" eaLnBrk="1" latinLnBrk="0" hangingPunct="1">
+              <a:lnSpc>
+                <a:spcPct val="90000"/>
+              </a:lnSpc>
+              <a:spcBef>
+                <a:spcPts val="500"/>
+              </a:spcBef>
+              <a:buFont typeface="Arial" panose="020B0604020202020204" pitchFamily="34" charset="0"/>
+              <a:buNone/>
+              <a:defRPr sz="1600" kern="1200">
+                <a:solidFill>
+                  <a:schemeClr val="tx1">
+                    <a:tint val="75000"/>
+                  </a:schemeClr>
+                </a:solidFill>
+                <a:latin typeface="+mn-lt"/>
+                <a:ea typeface="+mn-ea"/>
+                <a:cs typeface="+mn-cs"/>
+              </a:defRPr>
+            </a:lvl5pPr>
+            <a:lvl6pPr marL="2286000" indent="0" algn="l" defTabSz="914400" rtl="0" eaLnBrk="1" latinLnBrk="0" hangingPunct="1">
+              <a:lnSpc>
+                <a:spcPct val="90000"/>
+              </a:lnSpc>
+              <a:spcBef>
+                <a:spcPts val="500"/>
+              </a:spcBef>
+              <a:buFont typeface="Arial" panose="020B0604020202020204" pitchFamily="34" charset="0"/>
+              <a:buNone/>
+              <a:defRPr sz="1600" kern="1200">
+                <a:solidFill>
+                  <a:schemeClr val="tx1">
+                    <a:tint val="75000"/>
+                  </a:schemeClr>
+                </a:solidFill>
+                <a:latin typeface="+mn-lt"/>
+                <a:ea typeface="+mn-ea"/>
+                <a:cs typeface="+mn-cs"/>
+              </a:defRPr>
+            </a:lvl6pPr>
+            <a:lvl7pPr marL="2743200" indent="0" algn="l" defTabSz="914400" rtl="0" eaLnBrk="1" latinLnBrk="0" hangingPunct="1">
+              <a:lnSpc>
+                <a:spcPct val="90000"/>
+              </a:lnSpc>
+              <a:spcBef>
+                <a:spcPts val="500"/>
+              </a:spcBef>
+              <a:buFont typeface="Arial" panose="020B0604020202020204" pitchFamily="34" charset="0"/>
+              <a:buNone/>
+              <a:defRPr sz="1600" kern="1200">
+                <a:solidFill>
+                  <a:schemeClr val="tx1">
+                    <a:tint val="75000"/>
+                  </a:schemeClr>
+                </a:solidFill>
+                <a:latin typeface="+mn-lt"/>
+                <a:ea typeface="+mn-ea"/>
+                <a:cs typeface="+mn-cs"/>
+              </a:defRPr>
+            </a:lvl7pPr>
+            <a:lvl8pPr marL="3200400" indent="0" algn="l" defTabSz="914400" rtl="0" eaLnBrk="1" latinLnBrk="0" hangingPunct="1">
+              <a:lnSpc>
+                <a:spcPct val="90000"/>
+              </a:lnSpc>
+              <a:spcBef>
+                <a:spcPts val="500"/>
+              </a:spcBef>
+              <a:buFont typeface="Arial" panose="020B0604020202020204" pitchFamily="34" charset="0"/>
+              <a:buNone/>
+              <a:defRPr sz="1600" kern="1200">
+                <a:solidFill>
+                  <a:schemeClr val="tx1">
+                    <a:tint val="75000"/>
+                  </a:schemeClr>
+                </a:solidFill>
+                <a:latin typeface="+mn-lt"/>
+                <a:ea typeface="+mn-ea"/>
+                <a:cs typeface="+mn-cs"/>
+              </a:defRPr>
+            </a:lvl8pPr>
+            <a:lvl9pPr marL="3657600" indent="0" algn="l" defTabSz="914400" rtl="0" eaLnBrk="1" latinLnBrk="0" hangingPunct="1">
+              <a:lnSpc>
+                <a:spcPct val="90000"/>
+              </a:lnSpc>
+              <a:spcBef>
+                <a:spcPts val="500"/>
+              </a:spcBef>
+              <a:buFont typeface="Arial" panose="020B0604020202020204" pitchFamily="34" charset="0"/>
+              <a:buNone/>
+              <a:defRPr sz="1600" kern="1200">
+                <a:solidFill>
+                  <a:schemeClr val="tx1">
+                    <a:tint val="75000"/>
+                  </a:schemeClr>
+                </a:solidFill>
+                <a:latin typeface="+mn-lt"/>
+                <a:ea typeface="+mn-ea"/>
+                <a:cs typeface="+mn-cs"/>
+              </a:defRPr>
+            </a:lvl9pPr>
+          </a:lstStyle>
           <a:p>
             <a:pPr marL="285750" indent="-285750">
               <a:buFont typeface="Arial" panose="020B0604020202020204" pitchFamily="34" charset="0"/>
@@ -10649,7 +11530,7 @@
             </a:pPr>
             <a:r>
               <a:rPr lang="en-US" dirty="0"/>
-              <a:t>Most TBIs(Traumatic Brain Injuries) are concussions or mild TBIs</a:t>
+              <a:t>Do Head Injuries or concussions cause players to miss more games?</a:t>
             </a:r>
           </a:p>
           <a:p>
@@ -10659,17 +11540,7 @@
             </a:pPr>
             <a:r>
               <a:rPr lang="en-US" dirty="0"/>
-              <a:t>Even mild TBIs can cause harm to the brain through the damage of brain cells and can change brain chemistry</a:t>
-            </a:r>
-          </a:p>
-          <a:p>
-            <a:pPr marL="742950" lvl="1" indent="-285750">
-              <a:buFont typeface="Arial" panose="020B0604020202020204" pitchFamily="34" charset="0"/>
-              <a:buChar char="•"/>
-            </a:pPr>
-            <a:r>
-              <a:rPr lang="en-US" dirty="0"/>
-              <a:t>These changes can impact sleep, thinking, actions, learning, and feelings</a:t>
+              <a:t>How long were players out? How did the injury affect the player’s playtime? </a:t>
             </a:r>
           </a:p>
           <a:p>
@@ -10679,7 +11550,7 @@
             </a:pPr>
             <a:r>
               <a:rPr lang="en-US" dirty="0"/>
-              <a:t>https://www.cdc.gov/traumaticbraininjury/concussion/index.html</a:t>
+              <a:t>What position gets the most concussions on both offense and defense?</a:t>
             </a:r>
           </a:p>
           <a:p>
@@ -10687,115 +11558,57 @@
               <a:buFont typeface="Arial" panose="020B0604020202020204" pitchFamily="34" charset="0"/>
               <a:buChar char="•"/>
             </a:pPr>
-            <a:endParaRPr lang="en-US" dirty="0"/>
-          </a:p>
-        </p:txBody>
-      </p:sp>
-      <p:sp>
-        <p:nvSpPr>
-          <p:cNvPr id="4" name="Date Placeholder 3">
-            <a:extLst>
-              <a:ext uri="{FF2B5EF4-FFF2-40B4-BE49-F238E27FC236}">
-                <a16:creationId xmlns:a16="http://schemas.microsoft.com/office/drawing/2014/main" id="{70E12647-CCB2-45E2-A9CB-A868F490497E}"/>
-              </a:ext>
-            </a:extLst>
-          </p:cNvPr>
-          <p:cNvSpPr>
-            <a:spLocks noGrp="1"/>
-          </p:cNvSpPr>
-          <p:nvPr>
-            <p:ph type="dt" sz="half" idx="10"/>
-          </p:nvPr>
-        </p:nvSpPr>
-        <p:spPr>
-          <a:xfrm>
-            <a:off x="838200" y="6356350"/>
-            <a:ext cx="1219200" cy="365125"/>
-          </a:xfrm>
-        </p:spPr>
-        <p:txBody>
-          <a:bodyPr/>
-          <a:lstStyle/>
-          <a:p>
-            <a:r>
-              <a:rPr lang="en-US" dirty="0"/>
-              <a:t>20XX</a:t>
-            </a:r>
-          </a:p>
-        </p:txBody>
-      </p:sp>
-      <p:sp>
-        <p:nvSpPr>
-          <p:cNvPr id="5" name="Footer Placeholder 4">
-            <a:extLst>
-              <a:ext uri="{FF2B5EF4-FFF2-40B4-BE49-F238E27FC236}">
-                <a16:creationId xmlns:a16="http://schemas.microsoft.com/office/drawing/2014/main" id="{8D51ED20-04D4-4894-B0C2-9C541A61A734}"/>
-              </a:ext>
-            </a:extLst>
-          </p:cNvPr>
-          <p:cNvSpPr>
-            <a:spLocks noGrp="1"/>
-          </p:cNvSpPr>
-          <p:nvPr>
-            <p:ph type="ftr" sz="quarter" idx="11"/>
-          </p:nvPr>
-        </p:nvSpPr>
-        <p:spPr>
-          <a:xfrm>
-            <a:off x="2463800" y="6356350"/>
-            <a:ext cx="3479800" cy="365125"/>
-          </a:xfrm>
-        </p:spPr>
-        <p:txBody>
-          <a:bodyPr/>
-          <a:lstStyle/>
-          <a:p>
-            <a:r>
-              <a:rPr lang="en-US" dirty="0"/>
-              <a:t>PRESENTATION TITLE</a:t>
-            </a:r>
-          </a:p>
-        </p:txBody>
-      </p:sp>
-      <p:sp>
-        <p:nvSpPr>
-          <p:cNvPr id="6" name="Slide Number Placeholder 5">
-            <a:extLst>
-              <a:ext uri="{FF2B5EF4-FFF2-40B4-BE49-F238E27FC236}">
-                <a16:creationId xmlns:a16="http://schemas.microsoft.com/office/drawing/2014/main" id="{7BC1787E-7110-4989-B0B8-DD4E0ACC09DF}"/>
-              </a:ext>
-            </a:extLst>
-          </p:cNvPr>
-          <p:cNvSpPr>
-            <a:spLocks noGrp="1"/>
-          </p:cNvSpPr>
-          <p:nvPr>
-            <p:ph type="sldNum" sz="quarter" idx="12"/>
-          </p:nvPr>
-        </p:nvSpPr>
-        <p:spPr>
-          <a:xfrm>
-            <a:off x="8610600" y="6356350"/>
-            <a:ext cx="2743200" cy="365125"/>
-          </a:xfrm>
-        </p:spPr>
-        <p:txBody>
-          <a:bodyPr/>
-          <a:lstStyle/>
-          <a:p>
-            <a:fld id="{A49DFD55-3C28-40EF-9E31-A92D2E4017FF}" type="slidenum">
-              <a:rPr lang="en-US" smtClean="0"/>
-              <a:pPr/>
-              <a:t>2</a:t>
-            </a:fld>
-            <a:endParaRPr lang="en-US" dirty="0"/>
+            <a:r>
+              <a:rPr lang="en-US" dirty="0"/>
+              <a:t>Do offensive or defensive players miss more games from injuries?</a:t>
+            </a:r>
+          </a:p>
+          <a:p>
+            <a:pPr marL="285750" indent="-285750">
+              <a:buFont typeface="Arial" panose="020B0604020202020204" pitchFamily="34" charset="0"/>
+              <a:buChar char="•"/>
+            </a:pPr>
+            <a:r>
+              <a:rPr lang="en-US" dirty="0"/>
+              <a:t>Do offensive or defensive players have more injuries?</a:t>
+            </a:r>
+          </a:p>
+          <a:p>
+            <a:pPr marL="285750" indent="-285750">
+              <a:buFont typeface="Arial" panose="020B0604020202020204" pitchFamily="34" charset="0"/>
+              <a:buChar char="•"/>
+            </a:pPr>
+            <a:r>
+              <a:rPr lang="en-US" dirty="0"/>
+              <a:t>How did the team fare (win or lose?) when they had a player with a head injury?</a:t>
+            </a:r>
+          </a:p>
+          <a:p>
+            <a:pPr marL="285750" indent="-285750">
+              <a:buFont typeface="Arial" panose="020B0604020202020204" pitchFamily="34" charset="0"/>
+              <a:buChar char="•"/>
+            </a:pPr>
+            <a:r>
+              <a:rPr lang="en-US" dirty="0"/>
+              <a:t>What team is most prone to concussions?</a:t>
+            </a:r>
+          </a:p>
+          <a:p>
+            <a:pPr marL="285750" indent="-285750">
+              <a:buFont typeface="Arial" panose="020B0604020202020204" pitchFamily="34" charset="0"/>
+              <a:buChar char="•"/>
+            </a:pPr>
+            <a:r>
+              <a:rPr lang="en-US" dirty="0"/>
+              <a:t>What team inflicted the most concussions? </a:t>
+            </a:r>
           </a:p>
         </p:txBody>
       </p:sp>
     </p:spTree>
     <p:extLst>
       <p:ext uri="{BB962C8B-B14F-4D97-AF65-F5344CB8AC3E}">
-        <p14:creationId xmlns:p14="http://schemas.microsoft.com/office/powerpoint/2010/main" val="3571516367"/>
+        <p14:creationId xmlns:p14="http://schemas.microsoft.com/office/powerpoint/2010/main" val="2699211685"/>
       </p:ext>
     </p:extLst>
   </p:cSld>
@@ -10822,12 +11635,42 @@
           <a:chExt cx="0" cy="0"/>
         </a:xfrm>
       </p:grpSpPr>
-      <p:sp>
-        <p:nvSpPr>
-          <p:cNvPr id="2" name="Title 1">
-            <a:extLst>
-              <a:ext uri="{FF2B5EF4-FFF2-40B4-BE49-F238E27FC236}">
-                <a16:creationId xmlns:a16="http://schemas.microsoft.com/office/drawing/2014/main" id="{6560B88E-005A-7B9D-00A1-7C24B1286CC3}"/>
+      <p:pic>
+        <p:nvPicPr>
+          <p:cNvPr id="15" name="Picture 14">
+            <a:extLst>
+              <a:ext uri="{FF2B5EF4-FFF2-40B4-BE49-F238E27FC236}">
+                <a16:creationId xmlns:a16="http://schemas.microsoft.com/office/drawing/2014/main" id="{35DD4997-117D-2CBA-E3AF-0744528CA91D}"/>
+              </a:ext>
+            </a:extLst>
+          </p:cNvPr>
+          <p:cNvPicPr>
+            <a:picLocks noChangeAspect="1"/>
+          </p:cNvPicPr>
+          <p:nvPr/>
+        </p:nvPicPr>
+        <p:blipFill>
+          <a:blip r:embed="rId2"/>
+          <a:stretch>
+            <a:fillRect/>
+          </a:stretch>
+        </p:blipFill>
+        <p:spPr>
+          <a:xfrm>
+            <a:off x="7334616" y="464887"/>
+            <a:ext cx="4259023" cy="5362209"/>
+          </a:xfrm>
+          <a:prstGeom prst="rect">
+            <a:avLst/>
+          </a:prstGeom>
+        </p:spPr>
+      </p:pic>
+      <p:sp>
+        <p:nvSpPr>
+          <p:cNvPr id="16" name="Title 15">
+            <a:extLst>
+              <a:ext uri="{FF2B5EF4-FFF2-40B4-BE49-F238E27FC236}">
+                <a16:creationId xmlns:a16="http://schemas.microsoft.com/office/drawing/2014/main" id="{D3EE4FD5-375D-A2D0-0D7F-B33543036DC7}"/>
               </a:ext>
             </a:extLst>
           </p:cNvPr>
@@ -10838,22 +11681,16 @@
             <p:ph type="title"/>
           </p:nvPr>
         </p:nvSpPr>
-        <p:spPr>
-          <a:xfrm>
-            <a:off x="1390033" y="822104"/>
-            <a:ext cx="9603275" cy="1049235"/>
-          </a:xfrm>
-        </p:spPr>
+        <p:spPr/>
         <p:txBody>
           <a:bodyPr>
-            <a:noAutofit/>
+            <a:normAutofit/>
           </a:bodyPr>
           <a:lstStyle/>
           <a:p>
-            <a:pPr algn="ctr"/>
             <a:r>
               <a:rPr lang="en-US" sz="7200" dirty="0"/>
-              <a:t>appendix</a:t>
+              <a:t>QUESTIONS</a:t>
             </a:r>
           </a:p>
         </p:txBody>
@@ -10861,7 +11698,7 @@
     </p:spTree>
     <p:extLst>
       <p:ext uri="{BB962C8B-B14F-4D97-AF65-F5344CB8AC3E}">
-        <p14:creationId xmlns:p14="http://schemas.microsoft.com/office/powerpoint/2010/main" val="2591246769"/>
+        <p14:creationId xmlns:p14="http://schemas.microsoft.com/office/powerpoint/2010/main" val="869761982"/>
       </p:ext>
     </p:extLst>
   </p:cSld>
@@ -10893,7 +11730,7 @@
           <p:cNvPr id="2" name="Title 1">
             <a:extLst>
               <a:ext uri="{FF2B5EF4-FFF2-40B4-BE49-F238E27FC236}">
-                <a16:creationId xmlns:a16="http://schemas.microsoft.com/office/drawing/2014/main" id="{ED1072FD-8D9D-1A28-236C-B121F25B9CBA}"/>
+                <a16:creationId xmlns:a16="http://schemas.microsoft.com/office/drawing/2014/main" id="{6560B88E-005A-7B9D-00A1-7C24B1286CC3}"/>
               </a:ext>
             </a:extLst>
           </p:cNvPr>
@@ -10904,141 +11741,30 @@
             <p:ph type="title"/>
           </p:nvPr>
         </p:nvSpPr>
-        <p:spPr/>
+        <p:spPr>
+          <a:xfrm>
+            <a:off x="1390033" y="822104"/>
+            <a:ext cx="9603275" cy="1049235"/>
+          </a:xfrm>
+        </p:spPr>
         <p:txBody>
           <a:bodyPr>
-            <a:normAutofit fontScale="90000"/>
+            <a:noAutofit/>
           </a:bodyPr>
           <a:lstStyle/>
           <a:p>
-            <a:r>
-              <a:rPr lang="en-US" b="1" i="0" dirty="0">
-                <a:solidFill>
-                  <a:srgbClr val="000000"/>
-                </a:solidFill>
-                <a:effectLst/>
-                <a:latin typeface="Helvetica Neue"/>
-              </a:rPr>
-              <a:t>Head Injury/Concussion from 2012 to 2014 by position</a:t>
-            </a:r>
-            <a:br>
-              <a:rPr lang="en-US" b="1" i="0" dirty="0">
-                <a:solidFill>
-                  <a:srgbClr val="000000"/>
-                </a:solidFill>
-                <a:effectLst/>
-                <a:latin typeface="Helvetica Neue"/>
-              </a:rPr>
-            </a:br>
-            <a:endParaRPr lang="en-US" dirty="0"/>
-          </a:p>
-        </p:txBody>
-      </p:sp>
-      <p:sp>
-        <p:nvSpPr>
-          <p:cNvPr id="10" name="TextBox 9">
-            <a:extLst>
-              <a:ext uri="{FF2B5EF4-FFF2-40B4-BE49-F238E27FC236}">
-                <a16:creationId xmlns:a16="http://schemas.microsoft.com/office/drawing/2014/main" id="{FEE006DA-4205-9185-268F-7CF37310BBCC}"/>
-              </a:ext>
-            </a:extLst>
-          </p:cNvPr>
-          <p:cNvSpPr txBox="1"/>
-          <p:nvPr/>
-        </p:nvSpPr>
-        <p:spPr>
-          <a:xfrm>
-            <a:off x="8079544" y="1394718"/>
-            <a:ext cx="3771901" cy="459036"/>
-          </a:xfrm>
-          <a:prstGeom prst="rect">
-            <a:avLst/>
-          </a:prstGeom>
-          <a:noFill/>
-        </p:spPr>
-        <p:txBody>
-          <a:bodyPr wrap="square" rtlCol="0">
-            <a:spAutoFit/>
-          </a:bodyPr>
-          <a:lstStyle/>
-          <a:p>
-            <a:pPr marL="285750" indent="-285750">
-              <a:lnSpc>
-                <a:spcPct val="150000"/>
-              </a:lnSpc>
-              <a:buFont typeface="Arial" panose="020B0604020202020204" pitchFamily="34" charset="0"/>
-              <a:buChar char="•"/>
-            </a:pPr>
-            <a:r>
-              <a:rPr lang="en-US" dirty="0"/>
-              <a:t>Football is a contact sport</a:t>
-            </a:r>
-          </a:p>
-        </p:txBody>
-      </p:sp>
-      <p:pic>
-        <p:nvPicPr>
-          <p:cNvPr id="4" name="Picture 3" descr="Chart, bar chart&#10;&#10;Description automatically generated">
-            <a:extLst>
-              <a:ext uri="{FF2B5EF4-FFF2-40B4-BE49-F238E27FC236}">
-                <a16:creationId xmlns:a16="http://schemas.microsoft.com/office/drawing/2014/main" id="{1C373DCA-BD2E-95D1-4288-3E41D7A6ED89}"/>
-              </a:ext>
-            </a:extLst>
-          </p:cNvPr>
-          <p:cNvPicPr>
-            <a:picLocks noChangeAspect="1"/>
-          </p:cNvPicPr>
-          <p:nvPr/>
-        </p:nvPicPr>
-        <p:blipFill>
-          <a:blip r:embed="rId2"/>
-          <a:stretch>
-            <a:fillRect/>
-          </a:stretch>
-        </p:blipFill>
-        <p:spPr>
-          <a:xfrm>
-            <a:off x="1126987" y="1967967"/>
-            <a:ext cx="4331721" cy="4085514"/>
-          </a:xfrm>
-          <a:prstGeom prst="rect">
-            <a:avLst/>
-          </a:prstGeom>
-        </p:spPr>
-      </p:pic>
-      <p:pic>
-        <p:nvPicPr>
-          <p:cNvPr id="8" name="Content Placeholder 7" descr="Chart, bar chart&#10;&#10;Description automatically generated">
-            <a:extLst>
-              <a:ext uri="{FF2B5EF4-FFF2-40B4-BE49-F238E27FC236}">
-                <a16:creationId xmlns:a16="http://schemas.microsoft.com/office/drawing/2014/main" id="{86C231C7-E601-543D-E04F-8EE5E0A026CC}"/>
-              </a:ext>
-            </a:extLst>
-          </p:cNvPr>
-          <p:cNvPicPr>
-            <a:picLocks noGrp="1" noChangeAspect="1"/>
-          </p:cNvPicPr>
-          <p:nvPr>
-            <p:ph idx="1"/>
-          </p:nvPr>
-        </p:nvPicPr>
-        <p:blipFill>
-          <a:blip r:embed="rId3"/>
-          <a:stretch>
-            <a:fillRect/>
-          </a:stretch>
-        </p:blipFill>
-        <p:spPr>
-          <a:xfrm>
-            <a:off x="6556487" y="1952727"/>
-            <a:ext cx="4498367" cy="4226708"/>
-          </a:xfrm>
-        </p:spPr>
-      </p:pic>
+            <a:pPr algn="ctr"/>
+            <a:r>
+              <a:rPr lang="en-US" sz="7200" dirty="0"/>
+              <a:t>appendix</a:t>
+            </a:r>
+          </a:p>
+        </p:txBody>
+      </p:sp>
     </p:spTree>
     <p:extLst>
       <p:ext uri="{BB962C8B-B14F-4D97-AF65-F5344CB8AC3E}">
-        <p14:creationId xmlns:p14="http://schemas.microsoft.com/office/powerpoint/2010/main" val="2192491768"/>
+        <p14:creationId xmlns:p14="http://schemas.microsoft.com/office/powerpoint/2010/main" val="2591246769"/>
       </p:ext>
     </p:extLst>
   </p:cSld>
@@ -11049,7 +11775,7 @@
 </file>
 
 <file path=ppt/slides/slide22.xml><?xml version="1.0" encoding="utf-8"?>
-<p:sld xmlns:a="http://schemas.openxmlformats.org/drawingml/2006/main" xmlns:r="http://schemas.openxmlformats.org/officeDocument/2006/relationships" xmlns:p="http://schemas.openxmlformats.org/presentationml/2006/main">
+<p:sld xmlns:a="http://schemas.openxmlformats.org/drawingml/2006/main" xmlns:r="http://schemas.openxmlformats.org/officeDocument/2006/relationships" xmlns:p="http://schemas.openxmlformats.org/presentationml/2006/main" show="0">
   <p:cSld>
     <p:spTree>
       <p:nvGrpSpPr>
@@ -11070,6 +11796,183 @@
           <p:cNvPr id="2" name="Title 1">
             <a:extLst>
               <a:ext uri="{FF2B5EF4-FFF2-40B4-BE49-F238E27FC236}">
+                <a16:creationId xmlns:a16="http://schemas.microsoft.com/office/drawing/2014/main" id="{ED1072FD-8D9D-1A28-236C-B121F25B9CBA}"/>
+              </a:ext>
+            </a:extLst>
+          </p:cNvPr>
+          <p:cNvSpPr>
+            <a:spLocks noGrp="1"/>
+          </p:cNvSpPr>
+          <p:nvPr>
+            <p:ph type="title"/>
+          </p:nvPr>
+        </p:nvSpPr>
+        <p:spPr/>
+        <p:txBody>
+          <a:bodyPr>
+            <a:normAutofit fontScale="90000"/>
+          </a:bodyPr>
+          <a:lstStyle/>
+          <a:p>
+            <a:r>
+              <a:rPr lang="en-US" b="1" i="0" dirty="0">
+                <a:solidFill>
+                  <a:srgbClr val="000000"/>
+                </a:solidFill>
+                <a:effectLst/>
+                <a:latin typeface="Helvetica Neue"/>
+              </a:rPr>
+              <a:t>Head Injury/Concussion from 2012 to 2014 by position</a:t>
+            </a:r>
+            <a:br>
+              <a:rPr lang="en-US" b="1" i="0" dirty="0">
+                <a:solidFill>
+                  <a:srgbClr val="000000"/>
+                </a:solidFill>
+                <a:effectLst/>
+                <a:latin typeface="Helvetica Neue"/>
+              </a:rPr>
+            </a:br>
+            <a:endParaRPr lang="en-US" dirty="0"/>
+          </a:p>
+        </p:txBody>
+      </p:sp>
+      <p:sp>
+        <p:nvSpPr>
+          <p:cNvPr id="10" name="TextBox 9">
+            <a:extLst>
+              <a:ext uri="{FF2B5EF4-FFF2-40B4-BE49-F238E27FC236}">
+                <a16:creationId xmlns:a16="http://schemas.microsoft.com/office/drawing/2014/main" id="{FEE006DA-4205-9185-268F-7CF37310BBCC}"/>
+              </a:ext>
+            </a:extLst>
+          </p:cNvPr>
+          <p:cNvSpPr txBox="1"/>
+          <p:nvPr/>
+        </p:nvSpPr>
+        <p:spPr>
+          <a:xfrm>
+            <a:off x="8079544" y="1394718"/>
+            <a:ext cx="3771901" cy="459036"/>
+          </a:xfrm>
+          <a:prstGeom prst="rect">
+            <a:avLst/>
+          </a:prstGeom>
+          <a:noFill/>
+        </p:spPr>
+        <p:txBody>
+          <a:bodyPr wrap="square" rtlCol="0">
+            <a:spAutoFit/>
+          </a:bodyPr>
+          <a:lstStyle/>
+          <a:p>
+            <a:pPr marL="285750" indent="-285750">
+              <a:lnSpc>
+                <a:spcPct val="150000"/>
+              </a:lnSpc>
+              <a:buFont typeface="Arial" panose="020B0604020202020204" pitchFamily="34" charset="0"/>
+              <a:buChar char="•"/>
+            </a:pPr>
+            <a:r>
+              <a:rPr lang="en-US" dirty="0"/>
+              <a:t>Football is a contact sport</a:t>
+            </a:r>
+          </a:p>
+        </p:txBody>
+      </p:sp>
+      <p:pic>
+        <p:nvPicPr>
+          <p:cNvPr id="4" name="Picture 3" descr="Chart, bar chart&#10;&#10;Description automatically generated">
+            <a:extLst>
+              <a:ext uri="{FF2B5EF4-FFF2-40B4-BE49-F238E27FC236}">
+                <a16:creationId xmlns:a16="http://schemas.microsoft.com/office/drawing/2014/main" id="{1C373DCA-BD2E-95D1-4288-3E41D7A6ED89}"/>
+              </a:ext>
+            </a:extLst>
+          </p:cNvPr>
+          <p:cNvPicPr>
+            <a:picLocks noChangeAspect="1"/>
+          </p:cNvPicPr>
+          <p:nvPr/>
+        </p:nvPicPr>
+        <p:blipFill>
+          <a:blip r:embed="rId2"/>
+          <a:stretch>
+            <a:fillRect/>
+          </a:stretch>
+        </p:blipFill>
+        <p:spPr>
+          <a:xfrm>
+            <a:off x="1126987" y="1967967"/>
+            <a:ext cx="4331721" cy="4085514"/>
+          </a:xfrm>
+          <a:prstGeom prst="rect">
+            <a:avLst/>
+          </a:prstGeom>
+        </p:spPr>
+      </p:pic>
+      <p:pic>
+        <p:nvPicPr>
+          <p:cNvPr id="8" name="Content Placeholder 7" descr="Chart, bar chart&#10;&#10;Description automatically generated">
+            <a:extLst>
+              <a:ext uri="{FF2B5EF4-FFF2-40B4-BE49-F238E27FC236}">
+                <a16:creationId xmlns:a16="http://schemas.microsoft.com/office/drawing/2014/main" id="{86C231C7-E601-543D-E04F-8EE5E0A026CC}"/>
+              </a:ext>
+            </a:extLst>
+          </p:cNvPr>
+          <p:cNvPicPr>
+            <a:picLocks noGrp="1" noChangeAspect="1"/>
+          </p:cNvPicPr>
+          <p:nvPr>
+            <p:ph idx="1"/>
+          </p:nvPr>
+        </p:nvPicPr>
+        <p:blipFill>
+          <a:blip r:embed="rId3"/>
+          <a:stretch>
+            <a:fillRect/>
+          </a:stretch>
+        </p:blipFill>
+        <p:spPr>
+          <a:xfrm>
+            <a:off x="6556487" y="1952727"/>
+            <a:ext cx="4498367" cy="4226708"/>
+          </a:xfrm>
+        </p:spPr>
+      </p:pic>
+    </p:spTree>
+    <p:extLst>
+      <p:ext uri="{BB962C8B-B14F-4D97-AF65-F5344CB8AC3E}">
+        <p14:creationId xmlns:p14="http://schemas.microsoft.com/office/powerpoint/2010/main" val="2192491768"/>
+      </p:ext>
+    </p:extLst>
+  </p:cSld>
+  <p:clrMapOvr>
+    <a:masterClrMapping/>
+  </p:clrMapOvr>
+</p:sld>
+</file>
+
+<file path=ppt/slides/slide23.xml><?xml version="1.0" encoding="utf-8"?>
+<p:sld xmlns:a="http://schemas.openxmlformats.org/drawingml/2006/main" xmlns:r="http://schemas.openxmlformats.org/officeDocument/2006/relationships" xmlns:p="http://schemas.openxmlformats.org/presentationml/2006/main" show="0">
+  <p:cSld>
+    <p:spTree>
+      <p:nvGrpSpPr>
+        <p:cNvPr id="1" name=""/>
+        <p:cNvGrpSpPr/>
+        <p:nvPr/>
+      </p:nvGrpSpPr>
+      <p:grpSpPr>
+        <a:xfrm>
+          <a:off x="0" y="0"/>
+          <a:ext cx="0" cy="0"/>
+          <a:chOff x="0" y="0"/>
+          <a:chExt cx="0" cy="0"/>
+        </a:xfrm>
+      </p:grpSpPr>
+      <p:sp>
+        <p:nvSpPr>
+          <p:cNvPr id="2" name="Title 1">
+            <a:extLst>
+              <a:ext uri="{FF2B5EF4-FFF2-40B4-BE49-F238E27FC236}">
                 <a16:creationId xmlns:a16="http://schemas.microsoft.com/office/drawing/2014/main" id="{3E1E897B-53E9-80A3-0CC8-3A299E1E2644}"/>
               </a:ext>
             </a:extLst>
@@ -11206,6 +12109,254 @@
     <p:extLst>
       <p:ext uri="{BB962C8B-B14F-4D97-AF65-F5344CB8AC3E}">
         <p14:creationId xmlns:p14="http://schemas.microsoft.com/office/powerpoint/2010/main" val="1773774158"/>
+      </p:ext>
+    </p:extLst>
+  </p:cSld>
+  <p:clrMapOvr>
+    <a:masterClrMapping/>
+  </p:clrMapOvr>
+</p:sld>
+</file>
+
+<file path=ppt/slides/slide24.xml><?xml version="1.0" encoding="utf-8"?>
+<p:sld xmlns:a="http://schemas.openxmlformats.org/drawingml/2006/main" xmlns:r="http://schemas.openxmlformats.org/officeDocument/2006/relationships" xmlns:p="http://schemas.openxmlformats.org/presentationml/2006/main" show="0">
+  <p:cSld>
+    <p:spTree>
+      <p:nvGrpSpPr>
+        <p:cNvPr id="1" name=""/>
+        <p:cNvGrpSpPr/>
+        <p:nvPr/>
+      </p:nvGrpSpPr>
+      <p:grpSpPr>
+        <a:xfrm>
+          <a:off x="0" y="0"/>
+          <a:ext cx="0" cy="0"/>
+          <a:chOff x="0" y="0"/>
+          <a:chExt cx="0" cy="0"/>
+        </a:xfrm>
+      </p:grpSpPr>
+      <p:sp>
+        <p:nvSpPr>
+          <p:cNvPr id="2" name="Title 1">
+            <a:extLst>
+              <a:ext uri="{FF2B5EF4-FFF2-40B4-BE49-F238E27FC236}">
+                <a16:creationId xmlns:a16="http://schemas.microsoft.com/office/drawing/2014/main" id="{0A32731C-311B-46F7-A865-6C3AF6B09A47}"/>
+              </a:ext>
+            </a:extLst>
+          </p:cNvPr>
+          <p:cNvSpPr>
+            <a:spLocks noGrp="1"/>
+          </p:cNvSpPr>
+          <p:nvPr>
+            <p:ph type="title"/>
+          </p:nvPr>
+        </p:nvSpPr>
+        <p:spPr>
+          <a:xfrm>
+            <a:off x="1362075" y="1671639"/>
+            <a:ext cx="5111750" cy="1204912"/>
+          </a:xfrm>
+        </p:spPr>
+        <p:txBody>
+          <a:bodyPr>
+            <a:normAutofit fontScale="90000"/>
+          </a:bodyPr>
+          <a:lstStyle/>
+          <a:p>
+            <a:r>
+              <a:rPr lang="en-US" dirty="0"/>
+              <a:t>Why care about head injuries, specifically concussions?</a:t>
+            </a:r>
+          </a:p>
+        </p:txBody>
+      </p:sp>
+      <p:sp>
+        <p:nvSpPr>
+          <p:cNvPr id="3" name="Text Placeholder 2">
+            <a:extLst>
+              <a:ext uri="{FF2B5EF4-FFF2-40B4-BE49-F238E27FC236}">
+                <a16:creationId xmlns:a16="http://schemas.microsoft.com/office/drawing/2014/main" id="{9D5232F9-FD00-464A-9F17-619C91AEF8F3}"/>
+              </a:ext>
+            </a:extLst>
+          </p:cNvPr>
+          <p:cNvSpPr>
+            <a:spLocks noGrp="1"/>
+          </p:cNvSpPr>
+          <p:nvPr>
+            <p:ph type="body" idx="1"/>
+          </p:nvPr>
+        </p:nvSpPr>
+        <p:spPr>
+          <a:xfrm>
+            <a:off x="1362075" y="3429000"/>
+            <a:ext cx="5111750" cy="2392680"/>
+          </a:xfrm>
+        </p:spPr>
+        <p:txBody>
+          <a:bodyPr>
+            <a:normAutofit fontScale="77500" lnSpcReduction="20000"/>
+          </a:bodyPr>
+          <a:lstStyle/>
+          <a:p>
+            <a:r>
+              <a:rPr lang="en-US" dirty="0"/>
+              <a:t>According to the CDC:</a:t>
+            </a:r>
+          </a:p>
+          <a:p>
+            <a:pPr marL="285750" indent="-285750">
+              <a:buFont typeface="Arial" panose="020B0604020202020204" pitchFamily="34" charset="0"/>
+              <a:buChar char="•"/>
+            </a:pPr>
+            <a:r>
+              <a:rPr lang="en-US" dirty="0"/>
+              <a:t>Most TBIs(Traumatic Brain Injuries) are concussions or mild TBIs</a:t>
+            </a:r>
+          </a:p>
+          <a:p>
+            <a:pPr marL="285750" indent="-285750">
+              <a:buFont typeface="Arial" panose="020B0604020202020204" pitchFamily="34" charset="0"/>
+              <a:buChar char="•"/>
+            </a:pPr>
+            <a:r>
+              <a:rPr lang="en-US" dirty="0"/>
+              <a:t>Even mild TBIs can cause harm to the brain through the damage of brain cells and can change brain chemistry</a:t>
+            </a:r>
+          </a:p>
+          <a:p>
+            <a:pPr marL="742950" lvl="1" indent="-285750">
+              <a:buFont typeface="Arial" panose="020B0604020202020204" pitchFamily="34" charset="0"/>
+              <a:buChar char="•"/>
+            </a:pPr>
+            <a:r>
+              <a:rPr lang="en-US" dirty="0"/>
+              <a:t>These changes can impact sleep, thinking, actions, learning, and feelings</a:t>
+            </a:r>
+          </a:p>
+          <a:p>
+            <a:pPr marL="285750" indent="-285750">
+              <a:buFont typeface="Arial" panose="020B0604020202020204" pitchFamily="34" charset="0"/>
+              <a:buChar char="•"/>
+            </a:pPr>
+            <a:r>
+              <a:rPr lang="en-US" dirty="0"/>
+              <a:t>https://www.cdc.gov/traumaticbraininjury/concussion/index.html</a:t>
+            </a:r>
+          </a:p>
+          <a:p>
+            <a:pPr marL="285750" indent="-285750">
+              <a:buFont typeface="Arial" panose="020B0604020202020204" pitchFamily="34" charset="0"/>
+              <a:buChar char="•"/>
+            </a:pPr>
+            <a:endParaRPr lang="en-US" dirty="0"/>
+          </a:p>
+        </p:txBody>
+      </p:sp>
+      <p:sp>
+        <p:nvSpPr>
+          <p:cNvPr id="4" name="Date Placeholder 3">
+            <a:extLst>
+              <a:ext uri="{FF2B5EF4-FFF2-40B4-BE49-F238E27FC236}">
+                <a16:creationId xmlns:a16="http://schemas.microsoft.com/office/drawing/2014/main" id="{70E12647-CCB2-45E2-A9CB-A868F490497E}"/>
+              </a:ext>
+            </a:extLst>
+          </p:cNvPr>
+          <p:cNvSpPr>
+            <a:spLocks noGrp="1"/>
+          </p:cNvSpPr>
+          <p:nvPr>
+            <p:ph type="dt" sz="half" idx="10"/>
+          </p:nvPr>
+        </p:nvSpPr>
+        <p:spPr>
+          <a:xfrm>
+            <a:off x="838200" y="6356350"/>
+            <a:ext cx="1219200" cy="365125"/>
+          </a:xfrm>
+        </p:spPr>
+        <p:txBody>
+          <a:bodyPr/>
+          <a:lstStyle/>
+          <a:p>
+            <a:r>
+              <a:rPr lang="en-US" dirty="0"/>
+              <a:t>20XX</a:t>
+            </a:r>
+          </a:p>
+        </p:txBody>
+      </p:sp>
+      <p:sp>
+        <p:nvSpPr>
+          <p:cNvPr id="5" name="Footer Placeholder 4">
+            <a:extLst>
+              <a:ext uri="{FF2B5EF4-FFF2-40B4-BE49-F238E27FC236}">
+                <a16:creationId xmlns:a16="http://schemas.microsoft.com/office/drawing/2014/main" id="{8D51ED20-04D4-4894-B0C2-9C541A61A734}"/>
+              </a:ext>
+            </a:extLst>
+          </p:cNvPr>
+          <p:cNvSpPr>
+            <a:spLocks noGrp="1"/>
+          </p:cNvSpPr>
+          <p:nvPr>
+            <p:ph type="ftr" sz="quarter" idx="11"/>
+          </p:nvPr>
+        </p:nvSpPr>
+        <p:spPr>
+          <a:xfrm>
+            <a:off x="2463800" y="6356350"/>
+            <a:ext cx="3479800" cy="365125"/>
+          </a:xfrm>
+        </p:spPr>
+        <p:txBody>
+          <a:bodyPr/>
+          <a:lstStyle/>
+          <a:p>
+            <a:r>
+              <a:rPr lang="en-US" dirty="0"/>
+              <a:t>PRESENTATION TITLE</a:t>
+            </a:r>
+          </a:p>
+        </p:txBody>
+      </p:sp>
+      <p:sp>
+        <p:nvSpPr>
+          <p:cNvPr id="6" name="Slide Number Placeholder 5">
+            <a:extLst>
+              <a:ext uri="{FF2B5EF4-FFF2-40B4-BE49-F238E27FC236}">
+                <a16:creationId xmlns:a16="http://schemas.microsoft.com/office/drawing/2014/main" id="{7BC1787E-7110-4989-B0B8-DD4E0ACC09DF}"/>
+              </a:ext>
+            </a:extLst>
+          </p:cNvPr>
+          <p:cNvSpPr>
+            <a:spLocks noGrp="1"/>
+          </p:cNvSpPr>
+          <p:nvPr>
+            <p:ph type="sldNum" sz="quarter" idx="12"/>
+          </p:nvPr>
+        </p:nvSpPr>
+        <p:spPr>
+          <a:xfrm>
+            <a:off x="8610600" y="6356350"/>
+            <a:ext cx="2743200" cy="365125"/>
+          </a:xfrm>
+        </p:spPr>
+        <p:txBody>
+          <a:bodyPr/>
+          <a:lstStyle/>
+          <a:p>
+            <a:fld id="{A49DFD55-3C28-40EF-9E31-A92D2E4017FF}" type="slidenum">
+              <a:rPr lang="en-US" smtClean="0"/>
+              <a:pPr/>
+              <a:t>24</a:t>
+            </a:fld>
+            <a:endParaRPr lang="en-US" dirty="0"/>
+          </a:p>
+        </p:txBody>
+      </p:sp>
+    </p:spTree>
+    <p:extLst>
+      <p:ext uri="{BB962C8B-B14F-4D97-AF65-F5344CB8AC3E}">
+        <p14:creationId xmlns:p14="http://schemas.microsoft.com/office/powerpoint/2010/main" val="3571516367"/>
       </p:ext>
     </p:extLst>
   </p:cSld>
@@ -11234,68 +12385,10 @@
       </p:grpSpPr>
       <p:sp>
         <p:nvSpPr>
-          <p:cNvPr id="4" name="Date Placeholder 3">
-            <a:extLst>
-              <a:ext uri="{FF2B5EF4-FFF2-40B4-BE49-F238E27FC236}">
-                <a16:creationId xmlns:a16="http://schemas.microsoft.com/office/drawing/2014/main" id="{844042A7-39DF-2323-14DF-2F40798DD3D2}"/>
-              </a:ext>
-            </a:extLst>
-          </p:cNvPr>
-          <p:cNvSpPr>
-            <a:spLocks noGrp="1"/>
-          </p:cNvSpPr>
-          <p:nvPr>
-            <p:ph type="dt" sz="half" idx="10"/>
-          </p:nvPr>
-        </p:nvSpPr>
-        <p:spPr/>
-        <p:txBody>
-          <a:bodyPr/>
-          <a:lstStyle/>
-          <a:p>
-            <a:r>
-              <a:rPr lang="en-US"/>
-              <a:t>20XX</a:t>
-            </a:r>
-            <a:endParaRPr lang="en-US" dirty="0"/>
-          </a:p>
-        </p:txBody>
-      </p:sp>
-      <p:sp>
-        <p:nvSpPr>
-          <p:cNvPr id="5" name="Footer Placeholder 4">
-            <a:extLst>
-              <a:ext uri="{FF2B5EF4-FFF2-40B4-BE49-F238E27FC236}">
-                <a16:creationId xmlns:a16="http://schemas.microsoft.com/office/drawing/2014/main" id="{E29F1697-A5BD-8729-FC03-3FA7A4710E2B}"/>
-              </a:ext>
-            </a:extLst>
-          </p:cNvPr>
-          <p:cNvSpPr>
-            <a:spLocks noGrp="1"/>
-          </p:cNvSpPr>
-          <p:nvPr>
-            <p:ph type="ftr" sz="quarter" idx="11"/>
-          </p:nvPr>
-        </p:nvSpPr>
-        <p:spPr/>
-        <p:txBody>
-          <a:bodyPr/>
-          <a:lstStyle/>
-          <a:p>
-            <a:r>
-              <a:rPr lang="en-US"/>
-              <a:t>PRESENTATION TITLE</a:t>
-            </a:r>
-            <a:endParaRPr lang="en-US" dirty="0"/>
-          </a:p>
-        </p:txBody>
-      </p:sp>
-      <p:sp>
-        <p:nvSpPr>
-          <p:cNvPr id="7" name="Title 1">
-            <a:extLst>
-              <a:ext uri="{FF2B5EF4-FFF2-40B4-BE49-F238E27FC236}">
-                <a16:creationId xmlns:a16="http://schemas.microsoft.com/office/drawing/2014/main" id="{8A706F0F-F5D7-ACBA-0C52-D29E81463E26}"/>
+          <p:cNvPr id="4" name="Title 1">
+            <a:extLst>
+              <a:ext uri="{FF2B5EF4-FFF2-40B4-BE49-F238E27FC236}">
+                <a16:creationId xmlns:a16="http://schemas.microsoft.com/office/drawing/2014/main" id="{E2705069-9D87-0DDB-BB39-08F376249C98}"/>
               </a:ext>
             </a:extLst>
           </p:cNvPr>
@@ -11306,8 +12399,8 @@
         </p:nvSpPr>
         <p:spPr>
           <a:xfrm>
-            <a:off x="2726690" y="97639"/>
-            <a:ext cx="5111750" cy="1204912"/>
+            <a:off x="1454239" y="263769"/>
+            <a:ext cx="5111750" cy="730201"/>
           </a:xfrm>
           <a:prstGeom prst="rect">
             <a:avLst/>
@@ -11326,10 +12419,11 @@
                 <a:spcPct val="0"/>
               </a:spcBef>
               <a:buNone/>
-              <a:defRPr lang="en-US" sz="2800" kern="1200" cap="all" spc="150" baseline="0" dirty="0">
+              <a:defRPr sz="3600" b="0" i="0" kern="1200" cap="all">
                 <a:solidFill>
                   <a:schemeClr val="tx1"/>
                 </a:solidFill>
+                <a:effectLst/>
                 <a:latin typeface="+mj-lt"/>
                 <a:ea typeface="+mj-ea"/>
                 <a:cs typeface="+mj-cs"/>
@@ -11337,19 +12431,16 @@
             </a:lvl1pPr>
           </a:lstStyle>
           <a:p>
-            <a:r>
-              <a:rPr lang="en-US" dirty="0"/>
-              <a:t>The Questions</a:t>
-            </a:r>
-          </a:p>
-        </p:txBody>
-      </p:sp>
-      <p:sp>
-        <p:nvSpPr>
-          <p:cNvPr id="8" name="Text Placeholder 2">
-            <a:extLst>
-              <a:ext uri="{FF2B5EF4-FFF2-40B4-BE49-F238E27FC236}">
-                <a16:creationId xmlns:a16="http://schemas.microsoft.com/office/drawing/2014/main" id="{24CBE887-0CBC-244C-906A-D1CFE4126EB4}"/>
+            <a:endParaRPr lang="en-US" dirty="0"/>
+          </a:p>
+        </p:txBody>
+      </p:sp>
+      <p:sp>
+        <p:nvSpPr>
+          <p:cNvPr id="5" name="Text Placeholder 2">
+            <a:extLst>
+              <a:ext uri="{FF2B5EF4-FFF2-40B4-BE49-F238E27FC236}">
+                <a16:creationId xmlns:a16="http://schemas.microsoft.com/office/drawing/2014/main" id="{DED7F9CB-E923-ED39-A4D5-E594674C3B38}"/>
               </a:ext>
             </a:extLst>
           </p:cNvPr>
@@ -11360,31 +12451,36 @@
         </p:nvSpPr>
         <p:spPr>
           <a:xfrm>
-            <a:off x="1285218" y="1435650"/>
-            <a:ext cx="5111750" cy="2367280"/>
+            <a:off x="837250" y="3594139"/>
+            <a:ext cx="4013200" cy="1525588"/>
           </a:xfrm>
           <a:prstGeom prst="rect">
             <a:avLst/>
           </a:prstGeom>
         </p:spPr>
         <p:txBody>
-          <a:bodyPr vert="horz" lIns="91440" tIns="45720" rIns="91440" bIns="45720" rtlCol="0">
-            <a:normAutofit fontScale="92500" lnSpcReduction="10000"/>
+          <a:bodyPr vert="horz" lIns="91440" tIns="91440" rIns="91440" bIns="45720" rtlCol="0">
+            <a:normAutofit fontScale="92500" lnSpcReduction="20000"/>
           </a:bodyPr>
           <a:lstStyle>
             <a:lvl1pPr marL="0" indent="0" algn="l" defTabSz="914400" rtl="0" eaLnBrk="1" latinLnBrk="0" hangingPunct="1">
               <a:lnSpc>
-                <a:spcPct val="100000"/>
+                <a:spcPct val="120000"/>
               </a:lnSpc>
               <a:spcBef>
                 <a:spcPts val="1000"/>
               </a:spcBef>
+              <a:buClr>
+                <a:schemeClr val="accent1"/>
+              </a:buClr>
+              <a:buSzPct val="100000"/>
               <a:buFont typeface="Arial" panose="020B0604020202020204" pitchFamily="34" charset="0"/>
               <a:buNone/>
-              <a:defRPr sz="1400" kern="1200" spc="50" baseline="0">
+              <a:defRPr sz="1800" kern="1200">
                 <a:solidFill>
                   <a:schemeClr val="tx1"/>
                 </a:solidFill>
+                <a:effectLst/>
                 <a:latin typeface="+mn-lt"/>
                 <a:ea typeface="+mn-ea"/>
                 <a:cs typeface="+mn-cs"/>
@@ -11392,19 +12488,24 @@
             </a:lvl1pPr>
             <a:lvl2pPr marL="457200" indent="0" algn="l" defTabSz="914400" rtl="0" eaLnBrk="1" latinLnBrk="0" hangingPunct="1">
               <a:lnSpc>
-                <a:spcPct val="90000"/>
+                <a:spcPct val="120000"/>
               </a:lnSpc>
               <a:spcBef>
                 <a:spcPts val="500"/>
               </a:spcBef>
+              <a:buClr>
+                <a:schemeClr val="accent1"/>
+              </a:buClr>
+              <a:buSzPct val="100000"/>
               <a:buFont typeface="Arial" panose="020B0604020202020204" pitchFamily="34" charset="0"/>
               <a:buNone/>
-              <a:defRPr sz="2000" kern="1200">
+              <a:defRPr sz="1800" kern="1200" cap="none" baseline="0">
                 <a:solidFill>
                   <a:schemeClr val="tx1">
                     <a:tint val="75000"/>
                   </a:schemeClr>
                 </a:solidFill>
+                <a:effectLst/>
                 <a:latin typeface="+mn-lt"/>
                 <a:ea typeface="+mn-ea"/>
                 <a:cs typeface="+mn-cs"/>
@@ -11412,11 +12513,15 @@
             </a:lvl2pPr>
             <a:lvl3pPr marL="914400" indent="0" algn="l" defTabSz="914400" rtl="0" eaLnBrk="1" latinLnBrk="0" hangingPunct="1">
               <a:lnSpc>
-                <a:spcPct val="90000"/>
+                <a:spcPct val="120000"/>
               </a:lnSpc>
               <a:spcBef>
                 <a:spcPts val="500"/>
               </a:spcBef>
+              <a:buClr>
+                <a:schemeClr val="accent1"/>
+              </a:buClr>
+              <a:buSzPct val="100000"/>
               <a:buFont typeface="Arial" panose="020B0604020202020204" pitchFamily="34" charset="0"/>
               <a:buNone/>
               <a:defRPr sz="1800" kern="1200">
@@ -11425,6 +12530,7 @@
                     <a:tint val="75000"/>
                   </a:schemeClr>
                 </a:solidFill>
+                <a:effectLst/>
                 <a:latin typeface="+mn-lt"/>
                 <a:ea typeface="+mn-ea"/>
                 <a:cs typeface="+mn-cs"/>
@@ -11432,19 +12538,24 @@
             </a:lvl3pPr>
             <a:lvl4pPr marL="1371600" indent="0" algn="l" defTabSz="914400" rtl="0" eaLnBrk="1" latinLnBrk="0" hangingPunct="1">
               <a:lnSpc>
-                <a:spcPct val="90000"/>
+                <a:spcPct val="120000"/>
               </a:lnSpc>
               <a:spcBef>
                 <a:spcPts val="500"/>
               </a:spcBef>
+              <a:buClr>
+                <a:schemeClr val="accent1"/>
+              </a:buClr>
+              <a:buSzPct val="100000"/>
               <a:buFont typeface="Arial" panose="020B0604020202020204" pitchFamily="34" charset="0"/>
               <a:buNone/>
-              <a:defRPr sz="1600" kern="1200">
+              <a:defRPr sz="1600" kern="1200" cap="none" baseline="0">
                 <a:solidFill>
                   <a:schemeClr val="tx1">
                     <a:tint val="75000"/>
                   </a:schemeClr>
                 </a:solidFill>
+                <a:effectLst/>
                 <a:latin typeface="+mn-lt"/>
                 <a:ea typeface="+mn-ea"/>
                 <a:cs typeface="+mn-cs"/>
@@ -11452,11 +12563,15 @@
             </a:lvl4pPr>
             <a:lvl5pPr marL="1828800" indent="0" algn="l" defTabSz="914400" rtl="0" eaLnBrk="1" latinLnBrk="0" hangingPunct="1">
               <a:lnSpc>
-                <a:spcPct val="90000"/>
+                <a:spcPct val="120000"/>
               </a:lnSpc>
               <a:spcBef>
                 <a:spcPts val="500"/>
               </a:spcBef>
+              <a:buClr>
+                <a:schemeClr val="accent1"/>
+              </a:buClr>
+              <a:buSzPct val="100000"/>
               <a:buFont typeface="Arial" panose="020B0604020202020204" pitchFamily="34" charset="0"/>
               <a:buNone/>
               <a:defRPr sz="1600" kern="1200">
@@ -11465,6 +12580,7 @@
                     <a:tint val="75000"/>
                   </a:schemeClr>
                 </a:solidFill>
+                <a:effectLst/>
                 <a:latin typeface="+mn-lt"/>
                 <a:ea typeface="+mn-ea"/>
                 <a:cs typeface="+mn-cs"/>
@@ -11472,11 +12588,15 @@
             </a:lvl5pPr>
             <a:lvl6pPr marL="2286000" indent="0" algn="l" defTabSz="914400" rtl="0" eaLnBrk="1" latinLnBrk="0" hangingPunct="1">
               <a:lnSpc>
-                <a:spcPct val="90000"/>
+                <a:spcPct val="120000"/>
               </a:lnSpc>
               <a:spcBef>
                 <a:spcPts val="500"/>
               </a:spcBef>
+              <a:buClr>
+                <a:schemeClr val="accent1"/>
+              </a:buClr>
+              <a:buSzPct val="100000"/>
               <a:buFont typeface="Arial" panose="020B0604020202020204" pitchFamily="34" charset="0"/>
               <a:buNone/>
               <a:defRPr sz="1600" kern="1200">
@@ -11485,6 +12605,7 @@
                     <a:tint val="75000"/>
                   </a:schemeClr>
                 </a:solidFill>
+                <a:effectLst/>
                 <a:latin typeface="+mn-lt"/>
                 <a:ea typeface="+mn-ea"/>
                 <a:cs typeface="+mn-cs"/>
@@ -11492,11 +12613,15 @@
             </a:lvl6pPr>
             <a:lvl7pPr marL="2743200" indent="0" algn="l" defTabSz="914400" rtl="0" eaLnBrk="1" latinLnBrk="0" hangingPunct="1">
               <a:lnSpc>
-                <a:spcPct val="90000"/>
+                <a:spcPct val="120000"/>
               </a:lnSpc>
               <a:spcBef>
                 <a:spcPts val="500"/>
               </a:spcBef>
+              <a:buClr>
+                <a:schemeClr val="accent1"/>
+              </a:buClr>
+              <a:buSzPct val="100000"/>
               <a:buFont typeface="Arial" panose="020B0604020202020204" pitchFamily="34" charset="0"/>
               <a:buNone/>
               <a:defRPr sz="1600" kern="1200">
@@ -11505,6 +12630,7 @@
                     <a:tint val="75000"/>
                   </a:schemeClr>
                 </a:solidFill>
+                <a:effectLst/>
                 <a:latin typeface="+mn-lt"/>
                 <a:ea typeface="+mn-ea"/>
                 <a:cs typeface="+mn-cs"/>
@@ -11512,19 +12638,24 @@
             </a:lvl7pPr>
             <a:lvl8pPr marL="3200400" indent="0" algn="l" defTabSz="914400" rtl="0" eaLnBrk="1" latinLnBrk="0" hangingPunct="1">
               <a:lnSpc>
-                <a:spcPct val="90000"/>
+                <a:spcPct val="120000"/>
               </a:lnSpc>
               <a:spcBef>
                 <a:spcPts val="500"/>
               </a:spcBef>
+              <a:buClr>
+                <a:schemeClr val="accent1"/>
+              </a:buClr>
+              <a:buSzPct val="100000"/>
               <a:buFont typeface="Arial" panose="020B0604020202020204" pitchFamily="34" charset="0"/>
               <a:buNone/>
-              <a:defRPr sz="1600" kern="1200">
+              <a:defRPr sz="1600" kern="1200" baseline="0">
                 <a:solidFill>
                   <a:schemeClr val="tx1">
                     <a:tint val="75000"/>
                   </a:schemeClr>
                 </a:solidFill>
+                <a:effectLst/>
                 <a:latin typeface="+mn-lt"/>
                 <a:ea typeface="+mn-ea"/>
                 <a:cs typeface="+mn-cs"/>
@@ -11532,19 +12663,24 @@
             </a:lvl8pPr>
             <a:lvl9pPr marL="3657600" indent="0" algn="l" defTabSz="914400" rtl="0" eaLnBrk="1" latinLnBrk="0" hangingPunct="1">
               <a:lnSpc>
-                <a:spcPct val="90000"/>
+                <a:spcPct val="120000"/>
               </a:lnSpc>
               <a:spcBef>
                 <a:spcPts val="500"/>
               </a:spcBef>
+              <a:buClr>
+                <a:schemeClr val="accent1"/>
+              </a:buClr>
+              <a:buSzPct val="100000"/>
               <a:buFont typeface="Arial" panose="020B0604020202020204" pitchFamily="34" charset="0"/>
               <a:buNone/>
-              <a:defRPr sz="1600" kern="1200">
+              <a:defRPr sz="1600" kern="1200" baseline="0">
                 <a:solidFill>
                   <a:schemeClr val="tx1">
                     <a:tint val="75000"/>
                   </a:schemeClr>
                 </a:solidFill>
+                <a:effectLst/>
                 <a:latin typeface="+mn-lt"/>
                 <a:ea typeface="+mn-ea"/>
                 <a:cs typeface="+mn-cs"/>
@@ -11558,7 +12694,7 @@
             </a:pPr>
             <a:r>
               <a:rPr lang="en-US" dirty="0"/>
-              <a:t>How long were players out? (Determined by examining number of games missed) </a:t>
+              <a:t>Spans NFL seasons 2012-2014</a:t>
             </a:r>
           </a:p>
           <a:p>
@@ -11568,7 +12704,7 @@
             </a:pPr>
             <a:r>
               <a:rPr lang="en-US" dirty="0"/>
-              <a:t>How did the injury affect the player’s playtime? </a:t>
+              <a:t>325 concussions and head injuries were recorded</a:t>
             </a:r>
           </a:p>
           <a:p>
@@ -11578,45 +12714,85 @@
             </a:pPr>
             <a:r>
               <a:rPr lang="en-US" dirty="0"/>
-              <a:t>What position gets the most concussions on both offense and defense?</a:t>
-            </a:r>
-          </a:p>
-          <a:p>
-            <a:pPr marL="285750" indent="-285750">
-              <a:buFont typeface="Arial" panose="020B0604020202020204" pitchFamily="34" charset="0"/>
-              <a:buChar char="•"/>
-            </a:pPr>
-            <a:r>
-              <a:rPr lang="en-US" dirty="0"/>
-              <a:t>How did the team fare (win or lose?) when they had a player with a head injury?</a:t>
-            </a:r>
-          </a:p>
-          <a:p>
-            <a:pPr marL="285750" indent="-285750">
-              <a:buFont typeface="Arial" panose="020B0604020202020204" pitchFamily="34" charset="0"/>
-              <a:buChar char="•"/>
-            </a:pPr>
-            <a:r>
-              <a:rPr lang="en-US" dirty="0"/>
-              <a:t>What team is most prone to concussions?</a:t>
-            </a:r>
-          </a:p>
-          <a:p>
-            <a:pPr marL="285750" indent="-285750">
-              <a:buFont typeface="Arial" panose="020B0604020202020204" pitchFamily="34" charset="0"/>
-              <a:buChar char="•"/>
-            </a:pPr>
-            <a:r>
-              <a:rPr lang="en-US" dirty="0"/>
-              <a:t>What team inflicted the most concussions? </a:t>
-            </a:r>
+              <a:t>All NFL teams were included</a:t>
+            </a:r>
+          </a:p>
+          <a:p>
+            <a:endParaRPr lang="en-US" dirty="0"/>
+          </a:p>
+        </p:txBody>
+      </p:sp>
+      <p:pic>
+        <p:nvPicPr>
+          <p:cNvPr id="6" name="Picture 5">
+            <a:extLst>
+              <a:ext uri="{FF2B5EF4-FFF2-40B4-BE49-F238E27FC236}">
+                <a16:creationId xmlns:a16="http://schemas.microsoft.com/office/drawing/2014/main" id="{0792EE50-F2CC-F70B-113F-282091804878}"/>
+              </a:ext>
+            </a:extLst>
+          </p:cNvPr>
+          <p:cNvPicPr>
+            <a:picLocks noChangeAspect="1"/>
+          </p:cNvPicPr>
+          <p:nvPr/>
+        </p:nvPicPr>
+        <p:blipFill>
+          <a:blip r:embed="rId2"/>
+          <a:stretch>
+            <a:fillRect/>
+          </a:stretch>
+        </p:blipFill>
+        <p:spPr>
+          <a:xfrm>
+            <a:off x="5216769" y="674078"/>
+            <a:ext cx="6632669" cy="4964722"/>
+          </a:xfrm>
+          <a:prstGeom prst="rect">
+            <a:avLst/>
+          </a:prstGeom>
+        </p:spPr>
+      </p:pic>
+      <p:sp>
+        <p:nvSpPr>
+          <p:cNvPr id="9" name="Title 8">
+            <a:extLst>
+              <a:ext uri="{FF2B5EF4-FFF2-40B4-BE49-F238E27FC236}">
+                <a16:creationId xmlns:a16="http://schemas.microsoft.com/office/drawing/2014/main" id="{E29D38AF-61B3-396D-2465-685402E17FC9}"/>
+              </a:ext>
+            </a:extLst>
+          </p:cNvPr>
+          <p:cNvSpPr>
+            <a:spLocks noGrp="1"/>
+          </p:cNvSpPr>
+          <p:nvPr>
+            <p:ph type="title"/>
+          </p:nvPr>
+        </p:nvSpPr>
+        <p:spPr>
+          <a:xfrm>
+            <a:off x="1386056" y="1103685"/>
+            <a:ext cx="3273099" cy="1281767"/>
+          </a:xfrm>
+        </p:spPr>
+        <p:txBody>
+          <a:bodyPr/>
+          <a:lstStyle/>
+          <a:p>
+            <a:r>
+              <a:rPr lang="en-US" sz="4000" dirty="0"/>
+              <a:t>The Data</a:t>
+            </a:r>
+            <a:br>
+              <a:rPr lang="en-US" dirty="0"/>
+            </a:br>
+            <a:endParaRPr lang="en-US" dirty="0"/>
           </a:p>
         </p:txBody>
       </p:sp>
     </p:spTree>
     <p:extLst>
       <p:ext uri="{BB962C8B-B14F-4D97-AF65-F5344CB8AC3E}">
-        <p14:creationId xmlns:p14="http://schemas.microsoft.com/office/powerpoint/2010/main" val="2699211685"/>
+        <p14:creationId xmlns:p14="http://schemas.microsoft.com/office/powerpoint/2010/main" val="773254839"/>
       </p:ext>
     </p:extLst>
   </p:cSld>
@@ -11645,393 +12821,59 @@
       </p:grpSpPr>
       <p:sp>
         <p:nvSpPr>
-          <p:cNvPr id="4" name="Title 1">
-            <a:extLst>
-              <a:ext uri="{FF2B5EF4-FFF2-40B4-BE49-F238E27FC236}">
-                <a16:creationId xmlns:a16="http://schemas.microsoft.com/office/drawing/2014/main" id="{E2705069-9D87-0DDB-BB39-08F376249C98}"/>
-              </a:ext>
-            </a:extLst>
-          </p:cNvPr>
-          <p:cNvSpPr txBox="1">
-            <a:spLocks/>
-          </p:cNvSpPr>
-          <p:nvPr/>
-        </p:nvSpPr>
-        <p:spPr>
-          <a:xfrm>
-            <a:off x="1454239" y="263769"/>
-            <a:ext cx="5111750" cy="730201"/>
-          </a:xfrm>
-          <a:prstGeom prst="rect">
-            <a:avLst/>
-          </a:prstGeom>
-        </p:spPr>
-        <p:txBody>
-          <a:bodyPr vert="horz" lIns="91440" tIns="45720" rIns="91440" bIns="45720" rtlCol="0" anchor="b">
+          <p:cNvPr id="2" name="Title 1">
+            <a:extLst>
+              <a:ext uri="{FF2B5EF4-FFF2-40B4-BE49-F238E27FC236}">
+                <a16:creationId xmlns:a16="http://schemas.microsoft.com/office/drawing/2014/main" id="{0A32731C-311B-46F7-A865-6C3AF6B09A47}"/>
+              </a:ext>
+            </a:extLst>
+          </p:cNvPr>
+          <p:cNvSpPr>
+            <a:spLocks noGrp="1"/>
+          </p:cNvSpPr>
+          <p:nvPr>
+            <p:ph type="title"/>
+          </p:nvPr>
+        </p:nvSpPr>
+        <p:spPr>
+          <a:xfrm>
+            <a:off x="1362075" y="1671639"/>
+            <a:ext cx="5111750" cy="1204912"/>
+          </a:xfrm>
+        </p:spPr>
+        <p:txBody>
+          <a:bodyPr>
             <a:normAutofit/>
           </a:bodyPr>
-          <a:lstStyle>
-            <a:lvl1pPr algn="l" defTabSz="914400" rtl="0" eaLnBrk="1" latinLnBrk="0" hangingPunct="1">
-              <a:lnSpc>
-                <a:spcPct val="90000"/>
-              </a:lnSpc>
-              <a:spcBef>
-                <a:spcPct val="0"/>
-              </a:spcBef>
-              <a:buNone/>
-              <a:defRPr sz="3600" b="0" i="0" kern="1200" cap="all">
-                <a:solidFill>
-                  <a:schemeClr val="tx1"/>
-                </a:solidFill>
-                <a:effectLst/>
-                <a:latin typeface="+mj-lt"/>
-                <a:ea typeface="+mj-ea"/>
-                <a:cs typeface="+mj-cs"/>
-              </a:defRPr>
-            </a:lvl1pPr>
-          </a:lstStyle>
-          <a:p>
-            <a:endParaRPr lang="en-US" dirty="0"/>
-          </a:p>
-        </p:txBody>
-      </p:sp>
-      <p:sp>
-        <p:nvSpPr>
-          <p:cNvPr id="5" name="Text Placeholder 2">
-            <a:extLst>
-              <a:ext uri="{FF2B5EF4-FFF2-40B4-BE49-F238E27FC236}">
-                <a16:creationId xmlns:a16="http://schemas.microsoft.com/office/drawing/2014/main" id="{DED7F9CB-E923-ED39-A4D5-E594674C3B38}"/>
-              </a:ext>
-            </a:extLst>
-          </p:cNvPr>
-          <p:cNvSpPr txBox="1">
-            <a:spLocks/>
-          </p:cNvSpPr>
-          <p:nvPr/>
-        </p:nvSpPr>
-        <p:spPr>
-          <a:xfrm>
-            <a:off x="837250" y="3594139"/>
-            <a:ext cx="4013200" cy="1525588"/>
-          </a:xfrm>
-          <a:prstGeom prst="rect">
-            <a:avLst/>
-          </a:prstGeom>
-        </p:spPr>
-        <p:txBody>
-          <a:bodyPr vert="horz" lIns="91440" tIns="91440" rIns="91440" bIns="45720" rtlCol="0">
-            <a:normAutofit fontScale="92500" lnSpcReduction="20000"/>
-          </a:bodyPr>
-          <a:lstStyle>
-            <a:lvl1pPr marL="0" indent="0" algn="l" defTabSz="914400" rtl="0" eaLnBrk="1" latinLnBrk="0" hangingPunct="1">
-              <a:lnSpc>
-                <a:spcPct val="120000"/>
-              </a:lnSpc>
-              <a:spcBef>
-                <a:spcPts val="1000"/>
-              </a:spcBef>
-              <a:buClr>
-                <a:schemeClr val="accent1"/>
-              </a:buClr>
-              <a:buSzPct val="100000"/>
-              <a:buFont typeface="Arial" panose="020B0604020202020204" pitchFamily="34" charset="0"/>
-              <a:buNone/>
-              <a:defRPr sz="1800" kern="1200">
-                <a:solidFill>
-                  <a:schemeClr val="tx1"/>
-                </a:solidFill>
-                <a:effectLst/>
-                <a:latin typeface="+mn-lt"/>
-                <a:ea typeface="+mn-ea"/>
-                <a:cs typeface="+mn-cs"/>
-              </a:defRPr>
-            </a:lvl1pPr>
-            <a:lvl2pPr marL="457200" indent="0" algn="l" defTabSz="914400" rtl="0" eaLnBrk="1" latinLnBrk="0" hangingPunct="1">
-              <a:lnSpc>
-                <a:spcPct val="120000"/>
-              </a:lnSpc>
-              <a:spcBef>
-                <a:spcPts val="500"/>
-              </a:spcBef>
-              <a:buClr>
-                <a:schemeClr val="accent1"/>
-              </a:buClr>
-              <a:buSzPct val="100000"/>
-              <a:buFont typeface="Arial" panose="020B0604020202020204" pitchFamily="34" charset="0"/>
-              <a:buNone/>
-              <a:defRPr sz="1800" kern="1200" cap="none" baseline="0">
-                <a:solidFill>
-                  <a:schemeClr val="tx1">
-                    <a:tint val="75000"/>
-                  </a:schemeClr>
-                </a:solidFill>
-                <a:effectLst/>
-                <a:latin typeface="+mn-lt"/>
-                <a:ea typeface="+mn-ea"/>
-                <a:cs typeface="+mn-cs"/>
-              </a:defRPr>
-            </a:lvl2pPr>
-            <a:lvl3pPr marL="914400" indent="0" algn="l" defTabSz="914400" rtl="0" eaLnBrk="1" latinLnBrk="0" hangingPunct="1">
-              <a:lnSpc>
-                <a:spcPct val="120000"/>
-              </a:lnSpc>
-              <a:spcBef>
-                <a:spcPts val="500"/>
-              </a:spcBef>
-              <a:buClr>
-                <a:schemeClr val="accent1"/>
-              </a:buClr>
-              <a:buSzPct val="100000"/>
-              <a:buFont typeface="Arial" panose="020B0604020202020204" pitchFamily="34" charset="0"/>
-              <a:buNone/>
-              <a:defRPr sz="1800" kern="1200">
-                <a:solidFill>
-                  <a:schemeClr val="tx1">
-                    <a:tint val="75000"/>
-                  </a:schemeClr>
-                </a:solidFill>
-                <a:effectLst/>
-                <a:latin typeface="+mn-lt"/>
-                <a:ea typeface="+mn-ea"/>
-                <a:cs typeface="+mn-cs"/>
-              </a:defRPr>
-            </a:lvl3pPr>
-            <a:lvl4pPr marL="1371600" indent="0" algn="l" defTabSz="914400" rtl="0" eaLnBrk="1" latinLnBrk="0" hangingPunct="1">
-              <a:lnSpc>
-                <a:spcPct val="120000"/>
-              </a:lnSpc>
-              <a:spcBef>
-                <a:spcPts val="500"/>
-              </a:spcBef>
-              <a:buClr>
-                <a:schemeClr val="accent1"/>
-              </a:buClr>
-              <a:buSzPct val="100000"/>
-              <a:buFont typeface="Arial" panose="020B0604020202020204" pitchFamily="34" charset="0"/>
-              <a:buNone/>
-              <a:defRPr sz="1600" kern="1200" cap="none" baseline="0">
-                <a:solidFill>
-                  <a:schemeClr val="tx1">
-                    <a:tint val="75000"/>
-                  </a:schemeClr>
-                </a:solidFill>
-                <a:effectLst/>
-                <a:latin typeface="+mn-lt"/>
-                <a:ea typeface="+mn-ea"/>
-                <a:cs typeface="+mn-cs"/>
-              </a:defRPr>
-            </a:lvl4pPr>
-            <a:lvl5pPr marL="1828800" indent="0" algn="l" defTabSz="914400" rtl="0" eaLnBrk="1" latinLnBrk="0" hangingPunct="1">
-              <a:lnSpc>
-                <a:spcPct val="120000"/>
-              </a:lnSpc>
-              <a:spcBef>
-                <a:spcPts val="500"/>
-              </a:spcBef>
-              <a:buClr>
-                <a:schemeClr val="accent1"/>
-              </a:buClr>
-              <a:buSzPct val="100000"/>
-              <a:buFont typeface="Arial" panose="020B0604020202020204" pitchFamily="34" charset="0"/>
-              <a:buNone/>
-              <a:defRPr sz="1600" kern="1200">
-                <a:solidFill>
-                  <a:schemeClr val="tx1">
-                    <a:tint val="75000"/>
-                  </a:schemeClr>
-                </a:solidFill>
-                <a:effectLst/>
-                <a:latin typeface="+mn-lt"/>
-                <a:ea typeface="+mn-ea"/>
-                <a:cs typeface="+mn-cs"/>
-              </a:defRPr>
-            </a:lvl5pPr>
-            <a:lvl6pPr marL="2286000" indent="0" algn="l" defTabSz="914400" rtl="0" eaLnBrk="1" latinLnBrk="0" hangingPunct="1">
-              <a:lnSpc>
-                <a:spcPct val="120000"/>
-              </a:lnSpc>
-              <a:spcBef>
-                <a:spcPts val="500"/>
-              </a:spcBef>
-              <a:buClr>
-                <a:schemeClr val="accent1"/>
-              </a:buClr>
-              <a:buSzPct val="100000"/>
-              <a:buFont typeface="Arial" panose="020B0604020202020204" pitchFamily="34" charset="0"/>
-              <a:buNone/>
-              <a:defRPr sz="1600" kern="1200">
-                <a:solidFill>
-                  <a:schemeClr val="tx1">
-                    <a:tint val="75000"/>
-                  </a:schemeClr>
-                </a:solidFill>
-                <a:effectLst/>
-                <a:latin typeface="+mn-lt"/>
-                <a:ea typeface="+mn-ea"/>
-                <a:cs typeface="+mn-cs"/>
-              </a:defRPr>
-            </a:lvl6pPr>
-            <a:lvl7pPr marL="2743200" indent="0" algn="l" defTabSz="914400" rtl="0" eaLnBrk="1" latinLnBrk="0" hangingPunct="1">
-              <a:lnSpc>
-                <a:spcPct val="120000"/>
-              </a:lnSpc>
-              <a:spcBef>
-                <a:spcPts val="500"/>
-              </a:spcBef>
-              <a:buClr>
-                <a:schemeClr val="accent1"/>
-              </a:buClr>
-              <a:buSzPct val="100000"/>
-              <a:buFont typeface="Arial" panose="020B0604020202020204" pitchFamily="34" charset="0"/>
-              <a:buNone/>
-              <a:defRPr sz="1600" kern="1200">
-                <a:solidFill>
-                  <a:schemeClr val="tx1">
-                    <a:tint val="75000"/>
-                  </a:schemeClr>
-                </a:solidFill>
-                <a:effectLst/>
-                <a:latin typeface="+mn-lt"/>
-                <a:ea typeface="+mn-ea"/>
-                <a:cs typeface="+mn-cs"/>
-              </a:defRPr>
-            </a:lvl7pPr>
-            <a:lvl8pPr marL="3200400" indent="0" algn="l" defTabSz="914400" rtl="0" eaLnBrk="1" latinLnBrk="0" hangingPunct="1">
-              <a:lnSpc>
-                <a:spcPct val="120000"/>
-              </a:lnSpc>
-              <a:spcBef>
-                <a:spcPts val="500"/>
-              </a:spcBef>
-              <a:buClr>
-                <a:schemeClr val="accent1"/>
-              </a:buClr>
-              <a:buSzPct val="100000"/>
-              <a:buFont typeface="Arial" panose="020B0604020202020204" pitchFamily="34" charset="0"/>
-              <a:buNone/>
-              <a:defRPr sz="1600" kern="1200" baseline="0">
-                <a:solidFill>
-                  <a:schemeClr val="tx1">
-                    <a:tint val="75000"/>
-                  </a:schemeClr>
-                </a:solidFill>
-                <a:effectLst/>
-                <a:latin typeface="+mn-lt"/>
-                <a:ea typeface="+mn-ea"/>
-                <a:cs typeface="+mn-cs"/>
-              </a:defRPr>
-            </a:lvl8pPr>
-            <a:lvl9pPr marL="3657600" indent="0" algn="l" defTabSz="914400" rtl="0" eaLnBrk="1" latinLnBrk="0" hangingPunct="1">
-              <a:lnSpc>
-                <a:spcPct val="120000"/>
-              </a:lnSpc>
-              <a:spcBef>
-                <a:spcPts val="500"/>
-              </a:spcBef>
-              <a:buClr>
-                <a:schemeClr val="accent1"/>
-              </a:buClr>
-              <a:buSzPct val="100000"/>
-              <a:buFont typeface="Arial" panose="020B0604020202020204" pitchFamily="34" charset="0"/>
-              <a:buNone/>
-              <a:defRPr sz="1600" kern="1200" baseline="0">
-                <a:solidFill>
-                  <a:schemeClr val="tx1">
-                    <a:tint val="75000"/>
-                  </a:schemeClr>
-                </a:solidFill>
-                <a:effectLst/>
-                <a:latin typeface="+mn-lt"/>
-                <a:ea typeface="+mn-ea"/>
-                <a:cs typeface="+mn-cs"/>
-              </a:defRPr>
-            </a:lvl9pPr>
-          </a:lstStyle>
-          <a:p>
-            <a:pPr marL="285750" indent="-285750">
-              <a:buFont typeface="Arial" panose="020B0604020202020204" pitchFamily="34" charset="0"/>
-              <a:buChar char="•"/>
-            </a:pPr>
-            <a:r>
-              <a:rPr lang="en-US" dirty="0"/>
-              <a:t>Spans NFL seasons 2012-2014</a:t>
-            </a:r>
-          </a:p>
-          <a:p>
-            <a:pPr marL="285750" indent="-285750">
-              <a:buFont typeface="Arial" panose="020B0604020202020204" pitchFamily="34" charset="0"/>
-              <a:buChar char="•"/>
-            </a:pPr>
-            <a:r>
-              <a:rPr lang="en-US" dirty="0"/>
-              <a:t>325 concussions and head injuries were recorded</a:t>
-            </a:r>
-          </a:p>
-          <a:p>
-            <a:pPr marL="285750" indent="-285750">
-              <a:buFont typeface="Arial" panose="020B0604020202020204" pitchFamily="34" charset="0"/>
-              <a:buChar char="•"/>
-            </a:pPr>
-            <a:r>
-              <a:rPr lang="en-US" dirty="0"/>
-              <a:t>All NFL teams were included</a:t>
-            </a:r>
-          </a:p>
-          <a:p>
-            <a:endParaRPr lang="en-US" dirty="0"/>
-          </a:p>
-        </p:txBody>
-      </p:sp>
-      <p:pic>
-        <p:nvPicPr>
-          <p:cNvPr id="6" name="Picture 5">
-            <a:extLst>
-              <a:ext uri="{FF2B5EF4-FFF2-40B4-BE49-F238E27FC236}">
-                <a16:creationId xmlns:a16="http://schemas.microsoft.com/office/drawing/2014/main" id="{0792EE50-F2CC-F70B-113F-282091804878}"/>
-              </a:ext>
-            </a:extLst>
-          </p:cNvPr>
-          <p:cNvPicPr>
-            <a:picLocks noChangeAspect="1"/>
-          </p:cNvPicPr>
-          <p:nvPr/>
-        </p:nvPicPr>
-        <p:blipFill>
-          <a:blip r:embed="rId2"/>
-          <a:stretch>
-            <a:fillRect/>
-          </a:stretch>
-        </p:blipFill>
-        <p:spPr>
-          <a:xfrm>
-            <a:off x="5216769" y="674078"/>
-            <a:ext cx="6632669" cy="4964722"/>
-          </a:xfrm>
-          <a:prstGeom prst="rect">
-            <a:avLst/>
-          </a:prstGeom>
-        </p:spPr>
-      </p:pic>
-      <p:sp>
-        <p:nvSpPr>
-          <p:cNvPr id="9" name="Title 8">
-            <a:extLst>
-              <a:ext uri="{FF2B5EF4-FFF2-40B4-BE49-F238E27FC236}">
-                <a16:creationId xmlns:a16="http://schemas.microsoft.com/office/drawing/2014/main" id="{E29D38AF-61B3-396D-2465-685402E17FC9}"/>
-              </a:ext>
-            </a:extLst>
-          </p:cNvPr>
-          <p:cNvSpPr>
-            <a:spLocks noGrp="1"/>
-          </p:cNvSpPr>
-          <p:nvPr>
-            <p:ph type="title"/>
-          </p:nvPr>
-        </p:nvSpPr>
-        <p:spPr>
-          <a:xfrm>
-            <a:off x="1386056" y="1103685"/>
-            <a:ext cx="3273099" cy="1281767"/>
+          <a:lstStyle/>
+          <a:p>
+            <a:r>
+              <a:rPr lang="en-US" dirty="0"/>
+              <a:t>Overall Results</a:t>
+            </a:r>
+          </a:p>
+        </p:txBody>
+      </p:sp>
+      <p:sp>
+        <p:nvSpPr>
+          <p:cNvPr id="4" name="Date Placeholder 3">
+            <a:extLst>
+              <a:ext uri="{FF2B5EF4-FFF2-40B4-BE49-F238E27FC236}">
+                <a16:creationId xmlns:a16="http://schemas.microsoft.com/office/drawing/2014/main" id="{70E12647-CCB2-45E2-A9CB-A868F490497E}"/>
+              </a:ext>
+            </a:extLst>
+          </p:cNvPr>
+          <p:cNvSpPr>
+            <a:spLocks noGrp="1"/>
+          </p:cNvSpPr>
+          <p:nvPr>
+            <p:ph type="dt" sz="half" idx="10"/>
+          </p:nvPr>
+        </p:nvSpPr>
+        <p:spPr>
+          <a:xfrm>
+            <a:off x="838200" y="6356350"/>
+            <a:ext cx="1219200" cy="365125"/>
           </a:xfrm>
         </p:spPr>
         <p:txBody>
@@ -12039,20 +12881,109 @@
           <a:lstStyle/>
           <a:p>
             <a:r>
-              <a:rPr lang="en-US" sz="4000" dirty="0"/>
-              <a:t>The Data</a:t>
-            </a:r>
-            <a:br>
-              <a:rPr lang="en-US" dirty="0"/>
-            </a:br>
+              <a:rPr lang="en-US" dirty="0"/>
+              <a:t>20XX</a:t>
+            </a:r>
+          </a:p>
+        </p:txBody>
+      </p:sp>
+      <p:sp>
+        <p:nvSpPr>
+          <p:cNvPr id="5" name="Footer Placeholder 4">
+            <a:extLst>
+              <a:ext uri="{FF2B5EF4-FFF2-40B4-BE49-F238E27FC236}">
+                <a16:creationId xmlns:a16="http://schemas.microsoft.com/office/drawing/2014/main" id="{8D51ED20-04D4-4894-B0C2-9C541A61A734}"/>
+              </a:ext>
+            </a:extLst>
+          </p:cNvPr>
+          <p:cNvSpPr>
+            <a:spLocks noGrp="1"/>
+          </p:cNvSpPr>
+          <p:nvPr>
+            <p:ph type="ftr" sz="quarter" idx="11"/>
+          </p:nvPr>
+        </p:nvSpPr>
+        <p:spPr>
+          <a:xfrm>
+            <a:off x="2463800" y="6356350"/>
+            <a:ext cx="3479800" cy="365125"/>
+          </a:xfrm>
+        </p:spPr>
+        <p:txBody>
+          <a:bodyPr/>
+          <a:lstStyle/>
+          <a:p>
+            <a:r>
+              <a:rPr lang="en-US" dirty="0"/>
+              <a:t>PRESENTATION TITLE</a:t>
+            </a:r>
+          </a:p>
+        </p:txBody>
+      </p:sp>
+      <p:sp>
+        <p:nvSpPr>
+          <p:cNvPr id="6" name="Slide Number Placeholder 5">
+            <a:extLst>
+              <a:ext uri="{FF2B5EF4-FFF2-40B4-BE49-F238E27FC236}">
+                <a16:creationId xmlns:a16="http://schemas.microsoft.com/office/drawing/2014/main" id="{7BC1787E-7110-4989-B0B8-DD4E0ACC09DF}"/>
+              </a:ext>
+            </a:extLst>
+          </p:cNvPr>
+          <p:cNvSpPr>
+            <a:spLocks noGrp="1"/>
+          </p:cNvSpPr>
+          <p:nvPr>
+            <p:ph type="sldNum" sz="quarter" idx="12"/>
+          </p:nvPr>
+        </p:nvSpPr>
+        <p:spPr>
+          <a:xfrm>
+            <a:off x="8610600" y="6356350"/>
+            <a:ext cx="2743200" cy="365125"/>
+          </a:xfrm>
+        </p:spPr>
+        <p:txBody>
+          <a:bodyPr/>
+          <a:lstStyle/>
+          <a:p>
+            <a:fld id="{A49DFD55-3C28-40EF-9E31-A92D2E4017FF}" type="slidenum">
+              <a:rPr lang="en-US" smtClean="0"/>
+              <a:pPr/>
+              <a:t>4</a:t>
+            </a:fld>
             <a:endParaRPr lang="en-US" dirty="0"/>
+          </a:p>
+        </p:txBody>
+      </p:sp>
+      <p:sp>
+        <p:nvSpPr>
+          <p:cNvPr id="9" name="Text Placeholder 8">
+            <a:extLst>
+              <a:ext uri="{FF2B5EF4-FFF2-40B4-BE49-F238E27FC236}">
+                <a16:creationId xmlns:a16="http://schemas.microsoft.com/office/drawing/2014/main" id="{668EB773-01D2-4030-80CC-4C8BACC98CC5}"/>
+              </a:ext>
+            </a:extLst>
+          </p:cNvPr>
+          <p:cNvSpPr>
+            <a:spLocks noGrp="1"/>
+          </p:cNvSpPr>
+          <p:nvPr>
+            <p:ph type="body" idx="1"/>
+          </p:nvPr>
+        </p:nvSpPr>
+        <p:spPr/>
+        <p:txBody>
+          <a:bodyPr/>
+          <a:lstStyle/>
+          <a:p>
+            <a:endParaRPr lang="en-US"/>
           </a:p>
         </p:txBody>
       </p:sp>
     </p:spTree>
     <p:extLst>
       <p:ext uri="{BB962C8B-B14F-4D97-AF65-F5344CB8AC3E}">
-        <p14:creationId xmlns:p14="http://schemas.microsoft.com/office/powerpoint/2010/main" val="773254839"/>
+        <p14:creationId xmlns:p14="http://schemas.microsoft.com/office/powerpoint/2010/main" val="1398167894"/>
       </p:ext>
     </p:extLst>
   </p:cSld>
@@ -12079,12 +13010,42 @@
           <a:chExt cx="0" cy="0"/>
         </a:xfrm>
       </p:grpSpPr>
-      <p:sp>
-        <p:nvSpPr>
-          <p:cNvPr id="2" name="Title 1">
-            <a:extLst>
-              <a:ext uri="{FF2B5EF4-FFF2-40B4-BE49-F238E27FC236}">
-                <a16:creationId xmlns:a16="http://schemas.microsoft.com/office/drawing/2014/main" id="{0A32731C-311B-46F7-A865-6C3AF6B09A47}"/>
+      <p:pic>
+        <p:nvPicPr>
+          <p:cNvPr id="364" name="Picture 363">
+            <a:extLst>
+              <a:ext uri="{FF2B5EF4-FFF2-40B4-BE49-F238E27FC236}">
+                <a16:creationId xmlns:a16="http://schemas.microsoft.com/office/drawing/2014/main" id="{57C96478-DD4F-4EDB-38E1-61A5C8A42410}"/>
+              </a:ext>
+            </a:extLst>
+          </p:cNvPr>
+          <p:cNvPicPr>
+            <a:picLocks noChangeAspect="1"/>
+          </p:cNvPicPr>
+          <p:nvPr/>
+        </p:nvPicPr>
+        <p:blipFill>
+          <a:blip r:embed="rId2"/>
+          <a:stretch>
+            <a:fillRect/>
+          </a:stretch>
+        </p:blipFill>
+        <p:spPr>
+          <a:xfrm>
+            <a:off x="525780" y="718808"/>
+            <a:ext cx="11140440" cy="5840483"/>
+          </a:xfrm>
+          <a:prstGeom prst="rect">
+            <a:avLst/>
+          </a:prstGeom>
+        </p:spPr>
+      </p:pic>
+      <p:sp>
+        <p:nvSpPr>
+          <p:cNvPr id="366" name="Title 2">
+            <a:extLst>
+              <a:ext uri="{FF2B5EF4-FFF2-40B4-BE49-F238E27FC236}">
+                <a16:creationId xmlns:a16="http://schemas.microsoft.com/office/drawing/2014/main" id="{4085787E-4532-8726-D4AC-9F2932E5D035}"/>
               </a:ext>
             </a:extLst>
           </p:cNvPr>
@@ -12097,43 +13058,8 @@
         </p:nvSpPr>
         <p:spPr>
           <a:xfrm>
-            <a:off x="1362075" y="1671639"/>
-            <a:ext cx="5111750" cy="1204912"/>
-          </a:xfrm>
-        </p:spPr>
-        <p:txBody>
-          <a:bodyPr>
-            <a:normAutofit/>
-          </a:bodyPr>
-          <a:lstStyle/>
-          <a:p>
-            <a:r>
-              <a:rPr lang="en-US" dirty="0"/>
-              <a:t>Overall Results</a:t>
-            </a:r>
-          </a:p>
-        </p:txBody>
-      </p:sp>
-      <p:sp>
-        <p:nvSpPr>
-          <p:cNvPr id="4" name="Date Placeholder 3">
-            <a:extLst>
-              <a:ext uri="{FF2B5EF4-FFF2-40B4-BE49-F238E27FC236}">
-                <a16:creationId xmlns:a16="http://schemas.microsoft.com/office/drawing/2014/main" id="{70E12647-CCB2-45E2-A9CB-A868F490497E}"/>
-              </a:ext>
-            </a:extLst>
-          </p:cNvPr>
-          <p:cNvSpPr>
-            <a:spLocks noGrp="1"/>
-          </p:cNvSpPr>
-          <p:nvPr>
-            <p:ph type="dt" sz="half" idx="10"/>
-          </p:nvPr>
-        </p:nvSpPr>
-        <p:spPr>
-          <a:xfrm>
-            <a:off x="838200" y="6356350"/>
-            <a:ext cx="1219200" cy="365125"/>
+            <a:off x="746760" y="193040"/>
+            <a:ext cx="10515600" cy="705168"/>
           </a:xfrm>
         </p:spPr>
         <p:txBody>
@@ -12142,108 +13068,15 @@
           <a:p>
             <a:r>
               <a:rPr lang="en-US" dirty="0"/>
-              <a:t>20XX</a:t>
-            </a:r>
-          </a:p>
-        </p:txBody>
-      </p:sp>
-      <p:sp>
-        <p:nvSpPr>
-          <p:cNvPr id="5" name="Footer Placeholder 4">
-            <a:extLst>
-              <a:ext uri="{FF2B5EF4-FFF2-40B4-BE49-F238E27FC236}">
-                <a16:creationId xmlns:a16="http://schemas.microsoft.com/office/drawing/2014/main" id="{8D51ED20-04D4-4894-B0C2-9C541A61A734}"/>
-              </a:ext>
-            </a:extLst>
-          </p:cNvPr>
-          <p:cNvSpPr>
-            <a:spLocks noGrp="1"/>
-          </p:cNvSpPr>
-          <p:nvPr>
-            <p:ph type="ftr" sz="quarter" idx="11"/>
-          </p:nvPr>
-        </p:nvSpPr>
-        <p:spPr>
-          <a:xfrm>
-            <a:off x="2463800" y="6356350"/>
-            <a:ext cx="3479800" cy="365125"/>
-          </a:xfrm>
-        </p:spPr>
-        <p:txBody>
-          <a:bodyPr/>
-          <a:lstStyle/>
-          <a:p>
-            <a:r>
-              <a:rPr lang="en-US" dirty="0"/>
-              <a:t>PRESENTATION TITLE</a:t>
-            </a:r>
-          </a:p>
-        </p:txBody>
-      </p:sp>
-      <p:sp>
-        <p:nvSpPr>
-          <p:cNvPr id="6" name="Slide Number Placeholder 5">
-            <a:extLst>
-              <a:ext uri="{FF2B5EF4-FFF2-40B4-BE49-F238E27FC236}">
-                <a16:creationId xmlns:a16="http://schemas.microsoft.com/office/drawing/2014/main" id="{7BC1787E-7110-4989-B0B8-DD4E0ACC09DF}"/>
-              </a:ext>
-            </a:extLst>
-          </p:cNvPr>
-          <p:cNvSpPr>
-            <a:spLocks noGrp="1"/>
-          </p:cNvSpPr>
-          <p:nvPr>
-            <p:ph type="sldNum" sz="quarter" idx="12"/>
-          </p:nvPr>
-        </p:nvSpPr>
-        <p:spPr>
-          <a:xfrm>
-            <a:off x="8610600" y="6356350"/>
-            <a:ext cx="2743200" cy="365125"/>
-          </a:xfrm>
-        </p:spPr>
-        <p:txBody>
-          <a:bodyPr/>
-          <a:lstStyle/>
-          <a:p>
-            <a:fld id="{A49DFD55-3C28-40EF-9E31-A92D2E4017FF}" type="slidenum">
-              <a:rPr lang="en-US" smtClean="0"/>
-              <a:pPr/>
-              <a:t>5</a:t>
-            </a:fld>
-            <a:endParaRPr lang="en-US" dirty="0"/>
-          </a:p>
-        </p:txBody>
-      </p:sp>
-      <p:sp>
-        <p:nvSpPr>
-          <p:cNvPr id="9" name="Text Placeholder 8">
-            <a:extLst>
-              <a:ext uri="{FF2B5EF4-FFF2-40B4-BE49-F238E27FC236}">
-                <a16:creationId xmlns:a16="http://schemas.microsoft.com/office/drawing/2014/main" id="{668EB773-01D2-4030-80CC-4C8BACC98CC5}"/>
-              </a:ext>
-            </a:extLst>
-          </p:cNvPr>
-          <p:cNvSpPr>
-            <a:spLocks noGrp="1"/>
-          </p:cNvSpPr>
-          <p:nvPr>
-            <p:ph type="body" idx="1"/>
-          </p:nvPr>
-        </p:nvSpPr>
-        <p:spPr/>
-        <p:txBody>
-          <a:bodyPr/>
-          <a:lstStyle/>
-          <a:p>
-            <a:endParaRPr lang="en-US"/>
+              <a:t>NFL Map by Number of Injuries</a:t>
+            </a:r>
           </a:p>
         </p:txBody>
       </p:sp>
     </p:spTree>
     <p:extLst>
       <p:ext uri="{BB962C8B-B14F-4D97-AF65-F5344CB8AC3E}">
-        <p14:creationId xmlns:p14="http://schemas.microsoft.com/office/powerpoint/2010/main" val="1398167894"/>
+        <p14:creationId xmlns:p14="http://schemas.microsoft.com/office/powerpoint/2010/main" val="4055079983"/>
       </p:ext>
     </p:extLst>
   </p:cSld>
@@ -12460,93 +13293,6 @@
           </a:prstGeom>
         </p:spPr>
       </p:pic>
-      <p:sp>
-        <p:nvSpPr>
-          <p:cNvPr id="7" name="TextBox 6">
-            <a:extLst>
-              <a:ext uri="{FF2B5EF4-FFF2-40B4-BE49-F238E27FC236}">
-                <a16:creationId xmlns:a16="http://schemas.microsoft.com/office/drawing/2014/main" id="{4133C002-7D29-E8F7-5046-8C7D078A75AD}"/>
-              </a:ext>
-            </a:extLst>
-          </p:cNvPr>
-          <p:cNvSpPr txBox="1"/>
-          <p:nvPr/>
-        </p:nvSpPr>
-        <p:spPr>
-          <a:xfrm>
-            <a:off x="8092440" y="1137382"/>
-            <a:ext cx="2575560" cy="5078313"/>
-          </a:xfrm>
-          <a:prstGeom prst="rect">
-            <a:avLst/>
-          </a:prstGeom>
-          <a:noFill/>
-        </p:spPr>
-        <p:txBody>
-          <a:bodyPr wrap="square" rtlCol="0">
-            <a:spAutoFit/>
-          </a:bodyPr>
-          <a:lstStyle/>
-          <a:p>
-            <a:r>
-              <a:rPr lang="en-US" dirty="0"/>
-              <a:t>Statistical Test:</a:t>
-            </a:r>
-          </a:p>
-          <a:p>
-            <a:pPr marL="285750" indent="-285750">
-              <a:buFont typeface="Arial" panose="020B0604020202020204" pitchFamily="34" charset="0"/>
-              <a:buChar char="•"/>
-            </a:pPr>
-            <a:r>
-              <a:rPr lang="en-US" dirty="0"/>
-              <a:t>H</a:t>
-            </a:r>
-            <a:r>
-              <a:rPr lang="en-US" sz="900" dirty="0"/>
-              <a:t>o</a:t>
-            </a:r>
-            <a:r>
-              <a:rPr lang="en-US" dirty="0"/>
-              <a:t>: If head injuries impact a player’s ability to participate as much as concussions, then there will not be a difference in mean number of games missed</a:t>
-            </a:r>
-          </a:p>
-          <a:p>
-            <a:pPr marL="285750" indent="-285750">
-              <a:buFont typeface="Arial" panose="020B0604020202020204" pitchFamily="34" charset="0"/>
-              <a:buChar char="•"/>
-            </a:pPr>
-            <a:r>
-              <a:rPr lang="en-US" dirty="0"/>
-              <a:t>Independent t-test</a:t>
-            </a:r>
-          </a:p>
-          <a:p>
-            <a:pPr marL="285750" indent="-285750">
-              <a:buFont typeface="Arial" panose="020B0604020202020204" pitchFamily="34" charset="0"/>
-              <a:buChar char="•"/>
-            </a:pPr>
-            <a:r>
-              <a:rPr lang="en-US" altLang="en-US" dirty="0" err="1"/>
-              <a:t>pvalue</a:t>
-            </a:r>
-            <a:r>
-              <a:rPr lang="en-US" altLang="en-US" dirty="0"/>
-              <a:t>=0.35 </a:t>
-            </a:r>
-          </a:p>
-          <a:p>
-            <a:pPr marL="285750" indent="-285750">
-              <a:buFont typeface="Arial" panose="020B0604020202020204" pitchFamily="34" charset="0"/>
-              <a:buChar char="•"/>
-            </a:pPr>
-            <a:r>
-              <a:rPr lang="en-US" dirty="0"/>
-              <a:t>No statistically significant difference of mean games missed for head injuries versus concussions</a:t>
-            </a:r>
-          </a:p>
-        </p:txBody>
-      </p:sp>
     </p:spTree>
     <p:extLst>
       <p:ext uri="{BB962C8B-B14F-4D97-AF65-F5344CB8AC3E}">
@@ -12577,65 +13323,307 @@
           <a:chExt cx="0" cy="0"/>
         </a:xfrm>
       </p:grpSpPr>
-      <p:pic>
-        <p:nvPicPr>
-          <p:cNvPr id="364" name="Picture 363">
-            <a:extLst>
-              <a:ext uri="{FF2B5EF4-FFF2-40B4-BE49-F238E27FC236}">
-                <a16:creationId xmlns:a16="http://schemas.microsoft.com/office/drawing/2014/main" id="{57C96478-DD4F-4EDB-38E1-61A5C8A42410}"/>
-              </a:ext>
-            </a:extLst>
-          </p:cNvPr>
-          <p:cNvPicPr>
-            <a:picLocks noChangeAspect="1"/>
-          </p:cNvPicPr>
+      <p:sp>
+        <p:nvSpPr>
+          <p:cNvPr id="2" name="Title 1">
+            <a:extLst>
+              <a:ext uri="{FF2B5EF4-FFF2-40B4-BE49-F238E27FC236}">
+                <a16:creationId xmlns:a16="http://schemas.microsoft.com/office/drawing/2014/main" id="{D94A2CD4-732A-43E4-BCB9-CBA2055E0AC6}"/>
+              </a:ext>
+            </a:extLst>
+          </p:cNvPr>
+          <p:cNvSpPr>
+            <a:spLocks noGrp="1"/>
+          </p:cNvSpPr>
+          <p:nvPr>
+            <p:ph type="title"/>
+          </p:nvPr>
+        </p:nvSpPr>
+        <p:spPr>
+          <a:xfrm>
+            <a:off x="1885156" y="4245877"/>
+            <a:ext cx="8421688" cy="1325563"/>
+          </a:xfrm>
+        </p:spPr>
+        <p:txBody>
+          <a:bodyPr>
+            <a:normAutofit/>
+          </a:bodyPr>
+          <a:lstStyle/>
+          <a:p>
+            <a:br>
+              <a:rPr lang="en-US" dirty="0"/>
+            </a:br>
+            <a:r>
+              <a:rPr lang="en-US" altLang="en-US" b="1" cap="none" dirty="0" err="1">
+                <a:solidFill>
+                  <a:srgbClr val="000000"/>
+                </a:solidFill>
+                <a:latin typeface="Courier New" panose="02070309020205020404" pitchFamily="49" charset="0"/>
+                <a:cs typeface="Courier New" panose="02070309020205020404" pitchFamily="49" charset="0"/>
+              </a:rPr>
+              <a:t>pvalue</a:t>
+            </a:r>
+            <a:r>
+              <a:rPr lang="en-US" altLang="en-US" b="1" cap="none" dirty="0">
+                <a:solidFill>
+                  <a:srgbClr val="000000"/>
+                </a:solidFill>
+                <a:latin typeface="Courier New" panose="02070309020205020404" pitchFamily="49" charset="0"/>
+                <a:cs typeface="Courier New" panose="02070309020205020404" pitchFamily="49" charset="0"/>
+              </a:rPr>
+              <a:t>=0.35 </a:t>
+            </a:r>
+            <a:br>
+              <a:rPr kumimoji="0" lang="en-US" altLang="en-US" sz="2800" b="1" i="0" u="none" strike="noStrike" cap="none" normalizeH="0" baseline="0" dirty="0">
+                <a:ln>
+                  <a:noFill/>
+                </a:ln>
+                <a:solidFill>
+                  <a:srgbClr val="000000"/>
+                </a:solidFill>
+                <a:effectLst/>
+                <a:latin typeface="Courier New" panose="02070309020205020404" pitchFamily="49" charset="0"/>
+                <a:cs typeface="Courier New" panose="02070309020205020404" pitchFamily="49" charset="0"/>
+              </a:rPr>
+            </a:br>
+            <a:r>
+              <a:rPr kumimoji="0" lang="en-US" altLang="en-US" sz="2800" b="1" i="0" u="none" strike="noStrike" cap="none" normalizeH="0" baseline="0" dirty="0">
+                <a:ln>
+                  <a:noFill/>
+                </a:ln>
+                <a:solidFill>
+                  <a:srgbClr val="000000"/>
+                </a:solidFill>
+                <a:effectLst/>
+                <a:latin typeface="Courier New" panose="02070309020205020404" pitchFamily="49" charset="0"/>
+                <a:cs typeface="Courier New" panose="02070309020205020404" pitchFamily="49" charset="0"/>
+              </a:rPr>
+              <a:t>Not Statistically Significant </a:t>
+            </a:r>
+            <a:endParaRPr lang="en-US" b="1" dirty="0"/>
+          </a:p>
+        </p:txBody>
+      </p:sp>
+      <p:sp>
+        <p:nvSpPr>
+          <p:cNvPr id="4" name="Date Placeholder 3">
+            <a:extLst>
+              <a:ext uri="{FF2B5EF4-FFF2-40B4-BE49-F238E27FC236}">
+                <a16:creationId xmlns:a16="http://schemas.microsoft.com/office/drawing/2014/main" id="{DA53D834-F1E2-4848-8093-D412A7B081AF}"/>
+              </a:ext>
+            </a:extLst>
+          </p:cNvPr>
+          <p:cNvSpPr>
+            <a:spLocks noGrp="1"/>
+          </p:cNvSpPr>
+          <p:nvPr>
+            <p:ph type="dt" sz="half" idx="10"/>
+          </p:nvPr>
+        </p:nvSpPr>
+        <p:spPr/>
+        <p:txBody>
+          <a:bodyPr/>
+          <a:lstStyle/>
+          <a:p>
+            <a:r>
+              <a:rPr lang="en-US" dirty="0"/>
+              <a:t>20XX</a:t>
+            </a:r>
+          </a:p>
+        </p:txBody>
+      </p:sp>
+      <p:sp>
+        <p:nvSpPr>
+          <p:cNvPr id="5" name="Footer Placeholder 4">
+            <a:extLst>
+              <a:ext uri="{FF2B5EF4-FFF2-40B4-BE49-F238E27FC236}">
+                <a16:creationId xmlns:a16="http://schemas.microsoft.com/office/drawing/2014/main" id="{3555A49C-96F4-440D-B89E-A0AE94F70108}"/>
+              </a:ext>
+            </a:extLst>
+          </p:cNvPr>
+          <p:cNvSpPr>
+            <a:spLocks noGrp="1"/>
+          </p:cNvSpPr>
+          <p:nvPr>
+            <p:ph type="ftr" sz="quarter" idx="11"/>
+          </p:nvPr>
+        </p:nvSpPr>
+        <p:spPr/>
+        <p:txBody>
+          <a:bodyPr/>
+          <a:lstStyle/>
+          <a:p>
+            <a:r>
+              <a:rPr lang="en-US" dirty="0"/>
+              <a:t>PRESENTATION TITLE</a:t>
+            </a:r>
+          </a:p>
+        </p:txBody>
+      </p:sp>
+      <p:sp>
+        <p:nvSpPr>
+          <p:cNvPr id="6" name="Slide Number Placeholder 5">
+            <a:extLst>
+              <a:ext uri="{FF2B5EF4-FFF2-40B4-BE49-F238E27FC236}">
+                <a16:creationId xmlns:a16="http://schemas.microsoft.com/office/drawing/2014/main" id="{F2A39FA3-9AE3-4689-A469-B7D2DFCCC2D9}"/>
+              </a:ext>
+            </a:extLst>
+          </p:cNvPr>
+          <p:cNvSpPr>
+            <a:spLocks noGrp="1"/>
+          </p:cNvSpPr>
+          <p:nvPr>
+            <p:ph type="sldNum" sz="quarter" idx="12"/>
+          </p:nvPr>
+        </p:nvSpPr>
+        <p:spPr/>
+        <p:txBody>
+          <a:bodyPr/>
+          <a:lstStyle/>
+          <a:p>
+            <a:fld id="{A49DFD55-3C28-40EF-9E31-A92D2E4017FF}" type="slidenum">
+              <a:rPr lang="en-US" smtClean="0"/>
+              <a:pPr/>
+              <a:t>8</a:t>
+            </a:fld>
+            <a:endParaRPr lang="en-US" dirty="0"/>
+          </a:p>
+        </p:txBody>
+      </p:sp>
+      <p:sp>
+        <p:nvSpPr>
+          <p:cNvPr id="8" name="Title 1">
+            <a:extLst>
+              <a:ext uri="{FF2B5EF4-FFF2-40B4-BE49-F238E27FC236}">
+                <a16:creationId xmlns:a16="http://schemas.microsoft.com/office/drawing/2014/main" id="{58F2CC3F-A8EA-80BC-B6D1-73F6ADD58B3E}"/>
+              </a:ext>
+            </a:extLst>
+          </p:cNvPr>
+          <p:cNvSpPr txBox="1">
+            <a:spLocks/>
+          </p:cNvSpPr>
           <p:nvPr/>
-        </p:nvPicPr>
-        <p:blipFill>
-          <a:blip r:embed="rId2"/>
-          <a:stretch>
-            <a:fillRect/>
-          </a:stretch>
-        </p:blipFill>
-        <p:spPr>
-          <a:xfrm>
-            <a:off x="525780" y="718808"/>
-            <a:ext cx="11140440" cy="5840483"/>
+        </p:nvSpPr>
+        <p:spPr>
+          <a:xfrm>
+            <a:off x="1673524" y="421498"/>
+            <a:ext cx="8311373" cy="1106091"/>
           </a:xfrm>
           <a:prstGeom prst="rect">
             <a:avLst/>
           </a:prstGeom>
         </p:spPr>
-      </p:pic>
-      <p:sp>
-        <p:nvSpPr>
-          <p:cNvPr id="366" name="Title 2">
-            <a:extLst>
-              <a:ext uri="{FF2B5EF4-FFF2-40B4-BE49-F238E27FC236}">
-                <a16:creationId xmlns:a16="http://schemas.microsoft.com/office/drawing/2014/main" id="{4085787E-4532-8726-D4AC-9F2932E5D035}"/>
-              </a:ext>
-            </a:extLst>
-          </p:cNvPr>
-          <p:cNvSpPr>
-            <a:spLocks noGrp="1"/>
-          </p:cNvSpPr>
-          <p:nvPr>
-            <p:ph type="title"/>
-          </p:nvPr>
-        </p:nvSpPr>
-        <p:spPr>
-          <a:xfrm>
-            <a:off x="746760" y="193040"/>
-            <a:ext cx="10515600" cy="705168"/>
-          </a:xfrm>
-        </p:spPr>
-        <p:txBody>
-          <a:bodyPr/>
+        <p:txBody>
+          <a:bodyPr vert="horz" lIns="91440" tIns="45720" rIns="91440" bIns="45720" rtlCol="0" anchor="b">
+            <a:normAutofit/>
+          </a:bodyPr>
+          <a:lstStyle>
+            <a:lvl1pPr algn="l" defTabSz="914400" rtl="0" eaLnBrk="1" latinLnBrk="0" hangingPunct="1">
+              <a:lnSpc>
+                <a:spcPct val="90000"/>
+              </a:lnSpc>
+              <a:spcBef>
+                <a:spcPct val="0"/>
+              </a:spcBef>
+              <a:buNone/>
+              <a:defRPr lang="en-US" sz="2800" b="0" i="0" kern="1200" cap="all" spc="150" baseline="0" dirty="0">
+                <a:solidFill>
+                  <a:schemeClr val="tx1"/>
+                </a:solidFill>
+                <a:effectLst/>
+                <a:latin typeface="+mj-lt"/>
+                <a:ea typeface="+mj-ea"/>
+                <a:cs typeface="+mj-cs"/>
+              </a:defRPr>
+            </a:lvl1pPr>
+          </a:lstStyle>
+          <a:p>
+            <a:r>
+              <a:rPr lang="en-US" dirty="0"/>
+              <a:t>Do Head Injuries or concussions cause players to miss more games?</a:t>
+            </a:r>
+          </a:p>
+        </p:txBody>
+      </p:sp>
+      <p:sp>
+        <p:nvSpPr>
+          <p:cNvPr id="10" name="TextBox 9">
+            <a:extLst>
+              <a:ext uri="{FF2B5EF4-FFF2-40B4-BE49-F238E27FC236}">
+                <a16:creationId xmlns:a16="http://schemas.microsoft.com/office/drawing/2014/main" id="{B3F55F45-6563-B38D-7A09-49932BB0F0A6}"/>
+              </a:ext>
+            </a:extLst>
+          </p:cNvPr>
+          <p:cNvSpPr txBox="1"/>
+          <p:nvPr/>
+        </p:nvSpPr>
+        <p:spPr>
+          <a:xfrm>
+            <a:off x="885569" y="2009570"/>
+            <a:ext cx="10678160" cy="1754326"/>
+          </a:xfrm>
+          <a:prstGeom prst="rect">
+            <a:avLst/>
+          </a:prstGeom>
+          <a:noFill/>
+        </p:spPr>
+        <p:txBody>
+          <a:bodyPr wrap="square">
+            <a:spAutoFit/>
+          </a:bodyPr>
           <a:lstStyle/>
           <a:p>
-            <a:r>
-              <a:rPr lang="en-US" dirty="0"/>
-              <a:t>NFL Map by Number of Injuries</a:t>
+            <a:pPr algn="ctr"/>
+            <a:r>
+              <a:rPr lang="en-US" dirty="0"/>
+              <a:t>Statistical Test:</a:t>
+            </a:r>
+          </a:p>
+          <a:p>
+            <a:pPr marL="285750" indent="-285750">
+              <a:buFont typeface="Arial" panose="020B0604020202020204" pitchFamily="34" charset="0"/>
+              <a:buChar char="•"/>
+            </a:pPr>
+            <a:r>
+              <a:rPr lang="en-US" dirty="0"/>
+              <a:t>H</a:t>
+            </a:r>
+            <a:r>
+              <a:rPr lang="en-US" sz="900" dirty="0"/>
+              <a:t>o</a:t>
+            </a:r>
+            <a:r>
+              <a:rPr lang="en-US" dirty="0"/>
+              <a:t>: If head injuries impact a player’s ability to participate as much as concussions, then there will not be a difference in mean number of games missed</a:t>
+            </a:r>
+          </a:p>
+          <a:p>
+            <a:pPr marL="285750" indent="-285750">
+              <a:buFont typeface="Arial" panose="020B0604020202020204" pitchFamily="34" charset="0"/>
+              <a:buChar char="•"/>
+            </a:pPr>
+            <a:r>
+              <a:rPr lang="en-US" dirty="0"/>
+              <a:t>H</a:t>
+            </a:r>
+            <a:r>
+              <a:rPr lang="en-US" sz="900" dirty="0"/>
+              <a:t>a</a:t>
+            </a:r>
+            <a:r>
+              <a:rPr lang="en-US" dirty="0"/>
+              <a:t>: If head injuries do not impact a player’s ability to participate as much as concussions, then there will be a difference in mean number of games missed</a:t>
+            </a:r>
+          </a:p>
+          <a:p>
+            <a:pPr marL="285750" indent="-285750">
+              <a:buFont typeface="Arial" panose="020B0604020202020204" pitchFamily="34" charset="0"/>
+              <a:buChar char="•"/>
+            </a:pPr>
+            <a:r>
+              <a:rPr lang="en-US" dirty="0"/>
+              <a:t>Independent t-test</a:t>
             </a:r>
           </a:p>
         </p:txBody>
@@ -12643,7 +13631,7 @@
     </p:spTree>
     <p:extLst>
       <p:ext uri="{BB962C8B-B14F-4D97-AF65-F5344CB8AC3E}">
-        <p14:creationId xmlns:p14="http://schemas.microsoft.com/office/powerpoint/2010/main" val="4055079983"/>
+        <p14:creationId xmlns:p14="http://schemas.microsoft.com/office/powerpoint/2010/main" val="942954447"/>
       </p:ext>
     </p:extLst>
   </p:cSld>
@@ -12713,7 +13701,7 @@
           <p:nvPr/>
         </p:nvPicPr>
         <p:blipFill>
-          <a:blip r:embed="rId2"/>
+          <a:blip r:embed="rId3"/>
           <a:stretch>
             <a:fillRect/>
           </a:stretch>
@@ -12728,232 +13716,6 @@
           </a:prstGeom>
         </p:spPr>
       </p:pic>
-      <p:sp>
-        <p:nvSpPr>
-          <p:cNvPr id="43" name="TextBox 42">
-            <a:extLst>
-              <a:ext uri="{FF2B5EF4-FFF2-40B4-BE49-F238E27FC236}">
-                <a16:creationId xmlns:a16="http://schemas.microsoft.com/office/drawing/2014/main" id="{625E8700-4B0A-30DB-EAAD-B22C5D81A138}"/>
-              </a:ext>
-            </a:extLst>
-          </p:cNvPr>
-          <p:cNvSpPr txBox="1"/>
-          <p:nvPr/>
-        </p:nvSpPr>
-        <p:spPr>
-          <a:xfrm>
-            <a:off x="1444671" y="3346939"/>
-            <a:ext cx="2357120" cy="1754326"/>
-          </a:xfrm>
-          <a:prstGeom prst="rect">
-            <a:avLst/>
-          </a:prstGeom>
-          <a:noFill/>
-        </p:spPr>
-        <p:txBody>
-          <a:bodyPr wrap="square" rtlCol="0">
-            <a:spAutoFit/>
-          </a:bodyPr>
-          <a:lstStyle/>
-          <a:p>
-            <a:r>
-              <a:rPr lang="en-US" dirty="0" err="1"/>
-              <a:t>stats.ttest_ind</a:t>
-            </a:r>
-            <a:r>
-              <a:rPr lang="en-US" dirty="0"/>
-              <a:t>(</a:t>
-            </a:r>
-            <a:r>
-              <a:rPr lang="en-US" dirty="0" err="1"/>
-              <a:t>play_compare</a:t>
-            </a:r>
-            <a:r>
-              <a:rPr lang="en-US" dirty="0"/>
-              <a:t>['0_x'], </a:t>
-            </a:r>
-            <a:r>
-              <a:rPr lang="en-US" dirty="0" err="1"/>
-              <a:t>play_compare</a:t>
-            </a:r>
-            <a:r>
-              <a:rPr lang="en-US" dirty="0"/>
-              <a:t>['0_y'], </a:t>
-            </a:r>
-            <a:r>
-              <a:rPr lang="en-US" dirty="0" err="1"/>
-              <a:t>equal_var</a:t>
-            </a:r>
-            <a:r>
-              <a:rPr lang="en-US" dirty="0"/>
-              <a:t>=False)</a:t>
-            </a:r>
-          </a:p>
-          <a:p>
-            <a:endParaRPr lang="en-US" dirty="0"/>
-          </a:p>
-          <a:p>
-            <a:endParaRPr lang="en-US" dirty="0"/>
-          </a:p>
-        </p:txBody>
-      </p:sp>
-      <p:sp>
-        <p:nvSpPr>
-          <p:cNvPr id="44" name="Rectangle 1">
-            <a:extLst>
-              <a:ext uri="{FF2B5EF4-FFF2-40B4-BE49-F238E27FC236}">
-                <a16:creationId xmlns:a16="http://schemas.microsoft.com/office/drawing/2014/main" id="{83C8A2D9-B733-38BD-556B-4AEC418BE65D}"/>
-              </a:ext>
-            </a:extLst>
-          </p:cNvPr>
-          <p:cNvSpPr>
-            <a:spLocks noChangeArrowheads="1"/>
-          </p:cNvSpPr>
-          <p:nvPr/>
-        </p:nvSpPr>
-        <p:spPr bwMode="auto">
-          <a:xfrm>
-            <a:off x="193940" y="5101265"/>
-            <a:ext cx="5620706" cy="153888"/>
-          </a:xfrm>
-          <a:prstGeom prst="rect">
-            <a:avLst/>
-          </a:prstGeom>
-          <a:solidFill>
-            <a:srgbClr val="FFFFFF"/>
-          </a:solidFill>
-          <a:ln>
-            <a:noFill/>
-          </a:ln>
-          <a:effectLst/>
-          <a:extLst>
-            <a:ext uri="{91240B29-F687-4F45-9708-019B960494DF}">
-              <a14:hiddenLine xmlns:a14="http://schemas.microsoft.com/office/drawing/2010/main" w="9525">
-                <a:solidFill>
-                  <a:schemeClr val="tx1"/>
-                </a:solidFill>
-                <a:miter lim="800000"/>
-                <a:headEnd/>
-                <a:tailEnd/>
-              </a14:hiddenLine>
-            </a:ext>
-            <a:ext uri="{AF507438-7753-43E0-B8FC-AC1667EBCBE1}">
-              <a14:hiddenEffects xmlns:a14="http://schemas.microsoft.com/office/drawing/2010/main">
-                <a:effectLst>
-                  <a:outerShdw dist="35921" dir="2700000" algn="ctr" rotWithShape="0">
-                    <a:schemeClr val="bg2"/>
-                  </a:outerShdw>
-                </a:effectLst>
-              </a14:hiddenEffects>
-            </a:ext>
-          </a:extLst>
-        </p:spPr>
-        <p:txBody>
-          <a:bodyPr vert="horz" wrap="square" lIns="0" tIns="0" rIns="0" bIns="0" numCol="1" anchor="ctr" anchorCtr="0" compatLnSpc="1">
-            <a:prstTxWarp prst="textNoShape">
-              <a:avLst/>
-            </a:prstTxWarp>
-            <a:spAutoFit/>
-          </a:bodyPr>
-          <a:lstStyle/>
-          <a:p>
-            <a:pPr marL="0" marR="0" lvl="0" indent="0" algn="l" defTabSz="914400" rtl="0" eaLnBrk="0" fontAlgn="base" latinLnBrk="0" hangingPunct="0">
-              <a:lnSpc>
-                <a:spcPct val="100000"/>
-              </a:lnSpc>
-              <a:spcBef>
-                <a:spcPct val="0"/>
-              </a:spcBef>
-              <a:spcAft>
-                <a:spcPct val="0"/>
-              </a:spcAft>
-              <a:buClrTx/>
-              <a:buSzTx/>
-              <a:buFontTx/>
-              <a:buNone/>
-              <a:tabLst/>
-            </a:pPr>
-            <a:r>
-              <a:rPr kumimoji="0" lang="en-US" altLang="en-US" sz="1000" b="0" i="0" u="none" strike="noStrike" cap="none" normalizeH="0" baseline="0" dirty="0" err="1">
-                <a:ln>
-                  <a:noFill/>
-                </a:ln>
-                <a:solidFill>
-                  <a:srgbClr val="000000"/>
-                </a:solidFill>
-                <a:effectLst/>
-                <a:latin typeface="Courier New" panose="02070309020205020404" pitchFamily="49" charset="0"/>
-                <a:cs typeface="Courier New" panose="02070309020205020404" pitchFamily="49" charset="0"/>
-              </a:rPr>
-              <a:t>Ttest_indResult</a:t>
-            </a:r>
-            <a:r>
-              <a:rPr kumimoji="0" lang="en-US" altLang="en-US" sz="1000" b="0" i="0" u="none" strike="noStrike" cap="none" normalizeH="0" baseline="0" dirty="0">
-                <a:ln>
-                  <a:noFill/>
-                </a:ln>
-                <a:solidFill>
-                  <a:srgbClr val="000000"/>
-                </a:solidFill>
-                <a:effectLst/>
-                <a:latin typeface="Courier New" panose="02070309020205020404" pitchFamily="49" charset="0"/>
-                <a:cs typeface="Courier New" panose="02070309020205020404" pitchFamily="49" charset="0"/>
-              </a:rPr>
-              <a:t>(statistic=-2.340507171046189, </a:t>
-            </a:r>
-            <a:r>
-              <a:rPr kumimoji="0" lang="en-US" altLang="en-US" sz="1000" b="0" i="0" u="none" strike="noStrike" cap="none" normalizeH="0" baseline="0" dirty="0" err="1">
-                <a:ln>
-                  <a:noFill/>
-                </a:ln>
-                <a:solidFill>
-                  <a:srgbClr val="000000"/>
-                </a:solidFill>
-                <a:effectLst/>
-                <a:latin typeface="Courier New" panose="02070309020205020404" pitchFamily="49" charset="0"/>
-                <a:cs typeface="Courier New" panose="02070309020205020404" pitchFamily="49" charset="0"/>
-              </a:rPr>
-              <a:t>pvalue</a:t>
-            </a:r>
-            <a:r>
-              <a:rPr kumimoji="0" lang="en-US" altLang="en-US" sz="1000" b="0" i="0" u="none" strike="noStrike" cap="none" normalizeH="0" baseline="0" dirty="0">
-                <a:ln>
-                  <a:noFill/>
-                </a:ln>
-                <a:solidFill>
-                  <a:srgbClr val="000000"/>
-                </a:solidFill>
-                <a:effectLst/>
-                <a:latin typeface="Courier New" panose="02070309020205020404" pitchFamily="49" charset="0"/>
-                <a:cs typeface="Courier New" panose="02070309020205020404" pitchFamily="49" charset="0"/>
-              </a:rPr>
-              <a:t>=0.01958606850646929)</a:t>
-            </a:r>
-            <a:r>
-              <a:rPr kumimoji="0" lang="en-US" altLang="en-US" sz="800" b="0" i="0" u="none" strike="noStrike" cap="none" normalizeH="0" baseline="0" dirty="0">
-                <a:ln>
-                  <a:noFill/>
-                </a:ln>
-                <a:solidFill>
-                  <a:schemeClr val="tx1"/>
-                </a:solidFill>
-                <a:effectLst/>
-              </a:rPr>
-              <a:t> </a:t>
-            </a:r>
-            <a:endParaRPr kumimoji="0" lang="en-US" altLang="en-US" sz="1800" b="0" i="0" u="none" strike="noStrike" cap="none" normalizeH="0" baseline="0" dirty="0">
-              <a:ln>
-                <a:noFill/>
-              </a:ln>
-              <a:solidFill>
-                <a:schemeClr val="tx1"/>
-              </a:solidFill>
-              <a:effectLst/>
-              <a:latin typeface="Arial" panose="020B0604020202020204" pitchFamily="34" charset="0"/>
-            </a:endParaRPr>
-          </a:p>
-        </p:txBody>
-      </p:sp>
     </p:spTree>
     <p:extLst>
       <p:ext uri="{BB962C8B-B14F-4D97-AF65-F5344CB8AC3E}">
@@ -13218,4 +13980,299 @@
     </a:ext>
   </a:extLst>
 </a:theme>
+</file>
+
+<file path=ppt/theme/theme2.xml><?xml version="1.0" encoding="utf-8"?>
+<a:theme xmlns:a="http://schemas.openxmlformats.org/drawingml/2006/main" name="Office Theme">
+  <a:themeElements>
+    <a:clrScheme name="Office">
+      <a:dk1>
+        <a:sysClr val="windowText" lastClr="000000"/>
+      </a:dk1>
+      <a:lt1>
+        <a:sysClr val="window" lastClr="FFFFFF"/>
+      </a:lt1>
+      <a:dk2>
+        <a:srgbClr val="44546A"/>
+      </a:dk2>
+      <a:lt2>
+        <a:srgbClr val="E7E6E6"/>
+      </a:lt2>
+      <a:accent1>
+        <a:srgbClr val="4472C4"/>
+      </a:accent1>
+      <a:accent2>
+        <a:srgbClr val="ED7D31"/>
+      </a:accent2>
+      <a:accent3>
+        <a:srgbClr val="A5A5A5"/>
+      </a:accent3>
+      <a:accent4>
+        <a:srgbClr val="FFC000"/>
+      </a:accent4>
+      <a:accent5>
+        <a:srgbClr val="5B9BD5"/>
+      </a:accent5>
+      <a:accent6>
+        <a:srgbClr val="70AD47"/>
+      </a:accent6>
+      <a:hlink>
+        <a:srgbClr val="0563C1"/>
+      </a:hlink>
+      <a:folHlink>
+        <a:srgbClr val="954F72"/>
+      </a:folHlink>
+    </a:clrScheme>
+    <a:fontScheme name="Office">
+      <a:majorFont>
+        <a:latin typeface="Calibri Light" panose="020F0302020204030204"/>
+        <a:ea typeface=""/>
+        <a:cs typeface=""/>
+        <a:font script="Jpan" typeface="游ゴシック Light"/>
+        <a:font script="Hang" typeface="맑은 고딕"/>
+        <a:font script="Hans" typeface="等线 Light"/>
+        <a:font script="Hant" typeface="新細明體"/>
+        <a:font script="Arab" typeface="Times New Roman"/>
+        <a:font script="Hebr" typeface="Times New Roman"/>
+        <a:font script="Thai" typeface="Angsana New"/>
+        <a:font script="Ethi" typeface="Nyala"/>
+        <a:font script="Beng" typeface="Vrinda"/>
+        <a:font script="Gujr" typeface="Shruti"/>
+        <a:font script="Khmr" typeface="MoolBoran"/>
+        <a:font script="Knda" typeface="Tunga"/>
+        <a:font script="Guru" typeface="Raavi"/>
+        <a:font script="Cans" typeface="Euphemia"/>
+        <a:font script="Cher" typeface="Plantagenet Cherokee"/>
+        <a:font script="Yiii" typeface="Microsoft Yi Baiti"/>
+        <a:font script="Tibt" typeface="Microsoft Himalaya"/>
+        <a:font script="Thaa" typeface="MV Boli"/>
+        <a:font script="Deva" typeface="Mangal"/>
+        <a:font script="Telu" typeface="Gautami"/>
+        <a:font script="Taml" typeface="Latha"/>
+        <a:font script="Syrc" typeface="Estrangelo Edessa"/>
+        <a:font script="Orya" typeface="Kalinga"/>
+        <a:font script="Mlym" typeface="Kartika"/>
+        <a:font script="Laoo" typeface="DokChampa"/>
+        <a:font script="Sinh" typeface="Iskoola Pota"/>
+        <a:font script="Mong" typeface="Mongolian Baiti"/>
+        <a:font script="Viet" typeface="Times New Roman"/>
+        <a:font script="Uigh" typeface="Microsoft Uighur"/>
+        <a:font script="Geor" typeface="Sylfaen"/>
+        <a:font script="Armn" typeface="Arial"/>
+        <a:font script="Bugi" typeface="Leelawadee UI"/>
+        <a:font script="Bopo" typeface="Microsoft JhengHei"/>
+        <a:font script="Java" typeface="Javanese Text"/>
+        <a:font script="Lisu" typeface="Segoe UI"/>
+        <a:font script="Mymr" typeface="Myanmar Text"/>
+        <a:font script="Nkoo" typeface="Ebrima"/>
+        <a:font script="Olck" typeface="Nirmala UI"/>
+        <a:font script="Osma" typeface="Ebrima"/>
+        <a:font script="Phag" typeface="Phagspa"/>
+        <a:font script="Syrn" typeface="Estrangelo Edessa"/>
+        <a:font script="Syrj" typeface="Estrangelo Edessa"/>
+        <a:font script="Syre" typeface="Estrangelo Edessa"/>
+        <a:font script="Sora" typeface="Nirmala UI"/>
+        <a:font script="Tale" typeface="Microsoft Tai Le"/>
+        <a:font script="Talu" typeface="Microsoft New Tai Lue"/>
+        <a:font script="Tfng" typeface="Ebrima"/>
+      </a:majorFont>
+      <a:minorFont>
+        <a:latin typeface="Calibri" panose="020F0502020204030204"/>
+        <a:ea typeface=""/>
+        <a:cs typeface=""/>
+        <a:font script="Jpan" typeface="游ゴシック"/>
+        <a:font script="Hang" typeface="맑은 고딕"/>
+        <a:font script="Hans" typeface="等线"/>
+        <a:font script="Hant" typeface="新細明體"/>
+        <a:font script="Arab" typeface="Arial"/>
+        <a:font script="Hebr" typeface="Arial"/>
+        <a:font script="Thai" typeface="Cordia New"/>
+        <a:font script="Ethi" typeface="Nyala"/>
+        <a:font script="Beng" typeface="Vrinda"/>
+        <a:font script="Gujr" typeface="Shruti"/>
+        <a:font script="Khmr" typeface="DaunPenh"/>
+        <a:font script="Knda" typeface="Tunga"/>
+        <a:font script="Guru" typeface="Raavi"/>
+        <a:font script="Cans" typeface="Euphemia"/>
+        <a:font script="Cher" typeface="Plantagenet Cherokee"/>
+        <a:font script="Yiii" typeface="Microsoft Yi Baiti"/>
+        <a:font script="Tibt" typeface="Microsoft Himalaya"/>
+        <a:font script="Thaa" typeface="MV Boli"/>
+        <a:font script="Deva" typeface="Mangal"/>
+        <a:font script="Telu" typeface="Gautami"/>
+        <a:font script="Taml" typeface="Latha"/>
+        <a:font script="Syrc" typeface="Estrangelo Edessa"/>
+        <a:font script="Orya" typeface="Kalinga"/>
+        <a:font script="Mlym" typeface="Kartika"/>
+        <a:font script="Laoo" typeface="DokChampa"/>
+        <a:font script="Sinh" typeface="Iskoola Pota"/>
+        <a:font script="Mong" typeface="Mongolian Baiti"/>
+        <a:font script="Viet" typeface="Arial"/>
+        <a:font script="Uigh" typeface="Microsoft Uighur"/>
+        <a:font script="Geor" typeface="Sylfaen"/>
+        <a:font script="Armn" typeface="Arial"/>
+        <a:font script="Bugi" typeface="Leelawadee UI"/>
+        <a:font script="Bopo" typeface="Microsoft JhengHei"/>
+        <a:font script="Java" typeface="Javanese Text"/>
+        <a:font script="Lisu" typeface="Segoe UI"/>
+        <a:font script="Mymr" typeface="Myanmar Text"/>
+        <a:font script="Nkoo" typeface="Ebrima"/>
+        <a:font script="Olck" typeface="Nirmala UI"/>
+        <a:font script="Osma" typeface="Ebrima"/>
+        <a:font script="Phag" typeface="Phagspa"/>
+        <a:font script="Syrn" typeface="Estrangelo Edessa"/>
+        <a:font script="Syrj" typeface="Estrangelo Edessa"/>
+        <a:font script="Syre" typeface="Estrangelo Edessa"/>
+        <a:font script="Sora" typeface="Nirmala UI"/>
+        <a:font script="Tale" typeface="Microsoft Tai Le"/>
+        <a:font script="Talu" typeface="Microsoft New Tai Lue"/>
+        <a:font script="Tfng" typeface="Ebrima"/>
+      </a:minorFont>
+    </a:fontScheme>
+    <a:fmtScheme name="Office">
+      <a:fillStyleLst>
+        <a:solidFill>
+          <a:schemeClr val="phClr"/>
+        </a:solidFill>
+        <a:gradFill rotWithShape="1">
+          <a:gsLst>
+            <a:gs pos="0">
+              <a:schemeClr val="phClr">
+                <a:lumMod val="110000"/>
+                <a:satMod val="105000"/>
+                <a:tint val="67000"/>
+              </a:schemeClr>
+            </a:gs>
+            <a:gs pos="50000">
+              <a:schemeClr val="phClr">
+                <a:lumMod val="105000"/>
+                <a:satMod val="103000"/>
+                <a:tint val="73000"/>
+              </a:schemeClr>
+            </a:gs>
+            <a:gs pos="100000">
+              <a:schemeClr val="phClr">
+                <a:lumMod val="105000"/>
+                <a:satMod val="109000"/>
+                <a:tint val="81000"/>
+              </a:schemeClr>
+            </a:gs>
+          </a:gsLst>
+          <a:lin ang="5400000" scaled="0"/>
+        </a:gradFill>
+        <a:gradFill rotWithShape="1">
+          <a:gsLst>
+            <a:gs pos="0">
+              <a:schemeClr val="phClr">
+                <a:satMod val="103000"/>
+                <a:lumMod val="102000"/>
+                <a:tint val="94000"/>
+              </a:schemeClr>
+            </a:gs>
+            <a:gs pos="50000">
+              <a:schemeClr val="phClr">
+                <a:satMod val="110000"/>
+                <a:lumMod val="100000"/>
+                <a:shade val="100000"/>
+              </a:schemeClr>
+            </a:gs>
+            <a:gs pos="100000">
+              <a:schemeClr val="phClr">
+                <a:lumMod val="99000"/>
+                <a:satMod val="120000"/>
+                <a:shade val="78000"/>
+              </a:schemeClr>
+            </a:gs>
+          </a:gsLst>
+          <a:lin ang="5400000" scaled="0"/>
+        </a:gradFill>
+      </a:fillStyleLst>
+      <a:lnStyleLst>
+        <a:ln w="6350" cap="flat" cmpd="sng" algn="ctr">
+          <a:solidFill>
+            <a:schemeClr val="phClr"/>
+          </a:solidFill>
+          <a:prstDash val="solid"/>
+          <a:miter lim="800000"/>
+        </a:ln>
+        <a:ln w="12700" cap="flat" cmpd="sng" algn="ctr">
+          <a:solidFill>
+            <a:schemeClr val="phClr"/>
+          </a:solidFill>
+          <a:prstDash val="solid"/>
+          <a:miter lim="800000"/>
+        </a:ln>
+        <a:ln w="19050" cap="flat" cmpd="sng" algn="ctr">
+          <a:solidFill>
+            <a:schemeClr val="phClr"/>
+          </a:solidFill>
+          <a:prstDash val="solid"/>
+          <a:miter lim="800000"/>
+        </a:ln>
+      </a:lnStyleLst>
+      <a:effectStyleLst>
+        <a:effectStyle>
+          <a:effectLst/>
+        </a:effectStyle>
+        <a:effectStyle>
+          <a:effectLst/>
+        </a:effectStyle>
+        <a:effectStyle>
+          <a:effectLst>
+            <a:outerShdw blurRad="57150" dist="19050" dir="5400000" algn="ctr" rotWithShape="0">
+              <a:srgbClr val="000000">
+                <a:alpha val="63000"/>
+              </a:srgbClr>
+            </a:outerShdw>
+          </a:effectLst>
+        </a:effectStyle>
+      </a:effectStyleLst>
+      <a:bgFillStyleLst>
+        <a:solidFill>
+          <a:schemeClr val="phClr"/>
+        </a:solidFill>
+        <a:solidFill>
+          <a:schemeClr val="phClr">
+            <a:tint val="95000"/>
+            <a:satMod val="170000"/>
+          </a:schemeClr>
+        </a:solidFill>
+        <a:gradFill rotWithShape="1">
+          <a:gsLst>
+            <a:gs pos="0">
+              <a:schemeClr val="phClr">
+                <a:tint val="93000"/>
+                <a:satMod val="150000"/>
+                <a:shade val="98000"/>
+                <a:lumMod val="102000"/>
+              </a:schemeClr>
+            </a:gs>
+            <a:gs pos="50000">
+              <a:schemeClr val="phClr">
+                <a:tint val="98000"/>
+                <a:satMod val="130000"/>
+                <a:shade val="90000"/>
+                <a:lumMod val="103000"/>
+              </a:schemeClr>
+            </a:gs>
+            <a:gs pos="100000">
+              <a:schemeClr val="phClr">
+                <a:shade val="63000"/>
+                <a:satMod val="120000"/>
+              </a:schemeClr>
+            </a:gs>
+          </a:gsLst>
+          <a:lin ang="5400000" scaled="0"/>
+        </a:gradFill>
+      </a:bgFillStyleLst>
+    </a:fmtScheme>
+  </a:themeElements>
+  <a:objectDefaults/>
+  <a:extraClrSchemeLst/>
+  <a:extLst>
+    <a:ext uri="{05A4C25C-085E-4340-85A3-A5531E510DB2}">
+      <thm15:themeFamily xmlns:thm15="http://schemas.microsoft.com/office/thememl/2012/main" name="Office Theme 2013 - 2022" id="{62F939B6-93AF-4DB8-9C6B-D6C7DFDC589F}" vid="{4A3C46E8-61CC-4603-A589-7422A47A8E4A}"/>
+    </a:ext>
+  </a:extLst>
+</a:theme>
 </file>